--- a/CVPR/논문/DA(ECCV) PPT.pptx
+++ b/CVPR/논문/DA(ECCV) PPT.pptx
@@ -6,22 +6,27 @@
   </p:sldMasterIdLst>
   <p:sldIdLst>
     <p:sldId id="256" r:id="rId2"/>
-    <p:sldId id="257" r:id="rId3"/>
-    <p:sldId id="259" r:id="rId4"/>
-    <p:sldId id="260" r:id="rId5"/>
-    <p:sldId id="261" r:id="rId6"/>
-    <p:sldId id="262" r:id="rId7"/>
-    <p:sldId id="263" r:id="rId8"/>
-    <p:sldId id="264" r:id="rId9"/>
-    <p:sldId id="265" r:id="rId10"/>
-    <p:sldId id="266" r:id="rId11"/>
-    <p:sldId id="267" r:id="rId12"/>
-    <p:sldId id="268" r:id="rId13"/>
-    <p:sldId id="269" r:id="rId14"/>
-    <p:sldId id="270" r:id="rId15"/>
-    <p:sldId id="271" r:id="rId16"/>
-    <p:sldId id="272" r:id="rId17"/>
-    <p:sldId id="273" r:id="rId18"/>
+    <p:sldId id="278" r:id="rId3"/>
+    <p:sldId id="277" r:id="rId4"/>
+    <p:sldId id="257" r:id="rId5"/>
+    <p:sldId id="259" r:id="rId6"/>
+    <p:sldId id="260" r:id="rId7"/>
+    <p:sldId id="261" r:id="rId8"/>
+    <p:sldId id="262" r:id="rId9"/>
+    <p:sldId id="274" r:id="rId10"/>
+    <p:sldId id="263" r:id="rId11"/>
+    <p:sldId id="264" r:id="rId12"/>
+    <p:sldId id="265" r:id="rId13"/>
+    <p:sldId id="266" r:id="rId14"/>
+    <p:sldId id="267" r:id="rId15"/>
+    <p:sldId id="275" r:id="rId16"/>
+    <p:sldId id="268" r:id="rId17"/>
+    <p:sldId id="269" r:id="rId18"/>
+    <p:sldId id="270" r:id="rId19"/>
+    <p:sldId id="271" r:id="rId20"/>
+    <p:sldId id="272" r:id="rId21"/>
+    <p:sldId id="273" r:id="rId22"/>
+    <p:sldId id="276" r:id="rId23"/>
   </p:sldIdLst>
   <p:sldSz cx="12192000" cy="6858000"/>
   <p:notesSz cx="6858000" cy="9144000"/>
@@ -259,7 +264,7 @@
           <a:p>
             <a:fld id="{49C8E204-AF0E-4441-855E-76DACF705B48}" type="datetimeFigureOut">
               <a:rPr lang="ko-KR" altLang="en-US" smtClean="0"/>
-              <a:t>2024-08-29</a:t>
+              <a:t>2024-08-30</a:t>
             </a:fld>
             <a:endParaRPr lang="ko-KR" altLang="en-US"/>
           </a:p>
@@ -429,7 +434,7 @@
           <a:p>
             <a:fld id="{49C8E204-AF0E-4441-855E-76DACF705B48}" type="datetimeFigureOut">
               <a:rPr lang="ko-KR" altLang="en-US" smtClean="0"/>
-              <a:t>2024-08-29</a:t>
+              <a:t>2024-08-30</a:t>
             </a:fld>
             <a:endParaRPr lang="ko-KR" altLang="en-US"/>
           </a:p>
@@ -609,7 +614,7 @@
           <a:p>
             <a:fld id="{49C8E204-AF0E-4441-855E-76DACF705B48}" type="datetimeFigureOut">
               <a:rPr lang="ko-KR" altLang="en-US" smtClean="0"/>
-              <a:t>2024-08-29</a:t>
+              <a:t>2024-08-30</a:t>
             </a:fld>
             <a:endParaRPr lang="ko-KR" altLang="en-US"/>
           </a:p>
@@ -779,7 +784,7 @@
           <a:p>
             <a:fld id="{49C8E204-AF0E-4441-855E-76DACF705B48}" type="datetimeFigureOut">
               <a:rPr lang="ko-KR" altLang="en-US" smtClean="0"/>
-              <a:t>2024-08-29</a:t>
+              <a:t>2024-08-30</a:t>
             </a:fld>
             <a:endParaRPr lang="ko-KR" altLang="en-US"/>
           </a:p>
@@ -1025,7 +1030,7 @@
           <a:p>
             <a:fld id="{49C8E204-AF0E-4441-855E-76DACF705B48}" type="datetimeFigureOut">
               <a:rPr lang="ko-KR" altLang="en-US" smtClean="0"/>
-              <a:t>2024-08-29</a:t>
+              <a:t>2024-08-30</a:t>
             </a:fld>
             <a:endParaRPr lang="ko-KR" altLang="en-US"/>
           </a:p>
@@ -1257,7 +1262,7 @@
           <a:p>
             <a:fld id="{49C8E204-AF0E-4441-855E-76DACF705B48}" type="datetimeFigureOut">
               <a:rPr lang="ko-KR" altLang="en-US" smtClean="0"/>
-              <a:t>2024-08-29</a:t>
+              <a:t>2024-08-30</a:t>
             </a:fld>
             <a:endParaRPr lang="ko-KR" altLang="en-US"/>
           </a:p>
@@ -1624,7 +1629,7 @@
           <a:p>
             <a:fld id="{49C8E204-AF0E-4441-855E-76DACF705B48}" type="datetimeFigureOut">
               <a:rPr lang="ko-KR" altLang="en-US" smtClean="0"/>
-              <a:t>2024-08-29</a:t>
+              <a:t>2024-08-30</a:t>
             </a:fld>
             <a:endParaRPr lang="ko-KR" altLang="en-US"/>
           </a:p>
@@ -1742,7 +1747,7 @@
           <a:p>
             <a:fld id="{49C8E204-AF0E-4441-855E-76DACF705B48}" type="datetimeFigureOut">
               <a:rPr lang="ko-KR" altLang="en-US" smtClean="0"/>
-              <a:t>2024-08-29</a:t>
+              <a:t>2024-08-30</a:t>
             </a:fld>
             <a:endParaRPr lang="ko-KR" altLang="en-US"/>
           </a:p>
@@ -1837,7 +1842,7 @@
           <a:p>
             <a:fld id="{49C8E204-AF0E-4441-855E-76DACF705B48}" type="datetimeFigureOut">
               <a:rPr lang="ko-KR" altLang="en-US" smtClean="0"/>
-              <a:t>2024-08-29</a:t>
+              <a:t>2024-08-30</a:t>
             </a:fld>
             <a:endParaRPr lang="ko-KR" altLang="en-US"/>
           </a:p>
@@ -2114,7 +2119,7 @@
           <a:p>
             <a:fld id="{49C8E204-AF0E-4441-855E-76DACF705B48}" type="datetimeFigureOut">
               <a:rPr lang="ko-KR" altLang="en-US" smtClean="0"/>
-              <a:t>2024-08-29</a:t>
+              <a:t>2024-08-30</a:t>
             </a:fld>
             <a:endParaRPr lang="ko-KR" altLang="en-US"/>
           </a:p>
@@ -2367,7 +2372,7 @@
           <a:p>
             <a:fld id="{49C8E204-AF0E-4441-855E-76DACF705B48}" type="datetimeFigureOut">
               <a:rPr lang="ko-KR" altLang="en-US" smtClean="0"/>
-              <a:t>2024-08-29</a:t>
+              <a:t>2024-08-30</a:t>
             </a:fld>
             <a:endParaRPr lang="ko-KR" altLang="en-US"/>
           </a:p>
@@ -2580,7 +2585,7 @@
           <a:p>
             <a:fld id="{49C8E204-AF0E-4441-855E-76DACF705B48}" type="datetimeFigureOut">
               <a:rPr lang="ko-KR" altLang="en-US" smtClean="0"/>
-              <a:t>2024-08-29</a:t>
+              <a:t>2024-08-30</a:t>
             </a:fld>
             <a:endParaRPr lang="ko-KR" altLang="en-US"/>
           </a:p>
@@ -3014,31 +3019,18 @@
           <a:lstStyle/>
           <a:p>
             <a:r>
-              <a:rPr lang="en-US" altLang="ko-KR" sz="4000" dirty="0" err="1" smtClean="0">
-                <a:latin typeface="나눔스퀘어 Bold" panose="020B0600000101010101" pitchFamily="50" charset="-127"/>
-                <a:ea typeface="나눔스퀘어 Bold" panose="020B0600000101010101" pitchFamily="50" charset="-127"/>
-              </a:rPr>
-              <a:t>GalLoP</a:t>
+              <a:rPr lang="en-US" altLang="ko-KR" sz="4000" dirty="0">
+                <a:latin typeface="나눔스퀘어 Bold" panose="020B0600000101010101" pitchFamily="50" charset="-127"/>
+                <a:ea typeface="나눔스퀘어 Bold" panose="020B0600000101010101" pitchFamily="50" charset="-127"/>
+              </a:rPr>
+              <a:t>Domain-Agnostic Mutual Prompting for Unsupervised Domain </a:t>
             </a:r>
             <a:r>
               <a:rPr lang="en-US" altLang="ko-KR" sz="4000" dirty="0" smtClean="0">
                 <a:latin typeface="나눔스퀘어 Bold" panose="020B0600000101010101" pitchFamily="50" charset="-127"/>
                 <a:ea typeface="나눔스퀘어 Bold" panose="020B0600000101010101" pitchFamily="50" charset="-127"/>
               </a:rPr>
-              <a:t>: Learning Global and Local Prompts for Vision-Language Models</a:t>
-            </a:r>
-            <a:br>
-              <a:rPr lang="en-US" altLang="ko-KR" sz="4000" dirty="0" smtClean="0">
-                <a:latin typeface="나눔스퀘어 Bold" panose="020B0600000101010101" pitchFamily="50" charset="-127"/>
-                <a:ea typeface="나눔스퀘어 Bold" panose="020B0600000101010101" pitchFamily="50" charset="-127"/>
-              </a:rPr>
-            </a:br>
-            <a:r>
-              <a:rPr lang="en-US" altLang="ko-KR" sz="4000" dirty="0" smtClean="0">
-                <a:latin typeface="나눔스퀘어 Bold" panose="020B0600000101010101" pitchFamily="50" charset="-127"/>
-                <a:ea typeface="나눔스퀘어 Bold" panose="020B0600000101010101" pitchFamily="50" charset="-127"/>
-              </a:rPr>
-              <a:t>(ECCV 2024)</a:t>
+              <a:t>Adaptation</a:t>
             </a:r>
             <a:endParaRPr lang="ko-KR" altLang="en-US" sz="4000" dirty="0"/>
           </a:p>
@@ -3065,6 +3057,95 @@
 </file>
 
 <file path=ppt/slides/slide10.xml><?xml version="1.0" encoding="utf-8"?>
+<p:sld xmlns:a="http://schemas.openxmlformats.org/drawingml/2006/main" xmlns:r="http://schemas.openxmlformats.org/officeDocument/2006/relationships" xmlns:p="http://schemas.openxmlformats.org/presentationml/2006/main">
+  <p:cSld>
+    <p:spTree>
+      <p:nvGrpSpPr>
+        <p:cNvPr id="1" name=""/>
+        <p:cNvGrpSpPr/>
+        <p:nvPr/>
+      </p:nvGrpSpPr>
+      <p:grpSpPr>
+        <a:xfrm>
+          <a:off x="0" y="0"/>
+          <a:ext cx="0" cy="0"/>
+          <a:chOff x="0" y="0"/>
+          <a:chExt cx="0" cy="0"/>
+        </a:xfrm>
+      </p:grpSpPr>
+      <p:sp>
+        <p:nvSpPr>
+          <p:cNvPr id="2" name="제목 1">
+            <a:extLst>
+              <a:ext uri="{FF2B5EF4-FFF2-40B4-BE49-F238E27FC236}">
+                <a16:creationId xmlns:a16="http://schemas.microsoft.com/office/drawing/2014/main" id="{2EE29E3B-60E4-46B8-B222-ACB10CB8AEEC}"/>
+              </a:ext>
+            </a:extLst>
+          </p:cNvPr>
+          <p:cNvSpPr>
+            <a:spLocks noGrp="1"/>
+          </p:cNvSpPr>
+          <p:nvPr>
+            <p:ph type="ctrTitle"/>
+          </p:nvPr>
+        </p:nvSpPr>
+        <p:spPr>
+          <a:xfrm>
+            <a:off x="0" y="0"/>
+            <a:ext cx="12192000" cy="2387600"/>
+          </a:xfrm>
+        </p:spPr>
+        <p:txBody>
+          <a:bodyPr>
+            <a:normAutofit/>
+          </a:bodyPr>
+          <a:lstStyle/>
+          <a:p>
+            <a:r>
+              <a:rPr lang="en-US" altLang="ko-KR" sz="4000" dirty="0" smtClean="0">
+                <a:latin typeface="나눔스퀘어 Bold" panose="020B0600000101010101" pitchFamily="50" charset="-127"/>
+                <a:ea typeface="나눔스퀘어 Bold" panose="020B0600000101010101" pitchFamily="50" charset="-127"/>
+              </a:rPr>
+              <a:t>Soft Prompt Generation for Domain Generalization</a:t>
+            </a:r>
+            <a:br>
+              <a:rPr lang="en-US" altLang="ko-KR" sz="4000" dirty="0" smtClean="0">
+                <a:latin typeface="나눔스퀘어 Bold" panose="020B0600000101010101" pitchFamily="50" charset="-127"/>
+                <a:ea typeface="나눔스퀘어 Bold" panose="020B0600000101010101" pitchFamily="50" charset="-127"/>
+              </a:rPr>
+            </a:br>
+            <a:r>
+              <a:rPr lang="en-US" altLang="ko-KR" sz="4000" dirty="0" smtClean="0">
+                <a:latin typeface="나눔스퀘어 Bold" panose="020B0600000101010101" pitchFamily="50" charset="-127"/>
+                <a:ea typeface="나눔스퀘어 Bold" panose="020B0600000101010101" pitchFamily="50" charset="-127"/>
+              </a:rPr>
+              <a:t>(ECCV 2024)</a:t>
+            </a:r>
+            <a:endParaRPr lang="ko-KR" altLang="en-US" sz="4000" dirty="0"/>
+          </a:p>
+        </p:txBody>
+      </p:sp>
+    </p:spTree>
+    <p:extLst>
+      <p:ext uri="{BB962C8B-B14F-4D97-AF65-F5344CB8AC3E}">
+        <p14:creationId xmlns:p14="http://schemas.microsoft.com/office/powerpoint/2010/main" val="1179119029"/>
+      </p:ext>
+    </p:extLst>
+  </p:cSld>
+  <p:clrMapOvr>
+    <a:masterClrMapping/>
+  </p:clrMapOvr>
+  <p:timing>
+    <p:tnLst>
+      <p:par>
+        <p:cTn id="1" dur="indefinite" restart="never" nodeType="tmRoot"/>
+      </p:par>
+    </p:tnLst>
+  </p:timing>
+</p:sld>
+</file>
+
+<file path=ppt/slides/slide11.xml><?xml version="1.0" encoding="utf-8"?>
 <p:sld xmlns:a="http://schemas.openxmlformats.org/drawingml/2006/main" xmlns:r="http://schemas.openxmlformats.org/officeDocument/2006/relationships" xmlns:p="http://schemas.openxmlformats.org/presentationml/2006/main">
   <p:cSld>
     <p:spTree>
@@ -3118,7 +3199,7 @@
                 <a:latin typeface="나눔스퀘어 Bold" panose="020B0600000101010101" pitchFamily="50" charset="-127"/>
                 <a:ea typeface="나눔스퀘어 Bold" panose="020B0600000101010101" pitchFamily="50" charset="-127"/>
               </a:rPr>
-              <a:t>4. Method</a:t>
+              <a:t>1. Introduction</a:t>
             </a:r>
           </a:p>
         </p:txBody>
@@ -3169,6 +3250,1039 @@
         </p:nvSpPr>
         <p:spPr>
           <a:xfrm>
+            <a:off x="5886445" y="4810856"/>
+            <a:ext cx="6207127" cy="523220"/>
+          </a:xfrm>
+          <a:prstGeom prst="rect">
+            <a:avLst/>
+          </a:prstGeom>
+          <a:noFill/>
+        </p:spPr>
+        <p:txBody>
+          <a:bodyPr wrap="square" rtlCol="0">
+            <a:spAutoFit/>
+          </a:bodyPr>
+          <a:lstStyle/>
+          <a:p>
+            <a:pPr marL="285750" indent="-285750">
+              <a:buFont typeface="Wingdings" panose="05000000000000000000" pitchFamily="2" charset="2"/>
+              <a:buChar char="§"/>
+            </a:pPr>
+            <a:r>
+              <a:rPr lang="ko-KR" altLang="en-US" sz="1400" dirty="0" smtClean="0">
+                <a:latin typeface="나눔스퀘어 Bold" panose="020B0600000101010101" pitchFamily="50" charset="-127"/>
+                <a:ea typeface="나눔스퀘어 Bold" panose="020B0600000101010101" pitchFamily="50" charset="-127"/>
+              </a:rPr>
+              <a:t>반면</a:t>
+            </a:r>
+            <a:r>
+              <a:rPr lang="en-US" altLang="ko-KR" sz="1400" dirty="0" smtClean="0">
+                <a:latin typeface="나눔스퀘어 Bold" panose="020B0600000101010101" pitchFamily="50" charset="-127"/>
+                <a:ea typeface="나눔스퀘어 Bold" panose="020B0600000101010101" pitchFamily="50" charset="-127"/>
+              </a:rPr>
+              <a:t>, </a:t>
+            </a:r>
+            <a:r>
+              <a:rPr lang="ko-KR" altLang="en-US" sz="1400" dirty="0" smtClean="0">
+                <a:latin typeface="나눔스퀘어 Bold" panose="020B0600000101010101" pitchFamily="50" charset="-127"/>
+                <a:ea typeface="나눔스퀘어 Bold" panose="020B0600000101010101" pitchFamily="50" charset="-127"/>
+              </a:rPr>
+              <a:t>본 논문은 </a:t>
+            </a:r>
+            <a:r>
+              <a:rPr lang="en-US" altLang="ko-KR" sz="1400" dirty="0" smtClean="0">
+                <a:latin typeface="나눔스퀘어 Bold" panose="020B0600000101010101" pitchFamily="50" charset="-127"/>
+                <a:ea typeface="나눔스퀘어 Bold" panose="020B0600000101010101" pitchFamily="50" charset="-127"/>
+              </a:rPr>
+              <a:t>generative model</a:t>
+            </a:r>
+            <a:r>
+              <a:rPr lang="ko-KR" altLang="en-US" sz="1400" dirty="0" smtClean="0">
+                <a:latin typeface="나눔스퀘어 Bold" panose="020B0600000101010101" pitchFamily="50" charset="-127"/>
+                <a:ea typeface="나눔스퀘어 Bold" panose="020B0600000101010101" pitchFamily="50" charset="-127"/>
+              </a:rPr>
+              <a:t>을 활용해 </a:t>
+            </a:r>
+            <a:r>
+              <a:rPr lang="en-US" altLang="ko-KR" sz="1400" dirty="0" smtClean="0">
+                <a:latin typeface="나눔스퀘어 Bold" panose="020B0600000101010101" pitchFamily="50" charset="-127"/>
+                <a:ea typeface="나눔스퀘어 Bold" panose="020B0600000101010101" pitchFamily="50" charset="-127"/>
+              </a:rPr>
+              <a:t>domain-specific prompt</a:t>
+            </a:r>
+            <a:r>
+              <a:rPr lang="ko-KR" altLang="en-US" sz="1400" dirty="0" smtClean="0">
+                <a:latin typeface="나눔스퀘어 Bold" panose="020B0600000101010101" pitchFamily="50" charset="-127"/>
+                <a:ea typeface="나눔스퀘어 Bold" panose="020B0600000101010101" pitchFamily="50" charset="-127"/>
+              </a:rPr>
+              <a:t>를 생성하는 방식으로 이러한 문제들을 개선함</a:t>
+            </a:r>
+          </a:p>
+        </p:txBody>
+      </p:sp>
+      <p:sp>
+        <p:nvSpPr>
+          <p:cNvPr id="10" name="TextBox 9">
+            <a:extLst>
+              <a:ext uri="{FF2B5EF4-FFF2-40B4-BE49-F238E27FC236}">
+                <a16:creationId xmlns:a16="http://schemas.microsoft.com/office/drawing/2014/main" id="{9922EEF6-C41D-4EED-AAFA-E7D60D60CE65}"/>
+              </a:ext>
+            </a:extLst>
+          </p:cNvPr>
+          <p:cNvSpPr txBox="1"/>
+          <p:nvPr/>
+        </p:nvSpPr>
+        <p:spPr>
+          <a:xfrm>
+            <a:off x="5886444" y="1976418"/>
+            <a:ext cx="6207127" cy="954107"/>
+          </a:xfrm>
+          <a:prstGeom prst="rect">
+            <a:avLst/>
+          </a:prstGeom>
+          <a:noFill/>
+        </p:spPr>
+        <p:txBody>
+          <a:bodyPr wrap="square" rtlCol="0">
+            <a:spAutoFit/>
+          </a:bodyPr>
+          <a:lstStyle/>
+          <a:p>
+            <a:pPr marL="285750" indent="-285750">
+              <a:buFont typeface="Wingdings" panose="05000000000000000000" pitchFamily="2" charset="2"/>
+              <a:buChar char="§"/>
+            </a:pPr>
+            <a:r>
+              <a:rPr lang="en-US" altLang="ko-KR" sz="1400" dirty="0" smtClean="0">
+                <a:latin typeface="나눔스퀘어 Bold" panose="020B0600000101010101" pitchFamily="50" charset="-127"/>
+                <a:ea typeface="나눔스퀘어 Bold" panose="020B0600000101010101" pitchFamily="50" charset="-127"/>
+              </a:rPr>
+              <a:t>distribution shift </a:t>
+            </a:r>
+            <a:r>
+              <a:rPr lang="ko-KR" altLang="en-US" sz="1400" dirty="0" smtClean="0">
+                <a:latin typeface="나눔스퀘어 Bold" panose="020B0600000101010101" pitchFamily="50" charset="-127"/>
+                <a:ea typeface="나눔스퀘어 Bold" panose="020B0600000101010101" pitchFamily="50" charset="-127"/>
+              </a:rPr>
+              <a:t>문제를 다루기 위해 </a:t>
+            </a:r>
+            <a:r>
+              <a:rPr lang="en-US" altLang="ko-KR" sz="1400" dirty="0" smtClean="0">
+                <a:latin typeface="나눔스퀘어 Bold" panose="020B0600000101010101" pitchFamily="50" charset="-127"/>
+                <a:ea typeface="나눔스퀘어 Bold" panose="020B0600000101010101" pitchFamily="50" charset="-127"/>
+              </a:rPr>
+              <a:t>VLM</a:t>
+            </a:r>
+            <a:r>
+              <a:rPr lang="ko-KR" altLang="en-US" sz="1400" dirty="0" smtClean="0">
+                <a:latin typeface="나눔스퀘어 Bold" panose="020B0600000101010101" pitchFamily="50" charset="-127"/>
+                <a:ea typeface="나눔스퀘어 Bold" panose="020B0600000101010101" pitchFamily="50" charset="-127"/>
+              </a:rPr>
+              <a:t>에 </a:t>
+            </a:r>
+            <a:r>
+              <a:rPr lang="en-US" altLang="ko-KR" sz="1400" dirty="0" smtClean="0">
+                <a:latin typeface="나눔스퀘어 Bold" panose="020B0600000101010101" pitchFamily="50" charset="-127"/>
+                <a:ea typeface="나눔스퀘어 Bold" panose="020B0600000101010101" pitchFamily="50" charset="-127"/>
+              </a:rPr>
+              <a:t>prompt learning</a:t>
+            </a:r>
+            <a:r>
+              <a:rPr lang="ko-KR" altLang="en-US" sz="1400" dirty="0" smtClean="0">
+                <a:latin typeface="나눔스퀘어 Bold" panose="020B0600000101010101" pitchFamily="50" charset="-127"/>
+                <a:ea typeface="나눔스퀘어 Bold" panose="020B0600000101010101" pitchFamily="50" charset="-127"/>
+              </a:rPr>
+              <a:t>을 적용한 기존 </a:t>
+            </a:r>
+            <a:r>
+              <a:rPr lang="en-US" altLang="ko-KR" sz="1400" dirty="0" smtClean="0">
+                <a:latin typeface="나눔스퀘어 Bold" panose="020B0600000101010101" pitchFamily="50" charset="-127"/>
+                <a:ea typeface="나눔스퀘어 Bold" panose="020B0600000101010101" pitchFamily="50" charset="-127"/>
+              </a:rPr>
+              <a:t>domain generalization method</a:t>
+            </a:r>
+            <a:r>
+              <a:rPr lang="ko-KR" altLang="en-US" sz="1400" dirty="0" smtClean="0">
+                <a:latin typeface="나눔스퀘어 Bold" panose="020B0600000101010101" pitchFamily="50" charset="-127"/>
+                <a:ea typeface="나눔스퀘어 Bold" panose="020B0600000101010101" pitchFamily="50" charset="-127"/>
+              </a:rPr>
+              <a:t>들은 </a:t>
+            </a:r>
+            <a:r>
+              <a:rPr lang="en-US" altLang="ko-KR" sz="1400" dirty="0" smtClean="0">
+                <a:latin typeface="나눔스퀘어 Bold" panose="020B0600000101010101" pitchFamily="50" charset="-127"/>
+                <a:ea typeface="나눔스퀘어 Bold" panose="020B0600000101010101" pitchFamily="50" charset="-127"/>
+              </a:rPr>
+              <a:t>fixed prompt</a:t>
+            </a:r>
+            <a:r>
+              <a:rPr lang="ko-KR" altLang="en-US" sz="1400" dirty="0" smtClean="0">
+                <a:latin typeface="나눔스퀘어 Bold" panose="020B0600000101010101" pitchFamily="50" charset="-127"/>
+                <a:ea typeface="나눔스퀘어 Bold" panose="020B0600000101010101" pitchFamily="50" charset="-127"/>
+              </a:rPr>
+              <a:t>나 </a:t>
+            </a:r>
+            <a:r>
+              <a:rPr lang="en-US" altLang="ko-KR" sz="1400" dirty="0" smtClean="0">
+                <a:latin typeface="나눔스퀘어 Bold" panose="020B0600000101010101" pitchFamily="50" charset="-127"/>
+                <a:ea typeface="나눔스퀘어 Bold" panose="020B0600000101010101" pitchFamily="50" charset="-127"/>
+              </a:rPr>
+              <a:t>residual prompt</a:t>
+            </a:r>
+            <a:r>
+              <a:rPr lang="ko-KR" altLang="en-US" sz="1400" dirty="0" smtClean="0">
+                <a:latin typeface="나눔스퀘어 Bold" panose="020B0600000101010101" pitchFamily="50" charset="-127"/>
+                <a:ea typeface="나눔스퀘어 Bold" panose="020B0600000101010101" pitchFamily="50" charset="-127"/>
+              </a:rPr>
+              <a:t>를 학습하기 때문에</a:t>
+            </a:r>
+            <a:r>
+              <a:rPr lang="en-US" altLang="ko-KR" sz="1400" dirty="0" smtClean="0">
+                <a:latin typeface="나눔스퀘어 Bold" panose="020B0600000101010101" pitchFamily="50" charset="-127"/>
+                <a:ea typeface="나눔스퀘어 Bold" panose="020B0600000101010101" pitchFamily="50" charset="-127"/>
+              </a:rPr>
+              <a:t>, diversity</a:t>
+            </a:r>
+            <a:r>
+              <a:rPr lang="ko-KR" altLang="en-US" sz="1400" dirty="0" smtClean="0">
+                <a:latin typeface="나눔스퀘어 Bold" panose="020B0600000101010101" pitchFamily="50" charset="-127"/>
+                <a:ea typeface="나눔스퀘어 Bold" panose="020B0600000101010101" pitchFamily="50" charset="-127"/>
+              </a:rPr>
+              <a:t>와 </a:t>
+            </a:r>
+            <a:r>
+              <a:rPr lang="en-US" altLang="ko-KR" sz="1400" dirty="0" smtClean="0">
+                <a:latin typeface="나눔스퀘어 Bold" panose="020B0600000101010101" pitchFamily="50" charset="-127"/>
+                <a:ea typeface="나눔스퀘어 Bold" panose="020B0600000101010101" pitchFamily="50" charset="-127"/>
+              </a:rPr>
+              <a:t>unseen domain</a:t>
+            </a:r>
+            <a:r>
+              <a:rPr lang="ko-KR" altLang="en-US" sz="1400" dirty="0" smtClean="0">
+                <a:latin typeface="나눔스퀘어 Bold" panose="020B0600000101010101" pitchFamily="50" charset="-127"/>
+                <a:ea typeface="나눔스퀘어 Bold" panose="020B0600000101010101" pitchFamily="50" charset="-127"/>
+              </a:rPr>
+              <a:t>으로의 </a:t>
+            </a:r>
+            <a:r>
+              <a:rPr lang="en-US" altLang="ko-KR" sz="1400" dirty="0" smtClean="0">
+                <a:latin typeface="나눔스퀘어 Bold" panose="020B0600000101010101" pitchFamily="50" charset="-127"/>
+                <a:ea typeface="나눔스퀘어 Bold" panose="020B0600000101010101" pitchFamily="50" charset="-127"/>
+              </a:rPr>
+              <a:t>transferability</a:t>
+            </a:r>
+            <a:r>
+              <a:rPr lang="ko-KR" altLang="en-US" sz="1400" dirty="0" smtClean="0">
+                <a:latin typeface="나눔스퀘어 Bold" panose="020B0600000101010101" pitchFamily="50" charset="-127"/>
+                <a:ea typeface="나눔스퀘어 Bold" panose="020B0600000101010101" pitchFamily="50" charset="-127"/>
+              </a:rPr>
+              <a:t>에 한계가 있음</a:t>
+            </a:r>
+            <a:endParaRPr lang="en-US" altLang="ko-KR" sz="1400" dirty="0" smtClean="0">
+              <a:latin typeface="나눔스퀘어 Bold" panose="020B0600000101010101" pitchFamily="50" charset="-127"/>
+              <a:ea typeface="나눔스퀘어 Bold" panose="020B0600000101010101" pitchFamily="50" charset="-127"/>
+            </a:endParaRPr>
+          </a:p>
+        </p:txBody>
+      </p:sp>
+      <p:pic>
+        <p:nvPicPr>
+          <p:cNvPr id="2" name="그림 1"/>
+          <p:cNvPicPr>
+            <a:picLocks noChangeAspect="1"/>
+          </p:cNvPicPr>
+          <p:nvPr/>
+        </p:nvPicPr>
+        <p:blipFill>
+          <a:blip r:embed="rId2"/>
+          <a:stretch>
+            <a:fillRect/>
+          </a:stretch>
+        </p:blipFill>
+        <p:spPr>
+          <a:xfrm>
+            <a:off x="123789" y="1465263"/>
+            <a:ext cx="5391221" cy="4420650"/>
+          </a:xfrm>
+          <a:prstGeom prst="rect">
+            <a:avLst/>
+          </a:prstGeom>
+        </p:spPr>
+      </p:pic>
+    </p:spTree>
+    <p:extLst>
+      <p:ext uri="{BB962C8B-B14F-4D97-AF65-F5344CB8AC3E}">
+        <p14:creationId xmlns:p14="http://schemas.microsoft.com/office/powerpoint/2010/main" val="1568131634"/>
+      </p:ext>
+    </p:extLst>
+  </p:cSld>
+  <p:clrMapOvr>
+    <a:masterClrMapping/>
+  </p:clrMapOvr>
+  <p:timing>
+    <p:tnLst>
+      <p:par>
+        <p:cTn id="1" dur="indefinite" restart="never" nodeType="tmRoot"/>
+      </p:par>
+    </p:tnLst>
+  </p:timing>
+</p:sld>
+</file>
+
+<file path=ppt/slides/slide12.xml><?xml version="1.0" encoding="utf-8"?>
+<p:sld xmlns:a="http://schemas.openxmlformats.org/drawingml/2006/main" xmlns:r="http://schemas.openxmlformats.org/officeDocument/2006/relationships" xmlns:p="http://schemas.openxmlformats.org/presentationml/2006/main">
+  <p:cSld>
+    <p:spTree>
+      <p:nvGrpSpPr>
+        <p:cNvPr id="1" name=""/>
+        <p:cNvGrpSpPr/>
+        <p:nvPr/>
+      </p:nvGrpSpPr>
+      <p:grpSpPr>
+        <a:xfrm>
+          <a:off x="0" y="0"/>
+          <a:ext cx="0" cy="0"/>
+          <a:chOff x="0" y="0"/>
+          <a:chExt cx="0" cy="0"/>
+        </a:xfrm>
+      </p:grpSpPr>
+      <p:sp>
+        <p:nvSpPr>
+          <p:cNvPr id="12" name="TextBox 11">
+            <a:extLst>
+              <a:ext uri="{FF2B5EF4-FFF2-40B4-BE49-F238E27FC236}">
+                <a16:creationId xmlns:a16="http://schemas.microsoft.com/office/drawing/2014/main" id="{C7D7709E-206F-4B6B-9ABA-DCEDF98FB299}"/>
+              </a:ext>
+            </a:extLst>
+          </p:cNvPr>
+          <p:cNvSpPr txBox="1"/>
+          <p:nvPr/>
+        </p:nvSpPr>
+        <p:spPr>
+          <a:xfrm>
+            <a:off x="1204240" y="0"/>
+            <a:ext cx="9783520" cy="584775"/>
+          </a:xfrm>
+          <a:prstGeom prst="rect">
+            <a:avLst/>
+          </a:prstGeom>
+          <a:noFill/>
+        </p:spPr>
+        <p:txBody>
+          <a:bodyPr wrap="square" rtlCol="0">
+            <a:spAutoFit/>
+          </a:bodyPr>
+          <a:lstStyle/>
+          <a:p>
+            <a:pPr algn="ctr"/>
+            <a:r>
+              <a:rPr lang="en-US" altLang="ko-KR" sz="3200" dirty="0" smtClean="0">
+                <a:solidFill>
+                  <a:srgbClr val="212529"/>
+                </a:solidFill>
+                <a:latin typeface="나눔스퀘어 Bold" panose="020B0600000101010101" pitchFamily="50" charset="-127"/>
+                <a:ea typeface="나눔스퀘어 Bold" panose="020B0600000101010101" pitchFamily="50" charset="-127"/>
+              </a:rPr>
+              <a:t>4. Method</a:t>
+            </a:r>
+          </a:p>
+        </p:txBody>
+      </p:sp>
+      <p:sp>
+        <p:nvSpPr>
+          <p:cNvPr id="19" name="TextBox 18">
+            <a:extLst>
+              <a:ext uri="{FF2B5EF4-FFF2-40B4-BE49-F238E27FC236}">
+                <a16:creationId xmlns:a16="http://schemas.microsoft.com/office/drawing/2014/main" id="{6AEAE2E7-4604-4C30-96BA-7EDCD9641507}"/>
+              </a:ext>
+            </a:extLst>
+          </p:cNvPr>
+          <p:cNvSpPr txBox="1"/>
+          <p:nvPr/>
+        </p:nvSpPr>
+        <p:spPr>
+          <a:xfrm>
+            <a:off x="5638800" y="2930525"/>
+            <a:ext cx="65" cy="276999"/>
+          </a:xfrm>
+          <a:prstGeom prst="rect">
+            <a:avLst/>
+          </a:prstGeom>
+          <a:noFill/>
+        </p:spPr>
+        <p:txBody>
+          <a:bodyPr wrap="none" lIns="0" tIns="0" rIns="0" bIns="0" rtlCol="0">
+            <a:spAutoFit/>
+          </a:bodyPr>
+          <a:lstStyle/>
+          <a:p>
+            <a:endParaRPr lang="ko-KR" altLang="en-US" dirty="0"/>
+          </a:p>
+        </p:txBody>
+      </p:sp>
+      <p:sp>
+        <p:nvSpPr>
+          <p:cNvPr id="14" name="TextBox 13">
+            <a:extLst>
+              <a:ext uri="{FF2B5EF4-FFF2-40B4-BE49-F238E27FC236}">
+                <a16:creationId xmlns:a16="http://schemas.microsoft.com/office/drawing/2014/main" id="{43AD0F1D-18AC-4DEA-AACB-5FB085B6C455}"/>
+              </a:ext>
+            </a:extLst>
+          </p:cNvPr>
+          <p:cNvSpPr txBox="1"/>
+          <p:nvPr/>
+        </p:nvSpPr>
+        <p:spPr>
+          <a:xfrm>
+            <a:off x="5886444" y="3996642"/>
+            <a:ext cx="6207127" cy="1815882"/>
+          </a:xfrm>
+          <a:prstGeom prst="rect">
+            <a:avLst/>
+          </a:prstGeom>
+          <a:noFill/>
+        </p:spPr>
+        <p:txBody>
+          <a:bodyPr wrap="square" rtlCol="0">
+            <a:spAutoFit/>
+          </a:bodyPr>
+          <a:lstStyle/>
+          <a:p>
+            <a:pPr marL="285750" indent="-285750">
+              <a:buFont typeface="Wingdings" panose="05000000000000000000" pitchFamily="2" charset="2"/>
+              <a:buChar char="§"/>
+            </a:pPr>
+            <a:r>
+              <a:rPr lang="en-US" altLang="ko-KR" sz="1400" dirty="0" smtClean="0">
+                <a:latin typeface="나눔스퀘어 Bold" panose="020B0600000101010101" pitchFamily="50" charset="-127"/>
+                <a:ea typeface="나눔스퀘어 Bold" panose="020B0600000101010101" pitchFamily="50" charset="-127"/>
+              </a:rPr>
+              <a:t>Stage 2</a:t>
+            </a:r>
+            <a:r>
+              <a:rPr lang="ko-KR" altLang="en-US" sz="1400" dirty="0" smtClean="0">
+                <a:latin typeface="나눔스퀘어 Bold" panose="020B0600000101010101" pitchFamily="50" charset="-127"/>
+                <a:ea typeface="나눔스퀘어 Bold" panose="020B0600000101010101" pitchFamily="50" charset="-127"/>
+              </a:rPr>
+              <a:t>에서는 </a:t>
+            </a:r>
+            <a:r>
+              <a:rPr lang="en-US" altLang="ko-KR" sz="1400" dirty="0" smtClean="0">
+                <a:latin typeface="나눔스퀘어 Bold" panose="020B0600000101010101" pitchFamily="50" charset="-127"/>
+                <a:ea typeface="나눔스퀘어 Bold" panose="020B0600000101010101" pitchFamily="50" charset="-127"/>
+              </a:rPr>
+              <a:t>Generative Model Pre-training </a:t>
+            </a:r>
+            <a:r>
+              <a:rPr lang="ko-KR" altLang="en-US" sz="1400" dirty="0" smtClean="0">
+                <a:latin typeface="나눔스퀘어 Bold" panose="020B0600000101010101" pitchFamily="50" charset="-127"/>
+                <a:ea typeface="나눔스퀘어 Bold" panose="020B0600000101010101" pitchFamily="50" charset="-127"/>
+              </a:rPr>
+              <a:t>과정을 통해 </a:t>
+            </a:r>
+            <a:r>
+              <a:rPr lang="en-US" altLang="ko-KR" sz="1400" dirty="0" smtClean="0">
+                <a:latin typeface="나눔스퀘어 Bold" panose="020B0600000101010101" pitchFamily="50" charset="-127"/>
+                <a:ea typeface="나눔스퀘어 Bold" panose="020B0600000101010101" pitchFamily="50" charset="-127"/>
+              </a:rPr>
+              <a:t>CGAN</a:t>
+            </a:r>
+            <a:r>
+              <a:rPr lang="ko-KR" altLang="en-US" sz="1400" dirty="0" smtClean="0">
+                <a:latin typeface="나눔스퀘어 Bold" panose="020B0600000101010101" pitchFamily="50" charset="-127"/>
+                <a:ea typeface="나눔스퀘어 Bold" panose="020B0600000101010101" pitchFamily="50" charset="-127"/>
+              </a:rPr>
+              <a:t>을 학습함</a:t>
+            </a:r>
+            <a:endParaRPr lang="en-US" altLang="ko-KR" sz="1400" dirty="0" smtClean="0">
+              <a:latin typeface="나눔스퀘어 Bold" panose="020B0600000101010101" pitchFamily="50" charset="-127"/>
+              <a:ea typeface="나눔스퀘어 Bold" panose="020B0600000101010101" pitchFamily="50" charset="-127"/>
+            </a:endParaRPr>
+          </a:p>
+          <a:p>
+            <a:pPr marL="285750" indent="-285750">
+              <a:buFont typeface="Wingdings" panose="05000000000000000000" pitchFamily="2" charset="2"/>
+              <a:buChar char="§"/>
+            </a:pPr>
+            <a:endParaRPr lang="en-US" altLang="ko-KR" sz="1400" dirty="0">
+              <a:latin typeface="나눔스퀘어 Bold" panose="020B0600000101010101" pitchFamily="50" charset="-127"/>
+              <a:ea typeface="나눔스퀘어 Bold" panose="020B0600000101010101" pitchFamily="50" charset="-127"/>
+            </a:endParaRPr>
+          </a:p>
+          <a:p>
+            <a:pPr marL="285750" indent="-285750">
+              <a:buFont typeface="Wingdings" panose="05000000000000000000" pitchFamily="2" charset="2"/>
+              <a:buChar char="§"/>
+            </a:pPr>
+            <a:r>
+              <a:rPr lang="en-US" altLang="ko-KR" sz="1400" dirty="0" smtClean="0">
+                <a:latin typeface="나눔스퀘어 Bold" panose="020B0600000101010101" pitchFamily="50" charset="-127"/>
+                <a:ea typeface="나눔스퀘어 Bold" panose="020B0600000101010101" pitchFamily="50" charset="-127"/>
+              </a:rPr>
+              <a:t>generator</a:t>
+            </a:r>
+            <a:r>
+              <a:rPr lang="ko-KR" altLang="en-US" sz="1400" dirty="0" smtClean="0">
+                <a:latin typeface="나눔스퀘어 Bold" panose="020B0600000101010101" pitchFamily="50" charset="-127"/>
+                <a:ea typeface="나눔스퀘어 Bold" panose="020B0600000101010101" pitchFamily="50" charset="-127"/>
+              </a:rPr>
+              <a:t>에 </a:t>
+            </a:r>
+            <a:r>
+              <a:rPr lang="en-US" altLang="ko-KR" sz="1400" dirty="0" smtClean="0">
+                <a:latin typeface="나눔스퀘어 Bold" panose="020B0600000101010101" pitchFamily="50" charset="-127"/>
+                <a:ea typeface="나눔스퀘어 Bold" panose="020B0600000101010101" pitchFamily="50" charset="-127"/>
+              </a:rPr>
+              <a:t>noise z</a:t>
+            </a:r>
+            <a:r>
+              <a:rPr lang="ko-KR" altLang="en-US" sz="1400" dirty="0" smtClean="0">
+                <a:latin typeface="나눔스퀘어 Bold" panose="020B0600000101010101" pitchFamily="50" charset="-127"/>
+                <a:ea typeface="나눔스퀘어 Bold" panose="020B0600000101010101" pitchFamily="50" charset="-127"/>
+              </a:rPr>
+              <a:t>와 함께 </a:t>
+            </a:r>
+            <a:r>
+              <a:rPr lang="en-US" altLang="ko-KR" sz="1400" dirty="0" smtClean="0">
+                <a:latin typeface="나눔스퀘어 Bold" panose="020B0600000101010101" pitchFamily="50" charset="-127"/>
+                <a:ea typeface="나눔스퀘어 Bold" panose="020B0600000101010101" pitchFamily="50" charset="-127"/>
+              </a:rPr>
+              <a:t>image embedding</a:t>
+            </a:r>
+            <a:r>
+              <a:rPr lang="ko-KR" altLang="en-US" sz="1400" dirty="0" smtClean="0">
+                <a:latin typeface="나눔스퀘어 Bold" panose="020B0600000101010101" pitchFamily="50" charset="-127"/>
+                <a:ea typeface="나눔스퀘어 Bold" panose="020B0600000101010101" pitchFamily="50" charset="-127"/>
+              </a:rPr>
+              <a:t>을 입력해</a:t>
+            </a:r>
+            <a:r>
+              <a:rPr lang="en-US" altLang="ko-KR" sz="1400" dirty="0" smtClean="0">
+                <a:latin typeface="나눔스퀘어 Bold" panose="020B0600000101010101" pitchFamily="50" charset="-127"/>
+                <a:ea typeface="나눔스퀘어 Bold" panose="020B0600000101010101" pitchFamily="50" charset="-127"/>
+              </a:rPr>
+              <a:t>, generated prompt</a:t>
+            </a:r>
+            <a:r>
+              <a:rPr lang="ko-KR" altLang="en-US" sz="1400" dirty="0" smtClean="0">
+                <a:latin typeface="나눔스퀘어 Bold" panose="020B0600000101010101" pitchFamily="50" charset="-127"/>
+                <a:ea typeface="나눔스퀘어 Bold" panose="020B0600000101010101" pitchFamily="50" charset="-127"/>
+              </a:rPr>
+              <a:t>를 생성함</a:t>
+            </a:r>
+            <a:endParaRPr lang="en-US" altLang="ko-KR" sz="1400" dirty="0" smtClean="0">
+              <a:latin typeface="나눔스퀘어 Bold" panose="020B0600000101010101" pitchFamily="50" charset="-127"/>
+              <a:ea typeface="나눔스퀘어 Bold" panose="020B0600000101010101" pitchFamily="50" charset="-127"/>
+            </a:endParaRPr>
+          </a:p>
+          <a:p>
+            <a:pPr marL="285750" indent="-285750">
+              <a:buFont typeface="Wingdings" panose="05000000000000000000" pitchFamily="2" charset="2"/>
+              <a:buChar char="§"/>
+            </a:pPr>
+            <a:endParaRPr lang="en-US" altLang="ko-KR" sz="1400" dirty="0">
+              <a:latin typeface="나눔스퀘어 Bold" panose="020B0600000101010101" pitchFamily="50" charset="-127"/>
+              <a:ea typeface="나눔스퀘어 Bold" panose="020B0600000101010101" pitchFamily="50" charset="-127"/>
+            </a:endParaRPr>
+          </a:p>
+          <a:p>
+            <a:pPr marL="285750" indent="-285750">
+              <a:buFont typeface="Wingdings" panose="05000000000000000000" pitchFamily="2" charset="2"/>
+              <a:buChar char="§"/>
+            </a:pPr>
+            <a:r>
+              <a:rPr lang="en-US" altLang="ko-KR" sz="1400" dirty="0" smtClean="0">
+                <a:latin typeface="나눔스퀘어 Bold" panose="020B0600000101010101" pitchFamily="50" charset="-127"/>
+                <a:ea typeface="나눔스퀘어 Bold" panose="020B0600000101010101" pitchFamily="50" charset="-127"/>
+              </a:rPr>
+              <a:t>discriminator</a:t>
+            </a:r>
+            <a:r>
+              <a:rPr lang="ko-KR" altLang="en-US" sz="1400" dirty="0" smtClean="0">
+                <a:latin typeface="나눔스퀘어 Bold" panose="020B0600000101010101" pitchFamily="50" charset="-127"/>
+                <a:ea typeface="나눔스퀘어 Bold" panose="020B0600000101010101" pitchFamily="50" charset="-127"/>
+              </a:rPr>
+              <a:t>는 앞서 학습한 </a:t>
+            </a:r>
+            <a:r>
+              <a:rPr lang="en-US" altLang="ko-KR" sz="1400" dirty="0" smtClean="0">
+                <a:latin typeface="나눔스퀘어 Bold" panose="020B0600000101010101" pitchFamily="50" charset="-127"/>
+                <a:ea typeface="나눔스퀘어 Bold" panose="020B0600000101010101" pitchFamily="50" charset="-127"/>
+              </a:rPr>
+              <a:t>domain prompt label</a:t>
+            </a:r>
+            <a:r>
+              <a:rPr lang="ko-KR" altLang="en-US" sz="1400" dirty="0" smtClean="0">
+                <a:latin typeface="나눔스퀘어 Bold" panose="020B0600000101010101" pitchFamily="50" charset="-127"/>
+                <a:ea typeface="나눔스퀘어 Bold" panose="020B0600000101010101" pitchFamily="50" charset="-127"/>
+              </a:rPr>
+              <a:t>을 </a:t>
+            </a:r>
+            <a:r>
+              <a:rPr lang="en-US" altLang="ko-KR" sz="1400" dirty="0" smtClean="0">
+                <a:latin typeface="나눔스퀘어 Bold" panose="020B0600000101010101" pitchFamily="50" charset="-127"/>
+                <a:ea typeface="나눔스퀘어 Bold" panose="020B0600000101010101" pitchFamily="50" charset="-127"/>
+              </a:rPr>
+              <a:t>1, generated prompt</a:t>
+            </a:r>
+            <a:r>
+              <a:rPr lang="ko-KR" altLang="en-US" sz="1400" dirty="0" smtClean="0">
+                <a:latin typeface="나눔스퀘어 Bold" panose="020B0600000101010101" pitchFamily="50" charset="-127"/>
+                <a:ea typeface="나눔스퀘어 Bold" panose="020B0600000101010101" pitchFamily="50" charset="-127"/>
+              </a:rPr>
+              <a:t>를 </a:t>
+            </a:r>
+            <a:r>
+              <a:rPr lang="en-US" altLang="ko-KR" sz="1400" dirty="0" smtClean="0">
+                <a:latin typeface="나눔스퀘어 Bold" panose="020B0600000101010101" pitchFamily="50" charset="-127"/>
+                <a:ea typeface="나눔스퀘어 Bold" panose="020B0600000101010101" pitchFamily="50" charset="-127"/>
+              </a:rPr>
+              <a:t>0</a:t>
+            </a:r>
+            <a:r>
+              <a:rPr lang="ko-KR" altLang="en-US" sz="1400" dirty="0" smtClean="0">
+                <a:latin typeface="나눔스퀘어 Bold" panose="020B0600000101010101" pitchFamily="50" charset="-127"/>
+                <a:ea typeface="나눔스퀘어 Bold" panose="020B0600000101010101" pitchFamily="50" charset="-127"/>
+              </a:rPr>
+              <a:t>으로 예측함</a:t>
+            </a:r>
+          </a:p>
+        </p:txBody>
+      </p:sp>
+      <mc:AlternateContent xmlns:mc="http://schemas.openxmlformats.org/markup-compatibility/2006" xmlns:a14="http://schemas.microsoft.com/office/drawing/2010/main">
+        <mc:Choice Requires="a14">
+          <p:sp>
+            <p:nvSpPr>
+              <p:cNvPr id="10" name="TextBox 9">
+                <a:extLst>
+                  <a:ext uri="{FF2B5EF4-FFF2-40B4-BE49-F238E27FC236}">
+                    <a16:creationId xmlns:a16="http://schemas.microsoft.com/office/drawing/2014/main" id="{9922EEF6-C41D-4EED-AAFA-E7D60D60CE65}"/>
+                  </a:ext>
+                </a:extLst>
+              </p:cNvPr>
+              <p:cNvSpPr txBox="1"/>
+              <p:nvPr/>
+            </p:nvSpPr>
+            <p:spPr>
+              <a:xfrm>
+                <a:off x="5886444" y="1266655"/>
+                <a:ext cx="6207127" cy="957891"/>
+              </a:xfrm>
+              <a:prstGeom prst="rect">
+                <a:avLst/>
+              </a:prstGeom>
+              <a:noFill/>
+            </p:spPr>
+            <p:txBody>
+              <a:bodyPr wrap="square" rtlCol="0">
+                <a:spAutoFit/>
+              </a:bodyPr>
+              <a:lstStyle/>
+              <a:p>
+                <a:pPr marL="285750" indent="-285750">
+                  <a:buFont typeface="Wingdings" panose="05000000000000000000" pitchFamily="2" charset="2"/>
+                  <a:buChar char="§"/>
+                </a:pPr>
+                <a:r>
+                  <a:rPr lang="ko-KR" altLang="en-US" sz="1400" dirty="0" smtClean="0">
+                    <a:latin typeface="나눔스퀘어 Bold" panose="020B0600000101010101" pitchFamily="50" charset="-127"/>
+                    <a:ea typeface="나눔스퀘어 Bold" panose="020B0600000101010101" pitchFamily="50" charset="-127"/>
+                  </a:rPr>
+                  <a:t>학습은 </a:t>
+                </a:r>
+                <a:r>
+                  <a:rPr lang="en-US" altLang="ko-KR" sz="1400" dirty="0" smtClean="0">
+                    <a:latin typeface="나눔스퀘어 Bold" panose="020B0600000101010101" pitchFamily="50" charset="-127"/>
+                    <a:ea typeface="나눔스퀘어 Bold" panose="020B0600000101010101" pitchFamily="50" charset="-127"/>
+                  </a:rPr>
+                  <a:t>Two-stage training</a:t>
+                </a:r>
+                <a:r>
+                  <a:rPr lang="ko-KR" altLang="en-US" sz="1400" dirty="0" smtClean="0">
+                    <a:latin typeface="나눔스퀘어 Bold" panose="020B0600000101010101" pitchFamily="50" charset="-127"/>
+                    <a:ea typeface="나눔스퀘어 Bold" panose="020B0600000101010101" pitchFamily="50" charset="-127"/>
+                  </a:rPr>
+                  <a:t>으로 진행됨</a:t>
+                </a:r>
+                <a:endParaRPr lang="en-US" altLang="ko-KR" sz="1400" dirty="0" smtClean="0">
+                  <a:latin typeface="나눔스퀘어 Bold" panose="020B0600000101010101" pitchFamily="50" charset="-127"/>
+                  <a:ea typeface="나눔스퀘어 Bold" panose="020B0600000101010101" pitchFamily="50" charset="-127"/>
+                </a:endParaRPr>
+              </a:p>
+              <a:p>
+                <a:pPr marL="285750" indent="-285750">
+                  <a:buFont typeface="Wingdings" panose="05000000000000000000" pitchFamily="2" charset="2"/>
+                  <a:buChar char="§"/>
+                </a:pPr>
+                <a:endParaRPr lang="en-US" altLang="ko-KR" sz="1400" dirty="0">
+                  <a:latin typeface="나눔스퀘어 Bold" panose="020B0600000101010101" pitchFamily="50" charset="-127"/>
+                  <a:ea typeface="나눔스퀘어 Bold" panose="020B0600000101010101" pitchFamily="50" charset="-127"/>
+                </a:endParaRPr>
+              </a:p>
+              <a:p>
+                <a:pPr marL="285750" indent="-285750">
+                  <a:buFont typeface="Wingdings" panose="05000000000000000000" pitchFamily="2" charset="2"/>
+                  <a:buChar char="§"/>
+                </a:pPr>
+                <a:r>
+                  <a:rPr lang="en-US" altLang="ko-KR" sz="1400" dirty="0" smtClean="0">
+                    <a:latin typeface="나눔스퀘어 Bold" panose="020B0600000101010101" pitchFamily="50" charset="-127"/>
+                    <a:ea typeface="나눔스퀘어 Bold" panose="020B0600000101010101" pitchFamily="50" charset="-127"/>
+                  </a:rPr>
+                  <a:t>stage 1</a:t>
+                </a:r>
+                <a:r>
+                  <a:rPr lang="ko-KR" altLang="en-US" sz="1400" dirty="0" smtClean="0">
+                    <a:latin typeface="나눔스퀘어 Bold" panose="020B0600000101010101" pitchFamily="50" charset="-127"/>
+                    <a:ea typeface="나눔스퀘어 Bold" panose="020B0600000101010101" pitchFamily="50" charset="-127"/>
+                  </a:rPr>
+                  <a:t>에서는 각 </a:t>
+                </a:r>
+                <a:r>
+                  <a:rPr lang="en-US" altLang="ko-KR" sz="1400" dirty="0" smtClean="0">
+                    <a:latin typeface="나눔스퀘어 Bold" panose="020B0600000101010101" pitchFamily="50" charset="-127"/>
+                    <a:ea typeface="나눔스퀘어 Bold" panose="020B0600000101010101" pitchFamily="50" charset="-127"/>
+                  </a:rPr>
+                  <a:t>domain</a:t>
+                </a:r>
+                <a:r>
+                  <a:rPr lang="ko-KR" altLang="en-US" sz="1400" dirty="0" smtClean="0">
+                    <a:latin typeface="나눔스퀘어 Bold" panose="020B0600000101010101" pitchFamily="50" charset="-127"/>
+                    <a:ea typeface="나눔스퀘어 Bold" panose="020B0600000101010101" pitchFamily="50" charset="-127"/>
+                  </a:rPr>
+                  <a:t>에 해당하는 </a:t>
+                </a:r>
+                <a:r>
+                  <a:rPr lang="en-US" altLang="ko-KR" sz="1400" dirty="0" smtClean="0">
+                    <a:latin typeface="나눔스퀘어 Bold" panose="020B0600000101010101" pitchFamily="50" charset="-127"/>
+                    <a:ea typeface="나눔스퀘어 Bold" panose="020B0600000101010101" pitchFamily="50" charset="-127"/>
+                  </a:rPr>
+                  <a:t>domain prompt label </a:t>
+                </a:r>
+                <a14:m>
+                  <m:oMath xmlns:m="http://schemas.openxmlformats.org/officeDocument/2006/math">
+                    <m:sSup>
+                      <m:sSupPr>
+                        <m:ctrlPr>
+                          <a:rPr lang="en-US" altLang="ko-KR" sz="1400" i="1" smtClean="0">
+                            <a:latin typeface="Cambria Math" panose="02040503050406030204" pitchFamily="18" charset="0"/>
+                            <a:ea typeface="나눔스퀘어 Bold" panose="020B0600000101010101" pitchFamily="50" charset="-127"/>
+                          </a:rPr>
+                        </m:ctrlPr>
+                      </m:sSupPr>
+                      <m:e>
+                        <m:r>
+                          <a:rPr lang="en-US" altLang="ko-KR" sz="1400" b="0" i="1" smtClean="0">
+                            <a:latin typeface="Cambria Math" panose="02040503050406030204" pitchFamily="18" charset="0"/>
+                            <a:ea typeface="나눔스퀘어 Bold" panose="020B0600000101010101" pitchFamily="50" charset="-127"/>
+                          </a:rPr>
+                          <m:t>𝑣</m:t>
+                        </m:r>
+                      </m:e>
+                      <m:sup>
+                        <m:sSub>
+                          <m:sSubPr>
+                            <m:ctrlPr>
+                              <a:rPr lang="en-US" altLang="ko-KR" sz="1400" i="1" smtClean="0">
+                                <a:latin typeface="Cambria Math" panose="02040503050406030204" pitchFamily="18" charset="0"/>
+                                <a:ea typeface="나눔스퀘어 Bold" panose="020B0600000101010101" pitchFamily="50" charset="-127"/>
+                              </a:rPr>
+                            </m:ctrlPr>
+                          </m:sSubPr>
+                          <m:e>
+                            <m:r>
+                              <a:rPr lang="en-US" altLang="ko-KR" sz="1400" b="0" i="1" smtClean="0">
+                                <a:latin typeface="Cambria Math" panose="02040503050406030204" pitchFamily="18" charset="0"/>
+                                <a:ea typeface="나눔스퀘어 Bold" panose="020B0600000101010101" pitchFamily="50" charset="-127"/>
+                              </a:rPr>
+                              <m:t>𝑑</m:t>
+                            </m:r>
+                          </m:e>
+                          <m:sub>
+                            <m:r>
+                              <a:rPr lang="en-US" altLang="ko-KR" sz="1400" b="0" i="1" smtClean="0">
+                                <a:latin typeface="Cambria Math" panose="02040503050406030204" pitchFamily="18" charset="0"/>
+                                <a:ea typeface="나눔스퀘어 Bold" panose="020B0600000101010101" pitchFamily="50" charset="-127"/>
+                              </a:rPr>
+                              <m:t>𝑖</m:t>
+                            </m:r>
+                          </m:sub>
+                        </m:sSub>
+                      </m:sup>
+                    </m:sSup>
+                  </m:oMath>
+                </a14:m>
+                <a:r>
+                  <a:rPr lang="ko-KR" altLang="en-US" sz="1400" dirty="0" smtClean="0">
+                    <a:latin typeface="나눔스퀘어 Bold" panose="020B0600000101010101" pitchFamily="50" charset="-127"/>
+                    <a:ea typeface="나눔스퀘어 Bold" panose="020B0600000101010101" pitchFamily="50" charset="-127"/>
+                  </a:rPr>
+                  <a:t>를 일반적인 </a:t>
+                </a:r>
+                <a:r>
+                  <a:rPr lang="en-US" altLang="ko-KR" sz="1400" dirty="0" smtClean="0">
+                    <a:latin typeface="나눔스퀘어 Bold" panose="020B0600000101010101" pitchFamily="50" charset="-127"/>
+                    <a:ea typeface="나눔스퀘어 Bold" panose="020B0600000101010101" pitchFamily="50" charset="-127"/>
+                  </a:rPr>
+                  <a:t>prompt tuning</a:t>
+                </a:r>
+                <a:r>
+                  <a:rPr lang="ko-KR" altLang="en-US" sz="1400" dirty="0" smtClean="0">
+                    <a:latin typeface="나눔스퀘어 Bold" panose="020B0600000101010101" pitchFamily="50" charset="-127"/>
+                    <a:ea typeface="나눔스퀘어 Bold" panose="020B0600000101010101" pitchFamily="50" charset="-127"/>
+                  </a:rPr>
+                  <a:t> 방식으로 학습함</a:t>
+                </a:r>
+                <a:endParaRPr lang="en-US" altLang="ko-KR" sz="1400" dirty="0" smtClean="0">
+                  <a:latin typeface="나눔스퀘어 Bold" panose="020B0600000101010101" pitchFamily="50" charset="-127"/>
+                  <a:ea typeface="나눔스퀘어 Bold" panose="020B0600000101010101" pitchFamily="50" charset="-127"/>
+                </a:endParaRPr>
+              </a:p>
+            </p:txBody>
+          </p:sp>
+        </mc:Choice>
+        <mc:Fallback xmlns="">
+          <p:sp>
+            <p:nvSpPr>
+              <p:cNvPr id="10" name="TextBox 9">
+                <a:extLst>
+                  <a:ext uri="{FF2B5EF4-FFF2-40B4-BE49-F238E27FC236}">
+                    <a16:creationId xmlns:a16="http://schemas.microsoft.com/office/drawing/2014/main" id="{9922EEF6-C41D-4EED-AAFA-E7D60D60CE65}"/>
+                  </a:ext>
+                </a:extLst>
+              </p:cNvPr>
+              <p:cNvSpPr txBox="1">
+                <a:spLocks noRot="1" noChangeAspect="1" noMove="1" noResize="1" noEditPoints="1" noAdjustHandles="1" noChangeArrowheads="1" noChangeShapeType="1" noTextEdit="1"/>
+              </p:cNvSpPr>
+              <p:nvPr/>
+            </p:nvSpPr>
+            <p:spPr>
+              <a:xfrm>
+                <a:off x="5886444" y="1266655"/>
+                <a:ext cx="6207127" cy="957891"/>
+              </a:xfrm>
+              <a:prstGeom prst="rect">
+                <a:avLst/>
+              </a:prstGeom>
+              <a:blipFill>
+                <a:blip r:embed="rId2"/>
+                <a:stretch>
+                  <a:fillRect l="-196" t="-1274" b="-5096"/>
+                </a:stretch>
+              </a:blipFill>
+            </p:spPr>
+            <p:txBody>
+              <a:bodyPr/>
+              <a:lstStyle/>
+              <a:p>
+                <a:r>
+                  <a:rPr lang="ko-KR" altLang="en-US">
+                    <a:noFill/>
+                  </a:rPr>
+                  <a:t> </a:t>
+                </a:r>
+              </a:p>
+            </p:txBody>
+          </p:sp>
+        </mc:Fallback>
+      </mc:AlternateContent>
+      <p:pic>
+        <p:nvPicPr>
+          <p:cNvPr id="2" name="그림 1"/>
+          <p:cNvPicPr>
+            <a:picLocks noChangeAspect="1"/>
+          </p:cNvPicPr>
+          <p:nvPr/>
+        </p:nvPicPr>
+        <p:blipFill>
+          <a:blip r:embed="rId3"/>
+          <a:stretch>
+            <a:fillRect/>
+          </a:stretch>
+        </p:blipFill>
+        <p:spPr>
+          <a:xfrm>
+            <a:off x="760806" y="660576"/>
+            <a:ext cx="4316011" cy="2546948"/>
+          </a:xfrm>
+          <a:prstGeom prst="rect">
+            <a:avLst/>
+          </a:prstGeom>
+        </p:spPr>
+      </p:pic>
+      <p:pic>
+        <p:nvPicPr>
+          <p:cNvPr id="9" name="그림 8"/>
+          <p:cNvPicPr>
+            <a:picLocks noChangeAspect="1"/>
+          </p:cNvPicPr>
+          <p:nvPr/>
+        </p:nvPicPr>
+        <p:blipFill>
+          <a:blip r:embed="rId4"/>
+          <a:stretch>
+            <a:fillRect/>
+          </a:stretch>
+        </p:blipFill>
+        <p:spPr>
+          <a:xfrm>
+            <a:off x="1014802" y="5812524"/>
+            <a:ext cx="3808011" cy="681354"/>
+          </a:xfrm>
+          <a:prstGeom prst="rect">
+            <a:avLst/>
+          </a:prstGeom>
+        </p:spPr>
+      </p:pic>
+      <p:pic>
+        <p:nvPicPr>
+          <p:cNvPr id="11" name="그림 10"/>
+          <p:cNvPicPr>
+            <a:picLocks noChangeAspect="1"/>
+          </p:cNvPicPr>
+          <p:nvPr/>
+        </p:nvPicPr>
+        <p:blipFill>
+          <a:blip r:embed="rId5"/>
+          <a:stretch>
+            <a:fillRect/>
+          </a:stretch>
+        </p:blipFill>
+        <p:spPr>
+          <a:xfrm>
+            <a:off x="760803" y="3283325"/>
+            <a:ext cx="4316011" cy="2366844"/>
+          </a:xfrm>
+          <a:prstGeom prst="rect">
+            <a:avLst/>
+          </a:prstGeom>
+        </p:spPr>
+      </p:pic>
+    </p:spTree>
+    <p:extLst>
+      <p:ext uri="{BB962C8B-B14F-4D97-AF65-F5344CB8AC3E}">
+        <p14:creationId xmlns:p14="http://schemas.microsoft.com/office/powerpoint/2010/main" val="2373892484"/>
+      </p:ext>
+    </p:extLst>
+  </p:cSld>
+  <p:clrMapOvr>
+    <a:masterClrMapping/>
+  </p:clrMapOvr>
+  <p:timing>
+    <p:tnLst>
+      <p:par>
+        <p:cTn id="1" dur="indefinite" restart="never" nodeType="tmRoot"/>
+      </p:par>
+    </p:tnLst>
+  </p:timing>
+</p:sld>
+</file>
+
+<file path=ppt/slides/slide13.xml><?xml version="1.0" encoding="utf-8"?>
+<p:sld xmlns:a="http://schemas.openxmlformats.org/drawingml/2006/main" xmlns:r="http://schemas.openxmlformats.org/officeDocument/2006/relationships" xmlns:p="http://schemas.openxmlformats.org/presentationml/2006/main">
+  <p:cSld>
+    <p:spTree>
+      <p:nvGrpSpPr>
+        <p:cNvPr id="1" name=""/>
+        <p:cNvGrpSpPr/>
+        <p:nvPr/>
+      </p:nvGrpSpPr>
+      <p:grpSpPr>
+        <a:xfrm>
+          <a:off x="0" y="0"/>
+          <a:ext cx="0" cy="0"/>
+          <a:chOff x="0" y="0"/>
+          <a:chExt cx="0" cy="0"/>
+        </a:xfrm>
+      </p:grpSpPr>
+      <p:sp>
+        <p:nvSpPr>
+          <p:cNvPr id="12" name="TextBox 11">
+            <a:extLst>
+              <a:ext uri="{FF2B5EF4-FFF2-40B4-BE49-F238E27FC236}">
+                <a16:creationId xmlns:a16="http://schemas.microsoft.com/office/drawing/2014/main" id="{C7D7709E-206F-4B6B-9ABA-DCEDF98FB299}"/>
+              </a:ext>
+            </a:extLst>
+          </p:cNvPr>
+          <p:cNvSpPr txBox="1"/>
+          <p:nvPr/>
+        </p:nvSpPr>
+        <p:spPr>
+          <a:xfrm>
+            <a:off x="1204240" y="0"/>
+            <a:ext cx="9783520" cy="584775"/>
+          </a:xfrm>
+          <a:prstGeom prst="rect">
+            <a:avLst/>
+          </a:prstGeom>
+          <a:noFill/>
+        </p:spPr>
+        <p:txBody>
+          <a:bodyPr wrap="square" rtlCol="0">
+            <a:spAutoFit/>
+          </a:bodyPr>
+          <a:lstStyle/>
+          <a:p>
+            <a:pPr algn="ctr"/>
+            <a:r>
+              <a:rPr lang="en-US" altLang="ko-KR" sz="3200" dirty="0" smtClean="0">
+                <a:solidFill>
+                  <a:srgbClr val="212529"/>
+                </a:solidFill>
+                <a:latin typeface="나눔스퀘어 Bold" panose="020B0600000101010101" pitchFamily="50" charset="-127"/>
+                <a:ea typeface="나눔스퀘어 Bold" panose="020B0600000101010101" pitchFamily="50" charset="-127"/>
+              </a:rPr>
+              <a:t>4. Method</a:t>
+            </a:r>
+          </a:p>
+        </p:txBody>
+      </p:sp>
+      <p:sp>
+        <p:nvSpPr>
+          <p:cNvPr id="19" name="TextBox 18">
+            <a:extLst>
+              <a:ext uri="{FF2B5EF4-FFF2-40B4-BE49-F238E27FC236}">
+                <a16:creationId xmlns:a16="http://schemas.microsoft.com/office/drawing/2014/main" id="{6AEAE2E7-4604-4C30-96BA-7EDCD9641507}"/>
+              </a:ext>
+            </a:extLst>
+          </p:cNvPr>
+          <p:cNvSpPr txBox="1"/>
+          <p:nvPr/>
+        </p:nvSpPr>
+        <p:spPr>
+          <a:xfrm>
+            <a:off x="5638800" y="2930525"/>
+            <a:ext cx="65" cy="276999"/>
+          </a:xfrm>
+          <a:prstGeom prst="rect">
+            <a:avLst/>
+          </a:prstGeom>
+          <a:noFill/>
+        </p:spPr>
+        <p:txBody>
+          <a:bodyPr wrap="none" lIns="0" tIns="0" rIns="0" bIns="0" rtlCol="0">
+            <a:spAutoFit/>
+          </a:bodyPr>
+          <a:lstStyle/>
+          <a:p>
+            <a:endParaRPr lang="ko-KR" altLang="en-US" dirty="0"/>
+          </a:p>
+        </p:txBody>
+      </p:sp>
+      <p:sp>
+        <p:nvSpPr>
+          <p:cNvPr id="14" name="TextBox 13">
+            <a:extLst>
+              <a:ext uri="{FF2B5EF4-FFF2-40B4-BE49-F238E27FC236}">
+                <a16:creationId xmlns:a16="http://schemas.microsoft.com/office/drawing/2014/main" id="{43AD0F1D-18AC-4DEA-AACB-5FB085B6C455}"/>
+              </a:ext>
+            </a:extLst>
+          </p:cNvPr>
+          <p:cNvSpPr txBox="1"/>
+          <p:nvPr/>
+        </p:nvSpPr>
+        <p:spPr>
+          <a:xfrm>
             <a:off x="5886443" y="4673069"/>
             <a:ext cx="6207127" cy="738664"/>
           </a:xfrm>
@@ -3311,14 +4425,7 @@
                 <a:latin typeface="나눔스퀘어 Bold" panose="020B0600000101010101" pitchFamily="50" charset="-127"/>
                 <a:ea typeface="나눔스퀘어 Bold" panose="020B0600000101010101" pitchFamily="50" charset="-127"/>
               </a:rPr>
-              <a:t>이 </a:t>
-            </a:r>
-            <a:r>
-              <a:rPr lang="ko-KR" altLang="en-US" sz="1400" dirty="0" smtClean="0">
-                <a:latin typeface="나눔스퀘어 Bold" panose="020B0600000101010101" pitchFamily="50" charset="-127"/>
-                <a:ea typeface="나눔스퀘어 Bold" panose="020B0600000101010101" pitchFamily="50" charset="-127"/>
-              </a:rPr>
-              <a:t>완료된 </a:t>
+              <a:t>이 완료된 </a:t>
             </a:r>
             <a:r>
               <a:rPr lang="en-US" altLang="ko-KR" sz="1400" dirty="0" smtClean="0">
@@ -3530,7 +4637,7 @@
 </p:sld>
 </file>
 
-<file path=ppt/slides/slide11.xml><?xml version="1.0" encoding="utf-8"?>
+<file path=ppt/slides/slide14.xml><?xml version="1.0" encoding="utf-8"?>
 <p:sld xmlns:a="http://schemas.openxmlformats.org/drawingml/2006/main" xmlns:r="http://schemas.openxmlformats.org/officeDocument/2006/relationships" xmlns:p="http://schemas.openxmlformats.org/presentationml/2006/main">
   <p:cSld>
     <p:spTree>
@@ -4084,25 +5191,8 @@
                 <a:latin typeface="나눔스퀘어 Bold" panose="020B0600000101010101" pitchFamily="50" charset="-127"/>
                 <a:ea typeface="나눔스퀘어 Bold" panose="020B0600000101010101" pitchFamily="50" charset="-127"/>
               </a:rPr>
-              <a:t>5. </a:t>
-            </a:r>
-            <a:r>
-              <a:rPr lang="en-US" altLang="ko-KR" sz="3200" dirty="0" smtClean="0">
-                <a:solidFill>
-                  <a:srgbClr val="212529"/>
-                </a:solidFill>
-                <a:latin typeface="나눔스퀘어 Bold" panose="020B0600000101010101" pitchFamily="50" charset="-127"/>
-                <a:ea typeface="나눔스퀘어 Bold" panose="020B0600000101010101" pitchFamily="50" charset="-127"/>
-              </a:rPr>
-              <a:t>Experiments</a:t>
-            </a:r>
-            <a:endParaRPr lang="en-US" altLang="ko-KR" sz="3200" dirty="0" smtClean="0">
-              <a:solidFill>
-                <a:srgbClr val="212529"/>
-              </a:solidFill>
-              <a:latin typeface="나눔스퀘어 Bold" panose="020B0600000101010101" pitchFamily="50" charset="-127"/>
-              <a:ea typeface="나눔스퀘어 Bold" panose="020B0600000101010101" pitchFamily="50" charset="-127"/>
-            </a:endParaRPr>
+              <a:t>5. Experiments</a:t>
+            </a:r>
           </a:p>
         </p:txBody>
       </p:sp>
@@ -4126,7 +5216,716 @@
 </p:sld>
 </file>
 
-<file path=ppt/slides/slide12.xml><?xml version="1.0" encoding="utf-8"?>
+<file path=ppt/slides/slide15.xml><?xml version="1.0" encoding="utf-8"?>
+<p:sld xmlns:a="http://schemas.openxmlformats.org/drawingml/2006/main" xmlns:r="http://schemas.openxmlformats.org/officeDocument/2006/relationships" xmlns:p="http://schemas.openxmlformats.org/presentationml/2006/main">
+  <p:cSld>
+    <p:spTree>
+      <p:nvGrpSpPr>
+        <p:cNvPr id="1" name=""/>
+        <p:cNvGrpSpPr/>
+        <p:nvPr/>
+      </p:nvGrpSpPr>
+      <p:grpSpPr>
+        <a:xfrm>
+          <a:off x="0" y="0"/>
+          <a:ext cx="0" cy="0"/>
+          <a:chOff x="0" y="0"/>
+          <a:chExt cx="0" cy="0"/>
+        </a:xfrm>
+      </p:grpSpPr>
+      <p:sp>
+        <p:nvSpPr>
+          <p:cNvPr id="14" name="TextBox 13">
+            <a:extLst>
+              <a:ext uri="{FF2B5EF4-FFF2-40B4-BE49-F238E27FC236}">
+                <a16:creationId xmlns:a16="http://schemas.microsoft.com/office/drawing/2014/main" id="{43AD0F1D-18AC-4DEA-AACB-5FB085B6C455}"/>
+              </a:ext>
+            </a:extLst>
+          </p:cNvPr>
+          <p:cNvSpPr txBox="1"/>
+          <p:nvPr/>
+        </p:nvSpPr>
+        <p:spPr>
+          <a:xfrm>
+            <a:off x="5886441" y="2558506"/>
+            <a:ext cx="6207127" cy="2462213"/>
+          </a:xfrm>
+          <a:prstGeom prst="rect">
+            <a:avLst/>
+          </a:prstGeom>
+          <a:noFill/>
+        </p:spPr>
+        <p:txBody>
+          <a:bodyPr wrap="square" rtlCol="0">
+            <a:spAutoFit/>
+          </a:bodyPr>
+          <a:lstStyle/>
+          <a:p>
+            <a:r>
+              <a:rPr lang="en-US" altLang="ko-KR" sz="1400" dirty="0" smtClean="0">
+                <a:latin typeface="나눔스퀘어 Bold" panose="020B0600000101010101" pitchFamily="50" charset="-127"/>
+                <a:ea typeface="나눔스퀘어 Bold" panose="020B0600000101010101" pitchFamily="50" charset="-127"/>
+              </a:rPr>
+              <a:t>Cons</a:t>
+            </a:r>
+          </a:p>
+          <a:p>
+            <a:endParaRPr lang="en-US" altLang="ko-KR" sz="1400" dirty="0" smtClean="0">
+              <a:latin typeface="나눔스퀘어 Bold" panose="020B0600000101010101" pitchFamily="50" charset="-127"/>
+              <a:ea typeface="나눔스퀘어 Bold" panose="020B0600000101010101" pitchFamily="50" charset="-127"/>
+            </a:endParaRPr>
+          </a:p>
+          <a:p>
+            <a:pPr marL="285750" indent="-285750">
+              <a:buFont typeface="Wingdings" panose="05000000000000000000" pitchFamily="2" charset="2"/>
+              <a:buChar char="§"/>
+            </a:pPr>
+            <a:r>
+              <a:rPr lang="en-US" altLang="ko-KR" sz="1400" dirty="0" smtClean="0">
+                <a:latin typeface="나눔스퀘어 Bold" panose="020B0600000101010101" pitchFamily="50" charset="-127"/>
+                <a:ea typeface="나눔스퀘어 Bold" panose="020B0600000101010101" pitchFamily="50" charset="-127"/>
+              </a:rPr>
+              <a:t>stage </a:t>
+            </a:r>
+            <a:r>
+              <a:rPr lang="en-US" altLang="ko-KR" sz="1400" dirty="0">
+                <a:latin typeface="나눔스퀘어 Bold" panose="020B0600000101010101" pitchFamily="50" charset="-127"/>
+                <a:ea typeface="나눔스퀘어 Bold" panose="020B0600000101010101" pitchFamily="50" charset="-127"/>
+              </a:rPr>
+              <a:t>1</a:t>
+            </a:r>
+            <a:r>
+              <a:rPr lang="ko-KR" altLang="en-US" sz="1400" dirty="0">
+                <a:latin typeface="나눔스퀘어 Bold" panose="020B0600000101010101" pitchFamily="50" charset="-127"/>
+                <a:ea typeface="나눔스퀘어 Bold" panose="020B0600000101010101" pitchFamily="50" charset="-127"/>
+              </a:rPr>
+              <a:t>에서는 </a:t>
+            </a:r>
+            <a:r>
+              <a:rPr lang="en-US" altLang="ko-KR" sz="1400" dirty="0">
+                <a:latin typeface="나눔스퀘어 Bold" panose="020B0600000101010101" pitchFamily="50" charset="-127"/>
+                <a:ea typeface="나눔스퀘어 Bold" panose="020B0600000101010101" pitchFamily="50" charset="-127"/>
+              </a:rPr>
+              <a:t>prompt</a:t>
+            </a:r>
+            <a:r>
+              <a:rPr lang="ko-KR" altLang="en-US" sz="1400" dirty="0">
+                <a:latin typeface="나눔스퀘어 Bold" panose="020B0600000101010101" pitchFamily="50" charset="-127"/>
+                <a:ea typeface="나눔스퀘어 Bold" panose="020B0600000101010101" pitchFamily="50" charset="-127"/>
+              </a:rPr>
+              <a:t>에 </a:t>
+            </a:r>
+            <a:r>
+              <a:rPr lang="en-US" altLang="ko-KR" sz="1400" dirty="0">
+                <a:latin typeface="나눔스퀘어 Bold" panose="020B0600000101010101" pitchFamily="50" charset="-127"/>
+                <a:ea typeface="나눔스퀘어 Bold" panose="020B0600000101010101" pitchFamily="50" charset="-127"/>
+              </a:rPr>
+              <a:t>class token</a:t>
+            </a:r>
+            <a:r>
+              <a:rPr lang="ko-KR" altLang="en-US" sz="1400" dirty="0">
+                <a:latin typeface="나눔스퀘어 Bold" panose="020B0600000101010101" pitchFamily="50" charset="-127"/>
+                <a:ea typeface="나눔스퀘어 Bold" panose="020B0600000101010101" pitchFamily="50" charset="-127"/>
+              </a:rPr>
+              <a:t>을 추가한 후 </a:t>
+            </a:r>
+            <a:r>
+              <a:rPr lang="en-US" altLang="ko-KR" sz="1400" dirty="0" smtClean="0">
+                <a:latin typeface="나눔스퀘어 Bold" panose="020B0600000101010101" pitchFamily="50" charset="-127"/>
+                <a:ea typeface="나눔스퀘어 Bold" panose="020B0600000101010101" pitchFamily="50" charset="-127"/>
+              </a:rPr>
+              <a:t>contrastive loss</a:t>
+            </a:r>
+            <a:r>
+              <a:rPr lang="ko-KR" altLang="en-US" sz="1400" dirty="0" smtClean="0">
+                <a:latin typeface="나눔스퀘어 Bold" panose="020B0600000101010101" pitchFamily="50" charset="-127"/>
+                <a:ea typeface="나눔스퀘어 Bold" panose="020B0600000101010101" pitchFamily="50" charset="-127"/>
+              </a:rPr>
+              <a:t>로 </a:t>
+            </a:r>
+            <a:r>
+              <a:rPr lang="en-US" altLang="ko-KR" sz="1400" dirty="0" smtClean="0">
+                <a:latin typeface="나눔스퀘어 Bold" panose="020B0600000101010101" pitchFamily="50" charset="-127"/>
+                <a:ea typeface="나눔스퀘어 Bold" panose="020B0600000101010101" pitchFamily="50" charset="-127"/>
+              </a:rPr>
+              <a:t>domain </a:t>
+            </a:r>
+            <a:r>
+              <a:rPr lang="en-US" altLang="ko-KR" sz="1400" dirty="0">
+                <a:latin typeface="나눔스퀘어 Bold" panose="020B0600000101010101" pitchFamily="50" charset="-127"/>
+                <a:ea typeface="나눔스퀘어 Bold" panose="020B0600000101010101" pitchFamily="50" charset="-127"/>
+              </a:rPr>
+              <a:t>prompt label</a:t>
+            </a:r>
+            <a:r>
+              <a:rPr lang="ko-KR" altLang="en-US" sz="1400" dirty="0">
+                <a:latin typeface="나눔스퀘어 Bold" panose="020B0600000101010101" pitchFamily="50" charset="-127"/>
+                <a:ea typeface="나눔스퀘어 Bold" panose="020B0600000101010101" pitchFamily="50" charset="-127"/>
+              </a:rPr>
+              <a:t>을 학습한 반면</a:t>
+            </a:r>
+            <a:r>
+              <a:rPr lang="en-US" altLang="ko-KR" sz="1400" dirty="0" smtClean="0">
+                <a:latin typeface="나눔스퀘어 Bold" panose="020B0600000101010101" pitchFamily="50" charset="-127"/>
+                <a:ea typeface="나눔스퀘어 Bold" panose="020B0600000101010101" pitchFamily="50" charset="-127"/>
+              </a:rPr>
+              <a:t>,</a:t>
+            </a:r>
+          </a:p>
+          <a:p>
+            <a:pPr marL="285750" indent="-285750">
+              <a:buFont typeface="Wingdings" panose="05000000000000000000" pitchFamily="2" charset="2"/>
+              <a:buChar char="§"/>
+            </a:pPr>
+            <a:endParaRPr lang="en-US" altLang="ko-KR" sz="1400" dirty="0">
+              <a:latin typeface="나눔스퀘어 Bold" panose="020B0600000101010101" pitchFamily="50" charset="-127"/>
+              <a:ea typeface="나눔스퀘어 Bold" panose="020B0600000101010101" pitchFamily="50" charset="-127"/>
+            </a:endParaRPr>
+          </a:p>
+          <a:p>
+            <a:pPr marL="285750" indent="-285750">
+              <a:buFont typeface="Wingdings" panose="05000000000000000000" pitchFamily="2" charset="2"/>
+              <a:buChar char="§"/>
+            </a:pPr>
+            <a:r>
+              <a:rPr lang="en-US" altLang="ko-KR" sz="1400" dirty="0" smtClean="0">
+                <a:latin typeface="나눔스퀘어 Bold" panose="020B0600000101010101" pitchFamily="50" charset="-127"/>
+                <a:ea typeface="나눔스퀘어 Bold" panose="020B0600000101010101" pitchFamily="50" charset="-127"/>
+              </a:rPr>
+              <a:t>stage </a:t>
+            </a:r>
+            <a:r>
+              <a:rPr lang="en-US" altLang="ko-KR" sz="1400" dirty="0">
+                <a:latin typeface="나눔스퀘어 Bold" panose="020B0600000101010101" pitchFamily="50" charset="-127"/>
+                <a:ea typeface="나눔스퀘어 Bold" panose="020B0600000101010101" pitchFamily="50" charset="-127"/>
+              </a:rPr>
+              <a:t>2</a:t>
+            </a:r>
+            <a:r>
+              <a:rPr lang="ko-KR" altLang="en-US" sz="1400" dirty="0">
+                <a:latin typeface="나눔스퀘어 Bold" panose="020B0600000101010101" pitchFamily="50" charset="-127"/>
+                <a:ea typeface="나눔스퀘어 Bold" panose="020B0600000101010101" pitchFamily="50" charset="-127"/>
+              </a:rPr>
+              <a:t>에서는 </a:t>
+            </a:r>
+            <a:r>
+              <a:rPr lang="en-US" altLang="ko-KR" sz="1400" dirty="0">
+                <a:latin typeface="나눔스퀘어 Bold" panose="020B0600000101010101" pitchFamily="50" charset="-127"/>
+                <a:ea typeface="나눔스퀘어 Bold" panose="020B0600000101010101" pitchFamily="50" charset="-127"/>
+              </a:rPr>
+              <a:t>class label</a:t>
+            </a:r>
+            <a:r>
+              <a:rPr lang="ko-KR" altLang="en-US" sz="1400" dirty="0">
+                <a:latin typeface="나눔스퀘어 Bold" panose="020B0600000101010101" pitchFamily="50" charset="-127"/>
+                <a:ea typeface="나눔스퀘어 Bold" panose="020B0600000101010101" pitchFamily="50" charset="-127"/>
+              </a:rPr>
+              <a:t>을 모르는 </a:t>
+            </a:r>
+            <a:r>
+              <a:rPr lang="en-US" altLang="ko-KR" sz="1400" dirty="0">
+                <a:latin typeface="나눔스퀘어 Bold" panose="020B0600000101010101" pitchFamily="50" charset="-127"/>
+                <a:ea typeface="나눔스퀘어 Bold" panose="020B0600000101010101" pitchFamily="50" charset="-127"/>
+              </a:rPr>
+              <a:t>single image</a:t>
+            </a:r>
+            <a:r>
+              <a:rPr lang="ko-KR" altLang="en-US" sz="1400" dirty="0">
+                <a:latin typeface="나눔스퀘어 Bold" panose="020B0600000101010101" pitchFamily="50" charset="-127"/>
+                <a:ea typeface="나눔스퀘어 Bold" panose="020B0600000101010101" pitchFamily="50" charset="-127"/>
+              </a:rPr>
+              <a:t>로부터 </a:t>
+            </a:r>
+            <a:r>
+              <a:rPr lang="en-US" altLang="ko-KR" sz="1400" dirty="0">
+                <a:latin typeface="나눔스퀘어 Bold" panose="020B0600000101010101" pitchFamily="50" charset="-127"/>
+                <a:ea typeface="나눔스퀘어 Bold" panose="020B0600000101010101" pitchFamily="50" charset="-127"/>
+              </a:rPr>
+              <a:t>class token</a:t>
+            </a:r>
+            <a:r>
+              <a:rPr lang="ko-KR" altLang="en-US" sz="1400" dirty="0">
+                <a:latin typeface="나눔스퀘어 Bold" panose="020B0600000101010101" pitchFamily="50" charset="-127"/>
+                <a:ea typeface="나눔스퀘어 Bold" panose="020B0600000101010101" pitchFamily="50" charset="-127"/>
+              </a:rPr>
+              <a:t>을 제외한 </a:t>
+            </a:r>
+            <a:r>
+              <a:rPr lang="en-US" altLang="ko-KR" sz="1400" dirty="0">
+                <a:latin typeface="나눔스퀘어 Bold" panose="020B0600000101010101" pitchFamily="50" charset="-127"/>
+                <a:ea typeface="나눔스퀘어 Bold" panose="020B0600000101010101" pitchFamily="50" charset="-127"/>
+              </a:rPr>
+              <a:t>domain prompt</a:t>
+            </a:r>
+            <a:r>
+              <a:rPr lang="ko-KR" altLang="en-US" sz="1400" dirty="0">
+                <a:latin typeface="나눔스퀘어 Bold" panose="020B0600000101010101" pitchFamily="50" charset="-127"/>
+                <a:ea typeface="나눔스퀘어 Bold" panose="020B0600000101010101" pitchFamily="50" charset="-127"/>
+              </a:rPr>
+              <a:t>만을 </a:t>
+            </a:r>
+            <a:r>
+              <a:rPr lang="ko-KR" altLang="en-US" sz="1400" dirty="0" smtClean="0">
+                <a:latin typeface="나눔스퀘어 Bold" panose="020B0600000101010101" pitchFamily="50" charset="-127"/>
+                <a:ea typeface="나눔스퀘어 Bold" panose="020B0600000101010101" pitchFamily="50" charset="-127"/>
+              </a:rPr>
+              <a:t>생성함</a:t>
+            </a:r>
+            <a:endParaRPr lang="en-US" altLang="ko-KR" sz="1400" dirty="0" smtClean="0">
+              <a:latin typeface="나눔스퀘어 Bold" panose="020B0600000101010101" pitchFamily="50" charset="-127"/>
+              <a:ea typeface="나눔스퀘어 Bold" panose="020B0600000101010101" pitchFamily="50" charset="-127"/>
+            </a:endParaRPr>
+          </a:p>
+          <a:p>
+            <a:pPr marL="285750" indent="-285750">
+              <a:buFont typeface="Wingdings" panose="05000000000000000000" pitchFamily="2" charset="2"/>
+              <a:buChar char="§"/>
+            </a:pPr>
+            <a:endParaRPr lang="en-US" altLang="ko-KR" sz="1400" dirty="0">
+              <a:latin typeface="나눔스퀘어 Bold" panose="020B0600000101010101" pitchFamily="50" charset="-127"/>
+              <a:ea typeface="나눔스퀘어 Bold" panose="020B0600000101010101" pitchFamily="50" charset="-127"/>
+            </a:endParaRPr>
+          </a:p>
+          <a:p>
+            <a:pPr marL="285750" indent="-285750">
+              <a:buFont typeface="Wingdings" panose="05000000000000000000" pitchFamily="2" charset="2"/>
+              <a:buChar char="§"/>
+            </a:pPr>
+            <a:r>
+              <a:rPr lang="ko-KR" altLang="en-US" sz="1400" dirty="0" smtClean="0">
+                <a:latin typeface="나눔스퀘어 Bold" panose="020B0600000101010101" pitchFamily="50" charset="-127"/>
+                <a:ea typeface="나눔스퀘어 Bold" panose="020B0600000101010101" pitchFamily="50" charset="-127"/>
+              </a:rPr>
+              <a:t>따라서 </a:t>
+            </a:r>
+            <a:r>
+              <a:rPr lang="en-US" altLang="ko-KR" sz="1400" dirty="0">
+                <a:latin typeface="나눔스퀘어 Bold" panose="020B0600000101010101" pitchFamily="50" charset="-127"/>
+                <a:ea typeface="나눔스퀘어 Bold" panose="020B0600000101010101" pitchFamily="50" charset="-127"/>
+              </a:rPr>
+              <a:t>generated prompt</a:t>
+            </a:r>
+            <a:r>
+              <a:rPr lang="ko-KR" altLang="en-US" sz="1400" dirty="0">
+                <a:latin typeface="나눔스퀘어 Bold" panose="020B0600000101010101" pitchFamily="50" charset="-127"/>
+                <a:ea typeface="나눔스퀘어 Bold" panose="020B0600000101010101" pitchFamily="50" charset="-127"/>
+              </a:rPr>
+              <a:t>는 </a:t>
+            </a:r>
+            <a:r>
+              <a:rPr lang="en-US" altLang="ko-KR" sz="1400" dirty="0">
+                <a:latin typeface="나눔스퀘어 Bold" panose="020B0600000101010101" pitchFamily="50" charset="-127"/>
+                <a:ea typeface="나눔스퀘어 Bold" panose="020B0600000101010101" pitchFamily="50" charset="-127"/>
+              </a:rPr>
+              <a:t>class </a:t>
+            </a:r>
+            <a:r>
+              <a:rPr lang="ko-KR" altLang="en-US" sz="1400" dirty="0">
+                <a:latin typeface="나눔스퀘어 Bold" panose="020B0600000101010101" pitchFamily="50" charset="-127"/>
+                <a:ea typeface="나눔스퀘어 Bold" panose="020B0600000101010101" pitchFamily="50" charset="-127"/>
+              </a:rPr>
+              <a:t>정보까지 </a:t>
+            </a:r>
+            <a:r>
+              <a:rPr lang="ko-KR" altLang="en-US" sz="1400" dirty="0" smtClean="0">
+                <a:latin typeface="나눔스퀘어 Bold" panose="020B0600000101010101" pitchFamily="50" charset="-127"/>
+                <a:ea typeface="나눔스퀘어 Bold" panose="020B0600000101010101" pitchFamily="50" charset="-127"/>
+              </a:rPr>
+              <a:t>포함하기 때문에</a:t>
+            </a:r>
+            <a:r>
+              <a:rPr lang="en-US" altLang="ko-KR" sz="1400" dirty="0" smtClean="0">
+                <a:latin typeface="나눔스퀘어 Bold" panose="020B0600000101010101" pitchFamily="50" charset="-127"/>
+                <a:ea typeface="나눔스퀘어 Bold" panose="020B0600000101010101" pitchFamily="50" charset="-127"/>
+              </a:rPr>
+              <a:t>, discriminator</a:t>
+            </a:r>
+            <a:r>
+              <a:rPr lang="ko-KR" altLang="en-US" sz="1400" dirty="0" smtClean="0">
+                <a:latin typeface="나눔스퀘어 Bold" panose="020B0600000101010101" pitchFamily="50" charset="-127"/>
+                <a:ea typeface="나눔스퀘어 Bold" panose="020B0600000101010101" pitchFamily="50" charset="-127"/>
+              </a:rPr>
+              <a:t>에 입력되는 </a:t>
+            </a:r>
+            <a:r>
+              <a:rPr lang="en-US" altLang="ko-KR" sz="1400" dirty="0" smtClean="0">
+                <a:latin typeface="나눔스퀘어 Bold" panose="020B0600000101010101" pitchFamily="50" charset="-127"/>
+                <a:ea typeface="나눔스퀘어 Bold" panose="020B0600000101010101" pitchFamily="50" charset="-127"/>
+              </a:rPr>
+              <a:t>real prompt</a:t>
+            </a:r>
+            <a:r>
+              <a:rPr lang="ko-KR" altLang="en-US" sz="1400" dirty="0" smtClean="0">
+                <a:latin typeface="나눔스퀘어 Bold" panose="020B0600000101010101" pitchFamily="50" charset="-127"/>
+                <a:ea typeface="나눔스퀘어 Bold" panose="020B0600000101010101" pitchFamily="50" charset="-127"/>
+              </a:rPr>
+              <a:t>와 </a:t>
+            </a:r>
+            <a:r>
+              <a:rPr lang="en-US" altLang="ko-KR" sz="1400" dirty="0" smtClean="0">
+                <a:latin typeface="나눔스퀘어 Bold" panose="020B0600000101010101" pitchFamily="50" charset="-127"/>
+                <a:ea typeface="나눔스퀘어 Bold" panose="020B0600000101010101" pitchFamily="50" charset="-127"/>
+              </a:rPr>
+              <a:t>generated prompt</a:t>
+            </a:r>
+            <a:r>
+              <a:rPr lang="ko-KR" altLang="en-US" sz="1400" dirty="0" smtClean="0">
+                <a:latin typeface="나눔스퀘어 Bold" panose="020B0600000101010101" pitchFamily="50" charset="-127"/>
+                <a:ea typeface="나눔스퀘어 Bold" panose="020B0600000101010101" pitchFamily="50" charset="-127"/>
+              </a:rPr>
+              <a:t>를 동등한 기준이라고 볼 수 없음</a:t>
+            </a:r>
+          </a:p>
+        </p:txBody>
+      </p:sp>
+      <p:sp>
+        <p:nvSpPr>
+          <p:cNvPr id="10" name="TextBox 9">
+            <a:extLst>
+              <a:ext uri="{FF2B5EF4-FFF2-40B4-BE49-F238E27FC236}">
+                <a16:creationId xmlns:a16="http://schemas.microsoft.com/office/drawing/2014/main" id="{9922EEF6-C41D-4EED-AAFA-E7D60D60CE65}"/>
+              </a:ext>
+            </a:extLst>
+          </p:cNvPr>
+          <p:cNvSpPr txBox="1"/>
+          <p:nvPr/>
+        </p:nvSpPr>
+        <p:spPr>
+          <a:xfrm>
+            <a:off x="5886441" y="929618"/>
+            <a:ext cx="6207127" cy="954107"/>
+          </a:xfrm>
+          <a:prstGeom prst="rect">
+            <a:avLst/>
+          </a:prstGeom>
+          <a:noFill/>
+        </p:spPr>
+        <p:txBody>
+          <a:bodyPr wrap="square" rtlCol="0">
+            <a:spAutoFit/>
+          </a:bodyPr>
+          <a:lstStyle/>
+          <a:p>
+            <a:r>
+              <a:rPr lang="en-US" altLang="ko-KR" sz="1400" dirty="0" smtClean="0">
+                <a:latin typeface="나눔스퀘어 Bold" panose="020B0600000101010101" pitchFamily="50" charset="-127"/>
+                <a:ea typeface="나눔스퀘어 Bold" panose="020B0600000101010101" pitchFamily="50" charset="-127"/>
+              </a:rPr>
+              <a:t>Pros</a:t>
+            </a:r>
+          </a:p>
+          <a:p>
+            <a:pPr marL="285750" indent="-285750">
+              <a:buFont typeface="Wingdings" panose="05000000000000000000" pitchFamily="2" charset="2"/>
+              <a:buChar char="§"/>
+            </a:pPr>
+            <a:endParaRPr lang="en-US" altLang="ko-KR" sz="1400" dirty="0" smtClean="0">
+              <a:latin typeface="나눔스퀘어 Bold" panose="020B0600000101010101" pitchFamily="50" charset="-127"/>
+              <a:ea typeface="나눔스퀘어 Bold" panose="020B0600000101010101" pitchFamily="50" charset="-127"/>
+            </a:endParaRPr>
+          </a:p>
+          <a:p>
+            <a:pPr marL="285750" indent="-285750">
+              <a:buFont typeface="Wingdings" panose="05000000000000000000" pitchFamily="2" charset="2"/>
+              <a:buChar char="§"/>
+            </a:pPr>
+            <a:r>
+              <a:rPr lang="en-US" altLang="ko-KR" sz="1400" dirty="0" smtClean="0">
+                <a:latin typeface="나눔스퀘어 Bold" panose="020B0600000101010101" pitchFamily="50" charset="-127"/>
+                <a:ea typeface="나눔스퀘어 Bold" panose="020B0600000101010101" pitchFamily="50" charset="-127"/>
+              </a:rPr>
+              <a:t>Generative model</a:t>
+            </a:r>
+            <a:r>
+              <a:rPr lang="ko-KR" altLang="en-US" sz="1400" dirty="0" smtClean="0">
+                <a:latin typeface="나눔스퀘어 Bold" panose="020B0600000101010101" pitchFamily="50" charset="-127"/>
+                <a:ea typeface="나눔스퀘어 Bold" panose="020B0600000101010101" pitchFamily="50" charset="-127"/>
+              </a:rPr>
+              <a:t>의 </a:t>
+            </a:r>
+            <a:r>
+              <a:rPr lang="en-US" altLang="ko-KR" sz="1400" dirty="0" smtClean="0">
+                <a:latin typeface="나눔스퀘어 Bold" panose="020B0600000101010101" pitchFamily="50" charset="-127"/>
+                <a:ea typeface="나눔스퀘어 Bold" panose="020B0600000101010101" pitchFamily="50" charset="-127"/>
+              </a:rPr>
+              <a:t>capacity</a:t>
+            </a:r>
+            <a:r>
+              <a:rPr lang="ko-KR" altLang="en-US" sz="1400" dirty="0" smtClean="0">
+                <a:latin typeface="나눔스퀘어 Bold" panose="020B0600000101010101" pitchFamily="50" charset="-127"/>
+                <a:ea typeface="나눔스퀘어 Bold" panose="020B0600000101010101" pitchFamily="50" charset="-127"/>
+              </a:rPr>
+              <a:t>를 </a:t>
+            </a:r>
+            <a:r>
+              <a:rPr lang="en-US" altLang="ko-KR" sz="1400" dirty="0" smtClean="0">
+                <a:latin typeface="나눔스퀘어 Bold" panose="020B0600000101010101" pitchFamily="50" charset="-127"/>
+                <a:ea typeface="나눔스퀘어 Bold" panose="020B0600000101010101" pitchFamily="50" charset="-127"/>
+              </a:rPr>
+              <a:t>prompt tuning</a:t>
+            </a:r>
+            <a:r>
+              <a:rPr lang="ko-KR" altLang="en-US" sz="1400" dirty="0" smtClean="0">
+                <a:latin typeface="나눔스퀘어 Bold" panose="020B0600000101010101" pitchFamily="50" charset="-127"/>
+                <a:ea typeface="나눔스퀘어 Bold" panose="020B0600000101010101" pitchFamily="50" charset="-127"/>
+              </a:rPr>
+              <a:t>에 활용하기 때문에 </a:t>
+            </a:r>
+            <a:r>
+              <a:rPr lang="en-US" altLang="ko-KR" sz="1400" dirty="0" smtClean="0">
+                <a:latin typeface="나눔스퀘어 Bold" panose="020B0600000101010101" pitchFamily="50" charset="-127"/>
+                <a:ea typeface="나눔스퀘어 Bold" panose="020B0600000101010101" pitchFamily="50" charset="-127"/>
+              </a:rPr>
+              <a:t>transferability</a:t>
+            </a:r>
+            <a:r>
+              <a:rPr lang="ko-KR" altLang="en-US" sz="1400" dirty="0" smtClean="0">
+                <a:latin typeface="나눔스퀘어 Bold" panose="020B0600000101010101" pitchFamily="50" charset="-127"/>
+                <a:ea typeface="나눔스퀘어 Bold" panose="020B0600000101010101" pitchFamily="50" charset="-127"/>
+              </a:rPr>
+              <a:t>에 있어 높은 잠재성을 가질 것으로 보임 </a:t>
+            </a:r>
+            <a:endParaRPr lang="en-US" altLang="ko-KR" sz="1400" dirty="0" smtClean="0">
+              <a:latin typeface="나눔스퀘어 Bold" panose="020B0600000101010101" pitchFamily="50" charset="-127"/>
+              <a:ea typeface="나눔스퀘어 Bold" panose="020B0600000101010101" pitchFamily="50" charset="-127"/>
+            </a:endParaRPr>
+          </a:p>
+        </p:txBody>
+      </p:sp>
+      <p:sp>
+        <p:nvSpPr>
+          <p:cNvPr id="20" name="TextBox 19">
+            <a:extLst>
+              <a:ext uri="{FF2B5EF4-FFF2-40B4-BE49-F238E27FC236}">
+                <a16:creationId xmlns:a16="http://schemas.microsoft.com/office/drawing/2014/main" id="{C7D7709E-206F-4B6B-9ABA-DCEDF98FB299}"/>
+              </a:ext>
+            </a:extLst>
+          </p:cNvPr>
+          <p:cNvSpPr txBox="1"/>
+          <p:nvPr/>
+        </p:nvSpPr>
+        <p:spPr>
+          <a:xfrm>
+            <a:off x="1204240" y="0"/>
+            <a:ext cx="9783520" cy="584775"/>
+          </a:xfrm>
+          <a:prstGeom prst="rect">
+            <a:avLst/>
+          </a:prstGeom>
+          <a:noFill/>
+        </p:spPr>
+        <p:txBody>
+          <a:bodyPr wrap="square" rtlCol="0">
+            <a:spAutoFit/>
+          </a:bodyPr>
+          <a:lstStyle/>
+          <a:p>
+            <a:pPr algn="ctr"/>
+            <a:r>
+              <a:rPr lang="en-US" altLang="ko-KR" sz="3200" dirty="0">
+                <a:solidFill>
+                  <a:srgbClr val="212529"/>
+                </a:solidFill>
+                <a:latin typeface="나눔스퀘어 Bold" panose="020B0600000101010101" pitchFamily="50" charset="-127"/>
+                <a:ea typeface="나눔스퀘어 Bold" panose="020B0600000101010101" pitchFamily="50" charset="-127"/>
+              </a:rPr>
+              <a:t>Pros &amp; Cons</a:t>
+            </a:r>
+            <a:endParaRPr lang="en-US" altLang="ko-KR" sz="3200" dirty="0" smtClean="0">
+              <a:solidFill>
+                <a:srgbClr val="212529"/>
+              </a:solidFill>
+              <a:latin typeface="나눔스퀘어 Bold" panose="020B0600000101010101" pitchFamily="50" charset="-127"/>
+              <a:ea typeface="나눔스퀘어 Bold" panose="020B0600000101010101" pitchFamily="50" charset="-127"/>
+            </a:endParaRPr>
+          </a:p>
+        </p:txBody>
+      </p:sp>
+      <p:sp>
+        <p:nvSpPr>
+          <p:cNvPr id="15" name="TextBox 14">
+            <a:extLst>
+              <a:ext uri="{FF2B5EF4-FFF2-40B4-BE49-F238E27FC236}">
+                <a16:creationId xmlns:a16="http://schemas.microsoft.com/office/drawing/2014/main" id="{9922EEF6-C41D-4EED-AAFA-E7D60D60CE65}"/>
+              </a:ext>
+            </a:extLst>
+          </p:cNvPr>
+          <p:cNvSpPr txBox="1"/>
+          <p:nvPr/>
+        </p:nvSpPr>
+        <p:spPr>
+          <a:xfrm>
+            <a:off x="5886441" y="5695501"/>
+            <a:ext cx="6207127" cy="523220"/>
+          </a:xfrm>
+          <a:prstGeom prst="rect">
+            <a:avLst/>
+          </a:prstGeom>
+          <a:noFill/>
+        </p:spPr>
+        <p:txBody>
+          <a:bodyPr wrap="square" rtlCol="0">
+            <a:spAutoFit/>
+          </a:bodyPr>
+          <a:lstStyle/>
+          <a:p>
+            <a:pPr marL="285750" indent="-285750">
+              <a:buFont typeface="Wingdings" panose="05000000000000000000" pitchFamily="2" charset="2"/>
+              <a:buChar char="§"/>
+            </a:pPr>
+            <a:r>
+              <a:rPr lang="ko-KR" altLang="en-US" sz="1400" dirty="0" smtClean="0">
+                <a:latin typeface="나눔스퀘어 Bold" panose="020B0600000101010101" pitchFamily="50" charset="-127"/>
+                <a:ea typeface="나눔스퀘어 Bold" panose="020B0600000101010101" pitchFamily="50" charset="-127"/>
+              </a:rPr>
+              <a:t>또한 </a:t>
+            </a:r>
+            <a:r>
+              <a:rPr lang="en-US" altLang="ko-KR" sz="1400" dirty="0" smtClean="0">
+                <a:latin typeface="나눔스퀘어 Bold" panose="020B0600000101010101" pitchFamily="50" charset="-127"/>
+                <a:ea typeface="나눔스퀘어 Bold" panose="020B0600000101010101" pitchFamily="50" charset="-127"/>
+              </a:rPr>
+              <a:t>inference </a:t>
+            </a:r>
+            <a:r>
+              <a:rPr lang="en-US" altLang="ko-KR" sz="1400" dirty="0">
+                <a:latin typeface="나눔스퀘어 Bold" panose="020B0600000101010101" pitchFamily="50" charset="-127"/>
+                <a:ea typeface="나눔스퀘어 Bold" panose="020B0600000101010101" pitchFamily="50" charset="-127"/>
+              </a:rPr>
+              <a:t>stage</a:t>
+            </a:r>
+            <a:r>
+              <a:rPr lang="ko-KR" altLang="en-US" sz="1400" dirty="0">
+                <a:latin typeface="나눔스퀘어 Bold" panose="020B0600000101010101" pitchFamily="50" charset="-127"/>
+                <a:ea typeface="나눔스퀘어 Bold" panose="020B0600000101010101" pitchFamily="50" charset="-127"/>
+              </a:rPr>
+              <a:t>에서 </a:t>
+            </a:r>
+            <a:r>
+              <a:rPr lang="en-US" altLang="ko-KR" sz="1400" dirty="0">
+                <a:latin typeface="나눔스퀘어 Bold" panose="020B0600000101010101" pitchFamily="50" charset="-127"/>
+                <a:ea typeface="나눔스퀘어 Bold" panose="020B0600000101010101" pitchFamily="50" charset="-127"/>
+              </a:rPr>
+              <a:t>domain, instance-specific prompt</a:t>
+            </a:r>
+            <a:r>
+              <a:rPr lang="ko-KR" altLang="en-US" sz="1400" dirty="0">
+                <a:latin typeface="나눔스퀘어 Bold" panose="020B0600000101010101" pitchFamily="50" charset="-127"/>
+                <a:ea typeface="나눔스퀘어 Bold" panose="020B0600000101010101" pitchFamily="50" charset="-127"/>
+              </a:rPr>
+              <a:t>를 생성하기 위해</a:t>
+            </a:r>
+            <a:r>
+              <a:rPr lang="en-US" altLang="ko-KR" sz="1400" dirty="0">
+                <a:latin typeface="나눔스퀘어 Bold" panose="020B0600000101010101" pitchFamily="50" charset="-127"/>
+                <a:ea typeface="나눔스퀘어 Bold" panose="020B0600000101010101" pitchFamily="50" charset="-127"/>
+              </a:rPr>
+              <a:t>, </a:t>
+            </a:r>
+            <a:r>
+              <a:rPr lang="en-US" altLang="ko-KR" sz="1400" dirty="0" smtClean="0">
+                <a:latin typeface="나눔스퀘어 Bold" panose="020B0600000101010101" pitchFamily="50" charset="-127"/>
+                <a:ea typeface="나눔스퀘어 Bold" panose="020B0600000101010101" pitchFamily="50" charset="-127"/>
+              </a:rPr>
+              <a:t>input image</a:t>
+            </a:r>
+            <a:r>
+              <a:rPr lang="ko-KR" altLang="en-US" sz="1400" dirty="0">
+                <a:latin typeface="나눔스퀘어 Bold" panose="020B0600000101010101" pitchFamily="50" charset="-127"/>
+                <a:ea typeface="나눔스퀘어 Bold" panose="020B0600000101010101" pitchFamily="50" charset="-127"/>
+              </a:rPr>
+              <a:t>마다 </a:t>
+            </a:r>
+            <a:r>
+              <a:rPr lang="en-US" altLang="ko-KR" sz="1400" dirty="0">
+                <a:latin typeface="나눔스퀘어 Bold" panose="020B0600000101010101" pitchFamily="50" charset="-127"/>
+                <a:ea typeface="나눔스퀘어 Bold" panose="020B0600000101010101" pitchFamily="50" charset="-127"/>
+              </a:rPr>
+              <a:t>generator</a:t>
+            </a:r>
+            <a:r>
+              <a:rPr lang="ko-KR" altLang="en-US" sz="1400" dirty="0">
+                <a:latin typeface="나눔스퀘어 Bold" panose="020B0600000101010101" pitchFamily="50" charset="-127"/>
+                <a:ea typeface="나눔스퀘어 Bold" panose="020B0600000101010101" pitchFamily="50" charset="-127"/>
+              </a:rPr>
+              <a:t>를 거쳐야 함</a:t>
+            </a:r>
+            <a:endParaRPr lang="en-US" altLang="ko-KR" sz="1400" dirty="0" smtClean="0">
+              <a:latin typeface="나눔스퀘어 Bold" panose="020B0600000101010101" pitchFamily="50" charset="-127"/>
+              <a:ea typeface="나눔스퀘어 Bold" panose="020B0600000101010101" pitchFamily="50" charset="-127"/>
+            </a:endParaRPr>
+          </a:p>
+        </p:txBody>
+      </p:sp>
+      <p:pic>
+        <p:nvPicPr>
+          <p:cNvPr id="3" name="그림 2"/>
+          <p:cNvPicPr>
+            <a:picLocks noChangeAspect="1"/>
+          </p:cNvPicPr>
+          <p:nvPr/>
+        </p:nvPicPr>
+        <p:blipFill>
+          <a:blip r:embed="rId2"/>
+          <a:stretch>
+            <a:fillRect/>
+          </a:stretch>
+        </p:blipFill>
+        <p:spPr>
+          <a:xfrm>
+            <a:off x="0" y="3045540"/>
+            <a:ext cx="5691243" cy="1488144"/>
+          </a:xfrm>
+          <a:prstGeom prst="rect">
+            <a:avLst/>
+          </a:prstGeom>
+        </p:spPr>
+      </p:pic>
+      <p:pic>
+        <p:nvPicPr>
+          <p:cNvPr id="4" name="그림 3"/>
+          <p:cNvPicPr>
+            <a:picLocks noChangeAspect="1"/>
+          </p:cNvPicPr>
+          <p:nvPr/>
+        </p:nvPicPr>
+        <p:blipFill>
+          <a:blip r:embed="rId3"/>
+          <a:stretch>
+            <a:fillRect/>
+          </a:stretch>
+        </p:blipFill>
+        <p:spPr>
+          <a:xfrm>
+            <a:off x="618472" y="5114148"/>
+            <a:ext cx="4191000" cy="1685925"/>
+          </a:xfrm>
+          <a:prstGeom prst="rect">
+            <a:avLst/>
+          </a:prstGeom>
+        </p:spPr>
+      </p:pic>
+    </p:spTree>
+    <p:extLst>
+      <p:ext uri="{BB962C8B-B14F-4D97-AF65-F5344CB8AC3E}">
+        <p14:creationId xmlns:p14="http://schemas.microsoft.com/office/powerpoint/2010/main" val="2342383969"/>
+      </p:ext>
+    </p:extLst>
+  </p:cSld>
+  <p:clrMapOvr>
+    <a:masterClrMapping/>
+  </p:clrMapOvr>
+  <p:timing>
+    <p:tnLst>
+      <p:par>
+        <p:cTn id="1" dur="indefinite" restart="never" nodeType="tmRoot"/>
+      </p:par>
+    </p:tnLst>
+  </p:timing>
+</p:sld>
+</file>
+
+<file path=ppt/slides/slide16.xml><?xml version="1.0" encoding="utf-8"?>
 <p:sld xmlns:a="http://schemas.openxmlformats.org/drawingml/2006/main" xmlns:r="http://schemas.openxmlformats.org/officeDocument/2006/relationships" xmlns:p="http://schemas.openxmlformats.org/presentationml/2006/main">
   <p:cSld>
     <p:spTree>
@@ -4215,7 +6014,7 @@
 </p:sld>
 </file>
 
-<file path=ppt/slides/slide13.xml><?xml version="1.0" encoding="utf-8"?>
+<file path=ppt/slides/slide17.xml><?xml version="1.0" encoding="utf-8"?>
 <p:sld xmlns:a="http://schemas.openxmlformats.org/drawingml/2006/main" xmlns:r="http://schemas.openxmlformats.org/officeDocument/2006/relationships" xmlns:p="http://schemas.openxmlformats.org/presentationml/2006/main">
   <p:cSld>
     <p:spTree>
@@ -4777,7 +6576,7 @@
 </p:sld>
 </file>
 
-<file path=ppt/slides/slide14.xml><?xml version="1.0" encoding="utf-8"?>
+<file path=ppt/slides/slide18.xml><?xml version="1.0" encoding="utf-8"?>
 <p:sld xmlns:a="http://schemas.openxmlformats.org/drawingml/2006/main" xmlns:r="http://schemas.openxmlformats.org/officeDocument/2006/relationships" xmlns:p="http://schemas.openxmlformats.org/presentationml/2006/main">
   <p:cSld>
     <p:spTree>
@@ -5836,7 +7635,7 @@
 </p:sld>
 </file>
 
-<file path=ppt/slides/slide15.xml><?xml version="1.0" encoding="utf-8"?>
+<file path=ppt/slides/slide19.xml><?xml version="1.0" encoding="utf-8"?>
 <p:sld xmlns:a="http://schemas.openxmlformats.org/drawingml/2006/main" xmlns:r="http://schemas.openxmlformats.org/officeDocument/2006/relationships" xmlns:p="http://schemas.openxmlformats.org/presentationml/2006/main">
   <p:cSld>
     <p:spTree>
@@ -6837,7 +8636,898 @@
 </p:sld>
 </file>
 
-<file path=ppt/slides/slide16.xml><?xml version="1.0" encoding="utf-8"?>
+<file path=ppt/slides/slide2.xml><?xml version="1.0" encoding="utf-8"?>
+<p:sld xmlns:a="http://schemas.openxmlformats.org/drawingml/2006/main" xmlns:r="http://schemas.openxmlformats.org/officeDocument/2006/relationships" xmlns:p="http://schemas.openxmlformats.org/presentationml/2006/main">
+  <p:cSld>
+    <p:spTree>
+      <p:nvGrpSpPr>
+        <p:cNvPr id="1" name=""/>
+        <p:cNvGrpSpPr/>
+        <p:nvPr/>
+      </p:nvGrpSpPr>
+      <p:grpSpPr>
+        <a:xfrm>
+          <a:off x="0" y="0"/>
+          <a:ext cx="0" cy="0"/>
+          <a:chOff x="0" y="0"/>
+          <a:chExt cx="0" cy="0"/>
+        </a:xfrm>
+      </p:grpSpPr>
+      <p:sp>
+        <p:nvSpPr>
+          <p:cNvPr id="12" name="TextBox 11">
+            <a:extLst>
+              <a:ext uri="{FF2B5EF4-FFF2-40B4-BE49-F238E27FC236}">
+                <a16:creationId xmlns:a16="http://schemas.microsoft.com/office/drawing/2014/main" id="{C7D7709E-206F-4B6B-9ABA-DCEDF98FB299}"/>
+              </a:ext>
+            </a:extLst>
+          </p:cNvPr>
+          <p:cNvSpPr txBox="1"/>
+          <p:nvPr/>
+        </p:nvSpPr>
+        <p:spPr>
+          <a:xfrm>
+            <a:off x="1204240" y="0"/>
+            <a:ext cx="9783520" cy="584775"/>
+          </a:xfrm>
+          <a:prstGeom prst="rect">
+            <a:avLst/>
+          </a:prstGeom>
+          <a:noFill/>
+        </p:spPr>
+        <p:txBody>
+          <a:bodyPr wrap="square" rtlCol="0">
+            <a:spAutoFit/>
+          </a:bodyPr>
+          <a:lstStyle/>
+          <a:p>
+            <a:pPr algn="ctr"/>
+            <a:r>
+              <a:rPr lang="en-US" altLang="ko-KR" sz="3200" dirty="0" smtClean="0">
+                <a:solidFill>
+                  <a:srgbClr val="212529"/>
+                </a:solidFill>
+                <a:latin typeface="나눔스퀘어 Bold" panose="020B0600000101010101" pitchFamily="50" charset="-127"/>
+                <a:ea typeface="나눔스퀘어 Bold" panose="020B0600000101010101" pitchFamily="50" charset="-127"/>
+              </a:rPr>
+              <a:t>1. Introduction</a:t>
+            </a:r>
+          </a:p>
+        </p:txBody>
+      </p:sp>
+      <p:sp>
+        <p:nvSpPr>
+          <p:cNvPr id="19" name="TextBox 18">
+            <a:extLst>
+              <a:ext uri="{FF2B5EF4-FFF2-40B4-BE49-F238E27FC236}">
+                <a16:creationId xmlns:a16="http://schemas.microsoft.com/office/drawing/2014/main" id="{6AEAE2E7-4604-4C30-96BA-7EDCD9641507}"/>
+              </a:ext>
+            </a:extLst>
+          </p:cNvPr>
+          <p:cNvSpPr txBox="1"/>
+          <p:nvPr/>
+        </p:nvSpPr>
+        <p:spPr>
+          <a:xfrm>
+            <a:off x="5638800" y="2930525"/>
+            <a:ext cx="65" cy="276999"/>
+          </a:xfrm>
+          <a:prstGeom prst="rect">
+            <a:avLst/>
+          </a:prstGeom>
+          <a:noFill/>
+        </p:spPr>
+        <p:txBody>
+          <a:bodyPr wrap="none" lIns="0" tIns="0" rIns="0" bIns="0" rtlCol="0">
+            <a:spAutoFit/>
+          </a:bodyPr>
+          <a:lstStyle/>
+          <a:p>
+            <a:endParaRPr lang="ko-KR" altLang="en-US" dirty="0"/>
+          </a:p>
+        </p:txBody>
+      </p:sp>
+      <p:sp>
+        <p:nvSpPr>
+          <p:cNvPr id="14" name="TextBox 13">
+            <a:extLst>
+              <a:ext uri="{FF2B5EF4-FFF2-40B4-BE49-F238E27FC236}">
+                <a16:creationId xmlns:a16="http://schemas.microsoft.com/office/drawing/2014/main" id="{43AD0F1D-18AC-4DEA-AACB-5FB085B6C455}"/>
+              </a:ext>
+            </a:extLst>
+          </p:cNvPr>
+          <p:cNvSpPr txBox="1"/>
+          <p:nvPr/>
+        </p:nvSpPr>
+        <p:spPr>
+          <a:xfrm>
+            <a:off x="5886445" y="4121924"/>
+            <a:ext cx="6207127" cy="1600438"/>
+          </a:xfrm>
+          <a:prstGeom prst="rect">
+            <a:avLst/>
+          </a:prstGeom>
+          <a:noFill/>
+        </p:spPr>
+        <p:txBody>
+          <a:bodyPr wrap="square" rtlCol="0">
+            <a:spAutoFit/>
+          </a:bodyPr>
+          <a:lstStyle/>
+          <a:p>
+            <a:pPr marL="285750" indent="-285750">
+              <a:buFont typeface="Wingdings" panose="05000000000000000000" pitchFamily="2" charset="2"/>
+              <a:buChar char="§"/>
+            </a:pPr>
+            <a:r>
+              <a:rPr lang="en-US" altLang="ko-KR" sz="1400" dirty="0" smtClean="0">
+                <a:latin typeface="나눔스퀘어 Bold" panose="020B0600000101010101" pitchFamily="50" charset="-127"/>
+                <a:ea typeface="나눔스퀘어 Bold" panose="020B0600000101010101" pitchFamily="50" charset="-127"/>
+              </a:rPr>
+              <a:t>local representation</a:t>
+            </a:r>
+            <a:r>
+              <a:rPr lang="ko-KR" altLang="en-US" sz="1400" dirty="0" smtClean="0">
+                <a:latin typeface="나눔스퀘어 Bold" panose="020B0600000101010101" pitchFamily="50" charset="-127"/>
+                <a:ea typeface="나눔스퀘어 Bold" panose="020B0600000101010101" pitchFamily="50" charset="-127"/>
+              </a:rPr>
+              <a:t>을 이용한 </a:t>
+            </a:r>
+            <a:r>
+              <a:rPr lang="en-US" altLang="ko-KR" sz="1400" dirty="0" smtClean="0">
+                <a:latin typeface="나눔스퀘어 Bold" panose="020B0600000101010101" pitchFamily="50" charset="-127"/>
+                <a:ea typeface="나눔스퀘어 Bold" panose="020B0600000101010101" pitchFamily="50" charset="-127"/>
+              </a:rPr>
+              <a:t>method</a:t>
+            </a:r>
+            <a:r>
+              <a:rPr lang="ko-KR" altLang="en-US" sz="1400" dirty="0" smtClean="0">
+                <a:latin typeface="나눔스퀘어 Bold" panose="020B0600000101010101" pitchFamily="50" charset="-127"/>
+                <a:ea typeface="나눔스퀘어 Bold" panose="020B0600000101010101" pitchFamily="50" charset="-127"/>
+              </a:rPr>
+              <a:t>들도 제안되었지만</a:t>
+            </a:r>
+            <a:r>
+              <a:rPr lang="en-US" altLang="ko-KR" sz="1400" dirty="0" smtClean="0">
+                <a:latin typeface="나눔스퀘어 Bold" panose="020B0600000101010101" pitchFamily="50" charset="-127"/>
+                <a:ea typeface="나눔스퀘어 Bold" panose="020B0600000101010101" pitchFamily="50" charset="-127"/>
+              </a:rPr>
+              <a:t>,</a:t>
+            </a:r>
+          </a:p>
+          <a:p>
+            <a:pPr marL="285750" indent="-285750">
+              <a:buFont typeface="Wingdings" panose="05000000000000000000" pitchFamily="2" charset="2"/>
+              <a:buChar char="§"/>
+            </a:pPr>
+            <a:endParaRPr lang="en-US" altLang="ko-KR" sz="1400" dirty="0">
+              <a:latin typeface="나눔스퀘어 Bold" panose="020B0600000101010101" pitchFamily="50" charset="-127"/>
+              <a:ea typeface="나눔스퀘어 Bold" panose="020B0600000101010101" pitchFamily="50" charset="-127"/>
+            </a:endParaRPr>
+          </a:p>
+          <a:p>
+            <a:pPr marL="285750" indent="-285750">
+              <a:buFont typeface="Wingdings" panose="05000000000000000000" pitchFamily="2" charset="2"/>
+              <a:buChar char="§"/>
+            </a:pPr>
+            <a:r>
+              <a:rPr lang="ko-KR" altLang="en-US" sz="1400" dirty="0" smtClean="0">
+                <a:latin typeface="나눔스퀘어 Bold" panose="020B0600000101010101" pitchFamily="50" charset="-127"/>
+                <a:ea typeface="나눔스퀘어 Bold" panose="020B0600000101010101" pitchFamily="50" charset="-127"/>
+              </a:rPr>
+              <a:t>모든 </a:t>
+            </a:r>
+            <a:r>
+              <a:rPr lang="en-US" altLang="ko-KR" sz="1400" dirty="0" smtClean="0">
+                <a:latin typeface="나눔스퀘어 Bold" panose="020B0600000101010101" pitchFamily="50" charset="-127"/>
+                <a:ea typeface="나눔스퀘어 Bold" panose="020B0600000101010101" pitchFamily="50" charset="-127"/>
+              </a:rPr>
+              <a:t>local feature</a:t>
+            </a:r>
+            <a:r>
+              <a:rPr lang="ko-KR" altLang="en-US" sz="1400" dirty="0" smtClean="0">
+                <a:latin typeface="나눔스퀘어 Bold" panose="020B0600000101010101" pitchFamily="50" charset="-127"/>
+                <a:ea typeface="나눔스퀘어 Bold" panose="020B0600000101010101" pitchFamily="50" charset="-127"/>
+              </a:rPr>
+              <a:t>를 사용하기 때문에 </a:t>
+            </a:r>
+            <a:r>
+              <a:rPr lang="en-US" altLang="ko-KR" sz="1400" dirty="0" smtClean="0">
+                <a:latin typeface="나눔스퀘어 Bold" panose="020B0600000101010101" pitchFamily="50" charset="-127"/>
+                <a:ea typeface="나눔스퀘어 Bold" panose="020B0600000101010101" pitchFamily="50" charset="-127"/>
+              </a:rPr>
+              <a:t>irrelevant, noisy feature</a:t>
+            </a:r>
+            <a:r>
+              <a:rPr lang="ko-KR" altLang="en-US" sz="1400" dirty="0" smtClean="0">
+                <a:latin typeface="나눔스퀘어 Bold" panose="020B0600000101010101" pitchFamily="50" charset="-127"/>
+                <a:ea typeface="나눔스퀘어 Bold" panose="020B0600000101010101" pitchFamily="50" charset="-127"/>
+              </a:rPr>
+              <a:t>도 포함하게 되고</a:t>
+            </a:r>
+            <a:r>
+              <a:rPr lang="en-US" altLang="ko-KR" sz="1400" dirty="0" smtClean="0">
+                <a:latin typeface="나눔스퀘어 Bold" panose="020B0600000101010101" pitchFamily="50" charset="-127"/>
+                <a:ea typeface="나눔스퀘어 Bold" panose="020B0600000101010101" pitchFamily="50" charset="-127"/>
+              </a:rPr>
+              <a:t>,</a:t>
+            </a:r>
+          </a:p>
+          <a:p>
+            <a:pPr marL="285750" indent="-285750">
+              <a:buFont typeface="Wingdings" panose="05000000000000000000" pitchFamily="2" charset="2"/>
+              <a:buChar char="§"/>
+            </a:pPr>
+            <a:endParaRPr lang="en-US" altLang="ko-KR" sz="1400" dirty="0">
+              <a:latin typeface="나눔스퀘어 Bold" panose="020B0600000101010101" pitchFamily="50" charset="-127"/>
+              <a:ea typeface="나눔스퀘어 Bold" panose="020B0600000101010101" pitchFamily="50" charset="-127"/>
+            </a:endParaRPr>
+          </a:p>
+          <a:p>
+            <a:pPr marL="285750" indent="-285750">
+              <a:buFont typeface="Wingdings" panose="05000000000000000000" pitchFamily="2" charset="2"/>
+              <a:buChar char="§"/>
+            </a:pPr>
+            <a:r>
+              <a:rPr lang="en-US" altLang="ko-KR" sz="1400" dirty="0" smtClean="0">
+                <a:latin typeface="나눔스퀘어 Bold" panose="020B0600000101010101" pitchFamily="50" charset="-127"/>
+                <a:ea typeface="나눔스퀘어 Bold" panose="020B0600000101010101" pitchFamily="50" charset="-127"/>
+              </a:rPr>
+              <a:t>pre-trained CLIP</a:t>
+            </a:r>
+            <a:r>
+              <a:rPr lang="ko-KR" altLang="en-US" sz="1400" dirty="0" smtClean="0">
+                <a:latin typeface="나눔스퀘어 Bold" panose="020B0600000101010101" pitchFamily="50" charset="-127"/>
+                <a:ea typeface="나눔스퀘어 Bold" panose="020B0600000101010101" pitchFamily="50" charset="-127"/>
+              </a:rPr>
+              <a:t>의 </a:t>
+            </a:r>
+            <a:r>
+              <a:rPr lang="en-US" altLang="ko-KR" sz="1400" dirty="0" smtClean="0">
+                <a:latin typeface="나눔스퀘어 Bold" panose="020B0600000101010101" pitchFamily="50" charset="-127"/>
+                <a:ea typeface="나눔스퀘어 Bold" panose="020B0600000101010101" pitchFamily="50" charset="-127"/>
+              </a:rPr>
+              <a:t>global image-text alignment</a:t>
+            </a:r>
+            <a:r>
+              <a:rPr lang="ko-KR" altLang="en-US" sz="1400" dirty="0" smtClean="0">
+                <a:latin typeface="나눔스퀘어 Bold" panose="020B0600000101010101" pitchFamily="50" charset="-127"/>
+                <a:ea typeface="나눔스퀘어 Bold" panose="020B0600000101010101" pitchFamily="50" charset="-127"/>
+              </a:rPr>
+              <a:t>와도 맞지 않아</a:t>
+            </a:r>
+            <a:r>
+              <a:rPr lang="en-US" altLang="ko-KR" sz="1400" dirty="0" smtClean="0">
+                <a:latin typeface="나눔스퀘어 Bold" panose="020B0600000101010101" pitchFamily="50" charset="-127"/>
+                <a:ea typeface="나눔스퀘어 Bold" panose="020B0600000101010101" pitchFamily="50" charset="-127"/>
+              </a:rPr>
+              <a:t> </a:t>
+            </a:r>
+            <a:r>
+              <a:rPr lang="ko-KR" altLang="en-US" sz="1400" dirty="0" smtClean="0">
+                <a:latin typeface="나눔스퀘어 Bold" panose="020B0600000101010101" pitchFamily="50" charset="-127"/>
+                <a:ea typeface="나눔스퀘어 Bold" panose="020B0600000101010101" pitchFamily="50" charset="-127"/>
+              </a:rPr>
+              <a:t>높은 성능을 보이지 못함</a:t>
+            </a:r>
+            <a:endParaRPr lang="en-US" altLang="ko-KR" sz="1400" dirty="0" smtClean="0">
+              <a:latin typeface="나눔스퀘어 Bold" panose="020B0600000101010101" pitchFamily="50" charset="-127"/>
+              <a:ea typeface="나눔스퀘어 Bold" panose="020B0600000101010101" pitchFamily="50" charset="-127"/>
+            </a:endParaRPr>
+          </a:p>
+        </p:txBody>
+      </p:sp>
+      <mc:AlternateContent xmlns:mc="http://schemas.openxmlformats.org/markup-compatibility/2006">
+        <mc:Choice xmlns:a14="http://schemas.microsoft.com/office/drawing/2010/main" Requires="a14">
+          <p:sp>
+            <p:nvSpPr>
+              <p:cNvPr id="10" name="TextBox 9">
+                <a:extLst>
+                  <a:ext uri="{FF2B5EF4-FFF2-40B4-BE49-F238E27FC236}">
+                    <a16:creationId xmlns:a16="http://schemas.microsoft.com/office/drawing/2014/main" id="{9922EEF6-C41D-4EED-AAFA-E7D60D60CE65}"/>
+                  </a:ext>
+                </a:extLst>
+              </p:cNvPr>
+              <p:cNvSpPr txBox="1"/>
+              <p:nvPr/>
+            </p:nvSpPr>
+            <p:spPr>
+              <a:xfrm>
+                <a:off x="162052" y="1822529"/>
+                <a:ext cx="6207127" cy="726353"/>
+              </a:xfrm>
+              <a:prstGeom prst="rect">
+                <a:avLst/>
+              </a:prstGeom>
+              <a:noFill/>
+            </p:spPr>
+            <p:txBody>
+              <a:bodyPr wrap="square" rtlCol="0">
+                <a:spAutoFit/>
+              </a:bodyPr>
+              <a:lstStyle/>
+              <a:p>
+                <a:endParaRPr lang="en-US" altLang="ko-KR" sz="1400" dirty="0" smtClean="0">
+                  <a:latin typeface="나눔스퀘어 Bold" panose="020B0600000101010101" pitchFamily="50" charset="-127"/>
+                  <a:ea typeface="나눔스퀘어 Bold" panose="020B0600000101010101" pitchFamily="50" charset="-127"/>
+                </a:endParaRPr>
+              </a:p>
+              <a:p>
+                <a:pPr marL="285750" indent="-285750">
+                  <a:buFont typeface="Wingdings" panose="05000000000000000000" pitchFamily="2" charset="2"/>
+                  <a:buChar char="§"/>
+                </a:pPr>
+                <a14:m>
+                  <m:oMath xmlns:m="http://schemas.openxmlformats.org/officeDocument/2006/math">
+                    <m:sSub>
+                      <m:sSubPr>
+                        <m:ctrlPr>
+                          <a:rPr lang="en-US" altLang="ko-KR" sz="1400" i="1" smtClean="0">
+                            <a:latin typeface="Cambria Math" panose="02040503050406030204" pitchFamily="18" charset="0"/>
+                            <a:ea typeface="나눔스퀘어 Bold" panose="020B0600000101010101" pitchFamily="50" charset="-127"/>
+                          </a:rPr>
+                        </m:ctrlPr>
+                      </m:sSubPr>
+                      <m:e>
+                        <m:r>
+                          <a:rPr lang="en-US" altLang="ko-KR" sz="1400" b="0" i="1" smtClean="0">
+                            <a:latin typeface="Cambria Math" panose="02040503050406030204" pitchFamily="18" charset="0"/>
+                            <a:ea typeface="나눔스퀘어 Bold" panose="020B0600000101010101" pitchFamily="50" charset="-127"/>
+                          </a:rPr>
+                          <m:t>𝐿</m:t>
+                        </m:r>
+                      </m:e>
+                      <m:sub>
+                        <m:r>
+                          <a:rPr lang="en-US" altLang="ko-KR" sz="1400" b="0" i="1" smtClean="0">
+                            <a:latin typeface="Cambria Math" panose="02040503050406030204" pitchFamily="18" charset="0"/>
+                            <a:ea typeface="나눔스퀘어 Bold" panose="020B0600000101010101" pitchFamily="50" charset="-127"/>
+                          </a:rPr>
+                          <m:t>𝑛𝑒𝑤</m:t>
+                        </m:r>
+                      </m:sub>
+                    </m:sSub>
+                  </m:oMath>
+                </a14:m>
+                <a:r>
+                  <a:rPr lang="en-US" altLang="ko-KR" sz="1400" dirty="0" smtClean="0">
+                    <a:ea typeface="나눔스퀘어 Bold" panose="020B0600000101010101" pitchFamily="50" charset="-127"/>
+                  </a:rPr>
+                  <a:t> = </a:t>
+                </a:r>
+                <a14:m>
+                  <m:oMath xmlns:m="http://schemas.openxmlformats.org/officeDocument/2006/math">
+                    <m:f>
+                      <m:fPr>
+                        <m:ctrlPr>
+                          <a:rPr lang="en-US" altLang="ko-KR" sz="1400" i="1" smtClean="0">
+                            <a:latin typeface="Cambria Math" panose="02040503050406030204" pitchFamily="18" charset="0"/>
+                            <a:ea typeface="나눔스퀘어 Bold" panose="020B0600000101010101" pitchFamily="50" charset="-127"/>
+                          </a:rPr>
+                        </m:ctrlPr>
+                      </m:fPr>
+                      <m:num>
+                        <m:r>
+                          <m:rPr>
+                            <m:nor/>
+                          </m:rPr>
+                          <a:rPr lang="en-US" altLang="ko-KR" sz="1400" dirty="0">
+                            <a:latin typeface="나눔스퀘어 Bold" panose="020B0600000101010101" pitchFamily="50" charset="-127"/>
+                            <a:ea typeface="나눔스퀘어 Bold" panose="020B0600000101010101" pitchFamily="50" charset="-127"/>
+                          </a:rPr>
+                          <m:t>exp</m:t>
+                        </m:r>
+                        <m:r>
+                          <m:rPr>
+                            <m:nor/>
+                          </m:rPr>
+                          <a:rPr lang="en-US" altLang="ko-KR" sz="1400" dirty="0">
+                            <a:latin typeface="나눔스퀘어 Bold" panose="020B0600000101010101" pitchFamily="50" charset="-127"/>
+                            <a:ea typeface="나눔스퀘어 Bold" panose="020B0600000101010101" pitchFamily="50" charset="-127"/>
+                          </a:rPr>
+                          <m:t>(</m:t>
+                        </m:r>
+                        <m:r>
+                          <a:rPr lang="en-US" altLang="ko-KR" sz="1400" i="1">
+                            <a:latin typeface="Cambria Math" panose="02040503050406030204" pitchFamily="18" charset="0"/>
+                            <a:ea typeface="나눔스퀘어 Bold" panose="020B0600000101010101" pitchFamily="50" charset="-127"/>
+                          </a:rPr>
+                          <m:t>𝑐𝑜𝑠</m:t>
+                        </m:r>
+                        <m:r>
+                          <m:rPr>
+                            <m:nor/>
+                          </m:rPr>
+                          <a:rPr lang="en-US" altLang="ko-KR" sz="1400" dirty="0">
+                            <a:latin typeface="나눔스퀘어 Bold" panose="020B0600000101010101" pitchFamily="50" charset="-127"/>
+                            <a:ea typeface="나눔스퀘어 Bold" panose="020B0600000101010101" pitchFamily="50" charset="-127"/>
+                          </a:rPr>
+                          <m:t>(</m:t>
+                        </m:r>
+                        <m:sSub>
+                          <m:sSubPr>
+                            <m:ctrlPr>
+                              <a:rPr lang="en-US" altLang="ko-KR" sz="1400" i="1">
+                                <a:latin typeface="Cambria Math" panose="02040503050406030204" pitchFamily="18" charset="0"/>
+                                <a:ea typeface="나눔스퀘어 Bold" panose="020B0600000101010101" pitchFamily="50" charset="-127"/>
+                              </a:rPr>
+                            </m:ctrlPr>
+                          </m:sSubPr>
+                          <m:e>
+                            <m:sSup>
+                              <m:sSupPr>
+                                <m:ctrlPr>
+                                  <a:rPr lang="en-US" altLang="ko-KR" sz="1400" i="1" dirty="0">
+                                    <a:latin typeface="Cambria Math" panose="02040503050406030204" pitchFamily="18" charset="0"/>
+                                    <a:ea typeface="나눔스퀘어 Bold" panose="020B0600000101010101" pitchFamily="50" charset="-127"/>
+                                  </a:rPr>
+                                </m:ctrlPr>
+                              </m:sSupPr>
+                              <m:e>
+                                <m:r>
+                                  <a:rPr lang="en-US" altLang="ko-KR" sz="1400" i="1" dirty="0">
+                                    <a:latin typeface="Cambria Math" panose="02040503050406030204" pitchFamily="18" charset="0"/>
+                                    <a:ea typeface="나눔스퀘어 Bold" panose="020B0600000101010101" pitchFamily="50" charset="-127"/>
+                                  </a:rPr>
+                                  <m:t>𝑠</m:t>
+                                </m:r>
+                              </m:e>
+                              <m:sup>
+                                <m:r>
+                                  <a:rPr lang="en-US" altLang="ko-KR" sz="1400" i="1" dirty="0">
+                                    <a:latin typeface="Cambria Math" panose="02040503050406030204" pitchFamily="18" charset="0"/>
+                                    <a:ea typeface="나눔스퀘어 Bold" panose="020B0600000101010101" pitchFamily="50" charset="-127"/>
+                                  </a:rPr>
+                                  <m:t>′</m:t>
+                                </m:r>
+                              </m:sup>
+                            </m:sSup>
+                          </m:e>
+                          <m:sub>
+                            <m:r>
+                              <a:rPr lang="en-US" altLang="ko-KR" sz="1400" i="1">
+                                <a:latin typeface="Cambria Math" panose="02040503050406030204" pitchFamily="18" charset="0"/>
+                                <a:ea typeface="나눔스퀘어 Bold" panose="020B0600000101010101" pitchFamily="50" charset="-127"/>
+                              </a:rPr>
+                              <m:t>𝑠</m:t>
+                            </m:r>
+                            <m:r>
+                              <a:rPr lang="en-US" altLang="ko-KR" sz="1400" i="1">
+                                <a:latin typeface="Cambria Math" panose="02040503050406030204" pitchFamily="18" charset="0"/>
+                                <a:ea typeface="나눔스퀘어 Bold" panose="020B0600000101010101" pitchFamily="50" charset="-127"/>
+                              </a:rPr>
+                              <m:t>,   </m:t>
+                            </m:r>
+                            <m:r>
+                              <a:rPr lang="en-US" altLang="ko-KR" sz="1400" i="1">
+                                <a:latin typeface="Cambria Math" panose="02040503050406030204" pitchFamily="18" charset="0"/>
+                                <a:ea typeface="나눔스퀘어 Bold" panose="020B0600000101010101" pitchFamily="50" charset="-127"/>
+                              </a:rPr>
+                              <m:t>𝑘</m:t>
+                            </m:r>
+                          </m:sub>
+                        </m:sSub>
+                        <m:r>
+                          <m:rPr>
+                            <m:nor/>
+                          </m:rPr>
+                          <a:rPr lang="en-US" altLang="ko-KR" sz="1400" dirty="0" smtClean="0">
+                            <a:latin typeface="나눔스퀘어 Bold" panose="020B0600000101010101" pitchFamily="50" charset="-127"/>
+                            <a:ea typeface="나눔스퀘어 Bold" panose="020B0600000101010101" pitchFamily="50" charset="-127"/>
+                          </a:rPr>
+                          <m:t>, </m:t>
+                        </m:r>
+                        <m:sSub>
+                          <m:sSubPr>
+                            <m:ctrlPr>
+                              <a:rPr lang="en-US" altLang="ko-KR" sz="1400" i="1">
+                                <a:latin typeface="Cambria Math" panose="02040503050406030204" pitchFamily="18" charset="0"/>
+                                <a:ea typeface="나눔스퀘어 Bold" panose="020B0600000101010101" pitchFamily="50" charset="-127"/>
+                              </a:rPr>
+                            </m:ctrlPr>
+                          </m:sSubPr>
+                          <m:e>
+                            <m:sSup>
+                              <m:sSupPr>
+                                <m:ctrlPr>
+                                  <a:rPr lang="en-US" altLang="ko-KR" sz="1400" i="1" dirty="0">
+                                    <a:latin typeface="Cambria Math" panose="02040503050406030204" pitchFamily="18" charset="0"/>
+                                    <a:ea typeface="나눔스퀘어 Bold" panose="020B0600000101010101" pitchFamily="50" charset="-127"/>
+                                  </a:rPr>
+                                </m:ctrlPr>
+                              </m:sSupPr>
+                              <m:e>
+                                <m:r>
+                                  <a:rPr lang="en-US" altLang="ko-KR" sz="1400" i="1" dirty="0">
+                                    <a:latin typeface="Cambria Math" panose="02040503050406030204" pitchFamily="18" charset="0"/>
+                                    <a:ea typeface="나눔스퀘어 Bold" panose="020B0600000101010101" pitchFamily="50" charset="-127"/>
+                                  </a:rPr>
+                                  <m:t>𝑠</m:t>
+                                </m:r>
+                              </m:e>
+                              <m:sup>
+                                <m:r>
+                                  <a:rPr lang="en-US" altLang="ko-KR" sz="1400" i="1" dirty="0">
+                                    <a:latin typeface="Cambria Math" panose="02040503050406030204" pitchFamily="18" charset="0"/>
+                                    <a:ea typeface="나눔스퀘어 Bold" panose="020B0600000101010101" pitchFamily="50" charset="-127"/>
+                                  </a:rPr>
+                                  <m:t>′</m:t>
+                                </m:r>
+                              </m:sup>
+                            </m:sSup>
+                          </m:e>
+                          <m:sub>
+                            <m:r>
+                              <a:rPr lang="en-US" altLang="ko-KR" sz="1400" i="1">
+                                <a:latin typeface="Cambria Math" panose="02040503050406030204" pitchFamily="18" charset="0"/>
+                                <a:ea typeface="나눔스퀘어 Bold" panose="020B0600000101010101" pitchFamily="50" charset="-127"/>
+                              </a:rPr>
+                              <m:t>𝑡</m:t>
+                            </m:r>
+                            <m:r>
+                              <a:rPr lang="en-US" altLang="ko-KR" sz="1400" i="1">
+                                <a:latin typeface="Cambria Math" panose="02040503050406030204" pitchFamily="18" charset="0"/>
+                                <a:ea typeface="나눔스퀘어 Bold" panose="020B0600000101010101" pitchFamily="50" charset="-127"/>
+                              </a:rPr>
+                              <m:t>,   </m:t>
+                            </m:r>
+                            <m:r>
+                              <a:rPr lang="en-US" altLang="ko-KR" sz="1400" i="1">
+                                <a:latin typeface="Cambria Math" panose="02040503050406030204" pitchFamily="18" charset="0"/>
+                                <a:ea typeface="나눔스퀘어 Bold" panose="020B0600000101010101" pitchFamily="50" charset="-127"/>
+                              </a:rPr>
+                              <m:t>𝑘</m:t>
+                            </m:r>
+                          </m:sub>
+                        </m:sSub>
+                        <m:r>
+                          <m:rPr>
+                            <m:nor/>
+                          </m:rPr>
+                          <a:rPr lang="en-US" altLang="ko-KR" sz="1400" dirty="0">
+                            <a:latin typeface="나눔스퀘어 Bold" panose="020B0600000101010101" pitchFamily="50" charset="-127"/>
+                            <a:ea typeface="나눔스퀘어 Bold" panose="020B0600000101010101" pitchFamily="50" charset="-127"/>
+                          </a:rPr>
+                          <m:t>)/</m:t>
+                        </m:r>
+                        <m:r>
+                          <a:rPr lang="ko-KR" altLang="en-US" sz="1400" i="1">
+                            <a:latin typeface="Cambria Math" panose="02040503050406030204" pitchFamily="18" charset="0"/>
+                            <a:ea typeface="나눔스퀘어 Bold" panose="020B0600000101010101" pitchFamily="50" charset="-127"/>
+                          </a:rPr>
+                          <m:t>𝜏</m:t>
+                        </m:r>
+                        <m:r>
+                          <m:rPr>
+                            <m:nor/>
+                          </m:rPr>
+                          <a:rPr lang="en-US" altLang="ko-KR" sz="1400" dirty="0">
+                            <a:latin typeface="나눔스퀘어 Bold" panose="020B0600000101010101" pitchFamily="50" charset="-127"/>
+                            <a:ea typeface="나눔스퀘어 Bold" panose="020B0600000101010101" pitchFamily="50" charset="-127"/>
+                          </a:rPr>
+                          <m:t>) </m:t>
+                        </m:r>
+                      </m:num>
+                      <m:den>
+                        <m:nary>
+                          <m:naryPr>
+                            <m:chr m:val="∑"/>
+                            <m:ctrlPr>
+                              <a:rPr lang="en-US" altLang="ko-KR" sz="1400" i="1">
+                                <a:latin typeface="Cambria Math" panose="02040503050406030204" pitchFamily="18" charset="0"/>
+                                <a:ea typeface="나눔스퀘어 Bold" panose="020B0600000101010101" pitchFamily="50" charset="-127"/>
+                              </a:rPr>
+                            </m:ctrlPr>
+                          </m:naryPr>
+                          <m:sub>
+                            <m:r>
+                              <m:rPr>
+                                <m:brk m:alnAt="23"/>
+                              </m:rPr>
+                              <a:rPr lang="en-US" altLang="ko-KR" sz="1400" i="1">
+                                <a:latin typeface="Cambria Math" panose="02040503050406030204" pitchFamily="18" charset="0"/>
+                                <a:ea typeface="나눔스퀘어 Bold" panose="020B0600000101010101" pitchFamily="50" charset="-127"/>
+                              </a:rPr>
+                              <m:t>𝑘</m:t>
+                            </m:r>
+                            <m:r>
+                              <a:rPr lang="en-US" altLang="ko-KR" sz="1400" i="1">
+                                <a:latin typeface="Cambria Math" panose="02040503050406030204" pitchFamily="18" charset="0"/>
+                                <a:ea typeface="나눔스퀘어 Bold" panose="020B0600000101010101" pitchFamily="50" charset="-127"/>
+                              </a:rPr>
+                              <m:t>=1</m:t>
+                            </m:r>
+                          </m:sub>
+                          <m:sup>
+                            <m:r>
+                              <a:rPr lang="en-US" altLang="ko-KR" sz="1400" i="1">
+                                <a:latin typeface="Cambria Math" panose="02040503050406030204" pitchFamily="18" charset="0"/>
+                                <a:ea typeface="나눔스퀘어 Bold" panose="020B0600000101010101" pitchFamily="50" charset="-127"/>
+                              </a:rPr>
+                              <m:t>𝐾</m:t>
+                            </m:r>
+                          </m:sup>
+                          <m:e>
+                            <m:r>
+                              <m:rPr>
+                                <m:nor/>
+                              </m:rPr>
+                              <a:rPr lang="en-US" altLang="ko-KR" sz="1400" dirty="0">
+                                <a:latin typeface="나눔스퀘어 Bold" panose="020B0600000101010101" pitchFamily="50" charset="-127"/>
+                                <a:ea typeface="나눔스퀘어 Bold" panose="020B0600000101010101" pitchFamily="50" charset="-127"/>
+                              </a:rPr>
+                              <m:t>exp</m:t>
+                            </m:r>
+                            <m:r>
+                              <m:rPr>
+                                <m:nor/>
+                              </m:rPr>
+                              <a:rPr lang="en-US" altLang="ko-KR" sz="1400" dirty="0">
+                                <a:latin typeface="나눔스퀘어 Bold" panose="020B0600000101010101" pitchFamily="50" charset="-127"/>
+                                <a:ea typeface="나눔스퀘어 Bold" panose="020B0600000101010101" pitchFamily="50" charset="-127"/>
+                              </a:rPr>
+                              <m:t>(</m:t>
+                            </m:r>
+                            <m:r>
+                              <a:rPr lang="en-US" altLang="ko-KR" sz="1400" i="1">
+                                <a:latin typeface="Cambria Math" panose="02040503050406030204" pitchFamily="18" charset="0"/>
+                                <a:ea typeface="나눔스퀘어 Bold" panose="020B0600000101010101" pitchFamily="50" charset="-127"/>
+                              </a:rPr>
+                              <m:t>𝑐𝑜𝑠</m:t>
+                            </m:r>
+                            <m:r>
+                              <m:rPr>
+                                <m:nor/>
+                              </m:rPr>
+                              <a:rPr lang="en-US" altLang="ko-KR" sz="1400" dirty="0">
+                                <a:latin typeface="나눔스퀘어 Bold" panose="020B0600000101010101" pitchFamily="50" charset="-127"/>
+                                <a:ea typeface="나눔스퀘어 Bold" panose="020B0600000101010101" pitchFamily="50" charset="-127"/>
+                              </a:rPr>
+                              <m:t>(</m:t>
+                            </m:r>
+                            <m:sSub>
+                              <m:sSubPr>
+                                <m:ctrlPr>
+                                  <a:rPr lang="en-US" altLang="ko-KR" sz="1400" i="1">
+                                    <a:latin typeface="Cambria Math" panose="02040503050406030204" pitchFamily="18" charset="0"/>
+                                    <a:ea typeface="나눔스퀘어 Bold" panose="020B0600000101010101" pitchFamily="50" charset="-127"/>
+                                  </a:rPr>
+                                </m:ctrlPr>
+                              </m:sSubPr>
+                              <m:e>
+                                <m:sSup>
+                                  <m:sSupPr>
+                                    <m:ctrlPr>
+                                      <a:rPr lang="en-US" altLang="ko-KR" sz="1400" i="1" dirty="0">
+                                        <a:latin typeface="Cambria Math" panose="02040503050406030204" pitchFamily="18" charset="0"/>
+                                        <a:ea typeface="나눔스퀘어 Bold" panose="020B0600000101010101" pitchFamily="50" charset="-127"/>
+                                      </a:rPr>
+                                    </m:ctrlPr>
+                                  </m:sSupPr>
+                                  <m:e>
+                                    <m:r>
+                                      <a:rPr lang="en-US" altLang="ko-KR" sz="1400" i="1" dirty="0">
+                                        <a:latin typeface="Cambria Math" panose="02040503050406030204" pitchFamily="18" charset="0"/>
+                                        <a:ea typeface="나눔스퀘어 Bold" panose="020B0600000101010101" pitchFamily="50" charset="-127"/>
+                                      </a:rPr>
+                                      <m:t>𝑠</m:t>
+                                    </m:r>
+                                  </m:e>
+                                  <m:sup>
+                                    <m:r>
+                                      <a:rPr lang="en-US" altLang="ko-KR" sz="1400" i="1" dirty="0">
+                                        <a:latin typeface="Cambria Math" panose="02040503050406030204" pitchFamily="18" charset="0"/>
+                                        <a:ea typeface="나눔스퀘어 Bold" panose="020B0600000101010101" pitchFamily="50" charset="-127"/>
+                                      </a:rPr>
+                                      <m:t>′</m:t>
+                                    </m:r>
+                                  </m:sup>
+                                </m:sSup>
+                              </m:e>
+                              <m:sub>
+                                <m:r>
+                                  <a:rPr lang="en-US" altLang="ko-KR" sz="1400" i="1">
+                                    <a:latin typeface="Cambria Math" panose="02040503050406030204" pitchFamily="18" charset="0"/>
+                                    <a:ea typeface="나눔스퀘어 Bold" panose="020B0600000101010101" pitchFamily="50" charset="-127"/>
+                                  </a:rPr>
+                                  <m:t>𝑠</m:t>
+                                </m:r>
+                                <m:r>
+                                  <a:rPr lang="en-US" altLang="ko-KR" sz="1400" i="1">
+                                    <a:latin typeface="Cambria Math" panose="02040503050406030204" pitchFamily="18" charset="0"/>
+                                    <a:ea typeface="나눔스퀘어 Bold" panose="020B0600000101010101" pitchFamily="50" charset="-127"/>
+                                  </a:rPr>
+                                  <m:t>,   </m:t>
+                                </m:r>
+                                <m:r>
+                                  <a:rPr lang="en-US" altLang="ko-KR" sz="1400" i="1">
+                                    <a:latin typeface="Cambria Math" panose="02040503050406030204" pitchFamily="18" charset="0"/>
+                                    <a:ea typeface="나눔스퀘어 Bold" panose="020B0600000101010101" pitchFamily="50" charset="-127"/>
+                                  </a:rPr>
+                                  <m:t>𝑘</m:t>
+                                </m:r>
+                              </m:sub>
+                            </m:sSub>
+                            <m:r>
+                              <m:rPr>
+                                <m:nor/>
+                              </m:rPr>
+                              <a:rPr lang="en-US" altLang="ko-KR" sz="1400" dirty="0">
+                                <a:latin typeface="나눔스퀘어 Bold" panose="020B0600000101010101" pitchFamily="50" charset="-127"/>
+                                <a:ea typeface="나눔스퀘어 Bold" panose="020B0600000101010101" pitchFamily="50" charset="-127"/>
+                              </a:rPr>
+                              <m:t>, </m:t>
+                            </m:r>
+                            <m:sSub>
+                              <m:sSubPr>
+                                <m:ctrlPr>
+                                  <a:rPr lang="en-US" altLang="ko-KR" sz="1400" i="1">
+                                    <a:latin typeface="Cambria Math" panose="02040503050406030204" pitchFamily="18" charset="0"/>
+                                    <a:ea typeface="나눔스퀘어 Bold" panose="020B0600000101010101" pitchFamily="50" charset="-127"/>
+                                  </a:rPr>
+                                </m:ctrlPr>
+                              </m:sSubPr>
+                              <m:e>
+                                <m:sSup>
+                                  <m:sSupPr>
+                                    <m:ctrlPr>
+                                      <a:rPr lang="en-US" altLang="ko-KR" sz="1400" i="1" dirty="0">
+                                        <a:latin typeface="Cambria Math" panose="02040503050406030204" pitchFamily="18" charset="0"/>
+                                        <a:ea typeface="나눔스퀘어 Bold" panose="020B0600000101010101" pitchFamily="50" charset="-127"/>
+                                      </a:rPr>
+                                    </m:ctrlPr>
+                                  </m:sSupPr>
+                                  <m:e>
+                                    <m:r>
+                                      <a:rPr lang="en-US" altLang="ko-KR" sz="1400" i="1" dirty="0">
+                                        <a:latin typeface="Cambria Math" panose="02040503050406030204" pitchFamily="18" charset="0"/>
+                                        <a:ea typeface="나눔스퀘어 Bold" panose="020B0600000101010101" pitchFamily="50" charset="-127"/>
+                                      </a:rPr>
+                                      <m:t>𝑠</m:t>
+                                    </m:r>
+                                  </m:e>
+                                  <m:sup>
+                                    <m:r>
+                                      <a:rPr lang="en-US" altLang="ko-KR" sz="1400" i="1" dirty="0">
+                                        <a:latin typeface="Cambria Math" panose="02040503050406030204" pitchFamily="18" charset="0"/>
+                                        <a:ea typeface="나눔스퀘어 Bold" panose="020B0600000101010101" pitchFamily="50" charset="-127"/>
+                                      </a:rPr>
+                                      <m:t>′</m:t>
+                                    </m:r>
+                                  </m:sup>
+                                </m:sSup>
+                              </m:e>
+                              <m:sub>
+                                <m:r>
+                                  <a:rPr lang="en-US" altLang="ko-KR" sz="1400" i="1">
+                                    <a:latin typeface="Cambria Math" panose="02040503050406030204" pitchFamily="18" charset="0"/>
+                                    <a:ea typeface="나눔스퀘어 Bold" panose="020B0600000101010101" pitchFamily="50" charset="-127"/>
+                                  </a:rPr>
+                                  <m:t>𝑡</m:t>
+                                </m:r>
+                                <m:r>
+                                  <a:rPr lang="en-US" altLang="ko-KR" sz="1400" i="1">
+                                    <a:latin typeface="Cambria Math" panose="02040503050406030204" pitchFamily="18" charset="0"/>
+                                    <a:ea typeface="나눔스퀘어 Bold" panose="020B0600000101010101" pitchFamily="50" charset="-127"/>
+                                  </a:rPr>
+                                  <m:t>,   </m:t>
+                                </m:r>
+                                <m:r>
+                                  <a:rPr lang="en-US" altLang="ko-KR" sz="1400" i="1">
+                                    <a:latin typeface="Cambria Math" panose="02040503050406030204" pitchFamily="18" charset="0"/>
+                                    <a:ea typeface="나눔스퀘어 Bold" panose="020B0600000101010101" pitchFamily="50" charset="-127"/>
+                                  </a:rPr>
+                                  <m:t>𝑘</m:t>
+                                </m:r>
+                              </m:sub>
+                            </m:sSub>
+                            <m:r>
+                              <m:rPr>
+                                <m:nor/>
+                              </m:rPr>
+                              <a:rPr lang="en-US" altLang="ko-KR" sz="1400" dirty="0">
+                                <a:latin typeface="나눔스퀘어 Bold" panose="020B0600000101010101" pitchFamily="50" charset="-127"/>
+                                <a:ea typeface="나눔스퀘어 Bold" panose="020B0600000101010101" pitchFamily="50" charset="-127"/>
+                              </a:rPr>
+                              <m:t>)/</m:t>
+                            </m:r>
+                            <m:r>
+                              <a:rPr lang="ko-KR" altLang="en-US" sz="1400" i="1">
+                                <a:latin typeface="Cambria Math" panose="02040503050406030204" pitchFamily="18" charset="0"/>
+                                <a:ea typeface="나눔스퀘어 Bold" panose="020B0600000101010101" pitchFamily="50" charset="-127"/>
+                              </a:rPr>
+                              <m:t>𝜏</m:t>
+                            </m:r>
+                            <m:r>
+                              <m:rPr>
+                                <m:nor/>
+                              </m:rPr>
+                              <a:rPr lang="en-US" altLang="ko-KR" sz="1400" dirty="0">
+                                <a:latin typeface="나눔스퀘어 Bold" panose="020B0600000101010101" pitchFamily="50" charset="-127"/>
+                                <a:ea typeface="나눔스퀘어 Bold" panose="020B0600000101010101" pitchFamily="50" charset="-127"/>
+                              </a:rPr>
+                              <m:t>) </m:t>
+                            </m:r>
+                          </m:e>
+                        </m:nary>
+                      </m:den>
+                    </m:f>
+                  </m:oMath>
+                </a14:m>
+                <a:endParaRPr lang="en-US" altLang="ko-KR" sz="1400" dirty="0" smtClean="0">
+                  <a:latin typeface="나눔스퀘어 Bold" panose="020B0600000101010101" pitchFamily="50" charset="-127"/>
+                  <a:ea typeface="나눔스퀘어 Bold" panose="020B0600000101010101" pitchFamily="50" charset="-127"/>
+                </a:endParaRPr>
+              </a:p>
+            </p:txBody>
+          </p:sp>
+        </mc:Choice>
+        <mc:Fallback>
+          <p:sp>
+            <p:nvSpPr>
+              <p:cNvPr id="10" name="TextBox 9">
+                <a:extLst>
+                  <a:ext uri="{FF2B5EF4-FFF2-40B4-BE49-F238E27FC236}">
+                    <a16:creationId xmlns:a16="http://schemas.microsoft.com/office/drawing/2014/main" id="{9922EEF6-C41D-4EED-AAFA-E7D60D60CE65}"/>
+                  </a:ext>
+                </a:extLst>
+              </p:cNvPr>
+              <p:cNvSpPr txBox="1">
+                <a:spLocks noRot="1" noChangeAspect="1" noMove="1" noResize="1" noEditPoints="1" noAdjustHandles="1" noChangeArrowheads="1" noChangeShapeType="1" noTextEdit="1"/>
+              </p:cNvSpPr>
+              <p:nvPr/>
+            </p:nvSpPr>
+            <p:spPr>
+              <a:xfrm>
+                <a:off x="162052" y="1822529"/>
+                <a:ext cx="6207127" cy="726353"/>
+              </a:xfrm>
+              <a:prstGeom prst="rect">
+                <a:avLst/>
+              </a:prstGeom>
+              <a:blipFill>
+                <a:blip r:embed="rId2"/>
+                <a:stretch>
+                  <a:fillRect l="-196" b="-47059"/>
+                </a:stretch>
+              </a:blipFill>
+            </p:spPr>
+            <p:txBody>
+              <a:bodyPr/>
+              <a:lstStyle/>
+              <a:p>
+                <a:r>
+                  <a:rPr lang="ko-KR" altLang="en-US">
+                    <a:noFill/>
+                  </a:rPr>
+                  <a:t> </a:t>
+                </a:r>
+              </a:p>
+            </p:txBody>
+          </p:sp>
+        </mc:Fallback>
+      </mc:AlternateContent>
+    </p:spTree>
+    <p:extLst>
+      <p:ext uri="{BB962C8B-B14F-4D97-AF65-F5344CB8AC3E}">
+        <p14:creationId xmlns:p14="http://schemas.microsoft.com/office/powerpoint/2010/main" val="1211054555"/>
+      </p:ext>
+    </p:extLst>
+  </p:cSld>
+  <p:clrMapOvr>
+    <a:masterClrMapping/>
+  </p:clrMapOvr>
+  <p:timing>
+    <p:tnLst>
+      <p:par>
+        <p:cTn id="1" dur="indefinite" restart="never" nodeType="tmRoot"/>
+      </p:par>
+    </p:tnLst>
+  </p:timing>
+</p:sld>
+</file>
+
+<file path=ppt/slides/slide20.xml><?xml version="1.0" encoding="utf-8"?>
 <p:sld xmlns:a="http://schemas.openxmlformats.org/drawingml/2006/main" xmlns:r="http://schemas.openxmlformats.org/officeDocument/2006/relationships" xmlns:p="http://schemas.openxmlformats.org/presentationml/2006/main">
   <p:cSld>
     <p:spTree>
@@ -8039,7 +10729,7 @@
 </p:sld>
 </file>
 
-<file path=ppt/slides/slide17.xml><?xml version="1.0" encoding="utf-8"?>
+<file path=ppt/slides/slide21.xml><?xml version="1.0" encoding="utf-8"?>
 <p:sld xmlns:a="http://schemas.openxmlformats.org/drawingml/2006/main" xmlns:r="http://schemas.openxmlformats.org/officeDocument/2006/relationships" xmlns:p="http://schemas.openxmlformats.org/presentationml/2006/main">
   <p:cSld>
     <p:spTree>
@@ -8472,7 +11162,7 @@
 </p:sld>
 </file>
 
-<file path=ppt/slides/slide2.xml><?xml version="1.0" encoding="utf-8"?>
+<file path=ppt/slides/slide22.xml><?xml version="1.0" encoding="utf-8"?>
 <p:sld xmlns:a="http://schemas.openxmlformats.org/drawingml/2006/main" xmlns:r="http://schemas.openxmlformats.org/officeDocument/2006/relationships" xmlns:p="http://schemas.openxmlformats.org/presentationml/2006/main">
   <p:cSld>
     <p:spTree>
@@ -8491,7 +11181,331 @@
       </p:grpSpPr>
       <p:sp>
         <p:nvSpPr>
-          <p:cNvPr id="12" name="TextBox 11">
+          <p:cNvPr id="14" name="TextBox 13">
+            <a:extLst>
+              <a:ext uri="{FF2B5EF4-FFF2-40B4-BE49-F238E27FC236}">
+                <a16:creationId xmlns:a16="http://schemas.microsoft.com/office/drawing/2014/main" id="{43AD0F1D-18AC-4DEA-AACB-5FB085B6C455}"/>
+              </a:ext>
+            </a:extLst>
+          </p:cNvPr>
+          <p:cNvSpPr txBox="1"/>
+          <p:nvPr/>
+        </p:nvSpPr>
+        <p:spPr>
+          <a:xfrm>
+            <a:off x="5886439" y="3283541"/>
+            <a:ext cx="6207127" cy="954107"/>
+          </a:xfrm>
+          <a:prstGeom prst="rect">
+            <a:avLst/>
+          </a:prstGeom>
+          <a:noFill/>
+        </p:spPr>
+        <p:txBody>
+          <a:bodyPr wrap="square" rtlCol="0">
+            <a:spAutoFit/>
+          </a:bodyPr>
+          <a:lstStyle/>
+          <a:p>
+            <a:r>
+              <a:rPr lang="en-US" altLang="ko-KR" sz="1400" dirty="0" smtClean="0">
+                <a:latin typeface="나눔스퀘어 Bold" panose="020B0600000101010101" pitchFamily="50" charset="-127"/>
+                <a:ea typeface="나눔스퀘어 Bold" panose="020B0600000101010101" pitchFamily="50" charset="-127"/>
+              </a:rPr>
+              <a:t>Cons</a:t>
+            </a:r>
+          </a:p>
+          <a:p>
+            <a:pPr marL="285750" indent="-285750">
+              <a:buFont typeface="Wingdings" panose="05000000000000000000" pitchFamily="2" charset="2"/>
+              <a:buChar char="§"/>
+            </a:pPr>
+            <a:endParaRPr lang="en-US" altLang="ko-KR" sz="1400" dirty="0" smtClean="0">
+              <a:latin typeface="나눔스퀘어 Bold" panose="020B0600000101010101" pitchFamily="50" charset="-127"/>
+              <a:ea typeface="나눔스퀘어 Bold" panose="020B0600000101010101" pitchFamily="50" charset="-127"/>
+            </a:endParaRPr>
+          </a:p>
+          <a:p>
+            <a:pPr marL="285750" indent="-285750">
+              <a:buFont typeface="Wingdings" panose="05000000000000000000" pitchFamily="2" charset="2"/>
+              <a:buChar char="§"/>
+            </a:pPr>
+            <a:r>
+              <a:rPr lang="en-US" altLang="ko-KR" sz="1400" dirty="0" smtClean="0">
+                <a:latin typeface="나눔스퀘어 Bold" panose="020B0600000101010101" pitchFamily="50" charset="-127"/>
+                <a:ea typeface="나눔스퀘어 Bold" panose="020B0600000101010101" pitchFamily="50" charset="-127"/>
+              </a:rPr>
+              <a:t>LAC</a:t>
+            </a:r>
+            <a:r>
+              <a:rPr lang="ko-KR" altLang="en-US" sz="1400" dirty="0">
+                <a:latin typeface="나눔스퀘어 Bold" panose="020B0600000101010101" pitchFamily="50" charset="-127"/>
+                <a:ea typeface="나눔스퀘어 Bold" panose="020B0600000101010101" pitchFamily="50" charset="-127"/>
+              </a:rPr>
+              <a:t>를 학습할 때 </a:t>
+            </a:r>
+            <a:r>
+              <a:rPr lang="en-US" altLang="ko-KR" sz="1400" dirty="0">
+                <a:latin typeface="나눔스퀘어 Bold" panose="020B0600000101010101" pitchFamily="50" charset="-127"/>
+                <a:ea typeface="나눔스퀘어 Bold" panose="020B0600000101010101" pitchFamily="50" charset="-127"/>
+              </a:rPr>
+              <a:t>CLIP</a:t>
+            </a:r>
+            <a:r>
+              <a:rPr lang="ko-KR" altLang="en-US" sz="1400" dirty="0">
+                <a:latin typeface="나눔스퀘어 Bold" panose="020B0600000101010101" pitchFamily="50" charset="-127"/>
+                <a:ea typeface="나눔스퀘어 Bold" panose="020B0600000101010101" pitchFamily="50" charset="-127"/>
+              </a:rPr>
+              <a:t>의 기존 </a:t>
+            </a:r>
+            <a:r>
+              <a:rPr lang="en-US" altLang="ko-KR" sz="1400" dirty="0">
+                <a:latin typeface="나눔스퀘어 Bold" panose="020B0600000101010101" pitchFamily="50" charset="-127"/>
+                <a:ea typeface="나눔스퀘어 Bold" panose="020B0600000101010101" pitchFamily="50" charset="-127"/>
+              </a:rPr>
+              <a:t>text feature</a:t>
+            </a:r>
+            <a:r>
+              <a:rPr lang="ko-KR" altLang="en-US" sz="1400" dirty="0">
+                <a:latin typeface="나눔스퀘어 Bold" panose="020B0600000101010101" pitchFamily="50" charset="-127"/>
+                <a:ea typeface="나눔스퀘어 Bold" panose="020B0600000101010101" pitchFamily="50" charset="-127"/>
+              </a:rPr>
+              <a:t>와 </a:t>
+            </a:r>
+            <a:r>
+              <a:rPr lang="en-US" altLang="ko-KR" sz="1400" dirty="0">
+                <a:latin typeface="나눔스퀘어 Bold" panose="020B0600000101010101" pitchFamily="50" charset="-127"/>
+                <a:ea typeface="나눔스퀘어 Bold" panose="020B0600000101010101" pitchFamily="50" charset="-127"/>
+              </a:rPr>
+              <a:t>manual prompt</a:t>
+            </a:r>
+            <a:r>
+              <a:rPr lang="ko-KR" altLang="en-US" sz="1400" dirty="0">
+                <a:latin typeface="나눔스퀘어 Bold" panose="020B0600000101010101" pitchFamily="50" charset="-127"/>
+                <a:ea typeface="나눔스퀘어 Bold" panose="020B0600000101010101" pitchFamily="50" charset="-127"/>
+              </a:rPr>
+              <a:t>를 그대로 사용하기 때문에</a:t>
+            </a:r>
+            <a:r>
+              <a:rPr lang="en-US" altLang="ko-KR" sz="1400" dirty="0">
+                <a:latin typeface="나눔스퀘어 Bold" panose="020B0600000101010101" pitchFamily="50" charset="-127"/>
+                <a:ea typeface="나눔스퀘어 Bold" panose="020B0600000101010101" pitchFamily="50" charset="-127"/>
+              </a:rPr>
+              <a:t>, pre-trained knowledge</a:t>
+            </a:r>
+            <a:r>
+              <a:rPr lang="ko-KR" altLang="en-US" sz="1400" dirty="0">
+                <a:latin typeface="나눔스퀘어 Bold" panose="020B0600000101010101" pitchFamily="50" charset="-127"/>
+                <a:ea typeface="나눔스퀘어 Bold" panose="020B0600000101010101" pitchFamily="50" charset="-127"/>
+              </a:rPr>
+              <a:t>에 의존하게 됨</a:t>
+            </a:r>
+            <a:endParaRPr lang="ko-KR" altLang="en-US" sz="1400" dirty="0" smtClean="0">
+              <a:latin typeface="나눔스퀘어 Bold" panose="020B0600000101010101" pitchFamily="50" charset="-127"/>
+              <a:ea typeface="나눔스퀘어 Bold" panose="020B0600000101010101" pitchFamily="50" charset="-127"/>
+            </a:endParaRPr>
+          </a:p>
+        </p:txBody>
+      </p:sp>
+      <p:sp>
+        <p:nvSpPr>
+          <p:cNvPr id="10" name="TextBox 9">
+            <a:extLst>
+              <a:ext uri="{FF2B5EF4-FFF2-40B4-BE49-F238E27FC236}">
+                <a16:creationId xmlns:a16="http://schemas.microsoft.com/office/drawing/2014/main" id="{9922EEF6-C41D-4EED-AAFA-E7D60D60CE65}"/>
+              </a:ext>
+            </a:extLst>
+          </p:cNvPr>
+          <p:cNvSpPr txBox="1"/>
+          <p:nvPr/>
+        </p:nvSpPr>
+        <p:spPr>
+          <a:xfrm>
+            <a:off x="5886442" y="1133939"/>
+            <a:ext cx="6207127" cy="1600438"/>
+          </a:xfrm>
+          <a:prstGeom prst="rect">
+            <a:avLst/>
+          </a:prstGeom>
+          <a:noFill/>
+        </p:spPr>
+        <p:txBody>
+          <a:bodyPr wrap="square" rtlCol="0">
+            <a:spAutoFit/>
+          </a:bodyPr>
+          <a:lstStyle/>
+          <a:p>
+            <a:r>
+              <a:rPr lang="en-US" altLang="ko-KR" sz="1400" dirty="0" smtClean="0">
+                <a:latin typeface="나눔스퀘어 Bold" panose="020B0600000101010101" pitchFamily="50" charset="-127"/>
+                <a:ea typeface="나눔스퀘어 Bold" panose="020B0600000101010101" pitchFamily="50" charset="-127"/>
+              </a:rPr>
+              <a:t>Pros</a:t>
+            </a:r>
+          </a:p>
+          <a:p>
+            <a:endParaRPr lang="en-US" altLang="ko-KR" sz="1400" dirty="0" smtClean="0">
+              <a:latin typeface="나눔스퀘어 Bold" panose="020B0600000101010101" pitchFamily="50" charset="-127"/>
+              <a:ea typeface="나눔스퀘어 Bold" panose="020B0600000101010101" pitchFamily="50" charset="-127"/>
+            </a:endParaRPr>
+          </a:p>
+          <a:p>
+            <a:pPr marL="285750" indent="-285750">
+              <a:buFont typeface="Wingdings" panose="05000000000000000000" pitchFamily="2" charset="2"/>
+              <a:buChar char="§"/>
+            </a:pPr>
+            <a:r>
+              <a:rPr lang="ko-KR" altLang="en-US" sz="1400" dirty="0" smtClean="0">
+                <a:latin typeface="나눔스퀘어 Bold" panose="020B0600000101010101" pitchFamily="50" charset="-127"/>
+                <a:ea typeface="나눔스퀘어 Bold" panose="020B0600000101010101" pitchFamily="50" charset="-127"/>
+              </a:rPr>
+              <a:t>대부분의 </a:t>
+            </a:r>
+            <a:r>
+              <a:rPr lang="en-US" altLang="ko-KR" sz="1400" dirty="0">
+                <a:latin typeface="나눔스퀘어 Bold" panose="020B0600000101010101" pitchFamily="50" charset="-127"/>
+                <a:ea typeface="나눔스퀘어 Bold" panose="020B0600000101010101" pitchFamily="50" charset="-127"/>
+              </a:rPr>
+              <a:t>CLIP-based UDA method</a:t>
+            </a:r>
+            <a:r>
+              <a:rPr lang="ko-KR" altLang="en-US" sz="1400" dirty="0">
+                <a:latin typeface="나눔스퀘어 Bold" panose="020B0600000101010101" pitchFamily="50" charset="-127"/>
+                <a:ea typeface="나눔스퀘어 Bold" panose="020B0600000101010101" pitchFamily="50" charset="-127"/>
+              </a:rPr>
+              <a:t>들은 </a:t>
+            </a:r>
+            <a:r>
+              <a:rPr lang="en-US" altLang="ko-KR" sz="1400" dirty="0">
+                <a:latin typeface="나눔스퀘어 Bold" panose="020B0600000101010101" pitchFamily="50" charset="-127"/>
+                <a:ea typeface="나눔스퀘어 Bold" panose="020B0600000101010101" pitchFamily="50" charset="-127"/>
+              </a:rPr>
+              <a:t>pre-training</a:t>
+            </a:r>
+            <a:r>
+              <a:rPr lang="ko-KR" altLang="en-US" sz="1400" dirty="0">
+                <a:latin typeface="나눔스퀘어 Bold" panose="020B0600000101010101" pitchFamily="50" charset="-127"/>
+                <a:ea typeface="나눔스퀘어 Bold" panose="020B0600000101010101" pitchFamily="50" charset="-127"/>
+              </a:rPr>
+              <a:t>때처럼 </a:t>
+            </a:r>
+            <a:r>
+              <a:rPr lang="en-US" altLang="ko-KR" sz="1400" dirty="0">
+                <a:latin typeface="나눔스퀘어 Bold" panose="020B0600000101010101" pitchFamily="50" charset="-127"/>
+                <a:ea typeface="나눔스퀘어 Bold" panose="020B0600000101010101" pitchFamily="50" charset="-127"/>
+              </a:rPr>
+              <a:t>image, text feature alignment</a:t>
+            </a:r>
+            <a:r>
+              <a:rPr lang="ko-KR" altLang="en-US" sz="1400" dirty="0">
+                <a:latin typeface="나눔스퀘어 Bold" panose="020B0600000101010101" pitchFamily="50" charset="-127"/>
+                <a:ea typeface="나눔스퀘어 Bold" panose="020B0600000101010101" pitchFamily="50" charset="-127"/>
+              </a:rPr>
+              <a:t>를 목표로 하는 것과 달리</a:t>
+            </a:r>
+            <a:r>
+              <a:rPr lang="en-US" altLang="ko-KR" sz="1400" dirty="0" smtClean="0">
+                <a:latin typeface="나눔스퀘어 Bold" panose="020B0600000101010101" pitchFamily="50" charset="-127"/>
+                <a:ea typeface="나눔스퀘어 Bold" panose="020B0600000101010101" pitchFamily="50" charset="-127"/>
+              </a:rPr>
+              <a:t>,</a:t>
+            </a:r>
+          </a:p>
+          <a:p>
+            <a:pPr marL="285750" indent="-285750">
+              <a:buFont typeface="Wingdings" panose="05000000000000000000" pitchFamily="2" charset="2"/>
+              <a:buChar char="§"/>
+            </a:pPr>
+            <a:endParaRPr lang="en-US" altLang="ko-KR" sz="1400" dirty="0">
+              <a:latin typeface="나눔스퀘어 Bold" panose="020B0600000101010101" pitchFamily="50" charset="-127"/>
+              <a:ea typeface="나눔스퀘어 Bold" panose="020B0600000101010101" pitchFamily="50" charset="-127"/>
+            </a:endParaRPr>
+          </a:p>
+          <a:p>
+            <a:pPr marL="285750" indent="-285750">
+              <a:buFont typeface="Wingdings" panose="05000000000000000000" pitchFamily="2" charset="2"/>
+              <a:buChar char="§"/>
+            </a:pPr>
+            <a:r>
+              <a:rPr lang="en-US" altLang="ko-KR" sz="1400" dirty="0" smtClean="0">
+                <a:latin typeface="나눔스퀘어 Bold" panose="020B0600000101010101" pitchFamily="50" charset="-127"/>
+                <a:ea typeface="나눔스퀘어 Bold" panose="020B0600000101010101" pitchFamily="50" charset="-127"/>
+              </a:rPr>
+              <a:t>modality-specific </a:t>
+            </a:r>
+            <a:r>
+              <a:rPr lang="ko-KR" altLang="en-US" sz="1400" dirty="0">
+                <a:latin typeface="나눔스퀘어 Bold" panose="020B0600000101010101" pitchFamily="50" charset="-127"/>
+                <a:ea typeface="나눔스퀘어 Bold" panose="020B0600000101010101" pitchFamily="50" charset="-127"/>
+              </a:rPr>
+              <a:t>정보를 </a:t>
+            </a:r>
+            <a:r>
+              <a:rPr lang="ko-KR" altLang="en-US" sz="1400" dirty="0" smtClean="0">
+                <a:latin typeface="나눔스퀘어 Bold" panose="020B0600000101010101" pitchFamily="50" charset="-127"/>
+                <a:ea typeface="나눔스퀘어 Bold" panose="020B0600000101010101" pitchFamily="50" charset="-127"/>
+              </a:rPr>
+              <a:t>고려한 </a:t>
+            </a:r>
+            <a:r>
+              <a:rPr lang="en-US" altLang="ko-KR" sz="1400" dirty="0">
+                <a:latin typeface="나눔스퀘어 Bold" panose="020B0600000101010101" pitchFamily="50" charset="-127"/>
+                <a:ea typeface="나눔스퀘어 Bold" panose="020B0600000101010101" pitchFamily="50" charset="-127"/>
+              </a:rPr>
+              <a:t>image </a:t>
+            </a:r>
+            <a:r>
+              <a:rPr lang="en-US" altLang="ko-KR" sz="1400" dirty="0" smtClean="0">
+                <a:latin typeface="나눔스퀘어 Bold" panose="020B0600000101010101" pitchFamily="50" charset="-127"/>
+                <a:ea typeface="나눔스퀘어 Bold" panose="020B0600000101010101" pitchFamily="50" charset="-127"/>
+              </a:rPr>
+              <a:t>feature</a:t>
+            </a:r>
+            <a:r>
+              <a:rPr lang="ko-KR" altLang="en-US" sz="1400" dirty="0" smtClean="0">
+                <a:latin typeface="나눔스퀘어 Bold" panose="020B0600000101010101" pitchFamily="50" charset="-127"/>
+                <a:ea typeface="나눔스퀘어 Bold" panose="020B0600000101010101" pitchFamily="50" charset="-127"/>
+              </a:rPr>
+              <a:t> </a:t>
+            </a:r>
+            <a:r>
+              <a:rPr lang="en-US" altLang="ko-KR" sz="1400" dirty="0" smtClean="0">
+                <a:latin typeface="나눔스퀘어 Bold" panose="020B0600000101010101" pitchFamily="50" charset="-127"/>
+                <a:ea typeface="나눔스퀘어 Bold" panose="020B0600000101010101" pitchFamily="50" charset="-127"/>
+              </a:rPr>
+              <a:t>disentanglement</a:t>
+            </a:r>
+            <a:r>
+              <a:rPr lang="ko-KR" altLang="en-US" sz="1400" dirty="0" smtClean="0">
+                <a:latin typeface="나눔스퀘어 Bold" panose="020B0600000101010101" pitchFamily="50" charset="-127"/>
+                <a:ea typeface="나눔스퀘어 Bold" panose="020B0600000101010101" pitchFamily="50" charset="-127"/>
+              </a:rPr>
+              <a:t>로 </a:t>
+            </a:r>
+            <a:r>
+              <a:rPr lang="en-US" altLang="ko-KR" sz="1400" dirty="0" smtClean="0">
+                <a:latin typeface="나눔스퀘어 Bold" panose="020B0600000101010101" pitchFamily="50" charset="-127"/>
+                <a:ea typeface="나눔스퀘어 Bold" panose="020B0600000101010101" pitchFamily="50" charset="-127"/>
+              </a:rPr>
+              <a:t>modality gap </a:t>
+            </a:r>
+            <a:r>
+              <a:rPr lang="ko-KR" altLang="en-US" sz="1400" dirty="0" smtClean="0">
+                <a:latin typeface="나눔스퀘어 Bold" panose="020B0600000101010101" pitchFamily="50" charset="-127"/>
+                <a:ea typeface="나눔스퀘어 Bold" panose="020B0600000101010101" pitchFamily="50" charset="-127"/>
+              </a:rPr>
+              <a:t>문제를 개선함</a:t>
+            </a:r>
+            <a:endParaRPr lang="en-US" altLang="ko-KR" sz="1400" dirty="0" smtClean="0">
+              <a:latin typeface="나눔스퀘어 Bold" panose="020B0600000101010101" pitchFamily="50" charset="-127"/>
+              <a:ea typeface="나눔스퀘어 Bold" panose="020B0600000101010101" pitchFamily="50" charset="-127"/>
+            </a:endParaRPr>
+          </a:p>
+        </p:txBody>
+      </p:sp>
+      <p:sp>
+        <p:nvSpPr>
+          <p:cNvPr id="20" name="TextBox 19">
             <a:extLst>
               <a:ext uri="{FF2B5EF4-FFF2-40B4-BE49-F238E27FC236}">
                 <a16:creationId xmlns:a16="http://schemas.microsoft.com/office/drawing/2014/main" id="{C7D7709E-206F-4B6B-9ABA-DCEDF98FB299}"/>
@@ -8519,24 +11533,31 @@
           <a:p>
             <a:pPr algn="ctr"/>
             <a:r>
-              <a:rPr lang="en-US" altLang="ko-KR" sz="3200" dirty="0" smtClean="0">
+              <a:rPr lang="en-US" altLang="ko-KR" sz="3200" dirty="0">
                 <a:solidFill>
                   <a:srgbClr val="212529"/>
                 </a:solidFill>
                 <a:latin typeface="나눔스퀘어 Bold" panose="020B0600000101010101" pitchFamily="50" charset="-127"/>
                 <a:ea typeface="나눔스퀘어 Bold" panose="020B0600000101010101" pitchFamily="50" charset="-127"/>
               </a:rPr>
-              <a:t>1. Introduction</a:t>
-            </a:r>
+              <a:t>Pros &amp; Cons</a:t>
+            </a:r>
+            <a:endParaRPr lang="en-US" altLang="ko-KR" sz="3200" dirty="0" smtClean="0">
+              <a:solidFill>
+                <a:srgbClr val="212529"/>
+              </a:solidFill>
+              <a:latin typeface="나눔스퀘어 Bold" panose="020B0600000101010101" pitchFamily="50" charset="-127"/>
+              <a:ea typeface="나눔스퀘어 Bold" panose="020B0600000101010101" pitchFamily="50" charset="-127"/>
+            </a:endParaRPr>
           </a:p>
         </p:txBody>
       </p:sp>
       <p:sp>
         <p:nvSpPr>
-          <p:cNvPr id="19" name="TextBox 18">
+          <p:cNvPr id="15" name="TextBox 14">
             <a:extLst>
               <a:ext uri="{FF2B5EF4-FFF2-40B4-BE49-F238E27FC236}">
-                <a16:creationId xmlns:a16="http://schemas.microsoft.com/office/drawing/2014/main" id="{6AEAE2E7-4604-4C30-96BA-7EDCD9641507}"/>
+                <a16:creationId xmlns:a16="http://schemas.microsoft.com/office/drawing/2014/main" id="{9922EEF6-C41D-4EED-AAFA-E7D60D60CE65}"/>
               </a:ext>
             </a:extLst>
           </p:cNvPr>
@@ -8545,40 +11566,8 @@
         </p:nvSpPr>
         <p:spPr>
           <a:xfrm>
-            <a:off x="5638800" y="2930525"/>
-            <a:ext cx="65" cy="276999"/>
-          </a:xfrm>
-          <a:prstGeom prst="rect">
-            <a:avLst/>
-          </a:prstGeom>
-          <a:noFill/>
-        </p:spPr>
-        <p:txBody>
-          <a:bodyPr wrap="none" lIns="0" tIns="0" rIns="0" bIns="0" rtlCol="0">
-            <a:spAutoFit/>
-          </a:bodyPr>
-          <a:lstStyle/>
-          <a:p>
-            <a:endParaRPr lang="ko-KR" altLang="en-US" dirty="0"/>
-          </a:p>
-        </p:txBody>
-      </p:sp>
-      <p:sp>
-        <p:nvSpPr>
-          <p:cNvPr id="14" name="TextBox 13">
-            <a:extLst>
-              <a:ext uri="{FF2B5EF4-FFF2-40B4-BE49-F238E27FC236}">
-                <a16:creationId xmlns:a16="http://schemas.microsoft.com/office/drawing/2014/main" id="{43AD0F1D-18AC-4DEA-AACB-5FB085B6C455}"/>
-              </a:ext>
-            </a:extLst>
-          </p:cNvPr>
-          <p:cNvSpPr txBox="1"/>
-          <p:nvPr/>
-        </p:nvSpPr>
-        <p:spPr>
-          <a:xfrm>
-            <a:off x="5886445" y="4121924"/>
-            <a:ext cx="6207127" cy="1600438"/>
+            <a:off x="5886439" y="5126862"/>
+            <a:ext cx="6207127" cy="1169551"/>
           </a:xfrm>
           <a:prstGeom prst="rect">
             <a:avLst/>
@@ -8596,32 +11585,60 @@
               <a:buChar char="§"/>
             </a:pPr>
             <a:r>
-              <a:rPr lang="en-US" altLang="ko-KR" sz="1400" dirty="0" smtClean="0">
-                <a:latin typeface="나눔스퀘어 Bold" panose="020B0600000101010101" pitchFamily="50" charset="-127"/>
-                <a:ea typeface="나눔스퀘어 Bold" panose="020B0600000101010101" pitchFamily="50" charset="-127"/>
-              </a:rPr>
-              <a:t>local representation</a:t>
-            </a:r>
-            <a:r>
-              <a:rPr lang="ko-KR" altLang="en-US" sz="1400" dirty="0" smtClean="0">
-                <a:latin typeface="나눔스퀘어 Bold" panose="020B0600000101010101" pitchFamily="50" charset="-127"/>
-                <a:ea typeface="나눔스퀘어 Bold" panose="020B0600000101010101" pitchFamily="50" charset="-127"/>
-              </a:rPr>
-              <a:t>을 이용한 </a:t>
-            </a:r>
-            <a:r>
-              <a:rPr lang="en-US" altLang="ko-KR" sz="1400" dirty="0" smtClean="0">
-                <a:latin typeface="나눔스퀘어 Bold" panose="020B0600000101010101" pitchFamily="50" charset="-127"/>
-                <a:ea typeface="나눔스퀘어 Bold" panose="020B0600000101010101" pitchFamily="50" charset="-127"/>
-              </a:rPr>
-              <a:t>method</a:t>
-            </a:r>
-            <a:r>
-              <a:rPr lang="ko-KR" altLang="en-US" sz="1400" dirty="0" smtClean="0">
-                <a:latin typeface="나눔스퀘어 Bold" panose="020B0600000101010101" pitchFamily="50" charset="-127"/>
-                <a:ea typeface="나눔스퀘어 Bold" panose="020B0600000101010101" pitchFamily="50" charset="-127"/>
-              </a:rPr>
-              <a:t>들도 제안되었지만</a:t>
+              <a:rPr lang="ko-KR" altLang="en-US" sz="1400" dirty="0" smtClean="0">
+                <a:latin typeface="나눔스퀘어 Bold" panose="020B0600000101010101" pitchFamily="50" charset="-127"/>
+                <a:ea typeface="나눔스퀘어 Bold" panose="020B0600000101010101" pitchFamily="50" charset="-127"/>
+              </a:rPr>
+              <a:t>또한 </a:t>
+            </a:r>
+            <a:r>
+              <a:rPr lang="en-US" altLang="ko-KR" sz="1400" dirty="0" smtClean="0">
+                <a:latin typeface="나눔스퀘어 Bold" panose="020B0600000101010101" pitchFamily="50" charset="-127"/>
+                <a:ea typeface="나눔스퀘어 Bold" panose="020B0600000101010101" pitchFamily="50" charset="-127"/>
+              </a:rPr>
+              <a:t>visual </a:t>
+            </a:r>
+            <a:r>
+              <a:rPr lang="en-US" altLang="ko-KR" sz="1400" dirty="0">
+                <a:latin typeface="나눔스퀘어 Bold" panose="020B0600000101010101" pitchFamily="50" charset="-127"/>
+                <a:ea typeface="나눔스퀘어 Bold" panose="020B0600000101010101" pitchFamily="50" charset="-127"/>
+              </a:rPr>
+              <a:t>feature</a:t>
+            </a:r>
+            <a:r>
+              <a:rPr lang="ko-KR" altLang="en-US" sz="1400" dirty="0">
+                <a:latin typeface="나눔스퀘어 Bold" panose="020B0600000101010101" pitchFamily="50" charset="-127"/>
+                <a:ea typeface="나눔스퀘어 Bold" panose="020B0600000101010101" pitchFamily="50" charset="-127"/>
+              </a:rPr>
+              <a:t>에는 </a:t>
+            </a:r>
+            <a:r>
+              <a:rPr lang="en-US" altLang="ko-KR" sz="1400" dirty="0">
+                <a:latin typeface="나눔스퀘어 Bold" panose="020B0600000101010101" pitchFamily="50" charset="-127"/>
+                <a:ea typeface="나눔스퀘어 Bold" panose="020B0600000101010101" pitchFamily="50" charset="-127"/>
+              </a:rPr>
+              <a:t>vision modal</a:t>
+            </a:r>
+            <a:r>
+              <a:rPr lang="ko-KR" altLang="en-US" sz="1400" dirty="0">
+                <a:latin typeface="나눔스퀘어 Bold" panose="020B0600000101010101" pitchFamily="50" charset="-127"/>
+                <a:ea typeface="나눔스퀘어 Bold" panose="020B0600000101010101" pitchFamily="50" charset="-127"/>
+              </a:rPr>
+              <a:t>과 </a:t>
+            </a:r>
+            <a:r>
+              <a:rPr lang="en-US" altLang="ko-KR" sz="1400" dirty="0">
+                <a:latin typeface="나눔스퀘어 Bold" panose="020B0600000101010101" pitchFamily="50" charset="-127"/>
+                <a:ea typeface="나눔스퀘어 Bold" panose="020B0600000101010101" pitchFamily="50" charset="-127"/>
+              </a:rPr>
+              <a:t>language modal </a:t>
+            </a:r>
+            <a:r>
+              <a:rPr lang="ko-KR" altLang="en-US" sz="1400" dirty="0">
+                <a:latin typeface="나눔스퀘어 Bold" panose="020B0600000101010101" pitchFamily="50" charset="-127"/>
+                <a:ea typeface="나눔스퀘어 Bold" panose="020B0600000101010101" pitchFamily="50" charset="-127"/>
+              </a:rPr>
+              <a:t>둘 다 필요로 하는 정보가 존재할 텐데</a:t>
             </a:r>
             <a:r>
               <a:rPr lang="en-US" altLang="ko-KR" sz="1400" dirty="0" smtClean="0">
@@ -8630,297 +11647,74 @@
               </a:rPr>
               <a:t>,</a:t>
             </a:r>
+          </a:p>
+          <a:p>
+            <a:endParaRPr lang="en-US" altLang="ko-KR" sz="1400" dirty="0">
+              <a:latin typeface="나눔스퀘어 Bold" panose="020B0600000101010101" pitchFamily="50" charset="-127"/>
+              <a:ea typeface="나눔스퀘어 Bold" panose="020B0600000101010101" pitchFamily="50" charset="-127"/>
+            </a:endParaRPr>
           </a:p>
           <a:p>
             <a:pPr marL="285750" indent="-285750">
               <a:buFont typeface="Wingdings" panose="05000000000000000000" pitchFamily="2" charset="2"/>
               <a:buChar char="§"/>
             </a:pPr>
-            <a:endParaRPr lang="en-US" altLang="ko-KR" sz="1400" dirty="0">
-              <a:latin typeface="나눔스퀘어 Bold" panose="020B0600000101010101" pitchFamily="50" charset="-127"/>
-              <a:ea typeface="나눔스퀘어 Bold" panose="020B0600000101010101" pitchFamily="50" charset="-127"/>
-            </a:endParaRPr>
-          </a:p>
-          <a:p>
-            <a:pPr marL="285750" indent="-285750">
-              <a:buFont typeface="Wingdings" panose="05000000000000000000" pitchFamily="2" charset="2"/>
-              <a:buChar char="§"/>
-            </a:pPr>
-            <a:r>
-              <a:rPr lang="ko-KR" altLang="en-US" sz="1400" dirty="0" smtClean="0">
-                <a:latin typeface="나눔스퀘어 Bold" panose="020B0600000101010101" pitchFamily="50" charset="-127"/>
-                <a:ea typeface="나눔스퀘어 Bold" panose="020B0600000101010101" pitchFamily="50" charset="-127"/>
-              </a:rPr>
-              <a:t>모든 </a:t>
-            </a:r>
-            <a:r>
-              <a:rPr lang="en-US" altLang="ko-KR" sz="1400" dirty="0" smtClean="0">
-                <a:latin typeface="나눔스퀘어 Bold" panose="020B0600000101010101" pitchFamily="50" charset="-127"/>
-                <a:ea typeface="나눔스퀘어 Bold" panose="020B0600000101010101" pitchFamily="50" charset="-127"/>
-              </a:rPr>
-              <a:t>local feature</a:t>
-            </a:r>
-            <a:r>
-              <a:rPr lang="ko-KR" altLang="en-US" sz="1400" dirty="0" smtClean="0">
-                <a:latin typeface="나눔스퀘어 Bold" panose="020B0600000101010101" pitchFamily="50" charset="-127"/>
-                <a:ea typeface="나눔스퀘어 Bold" panose="020B0600000101010101" pitchFamily="50" charset="-127"/>
-              </a:rPr>
-              <a:t>를 사용하기 때문에 </a:t>
-            </a:r>
-            <a:r>
-              <a:rPr lang="en-US" altLang="ko-KR" sz="1400" dirty="0" smtClean="0">
-                <a:latin typeface="나눔스퀘어 Bold" panose="020B0600000101010101" pitchFamily="50" charset="-127"/>
-                <a:ea typeface="나눔스퀘어 Bold" panose="020B0600000101010101" pitchFamily="50" charset="-127"/>
-              </a:rPr>
-              <a:t>irrelevant, noisy feature</a:t>
-            </a:r>
-            <a:r>
-              <a:rPr lang="ko-KR" altLang="en-US" sz="1400" dirty="0" smtClean="0">
-                <a:latin typeface="나눔스퀘어 Bold" panose="020B0600000101010101" pitchFamily="50" charset="-127"/>
-                <a:ea typeface="나눔스퀘어 Bold" panose="020B0600000101010101" pitchFamily="50" charset="-127"/>
-              </a:rPr>
-              <a:t>도 포함하게 되고</a:t>
-            </a:r>
-            <a:r>
-              <a:rPr lang="en-US" altLang="ko-KR" sz="1400" dirty="0" smtClean="0">
-                <a:latin typeface="나눔스퀘어 Bold" panose="020B0600000101010101" pitchFamily="50" charset="-127"/>
-                <a:ea typeface="나눔스퀘어 Bold" panose="020B0600000101010101" pitchFamily="50" charset="-127"/>
-              </a:rPr>
-              <a:t>,</a:t>
-            </a:r>
-          </a:p>
-          <a:p>
-            <a:pPr marL="285750" indent="-285750">
-              <a:buFont typeface="Wingdings" panose="05000000000000000000" pitchFamily="2" charset="2"/>
-              <a:buChar char="§"/>
-            </a:pPr>
-            <a:endParaRPr lang="en-US" altLang="ko-KR" sz="1400" dirty="0">
-              <a:latin typeface="나눔스퀘어 Bold" panose="020B0600000101010101" pitchFamily="50" charset="-127"/>
-              <a:ea typeface="나눔스퀘어 Bold" panose="020B0600000101010101" pitchFamily="50" charset="-127"/>
-            </a:endParaRPr>
-          </a:p>
-          <a:p>
-            <a:pPr marL="285750" indent="-285750">
-              <a:buFont typeface="Wingdings" panose="05000000000000000000" pitchFamily="2" charset="2"/>
-              <a:buChar char="§"/>
-            </a:pPr>
-            <a:r>
-              <a:rPr lang="en-US" altLang="ko-KR" sz="1400" dirty="0" smtClean="0">
-                <a:latin typeface="나눔스퀘어 Bold" panose="020B0600000101010101" pitchFamily="50" charset="-127"/>
-                <a:ea typeface="나눔스퀘어 Bold" panose="020B0600000101010101" pitchFamily="50" charset="-127"/>
-              </a:rPr>
-              <a:t>pre-trained CLIP</a:t>
-            </a:r>
-            <a:r>
-              <a:rPr lang="ko-KR" altLang="en-US" sz="1400" dirty="0" smtClean="0">
-                <a:latin typeface="나눔스퀘어 Bold" panose="020B0600000101010101" pitchFamily="50" charset="-127"/>
-                <a:ea typeface="나눔스퀘어 Bold" panose="020B0600000101010101" pitchFamily="50" charset="-127"/>
-              </a:rPr>
-              <a:t>의 </a:t>
-            </a:r>
-            <a:r>
-              <a:rPr lang="en-US" altLang="ko-KR" sz="1400" dirty="0" smtClean="0">
-                <a:latin typeface="나눔스퀘어 Bold" panose="020B0600000101010101" pitchFamily="50" charset="-127"/>
-                <a:ea typeface="나눔스퀘어 Bold" panose="020B0600000101010101" pitchFamily="50" charset="-127"/>
-              </a:rPr>
-              <a:t>global image-text alignment</a:t>
-            </a:r>
-            <a:r>
-              <a:rPr lang="ko-KR" altLang="en-US" sz="1400" dirty="0" smtClean="0">
-                <a:latin typeface="나눔스퀘어 Bold" panose="020B0600000101010101" pitchFamily="50" charset="-127"/>
-                <a:ea typeface="나눔스퀘어 Bold" panose="020B0600000101010101" pitchFamily="50" charset="-127"/>
-              </a:rPr>
-              <a:t>와도 맞지 않아</a:t>
-            </a:r>
-            <a:r>
-              <a:rPr lang="en-US" altLang="ko-KR" sz="1400" dirty="0" smtClean="0">
-                <a:latin typeface="나눔스퀘어 Bold" panose="020B0600000101010101" pitchFamily="50" charset="-127"/>
-                <a:ea typeface="나눔스퀘어 Bold" panose="020B0600000101010101" pitchFamily="50" charset="-127"/>
-              </a:rPr>
-              <a:t> </a:t>
-            </a:r>
-            <a:r>
-              <a:rPr lang="ko-KR" altLang="en-US" sz="1400" dirty="0" smtClean="0">
-                <a:latin typeface="나눔스퀘어 Bold" panose="020B0600000101010101" pitchFamily="50" charset="-127"/>
-                <a:ea typeface="나눔스퀘어 Bold" panose="020B0600000101010101" pitchFamily="50" charset="-127"/>
-              </a:rPr>
-              <a:t>높은 성능을 보이지 못함</a:t>
-            </a:r>
-            <a:endParaRPr lang="en-US" altLang="ko-KR" sz="1400" dirty="0" smtClean="0">
-              <a:latin typeface="나눔스퀘어 Bold" panose="020B0600000101010101" pitchFamily="50" charset="-127"/>
-              <a:ea typeface="나눔스퀘어 Bold" panose="020B0600000101010101" pitchFamily="50" charset="-127"/>
-            </a:endParaRPr>
-          </a:p>
-        </p:txBody>
-      </p:sp>
-      <p:sp>
-        <p:nvSpPr>
-          <p:cNvPr id="10" name="TextBox 9">
-            <a:extLst>
-              <a:ext uri="{FF2B5EF4-FFF2-40B4-BE49-F238E27FC236}">
-                <a16:creationId xmlns:a16="http://schemas.microsoft.com/office/drawing/2014/main" id="{9922EEF6-C41D-4EED-AAFA-E7D60D60CE65}"/>
-              </a:ext>
-            </a:extLst>
-          </p:cNvPr>
-          <p:cNvSpPr txBox="1"/>
-          <p:nvPr/>
-        </p:nvSpPr>
-        <p:spPr>
-          <a:xfrm>
-            <a:off x="5886446" y="1292557"/>
-            <a:ext cx="6207127" cy="1384995"/>
-          </a:xfrm>
-          <a:prstGeom prst="rect">
-            <a:avLst/>
-          </a:prstGeom>
-          <a:noFill/>
-        </p:spPr>
-        <p:txBody>
-          <a:bodyPr wrap="square" rtlCol="0">
-            <a:spAutoFit/>
-          </a:bodyPr>
-          <a:lstStyle/>
-          <a:p>
-            <a:pPr marL="285750" indent="-285750">
-              <a:buFont typeface="Wingdings" panose="05000000000000000000" pitchFamily="2" charset="2"/>
-              <a:buChar char="§"/>
-            </a:pPr>
-            <a:r>
-              <a:rPr lang="en-US" altLang="ko-KR" sz="1400" dirty="0" smtClean="0">
-                <a:latin typeface="나눔스퀘어 Bold" panose="020B0600000101010101" pitchFamily="50" charset="-127"/>
-                <a:ea typeface="나눔스퀘어 Bold" panose="020B0600000101010101" pitchFamily="50" charset="-127"/>
-              </a:rPr>
-              <a:t>multiple prompt</a:t>
-            </a:r>
-            <a:r>
-              <a:rPr lang="ko-KR" altLang="en-US" sz="1400" dirty="0" smtClean="0">
-                <a:latin typeface="나눔스퀘어 Bold" panose="020B0600000101010101" pitchFamily="50" charset="-127"/>
-                <a:ea typeface="나눔스퀘어 Bold" panose="020B0600000101010101" pitchFamily="50" charset="-127"/>
-              </a:rPr>
-              <a:t>를 사용한 </a:t>
-            </a:r>
-            <a:r>
-              <a:rPr lang="en-US" altLang="ko-KR" sz="1400" dirty="0" smtClean="0">
-                <a:latin typeface="나눔스퀘어 Bold" panose="020B0600000101010101" pitchFamily="50" charset="-127"/>
-                <a:ea typeface="나눔스퀘어 Bold" panose="020B0600000101010101" pitchFamily="50" charset="-127"/>
-              </a:rPr>
-              <a:t>prompt </a:t>
-            </a:r>
-            <a:r>
-              <a:rPr lang="en-US" altLang="ko-KR" sz="1400" dirty="0" err="1" smtClean="0">
-                <a:latin typeface="나눔스퀘어 Bold" panose="020B0600000101010101" pitchFamily="50" charset="-127"/>
-                <a:ea typeface="나눔스퀘어 Bold" panose="020B0600000101010101" pitchFamily="50" charset="-127"/>
-              </a:rPr>
-              <a:t>ensembling</a:t>
-            </a:r>
-            <a:r>
-              <a:rPr lang="ko-KR" altLang="en-US" sz="1400" dirty="0" smtClean="0">
-                <a:latin typeface="나눔스퀘어 Bold" panose="020B0600000101010101" pitchFamily="50" charset="-127"/>
-                <a:ea typeface="나눔스퀘어 Bold" panose="020B0600000101010101" pitchFamily="50" charset="-127"/>
-              </a:rPr>
-              <a:t>은 </a:t>
-            </a:r>
-            <a:r>
-              <a:rPr lang="en-US" altLang="ko-KR" sz="1400" dirty="0" smtClean="0">
-                <a:latin typeface="나눔스퀘어 Bold" panose="020B0600000101010101" pitchFamily="50" charset="-127"/>
-                <a:ea typeface="나눔스퀘어 Bold" panose="020B0600000101010101" pitchFamily="50" charset="-127"/>
-              </a:rPr>
-              <a:t>class specific, transformer-layer specific</a:t>
-            </a:r>
-            <a:r>
-              <a:rPr lang="ko-KR" altLang="en-US" sz="1400" dirty="0" smtClean="0">
-                <a:latin typeface="나눔스퀘어 Bold" panose="020B0600000101010101" pitchFamily="50" charset="-127"/>
-                <a:ea typeface="나눔스퀘어 Bold" panose="020B0600000101010101" pitchFamily="50" charset="-127"/>
-              </a:rPr>
-              <a:t>한 </a:t>
-            </a:r>
-            <a:r>
-              <a:rPr lang="en-US" altLang="ko-KR" sz="1400" dirty="0" smtClean="0">
-                <a:latin typeface="나눔스퀘어 Bold" panose="020B0600000101010101" pitchFamily="50" charset="-127"/>
-                <a:ea typeface="나눔스퀘어 Bold" panose="020B0600000101010101" pitchFamily="50" charset="-127"/>
-              </a:rPr>
-              <a:t>diverse prompt</a:t>
-            </a:r>
-            <a:r>
-              <a:rPr lang="ko-KR" altLang="en-US" sz="1400" dirty="0" smtClean="0">
-                <a:latin typeface="나눔스퀘어 Bold" panose="020B0600000101010101" pitchFamily="50" charset="-127"/>
-                <a:ea typeface="나눔스퀘어 Bold" panose="020B0600000101010101" pitchFamily="50" charset="-127"/>
-              </a:rPr>
-              <a:t>를 학습하는 것이 목적임</a:t>
-            </a:r>
-            <a:endParaRPr lang="en-US" altLang="ko-KR" sz="1400" dirty="0" smtClean="0">
-              <a:latin typeface="나눔스퀘어 Bold" panose="020B0600000101010101" pitchFamily="50" charset="-127"/>
-              <a:ea typeface="나눔스퀘어 Bold" panose="020B0600000101010101" pitchFamily="50" charset="-127"/>
-            </a:endParaRPr>
-          </a:p>
-          <a:p>
-            <a:pPr marL="285750" indent="-285750">
-              <a:buFont typeface="Wingdings" panose="05000000000000000000" pitchFamily="2" charset="2"/>
-              <a:buChar char="§"/>
-            </a:pPr>
-            <a:endParaRPr lang="en-US" altLang="ko-KR" sz="1400" dirty="0">
-              <a:latin typeface="나눔스퀘어 Bold" panose="020B0600000101010101" pitchFamily="50" charset="-127"/>
-              <a:ea typeface="나눔스퀘어 Bold" panose="020B0600000101010101" pitchFamily="50" charset="-127"/>
-            </a:endParaRPr>
-          </a:p>
-          <a:p>
-            <a:pPr marL="285750" indent="-285750">
-              <a:buFont typeface="Wingdings" panose="05000000000000000000" pitchFamily="2" charset="2"/>
-              <a:buChar char="§"/>
-            </a:pPr>
-            <a:r>
-              <a:rPr lang="ko-KR" altLang="en-US" sz="1400" dirty="0" smtClean="0">
-                <a:latin typeface="나눔스퀘어 Bold" panose="020B0600000101010101" pitchFamily="50" charset="-127"/>
-                <a:ea typeface="나눔스퀘어 Bold" panose="020B0600000101010101" pitchFamily="50" charset="-127"/>
-              </a:rPr>
-              <a:t>하지만 기존 </a:t>
-            </a:r>
-            <a:r>
-              <a:rPr lang="en-US" altLang="ko-KR" sz="1400" dirty="0" smtClean="0">
-                <a:latin typeface="나눔스퀘어 Bold" panose="020B0600000101010101" pitchFamily="50" charset="-127"/>
-                <a:ea typeface="나눔스퀘어 Bold" panose="020B0600000101010101" pitchFamily="50" charset="-127"/>
-              </a:rPr>
-              <a:t>method</a:t>
-            </a:r>
-            <a:r>
-              <a:rPr lang="ko-KR" altLang="en-US" sz="1400" dirty="0" smtClean="0">
-                <a:latin typeface="나눔스퀘어 Bold" panose="020B0600000101010101" pitchFamily="50" charset="-127"/>
-                <a:ea typeface="나눔스퀘어 Bold" panose="020B0600000101010101" pitchFamily="50" charset="-127"/>
-              </a:rPr>
-              <a:t>들은 </a:t>
-            </a:r>
-            <a:r>
-              <a:rPr lang="en-US" altLang="ko-KR" sz="1400" dirty="0" smtClean="0">
-                <a:latin typeface="나눔스퀘어 Bold" panose="020B0600000101010101" pitchFamily="50" charset="-127"/>
-                <a:ea typeface="나눔스퀘어 Bold" panose="020B0600000101010101" pitchFamily="50" charset="-127"/>
-              </a:rPr>
-              <a:t>global visual </a:t>
-            </a:r>
-            <a:r>
-              <a:rPr lang="ko-KR" altLang="en-US" sz="1400" dirty="0" smtClean="0">
-                <a:latin typeface="나눔스퀘어 Bold" panose="020B0600000101010101" pitchFamily="50" charset="-127"/>
-                <a:ea typeface="나눔스퀘어 Bold" panose="020B0600000101010101" pitchFamily="50" charset="-127"/>
-              </a:rPr>
-              <a:t>표현에만 집중해 </a:t>
-            </a:r>
-            <a:r>
-              <a:rPr lang="en-US" altLang="ko-KR" sz="1400" dirty="0" smtClean="0">
-                <a:latin typeface="나눔스퀘어 Bold" panose="020B0600000101010101" pitchFamily="50" charset="-127"/>
-                <a:ea typeface="나눔스퀘어 Bold" panose="020B0600000101010101" pitchFamily="50" charset="-127"/>
-              </a:rPr>
-              <a:t>specific region</a:t>
-            </a:r>
-            <a:r>
-              <a:rPr lang="ko-KR" altLang="en-US" sz="1400" dirty="0" smtClean="0">
-                <a:latin typeface="나눔스퀘어 Bold" panose="020B0600000101010101" pitchFamily="50" charset="-127"/>
-                <a:ea typeface="나눔스퀘어 Bold" panose="020B0600000101010101" pitchFamily="50" charset="-127"/>
-              </a:rPr>
-              <a:t>을 활용하지 못함</a:t>
-            </a:r>
-            <a:endParaRPr lang="en-US" altLang="ko-KR" sz="1400" dirty="0" smtClean="0">
-              <a:latin typeface="나눔스퀘어 Bold" panose="020B0600000101010101" pitchFamily="50" charset="-127"/>
-              <a:ea typeface="나눔스퀘어 Bold" panose="020B0600000101010101" pitchFamily="50" charset="-127"/>
-            </a:endParaRPr>
+            <a:r>
+              <a:rPr lang="en-US" altLang="ko-KR" sz="1400" dirty="0" smtClean="0">
+                <a:latin typeface="나눔스퀘어 Bold" panose="020B0600000101010101" pitchFamily="50" charset="-127"/>
+                <a:ea typeface="나눔스퀘어 Bold" panose="020B0600000101010101" pitchFamily="50" charset="-127"/>
+              </a:rPr>
+              <a:t>LAC</a:t>
+            </a:r>
+            <a:r>
+              <a:rPr lang="ko-KR" altLang="en-US" sz="1400" dirty="0">
+                <a:latin typeface="나눔스퀘어 Bold" panose="020B0600000101010101" pitchFamily="50" charset="-127"/>
+                <a:ea typeface="나눔스퀘어 Bold" panose="020B0600000101010101" pitchFamily="50" charset="-127"/>
+              </a:rPr>
+              <a:t>와 </a:t>
+            </a:r>
+            <a:r>
+              <a:rPr lang="en-US" altLang="ko-KR" sz="1400" dirty="0">
+                <a:latin typeface="나눔스퀘어 Bold" panose="020B0600000101010101" pitchFamily="50" charset="-127"/>
+                <a:ea typeface="나눔스퀘어 Bold" panose="020B0600000101010101" pitchFamily="50" charset="-127"/>
+              </a:rPr>
+              <a:t>VAC</a:t>
+            </a:r>
+            <a:r>
+              <a:rPr lang="ko-KR" altLang="en-US" sz="1400" dirty="0">
+                <a:latin typeface="나눔스퀘어 Bold" panose="020B0600000101010101" pitchFamily="50" charset="-127"/>
+                <a:ea typeface="나눔스퀘어 Bold" panose="020B0600000101010101" pitchFamily="50" charset="-127"/>
+              </a:rPr>
+              <a:t>를 </a:t>
+            </a:r>
+            <a:r>
+              <a:rPr lang="en-US" altLang="ko-KR" sz="1400" dirty="0">
+                <a:latin typeface="나눔스퀘어 Bold" panose="020B0600000101010101" pitchFamily="50" charset="-127"/>
+                <a:ea typeface="나눔스퀘어 Bold" panose="020B0600000101010101" pitchFamily="50" charset="-127"/>
+              </a:rPr>
+              <a:t>orthogonal loss, discriminator loss</a:t>
+            </a:r>
+            <a:r>
+              <a:rPr lang="ko-KR" altLang="en-US" sz="1400" dirty="0">
+                <a:latin typeface="나눔스퀘어 Bold" panose="020B0600000101010101" pitchFamily="50" charset="-127"/>
+                <a:ea typeface="나눔스퀘어 Bold" panose="020B0600000101010101" pitchFamily="50" charset="-127"/>
+              </a:rPr>
+              <a:t>로 완전히 분리시키는 것은 </a:t>
+            </a:r>
+            <a:r>
+              <a:rPr lang="en-US" altLang="ko-KR" sz="1400" dirty="0">
+                <a:latin typeface="나눔스퀘어 Bold" panose="020B0600000101010101" pitchFamily="50" charset="-127"/>
+                <a:ea typeface="나눔스퀘어 Bold" panose="020B0600000101010101" pitchFamily="50" charset="-127"/>
+              </a:rPr>
+              <a:t>strict</a:t>
+            </a:r>
+            <a:r>
+              <a:rPr lang="ko-KR" altLang="en-US" sz="1400" dirty="0">
+                <a:latin typeface="나눔스퀘어 Bold" panose="020B0600000101010101" pitchFamily="50" charset="-127"/>
+                <a:ea typeface="나눔스퀘어 Bold" panose="020B0600000101010101" pitchFamily="50" charset="-127"/>
+              </a:rPr>
+              <a:t>한 제약으로 보임</a:t>
+            </a:r>
           </a:p>
         </p:txBody>
       </p:sp>
@@ -8940,8 +11734,8 @@
         </p:blipFill>
         <p:spPr>
           <a:xfrm>
-            <a:off x="493712" y="2930525"/>
-            <a:ext cx="5145088" cy="2723437"/>
+            <a:off x="0" y="2678377"/>
+            <a:ext cx="5651576" cy="2164433"/>
           </a:xfrm>
           <a:prstGeom prst="rect">
             <a:avLst/>
@@ -8951,7 +11745,7 @@
     </p:spTree>
     <p:extLst>
       <p:ext uri="{BB962C8B-B14F-4D97-AF65-F5344CB8AC3E}">
-        <p14:creationId xmlns:p14="http://schemas.microsoft.com/office/powerpoint/2010/main" val="3800608617"/>
+        <p14:creationId xmlns:p14="http://schemas.microsoft.com/office/powerpoint/2010/main" val="453305944"/>
       </p:ext>
     </p:extLst>
   </p:cSld>
@@ -8987,391 +11781,67 @@
       </p:grpSpPr>
       <p:sp>
         <p:nvSpPr>
-          <p:cNvPr id="12" name="TextBox 11">
+          <p:cNvPr id="2" name="제목 1">
             <a:extLst>
               <a:ext uri="{FF2B5EF4-FFF2-40B4-BE49-F238E27FC236}">
-                <a16:creationId xmlns:a16="http://schemas.microsoft.com/office/drawing/2014/main" id="{C7D7709E-206F-4B6B-9ABA-DCEDF98FB299}"/>
+                <a16:creationId xmlns:a16="http://schemas.microsoft.com/office/drawing/2014/main" id="{2EE29E3B-60E4-46B8-B222-ACB10CB8AEEC}"/>
               </a:ext>
             </a:extLst>
           </p:cNvPr>
-          <p:cNvSpPr txBox="1"/>
-          <p:nvPr/>
+          <p:cNvSpPr>
+            <a:spLocks noGrp="1"/>
+          </p:cNvSpPr>
+          <p:nvPr>
+            <p:ph type="ctrTitle"/>
+          </p:nvPr>
         </p:nvSpPr>
         <p:spPr>
           <a:xfrm>
-            <a:off x="1204240" y="0"/>
-            <a:ext cx="9783520" cy="584775"/>
+            <a:off x="0" y="0"/>
+            <a:ext cx="12192000" cy="2387600"/>
           </a:xfrm>
-          <a:prstGeom prst="rect">
-            <a:avLst/>
-          </a:prstGeom>
-          <a:noFill/>
         </p:spPr>
         <p:txBody>
-          <a:bodyPr wrap="square" rtlCol="0">
-            <a:spAutoFit/>
+          <a:bodyPr>
+            <a:normAutofit/>
           </a:bodyPr>
           <a:lstStyle/>
           <a:p>
-            <a:pPr algn="ctr"/>
-            <a:r>
-              <a:rPr lang="en-US" altLang="ko-KR" sz="3200" dirty="0" smtClean="0">
-                <a:solidFill>
-                  <a:srgbClr val="212529"/>
-                </a:solidFill>
-                <a:latin typeface="나눔스퀘어 Bold" panose="020B0600000101010101" pitchFamily="50" charset="-127"/>
-                <a:ea typeface="나눔스퀘어 Bold" panose="020B0600000101010101" pitchFamily="50" charset="-127"/>
-              </a:rPr>
-              <a:t>1. Introduction</a:t>
-            </a:r>
+            <a:r>
+              <a:rPr lang="en-US" altLang="ko-KR" sz="4000" dirty="0" err="1" smtClean="0">
+                <a:latin typeface="나눔스퀘어 Bold" panose="020B0600000101010101" pitchFamily="50" charset="-127"/>
+                <a:ea typeface="나눔스퀘어 Bold" panose="020B0600000101010101" pitchFamily="50" charset="-127"/>
+              </a:rPr>
+              <a:t>GalLoP</a:t>
+            </a:r>
+            <a:r>
+              <a:rPr lang="en-US" altLang="ko-KR" sz="4000" dirty="0" smtClean="0">
+                <a:latin typeface="나눔스퀘어 Bold" panose="020B0600000101010101" pitchFamily="50" charset="-127"/>
+                <a:ea typeface="나눔스퀘어 Bold" panose="020B0600000101010101" pitchFamily="50" charset="-127"/>
+              </a:rPr>
+              <a:t>: Learning Global and Local Prompts for Vision-Language Models</a:t>
+            </a:r>
+            <a:br>
+              <a:rPr lang="en-US" altLang="ko-KR" sz="4000" dirty="0" smtClean="0">
+                <a:latin typeface="나눔스퀘어 Bold" panose="020B0600000101010101" pitchFamily="50" charset="-127"/>
+                <a:ea typeface="나눔스퀘어 Bold" panose="020B0600000101010101" pitchFamily="50" charset="-127"/>
+              </a:rPr>
+            </a:br>
+            <a:r>
+              <a:rPr lang="en-US" altLang="ko-KR" sz="4000" dirty="0" smtClean="0">
+                <a:latin typeface="나눔스퀘어 Bold" panose="020B0600000101010101" pitchFamily="50" charset="-127"/>
+                <a:ea typeface="나눔스퀘어 Bold" panose="020B0600000101010101" pitchFamily="50" charset="-127"/>
+              </a:rPr>
+              <a:t>(ECCV 2024)</a:t>
+            </a:r>
+            <a:endParaRPr lang="ko-KR" altLang="en-US" sz="4000" dirty="0"/>
           </a:p>
         </p:txBody>
       </p:sp>
-      <p:sp>
-        <p:nvSpPr>
-          <p:cNvPr id="19" name="TextBox 18">
-            <a:extLst>
-              <a:ext uri="{FF2B5EF4-FFF2-40B4-BE49-F238E27FC236}">
-                <a16:creationId xmlns:a16="http://schemas.microsoft.com/office/drawing/2014/main" id="{6AEAE2E7-4604-4C30-96BA-7EDCD9641507}"/>
-              </a:ext>
-            </a:extLst>
-          </p:cNvPr>
-          <p:cNvSpPr txBox="1"/>
-          <p:nvPr/>
-        </p:nvSpPr>
-        <p:spPr>
-          <a:xfrm>
-            <a:off x="5638800" y="2930525"/>
-            <a:ext cx="65" cy="276999"/>
-          </a:xfrm>
-          <a:prstGeom prst="rect">
-            <a:avLst/>
-          </a:prstGeom>
-          <a:noFill/>
-        </p:spPr>
-        <p:txBody>
-          <a:bodyPr wrap="none" lIns="0" tIns="0" rIns="0" bIns="0" rtlCol="0">
-            <a:spAutoFit/>
-          </a:bodyPr>
-          <a:lstStyle/>
-          <a:p>
-            <a:endParaRPr lang="ko-KR" altLang="en-US" dirty="0"/>
-          </a:p>
-        </p:txBody>
-      </p:sp>
-      <p:sp>
-        <p:nvSpPr>
-          <p:cNvPr id="14" name="TextBox 13">
-            <a:extLst>
-              <a:ext uri="{FF2B5EF4-FFF2-40B4-BE49-F238E27FC236}">
-                <a16:creationId xmlns:a16="http://schemas.microsoft.com/office/drawing/2014/main" id="{43AD0F1D-18AC-4DEA-AACB-5FB085B6C455}"/>
-              </a:ext>
-            </a:extLst>
-          </p:cNvPr>
-          <p:cNvSpPr txBox="1"/>
-          <p:nvPr/>
-        </p:nvSpPr>
-        <p:spPr>
-          <a:xfrm>
-            <a:off x="5886446" y="4297288"/>
-            <a:ext cx="6207127" cy="1169551"/>
-          </a:xfrm>
-          <a:prstGeom prst="rect">
-            <a:avLst/>
-          </a:prstGeom>
-          <a:noFill/>
-        </p:spPr>
-        <p:txBody>
-          <a:bodyPr wrap="square" rtlCol="0">
-            <a:spAutoFit/>
-          </a:bodyPr>
-          <a:lstStyle/>
-          <a:p>
-            <a:pPr marL="285750" indent="-285750">
-              <a:buFont typeface="Wingdings" panose="05000000000000000000" pitchFamily="2" charset="2"/>
-              <a:buChar char="§"/>
-            </a:pPr>
-            <a:r>
-              <a:rPr lang="ko-KR" altLang="en-US" sz="1400" dirty="0" smtClean="0">
-                <a:latin typeface="나눔스퀘어 Bold" panose="020B0600000101010101" pitchFamily="50" charset="-127"/>
-                <a:ea typeface="나눔스퀘어 Bold" panose="020B0600000101010101" pitchFamily="50" charset="-127"/>
-              </a:rPr>
-              <a:t>또한 </a:t>
-            </a:r>
-            <a:r>
-              <a:rPr lang="en-US" altLang="ko-KR" sz="1400" dirty="0" smtClean="0">
-                <a:latin typeface="나눔스퀘어 Bold" panose="020B0600000101010101" pitchFamily="50" charset="-127"/>
-                <a:ea typeface="나눔스퀘어 Bold" panose="020B0600000101010101" pitchFamily="50" charset="-127"/>
-              </a:rPr>
-              <a:t>local prompt</a:t>
-            </a:r>
-            <a:r>
-              <a:rPr lang="ko-KR" altLang="en-US" sz="1400" dirty="0" smtClean="0">
-                <a:latin typeface="나눔스퀘어 Bold" panose="020B0600000101010101" pitchFamily="50" charset="-127"/>
-                <a:ea typeface="나눔스퀘어 Bold" panose="020B0600000101010101" pitchFamily="50" charset="-127"/>
-              </a:rPr>
-              <a:t>와 </a:t>
-            </a:r>
-            <a:r>
-              <a:rPr lang="en-US" altLang="ko-KR" sz="1400" dirty="0" smtClean="0">
-                <a:latin typeface="나눔스퀘어 Bold" panose="020B0600000101010101" pitchFamily="50" charset="-127"/>
-                <a:ea typeface="나눔스퀘어 Bold" panose="020B0600000101010101" pitchFamily="50" charset="-127"/>
-              </a:rPr>
-              <a:t>local region </a:t>
-            </a:r>
-            <a:r>
-              <a:rPr lang="ko-KR" altLang="en-US" sz="1400" dirty="0" smtClean="0">
-                <a:latin typeface="나눔스퀘어 Bold" panose="020B0600000101010101" pitchFamily="50" charset="-127"/>
-                <a:ea typeface="나눔스퀘어 Bold" panose="020B0600000101010101" pitchFamily="50" charset="-127"/>
-              </a:rPr>
-              <a:t>간의 </a:t>
-            </a:r>
-            <a:r>
-              <a:rPr lang="en-US" altLang="ko-KR" sz="1400" dirty="0" smtClean="0">
-                <a:latin typeface="나눔스퀘어 Bold" panose="020B0600000101010101" pitchFamily="50" charset="-127"/>
-                <a:ea typeface="나눔스퀘어 Bold" panose="020B0600000101010101" pitchFamily="50" charset="-127"/>
-              </a:rPr>
-              <a:t>sparse alignment</a:t>
-            </a:r>
-            <a:r>
-              <a:rPr lang="ko-KR" altLang="en-US" sz="1400" dirty="0" smtClean="0">
-                <a:latin typeface="나눔스퀘어 Bold" panose="020B0600000101010101" pitchFamily="50" charset="-127"/>
-                <a:ea typeface="나눔스퀘어 Bold" panose="020B0600000101010101" pitchFamily="50" charset="-127"/>
-              </a:rPr>
-              <a:t>와 </a:t>
-            </a:r>
-            <a:r>
-              <a:rPr lang="en-US" altLang="ko-KR" sz="1400" dirty="0" smtClean="0">
-                <a:latin typeface="나눔스퀘어 Bold" panose="020B0600000101010101" pitchFamily="50" charset="-127"/>
-                <a:ea typeface="나눔스퀘어 Bold" panose="020B0600000101010101" pitchFamily="50" charset="-127"/>
-              </a:rPr>
-              <a:t>linear projection</a:t>
-            </a:r>
-            <a:r>
-              <a:rPr lang="ko-KR" altLang="en-US" sz="1400" dirty="0" smtClean="0">
-                <a:latin typeface="나눔스퀘어 Bold" panose="020B0600000101010101" pitchFamily="50" charset="-127"/>
-                <a:ea typeface="나눔스퀘어 Bold" panose="020B0600000101010101" pitchFamily="50" charset="-127"/>
-              </a:rPr>
-              <a:t>을 제안해</a:t>
-            </a:r>
-            <a:r>
-              <a:rPr lang="en-US" altLang="ko-KR" sz="1400" dirty="0" smtClean="0">
-                <a:latin typeface="나눔스퀘어 Bold" panose="020B0600000101010101" pitchFamily="50" charset="-127"/>
-                <a:ea typeface="나눔스퀘어 Bold" panose="020B0600000101010101" pitchFamily="50" charset="-127"/>
-              </a:rPr>
-              <a:t>,</a:t>
-            </a:r>
-          </a:p>
-          <a:p>
-            <a:pPr marL="285750" indent="-285750">
-              <a:buFont typeface="Wingdings" panose="05000000000000000000" pitchFamily="2" charset="2"/>
-              <a:buChar char="§"/>
-            </a:pPr>
-            <a:endParaRPr lang="en-US" altLang="ko-KR" sz="1400" dirty="0">
-              <a:latin typeface="나눔스퀘어 Bold" panose="020B0600000101010101" pitchFamily="50" charset="-127"/>
-              <a:ea typeface="나눔스퀘어 Bold" panose="020B0600000101010101" pitchFamily="50" charset="-127"/>
-            </a:endParaRPr>
-          </a:p>
-          <a:p>
-            <a:pPr marL="285750" indent="-285750">
-              <a:buFont typeface="Wingdings" panose="05000000000000000000" pitchFamily="2" charset="2"/>
-              <a:buChar char="§"/>
-            </a:pPr>
-            <a:r>
-              <a:rPr lang="en-US" altLang="ko-KR" sz="1400" dirty="0" smtClean="0">
-                <a:latin typeface="나눔스퀘어 Bold" panose="020B0600000101010101" pitchFamily="50" charset="-127"/>
-                <a:ea typeface="나눔스퀘어 Bold" panose="020B0600000101010101" pitchFamily="50" charset="-127"/>
-              </a:rPr>
-              <a:t>fine-grained semantic</a:t>
-            </a:r>
-            <a:r>
-              <a:rPr lang="ko-KR" altLang="en-US" sz="1400" dirty="0" smtClean="0">
-                <a:latin typeface="나눔스퀘어 Bold" panose="020B0600000101010101" pitchFamily="50" charset="-127"/>
-                <a:ea typeface="나눔스퀘어 Bold" panose="020B0600000101010101" pitchFamily="50" charset="-127"/>
-              </a:rPr>
-              <a:t>을 학습하게 되고</a:t>
-            </a:r>
-            <a:r>
-              <a:rPr lang="en-US" altLang="ko-KR" sz="1400" dirty="0" smtClean="0">
-                <a:latin typeface="나눔스퀘어 Bold" panose="020B0600000101010101" pitchFamily="50" charset="-127"/>
-                <a:ea typeface="나눔스퀘어 Bold" panose="020B0600000101010101" pitchFamily="50" charset="-127"/>
-              </a:rPr>
-              <a:t>, text-to-image matching</a:t>
-            </a:r>
-            <a:r>
-              <a:rPr lang="ko-KR" altLang="en-US" sz="1400" dirty="0" smtClean="0">
-                <a:latin typeface="나눔스퀘어 Bold" panose="020B0600000101010101" pitchFamily="50" charset="-127"/>
-                <a:ea typeface="나눔스퀘어 Bold" panose="020B0600000101010101" pitchFamily="50" charset="-127"/>
-              </a:rPr>
-              <a:t>도 개선했음</a:t>
-            </a:r>
-            <a:endParaRPr lang="en-US" altLang="ko-KR" sz="1400" dirty="0" smtClean="0">
-              <a:latin typeface="나눔스퀘어 Bold" panose="020B0600000101010101" pitchFamily="50" charset="-127"/>
-              <a:ea typeface="나눔스퀘어 Bold" panose="020B0600000101010101" pitchFamily="50" charset="-127"/>
-            </a:endParaRPr>
-          </a:p>
-        </p:txBody>
-      </p:sp>
-      <p:sp>
-        <p:nvSpPr>
-          <p:cNvPr id="10" name="TextBox 9">
-            <a:extLst>
-              <a:ext uri="{FF2B5EF4-FFF2-40B4-BE49-F238E27FC236}">
-                <a16:creationId xmlns:a16="http://schemas.microsoft.com/office/drawing/2014/main" id="{9922EEF6-C41D-4EED-AAFA-E7D60D60CE65}"/>
-              </a:ext>
-            </a:extLst>
-          </p:cNvPr>
-          <p:cNvSpPr txBox="1"/>
-          <p:nvPr/>
-        </p:nvSpPr>
-        <p:spPr>
-          <a:xfrm>
-            <a:off x="5886445" y="1518026"/>
-            <a:ext cx="6207127" cy="1169551"/>
-          </a:xfrm>
-          <a:prstGeom prst="rect">
-            <a:avLst/>
-          </a:prstGeom>
-          <a:noFill/>
-        </p:spPr>
-        <p:txBody>
-          <a:bodyPr wrap="square" rtlCol="0">
-            <a:spAutoFit/>
-          </a:bodyPr>
-          <a:lstStyle/>
-          <a:p>
-            <a:pPr marL="285750" indent="-285750">
-              <a:buFont typeface="Wingdings" panose="05000000000000000000" pitchFamily="2" charset="2"/>
-              <a:buChar char="§"/>
-            </a:pPr>
-            <a:r>
-              <a:rPr lang="en-US" altLang="ko-KR" sz="1400" dirty="0" err="1" smtClean="0">
-                <a:latin typeface="나눔스퀘어 Bold" panose="020B0600000101010101" pitchFamily="50" charset="-127"/>
-                <a:ea typeface="나눔스퀘어 Bold" panose="020B0600000101010101" pitchFamily="50" charset="-127"/>
-              </a:rPr>
-              <a:t>GalLoP</a:t>
-            </a:r>
-            <a:r>
-              <a:rPr lang="en-US" altLang="ko-KR" sz="1400" dirty="0" smtClean="0">
-                <a:latin typeface="나눔스퀘어 Bold" panose="020B0600000101010101" pitchFamily="50" charset="-127"/>
-                <a:ea typeface="나눔스퀘어 Bold" panose="020B0600000101010101" pitchFamily="50" charset="-127"/>
-              </a:rPr>
-              <a:t> </a:t>
-            </a:r>
-            <a:r>
-              <a:rPr lang="en-US" altLang="ko-KR" sz="1400" dirty="0" smtClean="0">
-                <a:latin typeface="나눔스퀘어 Bold" panose="020B0600000101010101" pitchFamily="50" charset="-127"/>
-                <a:ea typeface="나눔스퀘어 Bold" panose="020B0600000101010101" pitchFamily="50" charset="-127"/>
-              </a:rPr>
-              <a:t>method</a:t>
-            </a:r>
-            <a:r>
-              <a:rPr lang="ko-KR" altLang="en-US" sz="1400" dirty="0" smtClean="0">
-                <a:latin typeface="나눔스퀘어 Bold" panose="020B0600000101010101" pitchFamily="50" charset="-127"/>
-                <a:ea typeface="나눔스퀘어 Bold" panose="020B0600000101010101" pitchFamily="50" charset="-127"/>
-              </a:rPr>
-              <a:t>는 </a:t>
-            </a:r>
-            <a:r>
-              <a:rPr lang="en-US" altLang="ko-KR" sz="1400" dirty="0" smtClean="0">
-                <a:latin typeface="나눔스퀘어 Bold" panose="020B0600000101010101" pitchFamily="50" charset="-127"/>
-                <a:ea typeface="나눔스퀘어 Bold" panose="020B0600000101010101" pitchFamily="50" charset="-127"/>
-              </a:rPr>
-              <a:t>global, local visual representation</a:t>
-            </a:r>
-            <a:r>
-              <a:rPr lang="ko-KR" altLang="en-US" sz="1400" dirty="0" smtClean="0">
-                <a:latin typeface="나눔스퀘어 Bold" panose="020B0600000101010101" pitchFamily="50" charset="-127"/>
-                <a:ea typeface="나눔스퀘어 Bold" panose="020B0600000101010101" pitchFamily="50" charset="-127"/>
-              </a:rPr>
-              <a:t>을 모두 활용하며</a:t>
-            </a:r>
-            <a:r>
-              <a:rPr lang="en-US" altLang="ko-KR" sz="1400" dirty="0" smtClean="0">
-                <a:latin typeface="나눔스퀘어 Bold" panose="020B0600000101010101" pitchFamily="50" charset="-127"/>
-                <a:ea typeface="나눔스퀘어 Bold" panose="020B0600000101010101" pitchFamily="50" charset="-127"/>
-              </a:rPr>
-              <a:t>,</a:t>
-            </a:r>
-          </a:p>
-          <a:p>
-            <a:pPr marL="285750" indent="-285750">
-              <a:buFont typeface="Wingdings" panose="05000000000000000000" pitchFamily="2" charset="2"/>
-              <a:buChar char="§"/>
-            </a:pPr>
-            <a:endParaRPr lang="en-US" altLang="ko-KR" sz="1400" dirty="0">
-              <a:latin typeface="나눔스퀘어 Bold" panose="020B0600000101010101" pitchFamily="50" charset="-127"/>
-              <a:ea typeface="나눔스퀘어 Bold" panose="020B0600000101010101" pitchFamily="50" charset="-127"/>
-            </a:endParaRPr>
-          </a:p>
-          <a:p>
-            <a:pPr marL="285750" indent="-285750">
-              <a:buFont typeface="Wingdings" panose="05000000000000000000" pitchFamily="2" charset="2"/>
-              <a:buChar char="§"/>
-            </a:pPr>
-            <a:r>
-              <a:rPr lang="en-US" altLang="ko-KR" sz="1400" dirty="0" smtClean="0">
-                <a:latin typeface="나눔스퀘어 Bold" panose="020B0600000101010101" pitchFamily="50" charset="-127"/>
-                <a:ea typeface="나눔스퀘어 Bold" panose="020B0600000101010101" pitchFamily="50" charset="-127"/>
-              </a:rPr>
-              <a:t>prompt dropout, multiscale strategy</a:t>
-            </a:r>
-            <a:r>
-              <a:rPr lang="ko-KR" altLang="en-US" sz="1400" dirty="0" smtClean="0">
-                <a:latin typeface="나눔스퀘어 Bold" panose="020B0600000101010101" pitchFamily="50" charset="-127"/>
-                <a:ea typeface="나눔스퀘어 Bold" panose="020B0600000101010101" pitchFamily="50" charset="-127"/>
-              </a:rPr>
-              <a:t>를 제안해 </a:t>
-            </a:r>
-            <a:r>
-              <a:rPr lang="en-US" altLang="ko-KR" sz="1400" dirty="0" smtClean="0">
-                <a:latin typeface="나눔스퀘어 Bold" panose="020B0600000101010101" pitchFamily="50" charset="-127"/>
-                <a:ea typeface="나눔스퀘어 Bold" panose="020B0600000101010101" pitchFamily="50" charset="-127"/>
-              </a:rPr>
-              <a:t>prompt diversity</a:t>
-            </a:r>
-            <a:r>
-              <a:rPr lang="ko-KR" altLang="en-US" sz="1400" dirty="0" smtClean="0">
-                <a:latin typeface="나눔스퀘어 Bold" panose="020B0600000101010101" pitchFamily="50" charset="-127"/>
-                <a:ea typeface="나눔스퀘어 Bold" panose="020B0600000101010101" pitchFamily="50" charset="-127"/>
-              </a:rPr>
-              <a:t>를 얻음</a:t>
-            </a:r>
-            <a:endParaRPr lang="en-US" altLang="ko-KR" sz="1400" dirty="0" smtClean="0">
-              <a:latin typeface="나눔스퀘어 Bold" panose="020B0600000101010101" pitchFamily="50" charset="-127"/>
-              <a:ea typeface="나눔스퀘어 Bold" panose="020B0600000101010101" pitchFamily="50" charset="-127"/>
-            </a:endParaRPr>
-          </a:p>
-        </p:txBody>
-      </p:sp>
-      <p:pic>
-        <p:nvPicPr>
-          <p:cNvPr id="3" name="그림 2"/>
-          <p:cNvPicPr>
-            <a:picLocks noChangeAspect="1"/>
-          </p:cNvPicPr>
-          <p:nvPr/>
-        </p:nvPicPr>
-        <p:blipFill>
-          <a:blip r:embed="rId2"/>
-          <a:stretch>
-            <a:fillRect/>
-          </a:stretch>
-        </p:blipFill>
-        <p:spPr>
-          <a:xfrm>
-            <a:off x="258762" y="1464051"/>
-            <a:ext cx="5627683" cy="4226208"/>
-          </a:xfrm>
-          <a:prstGeom prst="rect">
-            <a:avLst/>
-          </a:prstGeom>
-        </p:spPr>
-      </p:pic>
     </p:spTree>
     <p:extLst>
       <p:ext uri="{BB962C8B-B14F-4D97-AF65-F5344CB8AC3E}">
-        <p14:creationId xmlns:p14="http://schemas.microsoft.com/office/powerpoint/2010/main" val="2464666971"/>
+        <p14:creationId xmlns:p14="http://schemas.microsoft.com/office/powerpoint/2010/main" val="2667767600"/>
       </p:ext>
     </p:extLst>
   </p:cSld>
@@ -9419,8 +11889,8 @@
         </p:nvSpPr>
         <p:spPr>
           <a:xfrm>
-            <a:off x="0" y="0"/>
-            <a:ext cx="12192000" cy="584775"/>
+            <a:off x="1204240" y="0"/>
+            <a:ext cx="9783520" cy="584775"/>
           </a:xfrm>
           <a:prstGeom prst="rect">
             <a:avLst/>
@@ -9442,25 +11912,8 @@
                 <a:latin typeface="나눔스퀘어 Bold" panose="020B0600000101010101" pitchFamily="50" charset="-127"/>
                 <a:ea typeface="나눔스퀘어 Bold" panose="020B0600000101010101" pitchFamily="50" charset="-127"/>
               </a:rPr>
-              <a:t>3. Combining global and local prompts with </a:t>
-            </a:r>
-            <a:r>
-              <a:rPr lang="en-US" altLang="ko-KR" sz="3200" dirty="0" err="1" smtClean="0">
-                <a:solidFill>
-                  <a:srgbClr val="212529"/>
-                </a:solidFill>
-                <a:latin typeface="나눔스퀘어 Bold" panose="020B0600000101010101" pitchFamily="50" charset="-127"/>
-                <a:ea typeface="나눔스퀘어 Bold" panose="020B0600000101010101" pitchFamily="50" charset="-127"/>
-              </a:rPr>
-              <a:t>GalLoP</a:t>
-            </a:r>
-            <a:endParaRPr lang="en-US" altLang="ko-KR" sz="3200" dirty="0" smtClean="0">
-              <a:solidFill>
-                <a:srgbClr val="212529"/>
-              </a:solidFill>
-              <a:latin typeface="나눔스퀘어 Bold" panose="020B0600000101010101" pitchFamily="50" charset="-127"/>
-              <a:ea typeface="나눔스퀘어 Bold" panose="020B0600000101010101" pitchFamily="50" charset="-127"/>
-            </a:endParaRPr>
+              <a:t>1. Introduction</a:t>
+            </a:r>
           </a:p>
         </p:txBody>
       </p:sp>
@@ -9496,8 +11949,934 @@
           </a:p>
         </p:txBody>
       </p:sp>
-      <mc:AlternateContent xmlns:mc="http://schemas.openxmlformats.org/markup-compatibility/2006">
-        <mc:Choice xmlns:a14="http://schemas.microsoft.com/office/drawing/2010/main" Requires="a14">
+      <p:sp>
+        <p:nvSpPr>
+          <p:cNvPr id="14" name="TextBox 13">
+            <a:extLst>
+              <a:ext uri="{FF2B5EF4-FFF2-40B4-BE49-F238E27FC236}">
+                <a16:creationId xmlns:a16="http://schemas.microsoft.com/office/drawing/2014/main" id="{43AD0F1D-18AC-4DEA-AACB-5FB085B6C455}"/>
+              </a:ext>
+            </a:extLst>
+          </p:cNvPr>
+          <p:cNvSpPr txBox="1"/>
+          <p:nvPr/>
+        </p:nvSpPr>
+        <p:spPr>
+          <a:xfrm>
+            <a:off x="5886445" y="4121924"/>
+            <a:ext cx="6207127" cy="1600438"/>
+          </a:xfrm>
+          <a:prstGeom prst="rect">
+            <a:avLst/>
+          </a:prstGeom>
+          <a:noFill/>
+        </p:spPr>
+        <p:txBody>
+          <a:bodyPr wrap="square" rtlCol="0">
+            <a:spAutoFit/>
+          </a:bodyPr>
+          <a:lstStyle/>
+          <a:p>
+            <a:pPr marL="285750" indent="-285750">
+              <a:buFont typeface="Wingdings" panose="05000000000000000000" pitchFamily="2" charset="2"/>
+              <a:buChar char="§"/>
+            </a:pPr>
+            <a:r>
+              <a:rPr lang="en-US" altLang="ko-KR" sz="1400" dirty="0" smtClean="0">
+                <a:latin typeface="나눔스퀘어 Bold" panose="020B0600000101010101" pitchFamily="50" charset="-127"/>
+                <a:ea typeface="나눔스퀘어 Bold" panose="020B0600000101010101" pitchFamily="50" charset="-127"/>
+              </a:rPr>
+              <a:t>local representation</a:t>
+            </a:r>
+            <a:r>
+              <a:rPr lang="ko-KR" altLang="en-US" sz="1400" dirty="0" smtClean="0">
+                <a:latin typeface="나눔스퀘어 Bold" panose="020B0600000101010101" pitchFamily="50" charset="-127"/>
+                <a:ea typeface="나눔스퀘어 Bold" panose="020B0600000101010101" pitchFamily="50" charset="-127"/>
+              </a:rPr>
+              <a:t>을 이용한 </a:t>
+            </a:r>
+            <a:r>
+              <a:rPr lang="en-US" altLang="ko-KR" sz="1400" dirty="0" smtClean="0">
+                <a:latin typeface="나눔스퀘어 Bold" panose="020B0600000101010101" pitchFamily="50" charset="-127"/>
+                <a:ea typeface="나눔스퀘어 Bold" panose="020B0600000101010101" pitchFamily="50" charset="-127"/>
+              </a:rPr>
+              <a:t>method</a:t>
+            </a:r>
+            <a:r>
+              <a:rPr lang="ko-KR" altLang="en-US" sz="1400" dirty="0" smtClean="0">
+                <a:latin typeface="나눔스퀘어 Bold" panose="020B0600000101010101" pitchFamily="50" charset="-127"/>
+                <a:ea typeface="나눔스퀘어 Bold" panose="020B0600000101010101" pitchFamily="50" charset="-127"/>
+              </a:rPr>
+              <a:t>들도 제안되었지만</a:t>
+            </a:r>
+            <a:r>
+              <a:rPr lang="en-US" altLang="ko-KR" sz="1400" dirty="0" smtClean="0">
+                <a:latin typeface="나눔스퀘어 Bold" panose="020B0600000101010101" pitchFamily="50" charset="-127"/>
+                <a:ea typeface="나눔스퀘어 Bold" panose="020B0600000101010101" pitchFamily="50" charset="-127"/>
+              </a:rPr>
+              <a:t>,</a:t>
+            </a:r>
+          </a:p>
+          <a:p>
+            <a:pPr marL="285750" indent="-285750">
+              <a:buFont typeface="Wingdings" panose="05000000000000000000" pitchFamily="2" charset="2"/>
+              <a:buChar char="§"/>
+            </a:pPr>
+            <a:endParaRPr lang="en-US" altLang="ko-KR" sz="1400" dirty="0">
+              <a:latin typeface="나눔스퀘어 Bold" panose="020B0600000101010101" pitchFamily="50" charset="-127"/>
+              <a:ea typeface="나눔스퀘어 Bold" panose="020B0600000101010101" pitchFamily="50" charset="-127"/>
+            </a:endParaRPr>
+          </a:p>
+          <a:p>
+            <a:pPr marL="285750" indent="-285750">
+              <a:buFont typeface="Wingdings" panose="05000000000000000000" pitchFamily="2" charset="2"/>
+              <a:buChar char="§"/>
+            </a:pPr>
+            <a:r>
+              <a:rPr lang="ko-KR" altLang="en-US" sz="1400" dirty="0" smtClean="0">
+                <a:latin typeface="나눔스퀘어 Bold" panose="020B0600000101010101" pitchFamily="50" charset="-127"/>
+                <a:ea typeface="나눔스퀘어 Bold" panose="020B0600000101010101" pitchFamily="50" charset="-127"/>
+              </a:rPr>
+              <a:t>모든 </a:t>
+            </a:r>
+            <a:r>
+              <a:rPr lang="en-US" altLang="ko-KR" sz="1400" dirty="0" smtClean="0">
+                <a:latin typeface="나눔스퀘어 Bold" panose="020B0600000101010101" pitchFamily="50" charset="-127"/>
+                <a:ea typeface="나눔스퀘어 Bold" panose="020B0600000101010101" pitchFamily="50" charset="-127"/>
+              </a:rPr>
+              <a:t>local feature</a:t>
+            </a:r>
+            <a:r>
+              <a:rPr lang="ko-KR" altLang="en-US" sz="1400" dirty="0" smtClean="0">
+                <a:latin typeface="나눔스퀘어 Bold" panose="020B0600000101010101" pitchFamily="50" charset="-127"/>
+                <a:ea typeface="나눔스퀘어 Bold" panose="020B0600000101010101" pitchFamily="50" charset="-127"/>
+              </a:rPr>
+              <a:t>를 사용하기 때문에 </a:t>
+            </a:r>
+            <a:r>
+              <a:rPr lang="en-US" altLang="ko-KR" sz="1400" dirty="0" smtClean="0">
+                <a:latin typeface="나눔스퀘어 Bold" panose="020B0600000101010101" pitchFamily="50" charset="-127"/>
+                <a:ea typeface="나눔스퀘어 Bold" panose="020B0600000101010101" pitchFamily="50" charset="-127"/>
+              </a:rPr>
+              <a:t>irrelevant, noisy feature</a:t>
+            </a:r>
+            <a:r>
+              <a:rPr lang="ko-KR" altLang="en-US" sz="1400" dirty="0" smtClean="0">
+                <a:latin typeface="나눔스퀘어 Bold" panose="020B0600000101010101" pitchFamily="50" charset="-127"/>
+                <a:ea typeface="나눔스퀘어 Bold" panose="020B0600000101010101" pitchFamily="50" charset="-127"/>
+              </a:rPr>
+              <a:t>도 포함하게 되고</a:t>
+            </a:r>
+            <a:r>
+              <a:rPr lang="en-US" altLang="ko-KR" sz="1400" dirty="0" smtClean="0">
+                <a:latin typeface="나눔스퀘어 Bold" panose="020B0600000101010101" pitchFamily="50" charset="-127"/>
+                <a:ea typeface="나눔스퀘어 Bold" panose="020B0600000101010101" pitchFamily="50" charset="-127"/>
+              </a:rPr>
+              <a:t>,</a:t>
+            </a:r>
+          </a:p>
+          <a:p>
+            <a:pPr marL="285750" indent="-285750">
+              <a:buFont typeface="Wingdings" panose="05000000000000000000" pitchFamily="2" charset="2"/>
+              <a:buChar char="§"/>
+            </a:pPr>
+            <a:endParaRPr lang="en-US" altLang="ko-KR" sz="1400" dirty="0">
+              <a:latin typeface="나눔스퀘어 Bold" panose="020B0600000101010101" pitchFamily="50" charset="-127"/>
+              <a:ea typeface="나눔스퀘어 Bold" panose="020B0600000101010101" pitchFamily="50" charset="-127"/>
+            </a:endParaRPr>
+          </a:p>
+          <a:p>
+            <a:pPr marL="285750" indent="-285750">
+              <a:buFont typeface="Wingdings" panose="05000000000000000000" pitchFamily="2" charset="2"/>
+              <a:buChar char="§"/>
+            </a:pPr>
+            <a:r>
+              <a:rPr lang="en-US" altLang="ko-KR" sz="1400" dirty="0" smtClean="0">
+                <a:latin typeface="나눔스퀘어 Bold" panose="020B0600000101010101" pitchFamily="50" charset="-127"/>
+                <a:ea typeface="나눔스퀘어 Bold" panose="020B0600000101010101" pitchFamily="50" charset="-127"/>
+              </a:rPr>
+              <a:t>pre-trained CLIP</a:t>
+            </a:r>
+            <a:r>
+              <a:rPr lang="ko-KR" altLang="en-US" sz="1400" dirty="0" smtClean="0">
+                <a:latin typeface="나눔스퀘어 Bold" panose="020B0600000101010101" pitchFamily="50" charset="-127"/>
+                <a:ea typeface="나눔스퀘어 Bold" panose="020B0600000101010101" pitchFamily="50" charset="-127"/>
+              </a:rPr>
+              <a:t>의 </a:t>
+            </a:r>
+            <a:r>
+              <a:rPr lang="en-US" altLang="ko-KR" sz="1400" dirty="0" smtClean="0">
+                <a:latin typeface="나눔스퀘어 Bold" panose="020B0600000101010101" pitchFamily="50" charset="-127"/>
+                <a:ea typeface="나눔스퀘어 Bold" panose="020B0600000101010101" pitchFamily="50" charset="-127"/>
+              </a:rPr>
+              <a:t>global image-text alignment</a:t>
+            </a:r>
+            <a:r>
+              <a:rPr lang="ko-KR" altLang="en-US" sz="1400" dirty="0" smtClean="0">
+                <a:latin typeface="나눔스퀘어 Bold" panose="020B0600000101010101" pitchFamily="50" charset="-127"/>
+                <a:ea typeface="나눔스퀘어 Bold" panose="020B0600000101010101" pitchFamily="50" charset="-127"/>
+              </a:rPr>
+              <a:t>와도 맞지 않아</a:t>
+            </a:r>
+            <a:r>
+              <a:rPr lang="en-US" altLang="ko-KR" sz="1400" dirty="0" smtClean="0">
+                <a:latin typeface="나눔스퀘어 Bold" panose="020B0600000101010101" pitchFamily="50" charset="-127"/>
+                <a:ea typeface="나눔스퀘어 Bold" panose="020B0600000101010101" pitchFamily="50" charset="-127"/>
+              </a:rPr>
+              <a:t> </a:t>
+            </a:r>
+            <a:r>
+              <a:rPr lang="ko-KR" altLang="en-US" sz="1400" dirty="0" smtClean="0">
+                <a:latin typeface="나눔스퀘어 Bold" panose="020B0600000101010101" pitchFamily="50" charset="-127"/>
+                <a:ea typeface="나눔스퀘어 Bold" panose="020B0600000101010101" pitchFamily="50" charset="-127"/>
+              </a:rPr>
+              <a:t>높은 성능을 보이지 못함</a:t>
+            </a:r>
+            <a:endParaRPr lang="en-US" altLang="ko-KR" sz="1400" dirty="0" smtClean="0">
+              <a:latin typeface="나눔스퀘어 Bold" panose="020B0600000101010101" pitchFamily="50" charset="-127"/>
+              <a:ea typeface="나눔스퀘어 Bold" panose="020B0600000101010101" pitchFamily="50" charset="-127"/>
+            </a:endParaRPr>
+          </a:p>
+        </p:txBody>
+      </p:sp>
+      <p:sp>
+        <p:nvSpPr>
+          <p:cNvPr id="10" name="TextBox 9">
+            <a:extLst>
+              <a:ext uri="{FF2B5EF4-FFF2-40B4-BE49-F238E27FC236}">
+                <a16:creationId xmlns:a16="http://schemas.microsoft.com/office/drawing/2014/main" id="{9922EEF6-C41D-4EED-AAFA-E7D60D60CE65}"/>
+              </a:ext>
+            </a:extLst>
+          </p:cNvPr>
+          <p:cNvSpPr txBox="1"/>
+          <p:nvPr/>
+        </p:nvSpPr>
+        <p:spPr>
+          <a:xfrm>
+            <a:off x="5886446" y="1292557"/>
+            <a:ext cx="6207127" cy="1384995"/>
+          </a:xfrm>
+          <a:prstGeom prst="rect">
+            <a:avLst/>
+          </a:prstGeom>
+          <a:noFill/>
+        </p:spPr>
+        <p:txBody>
+          <a:bodyPr wrap="square" rtlCol="0">
+            <a:spAutoFit/>
+          </a:bodyPr>
+          <a:lstStyle/>
+          <a:p>
+            <a:pPr marL="285750" indent="-285750">
+              <a:buFont typeface="Wingdings" panose="05000000000000000000" pitchFamily="2" charset="2"/>
+              <a:buChar char="§"/>
+            </a:pPr>
+            <a:r>
+              <a:rPr lang="en-US" altLang="ko-KR" sz="1400" dirty="0" smtClean="0">
+                <a:latin typeface="나눔스퀘어 Bold" panose="020B0600000101010101" pitchFamily="50" charset="-127"/>
+                <a:ea typeface="나눔스퀘어 Bold" panose="020B0600000101010101" pitchFamily="50" charset="-127"/>
+              </a:rPr>
+              <a:t>multiple prompt</a:t>
+            </a:r>
+            <a:r>
+              <a:rPr lang="ko-KR" altLang="en-US" sz="1400" dirty="0" smtClean="0">
+                <a:latin typeface="나눔스퀘어 Bold" panose="020B0600000101010101" pitchFamily="50" charset="-127"/>
+                <a:ea typeface="나눔스퀘어 Bold" panose="020B0600000101010101" pitchFamily="50" charset="-127"/>
+              </a:rPr>
+              <a:t>를 사용한 </a:t>
+            </a:r>
+            <a:r>
+              <a:rPr lang="en-US" altLang="ko-KR" sz="1400" dirty="0" smtClean="0">
+                <a:latin typeface="나눔스퀘어 Bold" panose="020B0600000101010101" pitchFamily="50" charset="-127"/>
+                <a:ea typeface="나눔스퀘어 Bold" panose="020B0600000101010101" pitchFamily="50" charset="-127"/>
+              </a:rPr>
+              <a:t>prompt </a:t>
+            </a:r>
+            <a:r>
+              <a:rPr lang="en-US" altLang="ko-KR" sz="1400" dirty="0" err="1" smtClean="0">
+                <a:latin typeface="나눔스퀘어 Bold" panose="020B0600000101010101" pitchFamily="50" charset="-127"/>
+                <a:ea typeface="나눔스퀘어 Bold" panose="020B0600000101010101" pitchFamily="50" charset="-127"/>
+              </a:rPr>
+              <a:t>ensembling</a:t>
+            </a:r>
+            <a:r>
+              <a:rPr lang="ko-KR" altLang="en-US" sz="1400" dirty="0" smtClean="0">
+                <a:latin typeface="나눔스퀘어 Bold" panose="020B0600000101010101" pitchFamily="50" charset="-127"/>
+                <a:ea typeface="나눔스퀘어 Bold" panose="020B0600000101010101" pitchFamily="50" charset="-127"/>
+              </a:rPr>
+              <a:t>은 </a:t>
+            </a:r>
+            <a:r>
+              <a:rPr lang="en-US" altLang="ko-KR" sz="1400" dirty="0" smtClean="0">
+                <a:latin typeface="나눔스퀘어 Bold" panose="020B0600000101010101" pitchFamily="50" charset="-127"/>
+                <a:ea typeface="나눔스퀘어 Bold" panose="020B0600000101010101" pitchFamily="50" charset="-127"/>
+              </a:rPr>
+              <a:t>class specific, transformer-layer specific</a:t>
+            </a:r>
+            <a:r>
+              <a:rPr lang="ko-KR" altLang="en-US" sz="1400" dirty="0" smtClean="0">
+                <a:latin typeface="나눔스퀘어 Bold" panose="020B0600000101010101" pitchFamily="50" charset="-127"/>
+                <a:ea typeface="나눔스퀘어 Bold" panose="020B0600000101010101" pitchFamily="50" charset="-127"/>
+              </a:rPr>
+              <a:t>한 </a:t>
+            </a:r>
+            <a:r>
+              <a:rPr lang="en-US" altLang="ko-KR" sz="1400" dirty="0" smtClean="0">
+                <a:latin typeface="나눔스퀘어 Bold" panose="020B0600000101010101" pitchFamily="50" charset="-127"/>
+                <a:ea typeface="나눔스퀘어 Bold" panose="020B0600000101010101" pitchFamily="50" charset="-127"/>
+              </a:rPr>
+              <a:t>diverse prompt</a:t>
+            </a:r>
+            <a:r>
+              <a:rPr lang="ko-KR" altLang="en-US" sz="1400" dirty="0" smtClean="0">
+                <a:latin typeface="나눔스퀘어 Bold" panose="020B0600000101010101" pitchFamily="50" charset="-127"/>
+                <a:ea typeface="나눔스퀘어 Bold" panose="020B0600000101010101" pitchFamily="50" charset="-127"/>
+              </a:rPr>
+              <a:t>를 학습하는 것이 목적임</a:t>
+            </a:r>
+            <a:endParaRPr lang="en-US" altLang="ko-KR" sz="1400" dirty="0" smtClean="0">
+              <a:latin typeface="나눔스퀘어 Bold" panose="020B0600000101010101" pitchFamily="50" charset="-127"/>
+              <a:ea typeface="나눔스퀘어 Bold" panose="020B0600000101010101" pitchFamily="50" charset="-127"/>
+            </a:endParaRPr>
+          </a:p>
+          <a:p>
+            <a:pPr marL="285750" indent="-285750">
+              <a:buFont typeface="Wingdings" panose="05000000000000000000" pitchFamily="2" charset="2"/>
+              <a:buChar char="§"/>
+            </a:pPr>
+            <a:endParaRPr lang="en-US" altLang="ko-KR" sz="1400" dirty="0">
+              <a:latin typeface="나눔스퀘어 Bold" panose="020B0600000101010101" pitchFamily="50" charset="-127"/>
+              <a:ea typeface="나눔스퀘어 Bold" panose="020B0600000101010101" pitchFamily="50" charset="-127"/>
+            </a:endParaRPr>
+          </a:p>
+          <a:p>
+            <a:pPr marL="285750" indent="-285750">
+              <a:buFont typeface="Wingdings" panose="05000000000000000000" pitchFamily="2" charset="2"/>
+              <a:buChar char="§"/>
+            </a:pPr>
+            <a:r>
+              <a:rPr lang="ko-KR" altLang="en-US" sz="1400" dirty="0" smtClean="0">
+                <a:latin typeface="나눔스퀘어 Bold" panose="020B0600000101010101" pitchFamily="50" charset="-127"/>
+                <a:ea typeface="나눔스퀘어 Bold" panose="020B0600000101010101" pitchFamily="50" charset="-127"/>
+              </a:rPr>
+              <a:t>하지만 기존 </a:t>
+            </a:r>
+            <a:r>
+              <a:rPr lang="en-US" altLang="ko-KR" sz="1400" dirty="0" smtClean="0">
+                <a:latin typeface="나눔스퀘어 Bold" panose="020B0600000101010101" pitchFamily="50" charset="-127"/>
+                <a:ea typeface="나눔스퀘어 Bold" panose="020B0600000101010101" pitchFamily="50" charset="-127"/>
+              </a:rPr>
+              <a:t>method</a:t>
+            </a:r>
+            <a:r>
+              <a:rPr lang="ko-KR" altLang="en-US" sz="1400" dirty="0" smtClean="0">
+                <a:latin typeface="나눔스퀘어 Bold" panose="020B0600000101010101" pitchFamily="50" charset="-127"/>
+                <a:ea typeface="나눔스퀘어 Bold" panose="020B0600000101010101" pitchFamily="50" charset="-127"/>
+              </a:rPr>
+              <a:t>들은 </a:t>
+            </a:r>
+            <a:r>
+              <a:rPr lang="en-US" altLang="ko-KR" sz="1400" dirty="0" smtClean="0">
+                <a:latin typeface="나눔스퀘어 Bold" panose="020B0600000101010101" pitchFamily="50" charset="-127"/>
+                <a:ea typeface="나눔스퀘어 Bold" panose="020B0600000101010101" pitchFamily="50" charset="-127"/>
+              </a:rPr>
+              <a:t>global visual </a:t>
+            </a:r>
+            <a:r>
+              <a:rPr lang="ko-KR" altLang="en-US" sz="1400" dirty="0" smtClean="0">
+                <a:latin typeface="나눔스퀘어 Bold" panose="020B0600000101010101" pitchFamily="50" charset="-127"/>
+                <a:ea typeface="나눔스퀘어 Bold" panose="020B0600000101010101" pitchFamily="50" charset="-127"/>
+              </a:rPr>
+              <a:t>표현에만 집중해 </a:t>
+            </a:r>
+            <a:r>
+              <a:rPr lang="en-US" altLang="ko-KR" sz="1400" dirty="0" smtClean="0">
+                <a:latin typeface="나눔스퀘어 Bold" panose="020B0600000101010101" pitchFamily="50" charset="-127"/>
+                <a:ea typeface="나눔스퀘어 Bold" panose="020B0600000101010101" pitchFamily="50" charset="-127"/>
+              </a:rPr>
+              <a:t>specific region</a:t>
+            </a:r>
+            <a:r>
+              <a:rPr lang="ko-KR" altLang="en-US" sz="1400" dirty="0" smtClean="0">
+                <a:latin typeface="나눔스퀘어 Bold" panose="020B0600000101010101" pitchFamily="50" charset="-127"/>
+                <a:ea typeface="나눔스퀘어 Bold" panose="020B0600000101010101" pitchFamily="50" charset="-127"/>
+              </a:rPr>
+              <a:t>을 활용하지 못함</a:t>
+            </a:r>
+            <a:endParaRPr lang="en-US" altLang="ko-KR" sz="1400" dirty="0" smtClean="0">
+              <a:latin typeface="나눔스퀘어 Bold" panose="020B0600000101010101" pitchFamily="50" charset="-127"/>
+              <a:ea typeface="나눔스퀘어 Bold" panose="020B0600000101010101" pitchFamily="50" charset="-127"/>
+            </a:endParaRPr>
+          </a:p>
+        </p:txBody>
+      </p:sp>
+      <p:pic>
+        <p:nvPicPr>
+          <p:cNvPr id="2" name="그림 1"/>
+          <p:cNvPicPr>
+            <a:picLocks noChangeAspect="1"/>
+          </p:cNvPicPr>
+          <p:nvPr/>
+        </p:nvPicPr>
+        <p:blipFill>
+          <a:blip r:embed="rId2"/>
+          <a:stretch>
+            <a:fillRect/>
+          </a:stretch>
+        </p:blipFill>
+        <p:spPr>
+          <a:xfrm>
+            <a:off x="493712" y="3560424"/>
+            <a:ext cx="5145088" cy="2723437"/>
+          </a:xfrm>
+          <a:prstGeom prst="rect">
+            <a:avLst/>
+          </a:prstGeom>
+        </p:spPr>
+      </p:pic>
+    </p:spTree>
+    <p:extLst>
+      <p:ext uri="{BB962C8B-B14F-4D97-AF65-F5344CB8AC3E}">
+        <p14:creationId xmlns:p14="http://schemas.microsoft.com/office/powerpoint/2010/main" val="3800608617"/>
+      </p:ext>
+    </p:extLst>
+  </p:cSld>
+  <p:clrMapOvr>
+    <a:masterClrMapping/>
+  </p:clrMapOvr>
+  <p:timing>
+    <p:tnLst>
+      <p:par>
+        <p:cTn id="1" dur="indefinite" restart="never" nodeType="tmRoot"/>
+      </p:par>
+    </p:tnLst>
+  </p:timing>
+</p:sld>
+</file>
+
+<file path=ppt/slides/slide5.xml><?xml version="1.0" encoding="utf-8"?>
+<p:sld xmlns:a="http://schemas.openxmlformats.org/drawingml/2006/main" xmlns:r="http://schemas.openxmlformats.org/officeDocument/2006/relationships" xmlns:p="http://schemas.openxmlformats.org/presentationml/2006/main">
+  <p:cSld>
+    <p:spTree>
+      <p:nvGrpSpPr>
+        <p:cNvPr id="1" name=""/>
+        <p:cNvGrpSpPr/>
+        <p:nvPr/>
+      </p:nvGrpSpPr>
+      <p:grpSpPr>
+        <a:xfrm>
+          <a:off x="0" y="0"/>
+          <a:ext cx="0" cy="0"/>
+          <a:chOff x="0" y="0"/>
+          <a:chExt cx="0" cy="0"/>
+        </a:xfrm>
+      </p:grpSpPr>
+      <p:sp>
+        <p:nvSpPr>
+          <p:cNvPr id="12" name="TextBox 11">
+            <a:extLst>
+              <a:ext uri="{FF2B5EF4-FFF2-40B4-BE49-F238E27FC236}">
+                <a16:creationId xmlns:a16="http://schemas.microsoft.com/office/drawing/2014/main" id="{C7D7709E-206F-4B6B-9ABA-DCEDF98FB299}"/>
+              </a:ext>
+            </a:extLst>
+          </p:cNvPr>
+          <p:cNvSpPr txBox="1"/>
+          <p:nvPr/>
+        </p:nvSpPr>
+        <p:spPr>
+          <a:xfrm>
+            <a:off x="1204240" y="0"/>
+            <a:ext cx="9783520" cy="584775"/>
+          </a:xfrm>
+          <a:prstGeom prst="rect">
+            <a:avLst/>
+          </a:prstGeom>
+          <a:noFill/>
+        </p:spPr>
+        <p:txBody>
+          <a:bodyPr wrap="square" rtlCol="0">
+            <a:spAutoFit/>
+          </a:bodyPr>
+          <a:lstStyle/>
+          <a:p>
+            <a:pPr algn="ctr"/>
+            <a:r>
+              <a:rPr lang="en-US" altLang="ko-KR" sz="3200" dirty="0" smtClean="0">
+                <a:solidFill>
+                  <a:srgbClr val="212529"/>
+                </a:solidFill>
+                <a:latin typeface="나눔스퀘어 Bold" panose="020B0600000101010101" pitchFamily="50" charset="-127"/>
+                <a:ea typeface="나눔스퀘어 Bold" panose="020B0600000101010101" pitchFamily="50" charset="-127"/>
+              </a:rPr>
+              <a:t>1. Introduction</a:t>
+            </a:r>
+          </a:p>
+        </p:txBody>
+      </p:sp>
+      <p:sp>
+        <p:nvSpPr>
+          <p:cNvPr id="19" name="TextBox 18">
+            <a:extLst>
+              <a:ext uri="{FF2B5EF4-FFF2-40B4-BE49-F238E27FC236}">
+                <a16:creationId xmlns:a16="http://schemas.microsoft.com/office/drawing/2014/main" id="{6AEAE2E7-4604-4C30-96BA-7EDCD9641507}"/>
+              </a:ext>
+            </a:extLst>
+          </p:cNvPr>
+          <p:cNvSpPr txBox="1"/>
+          <p:nvPr/>
+        </p:nvSpPr>
+        <p:spPr>
+          <a:xfrm>
+            <a:off x="5638800" y="2930525"/>
+            <a:ext cx="65" cy="276999"/>
+          </a:xfrm>
+          <a:prstGeom prst="rect">
+            <a:avLst/>
+          </a:prstGeom>
+          <a:noFill/>
+        </p:spPr>
+        <p:txBody>
+          <a:bodyPr wrap="none" lIns="0" tIns="0" rIns="0" bIns="0" rtlCol="0">
+            <a:spAutoFit/>
+          </a:bodyPr>
+          <a:lstStyle/>
+          <a:p>
+            <a:endParaRPr lang="ko-KR" altLang="en-US" dirty="0"/>
+          </a:p>
+        </p:txBody>
+      </p:sp>
+      <p:sp>
+        <p:nvSpPr>
+          <p:cNvPr id="14" name="TextBox 13">
+            <a:extLst>
+              <a:ext uri="{FF2B5EF4-FFF2-40B4-BE49-F238E27FC236}">
+                <a16:creationId xmlns:a16="http://schemas.microsoft.com/office/drawing/2014/main" id="{43AD0F1D-18AC-4DEA-AACB-5FB085B6C455}"/>
+              </a:ext>
+            </a:extLst>
+          </p:cNvPr>
+          <p:cNvSpPr txBox="1"/>
+          <p:nvPr/>
+        </p:nvSpPr>
+        <p:spPr>
+          <a:xfrm>
+            <a:off x="5886446" y="4297288"/>
+            <a:ext cx="6207127" cy="1169551"/>
+          </a:xfrm>
+          <a:prstGeom prst="rect">
+            <a:avLst/>
+          </a:prstGeom>
+          <a:noFill/>
+        </p:spPr>
+        <p:txBody>
+          <a:bodyPr wrap="square" rtlCol="0">
+            <a:spAutoFit/>
+          </a:bodyPr>
+          <a:lstStyle/>
+          <a:p>
+            <a:pPr marL="285750" indent="-285750">
+              <a:buFont typeface="Wingdings" panose="05000000000000000000" pitchFamily="2" charset="2"/>
+              <a:buChar char="§"/>
+            </a:pPr>
+            <a:r>
+              <a:rPr lang="ko-KR" altLang="en-US" sz="1400" dirty="0" smtClean="0">
+                <a:latin typeface="나눔스퀘어 Bold" panose="020B0600000101010101" pitchFamily="50" charset="-127"/>
+                <a:ea typeface="나눔스퀘어 Bold" panose="020B0600000101010101" pitchFamily="50" charset="-127"/>
+              </a:rPr>
+              <a:t>또한 </a:t>
+            </a:r>
+            <a:r>
+              <a:rPr lang="en-US" altLang="ko-KR" sz="1400" dirty="0" smtClean="0">
+                <a:latin typeface="나눔스퀘어 Bold" panose="020B0600000101010101" pitchFamily="50" charset="-127"/>
+                <a:ea typeface="나눔스퀘어 Bold" panose="020B0600000101010101" pitchFamily="50" charset="-127"/>
+              </a:rPr>
+              <a:t>local prompt</a:t>
+            </a:r>
+            <a:r>
+              <a:rPr lang="ko-KR" altLang="en-US" sz="1400" dirty="0" smtClean="0">
+                <a:latin typeface="나눔스퀘어 Bold" panose="020B0600000101010101" pitchFamily="50" charset="-127"/>
+                <a:ea typeface="나눔스퀘어 Bold" panose="020B0600000101010101" pitchFamily="50" charset="-127"/>
+              </a:rPr>
+              <a:t>와 </a:t>
+            </a:r>
+            <a:r>
+              <a:rPr lang="en-US" altLang="ko-KR" sz="1400" dirty="0" smtClean="0">
+                <a:latin typeface="나눔스퀘어 Bold" panose="020B0600000101010101" pitchFamily="50" charset="-127"/>
+                <a:ea typeface="나눔스퀘어 Bold" panose="020B0600000101010101" pitchFamily="50" charset="-127"/>
+              </a:rPr>
+              <a:t>local region </a:t>
+            </a:r>
+            <a:r>
+              <a:rPr lang="ko-KR" altLang="en-US" sz="1400" dirty="0" smtClean="0">
+                <a:latin typeface="나눔스퀘어 Bold" panose="020B0600000101010101" pitchFamily="50" charset="-127"/>
+                <a:ea typeface="나눔스퀘어 Bold" panose="020B0600000101010101" pitchFamily="50" charset="-127"/>
+              </a:rPr>
+              <a:t>간의 </a:t>
+            </a:r>
+            <a:r>
+              <a:rPr lang="en-US" altLang="ko-KR" sz="1400" dirty="0" smtClean="0">
+                <a:latin typeface="나눔스퀘어 Bold" panose="020B0600000101010101" pitchFamily="50" charset="-127"/>
+                <a:ea typeface="나눔스퀘어 Bold" panose="020B0600000101010101" pitchFamily="50" charset="-127"/>
+              </a:rPr>
+              <a:t>sparse alignment</a:t>
+            </a:r>
+            <a:r>
+              <a:rPr lang="ko-KR" altLang="en-US" sz="1400" dirty="0" smtClean="0">
+                <a:latin typeface="나눔스퀘어 Bold" panose="020B0600000101010101" pitchFamily="50" charset="-127"/>
+                <a:ea typeface="나눔스퀘어 Bold" panose="020B0600000101010101" pitchFamily="50" charset="-127"/>
+              </a:rPr>
+              <a:t>와 </a:t>
+            </a:r>
+            <a:r>
+              <a:rPr lang="en-US" altLang="ko-KR" sz="1400" dirty="0" smtClean="0">
+                <a:latin typeface="나눔스퀘어 Bold" panose="020B0600000101010101" pitchFamily="50" charset="-127"/>
+                <a:ea typeface="나눔스퀘어 Bold" panose="020B0600000101010101" pitchFamily="50" charset="-127"/>
+              </a:rPr>
+              <a:t>linear projection</a:t>
+            </a:r>
+            <a:r>
+              <a:rPr lang="ko-KR" altLang="en-US" sz="1400" dirty="0" smtClean="0">
+                <a:latin typeface="나눔스퀘어 Bold" panose="020B0600000101010101" pitchFamily="50" charset="-127"/>
+                <a:ea typeface="나눔스퀘어 Bold" panose="020B0600000101010101" pitchFamily="50" charset="-127"/>
+              </a:rPr>
+              <a:t>을 제안해</a:t>
+            </a:r>
+            <a:r>
+              <a:rPr lang="en-US" altLang="ko-KR" sz="1400" dirty="0" smtClean="0">
+                <a:latin typeface="나눔스퀘어 Bold" panose="020B0600000101010101" pitchFamily="50" charset="-127"/>
+                <a:ea typeface="나눔스퀘어 Bold" panose="020B0600000101010101" pitchFamily="50" charset="-127"/>
+              </a:rPr>
+              <a:t>,</a:t>
+            </a:r>
+          </a:p>
+          <a:p>
+            <a:pPr marL="285750" indent="-285750">
+              <a:buFont typeface="Wingdings" panose="05000000000000000000" pitchFamily="2" charset="2"/>
+              <a:buChar char="§"/>
+            </a:pPr>
+            <a:endParaRPr lang="en-US" altLang="ko-KR" sz="1400" dirty="0">
+              <a:latin typeface="나눔스퀘어 Bold" panose="020B0600000101010101" pitchFamily="50" charset="-127"/>
+              <a:ea typeface="나눔스퀘어 Bold" panose="020B0600000101010101" pitchFamily="50" charset="-127"/>
+            </a:endParaRPr>
+          </a:p>
+          <a:p>
+            <a:pPr marL="285750" indent="-285750">
+              <a:buFont typeface="Wingdings" panose="05000000000000000000" pitchFamily="2" charset="2"/>
+              <a:buChar char="§"/>
+            </a:pPr>
+            <a:r>
+              <a:rPr lang="en-US" altLang="ko-KR" sz="1400" dirty="0" smtClean="0">
+                <a:latin typeface="나눔스퀘어 Bold" panose="020B0600000101010101" pitchFamily="50" charset="-127"/>
+                <a:ea typeface="나눔스퀘어 Bold" panose="020B0600000101010101" pitchFamily="50" charset="-127"/>
+              </a:rPr>
+              <a:t>fine-grained semantic</a:t>
+            </a:r>
+            <a:r>
+              <a:rPr lang="ko-KR" altLang="en-US" sz="1400" dirty="0" smtClean="0">
+                <a:latin typeface="나눔스퀘어 Bold" panose="020B0600000101010101" pitchFamily="50" charset="-127"/>
+                <a:ea typeface="나눔스퀘어 Bold" panose="020B0600000101010101" pitchFamily="50" charset="-127"/>
+              </a:rPr>
+              <a:t>을 학습하게 되고</a:t>
+            </a:r>
+            <a:r>
+              <a:rPr lang="en-US" altLang="ko-KR" sz="1400" dirty="0" smtClean="0">
+                <a:latin typeface="나눔스퀘어 Bold" panose="020B0600000101010101" pitchFamily="50" charset="-127"/>
+                <a:ea typeface="나눔스퀘어 Bold" panose="020B0600000101010101" pitchFamily="50" charset="-127"/>
+              </a:rPr>
+              <a:t>, text-to-image matching</a:t>
+            </a:r>
+            <a:r>
+              <a:rPr lang="ko-KR" altLang="en-US" sz="1400" dirty="0" smtClean="0">
+                <a:latin typeface="나눔스퀘어 Bold" panose="020B0600000101010101" pitchFamily="50" charset="-127"/>
+                <a:ea typeface="나눔스퀘어 Bold" panose="020B0600000101010101" pitchFamily="50" charset="-127"/>
+              </a:rPr>
+              <a:t>도 개선했음</a:t>
+            </a:r>
+            <a:endParaRPr lang="en-US" altLang="ko-KR" sz="1400" dirty="0" smtClean="0">
+              <a:latin typeface="나눔스퀘어 Bold" panose="020B0600000101010101" pitchFamily="50" charset="-127"/>
+              <a:ea typeface="나눔스퀘어 Bold" panose="020B0600000101010101" pitchFamily="50" charset="-127"/>
+            </a:endParaRPr>
+          </a:p>
+        </p:txBody>
+      </p:sp>
+      <p:sp>
+        <p:nvSpPr>
+          <p:cNvPr id="10" name="TextBox 9">
+            <a:extLst>
+              <a:ext uri="{FF2B5EF4-FFF2-40B4-BE49-F238E27FC236}">
+                <a16:creationId xmlns:a16="http://schemas.microsoft.com/office/drawing/2014/main" id="{9922EEF6-C41D-4EED-AAFA-E7D60D60CE65}"/>
+              </a:ext>
+            </a:extLst>
+          </p:cNvPr>
+          <p:cNvSpPr txBox="1"/>
+          <p:nvPr/>
+        </p:nvSpPr>
+        <p:spPr>
+          <a:xfrm>
+            <a:off x="5886445" y="1518026"/>
+            <a:ext cx="6207127" cy="1169551"/>
+          </a:xfrm>
+          <a:prstGeom prst="rect">
+            <a:avLst/>
+          </a:prstGeom>
+          <a:noFill/>
+        </p:spPr>
+        <p:txBody>
+          <a:bodyPr wrap="square" rtlCol="0">
+            <a:spAutoFit/>
+          </a:bodyPr>
+          <a:lstStyle/>
+          <a:p>
+            <a:pPr marL="285750" indent="-285750">
+              <a:buFont typeface="Wingdings" panose="05000000000000000000" pitchFamily="2" charset="2"/>
+              <a:buChar char="§"/>
+            </a:pPr>
+            <a:r>
+              <a:rPr lang="en-US" altLang="ko-KR" sz="1400" dirty="0" err="1" smtClean="0">
+                <a:latin typeface="나눔스퀘어 Bold" panose="020B0600000101010101" pitchFamily="50" charset="-127"/>
+                <a:ea typeface="나눔스퀘어 Bold" panose="020B0600000101010101" pitchFamily="50" charset="-127"/>
+              </a:rPr>
+              <a:t>GalLoP</a:t>
+            </a:r>
+            <a:r>
+              <a:rPr lang="en-US" altLang="ko-KR" sz="1400" dirty="0" smtClean="0">
+                <a:latin typeface="나눔스퀘어 Bold" panose="020B0600000101010101" pitchFamily="50" charset="-127"/>
+                <a:ea typeface="나눔스퀘어 Bold" panose="020B0600000101010101" pitchFamily="50" charset="-127"/>
+              </a:rPr>
+              <a:t> method</a:t>
+            </a:r>
+            <a:r>
+              <a:rPr lang="ko-KR" altLang="en-US" sz="1400" dirty="0" smtClean="0">
+                <a:latin typeface="나눔스퀘어 Bold" panose="020B0600000101010101" pitchFamily="50" charset="-127"/>
+                <a:ea typeface="나눔스퀘어 Bold" panose="020B0600000101010101" pitchFamily="50" charset="-127"/>
+              </a:rPr>
+              <a:t>는 </a:t>
+            </a:r>
+            <a:r>
+              <a:rPr lang="en-US" altLang="ko-KR" sz="1400" dirty="0" smtClean="0">
+                <a:latin typeface="나눔스퀘어 Bold" panose="020B0600000101010101" pitchFamily="50" charset="-127"/>
+                <a:ea typeface="나눔스퀘어 Bold" panose="020B0600000101010101" pitchFamily="50" charset="-127"/>
+              </a:rPr>
+              <a:t>global, local visual representation</a:t>
+            </a:r>
+            <a:r>
+              <a:rPr lang="ko-KR" altLang="en-US" sz="1400" dirty="0" smtClean="0">
+                <a:latin typeface="나눔스퀘어 Bold" panose="020B0600000101010101" pitchFamily="50" charset="-127"/>
+                <a:ea typeface="나눔스퀘어 Bold" panose="020B0600000101010101" pitchFamily="50" charset="-127"/>
+              </a:rPr>
+              <a:t>을 모두 활용하며</a:t>
+            </a:r>
+            <a:r>
+              <a:rPr lang="en-US" altLang="ko-KR" sz="1400" dirty="0" smtClean="0">
+                <a:latin typeface="나눔스퀘어 Bold" panose="020B0600000101010101" pitchFamily="50" charset="-127"/>
+                <a:ea typeface="나눔스퀘어 Bold" panose="020B0600000101010101" pitchFamily="50" charset="-127"/>
+              </a:rPr>
+              <a:t>,</a:t>
+            </a:r>
+          </a:p>
+          <a:p>
+            <a:pPr marL="285750" indent="-285750">
+              <a:buFont typeface="Wingdings" panose="05000000000000000000" pitchFamily="2" charset="2"/>
+              <a:buChar char="§"/>
+            </a:pPr>
+            <a:endParaRPr lang="en-US" altLang="ko-KR" sz="1400" dirty="0">
+              <a:latin typeface="나눔스퀘어 Bold" panose="020B0600000101010101" pitchFamily="50" charset="-127"/>
+              <a:ea typeface="나눔스퀘어 Bold" panose="020B0600000101010101" pitchFamily="50" charset="-127"/>
+            </a:endParaRPr>
+          </a:p>
+          <a:p>
+            <a:pPr marL="285750" indent="-285750">
+              <a:buFont typeface="Wingdings" panose="05000000000000000000" pitchFamily="2" charset="2"/>
+              <a:buChar char="§"/>
+            </a:pPr>
+            <a:r>
+              <a:rPr lang="en-US" altLang="ko-KR" sz="1400" dirty="0" smtClean="0">
+                <a:latin typeface="나눔스퀘어 Bold" panose="020B0600000101010101" pitchFamily="50" charset="-127"/>
+                <a:ea typeface="나눔스퀘어 Bold" panose="020B0600000101010101" pitchFamily="50" charset="-127"/>
+              </a:rPr>
+              <a:t>prompt dropout, multiscale strategy</a:t>
+            </a:r>
+            <a:r>
+              <a:rPr lang="ko-KR" altLang="en-US" sz="1400" dirty="0" smtClean="0">
+                <a:latin typeface="나눔스퀘어 Bold" panose="020B0600000101010101" pitchFamily="50" charset="-127"/>
+                <a:ea typeface="나눔스퀘어 Bold" panose="020B0600000101010101" pitchFamily="50" charset="-127"/>
+              </a:rPr>
+              <a:t>를 제안해 </a:t>
+            </a:r>
+            <a:r>
+              <a:rPr lang="en-US" altLang="ko-KR" sz="1400" dirty="0" smtClean="0">
+                <a:latin typeface="나눔스퀘어 Bold" panose="020B0600000101010101" pitchFamily="50" charset="-127"/>
+                <a:ea typeface="나눔스퀘어 Bold" panose="020B0600000101010101" pitchFamily="50" charset="-127"/>
+              </a:rPr>
+              <a:t>prompt diversity</a:t>
+            </a:r>
+            <a:r>
+              <a:rPr lang="ko-KR" altLang="en-US" sz="1400" dirty="0" smtClean="0">
+                <a:latin typeface="나눔스퀘어 Bold" panose="020B0600000101010101" pitchFamily="50" charset="-127"/>
+                <a:ea typeface="나눔스퀘어 Bold" panose="020B0600000101010101" pitchFamily="50" charset="-127"/>
+              </a:rPr>
+              <a:t>를 얻음</a:t>
+            </a:r>
+            <a:endParaRPr lang="en-US" altLang="ko-KR" sz="1400" dirty="0" smtClean="0">
+              <a:latin typeface="나눔스퀘어 Bold" panose="020B0600000101010101" pitchFamily="50" charset="-127"/>
+              <a:ea typeface="나눔스퀘어 Bold" panose="020B0600000101010101" pitchFamily="50" charset="-127"/>
+            </a:endParaRPr>
+          </a:p>
+        </p:txBody>
+      </p:sp>
+      <p:pic>
+        <p:nvPicPr>
+          <p:cNvPr id="3" name="그림 2"/>
+          <p:cNvPicPr>
+            <a:picLocks noChangeAspect="1"/>
+          </p:cNvPicPr>
+          <p:nvPr/>
+        </p:nvPicPr>
+        <p:blipFill>
+          <a:blip r:embed="rId2"/>
+          <a:stretch>
+            <a:fillRect/>
+          </a:stretch>
+        </p:blipFill>
+        <p:spPr>
+          <a:xfrm>
+            <a:off x="258762" y="1464051"/>
+            <a:ext cx="5627683" cy="4226208"/>
+          </a:xfrm>
+          <a:prstGeom prst="rect">
+            <a:avLst/>
+          </a:prstGeom>
+        </p:spPr>
+      </p:pic>
+    </p:spTree>
+    <p:extLst>
+      <p:ext uri="{BB962C8B-B14F-4D97-AF65-F5344CB8AC3E}">
+        <p14:creationId xmlns:p14="http://schemas.microsoft.com/office/powerpoint/2010/main" val="2464666971"/>
+      </p:ext>
+    </p:extLst>
+  </p:cSld>
+  <p:clrMapOvr>
+    <a:masterClrMapping/>
+  </p:clrMapOvr>
+  <p:timing>
+    <p:tnLst>
+      <p:par>
+        <p:cTn id="1" dur="indefinite" restart="never" nodeType="tmRoot"/>
+      </p:par>
+    </p:tnLst>
+  </p:timing>
+</p:sld>
+</file>
+
+<file path=ppt/slides/slide6.xml><?xml version="1.0" encoding="utf-8"?>
+<p:sld xmlns:a="http://schemas.openxmlformats.org/drawingml/2006/main" xmlns:r="http://schemas.openxmlformats.org/officeDocument/2006/relationships" xmlns:p="http://schemas.openxmlformats.org/presentationml/2006/main">
+  <p:cSld>
+    <p:spTree>
+      <p:nvGrpSpPr>
+        <p:cNvPr id="1" name=""/>
+        <p:cNvGrpSpPr/>
+        <p:nvPr/>
+      </p:nvGrpSpPr>
+      <p:grpSpPr>
+        <a:xfrm>
+          <a:off x="0" y="0"/>
+          <a:ext cx="0" cy="0"/>
+          <a:chOff x="0" y="0"/>
+          <a:chExt cx="0" cy="0"/>
+        </a:xfrm>
+      </p:grpSpPr>
+      <p:sp>
+        <p:nvSpPr>
+          <p:cNvPr id="12" name="TextBox 11">
+            <a:extLst>
+              <a:ext uri="{FF2B5EF4-FFF2-40B4-BE49-F238E27FC236}">
+                <a16:creationId xmlns:a16="http://schemas.microsoft.com/office/drawing/2014/main" id="{C7D7709E-206F-4B6B-9ABA-DCEDF98FB299}"/>
+              </a:ext>
+            </a:extLst>
+          </p:cNvPr>
+          <p:cNvSpPr txBox="1"/>
+          <p:nvPr/>
+        </p:nvSpPr>
+        <p:spPr>
+          <a:xfrm>
+            <a:off x="0" y="0"/>
+            <a:ext cx="12192000" cy="584775"/>
+          </a:xfrm>
+          <a:prstGeom prst="rect">
+            <a:avLst/>
+          </a:prstGeom>
+          <a:noFill/>
+        </p:spPr>
+        <p:txBody>
+          <a:bodyPr wrap="square" rtlCol="0">
+            <a:spAutoFit/>
+          </a:bodyPr>
+          <a:lstStyle/>
+          <a:p>
+            <a:pPr algn="ctr"/>
+            <a:r>
+              <a:rPr lang="en-US" altLang="ko-KR" sz="3200" dirty="0" smtClean="0">
+                <a:solidFill>
+                  <a:srgbClr val="212529"/>
+                </a:solidFill>
+                <a:latin typeface="나눔스퀘어 Bold" panose="020B0600000101010101" pitchFamily="50" charset="-127"/>
+                <a:ea typeface="나눔스퀘어 Bold" panose="020B0600000101010101" pitchFamily="50" charset="-127"/>
+              </a:rPr>
+              <a:t>3. Combining global and local prompts with </a:t>
+            </a:r>
+            <a:r>
+              <a:rPr lang="en-US" altLang="ko-KR" sz="3200" dirty="0" err="1" smtClean="0">
+                <a:solidFill>
+                  <a:srgbClr val="212529"/>
+                </a:solidFill>
+                <a:latin typeface="나눔스퀘어 Bold" panose="020B0600000101010101" pitchFamily="50" charset="-127"/>
+                <a:ea typeface="나눔스퀘어 Bold" panose="020B0600000101010101" pitchFamily="50" charset="-127"/>
+              </a:rPr>
+              <a:t>GalLoP</a:t>
+            </a:r>
+            <a:endParaRPr lang="en-US" altLang="ko-KR" sz="3200" dirty="0" smtClean="0">
+              <a:solidFill>
+                <a:srgbClr val="212529"/>
+              </a:solidFill>
+              <a:latin typeface="나눔스퀘어 Bold" panose="020B0600000101010101" pitchFamily="50" charset="-127"/>
+              <a:ea typeface="나눔스퀘어 Bold" panose="020B0600000101010101" pitchFamily="50" charset="-127"/>
+            </a:endParaRPr>
+          </a:p>
+        </p:txBody>
+      </p:sp>
+      <p:sp>
+        <p:nvSpPr>
+          <p:cNvPr id="19" name="TextBox 18">
+            <a:extLst>
+              <a:ext uri="{FF2B5EF4-FFF2-40B4-BE49-F238E27FC236}">
+                <a16:creationId xmlns:a16="http://schemas.microsoft.com/office/drawing/2014/main" id="{6AEAE2E7-4604-4C30-96BA-7EDCD9641507}"/>
+              </a:ext>
+            </a:extLst>
+          </p:cNvPr>
+          <p:cNvSpPr txBox="1"/>
+          <p:nvPr/>
+        </p:nvSpPr>
+        <p:spPr>
+          <a:xfrm>
+            <a:off x="5638800" y="2930525"/>
+            <a:ext cx="65" cy="276999"/>
+          </a:xfrm>
+          <a:prstGeom prst="rect">
+            <a:avLst/>
+          </a:prstGeom>
+          <a:noFill/>
+        </p:spPr>
+        <p:txBody>
+          <a:bodyPr wrap="none" lIns="0" tIns="0" rIns="0" bIns="0" rtlCol="0">
+            <a:spAutoFit/>
+          </a:bodyPr>
+          <a:lstStyle/>
+          <a:p>
+            <a:endParaRPr lang="ko-KR" altLang="en-US" dirty="0"/>
+          </a:p>
+        </p:txBody>
+      </p:sp>
+      <mc:AlternateContent xmlns:mc="http://schemas.openxmlformats.org/markup-compatibility/2006" xmlns:a14="http://schemas.microsoft.com/office/drawing/2010/main">
+        <mc:Choice Requires="a14">
           <p:sp>
             <p:nvSpPr>
               <p:cNvPr id="14" name="TextBox 13">
@@ -9512,8 +12891,8 @@
             </p:nvSpPr>
             <p:spPr>
               <a:xfrm>
-                <a:off x="5886445" y="3696039"/>
-                <a:ext cx="6207127" cy="2031325"/>
+                <a:off x="5886445" y="3472865"/>
+                <a:ext cx="6207127" cy="2677656"/>
               </a:xfrm>
               <a:prstGeom prst="rect">
                 <a:avLst/>
@@ -9538,28 +12917,28 @@
                   <a:t>local prompt</a:t>
                 </a:r>
                 <a:r>
-                  <a:rPr lang="ko-KR" altLang="en-US" sz="1400" dirty="0" smtClean="0">
+                  <a:rPr lang="ko-KR" altLang="en-US" sz="1400" dirty="0">
                     <a:latin typeface="나눔스퀘어 Bold" panose="020B0600000101010101" pitchFamily="50" charset="-127"/>
                     <a:ea typeface="나눔스퀘어 Bold" panose="020B0600000101010101" pitchFamily="50" charset="-127"/>
                   </a:rPr>
                   <a:t>의 경우</a:t>
                 </a:r>
                 <a:r>
-                  <a:rPr lang="en-US" altLang="ko-KR" sz="1400" dirty="0" smtClean="0">
+                  <a:rPr lang="en-US" altLang="ko-KR" sz="1400" dirty="0">
                     <a:latin typeface="나눔스퀘어 Bold" panose="020B0600000101010101" pitchFamily="50" charset="-127"/>
                     <a:ea typeface="나눔스퀘어 Bold" panose="020B0600000101010101" pitchFamily="50" charset="-127"/>
                   </a:rPr>
                   <a:t>, L</a:t>
                 </a:r>
                 <a:r>
-                  <a:rPr lang="ko-KR" altLang="en-US" sz="1400" dirty="0" smtClean="0">
+                  <a:rPr lang="ko-KR" altLang="en-US" sz="1400" dirty="0">
                     <a:latin typeface="나눔스퀘어 Bold" panose="020B0600000101010101" pitchFamily="50" charset="-127"/>
                     <a:ea typeface="나눔스퀘어 Bold" panose="020B0600000101010101" pitchFamily="50" charset="-127"/>
                   </a:rPr>
                   <a:t>개의 </a:t>
                 </a:r>
                 <a:r>
-                  <a:rPr lang="en-US" altLang="ko-KR" sz="1400" dirty="0" smtClean="0">
+                  <a:rPr lang="en-US" altLang="ko-KR" sz="1400" dirty="0">
                     <a:latin typeface="나눔스퀘어 Bold" panose="020B0600000101010101" pitchFamily="50" charset="-127"/>
                     <a:ea typeface="나눔스퀘어 Bold" panose="020B0600000101010101" pitchFamily="50" charset="-127"/>
                   </a:rPr>
@@ -9598,74 +12977,132 @@
                   </m:oMath>
                 </a14:m>
                 <a:r>
+                  <a:rPr lang="ko-KR" altLang="en-US" sz="1400" dirty="0" smtClean="0">
+                    <a:latin typeface="나눔스퀘어 Bold" panose="020B0600000101010101" pitchFamily="50" charset="-127"/>
+                    <a:ea typeface="나눔스퀘어 Bold" panose="020B0600000101010101" pitchFamily="50" charset="-127"/>
+                  </a:rPr>
+                  <a:t>중 </a:t>
+                </a:r>
+                <a:r>
+                  <a:rPr lang="en-US" altLang="ko-KR" sz="1400" dirty="0">
+                    <a:latin typeface="나눔스퀘어 Bold" panose="020B0600000101010101" pitchFamily="50" charset="-127"/>
+                    <a:ea typeface="나눔스퀘어 Bold" panose="020B0600000101010101" pitchFamily="50" charset="-127"/>
+                  </a:rPr>
+                  <a:t>similarity</a:t>
+                </a:r>
+                <a:r>
+                  <a:rPr lang="ko-KR" altLang="en-US" sz="1400" dirty="0">
+                    <a:latin typeface="나눔스퀘어 Bold" panose="020B0600000101010101" pitchFamily="50" charset="-127"/>
+                    <a:ea typeface="나눔스퀘어 Bold" panose="020B0600000101010101" pitchFamily="50" charset="-127"/>
+                  </a:rPr>
+                  <a:t>가 높은 </a:t>
+                </a:r>
+                <a:r>
+                  <a:rPr lang="en-US" altLang="ko-KR" sz="1400" dirty="0">
+                    <a:latin typeface="나눔스퀘어 Bold" panose="020B0600000101010101" pitchFamily="50" charset="-127"/>
+                    <a:ea typeface="나눔스퀘어 Bold" panose="020B0600000101010101" pitchFamily="50" charset="-127"/>
+                  </a:rPr>
+                  <a:t>top-k local feature</a:t>
+                </a:r>
+                <a:r>
+                  <a:rPr lang="ko-KR" altLang="en-US" sz="1400" dirty="0">
+                    <a:latin typeface="나눔스퀘어 Bold" panose="020B0600000101010101" pitchFamily="50" charset="-127"/>
+                    <a:ea typeface="나눔스퀘어 Bold" panose="020B0600000101010101" pitchFamily="50" charset="-127"/>
+                  </a:rPr>
+                  <a:t>와의 </a:t>
+                </a:r>
+                <a:r>
+                  <a:rPr lang="en-US" altLang="ko-KR" sz="1400" dirty="0">
+                    <a:latin typeface="나눔스퀘어 Bold" panose="020B0600000101010101" pitchFamily="50" charset="-127"/>
+                    <a:ea typeface="나눔스퀘어 Bold" panose="020B0600000101010101" pitchFamily="50" charset="-127"/>
+                  </a:rPr>
+                  <a:t>average similarity</a:t>
+                </a:r>
+                <a:r>
+                  <a:rPr lang="ko-KR" altLang="en-US" sz="1400" dirty="0">
+                    <a:latin typeface="나눔스퀘어 Bold" panose="020B0600000101010101" pitchFamily="50" charset="-127"/>
+                    <a:ea typeface="나눔스퀘어 Bold" panose="020B0600000101010101" pitchFamily="50" charset="-127"/>
+                  </a:rPr>
+                  <a:t>를 사용하는 </a:t>
+                </a:r>
+                <a:r>
+                  <a:rPr lang="en-US" altLang="ko-KR" sz="1400" dirty="0">
+                    <a:latin typeface="나눔스퀘어 Bold" panose="020B0600000101010101" pitchFamily="50" charset="-127"/>
+                    <a:ea typeface="나눔스퀘어 Bold" panose="020B0600000101010101" pitchFamily="50" charset="-127"/>
+                  </a:rPr>
+                  <a:t>sparse strategy</a:t>
+                </a:r>
+                <a:r>
+                  <a:rPr lang="ko-KR" altLang="en-US" sz="1400" dirty="0">
+                    <a:latin typeface="나눔스퀘어 Bold" panose="020B0600000101010101" pitchFamily="50" charset="-127"/>
+                    <a:ea typeface="나눔스퀘어 Bold" panose="020B0600000101010101" pitchFamily="50" charset="-127"/>
+                  </a:rPr>
+                  <a:t>를 적용하므로</a:t>
+                </a:r>
+                <a:r>
                   <a:rPr lang="en-US" altLang="ko-KR" sz="1400" dirty="0" smtClean="0">
                     <a:latin typeface="나눔스퀘어 Bold" panose="020B0600000101010101" pitchFamily="50" charset="-127"/>
                     <a:ea typeface="나눔스퀘어 Bold" panose="020B0600000101010101" pitchFamily="50" charset="-127"/>
                   </a:rPr>
-                  <a:t> </a:t>
+                  <a:t>,</a:t>
+                </a:r>
+              </a:p>
+              <a:p>
+                <a:pPr marL="285750" indent="-285750">
+                  <a:buFont typeface="Wingdings" panose="05000000000000000000" pitchFamily="2" charset="2"/>
+                  <a:buChar char="§"/>
+                </a:pPr>
+                <a:endParaRPr lang="en-US" altLang="ko-KR" sz="1400" dirty="0">
+                  <a:latin typeface="나눔스퀘어 Bold" panose="020B0600000101010101" pitchFamily="50" charset="-127"/>
+                  <a:ea typeface="나눔스퀘어 Bold" panose="020B0600000101010101" pitchFamily="50" charset="-127"/>
+                </a:endParaRPr>
+              </a:p>
+              <a:p>
+                <a:pPr marL="285750" indent="-285750">
+                  <a:buFont typeface="Wingdings" panose="05000000000000000000" pitchFamily="2" charset="2"/>
+                  <a:buChar char="§"/>
+                </a:pPr>
+                <a:r>
+                  <a:rPr lang="en-US" altLang="ko-KR" sz="1400" dirty="0" smtClean="0">
+                    <a:latin typeface="나눔스퀘어 Bold" panose="020B0600000101010101" pitchFamily="50" charset="-127"/>
+                    <a:ea typeface="나눔스퀘어 Bold" panose="020B0600000101010101" pitchFamily="50" charset="-127"/>
+                  </a:rPr>
+                  <a:t>irrelevant</a:t>
+                </a:r>
+                <a:r>
+                  <a:rPr lang="en-US" altLang="ko-KR" sz="1400" dirty="0">
+                    <a:latin typeface="나눔스퀘어 Bold" panose="020B0600000101010101" pitchFamily="50" charset="-127"/>
+                    <a:ea typeface="나눔스퀘어 Bold" panose="020B0600000101010101" pitchFamily="50" charset="-127"/>
+                  </a:rPr>
+                  <a:t>, background feature</a:t>
+                </a:r>
+                <a:r>
+                  <a:rPr lang="ko-KR" altLang="en-US" sz="1400" dirty="0">
+                    <a:latin typeface="나눔스퀘어 Bold" panose="020B0600000101010101" pitchFamily="50" charset="-127"/>
+                    <a:ea typeface="나눔스퀘어 Bold" panose="020B0600000101010101" pitchFamily="50" charset="-127"/>
+                  </a:rPr>
+                  <a:t>의 영향을 제거하고 </a:t>
+                </a:r>
+                <a:r>
+                  <a:rPr lang="en-US" altLang="ko-KR" sz="1400" dirty="0">
+                    <a:latin typeface="나눔스퀘어 Bold" panose="020B0600000101010101" pitchFamily="50" charset="-127"/>
+                    <a:ea typeface="나눔스퀘어 Bold" panose="020B0600000101010101" pitchFamily="50" charset="-127"/>
+                  </a:rPr>
+                  <a:t>class semantic feature</a:t>
+                </a:r>
+                <a:r>
+                  <a:rPr lang="ko-KR" altLang="en-US" sz="1400" dirty="0">
+                    <a:latin typeface="나눔스퀘어 Bold" panose="020B0600000101010101" pitchFamily="50" charset="-127"/>
+                    <a:ea typeface="나눔스퀘어 Bold" panose="020B0600000101010101" pitchFamily="50" charset="-127"/>
+                  </a:rPr>
+                  <a:t>에 집중하게 </a:t>
                 </a:r>
                 <a:r>
                   <a:rPr lang="ko-KR" altLang="en-US" sz="1400" dirty="0" smtClean="0">
                     <a:latin typeface="나눔스퀘어 Bold" panose="020B0600000101010101" pitchFamily="50" charset="-127"/>
                     <a:ea typeface="나눔스퀘어 Bold" panose="020B0600000101010101" pitchFamily="50" charset="-127"/>
                   </a:rPr>
-                  <a:t>중 </a:t>
-                </a:r>
-                <a:r>
-                  <a:rPr lang="en-US" altLang="ko-KR" sz="1400" dirty="0" smtClean="0">
-                    <a:latin typeface="나눔스퀘어 Bold" panose="020B0600000101010101" pitchFamily="50" charset="-127"/>
-                    <a:ea typeface="나눔스퀘어 Bold" panose="020B0600000101010101" pitchFamily="50" charset="-127"/>
-                  </a:rPr>
-                  <a:t>similarity</a:t>
-                </a:r>
-                <a:r>
-                  <a:rPr lang="ko-KR" altLang="en-US" sz="1400" dirty="0" smtClean="0">
-                    <a:latin typeface="나눔스퀘어 Bold" panose="020B0600000101010101" pitchFamily="50" charset="-127"/>
-                    <a:ea typeface="나눔스퀘어 Bold" panose="020B0600000101010101" pitchFamily="50" charset="-127"/>
-                  </a:rPr>
-                  <a:t>가 높은 </a:t>
-                </a:r>
-                <a:r>
-                  <a:rPr lang="en-US" altLang="ko-KR" sz="1400" dirty="0" smtClean="0">
-                    <a:latin typeface="나눔스퀘어 Bold" panose="020B0600000101010101" pitchFamily="50" charset="-127"/>
-                    <a:ea typeface="나눔스퀘어 Bold" panose="020B0600000101010101" pitchFamily="50" charset="-127"/>
-                  </a:rPr>
-                  <a:t>top-k local feature</a:t>
-                </a:r>
-                <a:r>
-                  <a:rPr lang="ko-KR" altLang="en-US" sz="1400" dirty="0" smtClean="0">
-                    <a:latin typeface="나눔스퀘어 Bold" panose="020B0600000101010101" pitchFamily="50" charset="-127"/>
-                    <a:ea typeface="나눔스퀘어 Bold" panose="020B0600000101010101" pitchFamily="50" charset="-127"/>
-                  </a:rPr>
-                  <a:t>와의 </a:t>
-                </a:r>
-                <a:r>
-                  <a:rPr lang="en-US" altLang="ko-KR" sz="1400" dirty="0" smtClean="0">
-                    <a:latin typeface="나눔스퀘어 Bold" panose="020B0600000101010101" pitchFamily="50" charset="-127"/>
-                    <a:ea typeface="나눔스퀘어 Bold" panose="020B0600000101010101" pitchFamily="50" charset="-127"/>
-                  </a:rPr>
-                  <a:t>average similarity</a:t>
-                </a:r>
-                <a:r>
-                  <a:rPr lang="ko-KR" altLang="en-US" sz="1400" dirty="0" smtClean="0">
-                    <a:latin typeface="나눔스퀘어 Bold" panose="020B0600000101010101" pitchFamily="50" charset="-127"/>
-                    <a:ea typeface="나눔스퀘어 Bold" panose="020B0600000101010101" pitchFamily="50" charset="-127"/>
-                  </a:rPr>
-                  <a:t>를 사용하는 </a:t>
-                </a:r>
-                <a:r>
-                  <a:rPr lang="en-US" altLang="ko-KR" sz="1400" dirty="0" smtClean="0">
-                    <a:latin typeface="나눔스퀘어 Bold" panose="020B0600000101010101" pitchFamily="50" charset="-127"/>
-                    <a:ea typeface="나눔스퀘어 Bold" panose="020B0600000101010101" pitchFamily="50" charset="-127"/>
-                  </a:rPr>
-                  <a:t>sparse strategy</a:t>
-                </a:r>
-                <a:r>
-                  <a:rPr lang="ko-KR" altLang="en-US" sz="1400" dirty="0" smtClean="0">
-                    <a:latin typeface="나눔스퀘어 Bold" panose="020B0600000101010101" pitchFamily="50" charset="-127"/>
-                    <a:ea typeface="나눔스퀘어 Bold" panose="020B0600000101010101" pitchFamily="50" charset="-127"/>
-                  </a:rPr>
-                  <a:t>를 적용함</a:t>
+                  <a:t>됨</a:t>
                 </a:r>
                 <a:endParaRPr lang="en-US" altLang="ko-KR" sz="1400" dirty="0" smtClean="0">
                   <a:latin typeface="나눔스퀘어 Bold" panose="020B0600000101010101" pitchFamily="50" charset="-127"/>
@@ -9834,7 +13271,7 @@
                     <a:latin typeface="나눔스퀘어 Bold" panose="020B0600000101010101" pitchFamily="50" charset="-127"/>
                     <a:ea typeface="나눔스퀘어 Bold" panose="020B0600000101010101" pitchFamily="50" charset="-127"/>
                   </a:rPr>
-                  <a:t>local visual feature</a:t>
+                  <a:t>local feature</a:t>
                 </a:r>
                 <a:r>
                   <a:rPr lang="ko-KR" altLang="en-US" sz="1400" dirty="0" smtClean="0">
@@ -9879,7 +13316,7 @@
             </p:txBody>
           </p:sp>
         </mc:Choice>
-        <mc:Fallback>
+        <mc:Fallback xmlns="">
           <p:sp>
             <p:nvSpPr>
               <p:cNvPr id="14" name="TextBox 13">
@@ -9896,8 +13333,8 @@
             </p:nvSpPr>
             <p:spPr>
               <a:xfrm>
-                <a:off x="5886445" y="3696039"/>
-                <a:ext cx="6207127" cy="2031325"/>
+                <a:off x="5886445" y="3472865"/>
+                <a:ext cx="6207127" cy="2677656"/>
               </a:xfrm>
               <a:prstGeom prst="rect">
                 <a:avLst/>
@@ -9905,7 +13342,7 @@
               <a:blipFill>
                 <a:blip r:embed="rId2"/>
                 <a:stretch>
-                  <a:fillRect l="-196" t="-299" r="-196" b="-2096"/>
+                  <a:fillRect l="-196" t="-456" r="-196" b="-1367"/>
                 </a:stretch>
               </a:blipFill>
             </p:spPr>
@@ -9924,8 +13361,8 @@
           </p:sp>
         </mc:Fallback>
       </mc:AlternateContent>
-      <mc:AlternateContent xmlns:mc="http://schemas.openxmlformats.org/markup-compatibility/2006">
-        <mc:Choice xmlns:a14="http://schemas.microsoft.com/office/drawing/2010/main" Requires="a14">
+      <mc:AlternateContent xmlns:mc="http://schemas.openxmlformats.org/markup-compatibility/2006" xmlns:a14="http://schemas.microsoft.com/office/drawing/2010/main">
+        <mc:Choice Requires="a14">
           <p:sp>
             <p:nvSpPr>
               <p:cNvPr id="10" name="TextBox 9">
@@ -10026,14 +13463,7 @@
                     <a:latin typeface="나눔스퀘어 Bold" panose="020B0600000101010101" pitchFamily="50" charset="-127"/>
                     <a:ea typeface="나눔스퀘어 Bold" panose="020B0600000101010101" pitchFamily="50" charset="-127"/>
                   </a:rPr>
-                  <a:t>를 </a:t>
-                </a:r>
-                <a:r>
-                  <a:rPr lang="ko-KR" altLang="en-US" sz="1400" dirty="0" smtClean="0">
-                    <a:latin typeface="나눔스퀘어 Bold" panose="020B0600000101010101" pitchFamily="50" charset="-127"/>
-                    <a:ea typeface="나눔스퀘어 Bold" panose="020B0600000101010101" pitchFamily="50" charset="-127"/>
-                  </a:rPr>
-                  <a:t>학습함</a:t>
+                  <a:t>를 학습함</a:t>
                 </a:r>
                 <a:endParaRPr lang="en-US" altLang="ko-KR" sz="1400" dirty="0" smtClean="0">
                   <a:latin typeface="나눔스퀘어 Bold" panose="020B0600000101010101" pitchFamily="50" charset="-127"/>
@@ -10074,7 +13504,7 @@
                     <a:latin typeface="나눔스퀘어 Bold" panose="020B0600000101010101" pitchFamily="50" charset="-127"/>
                     <a:ea typeface="나눔스퀘어 Bold" panose="020B0600000101010101" pitchFamily="50" charset="-127"/>
                   </a:rPr>
-                  <a:t>는 기존 </a:t>
+                  <a:t>는 </a:t>
                 </a:r>
                 <a:r>
                   <a:rPr lang="en-US" altLang="ko-KR" sz="1400" dirty="0" smtClean="0">
@@ -10158,7 +13588,7 @@
             </p:txBody>
           </p:sp>
         </mc:Choice>
-        <mc:Fallback>
+        <mc:Fallback xmlns="">
           <p:sp>
             <p:nvSpPr>
               <p:cNvPr id="10" name="TextBox 9">
@@ -10318,7 +13748,7 @@
 </p:sld>
 </file>
 
-<file path=ppt/slides/slide5.xml><?xml version="1.0" encoding="utf-8"?>
+<file path=ppt/slides/slide7.xml><?xml version="1.0" encoding="utf-8"?>
 <p:sld xmlns:a="http://schemas.openxmlformats.org/drawingml/2006/main" xmlns:r="http://schemas.openxmlformats.org/officeDocument/2006/relationships" xmlns:p="http://schemas.openxmlformats.org/presentationml/2006/main">
   <p:cSld>
     <p:spTree>
@@ -10567,21 +13997,35 @@
                 <a:latin typeface="나눔스퀘어 Bold" panose="020B0600000101010101" pitchFamily="50" charset="-127"/>
                 <a:ea typeface="나눔스퀘어 Bold" panose="020B0600000101010101" pitchFamily="50" charset="-127"/>
               </a:rPr>
-              <a:t>작은 </a:t>
-            </a:r>
-            <a:r>
-              <a:rPr lang="en-US" altLang="ko-KR" sz="1400" dirty="0" smtClean="0">
-                <a:latin typeface="나눔스퀘어 Bold" panose="020B0600000101010101" pitchFamily="50" charset="-127"/>
-                <a:ea typeface="나눔스퀘어 Bold" panose="020B0600000101010101" pitchFamily="50" charset="-127"/>
-              </a:rPr>
-              <a:t>scale </a:t>
-            </a:r>
-            <a:r>
-              <a:rPr lang="ko-KR" altLang="en-US" sz="1400" dirty="0" smtClean="0">
-                <a:latin typeface="나눔스퀘어 Bold" panose="020B0600000101010101" pitchFamily="50" charset="-127"/>
-                <a:ea typeface="나눔스퀘어 Bold" panose="020B0600000101010101" pitchFamily="50" charset="-127"/>
-              </a:rPr>
-              <a:t>값 </a:t>
+              <a:t>따라서 </a:t>
+            </a:r>
+            <a:r>
+              <a:rPr lang="en-US" altLang="ko-KR" sz="1400" dirty="0" smtClean="0">
+                <a:latin typeface="나눔스퀘어 Bold" panose="020B0600000101010101" pitchFamily="50" charset="-127"/>
+                <a:ea typeface="나눔스퀘어 Bold" panose="020B0600000101010101" pitchFamily="50" charset="-127"/>
+              </a:rPr>
+              <a:t>prompt</a:t>
+            </a:r>
+            <a:r>
+              <a:rPr lang="ko-KR" altLang="en-US" sz="1400" dirty="0" smtClean="0">
+                <a:latin typeface="나눔스퀘어 Bold" panose="020B0600000101010101" pitchFamily="50" charset="-127"/>
+                <a:ea typeface="나눔스퀘어 Bold" panose="020B0600000101010101" pitchFamily="50" charset="-127"/>
+              </a:rPr>
+              <a:t>가 </a:t>
+            </a:r>
+            <a:r>
+              <a:rPr lang="en-US" altLang="ko-KR" sz="1400" dirty="0" smtClean="0">
+                <a:latin typeface="나눔스퀘어 Bold" panose="020B0600000101010101" pitchFamily="50" charset="-127"/>
+                <a:ea typeface="나눔스퀘어 Bold" panose="020B0600000101010101" pitchFamily="50" charset="-127"/>
+              </a:rPr>
+              <a:t>scale</a:t>
+            </a:r>
+            <a:r>
+              <a:rPr lang="ko-KR" altLang="en-US" sz="1400" dirty="0" smtClean="0">
+                <a:latin typeface="나눔스퀘어 Bold" panose="020B0600000101010101" pitchFamily="50" charset="-127"/>
+                <a:ea typeface="나눔스퀘어 Bold" panose="020B0600000101010101" pitchFamily="50" charset="-127"/>
+              </a:rPr>
+              <a:t> </a:t>
             </a:r>
             <a:r>
               <a:rPr lang="en-US" altLang="ko-KR" sz="1400" dirty="0" smtClean="0">
@@ -10595,70 +14039,14 @@
                 <a:latin typeface="나눔스퀘어 Bold" panose="020B0600000101010101" pitchFamily="50" charset="-127"/>
                 <a:ea typeface="나눔스퀘어 Bold" panose="020B0600000101010101" pitchFamily="50" charset="-127"/>
               </a:rPr>
-              <a:t>를 사용한 </a:t>
-            </a:r>
-            <a:r>
-              <a:rPr lang="en-US" altLang="ko-KR" sz="1400" dirty="0" smtClean="0">
-                <a:latin typeface="나눔스퀘어 Bold" panose="020B0600000101010101" pitchFamily="50" charset="-127"/>
-                <a:ea typeface="나눔스퀘어 Bold" panose="020B0600000101010101" pitchFamily="50" charset="-127"/>
-              </a:rPr>
-              <a:t>prompt</a:t>
-            </a:r>
-            <a:r>
-              <a:rPr lang="ko-KR" altLang="en-US" sz="1400" dirty="0" smtClean="0">
-                <a:latin typeface="나눔스퀘어 Bold" panose="020B0600000101010101" pitchFamily="50" charset="-127"/>
-                <a:ea typeface="나눔스퀘어 Bold" panose="020B0600000101010101" pitchFamily="50" charset="-127"/>
-              </a:rPr>
-              <a:t>는 </a:t>
-            </a:r>
-            <a:r>
-              <a:rPr lang="en-US" altLang="ko-KR" sz="1400" dirty="0" smtClean="0">
-                <a:latin typeface="나눔스퀘어 Bold" panose="020B0600000101010101" pitchFamily="50" charset="-127"/>
-                <a:ea typeface="나눔스퀘어 Bold" panose="020B0600000101010101" pitchFamily="50" charset="-127"/>
-              </a:rPr>
-              <a:t>small visual concept, </a:t>
-            </a:r>
-            <a:r>
-              <a:rPr lang="ko-KR" altLang="en-US" sz="1400" dirty="0" smtClean="0">
-                <a:latin typeface="나눔스퀘어 Bold" panose="020B0600000101010101" pitchFamily="50" charset="-127"/>
-                <a:ea typeface="나눔스퀘어 Bold" panose="020B0600000101010101" pitchFamily="50" charset="-127"/>
-              </a:rPr>
-              <a:t>큰 </a:t>
-            </a:r>
-            <a:r>
-              <a:rPr lang="en-US" altLang="ko-KR" sz="1400" dirty="0" smtClean="0">
-                <a:latin typeface="나눔스퀘어 Bold" panose="020B0600000101010101" pitchFamily="50" charset="-127"/>
-                <a:ea typeface="나눔스퀘어 Bold" panose="020B0600000101010101" pitchFamily="50" charset="-127"/>
-              </a:rPr>
-              <a:t>k </a:t>
-            </a:r>
-            <a:r>
-              <a:rPr lang="ko-KR" altLang="en-US" sz="1400" dirty="0" smtClean="0">
-                <a:latin typeface="나눔스퀘어 Bold" panose="020B0600000101010101" pitchFamily="50" charset="-127"/>
-                <a:ea typeface="나눔스퀘어 Bold" panose="020B0600000101010101" pitchFamily="50" charset="-127"/>
-              </a:rPr>
-              <a:t>값을 사용한 </a:t>
-            </a:r>
-            <a:r>
-              <a:rPr lang="en-US" altLang="ko-KR" sz="1400" dirty="0" smtClean="0">
-                <a:latin typeface="나눔스퀘어 Bold" panose="020B0600000101010101" pitchFamily="50" charset="-127"/>
-                <a:ea typeface="나눔스퀘어 Bold" panose="020B0600000101010101" pitchFamily="50" charset="-127"/>
-              </a:rPr>
-              <a:t>prompt</a:t>
-            </a:r>
-            <a:r>
-              <a:rPr lang="ko-KR" altLang="en-US" sz="1400" dirty="0" smtClean="0">
-                <a:latin typeface="나눔스퀘어 Bold" panose="020B0600000101010101" pitchFamily="50" charset="-127"/>
-                <a:ea typeface="나눔스퀘어 Bold" panose="020B0600000101010101" pitchFamily="50" charset="-127"/>
-              </a:rPr>
-              <a:t>는 </a:t>
-            </a:r>
-            <a:r>
-              <a:rPr lang="en-US" altLang="ko-KR" sz="1400" dirty="0" smtClean="0">
-                <a:latin typeface="나눔스퀘어 Bold" panose="020B0600000101010101" pitchFamily="50" charset="-127"/>
-                <a:ea typeface="나눔스퀘어 Bold" panose="020B0600000101010101" pitchFamily="50" charset="-127"/>
-              </a:rPr>
-              <a:t>large visual concept</a:t>
+              <a:t>에 비례하는 크기의 </a:t>
+            </a:r>
+            <a:r>
+              <a:rPr lang="en-US" altLang="ko-KR" sz="1400" dirty="0" smtClean="0">
+                <a:latin typeface="나눔스퀘어 Bold" panose="020B0600000101010101" pitchFamily="50" charset="-127"/>
+                <a:ea typeface="나눔스퀘어 Bold" panose="020B0600000101010101" pitchFamily="50" charset="-127"/>
+              </a:rPr>
+              <a:t>visual concept</a:t>
             </a:r>
             <a:r>
               <a:rPr lang="ko-KR" altLang="en-US" sz="1400" dirty="0" smtClean="0">
@@ -10699,7 +14087,7 @@
                 <a:latin typeface="나눔스퀘어 Bold" panose="020B0600000101010101" pitchFamily="50" charset="-127"/>
                 <a:ea typeface="나눔스퀘어 Bold" panose="020B0600000101010101" pitchFamily="50" charset="-127"/>
               </a:rPr>
-              <a:t>때에는</a:t>
+              <a:t>때는</a:t>
             </a:r>
             <a:r>
               <a:rPr lang="en-US" altLang="ko-KR" sz="1400" dirty="0" smtClean="0">
@@ -10713,7 +14101,7 @@
                 <a:latin typeface="나눔스퀘어 Bold" panose="020B0600000101010101" pitchFamily="50" charset="-127"/>
                 <a:ea typeface="나눔스퀘어 Bold" panose="020B0600000101010101" pitchFamily="50" charset="-127"/>
               </a:rPr>
-              <a:t>와 </a:t>
+              <a:t>와 모든 </a:t>
             </a:r>
             <a:r>
               <a:rPr lang="en-US" altLang="ko-KR" sz="1400" dirty="0" smtClean="0">
@@ -10734,14 +14122,14 @@
                 <a:latin typeface="나눔스퀘어 Bold" panose="020B0600000101010101" pitchFamily="50" charset="-127"/>
                 <a:ea typeface="나눔스퀘어 Bold" panose="020B0600000101010101" pitchFamily="50" charset="-127"/>
               </a:rPr>
-              <a:t>similarity </a:t>
-            </a:r>
-            <a:r>
-              <a:rPr lang="ko-KR" altLang="en-US" sz="1400" dirty="0" smtClean="0">
-                <a:latin typeface="나눔스퀘어 Bold" panose="020B0600000101010101" pitchFamily="50" charset="-127"/>
-                <a:ea typeface="나눔스퀘어 Bold" panose="020B0600000101010101" pitchFamily="50" charset="-127"/>
-              </a:rPr>
-              <a:t>평균과</a:t>
+              <a:t>similarity</a:t>
+            </a:r>
+            <a:r>
+              <a:rPr lang="ko-KR" altLang="en-US" sz="1400" dirty="0" smtClean="0">
+                <a:latin typeface="나눔스퀘어 Bold" panose="020B0600000101010101" pitchFamily="50" charset="-127"/>
+                <a:ea typeface="나눔스퀘어 Bold" panose="020B0600000101010101" pitchFamily="50" charset="-127"/>
+              </a:rPr>
+              <a:t>와</a:t>
             </a:r>
             <a:endParaRPr lang="en-US" altLang="ko-KR" sz="1400" dirty="0">
               <a:latin typeface="나눔스퀘어 Bold" panose="020B0600000101010101" pitchFamily="50" charset="-127"/>
@@ -10768,14 +14156,14 @@
                 <a:latin typeface="나눔스퀘어 Bold" panose="020B0600000101010101" pitchFamily="50" charset="-127"/>
                 <a:ea typeface="나눔스퀘어 Bold" panose="020B0600000101010101" pitchFamily="50" charset="-127"/>
               </a:rPr>
-              <a:t>local image feature</a:t>
-            </a:r>
-            <a:r>
-              <a:rPr lang="ko-KR" altLang="en-US" sz="1400" dirty="0" smtClean="0">
-                <a:latin typeface="나눔스퀘어 Bold" panose="020B0600000101010101" pitchFamily="50" charset="-127"/>
-                <a:ea typeface="나눔스퀘어 Bold" panose="020B0600000101010101" pitchFamily="50" charset="-127"/>
-              </a:rPr>
-              <a:t>와 </a:t>
+              <a:t>Local image feature</a:t>
+            </a:r>
+            <a:r>
+              <a:rPr lang="ko-KR" altLang="en-US" sz="1400" dirty="0" smtClean="0">
+                <a:latin typeface="나눔스퀘어 Bold" panose="020B0600000101010101" pitchFamily="50" charset="-127"/>
+                <a:ea typeface="나눔스퀘어 Bold" panose="020B0600000101010101" pitchFamily="50" charset="-127"/>
+              </a:rPr>
+              <a:t>와 모든 </a:t>
             </a:r>
             <a:r>
               <a:rPr lang="en-US" altLang="ko-KR" sz="1400" dirty="0" smtClean="0">
@@ -10796,14 +14184,14 @@
                 <a:latin typeface="나눔스퀘어 Bold" panose="020B0600000101010101" pitchFamily="50" charset="-127"/>
                 <a:ea typeface="나눔스퀘어 Bold" panose="020B0600000101010101" pitchFamily="50" charset="-127"/>
               </a:rPr>
-              <a:t>similarity </a:t>
-            </a:r>
-            <a:r>
-              <a:rPr lang="ko-KR" altLang="en-US" sz="1400" dirty="0" smtClean="0">
-                <a:latin typeface="나눔스퀘어 Bold" panose="020B0600000101010101" pitchFamily="50" charset="-127"/>
-                <a:ea typeface="나눔스퀘어 Bold" panose="020B0600000101010101" pitchFamily="50" charset="-127"/>
-              </a:rPr>
-              <a:t>평균을 더한 값을 최종 </a:t>
+              <a:t>similarity</a:t>
+            </a:r>
+            <a:r>
+              <a:rPr lang="ko-KR" altLang="en-US" sz="1400" dirty="0" smtClean="0">
+                <a:latin typeface="나눔스퀘어 Bold" panose="020B0600000101010101" pitchFamily="50" charset="-127"/>
+                <a:ea typeface="나눔스퀘어 Bold" panose="020B0600000101010101" pitchFamily="50" charset="-127"/>
+              </a:rPr>
+              <a:t>의 평균값을 최종 </a:t>
             </a:r>
             <a:r>
               <a:rPr lang="en-US" altLang="ko-KR" sz="1400" dirty="0" smtClean="0">
@@ -11098,7 +14486,7 @@
         <p:spPr>
           <a:xfrm>
             <a:off x="179388" y="1026883"/>
-            <a:ext cx="3234416" cy="2367280"/>
+            <a:ext cx="2986771" cy="2186028"/>
           </a:xfrm>
           <a:prstGeom prst="rect">
             <a:avLst/>
@@ -11121,8 +14509,8 @@
         </p:blipFill>
         <p:spPr>
           <a:xfrm>
-            <a:off x="270554" y="3446007"/>
-            <a:ext cx="3143250" cy="2962275"/>
+            <a:off x="270553" y="3207524"/>
+            <a:ext cx="2895606" cy="2728889"/>
           </a:xfrm>
           <a:prstGeom prst="rect">
             <a:avLst/>
@@ -11169,8 +14557,32 @@
         </p:blipFill>
         <p:spPr>
           <a:xfrm>
-            <a:off x="3413805" y="4530024"/>
+            <a:off x="3257324" y="4235798"/>
             <a:ext cx="2224996" cy="498399"/>
+          </a:xfrm>
+          <a:prstGeom prst="rect">
+            <a:avLst/>
+          </a:prstGeom>
+        </p:spPr>
+      </p:pic>
+      <p:pic>
+        <p:nvPicPr>
+          <p:cNvPr id="6" name="그림 5"/>
+          <p:cNvPicPr>
+            <a:picLocks noChangeAspect="1"/>
+          </p:cNvPicPr>
+          <p:nvPr/>
+        </p:nvPicPr>
+        <p:blipFill>
+          <a:blip r:embed="rId6"/>
+          <a:stretch>
+            <a:fillRect/>
+          </a:stretch>
+        </p:blipFill>
+        <p:spPr>
+          <a:xfrm>
+            <a:off x="929216" y="6254861"/>
+            <a:ext cx="3957976" cy="507847"/>
           </a:xfrm>
           <a:prstGeom prst="rect">
             <a:avLst/>
@@ -11197,7 +14609,7 @@
 </p:sld>
 </file>
 
-<file path=ppt/slides/slide6.xml><?xml version="1.0" encoding="utf-8"?>
+<file path=ppt/slides/slide8.xml><?xml version="1.0" encoding="utf-8"?>
 <p:sld xmlns:a="http://schemas.openxmlformats.org/drawingml/2006/main" xmlns:r="http://schemas.openxmlformats.org/officeDocument/2006/relationships" xmlns:p="http://schemas.openxmlformats.org/presentationml/2006/main">
   <p:cSld>
     <p:spTree>
@@ -11612,14 +15024,7 @@
                 <a:latin typeface="나눔스퀘어 Bold" panose="020B0600000101010101" pitchFamily="50" charset="-127"/>
                 <a:ea typeface="나눔스퀘어 Bold" panose="020B0600000101010101" pitchFamily="50" charset="-127"/>
               </a:rPr>
-              <a:t>domain </a:t>
-            </a:r>
-            <a:r>
-              <a:rPr lang="en-US" altLang="ko-KR" sz="1400" dirty="0" smtClean="0">
-                <a:latin typeface="나눔스퀘어 Bold" panose="020B0600000101010101" pitchFamily="50" charset="-127"/>
-                <a:ea typeface="나눔스퀘어 Bold" panose="020B0600000101010101" pitchFamily="50" charset="-127"/>
-              </a:rPr>
-              <a:t>generalization</a:t>
+              <a:t>domain generalization</a:t>
             </a:r>
             <a:r>
               <a:rPr lang="ko-KR" altLang="en-US" sz="1400" dirty="0" smtClean="0">
@@ -11741,479 +15146,6 @@
 </p:sld>
 </file>
 
-<file path=ppt/slides/slide7.xml><?xml version="1.0" encoding="utf-8"?>
-<p:sld xmlns:a="http://schemas.openxmlformats.org/drawingml/2006/main" xmlns:r="http://schemas.openxmlformats.org/officeDocument/2006/relationships" xmlns:p="http://schemas.openxmlformats.org/presentationml/2006/main">
-  <p:cSld>
-    <p:spTree>
-      <p:nvGrpSpPr>
-        <p:cNvPr id="1" name=""/>
-        <p:cNvGrpSpPr/>
-        <p:nvPr/>
-      </p:nvGrpSpPr>
-      <p:grpSpPr>
-        <a:xfrm>
-          <a:off x="0" y="0"/>
-          <a:ext cx="0" cy="0"/>
-          <a:chOff x="0" y="0"/>
-          <a:chExt cx="0" cy="0"/>
-        </a:xfrm>
-      </p:grpSpPr>
-      <p:sp>
-        <p:nvSpPr>
-          <p:cNvPr id="2" name="제목 1">
-            <a:extLst>
-              <a:ext uri="{FF2B5EF4-FFF2-40B4-BE49-F238E27FC236}">
-                <a16:creationId xmlns:a16="http://schemas.microsoft.com/office/drawing/2014/main" id="{2EE29E3B-60E4-46B8-B222-ACB10CB8AEEC}"/>
-              </a:ext>
-            </a:extLst>
-          </p:cNvPr>
-          <p:cNvSpPr>
-            <a:spLocks noGrp="1"/>
-          </p:cNvSpPr>
-          <p:nvPr>
-            <p:ph type="ctrTitle"/>
-          </p:nvPr>
-        </p:nvSpPr>
-        <p:spPr>
-          <a:xfrm>
-            <a:off x="0" y="0"/>
-            <a:ext cx="12192000" cy="2387600"/>
-          </a:xfrm>
-        </p:spPr>
-        <p:txBody>
-          <a:bodyPr>
-            <a:normAutofit/>
-          </a:bodyPr>
-          <a:lstStyle/>
-          <a:p>
-            <a:r>
-              <a:rPr lang="en-US" altLang="ko-KR" sz="4000" dirty="0" smtClean="0">
-                <a:latin typeface="나눔스퀘어 Bold" panose="020B0600000101010101" pitchFamily="50" charset="-127"/>
-                <a:ea typeface="나눔스퀘어 Bold" panose="020B0600000101010101" pitchFamily="50" charset="-127"/>
-              </a:rPr>
-              <a:t>Soft Prompt Generation for Domain Generalization</a:t>
-            </a:r>
-            <a:br>
-              <a:rPr lang="en-US" altLang="ko-KR" sz="4000" dirty="0" smtClean="0">
-                <a:latin typeface="나눔스퀘어 Bold" panose="020B0600000101010101" pitchFamily="50" charset="-127"/>
-                <a:ea typeface="나눔스퀘어 Bold" panose="020B0600000101010101" pitchFamily="50" charset="-127"/>
-              </a:rPr>
-            </a:br>
-            <a:r>
-              <a:rPr lang="en-US" altLang="ko-KR" sz="4000" dirty="0" smtClean="0">
-                <a:latin typeface="나눔스퀘어 Bold" panose="020B0600000101010101" pitchFamily="50" charset="-127"/>
-                <a:ea typeface="나눔스퀘어 Bold" panose="020B0600000101010101" pitchFamily="50" charset="-127"/>
-              </a:rPr>
-              <a:t>(ECCV 2024)</a:t>
-            </a:r>
-            <a:endParaRPr lang="ko-KR" altLang="en-US" sz="4000" dirty="0"/>
-          </a:p>
-        </p:txBody>
-      </p:sp>
-    </p:spTree>
-    <p:extLst>
-      <p:ext uri="{BB962C8B-B14F-4D97-AF65-F5344CB8AC3E}">
-        <p14:creationId xmlns:p14="http://schemas.microsoft.com/office/powerpoint/2010/main" val="1179119029"/>
-      </p:ext>
-    </p:extLst>
-  </p:cSld>
-  <p:clrMapOvr>
-    <a:masterClrMapping/>
-  </p:clrMapOvr>
-  <p:timing>
-    <p:tnLst>
-      <p:par>
-        <p:cTn id="1" dur="indefinite" restart="never" nodeType="tmRoot"/>
-      </p:par>
-    </p:tnLst>
-  </p:timing>
-</p:sld>
-</file>
-
-<file path=ppt/slides/slide8.xml><?xml version="1.0" encoding="utf-8"?>
-<p:sld xmlns:a="http://schemas.openxmlformats.org/drawingml/2006/main" xmlns:r="http://schemas.openxmlformats.org/officeDocument/2006/relationships" xmlns:p="http://schemas.openxmlformats.org/presentationml/2006/main">
-  <p:cSld>
-    <p:spTree>
-      <p:nvGrpSpPr>
-        <p:cNvPr id="1" name=""/>
-        <p:cNvGrpSpPr/>
-        <p:nvPr/>
-      </p:nvGrpSpPr>
-      <p:grpSpPr>
-        <a:xfrm>
-          <a:off x="0" y="0"/>
-          <a:ext cx="0" cy="0"/>
-          <a:chOff x="0" y="0"/>
-          <a:chExt cx="0" cy="0"/>
-        </a:xfrm>
-      </p:grpSpPr>
-      <p:sp>
-        <p:nvSpPr>
-          <p:cNvPr id="12" name="TextBox 11">
-            <a:extLst>
-              <a:ext uri="{FF2B5EF4-FFF2-40B4-BE49-F238E27FC236}">
-                <a16:creationId xmlns:a16="http://schemas.microsoft.com/office/drawing/2014/main" id="{C7D7709E-206F-4B6B-9ABA-DCEDF98FB299}"/>
-              </a:ext>
-            </a:extLst>
-          </p:cNvPr>
-          <p:cNvSpPr txBox="1"/>
-          <p:nvPr/>
-        </p:nvSpPr>
-        <p:spPr>
-          <a:xfrm>
-            <a:off x="1204240" y="0"/>
-            <a:ext cx="9783520" cy="584775"/>
-          </a:xfrm>
-          <a:prstGeom prst="rect">
-            <a:avLst/>
-          </a:prstGeom>
-          <a:noFill/>
-        </p:spPr>
-        <p:txBody>
-          <a:bodyPr wrap="square" rtlCol="0">
-            <a:spAutoFit/>
-          </a:bodyPr>
-          <a:lstStyle/>
-          <a:p>
-            <a:pPr algn="ctr"/>
-            <a:r>
-              <a:rPr lang="en-US" altLang="ko-KR" sz="3200" dirty="0" smtClean="0">
-                <a:solidFill>
-                  <a:srgbClr val="212529"/>
-                </a:solidFill>
-                <a:latin typeface="나눔스퀘어 Bold" panose="020B0600000101010101" pitchFamily="50" charset="-127"/>
-                <a:ea typeface="나눔스퀘어 Bold" panose="020B0600000101010101" pitchFamily="50" charset="-127"/>
-              </a:rPr>
-              <a:t>1. Introduction</a:t>
-            </a:r>
-          </a:p>
-        </p:txBody>
-      </p:sp>
-      <p:sp>
-        <p:nvSpPr>
-          <p:cNvPr id="19" name="TextBox 18">
-            <a:extLst>
-              <a:ext uri="{FF2B5EF4-FFF2-40B4-BE49-F238E27FC236}">
-                <a16:creationId xmlns:a16="http://schemas.microsoft.com/office/drawing/2014/main" id="{6AEAE2E7-4604-4C30-96BA-7EDCD9641507}"/>
-              </a:ext>
-            </a:extLst>
-          </p:cNvPr>
-          <p:cNvSpPr txBox="1"/>
-          <p:nvPr/>
-        </p:nvSpPr>
-        <p:spPr>
-          <a:xfrm>
-            <a:off x="5638800" y="2930525"/>
-            <a:ext cx="65" cy="276999"/>
-          </a:xfrm>
-          <a:prstGeom prst="rect">
-            <a:avLst/>
-          </a:prstGeom>
-          <a:noFill/>
-        </p:spPr>
-        <p:txBody>
-          <a:bodyPr wrap="none" lIns="0" tIns="0" rIns="0" bIns="0" rtlCol="0">
-            <a:spAutoFit/>
-          </a:bodyPr>
-          <a:lstStyle/>
-          <a:p>
-            <a:endParaRPr lang="ko-KR" altLang="en-US" dirty="0"/>
-          </a:p>
-        </p:txBody>
-      </p:sp>
-      <p:sp>
-        <p:nvSpPr>
-          <p:cNvPr id="14" name="TextBox 13">
-            <a:extLst>
-              <a:ext uri="{FF2B5EF4-FFF2-40B4-BE49-F238E27FC236}">
-                <a16:creationId xmlns:a16="http://schemas.microsoft.com/office/drawing/2014/main" id="{43AD0F1D-18AC-4DEA-AACB-5FB085B6C455}"/>
-              </a:ext>
-            </a:extLst>
-          </p:cNvPr>
-          <p:cNvSpPr txBox="1"/>
-          <p:nvPr/>
-        </p:nvSpPr>
-        <p:spPr>
-          <a:xfrm>
-            <a:off x="5886445" y="4810856"/>
-            <a:ext cx="6207127" cy="523220"/>
-          </a:xfrm>
-          <a:prstGeom prst="rect">
-            <a:avLst/>
-          </a:prstGeom>
-          <a:noFill/>
-        </p:spPr>
-        <p:txBody>
-          <a:bodyPr wrap="square" rtlCol="0">
-            <a:spAutoFit/>
-          </a:bodyPr>
-          <a:lstStyle/>
-          <a:p>
-            <a:pPr marL="285750" indent="-285750">
-              <a:buFont typeface="Wingdings" panose="05000000000000000000" pitchFamily="2" charset="2"/>
-              <a:buChar char="§"/>
-            </a:pPr>
-            <a:r>
-              <a:rPr lang="ko-KR" altLang="en-US" sz="1400" dirty="0" smtClean="0">
-                <a:latin typeface="나눔스퀘어 Bold" panose="020B0600000101010101" pitchFamily="50" charset="-127"/>
-                <a:ea typeface="나눔스퀘어 Bold" panose="020B0600000101010101" pitchFamily="50" charset="-127"/>
-              </a:rPr>
-              <a:t>반면</a:t>
-            </a:r>
-            <a:r>
-              <a:rPr lang="en-US" altLang="ko-KR" sz="1400" dirty="0" smtClean="0">
-                <a:latin typeface="나눔스퀘어 Bold" panose="020B0600000101010101" pitchFamily="50" charset="-127"/>
-                <a:ea typeface="나눔스퀘어 Bold" panose="020B0600000101010101" pitchFamily="50" charset="-127"/>
-              </a:rPr>
-              <a:t>, </a:t>
-            </a:r>
-            <a:r>
-              <a:rPr lang="ko-KR" altLang="en-US" sz="1400" dirty="0" smtClean="0">
-                <a:latin typeface="나눔스퀘어 Bold" panose="020B0600000101010101" pitchFamily="50" charset="-127"/>
-                <a:ea typeface="나눔스퀘어 Bold" panose="020B0600000101010101" pitchFamily="50" charset="-127"/>
-              </a:rPr>
-              <a:t>본 논문은 </a:t>
-            </a:r>
-            <a:r>
-              <a:rPr lang="en-US" altLang="ko-KR" sz="1400" dirty="0" smtClean="0">
-                <a:latin typeface="나눔스퀘어 Bold" panose="020B0600000101010101" pitchFamily="50" charset="-127"/>
-                <a:ea typeface="나눔스퀘어 Bold" panose="020B0600000101010101" pitchFamily="50" charset="-127"/>
-              </a:rPr>
-              <a:t>generative model</a:t>
-            </a:r>
-            <a:r>
-              <a:rPr lang="ko-KR" altLang="en-US" sz="1400" dirty="0" smtClean="0">
-                <a:latin typeface="나눔스퀘어 Bold" panose="020B0600000101010101" pitchFamily="50" charset="-127"/>
-                <a:ea typeface="나눔스퀘어 Bold" panose="020B0600000101010101" pitchFamily="50" charset="-127"/>
-              </a:rPr>
-              <a:t>을 활용해 </a:t>
-            </a:r>
-            <a:r>
-              <a:rPr lang="en-US" altLang="ko-KR" sz="1400" dirty="0" smtClean="0">
-                <a:latin typeface="나눔스퀘어 Bold" panose="020B0600000101010101" pitchFamily="50" charset="-127"/>
-                <a:ea typeface="나눔스퀘어 Bold" panose="020B0600000101010101" pitchFamily="50" charset="-127"/>
-              </a:rPr>
-              <a:t>domain-specific prompt</a:t>
-            </a:r>
-            <a:r>
-              <a:rPr lang="ko-KR" altLang="en-US" sz="1400" dirty="0" smtClean="0">
-                <a:latin typeface="나눔스퀘어 Bold" panose="020B0600000101010101" pitchFamily="50" charset="-127"/>
-                <a:ea typeface="나눔스퀘어 Bold" panose="020B0600000101010101" pitchFamily="50" charset="-127"/>
-              </a:rPr>
-              <a:t>를 생성하는 방식으로 이러한 문제들을 개선함</a:t>
-            </a:r>
-          </a:p>
-        </p:txBody>
-      </p:sp>
-      <p:sp>
-        <p:nvSpPr>
-          <p:cNvPr id="10" name="TextBox 9">
-            <a:extLst>
-              <a:ext uri="{FF2B5EF4-FFF2-40B4-BE49-F238E27FC236}">
-                <a16:creationId xmlns:a16="http://schemas.microsoft.com/office/drawing/2014/main" id="{9922EEF6-C41D-4EED-AAFA-E7D60D60CE65}"/>
-              </a:ext>
-            </a:extLst>
-          </p:cNvPr>
-          <p:cNvSpPr txBox="1"/>
-          <p:nvPr/>
-        </p:nvSpPr>
-        <p:spPr>
-          <a:xfrm>
-            <a:off x="5886444" y="1976418"/>
-            <a:ext cx="6207127" cy="954107"/>
-          </a:xfrm>
-          <a:prstGeom prst="rect">
-            <a:avLst/>
-          </a:prstGeom>
-          <a:noFill/>
-        </p:spPr>
-        <p:txBody>
-          <a:bodyPr wrap="square" rtlCol="0">
-            <a:spAutoFit/>
-          </a:bodyPr>
-          <a:lstStyle/>
-          <a:p>
-            <a:pPr marL="285750" indent="-285750">
-              <a:buFont typeface="Wingdings" panose="05000000000000000000" pitchFamily="2" charset="2"/>
-              <a:buChar char="§"/>
-            </a:pPr>
-            <a:r>
-              <a:rPr lang="en-US" altLang="ko-KR" sz="1400" dirty="0" smtClean="0">
-                <a:latin typeface="나눔스퀘어 Bold" panose="020B0600000101010101" pitchFamily="50" charset="-127"/>
-                <a:ea typeface="나눔스퀘어 Bold" panose="020B0600000101010101" pitchFamily="50" charset="-127"/>
-              </a:rPr>
-              <a:t>distribution shift </a:t>
-            </a:r>
-            <a:r>
-              <a:rPr lang="ko-KR" altLang="en-US" sz="1400" dirty="0" smtClean="0">
-                <a:latin typeface="나눔스퀘어 Bold" panose="020B0600000101010101" pitchFamily="50" charset="-127"/>
-                <a:ea typeface="나눔스퀘어 Bold" panose="020B0600000101010101" pitchFamily="50" charset="-127"/>
-              </a:rPr>
-              <a:t>문제를 다루기 위해 </a:t>
-            </a:r>
-            <a:r>
-              <a:rPr lang="en-US" altLang="ko-KR" sz="1400" dirty="0" smtClean="0">
-                <a:latin typeface="나눔스퀘어 Bold" panose="020B0600000101010101" pitchFamily="50" charset="-127"/>
-                <a:ea typeface="나눔스퀘어 Bold" panose="020B0600000101010101" pitchFamily="50" charset="-127"/>
-              </a:rPr>
-              <a:t>VLM</a:t>
-            </a:r>
-            <a:r>
-              <a:rPr lang="ko-KR" altLang="en-US" sz="1400" dirty="0" smtClean="0">
-                <a:latin typeface="나눔스퀘어 Bold" panose="020B0600000101010101" pitchFamily="50" charset="-127"/>
-                <a:ea typeface="나눔스퀘어 Bold" panose="020B0600000101010101" pitchFamily="50" charset="-127"/>
-              </a:rPr>
-              <a:t>에 </a:t>
-            </a:r>
-            <a:r>
-              <a:rPr lang="en-US" altLang="ko-KR" sz="1400" dirty="0" smtClean="0">
-                <a:latin typeface="나눔스퀘어 Bold" panose="020B0600000101010101" pitchFamily="50" charset="-127"/>
-                <a:ea typeface="나눔스퀘어 Bold" panose="020B0600000101010101" pitchFamily="50" charset="-127"/>
-              </a:rPr>
-              <a:t>prompt learning</a:t>
-            </a:r>
-            <a:r>
-              <a:rPr lang="ko-KR" altLang="en-US" sz="1400" dirty="0" smtClean="0">
-                <a:latin typeface="나눔스퀘어 Bold" panose="020B0600000101010101" pitchFamily="50" charset="-127"/>
-                <a:ea typeface="나눔스퀘어 Bold" panose="020B0600000101010101" pitchFamily="50" charset="-127"/>
-              </a:rPr>
-              <a:t>을 적용한 기존 </a:t>
-            </a:r>
-            <a:r>
-              <a:rPr lang="en-US" altLang="ko-KR" sz="1400" dirty="0" smtClean="0">
-                <a:latin typeface="나눔스퀘어 Bold" panose="020B0600000101010101" pitchFamily="50" charset="-127"/>
-                <a:ea typeface="나눔스퀘어 Bold" panose="020B0600000101010101" pitchFamily="50" charset="-127"/>
-              </a:rPr>
-              <a:t>domain generalization method</a:t>
-            </a:r>
-            <a:r>
-              <a:rPr lang="ko-KR" altLang="en-US" sz="1400" dirty="0" smtClean="0">
-                <a:latin typeface="나눔스퀘어 Bold" panose="020B0600000101010101" pitchFamily="50" charset="-127"/>
-                <a:ea typeface="나눔스퀘어 Bold" panose="020B0600000101010101" pitchFamily="50" charset="-127"/>
-              </a:rPr>
-              <a:t>들은 </a:t>
-            </a:r>
-            <a:r>
-              <a:rPr lang="en-US" altLang="ko-KR" sz="1400" dirty="0" smtClean="0">
-                <a:latin typeface="나눔스퀘어 Bold" panose="020B0600000101010101" pitchFamily="50" charset="-127"/>
-                <a:ea typeface="나눔스퀘어 Bold" panose="020B0600000101010101" pitchFamily="50" charset="-127"/>
-              </a:rPr>
-              <a:t>fixed prompt</a:t>
-            </a:r>
-            <a:r>
-              <a:rPr lang="ko-KR" altLang="en-US" sz="1400" dirty="0" smtClean="0">
-                <a:latin typeface="나눔스퀘어 Bold" panose="020B0600000101010101" pitchFamily="50" charset="-127"/>
-                <a:ea typeface="나눔스퀘어 Bold" panose="020B0600000101010101" pitchFamily="50" charset="-127"/>
-              </a:rPr>
-              <a:t>나 </a:t>
-            </a:r>
-            <a:r>
-              <a:rPr lang="en-US" altLang="ko-KR" sz="1400" dirty="0" smtClean="0">
-                <a:latin typeface="나눔스퀘어 Bold" panose="020B0600000101010101" pitchFamily="50" charset="-127"/>
-                <a:ea typeface="나눔스퀘어 Bold" panose="020B0600000101010101" pitchFamily="50" charset="-127"/>
-              </a:rPr>
-              <a:t>residual prompt</a:t>
-            </a:r>
-            <a:r>
-              <a:rPr lang="ko-KR" altLang="en-US" sz="1400" dirty="0" smtClean="0">
-                <a:latin typeface="나눔스퀘어 Bold" panose="020B0600000101010101" pitchFamily="50" charset="-127"/>
-                <a:ea typeface="나눔스퀘어 Bold" panose="020B0600000101010101" pitchFamily="50" charset="-127"/>
-              </a:rPr>
-              <a:t>를 학습하기 때문에</a:t>
-            </a:r>
-            <a:r>
-              <a:rPr lang="en-US" altLang="ko-KR" sz="1400" dirty="0" smtClean="0">
-                <a:latin typeface="나눔스퀘어 Bold" panose="020B0600000101010101" pitchFamily="50" charset="-127"/>
-                <a:ea typeface="나눔스퀘어 Bold" panose="020B0600000101010101" pitchFamily="50" charset="-127"/>
-              </a:rPr>
-              <a:t>, diversity</a:t>
-            </a:r>
-            <a:r>
-              <a:rPr lang="ko-KR" altLang="en-US" sz="1400" dirty="0" smtClean="0">
-                <a:latin typeface="나눔스퀘어 Bold" panose="020B0600000101010101" pitchFamily="50" charset="-127"/>
-                <a:ea typeface="나눔스퀘어 Bold" panose="020B0600000101010101" pitchFamily="50" charset="-127"/>
-              </a:rPr>
-              <a:t>와 </a:t>
-            </a:r>
-            <a:r>
-              <a:rPr lang="en-US" altLang="ko-KR" sz="1400" dirty="0" smtClean="0">
-                <a:latin typeface="나눔스퀘어 Bold" panose="020B0600000101010101" pitchFamily="50" charset="-127"/>
-                <a:ea typeface="나눔스퀘어 Bold" panose="020B0600000101010101" pitchFamily="50" charset="-127"/>
-              </a:rPr>
-              <a:t>unseen domain</a:t>
-            </a:r>
-            <a:r>
-              <a:rPr lang="ko-KR" altLang="en-US" sz="1400" dirty="0" smtClean="0">
-                <a:latin typeface="나눔스퀘어 Bold" panose="020B0600000101010101" pitchFamily="50" charset="-127"/>
-                <a:ea typeface="나눔스퀘어 Bold" panose="020B0600000101010101" pitchFamily="50" charset="-127"/>
-              </a:rPr>
-              <a:t>으로의 </a:t>
-            </a:r>
-            <a:r>
-              <a:rPr lang="en-US" altLang="ko-KR" sz="1400" dirty="0" smtClean="0">
-                <a:latin typeface="나눔스퀘어 Bold" panose="020B0600000101010101" pitchFamily="50" charset="-127"/>
-                <a:ea typeface="나눔스퀘어 Bold" panose="020B0600000101010101" pitchFamily="50" charset="-127"/>
-              </a:rPr>
-              <a:t>transferability</a:t>
-            </a:r>
-            <a:r>
-              <a:rPr lang="ko-KR" altLang="en-US" sz="1400" dirty="0" smtClean="0">
-                <a:latin typeface="나눔스퀘어 Bold" panose="020B0600000101010101" pitchFamily="50" charset="-127"/>
-                <a:ea typeface="나눔스퀘어 Bold" panose="020B0600000101010101" pitchFamily="50" charset="-127"/>
-              </a:rPr>
-              <a:t>에 한계가 있음</a:t>
-            </a:r>
-            <a:endParaRPr lang="en-US" altLang="ko-KR" sz="1400" dirty="0" smtClean="0">
-              <a:latin typeface="나눔스퀘어 Bold" panose="020B0600000101010101" pitchFamily="50" charset="-127"/>
-              <a:ea typeface="나눔스퀘어 Bold" panose="020B0600000101010101" pitchFamily="50" charset="-127"/>
-            </a:endParaRPr>
-          </a:p>
-        </p:txBody>
-      </p:sp>
-      <p:pic>
-        <p:nvPicPr>
-          <p:cNvPr id="2" name="그림 1"/>
-          <p:cNvPicPr>
-            <a:picLocks noChangeAspect="1"/>
-          </p:cNvPicPr>
-          <p:nvPr/>
-        </p:nvPicPr>
-        <p:blipFill>
-          <a:blip r:embed="rId2"/>
-          <a:stretch>
-            <a:fillRect/>
-          </a:stretch>
-        </p:blipFill>
-        <p:spPr>
-          <a:xfrm>
-            <a:off x="123789" y="1465263"/>
-            <a:ext cx="5391221" cy="4420650"/>
-          </a:xfrm>
-          <a:prstGeom prst="rect">
-            <a:avLst/>
-          </a:prstGeom>
-        </p:spPr>
-      </p:pic>
-    </p:spTree>
-    <p:extLst>
-      <p:ext uri="{BB962C8B-B14F-4D97-AF65-F5344CB8AC3E}">
-        <p14:creationId xmlns:p14="http://schemas.microsoft.com/office/powerpoint/2010/main" val="1568131634"/>
-      </p:ext>
-    </p:extLst>
-  </p:cSld>
-  <p:clrMapOvr>
-    <a:masterClrMapping/>
-  </p:clrMapOvr>
-  <p:timing>
-    <p:tnLst>
-      <p:par>
-        <p:cTn id="1" dur="indefinite" restart="never" nodeType="tmRoot"/>
-      </p:par>
-    </p:tnLst>
-  </p:timing>
-</p:sld>
-</file>
-
 <file path=ppt/slides/slide9.xml><?xml version="1.0" encoding="utf-8"?>
 <p:sld xmlns:a="http://schemas.openxmlformats.org/drawingml/2006/main" xmlns:r="http://schemas.openxmlformats.org/officeDocument/2006/relationships" xmlns:p="http://schemas.openxmlformats.org/presentationml/2006/main">
   <p:cSld>
@@ -12245,8 +15177,8 @@
         </p:nvSpPr>
         <p:spPr>
           <a:xfrm>
-            <a:off x="1204240" y="0"/>
-            <a:ext cx="9783520" cy="584775"/>
+            <a:off x="0" y="0"/>
+            <a:ext cx="12192000" cy="584775"/>
           </a:xfrm>
           <a:prstGeom prst="rect">
             <a:avLst/>
@@ -12261,15 +15193,22 @@
           <a:p>
             <a:pPr algn="ctr"/>
             <a:r>
-              <a:rPr lang="en-US" altLang="ko-KR" sz="3200" dirty="0" smtClean="0">
+              <a:rPr lang="en-US" altLang="ko-KR" sz="3200" dirty="0">
                 <a:solidFill>
                   <a:srgbClr val="212529"/>
                 </a:solidFill>
                 <a:latin typeface="나눔스퀘어 Bold" panose="020B0600000101010101" pitchFamily="50" charset="-127"/>
                 <a:ea typeface="나눔스퀘어 Bold" panose="020B0600000101010101" pitchFamily="50" charset="-127"/>
               </a:rPr>
-              <a:t>4. Method</a:t>
-            </a:r>
+              <a:t>Pros &amp; Cons</a:t>
+            </a:r>
+            <a:endParaRPr lang="en-US" altLang="ko-KR" sz="3200" dirty="0" smtClean="0">
+              <a:solidFill>
+                <a:srgbClr val="212529"/>
+              </a:solidFill>
+              <a:latin typeface="나눔스퀘어 Bold" panose="020B0600000101010101" pitchFamily="50" charset="-127"/>
+              <a:ea typeface="나눔스퀘어 Bold" panose="020B0600000101010101" pitchFamily="50" charset="-127"/>
+            </a:endParaRPr>
           </a:p>
         </p:txBody>
       </p:sp>
@@ -12307,10 +15246,10 @@
       </p:sp>
       <p:sp>
         <p:nvSpPr>
-          <p:cNvPr id="14" name="TextBox 13">
+          <p:cNvPr id="10" name="TextBox 9">
             <a:extLst>
               <a:ext uri="{FF2B5EF4-FFF2-40B4-BE49-F238E27FC236}">
-                <a16:creationId xmlns:a16="http://schemas.microsoft.com/office/drawing/2014/main" id="{43AD0F1D-18AC-4DEA-AACB-5FB085B6C455}"/>
+                <a16:creationId xmlns:a16="http://schemas.microsoft.com/office/drawing/2014/main" id="{9922EEF6-C41D-4EED-AAFA-E7D60D60CE65}"/>
               </a:ext>
             </a:extLst>
           </p:cNvPr>
@@ -12319,8 +15258,8 @@
         </p:nvSpPr>
         <p:spPr>
           <a:xfrm>
-            <a:off x="5886444" y="3996642"/>
-            <a:ext cx="6207127" cy="1815882"/>
+            <a:off x="5886444" y="1087961"/>
+            <a:ext cx="6207127" cy="1600438"/>
           </a:xfrm>
           <a:prstGeom prst="rect">
             <a:avLst/>
@@ -12333,6 +15272,21 @@
           </a:bodyPr>
           <a:lstStyle/>
           <a:p>
+            <a:r>
+              <a:rPr lang="en-US" altLang="ko-KR" sz="1400" dirty="0" smtClean="0">
+                <a:latin typeface="나눔스퀘어 Bold" panose="020B0600000101010101" pitchFamily="50" charset="-127"/>
+                <a:ea typeface="나눔스퀘어 Bold" panose="020B0600000101010101" pitchFamily="50" charset="-127"/>
+              </a:rPr>
+              <a:t>Pros</a:t>
+            </a:r>
+          </a:p>
+          <a:p>
+            <a:endParaRPr lang="en-US" altLang="ko-KR" sz="1400" dirty="0" smtClean="0">
+              <a:latin typeface="나눔스퀘어 Bold" panose="020B0600000101010101" pitchFamily="50" charset="-127"/>
+              <a:ea typeface="나눔스퀘어 Bold" panose="020B0600000101010101" pitchFamily="50" charset="-127"/>
+            </a:endParaRPr>
+          </a:p>
+          <a:p>
             <a:pPr marL="285750" indent="-285750">
               <a:buFont typeface="Wingdings" panose="05000000000000000000" pitchFamily="2" charset="2"/>
               <a:buChar char="§"/>
@@ -12342,47 +15296,50 @@
                 <a:latin typeface="나눔스퀘어 Bold" panose="020B0600000101010101" pitchFamily="50" charset="-127"/>
                 <a:ea typeface="나눔스퀘어 Bold" panose="020B0600000101010101" pitchFamily="50" charset="-127"/>
               </a:rPr>
-              <a:t>second stage</a:t>
-            </a:r>
-            <a:r>
-              <a:rPr lang="ko-KR" altLang="en-US" sz="1400" dirty="0" smtClean="0">
-                <a:latin typeface="나눔스퀘어 Bold" panose="020B0600000101010101" pitchFamily="50" charset="-127"/>
-                <a:ea typeface="나눔스퀘어 Bold" panose="020B0600000101010101" pitchFamily="50" charset="-127"/>
-              </a:rPr>
-              <a:t>에서는 </a:t>
-            </a:r>
-            <a:r>
-              <a:rPr lang="en-US" altLang="ko-KR" sz="1400" dirty="0" smtClean="0">
-                <a:latin typeface="나눔스퀘어 Bold" panose="020B0600000101010101" pitchFamily="50" charset="-127"/>
-                <a:ea typeface="나눔스퀘어 Bold" panose="020B0600000101010101" pitchFamily="50" charset="-127"/>
-              </a:rPr>
-              <a:t>Generative Model Pre-training </a:t>
-            </a:r>
-            <a:r>
-              <a:rPr lang="ko-KR" altLang="en-US" sz="1400" dirty="0" smtClean="0">
-                <a:latin typeface="나눔스퀘어 Bold" panose="020B0600000101010101" pitchFamily="50" charset="-127"/>
-                <a:ea typeface="나눔스퀘어 Bold" panose="020B0600000101010101" pitchFamily="50" charset="-127"/>
-              </a:rPr>
-              <a:t>과정을 통해 </a:t>
-            </a:r>
-            <a:r>
-              <a:rPr lang="en-US" altLang="ko-KR" sz="1400" dirty="0" smtClean="0">
-                <a:latin typeface="나눔스퀘어 Bold" panose="020B0600000101010101" pitchFamily="50" charset="-127"/>
-                <a:ea typeface="나눔스퀘어 Bold" panose="020B0600000101010101" pitchFamily="50" charset="-127"/>
-              </a:rPr>
-              <a:t>CGAN</a:t>
-            </a:r>
-            <a:r>
-              <a:rPr lang="ko-KR" altLang="en-US" sz="1400" dirty="0" smtClean="0">
-                <a:latin typeface="나눔스퀘어 Bold" panose="020B0600000101010101" pitchFamily="50" charset="-127"/>
-                <a:ea typeface="나눔스퀘어 Bold" panose="020B0600000101010101" pitchFamily="50" charset="-127"/>
-              </a:rPr>
-              <a:t>을 학습함</a:t>
-            </a:r>
-            <a:endParaRPr lang="en-US" altLang="ko-KR" sz="1400" dirty="0" smtClean="0">
-              <a:latin typeface="나눔스퀘어 Bold" panose="020B0600000101010101" pitchFamily="50" charset="-127"/>
-              <a:ea typeface="나눔스퀘어 Bold" panose="020B0600000101010101" pitchFamily="50" charset="-127"/>
-            </a:endParaRPr>
+              <a:t>DG-specific module, loss</a:t>
+            </a:r>
+            <a:r>
+              <a:rPr lang="ko-KR" altLang="en-US" sz="1400" dirty="0" smtClean="0">
+                <a:latin typeface="나눔스퀘어 Bold" panose="020B0600000101010101" pitchFamily="50" charset="-127"/>
+                <a:ea typeface="나눔스퀘어 Bold" panose="020B0600000101010101" pitchFamily="50" charset="-127"/>
+              </a:rPr>
+              <a:t>를 사용하지 </a:t>
+            </a:r>
+            <a:r>
+              <a:rPr lang="ko-KR" altLang="en-US" sz="1400" dirty="0">
+                <a:latin typeface="나눔스퀘어 Bold" panose="020B0600000101010101" pitchFamily="50" charset="-127"/>
+                <a:ea typeface="나눔스퀘어 Bold" panose="020B0600000101010101" pitchFamily="50" charset="-127"/>
+              </a:rPr>
+              <a:t>않으면서도 </a:t>
+            </a:r>
+            <a:r>
+              <a:rPr lang="en-US" altLang="ko-KR" sz="1400" dirty="0">
+                <a:latin typeface="나눔스퀘어 Bold" panose="020B0600000101010101" pitchFamily="50" charset="-127"/>
+                <a:ea typeface="나눔스퀘어 Bold" panose="020B0600000101010101" pitchFamily="50" charset="-127"/>
+              </a:rPr>
+              <a:t>prompt </a:t>
+            </a:r>
+            <a:r>
+              <a:rPr lang="en-US" altLang="ko-KR" sz="1400" dirty="0" smtClean="0">
+                <a:latin typeface="나눔스퀘어 Bold" panose="020B0600000101010101" pitchFamily="50" charset="-127"/>
+                <a:ea typeface="나눔스퀘어 Bold" panose="020B0600000101010101" pitchFamily="50" charset="-127"/>
+              </a:rPr>
+              <a:t>diversity</a:t>
+            </a:r>
+            <a:r>
+              <a:rPr lang="ko-KR" altLang="en-US" sz="1400" dirty="0" smtClean="0">
+                <a:latin typeface="나눔스퀘어 Bold" panose="020B0600000101010101" pitchFamily="50" charset="-127"/>
+                <a:ea typeface="나눔스퀘어 Bold" panose="020B0600000101010101" pitchFamily="50" charset="-127"/>
+              </a:rPr>
+              <a:t>를 얻어</a:t>
+            </a:r>
+            <a:r>
+              <a:rPr lang="en-US" altLang="ko-KR" sz="1400" dirty="0" smtClean="0">
+                <a:latin typeface="나눔스퀘어 Bold" panose="020B0600000101010101" pitchFamily="50" charset="-127"/>
+                <a:ea typeface="나눔스퀘어 Bold" panose="020B0600000101010101" pitchFamily="50" charset="-127"/>
+              </a:rPr>
+              <a:t>,</a:t>
+            </a:r>
           </a:p>
           <a:p>
             <a:pPr marL="285750" indent="-285750">
@@ -12404,61 +15361,99 @@
                 <a:latin typeface="나눔스퀘어 Bold" panose="020B0600000101010101" pitchFamily="50" charset="-127"/>
                 <a:ea typeface="나눔스퀘어 Bold" panose="020B0600000101010101" pitchFamily="50" charset="-127"/>
               </a:rPr>
-              <a:t>generator</a:t>
-            </a:r>
-            <a:r>
-              <a:rPr lang="ko-KR" altLang="en-US" sz="1400" dirty="0" smtClean="0">
-                <a:latin typeface="나눔스퀘어 Bold" panose="020B0600000101010101" pitchFamily="50" charset="-127"/>
-                <a:ea typeface="나눔스퀘어 Bold" panose="020B0600000101010101" pitchFamily="50" charset="-127"/>
-              </a:rPr>
-              <a:t>에 </a:t>
-            </a:r>
-            <a:r>
-              <a:rPr lang="en-US" altLang="ko-KR" sz="1400" dirty="0" smtClean="0">
-                <a:latin typeface="나눔스퀘어 Bold" panose="020B0600000101010101" pitchFamily="50" charset="-127"/>
-                <a:ea typeface="나눔스퀘어 Bold" panose="020B0600000101010101" pitchFamily="50" charset="-127"/>
-              </a:rPr>
-              <a:t>noise z</a:t>
-            </a:r>
-            <a:r>
-              <a:rPr lang="ko-KR" altLang="en-US" sz="1400" dirty="0" smtClean="0">
-                <a:latin typeface="나눔스퀘어 Bold" panose="020B0600000101010101" pitchFamily="50" charset="-127"/>
-                <a:ea typeface="나눔스퀘어 Bold" panose="020B0600000101010101" pitchFamily="50" charset="-127"/>
-              </a:rPr>
-              <a:t>와 함께 </a:t>
-            </a:r>
-            <a:r>
-              <a:rPr lang="en-US" altLang="ko-KR" sz="1400" dirty="0" smtClean="0">
-                <a:latin typeface="나눔스퀘어 Bold" panose="020B0600000101010101" pitchFamily="50" charset="-127"/>
-                <a:ea typeface="나눔스퀘어 Bold" panose="020B0600000101010101" pitchFamily="50" charset="-127"/>
-              </a:rPr>
-              <a:t>image embedding</a:t>
-            </a:r>
-            <a:r>
-              <a:rPr lang="ko-KR" altLang="en-US" sz="1400" dirty="0" smtClean="0">
-                <a:latin typeface="나눔스퀘어 Bold" panose="020B0600000101010101" pitchFamily="50" charset="-127"/>
-                <a:ea typeface="나눔스퀘어 Bold" panose="020B0600000101010101" pitchFamily="50" charset="-127"/>
-              </a:rPr>
-              <a:t>을 입력해</a:t>
-            </a:r>
-            <a:r>
-              <a:rPr lang="en-US" altLang="ko-KR" sz="1400" dirty="0" smtClean="0">
-                <a:latin typeface="나눔스퀘어 Bold" panose="020B0600000101010101" pitchFamily="50" charset="-127"/>
-                <a:ea typeface="나눔스퀘어 Bold" panose="020B0600000101010101" pitchFamily="50" charset="-127"/>
-              </a:rPr>
-              <a:t>, generated prompt</a:t>
-            </a:r>
-            <a:r>
-              <a:rPr lang="ko-KR" altLang="en-US" sz="1400" dirty="0" smtClean="0">
-                <a:latin typeface="나눔스퀘어 Bold" panose="020B0600000101010101" pitchFamily="50" charset="-127"/>
-                <a:ea typeface="나눔스퀘어 Bold" panose="020B0600000101010101" pitchFamily="50" charset="-127"/>
-              </a:rPr>
-              <a:t>를 생성함</a:t>
+              <a:t>classification</a:t>
+            </a:r>
+            <a:r>
+              <a:rPr lang="ko-KR" altLang="en-US" sz="1400" dirty="0">
+                <a:latin typeface="나눔스퀘어 Bold" panose="020B0600000101010101" pitchFamily="50" charset="-127"/>
+                <a:ea typeface="나눔스퀘어 Bold" panose="020B0600000101010101" pitchFamily="50" charset="-127"/>
+              </a:rPr>
+              <a:t>과 </a:t>
+            </a:r>
+            <a:r>
+              <a:rPr lang="en-US" altLang="ko-KR" sz="1400" dirty="0">
+                <a:latin typeface="나눔스퀘어 Bold" panose="020B0600000101010101" pitchFamily="50" charset="-127"/>
+                <a:ea typeface="나눔스퀘어 Bold" panose="020B0600000101010101" pitchFamily="50" charset="-127"/>
+              </a:rPr>
+              <a:t>generalization </a:t>
+            </a:r>
+            <a:r>
+              <a:rPr lang="ko-KR" altLang="en-US" sz="1400" dirty="0">
+                <a:latin typeface="나눔스퀘어 Bold" panose="020B0600000101010101" pitchFamily="50" charset="-127"/>
+                <a:ea typeface="나눔스퀘어 Bold" panose="020B0600000101010101" pitchFamily="50" charset="-127"/>
+              </a:rPr>
+              <a:t>간 </a:t>
+            </a:r>
+            <a:r>
+              <a:rPr lang="en-US" altLang="ko-KR" sz="1400" dirty="0">
+                <a:latin typeface="나눔스퀘어 Bold" panose="020B0600000101010101" pitchFamily="50" charset="-127"/>
+                <a:ea typeface="나눔스퀘어 Bold" panose="020B0600000101010101" pitchFamily="50" charset="-127"/>
+              </a:rPr>
+              <a:t>trade-off</a:t>
+            </a:r>
+            <a:r>
+              <a:rPr lang="ko-KR" altLang="en-US" sz="1400" dirty="0">
+                <a:latin typeface="나눔스퀘어 Bold" panose="020B0600000101010101" pitchFamily="50" charset="-127"/>
+                <a:ea typeface="나눔스퀘어 Bold" panose="020B0600000101010101" pitchFamily="50" charset="-127"/>
+              </a:rPr>
+              <a:t>를 개선시키므로 범용적인 </a:t>
+            </a:r>
+            <a:r>
+              <a:rPr lang="en-US" altLang="ko-KR" sz="1400" dirty="0">
+                <a:latin typeface="나눔스퀘어 Bold" panose="020B0600000101010101" pitchFamily="50" charset="-127"/>
+                <a:ea typeface="나눔스퀘어 Bold" panose="020B0600000101010101" pitchFamily="50" charset="-127"/>
+              </a:rPr>
+              <a:t>method</a:t>
+            </a:r>
+            <a:r>
+              <a:rPr lang="ko-KR" altLang="en-US" sz="1400" dirty="0">
+                <a:latin typeface="나눔스퀘어 Bold" panose="020B0600000101010101" pitchFamily="50" charset="-127"/>
+                <a:ea typeface="나눔스퀘어 Bold" panose="020B0600000101010101" pitchFamily="50" charset="-127"/>
+              </a:rPr>
+              <a:t>로 보임</a:t>
             </a:r>
             <a:endParaRPr lang="en-US" altLang="ko-KR" sz="1400" dirty="0" smtClean="0">
               <a:latin typeface="나눔스퀘어 Bold" panose="020B0600000101010101" pitchFamily="50" charset="-127"/>
               <a:ea typeface="나눔스퀘어 Bold" panose="020B0600000101010101" pitchFamily="50" charset="-127"/>
             </a:endParaRPr>
+          </a:p>
+        </p:txBody>
+      </p:sp>
+      <p:sp>
+        <p:nvSpPr>
+          <p:cNvPr id="9" name="TextBox 8">
+            <a:extLst>
+              <a:ext uri="{FF2B5EF4-FFF2-40B4-BE49-F238E27FC236}">
+                <a16:creationId xmlns:a16="http://schemas.microsoft.com/office/drawing/2014/main" id="{9922EEF6-C41D-4EED-AAFA-E7D60D60CE65}"/>
+              </a:ext>
+            </a:extLst>
+          </p:cNvPr>
+          <p:cNvSpPr txBox="1"/>
+          <p:nvPr/>
+        </p:nvSpPr>
+        <p:spPr>
+          <a:xfrm>
+            <a:off x="5886444" y="4325944"/>
+            <a:ext cx="6207127" cy="1600438"/>
+          </a:xfrm>
+          <a:prstGeom prst="rect">
+            <a:avLst/>
+          </a:prstGeom>
+          <a:noFill/>
+        </p:spPr>
+        <p:txBody>
+          <a:bodyPr wrap="square" rtlCol="0">
+            <a:spAutoFit/>
+          </a:bodyPr>
+          <a:lstStyle/>
+          <a:p>
+            <a:r>
+              <a:rPr lang="en-US" altLang="ko-KR" sz="1400" dirty="0" smtClean="0">
+                <a:latin typeface="나눔스퀘어 Bold" panose="020B0600000101010101" pitchFamily="50" charset="-127"/>
+                <a:ea typeface="나눔스퀘어 Bold" panose="020B0600000101010101" pitchFamily="50" charset="-127"/>
+              </a:rPr>
+              <a:t>Cons</a:t>
+            </a:r>
           </a:p>
           <a:p>
             <a:pPr marL="285750" indent="-285750">
@@ -12480,307 +15475,128 @@
                 <a:latin typeface="나눔스퀘어 Bold" panose="020B0600000101010101" pitchFamily="50" charset="-127"/>
                 <a:ea typeface="나눔스퀘어 Bold" panose="020B0600000101010101" pitchFamily="50" charset="-127"/>
               </a:rPr>
-              <a:t>discriminator</a:t>
-            </a:r>
-            <a:r>
-              <a:rPr lang="ko-KR" altLang="en-US" sz="1400" dirty="0" smtClean="0">
-                <a:latin typeface="나눔스퀘어 Bold" panose="020B0600000101010101" pitchFamily="50" charset="-127"/>
-                <a:ea typeface="나눔스퀘어 Bold" panose="020B0600000101010101" pitchFamily="50" charset="-127"/>
-              </a:rPr>
-              <a:t>는 앞서 학습한 </a:t>
-            </a:r>
-            <a:r>
-              <a:rPr lang="en-US" altLang="ko-KR" sz="1400" dirty="0" smtClean="0">
-                <a:latin typeface="나눔스퀘어 Bold" panose="020B0600000101010101" pitchFamily="50" charset="-127"/>
-                <a:ea typeface="나눔스퀘어 Bold" panose="020B0600000101010101" pitchFamily="50" charset="-127"/>
-              </a:rPr>
-              <a:t>domain prompt label</a:t>
-            </a:r>
-            <a:r>
-              <a:rPr lang="ko-KR" altLang="en-US" sz="1400" dirty="0" smtClean="0">
-                <a:latin typeface="나눔스퀘어 Bold" panose="020B0600000101010101" pitchFamily="50" charset="-127"/>
-                <a:ea typeface="나눔스퀘어 Bold" panose="020B0600000101010101" pitchFamily="50" charset="-127"/>
-              </a:rPr>
-              <a:t>을 </a:t>
-            </a:r>
-            <a:r>
-              <a:rPr lang="en-US" altLang="ko-KR" sz="1400" dirty="0" smtClean="0">
-                <a:latin typeface="나눔스퀘어 Bold" panose="020B0600000101010101" pitchFamily="50" charset="-127"/>
-                <a:ea typeface="나눔스퀘어 Bold" panose="020B0600000101010101" pitchFamily="50" charset="-127"/>
-              </a:rPr>
-              <a:t>1, generated prompt</a:t>
-            </a:r>
-            <a:r>
-              <a:rPr lang="ko-KR" altLang="en-US" sz="1400" dirty="0" smtClean="0">
-                <a:latin typeface="나눔스퀘어 Bold" panose="020B0600000101010101" pitchFamily="50" charset="-127"/>
-                <a:ea typeface="나눔스퀘어 Bold" panose="020B0600000101010101" pitchFamily="50" charset="-127"/>
-              </a:rPr>
-              <a:t>를 </a:t>
-            </a:r>
-            <a:r>
-              <a:rPr lang="en-US" altLang="ko-KR" sz="1400" dirty="0" smtClean="0">
-                <a:latin typeface="나눔스퀘어 Bold" panose="020B0600000101010101" pitchFamily="50" charset="-127"/>
-                <a:ea typeface="나눔스퀘어 Bold" panose="020B0600000101010101" pitchFamily="50" charset="-127"/>
-              </a:rPr>
-              <a:t>0</a:t>
-            </a:r>
-            <a:r>
-              <a:rPr lang="ko-KR" altLang="en-US" sz="1400" dirty="0" smtClean="0">
-                <a:latin typeface="나눔스퀘어 Bold" panose="020B0600000101010101" pitchFamily="50" charset="-127"/>
-                <a:ea typeface="나눔스퀘어 Bold" panose="020B0600000101010101" pitchFamily="50" charset="-127"/>
-              </a:rPr>
-              <a:t>로 예측함</a:t>
-            </a:r>
+              <a:t>Pre-trained CLIP</a:t>
+            </a:r>
+            <a:r>
+              <a:rPr lang="ko-KR" altLang="en-US" sz="1400" dirty="0" smtClean="0">
+                <a:latin typeface="나눔스퀘어 Bold" panose="020B0600000101010101" pitchFamily="50" charset="-127"/>
+                <a:ea typeface="나눔스퀘어 Bold" panose="020B0600000101010101" pitchFamily="50" charset="-127"/>
+              </a:rPr>
+              <a:t>의 </a:t>
+            </a:r>
+            <a:r>
+              <a:rPr lang="en-US" altLang="ko-KR" sz="1400" dirty="0" smtClean="0">
+                <a:latin typeface="나눔스퀘어 Bold" panose="020B0600000101010101" pitchFamily="50" charset="-127"/>
+                <a:ea typeface="나눔스퀘어 Bold" panose="020B0600000101010101" pitchFamily="50" charset="-127"/>
+              </a:rPr>
+              <a:t>local feature</a:t>
+            </a:r>
+            <a:r>
+              <a:rPr lang="ko-KR" altLang="en-US" sz="1400" dirty="0" smtClean="0">
+                <a:latin typeface="나눔스퀘어 Bold" panose="020B0600000101010101" pitchFamily="50" charset="-127"/>
+                <a:ea typeface="나눔스퀘어 Bold" panose="020B0600000101010101" pitchFamily="50" charset="-127"/>
+              </a:rPr>
+              <a:t>는 매우 낮은 </a:t>
+            </a:r>
+            <a:r>
+              <a:rPr lang="en-US" altLang="ko-KR" sz="1400" dirty="0" smtClean="0">
+                <a:latin typeface="나눔스퀘어 Bold" panose="020B0600000101010101" pitchFamily="50" charset="-127"/>
+                <a:ea typeface="나눔스퀘어 Bold" panose="020B0600000101010101" pitchFamily="50" charset="-127"/>
+              </a:rPr>
+              <a:t>zero-shot classification </a:t>
+            </a:r>
+            <a:r>
+              <a:rPr lang="ko-KR" altLang="en-US" sz="1400" dirty="0" smtClean="0">
+                <a:latin typeface="나눔스퀘어 Bold" panose="020B0600000101010101" pitchFamily="50" charset="-127"/>
+                <a:ea typeface="나눔스퀘어 Bold" panose="020B0600000101010101" pitchFamily="50" charset="-127"/>
+              </a:rPr>
+              <a:t>결과를 보이는데</a:t>
+            </a:r>
+            <a:r>
+              <a:rPr lang="en-US" altLang="ko-KR" sz="1400" dirty="0" smtClean="0">
+                <a:latin typeface="나눔스퀘어 Bold" panose="020B0600000101010101" pitchFamily="50" charset="-127"/>
+                <a:ea typeface="나눔스퀘어 Bold" panose="020B0600000101010101" pitchFamily="50" charset="-127"/>
+              </a:rPr>
+              <a:t>,</a:t>
+            </a:r>
+          </a:p>
+          <a:p>
+            <a:pPr marL="285750" indent="-285750">
+              <a:buFont typeface="Wingdings" panose="05000000000000000000" pitchFamily="2" charset="2"/>
+              <a:buChar char="§"/>
+            </a:pPr>
+            <a:endParaRPr lang="en-US" altLang="ko-KR" sz="1400" dirty="0">
+              <a:latin typeface="나눔스퀘어 Bold" panose="020B0600000101010101" pitchFamily="50" charset="-127"/>
+              <a:ea typeface="나눔스퀘어 Bold" panose="020B0600000101010101" pitchFamily="50" charset="-127"/>
+            </a:endParaRPr>
+          </a:p>
+          <a:p>
+            <a:pPr marL="285750" indent="-285750">
+              <a:buFont typeface="Wingdings" panose="05000000000000000000" pitchFamily="2" charset="2"/>
+              <a:buChar char="§"/>
+            </a:pPr>
+            <a:r>
+              <a:rPr lang="en-US" altLang="ko-KR" sz="1400" dirty="0" smtClean="0">
+                <a:latin typeface="나눔스퀘어 Bold" panose="020B0600000101010101" pitchFamily="50" charset="-127"/>
+                <a:ea typeface="나눔스퀘어 Bold" panose="020B0600000101010101" pitchFamily="50" charset="-127"/>
+              </a:rPr>
+              <a:t>linear projection</a:t>
+            </a:r>
+            <a:r>
+              <a:rPr lang="ko-KR" altLang="en-US" sz="1400" dirty="0" smtClean="0">
+                <a:latin typeface="나눔스퀘어 Bold" panose="020B0600000101010101" pitchFamily="50" charset="-127"/>
+                <a:ea typeface="나눔스퀘어 Bold" panose="020B0600000101010101" pitchFamily="50" charset="-127"/>
+              </a:rPr>
+              <a:t>을 추가하는 것만으로 </a:t>
+            </a:r>
+            <a:r>
+              <a:rPr lang="en-US" altLang="ko-KR" sz="1400" dirty="0" smtClean="0">
+                <a:latin typeface="나눔스퀘어 Bold" panose="020B0600000101010101" pitchFamily="50" charset="-127"/>
+                <a:ea typeface="나눔스퀘어 Bold" panose="020B0600000101010101" pitchFamily="50" charset="-127"/>
+              </a:rPr>
+              <a:t>discriminating power</a:t>
+            </a:r>
+            <a:r>
+              <a:rPr lang="ko-KR" altLang="en-US" sz="1400" dirty="0" smtClean="0">
+                <a:latin typeface="나눔스퀘어 Bold" panose="020B0600000101010101" pitchFamily="50" charset="-127"/>
+                <a:ea typeface="나눔스퀘어 Bold" panose="020B0600000101010101" pitchFamily="50" charset="-127"/>
+              </a:rPr>
+              <a:t>를 향상시키기엔 부족해 보임</a:t>
+            </a:r>
+            <a:endParaRPr lang="en-US" altLang="ko-KR" sz="1400" dirty="0" smtClean="0">
+              <a:latin typeface="나눔스퀘어 Bold" panose="020B0600000101010101" pitchFamily="50" charset="-127"/>
+              <a:ea typeface="나눔스퀘어 Bold" panose="020B0600000101010101" pitchFamily="50" charset="-127"/>
+            </a:endParaRPr>
           </a:p>
         </p:txBody>
       </p:sp>
-      <mc:AlternateContent xmlns:mc="http://schemas.openxmlformats.org/markup-compatibility/2006">
-        <mc:Choice xmlns:a14="http://schemas.microsoft.com/office/drawing/2010/main" Requires="a14">
-          <p:sp>
-            <p:nvSpPr>
-              <p:cNvPr id="10" name="TextBox 9">
-                <a:extLst>
-                  <a:ext uri="{FF2B5EF4-FFF2-40B4-BE49-F238E27FC236}">
-                    <a16:creationId xmlns:a16="http://schemas.microsoft.com/office/drawing/2014/main" id="{9922EEF6-C41D-4EED-AAFA-E7D60D60CE65}"/>
-                  </a:ext>
-                </a:extLst>
-              </p:cNvPr>
-              <p:cNvSpPr txBox="1"/>
-              <p:nvPr/>
-            </p:nvSpPr>
-            <p:spPr>
-              <a:xfrm>
-                <a:off x="5886444" y="1266655"/>
-                <a:ext cx="6207127" cy="957891"/>
-              </a:xfrm>
-              <a:prstGeom prst="rect">
-                <a:avLst/>
-              </a:prstGeom>
-              <a:noFill/>
-            </p:spPr>
-            <p:txBody>
-              <a:bodyPr wrap="square" rtlCol="0">
-                <a:spAutoFit/>
-              </a:bodyPr>
-              <a:lstStyle/>
-              <a:p>
-                <a:pPr marL="285750" indent="-285750">
-                  <a:buFont typeface="Wingdings" panose="05000000000000000000" pitchFamily="2" charset="2"/>
-                  <a:buChar char="§"/>
-                </a:pPr>
-                <a:r>
-                  <a:rPr lang="ko-KR" altLang="en-US" sz="1400" dirty="0" smtClean="0">
-                    <a:latin typeface="나눔스퀘어 Bold" panose="020B0600000101010101" pitchFamily="50" charset="-127"/>
-                    <a:ea typeface="나눔스퀘어 Bold" panose="020B0600000101010101" pitchFamily="50" charset="-127"/>
-                  </a:rPr>
-                  <a:t>학습은 </a:t>
-                </a:r>
-                <a:r>
-                  <a:rPr lang="en-US" altLang="ko-KR" sz="1400" dirty="0" smtClean="0">
-                    <a:latin typeface="나눔스퀘어 Bold" panose="020B0600000101010101" pitchFamily="50" charset="-127"/>
-                    <a:ea typeface="나눔스퀘어 Bold" panose="020B0600000101010101" pitchFamily="50" charset="-127"/>
-                  </a:rPr>
-                  <a:t>Two-stage training</a:t>
-                </a:r>
-                <a:r>
-                  <a:rPr lang="ko-KR" altLang="en-US" sz="1400" dirty="0" smtClean="0">
-                    <a:latin typeface="나눔스퀘어 Bold" panose="020B0600000101010101" pitchFamily="50" charset="-127"/>
-                    <a:ea typeface="나눔스퀘어 Bold" panose="020B0600000101010101" pitchFamily="50" charset="-127"/>
-                  </a:rPr>
-                  <a:t>으로 진행됨</a:t>
-                </a:r>
-                <a:endParaRPr lang="en-US" altLang="ko-KR" sz="1400" dirty="0" smtClean="0">
-                  <a:latin typeface="나눔스퀘어 Bold" panose="020B0600000101010101" pitchFamily="50" charset="-127"/>
-                  <a:ea typeface="나눔스퀘어 Bold" panose="020B0600000101010101" pitchFamily="50" charset="-127"/>
-                </a:endParaRPr>
-              </a:p>
-              <a:p>
-                <a:pPr marL="285750" indent="-285750">
-                  <a:buFont typeface="Wingdings" panose="05000000000000000000" pitchFamily="2" charset="2"/>
-                  <a:buChar char="§"/>
-                </a:pPr>
-                <a:endParaRPr lang="en-US" altLang="ko-KR" sz="1400" dirty="0">
-                  <a:latin typeface="나눔스퀘어 Bold" panose="020B0600000101010101" pitchFamily="50" charset="-127"/>
-                  <a:ea typeface="나눔스퀘어 Bold" panose="020B0600000101010101" pitchFamily="50" charset="-127"/>
-                </a:endParaRPr>
-              </a:p>
-              <a:p>
-                <a:pPr marL="285750" indent="-285750">
-                  <a:buFont typeface="Wingdings" panose="05000000000000000000" pitchFamily="2" charset="2"/>
-                  <a:buChar char="§"/>
-                </a:pPr>
-                <a:r>
-                  <a:rPr lang="en-US" altLang="ko-KR" sz="1400" dirty="0" smtClean="0">
-                    <a:latin typeface="나눔스퀘어 Bold" panose="020B0600000101010101" pitchFamily="50" charset="-127"/>
-                    <a:ea typeface="나눔스퀘어 Bold" panose="020B0600000101010101" pitchFamily="50" charset="-127"/>
-                  </a:rPr>
-                  <a:t>training stage 1</a:t>
-                </a:r>
-                <a:r>
-                  <a:rPr lang="ko-KR" altLang="en-US" sz="1400" dirty="0" smtClean="0">
-                    <a:latin typeface="나눔스퀘어 Bold" panose="020B0600000101010101" pitchFamily="50" charset="-127"/>
-                    <a:ea typeface="나눔스퀘어 Bold" panose="020B0600000101010101" pitchFamily="50" charset="-127"/>
-                  </a:rPr>
-                  <a:t>에서는 각 </a:t>
-                </a:r>
-                <a:r>
-                  <a:rPr lang="en-US" altLang="ko-KR" sz="1400" dirty="0" smtClean="0">
-                    <a:latin typeface="나눔스퀘어 Bold" panose="020B0600000101010101" pitchFamily="50" charset="-127"/>
-                    <a:ea typeface="나눔스퀘어 Bold" panose="020B0600000101010101" pitchFamily="50" charset="-127"/>
-                  </a:rPr>
-                  <a:t>domain</a:t>
-                </a:r>
-                <a:r>
-                  <a:rPr lang="ko-KR" altLang="en-US" sz="1400" dirty="0" smtClean="0">
-                    <a:latin typeface="나눔스퀘어 Bold" panose="020B0600000101010101" pitchFamily="50" charset="-127"/>
-                    <a:ea typeface="나눔스퀘어 Bold" panose="020B0600000101010101" pitchFamily="50" charset="-127"/>
-                  </a:rPr>
-                  <a:t>에 해당하는 </a:t>
-                </a:r>
-                <a:r>
-                  <a:rPr lang="en-US" altLang="ko-KR" sz="1400" dirty="0" smtClean="0">
-                    <a:latin typeface="나눔스퀘어 Bold" panose="020B0600000101010101" pitchFamily="50" charset="-127"/>
-                    <a:ea typeface="나눔스퀘어 Bold" panose="020B0600000101010101" pitchFamily="50" charset="-127"/>
-                  </a:rPr>
-                  <a:t>domain prompt label </a:t>
-                </a:r>
-                <a14:m>
-                  <m:oMath xmlns:m="http://schemas.openxmlformats.org/officeDocument/2006/math">
-                    <m:sSup>
-                      <m:sSupPr>
-                        <m:ctrlPr>
-                          <a:rPr lang="en-US" altLang="ko-KR" sz="1400" i="1" smtClean="0">
-                            <a:latin typeface="Cambria Math" panose="02040503050406030204" pitchFamily="18" charset="0"/>
-                            <a:ea typeface="나눔스퀘어 Bold" panose="020B0600000101010101" pitchFamily="50" charset="-127"/>
-                          </a:rPr>
-                        </m:ctrlPr>
-                      </m:sSupPr>
-                      <m:e>
-                        <m:r>
-                          <a:rPr lang="en-US" altLang="ko-KR" sz="1400" b="0" i="1" smtClean="0">
-                            <a:latin typeface="Cambria Math" panose="02040503050406030204" pitchFamily="18" charset="0"/>
-                            <a:ea typeface="나눔스퀘어 Bold" panose="020B0600000101010101" pitchFamily="50" charset="-127"/>
-                          </a:rPr>
-                          <m:t>𝑣</m:t>
-                        </m:r>
-                      </m:e>
-                      <m:sup>
-                        <m:sSub>
-                          <m:sSubPr>
-                            <m:ctrlPr>
-                              <a:rPr lang="en-US" altLang="ko-KR" sz="1400" i="1" smtClean="0">
-                                <a:latin typeface="Cambria Math" panose="02040503050406030204" pitchFamily="18" charset="0"/>
-                                <a:ea typeface="나눔스퀘어 Bold" panose="020B0600000101010101" pitchFamily="50" charset="-127"/>
-                              </a:rPr>
-                            </m:ctrlPr>
-                          </m:sSubPr>
-                          <m:e>
-                            <m:r>
-                              <a:rPr lang="en-US" altLang="ko-KR" sz="1400" b="0" i="1" smtClean="0">
-                                <a:latin typeface="Cambria Math" panose="02040503050406030204" pitchFamily="18" charset="0"/>
-                                <a:ea typeface="나눔스퀘어 Bold" panose="020B0600000101010101" pitchFamily="50" charset="-127"/>
-                              </a:rPr>
-                              <m:t>𝑑</m:t>
-                            </m:r>
-                          </m:e>
-                          <m:sub>
-                            <m:r>
-                              <a:rPr lang="en-US" altLang="ko-KR" sz="1400" b="0" i="1" smtClean="0">
-                                <a:latin typeface="Cambria Math" panose="02040503050406030204" pitchFamily="18" charset="0"/>
-                                <a:ea typeface="나눔스퀘어 Bold" panose="020B0600000101010101" pitchFamily="50" charset="-127"/>
-                              </a:rPr>
-                              <m:t>𝑖</m:t>
-                            </m:r>
-                          </m:sub>
-                        </m:sSub>
-                      </m:sup>
-                    </m:sSup>
-                  </m:oMath>
-                </a14:m>
-                <a:r>
-                  <a:rPr lang="ko-KR" altLang="en-US" sz="1400" dirty="0" smtClean="0">
-                    <a:latin typeface="나눔스퀘어 Bold" panose="020B0600000101010101" pitchFamily="50" charset="-127"/>
-                    <a:ea typeface="나눔스퀘어 Bold" panose="020B0600000101010101" pitchFamily="50" charset="-127"/>
-                  </a:rPr>
-                  <a:t>를 </a:t>
-                </a:r>
-                <a:r>
-                  <a:rPr lang="ko-KR" altLang="en-US" sz="1400" dirty="0" smtClean="0">
-                    <a:latin typeface="나눔스퀘어 Bold" panose="020B0600000101010101" pitchFamily="50" charset="-127"/>
-                    <a:ea typeface="나눔스퀘어 Bold" panose="020B0600000101010101" pitchFamily="50" charset="-127"/>
-                  </a:rPr>
-                  <a:t>일반적인 </a:t>
-                </a:r>
-                <a:r>
-                  <a:rPr lang="en-US" altLang="ko-KR" sz="1400" dirty="0" smtClean="0">
-                    <a:latin typeface="나눔스퀘어 Bold" panose="020B0600000101010101" pitchFamily="50" charset="-127"/>
-                    <a:ea typeface="나눔스퀘어 Bold" panose="020B0600000101010101" pitchFamily="50" charset="-127"/>
-                  </a:rPr>
-                  <a:t>prompt tuning</a:t>
-                </a:r>
-                <a:r>
-                  <a:rPr lang="ko-KR" altLang="en-US" sz="1400" dirty="0" smtClean="0">
-                    <a:latin typeface="나눔스퀘어 Bold" panose="020B0600000101010101" pitchFamily="50" charset="-127"/>
-                    <a:ea typeface="나눔스퀘어 Bold" panose="020B0600000101010101" pitchFamily="50" charset="-127"/>
-                  </a:rPr>
-                  <a:t>과 같은 방식으로 학습함</a:t>
-                </a:r>
-                <a:endParaRPr lang="en-US" altLang="ko-KR" sz="1400" dirty="0" smtClean="0">
-                  <a:latin typeface="나눔스퀘어 Bold" panose="020B0600000101010101" pitchFamily="50" charset="-127"/>
-                  <a:ea typeface="나눔스퀘어 Bold" panose="020B0600000101010101" pitchFamily="50" charset="-127"/>
-                </a:endParaRPr>
-              </a:p>
-            </p:txBody>
-          </p:sp>
-        </mc:Choice>
-        <mc:Fallback>
-          <p:sp>
-            <p:nvSpPr>
-              <p:cNvPr id="10" name="TextBox 9">
-                <a:extLst>
-                  <a:ext uri="{FF2B5EF4-FFF2-40B4-BE49-F238E27FC236}">
-                    <a16:creationId xmlns:a16="http://schemas.microsoft.com/office/drawing/2014/main" id="{9922EEF6-C41D-4EED-AAFA-E7D60D60CE65}"/>
-                  </a:ext>
-                </a:extLst>
-              </p:cNvPr>
-              <p:cNvSpPr txBox="1">
-                <a:spLocks noRot="1" noChangeAspect="1" noMove="1" noResize="1" noEditPoints="1" noAdjustHandles="1" noChangeArrowheads="1" noChangeShapeType="1" noTextEdit="1"/>
-              </p:cNvSpPr>
-              <p:nvPr/>
-            </p:nvSpPr>
-            <p:spPr>
-              <a:xfrm>
-                <a:off x="5886444" y="1266655"/>
-                <a:ext cx="6207127" cy="957891"/>
-              </a:xfrm>
-              <a:prstGeom prst="rect">
-                <a:avLst/>
-              </a:prstGeom>
-              <a:blipFill>
-                <a:blip r:embed="rId2"/>
-                <a:stretch>
-                  <a:fillRect l="-196" t="-1274" b="-5096"/>
-                </a:stretch>
-              </a:blipFill>
-            </p:spPr>
-            <p:txBody>
-              <a:bodyPr/>
-              <a:lstStyle/>
-              <a:p>
-                <a:r>
-                  <a:rPr lang="ko-KR" altLang="en-US">
-                    <a:noFill/>
-                  </a:rPr>
-                  <a:t> </a:t>
-                </a:r>
-              </a:p>
-            </p:txBody>
-          </p:sp>
-        </mc:Fallback>
-      </mc:AlternateContent>
       <p:pic>
         <p:nvPicPr>
-          <p:cNvPr id="2" name="그림 1"/>
+          <p:cNvPr id="5" name="그림 4"/>
+          <p:cNvPicPr>
+            <a:picLocks noChangeAspect="1"/>
+          </p:cNvPicPr>
+          <p:nvPr/>
+        </p:nvPicPr>
+        <p:blipFill>
+          <a:blip r:embed="rId2"/>
+          <a:stretch>
+            <a:fillRect/>
+          </a:stretch>
+        </p:blipFill>
+        <p:spPr>
+          <a:xfrm>
+            <a:off x="458831" y="905331"/>
+            <a:ext cx="4410075" cy="2466975"/>
+          </a:xfrm>
+          <a:prstGeom prst="rect">
+            <a:avLst/>
+          </a:prstGeom>
+        </p:spPr>
+      </p:pic>
+      <p:pic>
+        <p:nvPicPr>
+          <p:cNvPr id="6" name="그림 5"/>
           <p:cNvPicPr>
             <a:picLocks noChangeAspect="1"/>
           </p:cNvPicPr>
@@ -12794,56 +15610,8 @@
         </p:blipFill>
         <p:spPr>
           <a:xfrm>
-            <a:off x="760806" y="660576"/>
-            <a:ext cx="4316011" cy="2546948"/>
-          </a:xfrm>
-          <a:prstGeom prst="rect">
-            <a:avLst/>
-          </a:prstGeom>
-        </p:spPr>
-      </p:pic>
-      <p:pic>
-        <p:nvPicPr>
-          <p:cNvPr id="9" name="그림 8"/>
-          <p:cNvPicPr>
-            <a:picLocks noChangeAspect="1"/>
-          </p:cNvPicPr>
-          <p:nvPr/>
-        </p:nvPicPr>
-        <p:blipFill>
-          <a:blip r:embed="rId4"/>
-          <a:stretch>
-            <a:fillRect/>
-          </a:stretch>
-        </p:blipFill>
-        <p:spPr>
-          <a:xfrm>
-            <a:off x="1014802" y="5812524"/>
-            <a:ext cx="3808011" cy="681354"/>
-          </a:xfrm>
-          <a:prstGeom prst="rect">
-            <a:avLst/>
-          </a:prstGeom>
-        </p:spPr>
-      </p:pic>
-      <p:pic>
-        <p:nvPicPr>
-          <p:cNvPr id="11" name="그림 10"/>
-          <p:cNvPicPr>
-            <a:picLocks noChangeAspect="1"/>
-          </p:cNvPicPr>
-          <p:nvPr/>
-        </p:nvPicPr>
-        <p:blipFill>
-          <a:blip r:embed="rId5"/>
-          <a:stretch>
-            <a:fillRect/>
-          </a:stretch>
-        </p:blipFill>
-        <p:spPr>
-          <a:xfrm>
-            <a:off x="760803" y="3283325"/>
-            <a:ext cx="4316011" cy="2366844"/>
+            <a:off x="1227223" y="3530725"/>
+            <a:ext cx="3324225" cy="3190875"/>
           </a:xfrm>
           <a:prstGeom prst="rect">
             <a:avLst/>
@@ -12853,7 +15621,7 @@
     </p:spTree>
     <p:extLst>
       <p:ext uri="{BB962C8B-B14F-4D97-AF65-F5344CB8AC3E}">
-        <p14:creationId xmlns:p14="http://schemas.microsoft.com/office/powerpoint/2010/main" val="2373892484"/>
+        <p14:creationId xmlns:p14="http://schemas.microsoft.com/office/powerpoint/2010/main" val="1651669562"/>
       </p:ext>
     </p:extLst>
   </p:cSld>

--- a/CVPR/논문/DA(ECCV) PPT.pptx
+++ b/CVPR/논문/DA(ECCV) PPT.pptx
@@ -6,27 +6,29 @@
   </p:sldMasterIdLst>
   <p:sldIdLst>
     <p:sldId id="256" r:id="rId2"/>
-    <p:sldId id="278" r:id="rId3"/>
-    <p:sldId id="277" r:id="rId4"/>
-    <p:sldId id="257" r:id="rId5"/>
-    <p:sldId id="259" r:id="rId6"/>
-    <p:sldId id="260" r:id="rId7"/>
-    <p:sldId id="261" r:id="rId8"/>
-    <p:sldId id="262" r:id="rId9"/>
-    <p:sldId id="274" r:id="rId10"/>
-    <p:sldId id="263" r:id="rId11"/>
-    <p:sldId id="264" r:id="rId12"/>
-    <p:sldId id="265" r:id="rId13"/>
-    <p:sldId id="266" r:id="rId14"/>
-    <p:sldId id="267" r:id="rId15"/>
-    <p:sldId id="275" r:id="rId16"/>
-    <p:sldId id="268" r:id="rId17"/>
-    <p:sldId id="269" r:id="rId18"/>
-    <p:sldId id="270" r:id="rId19"/>
-    <p:sldId id="271" r:id="rId20"/>
-    <p:sldId id="272" r:id="rId21"/>
-    <p:sldId id="273" r:id="rId22"/>
-    <p:sldId id="276" r:id="rId23"/>
+    <p:sldId id="279" r:id="rId3"/>
+    <p:sldId id="278" r:id="rId4"/>
+    <p:sldId id="280" r:id="rId5"/>
+    <p:sldId id="277" r:id="rId6"/>
+    <p:sldId id="257" r:id="rId7"/>
+    <p:sldId id="259" r:id="rId8"/>
+    <p:sldId id="260" r:id="rId9"/>
+    <p:sldId id="261" r:id="rId10"/>
+    <p:sldId id="262" r:id="rId11"/>
+    <p:sldId id="274" r:id="rId12"/>
+    <p:sldId id="263" r:id="rId13"/>
+    <p:sldId id="264" r:id="rId14"/>
+    <p:sldId id="265" r:id="rId15"/>
+    <p:sldId id="266" r:id="rId16"/>
+    <p:sldId id="267" r:id="rId17"/>
+    <p:sldId id="275" r:id="rId18"/>
+    <p:sldId id="268" r:id="rId19"/>
+    <p:sldId id="269" r:id="rId20"/>
+    <p:sldId id="270" r:id="rId21"/>
+    <p:sldId id="271" r:id="rId22"/>
+    <p:sldId id="272" r:id="rId23"/>
+    <p:sldId id="273" r:id="rId24"/>
+    <p:sldId id="276" r:id="rId25"/>
   </p:sldIdLst>
   <p:sldSz cx="12192000" cy="6858000"/>
   <p:notesSz cx="6858000" cy="9144000"/>
@@ -264,7 +266,7 @@
           <a:p>
             <a:fld id="{49C8E204-AF0E-4441-855E-76DACF705B48}" type="datetimeFigureOut">
               <a:rPr lang="ko-KR" altLang="en-US" smtClean="0"/>
-              <a:t>2024-08-30</a:t>
+              <a:t>2024-09-02</a:t>
             </a:fld>
             <a:endParaRPr lang="ko-KR" altLang="en-US"/>
           </a:p>
@@ -434,7 +436,7 @@
           <a:p>
             <a:fld id="{49C8E204-AF0E-4441-855E-76DACF705B48}" type="datetimeFigureOut">
               <a:rPr lang="ko-KR" altLang="en-US" smtClean="0"/>
-              <a:t>2024-08-30</a:t>
+              <a:t>2024-09-02</a:t>
             </a:fld>
             <a:endParaRPr lang="ko-KR" altLang="en-US"/>
           </a:p>
@@ -614,7 +616,7 @@
           <a:p>
             <a:fld id="{49C8E204-AF0E-4441-855E-76DACF705B48}" type="datetimeFigureOut">
               <a:rPr lang="ko-KR" altLang="en-US" smtClean="0"/>
-              <a:t>2024-08-30</a:t>
+              <a:t>2024-09-02</a:t>
             </a:fld>
             <a:endParaRPr lang="ko-KR" altLang="en-US"/>
           </a:p>
@@ -784,7 +786,7 @@
           <a:p>
             <a:fld id="{49C8E204-AF0E-4441-855E-76DACF705B48}" type="datetimeFigureOut">
               <a:rPr lang="ko-KR" altLang="en-US" smtClean="0"/>
-              <a:t>2024-08-30</a:t>
+              <a:t>2024-09-02</a:t>
             </a:fld>
             <a:endParaRPr lang="ko-KR" altLang="en-US"/>
           </a:p>
@@ -1030,7 +1032,7 @@
           <a:p>
             <a:fld id="{49C8E204-AF0E-4441-855E-76DACF705B48}" type="datetimeFigureOut">
               <a:rPr lang="ko-KR" altLang="en-US" smtClean="0"/>
-              <a:t>2024-08-30</a:t>
+              <a:t>2024-09-02</a:t>
             </a:fld>
             <a:endParaRPr lang="ko-KR" altLang="en-US"/>
           </a:p>
@@ -1262,7 +1264,7 @@
           <a:p>
             <a:fld id="{49C8E204-AF0E-4441-855E-76DACF705B48}" type="datetimeFigureOut">
               <a:rPr lang="ko-KR" altLang="en-US" smtClean="0"/>
-              <a:t>2024-08-30</a:t>
+              <a:t>2024-09-02</a:t>
             </a:fld>
             <a:endParaRPr lang="ko-KR" altLang="en-US"/>
           </a:p>
@@ -1629,7 +1631,7 @@
           <a:p>
             <a:fld id="{49C8E204-AF0E-4441-855E-76DACF705B48}" type="datetimeFigureOut">
               <a:rPr lang="ko-KR" altLang="en-US" smtClean="0"/>
-              <a:t>2024-08-30</a:t>
+              <a:t>2024-09-02</a:t>
             </a:fld>
             <a:endParaRPr lang="ko-KR" altLang="en-US"/>
           </a:p>
@@ -1747,7 +1749,7 @@
           <a:p>
             <a:fld id="{49C8E204-AF0E-4441-855E-76DACF705B48}" type="datetimeFigureOut">
               <a:rPr lang="ko-KR" altLang="en-US" smtClean="0"/>
-              <a:t>2024-08-30</a:t>
+              <a:t>2024-09-02</a:t>
             </a:fld>
             <a:endParaRPr lang="ko-KR" altLang="en-US"/>
           </a:p>
@@ -1842,7 +1844,7 @@
           <a:p>
             <a:fld id="{49C8E204-AF0E-4441-855E-76DACF705B48}" type="datetimeFigureOut">
               <a:rPr lang="ko-KR" altLang="en-US" smtClean="0"/>
-              <a:t>2024-08-30</a:t>
+              <a:t>2024-09-02</a:t>
             </a:fld>
             <a:endParaRPr lang="ko-KR" altLang="en-US"/>
           </a:p>
@@ -2119,7 +2121,7 @@
           <a:p>
             <a:fld id="{49C8E204-AF0E-4441-855E-76DACF705B48}" type="datetimeFigureOut">
               <a:rPr lang="ko-KR" altLang="en-US" smtClean="0"/>
-              <a:t>2024-08-30</a:t>
+              <a:t>2024-09-02</a:t>
             </a:fld>
             <a:endParaRPr lang="ko-KR" altLang="en-US"/>
           </a:p>
@@ -2372,7 +2374,7 @@
           <a:p>
             <a:fld id="{49C8E204-AF0E-4441-855E-76DACF705B48}" type="datetimeFigureOut">
               <a:rPr lang="ko-KR" altLang="en-US" smtClean="0"/>
-              <a:t>2024-08-30</a:t>
+              <a:t>2024-09-02</a:t>
             </a:fld>
             <a:endParaRPr lang="ko-KR" altLang="en-US"/>
           </a:p>
@@ -2585,7 +2587,7 @@
           <a:p>
             <a:fld id="{49C8E204-AF0E-4441-855E-76DACF705B48}" type="datetimeFigureOut">
               <a:rPr lang="ko-KR" altLang="en-US" smtClean="0"/>
-              <a:t>2024-08-30</a:t>
+              <a:t>2024-09-02</a:t>
             </a:fld>
             <a:endParaRPr lang="ko-KR" altLang="en-US"/>
           </a:p>
@@ -3075,60 +3077,508 @@
       </p:grpSpPr>
       <p:sp>
         <p:nvSpPr>
-          <p:cNvPr id="2" name="제목 1">
+          <p:cNvPr id="12" name="TextBox 11">
             <a:extLst>
               <a:ext uri="{FF2B5EF4-FFF2-40B4-BE49-F238E27FC236}">
-                <a16:creationId xmlns:a16="http://schemas.microsoft.com/office/drawing/2014/main" id="{2EE29E3B-60E4-46B8-B222-ACB10CB8AEEC}"/>
+                <a16:creationId xmlns:a16="http://schemas.microsoft.com/office/drawing/2014/main" id="{C7D7709E-206F-4B6B-9ABA-DCEDF98FB299}"/>
               </a:ext>
             </a:extLst>
           </p:cNvPr>
-          <p:cNvSpPr>
-            <a:spLocks noGrp="1"/>
-          </p:cNvSpPr>
-          <p:nvPr>
-            <p:ph type="ctrTitle"/>
-          </p:nvPr>
+          <p:cNvSpPr txBox="1"/>
+          <p:nvPr/>
         </p:nvSpPr>
         <p:spPr>
           <a:xfrm>
             <a:off x="0" y="0"/>
-            <a:ext cx="12192000" cy="2387600"/>
+            <a:ext cx="12192000" cy="584775"/>
           </a:xfrm>
+          <a:prstGeom prst="rect">
+            <a:avLst/>
+          </a:prstGeom>
+          <a:noFill/>
         </p:spPr>
         <p:txBody>
-          <a:bodyPr>
-            <a:normAutofit/>
+          <a:bodyPr wrap="square" rtlCol="0">
+            <a:spAutoFit/>
           </a:bodyPr>
           <a:lstStyle/>
           <a:p>
-            <a:r>
-              <a:rPr lang="en-US" altLang="ko-KR" sz="4000" dirty="0" smtClean="0">
-                <a:latin typeface="나눔스퀘어 Bold" panose="020B0600000101010101" pitchFamily="50" charset="-127"/>
-                <a:ea typeface="나눔스퀘어 Bold" panose="020B0600000101010101" pitchFamily="50" charset="-127"/>
-              </a:rPr>
-              <a:t>Soft Prompt Generation for Domain Generalization</a:t>
-            </a:r>
-            <a:br>
-              <a:rPr lang="en-US" altLang="ko-KR" sz="4000" dirty="0" smtClean="0">
-                <a:latin typeface="나눔스퀘어 Bold" panose="020B0600000101010101" pitchFamily="50" charset="-127"/>
-                <a:ea typeface="나눔스퀘어 Bold" panose="020B0600000101010101" pitchFamily="50" charset="-127"/>
-              </a:rPr>
-            </a:br>
-            <a:r>
-              <a:rPr lang="en-US" altLang="ko-KR" sz="4000" dirty="0" smtClean="0">
-                <a:latin typeface="나눔스퀘어 Bold" panose="020B0600000101010101" pitchFamily="50" charset="-127"/>
-                <a:ea typeface="나눔스퀘어 Bold" panose="020B0600000101010101" pitchFamily="50" charset="-127"/>
-              </a:rPr>
-              <a:t>(ECCV 2024)</a:t>
-            </a:r>
-            <a:endParaRPr lang="ko-KR" altLang="en-US" sz="4000" dirty="0"/>
+            <a:pPr algn="ctr"/>
+            <a:r>
+              <a:rPr lang="en-US" altLang="ko-KR" sz="3200" dirty="0" smtClean="0">
+                <a:solidFill>
+                  <a:srgbClr val="212529"/>
+                </a:solidFill>
+                <a:latin typeface="나눔스퀘어 Bold" panose="020B0600000101010101" pitchFamily="50" charset="-127"/>
+                <a:ea typeface="나눔스퀘어 Bold" panose="020B0600000101010101" pitchFamily="50" charset="-127"/>
+              </a:rPr>
+              <a:t>4 Experimental results</a:t>
+            </a:r>
           </a:p>
         </p:txBody>
       </p:sp>
+      <p:sp>
+        <p:nvSpPr>
+          <p:cNvPr id="19" name="TextBox 18">
+            <a:extLst>
+              <a:ext uri="{FF2B5EF4-FFF2-40B4-BE49-F238E27FC236}">
+                <a16:creationId xmlns:a16="http://schemas.microsoft.com/office/drawing/2014/main" id="{6AEAE2E7-4604-4C30-96BA-7EDCD9641507}"/>
+              </a:ext>
+            </a:extLst>
+          </p:cNvPr>
+          <p:cNvSpPr txBox="1"/>
+          <p:nvPr/>
+        </p:nvSpPr>
+        <p:spPr>
+          <a:xfrm>
+            <a:off x="5638800" y="2930525"/>
+            <a:ext cx="65" cy="276999"/>
+          </a:xfrm>
+          <a:prstGeom prst="rect">
+            <a:avLst/>
+          </a:prstGeom>
+          <a:noFill/>
+        </p:spPr>
+        <p:txBody>
+          <a:bodyPr wrap="none" lIns="0" tIns="0" rIns="0" bIns="0" rtlCol="0">
+            <a:spAutoFit/>
+          </a:bodyPr>
+          <a:lstStyle/>
+          <a:p>
+            <a:endParaRPr lang="ko-KR" altLang="en-US" dirty="0"/>
+          </a:p>
+        </p:txBody>
+      </p:sp>
+      <p:sp>
+        <p:nvSpPr>
+          <p:cNvPr id="14" name="TextBox 13">
+            <a:extLst>
+              <a:ext uri="{FF2B5EF4-FFF2-40B4-BE49-F238E27FC236}">
+                <a16:creationId xmlns:a16="http://schemas.microsoft.com/office/drawing/2014/main" id="{43AD0F1D-18AC-4DEA-AACB-5FB085B6C455}"/>
+              </a:ext>
+            </a:extLst>
+          </p:cNvPr>
+          <p:cNvSpPr txBox="1"/>
+          <p:nvPr/>
+        </p:nvSpPr>
+        <p:spPr>
+          <a:xfrm>
+            <a:off x="5886445" y="4438380"/>
+            <a:ext cx="6207127" cy="1384995"/>
+          </a:xfrm>
+          <a:prstGeom prst="rect">
+            <a:avLst/>
+          </a:prstGeom>
+          <a:noFill/>
+        </p:spPr>
+        <p:txBody>
+          <a:bodyPr wrap="square" rtlCol="0">
+            <a:spAutoFit/>
+          </a:bodyPr>
+          <a:lstStyle/>
+          <a:p>
+            <a:pPr marL="285750" indent="-285750">
+              <a:buFont typeface="Wingdings" panose="05000000000000000000" pitchFamily="2" charset="2"/>
+              <a:buChar char="§"/>
+            </a:pPr>
+            <a:r>
+              <a:rPr lang="en-US" altLang="ko-KR" sz="1400" dirty="0" smtClean="0">
+                <a:latin typeface="나눔스퀘어 Bold" panose="020B0600000101010101" pitchFamily="50" charset="-127"/>
+                <a:ea typeface="나눔스퀘어 Bold" panose="020B0600000101010101"/>
+              </a:rPr>
+              <a:t>CLIP</a:t>
+            </a:r>
+            <a:r>
+              <a:rPr lang="en-US" altLang="ko-KR" sz="1400" dirty="0" smtClean="0">
+                <a:latin typeface="나눔스퀘어 Bold" panose="020B0600000101010101" pitchFamily="50" charset="-127"/>
+                <a:ea typeface="나눔스퀘어 Bold" panose="020B0600000101010101" pitchFamily="50" charset="-127"/>
+              </a:rPr>
+              <a:t> local feature</a:t>
+            </a:r>
+            <a:r>
+              <a:rPr lang="ko-KR" altLang="en-US" sz="1400" dirty="0" smtClean="0">
+                <a:latin typeface="나눔스퀘어 Bold" panose="020B0600000101010101" pitchFamily="50" charset="-127"/>
+                <a:ea typeface="나눔스퀘어 Bold" panose="020B0600000101010101" pitchFamily="50" charset="-127"/>
+              </a:rPr>
+              <a:t>의 부정확한 예측과 달리</a:t>
+            </a:r>
+            <a:endParaRPr lang="en-US" altLang="ko-KR" sz="1400" dirty="0" smtClean="0">
+              <a:latin typeface="나눔스퀘어 Bold" panose="020B0600000101010101" pitchFamily="50" charset="-127"/>
+              <a:ea typeface="나눔스퀘어 Bold" panose="020B0600000101010101" pitchFamily="50" charset="-127"/>
+            </a:endParaRPr>
+          </a:p>
+          <a:p>
+            <a:pPr marL="285750" indent="-285750">
+              <a:buFont typeface="Wingdings" panose="05000000000000000000" pitchFamily="2" charset="2"/>
+              <a:buChar char="§"/>
+            </a:pPr>
+            <a:endParaRPr lang="en-US" altLang="ko-KR" sz="1400" dirty="0">
+              <a:latin typeface="나눔스퀘어 Bold" panose="020B0600000101010101" pitchFamily="50" charset="-127"/>
+              <a:ea typeface="나눔스퀘어 Bold" panose="020B0600000101010101" pitchFamily="50" charset="-127"/>
+            </a:endParaRPr>
+          </a:p>
+          <a:p>
+            <a:pPr marL="285750" indent="-285750">
+              <a:buFont typeface="Wingdings" panose="05000000000000000000" pitchFamily="2" charset="2"/>
+              <a:buChar char="§"/>
+            </a:pPr>
+            <a:r>
+              <a:rPr lang="en-US" altLang="ko-KR" sz="1400" dirty="0" err="1" smtClean="0">
+                <a:latin typeface="나눔스퀘어 Bold" panose="020B0600000101010101" pitchFamily="50" charset="-127"/>
+                <a:ea typeface="나눔스퀘어 Bold" panose="020B0600000101010101" pitchFamily="50" charset="-127"/>
+              </a:rPr>
+              <a:t>GalLoP</a:t>
+            </a:r>
+            <a:r>
+              <a:rPr lang="ko-KR" altLang="en-US" sz="1400" dirty="0">
+                <a:latin typeface="나눔스퀘어 Bold" panose="020B0600000101010101" pitchFamily="50" charset="-127"/>
+                <a:ea typeface="나눔스퀘어 Bold" panose="020B0600000101010101" pitchFamily="50" charset="-127"/>
+              </a:rPr>
+              <a:t>의 </a:t>
+            </a:r>
+            <a:r>
+              <a:rPr lang="en-US" altLang="ko-KR" sz="1400" dirty="0">
+                <a:latin typeface="나눔스퀘어 Bold" panose="020B0600000101010101" pitchFamily="50" charset="-127"/>
+                <a:ea typeface="나눔스퀘어 Bold" panose="020B0600000101010101" pitchFamily="50" charset="-127"/>
+              </a:rPr>
+              <a:t>local feature</a:t>
+            </a:r>
+            <a:r>
+              <a:rPr lang="ko-KR" altLang="en-US" sz="1400" dirty="0">
+                <a:latin typeface="나눔스퀘어 Bold" panose="020B0600000101010101" pitchFamily="50" charset="-127"/>
+                <a:ea typeface="나눔스퀘어 Bold" panose="020B0600000101010101" pitchFamily="50" charset="-127"/>
+              </a:rPr>
+              <a:t>는 </a:t>
+            </a:r>
+            <a:r>
+              <a:rPr lang="en-US" altLang="ko-KR" sz="1400" dirty="0">
+                <a:latin typeface="나눔스퀘어 Bold" panose="020B0600000101010101" pitchFamily="50" charset="-127"/>
+                <a:ea typeface="나눔스퀘어 Bold" panose="020B0600000101010101" pitchFamily="50" charset="-127"/>
+              </a:rPr>
+              <a:t>one scale</a:t>
+            </a:r>
+            <a:r>
+              <a:rPr lang="ko-KR" altLang="en-US" sz="1400" dirty="0">
+                <a:latin typeface="나눔스퀘어 Bold" panose="020B0600000101010101" pitchFamily="50" charset="-127"/>
+                <a:ea typeface="나눔스퀘어 Bold" panose="020B0600000101010101" pitchFamily="50" charset="-127"/>
+              </a:rPr>
+              <a:t>만으로도 정확한 예측을 하며</a:t>
+            </a:r>
+            <a:r>
+              <a:rPr lang="en-US" altLang="ko-KR" sz="1400" dirty="0">
+                <a:latin typeface="나눔스퀘어 Bold" panose="020B0600000101010101" pitchFamily="50" charset="-127"/>
+                <a:ea typeface="나눔스퀘어 Bold" panose="020B0600000101010101" pitchFamily="50" charset="-127"/>
+              </a:rPr>
+              <a:t>,</a:t>
+            </a:r>
+          </a:p>
+          <a:p>
+            <a:pPr marL="285750" indent="-285750">
+              <a:buFont typeface="Wingdings" panose="05000000000000000000" pitchFamily="2" charset="2"/>
+              <a:buChar char="§"/>
+            </a:pPr>
+            <a:endParaRPr lang="en-US" altLang="ko-KR" sz="1400" dirty="0">
+              <a:latin typeface="나눔스퀘어 Bold" panose="020B0600000101010101" pitchFamily="50" charset="-127"/>
+              <a:ea typeface="나눔스퀘어 Bold" panose="020B0600000101010101" pitchFamily="50" charset="-127"/>
+            </a:endParaRPr>
+          </a:p>
+          <a:p>
+            <a:pPr marL="285750" indent="-285750">
+              <a:buFont typeface="Wingdings" panose="05000000000000000000" pitchFamily="2" charset="2"/>
+              <a:buChar char="§"/>
+            </a:pPr>
+            <a:r>
+              <a:rPr lang="en-US" altLang="ko-KR" sz="1400" dirty="0">
+                <a:latin typeface="나눔스퀘어 Bold" panose="020B0600000101010101" pitchFamily="50" charset="-127"/>
+                <a:ea typeface="나눔스퀘어 Bold" panose="020B0600000101010101" pitchFamily="50" charset="-127"/>
+              </a:rPr>
+              <a:t>multi scale</a:t>
+            </a:r>
+            <a:r>
+              <a:rPr lang="ko-KR" altLang="en-US" sz="1400" dirty="0">
+                <a:latin typeface="나눔스퀘어 Bold" panose="020B0600000101010101" pitchFamily="50" charset="-127"/>
+                <a:ea typeface="나눔스퀘어 Bold" panose="020B0600000101010101" pitchFamily="50" charset="-127"/>
+              </a:rPr>
+              <a:t>의 경우 </a:t>
+            </a:r>
+            <a:r>
+              <a:rPr lang="en-US" altLang="ko-KR" sz="1400" dirty="0">
+                <a:latin typeface="나눔스퀘어 Bold" panose="020B0600000101010101" pitchFamily="50" charset="-127"/>
+                <a:ea typeface="나눔스퀘어 Bold" panose="020B0600000101010101" pitchFamily="50" charset="-127"/>
+              </a:rPr>
+              <a:t>scale</a:t>
+            </a:r>
+            <a:r>
+              <a:rPr lang="ko-KR" altLang="en-US" sz="1400" dirty="0">
+                <a:latin typeface="나눔스퀘어 Bold" panose="020B0600000101010101" pitchFamily="50" charset="-127"/>
+                <a:ea typeface="나눔스퀘어 Bold" panose="020B0600000101010101" pitchFamily="50" charset="-127"/>
+              </a:rPr>
+              <a:t>이 커지면서 크기가 큰 </a:t>
+            </a:r>
+            <a:r>
+              <a:rPr lang="en-US" altLang="ko-KR" sz="1400" dirty="0">
+                <a:latin typeface="나눔스퀘어 Bold" panose="020B0600000101010101" pitchFamily="50" charset="-127"/>
+                <a:ea typeface="나눔스퀘어 Bold" panose="020B0600000101010101" pitchFamily="50" charset="-127"/>
+              </a:rPr>
+              <a:t>concept</a:t>
+            </a:r>
+            <a:r>
+              <a:rPr lang="ko-KR" altLang="en-US" sz="1400" dirty="0">
+                <a:latin typeface="나눔스퀘어 Bold" panose="020B0600000101010101" pitchFamily="50" charset="-127"/>
+                <a:ea typeface="나눔스퀘어 Bold" panose="020B0600000101010101" pitchFamily="50" charset="-127"/>
+              </a:rPr>
+              <a:t>을 가리키게 </a:t>
+            </a:r>
+            <a:r>
+              <a:rPr lang="ko-KR" altLang="en-US" sz="1400" dirty="0" smtClean="0">
+                <a:latin typeface="나눔스퀘어 Bold" panose="020B0600000101010101" pitchFamily="50" charset="-127"/>
+                <a:ea typeface="나눔스퀘어 Bold" panose="020B0600000101010101" pitchFamily="50" charset="-127"/>
+              </a:rPr>
+              <a:t>됨</a:t>
+            </a:r>
+            <a:endParaRPr lang="en-US" altLang="ko-KR" sz="1400" dirty="0" smtClean="0">
+              <a:latin typeface="나눔스퀘어 Bold" panose="020B0600000101010101" pitchFamily="50" charset="-127"/>
+              <a:ea typeface="나눔스퀘어 Bold" panose="020B0600000101010101" pitchFamily="50" charset="-127"/>
+            </a:endParaRPr>
+          </a:p>
+        </p:txBody>
+      </p:sp>
+      <p:sp>
+        <p:nvSpPr>
+          <p:cNvPr id="10" name="TextBox 9">
+            <a:extLst>
+              <a:ext uri="{FF2B5EF4-FFF2-40B4-BE49-F238E27FC236}">
+                <a16:creationId xmlns:a16="http://schemas.microsoft.com/office/drawing/2014/main" id="{9922EEF6-C41D-4EED-AAFA-E7D60D60CE65}"/>
+              </a:ext>
+            </a:extLst>
+          </p:cNvPr>
+          <p:cNvSpPr txBox="1"/>
+          <p:nvPr/>
+        </p:nvSpPr>
+        <p:spPr>
+          <a:xfrm>
+            <a:off x="5886445" y="1518026"/>
+            <a:ext cx="6207127" cy="1169551"/>
+          </a:xfrm>
+          <a:prstGeom prst="rect">
+            <a:avLst/>
+          </a:prstGeom>
+          <a:noFill/>
+        </p:spPr>
+        <p:txBody>
+          <a:bodyPr wrap="square" rtlCol="0">
+            <a:spAutoFit/>
+          </a:bodyPr>
+          <a:lstStyle/>
+          <a:p>
+            <a:pPr marL="285750" indent="-285750">
+              <a:buFont typeface="Wingdings" panose="05000000000000000000" pitchFamily="2" charset="2"/>
+              <a:buChar char="§"/>
+            </a:pPr>
+            <a:r>
+              <a:rPr lang="ko-KR" altLang="en-US" sz="1400" dirty="0" smtClean="0">
+                <a:latin typeface="나눔스퀘어 Bold" panose="020B0600000101010101" pitchFamily="50" charset="-127"/>
+                <a:ea typeface="나눔스퀘어 Bold" panose="020B0600000101010101" pitchFamily="50" charset="-127"/>
+              </a:rPr>
+              <a:t>다른 </a:t>
+            </a:r>
+            <a:r>
+              <a:rPr lang="en-US" altLang="ko-KR" sz="1400" dirty="0" smtClean="0">
+                <a:latin typeface="나눔스퀘어 Bold" panose="020B0600000101010101" pitchFamily="50" charset="-127"/>
+                <a:ea typeface="나눔스퀘어 Bold" panose="020B0600000101010101" pitchFamily="50" charset="-127"/>
+              </a:rPr>
+              <a:t>prompt learning method</a:t>
+            </a:r>
+            <a:r>
+              <a:rPr lang="ko-KR" altLang="en-US" sz="1400" dirty="0" smtClean="0">
+                <a:latin typeface="나눔스퀘어 Bold" panose="020B0600000101010101" pitchFamily="50" charset="-127"/>
+                <a:ea typeface="나눔스퀘어 Bold" panose="020B0600000101010101" pitchFamily="50" charset="-127"/>
+              </a:rPr>
+              <a:t>들과 비교했을 때</a:t>
+            </a:r>
+            <a:r>
+              <a:rPr lang="en-US" altLang="ko-KR" sz="1400" dirty="0" smtClean="0">
+                <a:latin typeface="나눔스퀘어 Bold" panose="020B0600000101010101" pitchFamily="50" charset="-127"/>
+                <a:ea typeface="나눔스퀘어 Bold" panose="020B0600000101010101" pitchFamily="50" charset="-127"/>
+              </a:rPr>
+              <a:t>, </a:t>
+            </a:r>
+            <a:r>
+              <a:rPr lang="en-US" altLang="ko-KR" sz="1400" dirty="0" err="1" smtClean="0">
+                <a:latin typeface="나눔스퀘어 Bold" panose="020B0600000101010101" pitchFamily="50" charset="-127"/>
+                <a:ea typeface="나눔스퀘어 Bold" panose="020B0600000101010101" pitchFamily="50" charset="-127"/>
+              </a:rPr>
+              <a:t>GalLoP</a:t>
+            </a:r>
+            <a:r>
+              <a:rPr lang="ko-KR" altLang="en-US" sz="1400" dirty="0" smtClean="0">
+                <a:latin typeface="나눔스퀘어 Bold" panose="020B0600000101010101" pitchFamily="50" charset="-127"/>
+                <a:ea typeface="나눔스퀘어 Bold" panose="020B0600000101010101" pitchFamily="50" charset="-127"/>
+              </a:rPr>
+              <a:t>은 가장 높은 </a:t>
+            </a:r>
+            <a:r>
+              <a:rPr lang="en-US" altLang="ko-KR" sz="1400" dirty="0" smtClean="0">
+                <a:latin typeface="나눔스퀘어 Bold" panose="020B0600000101010101" pitchFamily="50" charset="-127"/>
+                <a:ea typeface="나눔스퀘어 Bold" panose="020B0600000101010101" pitchFamily="50" charset="-127"/>
+              </a:rPr>
+              <a:t>ID classification </a:t>
+            </a:r>
+            <a:r>
+              <a:rPr lang="ko-KR" altLang="en-US" sz="1400" dirty="0" smtClean="0">
+                <a:latin typeface="나눔스퀘어 Bold" panose="020B0600000101010101" pitchFamily="50" charset="-127"/>
+                <a:ea typeface="나눔스퀘어 Bold" panose="020B0600000101010101" pitchFamily="50" charset="-127"/>
+              </a:rPr>
+              <a:t>성능을 보이는 동시에</a:t>
+            </a:r>
+            <a:r>
+              <a:rPr lang="en-US" altLang="ko-KR" sz="1400" dirty="0" smtClean="0">
+                <a:latin typeface="나눔스퀘어 Bold" panose="020B0600000101010101" pitchFamily="50" charset="-127"/>
+                <a:ea typeface="나눔스퀘어 Bold" panose="020B0600000101010101" pitchFamily="50" charset="-127"/>
+              </a:rPr>
+              <a:t>,</a:t>
+            </a:r>
+          </a:p>
+          <a:p>
+            <a:pPr marL="285750" indent="-285750">
+              <a:buFont typeface="Wingdings" panose="05000000000000000000" pitchFamily="2" charset="2"/>
+              <a:buChar char="§"/>
+            </a:pPr>
+            <a:endParaRPr lang="en-US" altLang="ko-KR" sz="1400" dirty="0">
+              <a:latin typeface="나눔스퀘어 Bold" panose="020B0600000101010101" pitchFamily="50" charset="-127"/>
+              <a:ea typeface="나눔스퀘어 Bold" panose="020B0600000101010101" pitchFamily="50" charset="-127"/>
+            </a:endParaRPr>
+          </a:p>
+          <a:p>
+            <a:pPr marL="285750" indent="-285750">
+              <a:buFont typeface="Wingdings" panose="05000000000000000000" pitchFamily="2" charset="2"/>
+              <a:buChar char="§"/>
+            </a:pPr>
+            <a:r>
+              <a:rPr lang="en-US" altLang="ko-KR" sz="1400" dirty="0" smtClean="0">
+                <a:latin typeface="나눔스퀘어 Bold" panose="020B0600000101010101" pitchFamily="50" charset="-127"/>
+                <a:ea typeface="나눔스퀘어 Bold" panose="020B0600000101010101" pitchFamily="50" charset="-127"/>
+              </a:rPr>
+              <a:t>Few-shot learning</a:t>
+            </a:r>
+            <a:r>
+              <a:rPr lang="ko-KR" altLang="en-US" sz="1400" dirty="0" smtClean="0">
+                <a:latin typeface="나눔스퀘어 Bold" panose="020B0600000101010101" pitchFamily="50" charset="-127"/>
+                <a:ea typeface="나눔스퀘어 Bold" panose="020B0600000101010101" pitchFamily="50" charset="-127"/>
+              </a:rPr>
+              <a:t>에 대한 </a:t>
+            </a:r>
+            <a:r>
+              <a:rPr lang="en-US" altLang="ko-KR" sz="1400" dirty="0" smtClean="0">
+                <a:latin typeface="나눔스퀘어 Bold" panose="020B0600000101010101" pitchFamily="50" charset="-127"/>
+                <a:ea typeface="나눔스퀘어 Bold" panose="020B0600000101010101" pitchFamily="50" charset="-127"/>
+              </a:rPr>
+              <a:t>domain generalization</a:t>
+            </a:r>
+            <a:r>
+              <a:rPr lang="ko-KR" altLang="en-US" sz="1400" dirty="0" smtClean="0">
+                <a:latin typeface="나눔스퀘어 Bold" panose="020B0600000101010101" pitchFamily="50" charset="-127"/>
+                <a:ea typeface="나눔스퀘어 Bold" panose="020B0600000101010101" pitchFamily="50" charset="-127"/>
+              </a:rPr>
+              <a:t>과 </a:t>
+            </a:r>
+            <a:r>
+              <a:rPr lang="en-US" altLang="ko-KR" sz="1400" dirty="0" smtClean="0">
+                <a:latin typeface="나눔스퀘어 Bold" panose="020B0600000101010101" pitchFamily="50" charset="-127"/>
+                <a:ea typeface="나눔스퀘어 Bold" panose="020B0600000101010101" pitchFamily="50" charset="-127"/>
+              </a:rPr>
+              <a:t>OOD detection</a:t>
+            </a:r>
+            <a:r>
+              <a:rPr lang="ko-KR" altLang="en-US" sz="1400" dirty="0" smtClean="0">
+                <a:latin typeface="나눔스퀘어 Bold" panose="020B0600000101010101" pitchFamily="50" charset="-127"/>
+                <a:ea typeface="나눔스퀘어 Bold" panose="020B0600000101010101" pitchFamily="50" charset="-127"/>
+              </a:rPr>
+              <a:t>에서도 가장 높은 성능을 나타냈음</a:t>
+            </a:r>
+            <a:endParaRPr lang="en-US" altLang="ko-KR" sz="1400" dirty="0" smtClean="0">
+              <a:latin typeface="나눔스퀘어 Bold" panose="020B0600000101010101" pitchFamily="50" charset="-127"/>
+              <a:ea typeface="나눔스퀘어 Bold" panose="020B0600000101010101" pitchFamily="50" charset="-127"/>
+            </a:endParaRPr>
+          </a:p>
+        </p:txBody>
+      </p:sp>
+      <p:pic>
+        <p:nvPicPr>
+          <p:cNvPr id="2" name="그림 1"/>
+          <p:cNvPicPr>
+            <a:picLocks noChangeAspect="1"/>
+          </p:cNvPicPr>
+          <p:nvPr/>
+        </p:nvPicPr>
+        <p:blipFill>
+          <a:blip r:embed="rId2"/>
+          <a:stretch>
+            <a:fillRect/>
+          </a:stretch>
+        </p:blipFill>
+        <p:spPr>
+          <a:xfrm>
+            <a:off x="327025" y="993928"/>
+            <a:ext cx="4384675" cy="2241056"/>
+          </a:xfrm>
+          <a:prstGeom prst="rect">
+            <a:avLst/>
+          </a:prstGeom>
+        </p:spPr>
+      </p:pic>
+      <p:pic>
+        <p:nvPicPr>
+          <p:cNvPr id="3" name="그림 2"/>
+          <p:cNvPicPr>
+            <a:picLocks noChangeAspect="1"/>
+          </p:cNvPicPr>
+          <p:nvPr/>
+        </p:nvPicPr>
+        <p:blipFill>
+          <a:blip r:embed="rId3"/>
+          <a:stretch>
+            <a:fillRect/>
+          </a:stretch>
+        </p:blipFill>
+        <p:spPr>
+          <a:xfrm>
+            <a:off x="327025" y="3644137"/>
+            <a:ext cx="4791075" cy="1249207"/>
+          </a:xfrm>
+          <a:prstGeom prst="rect">
+            <a:avLst/>
+          </a:prstGeom>
+        </p:spPr>
+      </p:pic>
+      <p:pic>
+        <p:nvPicPr>
+          <p:cNvPr id="4" name="그림 3"/>
+          <p:cNvPicPr>
+            <a:picLocks noChangeAspect="1"/>
+          </p:cNvPicPr>
+          <p:nvPr/>
+        </p:nvPicPr>
+        <p:blipFill>
+          <a:blip r:embed="rId4"/>
+          <a:stretch>
+            <a:fillRect/>
+          </a:stretch>
+        </p:blipFill>
+        <p:spPr>
+          <a:xfrm>
+            <a:off x="415925" y="5087321"/>
+            <a:ext cx="4791075" cy="1207025"/>
+          </a:xfrm>
+          <a:prstGeom prst="rect">
+            <a:avLst/>
+          </a:prstGeom>
+        </p:spPr>
+      </p:pic>
     </p:spTree>
     <p:extLst>
       <p:ext uri="{BB962C8B-B14F-4D97-AF65-F5344CB8AC3E}">
-        <p14:creationId xmlns:p14="http://schemas.microsoft.com/office/powerpoint/2010/main" val="1179119029"/>
+        <p14:creationId xmlns:p14="http://schemas.microsoft.com/office/powerpoint/2010/main" val="844798029"/>
       </p:ext>
     </p:extLst>
   </p:cSld>
@@ -3176,6 +3626,587 @@
         </p:nvSpPr>
         <p:spPr>
           <a:xfrm>
+            <a:off x="0" y="0"/>
+            <a:ext cx="12192000" cy="584775"/>
+          </a:xfrm>
+          <a:prstGeom prst="rect">
+            <a:avLst/>
+          </a:prstGeom>
+          <a:noFill/>
+        </p:spPr>
+        <p:txBody>
+          <a:bodyPr wrap="square" rtlCol="0">
+            <a:spAutoFit/>
+          </a:bodyPr>
+          <a:lstStyle/>
+          <a:p>
+            <a:pPr algn="ctr"/>
+            <a:r>
+              <a:rPr lang="en-US" altLang="ko-KR" sz="3200" dirty="0">
+                <a:solidFill>
+                  <a:srgbClr val="212529"/>
+                </a:solidFill>
+                <a:latin typeface="나눔스퀘어 Bold" panose="020B0600000101010101" pitchFamily="50" charset="-127"/>
+                <a:ea typeface="나눔스퀘어 Bold" panose="020B0600000101010101" pitchFamily="50" charset="-127"/>
+              </a:rPr>
+              <a:t>Pros &amp; Cons</a:t>
+            </a:r>
+            <a:endParaRPr lang="en-US" altLang="ko-KR" sz="3200" dirty="0" smtClean="0">
+              <a:solidFill>
+                <a:srgbClr val="212529"/>
+              </a:solidFill>
+              <a:latin typeface="나눔스퀘어 Bold" panose="020B0600000101010101" pitchFamily="50" charset="-127"/>
+              <a:ea typeface="나눔스퀘어 Bold" panose="020B0600000101010101" pitchFamily="50" charset="-127"/>
+            </a:endParaRPr>
+          </a:p>
+        </p:txBody>
+      </p:sp>
+      <p:sp>
+        <p:nvSpPr>
+          <p:cNvPr id="19" name="TextBox 18">
+            <a:extLst>
+              <a:ext uri="{FF2B5EF4-FFF2-40B4-BE49-F238E27FC236}">
+                <a16:creationId xmlns:a16="http://schemas.microsoft.com/office/drawing/2014/main" id="{6AEAE2E7-4604-4C30-96BA-7EDCD9641507}"/>
+              </a:ext>
+            </a:extLst>
+          </p:cNvPr>
+          <p:cNvSpPr txBox="1"/>
+          <p:nvPr/>
+        </p:nvSpPr>
+        <p:spPr>
+          <a:xfrm>
+            <a:off x="5638800" y="2930525"/>
+            <a:ext cx="65" cy="276999"/>
+          </a:xfrm>
+          <a:prstGeom prst="rect">
+            <a:avLst/>
+          </a:prstGeom>
+          <a:noFill/>
+        </p:spPr>
+        <p:txBody>
+          <a:bodyPr wrap="none" lIns="0" tIns="0" rIns="0" bIns="0" rtlCol="0">
+            <a:spAutoFit/>
+          </a:bodyPr>
+          <a:lstStyle/>
+          <a:p>
+            <a:endParaRPr lang="ko-KR" altLang="en-US" dirty="0"/>
+          </a:p>
+        </p:txBody>
+      </p:sp>
+      <p:sp>
+        <p:nvSpPr>
+          <p:cNvPr id="10" name="TextBox 9">
+            <a:extLst>
+              <a:ext uri="{FF2B5EF4-FFF2-40B4-BE49-F238E27FC236}">
+                <a16:creationId xmlns:a16="http://schemas.microsoft.com/office/drawing/2014/main" id="{9922EEF6-C41D-4EED-AAFA-E7D60D60CE65}"/>
+              </a:ext>
+            </a:extLst>
+          </p:cNvPr>
+          <p:cNvSpPr txBox="1"/>
+          <p:nvPr/>
+        </p:nvSpPr>
+        <p:spPr>
+          <a:xfrm>
+            <a:off x="5886444" y="1087961"/>
+            <a:ext cx="6207127" cy="1600438"/>
+          </a:xfrm>
+          <a:prstGeom prst="rect">
+            <a:avLst/>
+          </a:prstGeom>
+          <a:noFill/>
+        </p:spPr>
+        <p:txBody>
+          <a:bodyPr wrap="square" rtlCol="0">
+            <a:spAutoFit/>
+          </a:bodyPr>
+          <a:lstStyle/>
+          <a:p>
+            <a:r>
+              <a:rPr lang="en-US" altLang="ko-KR" sz="1400" dirty="0" smtClean="0">
+                <a:latin typeface="나눔스퀘어 Bold" panose="020B0600000101010101" pitchFamily="50" charset="-127"/>
+                <a:ea typeface="나눔스퀘어 Bold" panose="020B0600000101010101" pitchFamily="50" charset="-127"/>
+              </a:rPr>
+              <a:t>Pros</a:t>
+            </a:r>
+          </a:p>
+          <a:p>
+            <a:endParaRPr lang="en-US" altLang="ko-KR" sz="1400" dirty="0" smtClean="0">
+              <a:latin typeface="나눔스퀘어 Bold" panose="020B0600000101010101" pitchFamily="50" charset="-127"/>
+              <a:ea typeface="나눔스퀘어 Bold" panose="020B0600000101010101" pitchFamily="50" charset="-127"/>
+            </a:endParaRPr>
+          </a:p>
+          <a:p>
+            <a:pPr marL="285750" indent="-285750">
+              <a:buFont typeface="Wingdings" panose="05000000000000000000" pitchFamily="2" charset="2"/>
+              <a:buChar char="§"/>
+            </a:pPr>
+            <a:r>
+              <a:rPr lang="en-US" altLang="ko-KR" sz="1400" dirty="0" smtClean="0">
+                <a:latin typeface="나눔스퀘어 Bold" panose="020B0600000101010101" pitchFamily="50" charset="-127"/>
+                <a:ea typeface="나눔스퀘어 Bold" panose="020B0600000101010101" pitchFamily="50" charset="-127"/>
+              </a:rPr>
+              <a:t>DG-specific module, loss</a:t>
+            </a:r>
+            <a:r>
+              <a:rPr lang="ko-KR" altLang="en-US" sz="1400" dirty="0" smtClean="0">
+                <a:latin typeface="나눔스퀘어 Bold" panose="020B0600000101010101" pitchFamily="50" charset="-127"/>
+                <a:ea typeface="나눔스퀘어 Bold" panose="020B0600000101010101" pitchFamily="50" charset="-127"/>
+              </a:rPr>
+              <a:t>를 사용하지 </a:t>
+            </a:r>
+            <a:r>
+              <a:rPr lang="ko-KR" altLang="en-US" sz="1400" dirty="0">
+                <a:latin typeface="나눔스퀘어 Bold" panose="020B0600000101010101" pitchFamily="50" charset="-127"/>
+                <a:ea typeface="나눔스퀘어 Bold" panose="020B0600000101010101" pitchFamily="50" charset="-127"/>
+              </a:rPr>
+              <a:t>않으면서도 </a:t>
+            </a:r>
+            <a:r>
+              <a:rPr lang="en-US" altLang="ko-KR" sz="1400" dirty="0">
+                <a:latin typeface="나눔스퀘어 Bold" panose="020B0600000101010101" pitchFamily="50" charset="-127"/>
+                <a:ea typeface="나눔스퀘어 Bold" panose="020B0600000101010101" pitchFamily="50" charset="-127"/>
+              </a:rPr>
+              <a:t>prompt </a:t>
+            </a:r>
+            <a:r>
+              <a:rPr lang="en-US" altLang="ko-KR" sz="1400" dirty="0" smtClean="0">
+                <a:latin typeface="나눔스퀘어 Bold" panose="020B0600000101010101" pitchFamily="50" charset="-127"/>
+                <a:ea typeface="나눔스퀘어 Bold" panose="020B0600000101010101" pitchFamily="50" charset="-127"/>
+              </a:rPr>
+              <a:t>diversity</a:t>
+            </a:r>
+            <a:r>
+              <a:rPr lang="ko-KR" altLang="en-US" sz="1400" dirty="0" smtClean="0">
+                <a:latin typeface="나눔스퀘어 Bold" panose="020B0600000101010101" pitchFamily="50" charset="-127"/>
+                <a:ea typeface="나눔스퀘어 Bold" panose="020B0600000101010101" pitchFamily="50" charset="-127"/>
+              </a:rPr>
+              <a:t>를 얻어</a:t>
+            </a:r>
+            <a:r>
+              <a:rPr lang="en-US" altLang="ko-KR" sz="1400" dirty="0" smtClean="0">
+                <a:latin typeface="나눔스퀘어 Bold" panose="020B0600000101010101" pitchFamily="50" charset="-127"/>
+                <a:ea typeface="나눔스퀘어 Bold" panose="020B0600000101010101" pitchFamily="50" charset="-127"/>
+              </a:rPr>
+              <a:t>,</a:t>
+            </a:r>
+          </a:p>
+          <a:p>
+            <a:pPr marL="285750" indent="-285750">
+              <a:buFont typeface="Wingdings" panose="05000000000000000000" pitchFamily="2" charset="2"/>
+              <a:buChar char="§"/>
+            </a:pPr>
+            <a:endParaRPr lang="en-US" altLang="ko-KR" sz="1400" dirty="0">
+              <a:latin typeface="나눔스퀘어 Bold" panose="020B0600000101010101" pitchFamily="50" charset="-127"/>
+              <a:ea typeface="나눔스퀘어 Bold" panose="020B0600000101010101" pitchFamily="50" charset="-127"/>
+            </a:endParaRPr>
+          </a:p>
+          <a:p>
+            <a:pPr marL="285750" indent="-285750">
+              <a:buFont typeface="Wingdings" panose="05000000000000000000" pitchFamily="2" charset="2"/>
+              <a:buChar char="§"/>
+            </a:pPr>
+            <a:r>
+              <a:rPr lang="en-US" altLang="ko-KR" sz="1400" dirty="0" smtClean="0">
+                <a:latin typeface="나눔스퀘어 Bold" panose="020B0600000101010101" pitchFamily="50" charset="-127"/>
+                <a:ea typeface="나눔스퀘어 Bold" panose="020B0600000101010101" pitchFamily="50" charset="-127"/>
+              </a:rPr>
+              <a:t>classification</a:t>
+            </a:r>
+            <a:r>
+              <a:rPr lang="ko-KR" altLang="en-US" sz="1400" dirty="0">
+                <a:latin typeface="나눔스퀘어 Bold" panose="020B0600000101010101" pitchFamily="50" charset="-127"/>
+                <a:ea typeface="나눔스퀘어 Bold" panose="020B0600000101010101" pitchFamily="50" charset="-127"/>
+              </a:rPr>
+              <a:t>과 </a:t>
+            </a:r>
+            <a:r>
+              <a:rPr lang="en-US" altLang="ko-KR" sz="1400" dirty="0">
+                <a:latin typeface="나눔스퀘어 Bold" panose="020B0600000101010101" pitchFamily="50" charset="-127"/>
+                <a:ea typeface="나눔스퀘어 Bold" panose="020B0600000101010101" pitchFamily="50" charset="-127"/>
+              </a:rPr>
+              <a:t>generalization </a:t>
+            </a:r>
+            <a:r>
+              <a:rPr lang="ko-KR" altLang="en-US" sz="1400" dirty="0">
+                <a:latin typeface="나눔스퀘어 Bold" panose="020B0600000101010101" pitchFamily="50" charset="-127"/>
+                <a:ea typeface="나눔스퀘어 Bold" panose="020B0600000101010101" pitchFamily="50" charset="-127"/>
+              </a:rPr>
+              <a:t>간 </a:t>
+            </a:r>
+            <a:r>
+              <a:rPr lang="en-US" altLang="ko-KR" sz="1400" dirty="0">
+                <a:latin typeface="나눔스퀘어 Bold" panose="020B0600000101010101" pitchFamily="50" charset="-127"/>
+                <a:ea typeface="나눔스퀘어 Bold" panose="020B0600000101010101" pitchFamily="50" charset="-127"/>
+              </a:rPr>
+              <a:t>trade-off</a:t>
+            </a:r>
+            <a:r>
+              <a:rPr lang="ko-KR" altLang="en-US" sz="1400" dirty="0">
+                <a:latin typeface="나눔스퀘어 Bold" panose="020B0600000101010101" pitchFamily="50" charset="-127"/>
+                <a:ea typeface="나눔스퀘어 Bold" panose="020B0600000101010101" pitchFamily="50" charset="-127"/>
+              </a:rPr>
+              <a:t>를 개선시키므로 범용적인 </a:t>
+            </a:r>
+            <a:r>
+              <a:rPr lang="en-US" altLang="ko-KR" sz="1400" dirty="0">
+                <a:latin typeface="나눔스퀘어 Bold" panose="020B0600000101010101" pitchFamily="50" charset="-127"/>
+                <a:ea typeface="나눔스퀘어 Bold" panose="020B0600000101010101" pitchFamily="50" charset="-127"/>
+              </a:rPr>
+              <a:t>method</a:t>
+            </a:r>
+            <a:r>
+              <a:rPr lang="ko-KR" altLang="en-US" sz="1400" dirty="0">
+                <a:latin typeface="나눔스퀘어 Bold" panose="020B0600000101010101" pitchFamily="50" charset="-127"/>
+                <a:ea typeface="나눔스퀘어 Bold" panose="020B0600000101010101" pitchFamily="50" charset="-127"/>
+              </a:rPr>
+              <a:t>로 보임</a:t>
+            </a:r>
+            <a:endParaRPr lang="en-US" altLang="ko-KR" sz="1400" dirty="0" smtClean="0">
+              <a:latin typeface="나눔스퀘어 Bold" panose="020B0600000101010101" pitchFamily="50" charset="-127"/>
+              <a:ea typeface="나눔스퀘어 Bold" panose="020B0600000101010101" pitchFamily="50" charset="-127"/>
+            </a:endParaRPr>
+          </a:p>
+        </p:txBody>
+      </p:sp>
+      <p:sp>
+        <p:nvSpPr>
+          <p:cNvPr id="9" name="TextBox 8">
+            <a:extLst>
+              <a:ext uri="{FF2B5EF4-FFF2-40B4-BE49-F238E27FC236}">
+                <a16:creationId xmlns:a16="http://schemas.microsoft.com/office/drawing/2014/main" id="{9922EEF6-C41D-4EED-AAFA-E7D60D60CE65}"/>
+              </a:ext>
+            </a:extLst>
+          </p:cNvPr>
+          <p:cNvSpPr txBox="1"/>
+          <p:nvPr/>
+        </p:nvSpPr>
+        <p:spPr>
+          <a:xfrm>
+            <a:off x="5886444" y="4325944"/>
+            <a:ext cx="6207127" cy="1600438"/>
+          </a:xfrm>
+          <a:prstGeom prst="rect">
+            <a:avLst/>
+          </a:prstGeom>
+          <a:noFill/>
+        </p:spPr>
+        <p:txBody>
+          <a:bodyPr wrap="square" rtlCol="0">
+            <a:spAutoFit/>
+          </a:bodyPr>
+          <a:lstStyle/>
+          <a:p>
+            <a:r>
+              <a:rPr lang="en-US" altLang="ko-KR" sz="1400" dirty="0" smtClean="0">
+                <a:latin typeface="나눔스퀘어 Bold" panose="020B0600000101010101" pitchFamily="50" charset="-127"/>
+                <a:ea typeface="나눔스퀘어 Bold" panose="020B0600000101010101" pitchFamily="50" charset="-127"/>
+              </a:rPr>
+              <a:t>Cons</a:t>
+            </a:r>
+          </a:p>
+          <a:p>
+            <a:pPr marL="285750" indent="-285750">
+              <a:buFont typeface="Wingdings" panose="05000000000000000000" pitchFamily="2" charset="2"/>
+              <a:buChar char="§"/>
+            </a:pPr>
+            <a:endParaRPr lang="en-US" altLang="ko-KR" sz="1400" dirty="0">
+              <a:latin typeface="나눔스퀘어 Bold" panose="020B0600000101010101" pitchFamily="50" charset="-127"/>
+              <a:ea typeface="나눔스퀘어 Bold" panose="020B0600000101010101" pitchFamily="50" charset="-127"/>
+            </a:endParaRPr>
+          </a:p>
+          <a:p>
+            <a:pPr marL="285750" indent="-285750">
+              <a:buFont typeface="Wingdings" panose="05000000000000000000" pitchFamily="2" charset="2"/>
+              <a:buChar char="§"/>
+            </a:pPr>
+            <a:r>
+              <a:rPr lang="en-US" altLang="ko-KR" sz="1400" dirty="0" smtClean="0">
+                <a:latin typeface="나눔스퀘어 Bold" panose="020B0600000101010101" pitchFamily="50" charset="-127"/>
+                <a:ea typeface="나눔스퀘어 Bold" panose="020B0600000101010101" pitchFamily="50" charset="-127"/>
+              </a:rPr>
+              <a:t>Pre-trained CLIP</a:t>
+            </a:r>
+            <a:r>
+              <a:rPr lang="ko-KR" altLang="en-US" sz="1400" dirty="0" smtClean="0">
+                <a:latin typeface="나눔스퀘어 Bold" panose="020B0600000101010101" pitchFamily="50" charset="-127"/>
+                <a:ea typeface="나눔스퀘어 Bold" panose="020B0600000101010101" pitchFamily="50" charset="-127"/>
+              </a:rPr>
+              <a:t>의 </a:t>
+            </a:r>
+            <a:r>
+              <a:rPr lang="en-US" altLang="ko-KR" sz="1400" dirty="0" smtClean="0">
+                <a:latin typeface="나눔스퀘어 Bold" panose="020B0600000101010101" pitchFamily="50" charset="-127"/>
+                <a:ea typeface="나눔스퀘어 Bold" panose="020B0600000101010101" pitchFamily="50" charset="-127"/>
+              </a:rPr>
+              <a:t>local feature</a:t>
+            </a:r>
+            <a:r>
+              <a:rPr lang="ko-KR" altLang="en-US" sz="1400" dirty="0" smtClean="0">
+                <a:latin typeface="나눔스퀘어 Bold" panose="020B0600000101010101" pitchFamily="50" charset="-127"/>
+                <a:ea typeface="나눔스퀘어 Bold" panose="020B0600000101010101" pitchFamily="50" charset="-127"/>
+              </a:rPr>
+              <a:t>는 매우 낮은 </a:t>
+            </a:r>
+            <a:r>
+              <a:rPr lang="en-US" altLang="ko-KR" sz="1400" dirty="0" smtClean="0">
+                <a:latin typeface="나눔스퀘어 Bold" panose="020B0600000101010101" pitchFamily="50" charset="-127"/>
+                <a:ea typeface="나눔스퀘어 Bold" panose="020B0600000101010101" pitchFamily="50" charset="-127"/>
+              </a:rPr>
+              <a:t>zero-shot classification </a:t>
+            </a:r>
+            <a:r>
+              <a:rPr lang="ko-KR" altLang="en-US" sz="1400" dirty="0" smtClean="0">
+                <a:latin typeface="나눔스퀘어 Bold" panose="020B0600000101010101" pitchFamily="50" charset="-127"/>
+                <a:ea typeface="나눔스퀘어 Bold" panose="020B0600000101010101" pitchFamily="50" charset="-127"/>
+              </a:rPr>
+              <a:t>결과를 보이는데</a:t>
+            </a:r>
+            <a:r>
+              <a:rPr lang="en-US" altLang="ko-KR" sz="1400" dirty="0" smtClean="0">
+                <a:latin typeface="나눔스퀘어 Bold" panose="020B0600000101010101" pitchFamily="50" charset="-127"/>
+                <a:ea typeface="나눔스퀘어 Bold" panose="020B0600000101010101" pitchFamily="50" charset="-127"/>
+              </a:rPr>
+              <a:t>,</a:t>
+            </a:r>
+          </a:p>
+          <a:p>
+            <a:pPr marL="285750" indent="-285750">
+              <a:buFont typeface="Wingdings" panose="05000000000000000000" pitchFamily="2" charset="2"/>
+              <a:buChar char="§"/>
+            </a:pPr>
+            <a:endParaRPr lang="en-US" altLang="ko-KR" sz="1400" dirty="0">
+              <a:latin typeface="나눔스퀘어 Bold" panose="020B0600000101010101" pitchFamily="50" charset="-127"/>
+              <a:ea typeface="나눔스퀘어 Bold" panose="020B0600000101010101" pitchFamily="50" charset="-127"/>
+            </a:endParaRPr>
+          </a:p>
+          <a:p>
+            <a:pPr marL="285750" indent="-285750">
+              <a:buFont typeface="Wingdings" panose="05000000000000000000" pitchFamily="2" charset="2"/>
+              <a:buChar char="§"/>
+            </a:pPr>
+            <a:r>
+              <a:rPr lang="en-US" altLang="ko-KR" sz="1400" dirty="0" smtClean="0">
+                <a:latin typeface="나눔스퀘어 Bold" panose="020B0600000101010101" pitchFamily="50" charset="-127"/>
+                <a:ea typeface="나눔스퀘어 Bold" panose="020B0600000101010101" pitchFamily="50" charset="-127"/>
+              </a:rPr>
+              <a:t>linear projection</a:t>
+            </a:r>
+            <a:r>
+              <a:rPr lang="ko-KR" altLang="en-US" sz="1400" dirty="0" smtClean="0">
+                <a:latin typeface="나눔스퀘어 Bold" panose="020B0600000101010101" pitchFamily="50" charset="-127"/>
+                <a:ea typeface="나눔스퀘어 Bold" panose="020B0600000101010101" pitchFamily="50" charset="-127"/>
+              </a:rPr>
+              <a:t>을 추가하는 것만으로 </a:t>
+            </a:r>
+            <a:r>
+              <a:rPr lang="en-US" altLang="ko-KR" sz="1400" dirty="0" smtClean="0">
+                <a:latin typeface="나눔스퀘어 Bold" panose="020B0600000101010101" pitchFamily="50" charset="-127"/>
+                <a:ea typeface="나눔스퀘어 Bold" panose="020B0600000101010101" pitchFamily="50" charset="-127"/>
+              </a:rPr>
+              <a:t>discriminating power</a:t>
+            </a:r>
+            <a:r>
+              <a:rPr lang="ko-KR" altLang="en-US" sz="1400" dirty="0" smtClean="0">
+                <a:latin typeface="나눔스퀘어 Bold" panose="020B0600000101010101" pitchFamily="50" charset="-127"/>
+                <a:ea typeface="나눔스퀘어 Bold" panose="020B0600000101010101" pitchFamily="50" charset="-127"/>
+              </a:rPr>
+              <a:t>를 향상시키기엔 부족해 보임</a:t>
+            </a:r>
+            <a:endParaRPr lang="en-US" altLang="ko-KR" sz="1400" dirty="0" smtClean="0">
+              <a:latin typeface="나눔스퀘어 Bold" panose="020B0600000101010101" pitchFamily="50" charset="-127"/>
+              <a:ea typeface="나눔스퀘어 Bold" panose="020B0600000101010101" pitchFamily="50" charset="-127"/>
+            </a:endParaRPr>
+          </a:p>
+        </p:txBody>
+      </p:sp>
+      <p:pic>
+        <p:nvPicPr>
+          <p:cNvPr id="5" name="그림 4"/>
+          <p:cNvPicPr>
+            <a:picLocks noChangeAspect="1"/>
+          </p:cNvPicPr>
+          <p:nvPr/>
+        </p:nvPicPr>
+        <p:blipFill>
+          <a:blip r:embed="rId2"/>
+          <a:stretch>
+            <a:fillRect/>
+          </a:stretch>
+        </p:blipFill>
+        <p:spPr>
+          <a:xfrm>
+            <a:off x="458831" y="905331"/>
+            <a:ext cx="4410075" cy="2466975"/>
+          </a:xfrm>
+          <a:prstGeom prst="rect">
+            <a:avLst/>
+          </a:prstGeom>
+        </p:spPr>
+      </p:pic>
+      <p:pic>
+        <p:nvPicPr>
+          <p:cNvPr id="6" name="그림 5"/>
+          <p:cNvPicPr>
+            <a:picLocks noChangeAspect="1"/>
+          </p:cNvPicPr>
+          <p:nvPr/>
+        </p:nvPicPr>
+        <p:blipFill>
+          <a:blip r:embed="rId3"/>
+          <a:stretch>
+            <a:fillRect/>
+          </a:stretch>
+        </p:blipFill>
+        <p:spPr>
+          <a:xfrm>
+            <a:off x="1227223" y="3530725"/>
+            <a:ext cx="3324225" cy="3190875"/>
+          </a:xfrm>
+          <a:prstGeom prst="rect">
+            <a:avLst/>
+          </a:prstGeom>
+        </p:spPr>
+      </p:pic>
+    </p:spTree>
+    <p:extLst>
+      <p:ext uri="{BB962C8B-B14F-4D97-AF65-F5344CB8AC3E}">
+        <p14:creationId xmlns:p14="http://schemas.microsoft.com/office/powerpoint/2010/main" val="1651669562"/>
+      </p:ext>
+    </p:extLst>
+  </p:cSld>
+  <p:clrMapOvr>
+    <a:masterClrMapping/>
+  </p:clrMapOvr>
+  <p:timing>
+    <p:tnLst>
+      <p:par>
+        <p:cTn id="1" dur="indefinite" restart="never" nodeType="tmRoot"/>
+      </p:par>
+    </p:tnLst>
+  </p:timing>
+</p:sld>
+</file>
+
+<file path=ppt/slides/slide12.xml><?xml version="1.0" encoding="utf-8"?>
+<p:sld xmlns:a="http://schemas.openxmlformats.org/drawingml/2006/main" xmlns:r="http://schemas.openxmlformats.org/officeDocument/2006/relationships" xmlns:p="http://schemas.openxmlformats.org/presentationml/2006/main">
+  <p:cSld>
+    <p:spTree>
+      <p:nvGrpSpPr>
+        <p:cNvPr id="1" name=""/>
+        <p:cNvGrpSpPr/>
+        <p:nvPr/>
+      </p:nvGrpSpPr>
+      <p:grpSpPr>
+        <a:xfrm>
+          <a:off x="0" y="0"/>
+          <a:ext cx="0" cy="0"/>
+          <a:chOff x="0" y="0"/>
+          <a:chExt cx="0" cy="0"/>
+        </a:xfrm>
+      </p:grpSpPr>
+      <p:sp>
+        <p:nvSpPr>
+          <p:cNvPr id="2" name="제목 1">
+            <a:extLst>
+              <a:ext uri="{FF2B5EF4-FFF2-40B4-BE49-F238E27FC236}">
+                <a16:creationId xmlns:a16="http://schemas.microsoft.com/office/drawing/2014/main" id="{2EE29E3B-60E4-46B8-B222-ACB10CB8AEEC}"/>
+              </a:ext>
+            </a:extLst>
+          </p:cNvPr>
+          <p:cNvSpPr>
+            <a:spLocks noGrp="1"/>
+          </p:cNvSpPr>
+          <p:nvPr>
+            <p:ph type="ctrTitle"/>
+          </p:nvPr>
+        </p:nvSpPr>
+        <p:spPr>
+          <a:xfrm>
+            <a:off x="0" y="0"/>
+            <a:ext cx="12192000" cy="2387600"/>
+          </a:xfrm>
+        </p:spPr>
+        <p:txBody>
+          <a:bodyPr>
+            <a:normAutofit/>
+          </a:bodyPr>
+          <a:lstStyle/>
+          <a:p>
+            <a:r>
+              <a:rPr lang="en-US" altLang="ko-KR" sz="4000" dirty="0" smtClean="0">
+                <a:latin typeface="나눔스퀘어 Bold" panose="020B0600000101010101" pitchFamily="50" charset="-127"/>
+                <a:ea typeface="나눔스퀘어 Bold" panose="020B0600000101010101" pitchFamily="50" charset="-127"/>
+              </a:rPr>
+              <a:t>Soft Prompt Generation for Domain Generalization</a:t>
+            </a:r>
+            <a:br>
+              <a:rPr lang="en-US" altLang="ko-KR" sz="4000" dirty="0" smtClean="0">
+                <a:latin typeface="나눔스퀘어 Bold" panose="020B0600000101010101" pitchFamily="50" charset="-127"/>
+                <a:ea typeface="나눔스퀘어 Bold" panose="020B0600000101010101" pitchFamily="50" charset="-127"/>
+              </a:rPr>
+            </a:br>
+            <a:r>
+              <a:rPr lang="en-US" altLang="ko-KR" sz="4000" dirty="0" smtClean="0">
+                <a:latin typeface="나눔스퀘어 Bold" panose="020B0600000101010101" pitchFamily="50" charset="-127"/>
+                <a:ea typeface="나눔스퀘어 Bold" panose="020B0600000101010101" pitchFamily="50" charset="-127"/>
+              </a:rPr>
+              <a:t>(ECCV 2024)</a:t>
+            </a:r>
+            <a:endParaRPr lang="ko-KR" altLang="en-US" sz="4000" dirty="0"/>
+          </a:p>
+        </p:txBody>
+      </p:sp>
+    </p:spTree>
+    <p:extLst>
+      <p:ext uri="{BB962C8B-B14F-4D97-AF65-F5344CB8AC3E}">
+        <p14:creationId xmlns:p14="http://schemas.microsoft.com/office/powerpoint/2010/main" val="1179119029"/>
+      </p:ext>
+    </p:extLst>
+  </p:cSld>
+  <p:clrMapOvr>
+    <a:masterClrMapping/>
+  </p:clrMapOvr>
+  <p:timing>
+    <p:tnLst>
+      <p:par>
+        <p:cTn id="1" dur="indefinite" restart="never" nodeType="tmRoot"/>
+      </p:par>
+    </p:tnLst>
+  </p:timing>
+</p:sld>
+</file>
+
+<file path=ppt/slides/slide13.xml><?xml version="1.0" encoding="utf-8"?>
+<p:sld xmlns:a="http://schemas.openxmlformats.org/drawingml/2006/main" xmlns:r="http://schemas.openxmlformats.org/officeDocument/2006/relationships" xmlns:p="http://schemas.openxmlformats.org/presentationml/2006/main">
+  <p:cSld>
+    <p:spTree>
+      <p:nvGrpSpPr>
+        <p:cNvPr id="1" name=""/>
+        <p:cNvGrpSpPr/>
+        <p:nvPr/>
+      </p:nvGrpSpPr>
+      <p:grpSpPr>
+        <a:xfrm>
+          <a:off x="0" y="0"/>
+          <a:ext cx="0" cy="0"/>
+          <a:chOff x="0" y="0"/>
+          <a:chExt cx="0" cy="0"/>
+        </a:xfrm>
+      </p:grpSpPr>
+      <p:sp>
+        <p:nvSpPr>
+          <p:cNvPr id="12" name="TextBox 11">
+            <a:extLst>
+              <a:ext uri="{FF2B5EF4-FFF2-40B4-BE49-F238E27FC236}">
+                <a16:creationId xmlns:a16="http://schemas.microsoft.com/office/drawing/2014/main" id="{C7D7709E-206F-4B6B-9ABA-DCEDF98FB299}"/>
+              </a:ext>
+            </a:extLst>
+          </p:cNvPr>
+          <p:cNvSpPr txBox="1"/>
+          <p:nvPr/>
+        </p:nvSpPr>
+        <p:spPr>
+          <a:xfrm>
             <a:off x="1204240" y="0"/>
             <a:ext cx="9783520" cy="584775"/>
           </a:xfrm>
@@ -3529,7 +4560,7 @@
 </p:sld>
 </file>
 
-<file path=ppt/slides/slide12.xml><?xml version="1.0" encoding="utf-8"?>
+<file path=ppt/slides/slide14.xml><?xml version="1.0" encoding="utf-8"?>
 <p:sld xmlns:a="http://schemas.openxmlformats.org/drawingml/2006/main" xmlns:r="http://schemas.openxmlformats.org/officeDocument/2006/relationships" xmlns:p="http://schemas.openxmlformats.org/presentationml/2006/main">
   <p:cSld>
     <p:spTree>
@@ -4178,7 +5209,7 @@
 </p:sld>
 </file>
 
-<file path=ppt/slides/slide13.xml><?xml version="1.0" encoding="utf-8"?>
+<file path=ppt/slides/slide15.xml><?xml version="1.0" encoding="utf-8"?>
 <p:sld xmlns:a="http://schemas.openxmlformats.org/drawingml/2006/main" xmlns:r="http://schemas.openxmlformats.org/officeDocument/2006/relationships" xmlns:p="http://schemas.openxmlformats.org/presentationml/2006/main">
   <p:cSld>
     <p:spTree>
@@ -4637,7 +5668,7 @@
 </p:sld>
 </file>
 
-<file path=ppt/slides/slide14.xml><?xml version="1.0" encoding="utf-8"?>
+<file path=ppt/slides/slide16.xml><?xml version="1.0" encoding="utf-8"?>
 <p:sld xmlns:a="http://schemas.openxmlformats.org/drawingml/2006/main" xmlns:r="http://schemas.openxmlformats.org/officeDocument/2006/relationships" xmlns:p="http://schemas.openxmlformats.org/presentationml/2006/main">
   <p:cSld>
     <p:spTree>
@@ -5216,7 +6247,7 @@
 </p:sld>
 </file>
 
-<file path=ppt/slides/slide15.xml><?xml version="1.0" encoding="utf-8"?>
+<file path=ppt/slides/slide17.xml><?xml version="1.0" encoding="utf-8"?>
 <p:sld xmlns:a="http://schemas.openxmlformats.org/drawingml/2006/main" xmlns:r="http://schemas.openxmlformats.org/officeDocument/2006/relationships" xmlns:p="http://schemas.openxmlformats.org/presentationml/2006/main">
   <p:cSld>
     <p:spTree>
@@ -5409,25 +6440,18 @@
               <a:t>에서는 </a:t>
             </a:r>
             <a:r>
+              <a:rPr lang="en-US" altLang="ko-KR" sz="1400" dirty="0" smtClean="0">
+                <a:latin typeface="나눔스퀘어 Bold" panose="020B0600000101010101" pitchFamily="50" charset="-127"/>
+                <a:ea typeface="나눔스퀘어 Bold" panose="020B0600000101010101" pitchFamily="50" charset="-127"/>
+              </a:rPr>
+              <a:t>unlabeled single </a:t>
+            </a:r>
+            <a:r>
               <a:rPr lang="en-US" altLang="ko-KR" sz="1400" dirty="0">
                 <a:latin typeface="나눔스퀘어 Bold" panose="020B0600000101010101" pitchFamily="50" charset="-127"/>
                 <a:ea typeface="나눔스퀘어 Bold" panose="020B0600000101010101" pitchFamily="50" charset="-127"/>
               </a:rPr>
-              <a:t>class label</a:t>
-            </a:r>
-            <a:r>
-              <a:rPr lang="ko-KR" altLang="en-US" sz="1400" dirty="0">
-                <a:latin typeface="나눔스퀘어 Bold" panose="020B0600000101010101" pitchFamily="50" charset="-127"/>
-                <a:ea typeface="나눔스퀘어 Bold" panose="020B0600000101010101" pitchFamily="50" charset="-127"/>
-              </a:rPr>
-              <a:t>을 모르는 </a:t>
-            </a:r>
-            <a:r>
-              <a:rPr lang="en-US" altLang="ko-KR" sz="1400" dirty="0">
-                <a:latin typeface="나눔스퀘어 Bold" panose="020B0600000101010101" pitchFamily="50" charset="-127"/>
-                <a:ea typeface="나눔스퀘어 Bold" panose="020B0600000101010101" pitchFamily="50" charset="-127"/>
-              </a:rPr>
-              <a:t>single image</a:t>
+              <a:t>image</a:t>
             </a:r>
             <a:r>
               <a:rPr lang="ko-KR" altLang="en-US" sz="1400" dirty="0">
@@ -5573,7 +6597,35 @@
                 <a:latin typeface="나눔스퀘어 Bold" panose="020B0600000101010101" pitchFamily="50" charset="-127"/>
                 <a:ea typeface="나눔스퀘어 Bold" panose="020B0600000101010101" pitchFamily="50" charset="-127"/>
               </a:rPr>
-              <a:t>를 동등한 기준이라고 볼 수 없음</a:t>
+              <a:t>를 동등한 </a:t>
+            </a:r>
+            <a:r>
+              <a:rPr lang="ko-KR" altLang="en-US" sz="1400" dirty="0" smtClean="0">
+                <a:latin typeface="나눔스퀘어 Bold" panose="020B0600000101010101" pitchFamily="50" charset="-127"/>
+                <a:ea typeface="나눔스퀘어 Bold" panose="020B0600000101010101" pitchFamily="50" charset="-127"/>
+              </a:rPr>
+              <a:t>기준</a:t>
+            </a:r>
+            <a:r>
+              <a:rPr lang="ko-KR" altLang="en-US" sz="1400" dirty="0" smtClean="0">
+                <a:latin typeface="나눔스퀘어 Bold" panose="020B0600000101010101" pitchFamily="50" charset="-127"/>
+                <a:ea typeface="나눔스퀘어 Bold" panose="020B0600000101010101" pitchFamily="50" charset="-127"/>
+              </a:rPr>
+              <a:t>으로</a:t>
+            </a:r>
+            <a:r>
+              <a:rPr lang="ko-KR" altLang="en-US" sz="1400" dirty="0" smtClean="0">
+                <a:latin typeface="나눔스퀘어 Bold" panose="020B0600000101010101" pitchFamily="50" charset="-127"/>
+                <a:ea typeface="나눔스퀘어 Bold" panose="020B0600000101010101" pitchFamily="50" charset="-127"/>
+              </a:rPr>
+              <a:t> </a:t>
+            </a:r>
+            <a:r>
+              <a:rPr lang="ko-KR" altLang="en-US" sz="1400" dirty="0" smtClean="0">
+                <a:latin typeface="나눔스퀘어 Bold" panose="020B0600000101010101" pitchFamily="50" charset="-127"/>
+                <a:ea typeface="나눔스퀘어 Bold" panose="020B0600000101010101" pitchFamily="50" charset="-127"/>
+              </a:rPr>
+              <a:t>볼 수 없음</a:t>
             </a:r>
           </a:p>
         </p:txBody>
@@ -5848,7 +6900,14 @@
                 <a:latin typeface="나눔스퀘어 Bold" panose="020B0600000101010101" pitchFamily="50" charset="-127"/>
                 <a:ea typeface="나눔스퀘어 Bold" panose="020B0600000101010101" pitchFamily="50" charset="-127"/>
               </a:rPr>
-              <a:t>를 거쳐야 함</a:t>
+              <a:t>를 거쳐야 </a:t>
+            </a:r>
+            <a:r>
+              <a:rPr lang="ko-KR" altLang="en-US" sz="1400" dirty="0" smtClean="0">
+                <a:latin typeface="나눔스퀘어 Bold" panose="020B0600000101010101" pitchFamily="50" charset="-127"/>
+                <a:ea typeface="나눔스퀘어 Bold" panose="020B0600000101010101" pitchFamily="50" charset="-127"/>
+              </a:rPr>
+              <a:t>하는 단점이 있음</a:t>
             </a:r>
             <a:endParaRPr lang="en-US" altLang="ko-KR" sz="1400" dirty="0" smtClean="0">
               <a:latin typeface="나눔스퀘어 Bold" panose="020B0600000101010101" pitchFamily="50" charset="-127"/>
@@ -5925,7 +6984,7 @@
 </p:sld>
 </file>
 
-<file path=ppt/slides/slide16.xml><?xml version="1.0" encoding="utf-8"?>
+<file path=ppt/slides/slide18.xml><?xml version="1.0" encoding="utf-8"?>
 <p:sld xmlns:a="http://schemas.openxmlformats.org/drawingml/2006/main" xmlns:r="http://schemas.openxmlformats.org/officeDocument/2006/relationships" xmlns:p="http://schemas.openxmlformats.org/presentationml/2006/main">
   <p:cSld>
     <p:spTree>
@@ -6014,7 +7073,7 @@
 </p:sld>
 </file>
 
-<file path=ppt/slides/slide17.xml><?xml version="1.0" encoding="utf-8"?>
+<file path=ppt/slides/slide19.xml><?xml version="1.0" encoding="utf-8"?>
 <p:sld xmlns:a="http://schemas.openxmlformats.org/drawingml/2006/main" xmlns:r="http://schemas.openxmlformats.org/officeDocument/2006/relationships" xmlns:p="http://schemas.openxmlformats.org/presentationml/2006/main">
   <p:cSld>
     <p:spTree>
@@ -6576,7 +7635,737 @@
 </p:sld>
 </file>
 
-<file path=ppt/slides/slide18.xml><?xml version="1.0" encoding="utf-8"?>
+<file path=ppt/slides/slide2.xml><?xml version="1.0" encoding="utf-8"?>
+<p:sld xmlns:a="http://schemas.openxmlformats.org/drawingml/2006/main" xmlns:r="http://schemas.openxmlformats.org/officeDocument/2006/relationships" xmlns:p="http://schemas.openxmlformats.org/presentationml/2006/main">
+  <p:cSld>
+    <p:spTree>
+      <p:nvGrpSpPr>
+        <p:cNvPr id="1" name=""/>
+        <p:cNvGrpSpPr/>
+        <p:nvPr/>
+      </p:nvGrpSpPr>
+      <p:grpSpPr>
+        <a:xfrm>
+          <a:off x="0" y="0"/>
+          <a:ext cx="0" cy="0"/>
+          <a:chOff x="0" y="0"/>
+          <a:chExt cx="0" cy="0"/>
+        </a:xfrm>
+      </p:grpSpPr>
+      <p:sp>
+        <p:nvSpPr>
+          <p:cNvPr id="12" name="TextBox 11">
+            <a:extLst>
+              <a:ext uri="{FF2B5EF4-FFF2-40B4-BE49-F238E27FC236}">
+                <a16:creationId xmlns:a16="http://schemas.microsoft.com/office/drawing/2014/main" id="{C7D7709E-206F-4B6B-9ABA-DCEDF98FB299}"/>
+              </a:ext>
+            </a:extLst>
+          </p:cNvPr>
+          <p:cNvSpPr txBox="1"/>
+          <p:nvPr/>
+        </p:nvSpPr>
+        <p:spPr>
+          <a:xfrm>
+            <a:off x="1204240" y="0"/>
+            <a:ext cx="9783520" cy="584775"/>
+          </a:xfrm>
+          <a:prstGeom prst="rect">
+            <a:avLst/>
+          </a:prstGeom>
+          <a:noFill/>
+        </p:spPr>
+        <p:txBody>
+          <a:bodyPr wrap="square" rtlCol="0">
+            <a:spAutoFit/>
+          </a:bodyPr>
+          <a:lstStyle/>
+          <a:p>
+            <a:pPr algn="ctr"/>
+            <a:r>
+              <a:rPr lang="en-US" altLang="ko-KR" sz="3200" dirty="0" smtClean="0">
+                <a:solidFill>
+                  <a:srgbClr val="212529"/>
+                </a:solidFill>
+                <a:latin typeface="나눔스퀘어 Bold" panose="020B0600000101010101" pitchFamily="50" charset="-127"/>
+                <a:ea typeface="나눔스퀘어 Bold" panose="020B0600000101010101" pitchFamily="50" charset="-127"/>
+              </a:rPr>
+              <a:t>Code</a:t>
+            </a:r>
+            <a:endParaRPr lang="en-US" altLang="ko-KR" sz="3200" dirty="0" smtClean="0">
+              <a:solidFill>
+                <a:srgbClr val="212529"/>
+              </a:solidFill>
+              <a:latin typeface="나눔스퀘어 Bold" panose="020B0600000101010101" pitchFamily="50" charset="-127"/>
+              <a:ea typeface="나눔스퀘어 Bold" panose="020B0600000101010101" pitchFamily="50" charset="-127"/>
+            </a:endParaRPr>
+          </a:p>
+        </p:txBody>
+      </p:sp>
+      <p:sp>
+        <p:nvSpPr>
+          <p:cNvPr id="19" name="TextBox 18">
+            <a:extLst>
+              <a:ext uri="{FF2B5EF4-FFF2-40B4-BE49-F238E27FC236}">
+                <a16:creationId xmlns:a16="http://schemas.microsoft.com/office/drawing/2014/main" id="{6AEAE2E7-4604-4C30-96BA-7EDCD9641507}"/>
+              </a:ext>
+            </a:extLst>
+          </p:cNvPr>
+          <p:cNvSpPr txBox="1"/>
+          <p:nvPr/>
+        </p:nvSpPr>
+        <p:spPr>
+          <a:xfrm>
+            <a:off x="5638800" y="2930525"/>
+            <a:ext cx="65" cy="276999"/>
+          </a:xfrm>
+          <a:prstGeom prst="rect">
+            <a:avLst/>
+          </a:prstGeom>
+          <a:noFill/>
+        </p:spPr>
+        <p:txBody>
+          <a:bodyPr wrap="none" lIns="0" tIns="0" rIns="0" bIns="0" rtlCol="0">
+            <a:spAutoFit/>
+          </a:bodyPr>
+          <a:lstStyle/>
+          <a:p>
+            <a:endParaRPr lang="ko-KR" altLang="en-US" dirty="0"/>
+          </a:p>
+        </p:txBody>
+      </p:sp>
+      <p:sp>
+        <p:nvSpPr>
+          <p:cNvPr id="14" name="TextBox 13">
+            <a:extLst>
+              <a:ext uri="{FF2B5EF4-FFF2-40B4-BE49-F238E27FC236}">
+                <a16:creationId xmlns:a16="http://schemas.microsoft.com/office/drawing/2014/main" id="{43AD0F1D-18AC-4DEA-AACB-5FB085B6C455}"/>
+              </a:ext>
+            </a:extLst>
+          </p:cNvPr>
+          <p:cNvSpPr txBox="1"/>
+          <p:nvPr/>
+        </p:nvSpPr>
+        <p:spPr>
+          <a:xfrm>
+            <a:off x="5886445" y="4121924"/>
+            <a:ext cx="6207127" cy="1600438"/>
+          </a:xfrm>
+          <a:prstGeom prst="rect">
+            <a:avLst/>
+          </a:prstGeom>
+          <a:noFill/>
+        </p:spPr>
+        <p:txBody>
+          <a:bodyPr wrap="square" rtlCol="0">
+            <a:spAutoFit/>
+          </a:bodyPr>
+          <a:lstStyle/>
+          <a:p>
+            <a:pPr marL="285750" indent="-285750">
+              <a:buFont typeface="Wingdings" panose="05000000000000000000" pitchFamily="2" charset="2"/>
+              <a:buChar char="§"/>
+            </a:pPr>
+            <a:r>
+              <a:rPr lang="ko-KR" altLang="en-US" sz="1400" dirty="0">
+                <a:latin typeface="나눔스퀘어 Bold" panose="020B0600000101010101" pitchFamily="50" charset="-127"/>
+                <a:ea typeface="나눔스퀘어 Bold" panose="020B0600000101010101" pitchFamily="50" charset="-127"/>
+              </a:rPr>
+              <a:t>우선</a:t>
+            </a:r>
+            <a:r>
+              <a:rPr lang="en-US" altLang="ko-KR" sz="1400" dirty="0">
+                <a:latin typeface="나눔스퀘어 Bold" panose="020B0600000101010101" pitchFamily="50" charset="-127"/>
+                <a:ea typeface="나눔스퀘어 Bold" panose="020B0600000101010101" pitchFamily="50" charset="-127"/>
+              </a:rPr>
+              <a:t>, DAMP</a:t>
+            </a:r>
+            <a:r>
+              <a:rPr lang="ko-KR" altLang="en-US" sz="1400" dirty="0">
+                <a:latin typeface="나눔스퀘어 Bold" panose="020B0600000101010101" pitchFamily="50" charset="-127"/>
+                <a:ea typeface="나눔스퀘어 Bold" panose="020B0600000101010101" pitchFamily="50" charset="-127"/>
+              </a:rPr>
+              <a:t>의 </a:t>
+            </a:r>
+            <a:r>
+              <a:rPr lang="en-US" altLang="ko-KR" sz="1400" dirty="0">
+                <a:latin typeface="나눔스퀘어 Bold" panose="020B0600000101010101" pitchFamily="50" charset="-127"/>
+                <a:ea typeface="나눔스퀘어 Bold" panose="020B0600000101010101" pitchFamily="50" charset="-127"/>
+              </a:rPr>
+              <a:t>batch </a:t>
+            </a:r>
+            <a:r>
+              <a:rPr lang="en-US" altLang="ko-KR" sz="1400" dirty="0" smtClean="0">
+                <a:latin typeface="나눔스퀘어 Bold" panose="020B0600000101010101" pitchFamily="50" charset="-127"/>
+                <a:ea typeface="나눔스퀘어 Bold" panose="020B0600000101010101" pitchFamily="50" charset="-127"/>
+              </a:rPr>
+              <a:t>test </a:t>
+            </a:r>
+            <a:r>
+              <a:rPr lang="en-US" altLang="ko-KR" sz="1400" dirty="0">
+                <a:latin typeface="나눔스퀘어 Bold" panose="020B0600000101010101" pitchFamily="50" charset="-127"/>
+                <a:ea typeface="나눔스퀘어 Bold" panose="020B0600000101010101" pitchFamily="50" charset="-127"/>
+              </a:rPr>
+              <a:t>time</a:t>
+            </a:r>
+            <a:r>
+              <a:rPr lang="ko-KR" altLang="en-US" sz="1400" dirty="0">
+                <a:latin typeface="나눔스퀘어 Bold" panose="020B0600000101010101" pitchFamily="50" charset="-127"/>
+                <a:ea typeface="나눔스퀘어 Bold" panose="020B0600000101010101" pitchFamily="50" charset="-127"/>
+              </a:rPr>
+              <a:t>은 </a:t>
+            </a:r>
+            <a:r>
+              <a:rPr lang="en-US" altLang="ko-KR" sz="1400" dirty="0">
+                <a:latin typeface="나눔스퀘어 Bold" panose="020B0600000101010101" pitchFamily="50" charset="-127"/>
+                <a:ea typeface="나눔스퀘어 Bold" panose="020B0600000101010101" pitchFamily="50" charset="-127"/>
+              </a:rPr>
+              <a:t>0.095</a:t>
+            </a:r>
+            <a:r>
+              <a:rPr lang="ko-KR" altLang="en-US" sz="1400" dirty="0">
+                <a:latin typeface="나눔스퀘어 Bold" panose="020B0600000101010101" pitchFamily="50" charset="-127"/>
+                <a:ea typeface="나눔스퀘어 Bold" panose="020B0600000101010101" pitchFamily="50" charset="-127"/>
+              </a:rPr>
+              <a:t>초 정도 </a:t>
+            </a:r>
+            <a:r>
+              <a:rPr lang="ko-KR" altLang="en-US" sz="1400" dirty="0" smtClean="0">
+                <a:latin typeface="나눔스퀘어 Bold" panose="020B0600000101010101" pitchFamily="50" charset="-127"/>
+                <a:ea typeface="나눔스퀘어 Bold" panose="020B0600000101010101" pitchFamily="50" charset="-127"/>
+              </a:rPr>
+              <a:t>소요되었음</a:t>
+            </a:r>
+            <a:endParaRPr lang="en-US" altLang="ko-KR" sz="1400" dirty="0" smtClean="0">
+              <a:latin typeface="나눔스퀘어 Bold" panose="020B0600000101010101" pitchFamily="50" charset="-127"/>
+              <a:ea typeface="나눔스퀘어 Bold" panose="020B0600000101010101" pitchFamily="50" charset="-127"/>
+            </a:endParaRPr>
+          </a:p>
+          <a:p>
+            <a:pPr marL="285750" indent="-285750">
+              <a:buFont typeface="Wingdings" panose="05000000000000000000" pitchFamily="2" charset="2"/>
+              <a:buChar char="§"/>
+            </a:pPr>
+            <a:endParaRPr lang="en-US" altLang="ko-KR" sz="1400" dirty="0">
+              <a:latin typeface="나눔스퀘어 Bold" panose="020B0600000101010101" pitchFamily="50" charset="-127"/>
+              <a:ea typeface="나눔스퀘어 Bold" panose="020B0600000101010101" pitchFamily="50" charset="-127"/>
+            </a:endParaRPr>
+          </a:p>
+          <a:p>
+            <a:pPr marL="285750" indent="-285750">
+              <a:buFont typeface="Wingdings" panose="05000000000000000000" pitchFamily="2" charset="2"/>
+              <a:buChar char="§"/>
+            </a:pPr>
+            <a:r>
+              <a:rPr lang="en-US" altLang="ko-KR" sz="1400" dirty="0" err="1" smtClean="0">
+                <a:latin typeface="나눔스퀘어 Bold" panose="020B0600000101010101" pitchFamily="50" charset="-127"/>
+                <a:ea typeface="나눔스퀘어 Bold" panose="020B0600000101010101" pitchFamily="50" charset="-127"/>
+              </a:rPr>
+              <a:t>CoOp</a:t>
+            </a:r>
+            <a:r>
+              <a:rPr lang="en-US" altLang="ko-KR" sz="1400" dirty="0" smtClean="0">
+                <a:latin typeface="나눔스퀘어 Bold" panose="020B0600000101010101" pitchFamily="50" charset="-127"/>
+                <a:ea typeface="나눔스퀘어 Bold" panose="020B0600000101010101" pitchFamily="50" charset="-127"/>
+              </a:rPr>
+              <a:t> method</a:t>
+            </a:r>
+            <a:r>
+              <a:rPr lang="ko-KR" altLang="en-US" sz="1400" dirty="0" smtClean="0">
+                <a:latin typeface="나눔스퀘어 Bold" panose="020B0600000101010101" pitchFamily="50" charset="-127"/>
+                <a:ea typeface="나눔스퀘어 Bold" panose="020B0600000101010101" pitchFamily="50" charset="-127"/>
+              </a:rPr>
+              <a:t>처럼 </a:t>
+            </a:r>
+            <a:r>
+              <a:rPr lang="en-US" altLang="ko-KR" sz="1400" dirty="0">
+                <a:latin typeface="나눔스퀘어 Bold" panose="020B0600000101010101" pitchFamily="50" charset="-127"/>
+                <a:ea typeface="나눔스퀘어 Bold" panose="020B0600000101010101" pitchFamily="50" charset="-127"/>
+              </a:rPr>
+              <a:t>inference</a:t>
+            </a:r>
+            <a:r>
+              <a:rPr lang="ko-KR" altLang="en-US" sz="1400" dirty="0">
+                <a:latin typeface="나눔스퀘어 Bold" panose="020B0600000101010101" pitchFamily="50" charset="-127"/>
+                <a:ea typeface="나눔스퀘어 Bold" panose="020B0600000101010101" pitchFamily="50" charset="-127"/>
+              </a:rPr>
+              <a:t>를 </a:t>
+            </a:r>
+            <a:r>
+              <a:rPr lang="ko-KR" altLang="en-US" sz="1400" dirty="0" smtClean="0">
+                <a:latin typeface="나눔스퀘어 Bold" panose="020B0600000101010101" pitchFamily="50" charset="-127"/>
+                <a:ea typeface="나눔스퀘어 Bold" panose="020B0600000101010101" pitchFamily="50" charset="-127"/>
+              </a:rPr>
+              <a:t>바로 진행하는 </a:t>
+            </a:r>
+            <a:r>
+              <a:rPr lang="en-US" altLang="ko-KR" sz="1400" dirty="0">
+                <a:latin typeface="나눔스퀘어 Bold" panose="020B0600000101010101" pitchFamily="50" charset="-127"/>
+                <a:ea typeface="나눔스퀘어 Bold" panose="020B0600000101010101" pitchFamily="50" charset="-127"/>
+              </a:rPr>
+              <a:t>DAPL </a:t>
+            </a:r>
+            <a:r>
+              <a:rPr lang="en-US" altLang="ko-KR" sz="1400" dirty="0" smtClean="0">
+                <a:latin typeface="나눔스퀘어 Bold" panose="020B0600000101010101" pitchFamily="50" charset="-127"/>
+                <a:ea typeface="나눔스퀘어 Bold" panose="020B0600000101010101" pitchFamily="50" charset="-127"/>
+              </a:rPr>
+              <a:t>method</a:t>
+            </a:r>
+            <a:r>
+              <a:rPr lang="ko-KR" altLang="en-US" sz="1400" dirty="0">
+                <a:latin typeface="나눔스퀘어 Bold" panose="020B0600000101010101" pitchFamily="50" charset="-127"/>
+                <a:ea typeface="나눔스퀘어 Bold" panose="020B0600000101010101" pitchFamily="50" charset="-127"/>
+              </a:rPr>
+              <a:t>도</a:t>
+            </a:r>
+            <a:r>
+              <a:rPr lang="ko-KR" altLang="en-US" sz="1400" dirty="0" smtClean="0">
+                <a:latin typeface="나눔스퀘어 Bold" panose="020B0600000101010101" pitchFamily="50" charset="-127"/>
+                <a:ea typeface="나눔스퀘어 Bold" panose="020B0600000101010101" pitchFamily="50" charset="-127"/>
+              </a:rPr>
+              <a:t> 이와 </a:t>
+            </a:r>
+            <a:r>
+              <a:rPr lang="ko-KR" altLang="en-US" sz="1400" dirty="0">
+                <a:latin typeface="나눔스퀘어 Bold" panose="020B0600000101010101" pitchFamily="50" charset="-127"/>
+                <a:ea typeface="나눔스퀘어 Bold" panose="020B0600000101010101" pitchFamily="50" charset="-127"/>
+              </a:rPr>
+              <a:t>비슷한 </a:t>
+            </a:r>
+            <a:r>
+              <a:rPr lang="en-US" altLang="ko-KR" sz="1400" dirty="0">
+                <a:latin typeface="나눔스퀘어 Bold" panose="020B0600000101010101" pitchFamily="50" charset="-127"/>
+                <a:ea typeface="나눔스퀘어 Bold" panose="020B0600000101010101" pitchFamily="50" charset="-127"/>
+              </a:rPr>
+              <a:t>0.093</a:t>
+            </a:r>
+            <a:r>
+              <a:rPr lang="ko-KR" altLang="en-US" sz="1400" dirty="0">
+                <a:latin typeface="나눔스퀘어 Bold" panose="020B0600000101010101" pitchFamily="50" charset="-127"/>
+                <a:ea typeface="나눔스퀘어 Bold" panose="020B0600000101010101" pitchFamily="50" charset="-127"/>
+              </a:rPr>
+              <a:t>초의 </a:t>
+            </a:r>
+            <a:r>
+              <a:rPr lang="en-US" altLang="ko-KR" sz="1400" dirty="0">
+                <a:latin typeface="나눔스퀘어 Bold" panose="020B0600000101010101" pitchFamily="50" charset="-127"/>
+                <a:ea typeface="나눔스퀘어 Bold" panose="020B0600000101010101" pitchFamily="50" charset="-127"/>
+              </a:rPr>
+              <a:t>inference time</a:t>
+            </a:r>
+            <a:r>
+              <a:rPr lang="ko-KR" altLang="en-US" sz="1400" dirty="0">
+                <a:latin typeface="나눔스퀘어 Bold" panose="020B0600000101010101" pitchFamily="50" charset="-127"/>
+                <a:ea typeface="나눔스퀘어 Bold" panose="020B0600000101010101" pitchFamily="50" charset="-127"/>
+              </a:rPr>
+              <a:t>이 </a:t>
+            </a:r>
+            <a:r>
+              <a:rPr lang="ko-KR" altLang="en-US" sz="1400" dirty="0" smtClean="0">
+                <a:latin typeface="나눔스퀘어 Bold" panose="020B0600000101010101" pitchFamily="50" charset="-127"/>
+                <a:ea typeface="나눔스퀘어 Bold" panose="020B0600000101010101" pitchFamily="50" charset="-127"/>
+              </a:rPr>
+              <a:t>소요되었음</a:t>
+            </a:r>
+            <a:endParaRPr lang="en-US" altLang="ko-KR" sz="1400" dirty="0" smtClean="0">
+              <a:latin typeface="나눔스퀘어 Bold" panose="020B0600000101010101" pitchFamily="50" charset="-127"/>
+              <a:ea typeface="나눔스퀘어 Bold" panose="020B0600000101010101" pitchFamily="50" charset="-127"/>
+            </a:endParaRPr>
+          </a:p>
+          <a:p>
+            <a:pPr marL="285750" indent="-285750">
+              <a:buFont typeface="Wingdings" panose="05000000000000000000" pitchFamily="2" charset="2"/>
+              <a:buChar char="§"/>
+            </a:pPr>
+            <a:endParaRPr lang="en-US" altLang="ko-KR" sz="1400" dirty="0">
+              <a:latin typeface="나눔스퀘어 Bold" panose="020B0600000101010101" pitchFamily="50" charset="-127"/>
+              <a:ea typeface="나눔스퀘어 Bold" panose="020B0600000101010101" pitchFamily="50" charset="-127"/>
+            </a:endParaRPr>
+          </a:p>
+          <a:p>
+            <a:pPr marL="285750" indent="-285750">
+              <a:buFont typeface="Wingdings" panose="05000000000000000000" pitchFamily="2" charset="2"/>
+              <a:buChar char="§"/>
+            </a:pPr>
+            <a:r>
+              <a:rPr lang="en-US" altLang="ko-KR" sz="1400" dirty="0">
+                <a:latin typeface="나눔스퀘어 Bold" panose="020B0600000101010101" pitchFamily="50" charset="-127"/>
+                <a:ea typeface="나눔스퀘어 Bold" panose="020B0600000101010101" pitchFamily="50" charset="-127"/>
+              </a:rPr>
+              <a:t>DAMP</a:t>
+            </a:r>
+            <a:r>
+              <a:rPr lang="ko-KR" altLang="en-US" sz="1400" dirty="0">
+                <a:latin typeface="나눔스퀘어 Bold" panose="020B0600000101010101" pitchFamily="50" charset="-127"/>
+                <a:ea typeface="나눔스퀘어 Bold" panose="020B0600000101010101" pitchFamily="50" charset="-127"/>
+              </a:rPr>
+              <a:t>가 </a:t>
+            </a:r>
+            <a:r>
+              <a:rPr lang="en-US" altLang="ko-KR" sz="1400" dirty="0">
+                <a:latin typeface="나눔스퀘어 Bold" panose="020B0600000101010101" pitchFamily="50" charset="-127"/>
+                <a:ea typeface="나눔스퀘어 Bold" panose="020B0600000101010101" pitchFamily="50" charset="-127"/>
+              </a:rPr>
+              <a:t>decoder</a:t>
+            </a:r>
+            <a:r>
+              <a:rPr lang="ko-KR" altLang="en-US" sz="1400" dirty="0">
+                <a:latin typeface="나눔스퀘어 Bold" panose="020B0600000101010101" pitchFamily="50" charset="-127"/>
+                <a:ea typeface="나눔스퀘어 Bold" panose="020B0600000101010101" pitchFamily="50" charset="-127"/>
+              </a:rPr>
+              <a:t>를 추가적으로 거치긴 하지만</a:t>
+            </a:r>
+            <a:r>
+              <a:rPr lang="en-US" altLang="ko-KR" sz="1400" dirty="0">
+                <a:latin typeface="나눔스퀘어 Bold" panose="020B0600000101010101" pitchFamily="50" charset="-127"/>
+                <a:ea typeface="나눔스퀘어 Bold" panose="020B0600000101010101" pitchFamily="50" charset="-127"/>
+              </a:rPr>
+              <a:t>, embedding size</a:t>
+            </a:r>
+            <a:r>
+              <a:rPr lang="ko-KR" altLang="en-US" sz="1400" dirty="0">
+                <a:latin typeface="나눔스퀘어 Bold" panose="020B0600000101010101" pitchFamily="50" charset="-127"/>
+                <a:ea typeface="나눔스퀘어 Bold" panose="020B0600000101010101" pitchFamily="50" charset="-127"/>
+              </a:rPr>
+              <a:t>가 크지 않아 </a:t>
+            </a:r>
+            <a:r>
+              <a:rPr lang="en-US" altLang="ko-KR" sz="1400" dirty="0">
+                <a:latin typeface="나눔스퀘어 Bold" panose="020B0600000101010101" pitchFamily="50" charset="-127"/>
+                <a:ea typeface="나눔스퀘어 Bold" panose="020B0600000101010101" pitchFamily="50" charset="-127"/>
+              </a:rPr>
+              <a:t>inference time</a:t>
+            </a:r>
+            <a:r>
+              <a:rPr lang="ko-KR" altLang="en-US" sz="1400" dirty="0">
+                <a:latin typeface="나눔스퀘어 Bold" panose="020B0600000101010101" pitchFamily="50" charset="-127"/>
+                <a:ea typeface="나눔스퀘어 Bold" panose="020B0600000101010101" pitchFamily="50" charset="-127"/>
+              </a:rPr>
+              <a:t>에는 영향을 주지 않는 것으로 보임</a:t>
+            </a:r>
+            <a:endParaRPr lang="en-US" altLang="ko-KR" sz="1400" dirty="0" smtClean="0">
+              <a:latin typeface="나눔스퀘어 Bold" panose="020B0600000101010101" pitchFamily="50" charset="-127"/>
+              <a:ea typeface="나눔스퀘어 Bold" panose="020B0600000101010101" pitchFamily="50" charset="-127"/>
+            </a:endParaRPr>
+          </a:p>
+        </p:txBody>
+      </p:sp>
+      <p:sp>
+        <p:nvSpPr>
+          <p:cNvPr id="6" name="TextBox 5">
+            <a:extLst>
+              <a:ext uri="{FF2B5EF4-FFF2-40B4-BE49-F238E27FC236}">
+                <a16:creationId xmlns:a16="http://schemas.microsoft.com/office/drawing/2014/main" id="{43AD0F1D-18AC-4DEA-AACB-5FB085B6C455}"/>
+              </a:ext>
+            </a:extLst>
+          </p:cNvPr>
+          <p:cNvSpPr txBox="1"/>
+          <p:nvPr/>
+        </p:nvSpPr>
+        <p:spPr>
+          <a:xfrm>
+            <a:off x="5886445" y="1330087"/>
+            <a:ext cx="6207127" cy="1815882"/>
+          </a:xfrm>
+          <a:prstGeom prst="rect">
+            <a:avLst/>
+          </a:prstGeom>
+          <a:noFill/>
+        </p:spPr>
+        <p:txBody>
+          <a:bodyPr wrap="square" rtlCol="0">
+            <a:spAutoFit/>
+          </a:bodyPr>
+          <a:lstStyle/>
+          <a:p>
+            <a:pPr marL="285750" indent="-285750">
+              <a:buFont typeface="Wingdings" panose="05000000000000000000" pitchFamily="2" charset="2"/>
+              <a:buChar char="§"/>
+            </a:pPr>
+            <a:r>
+              <a:rPr lang="en-US" altLang="ko-KR" sz="1400" dirty="0">
+                <a:latin typeface="나눔스퀘어 Bold" panose="020B0600000101010101" pitchFamily="50" charset="-127"/>
+                <a:ea typeface="나눔스퀘어 Bold" panose="020B0600000101010101" pitchFamily="50" charset="-127"/>
+              </a:rPr>
+              <a:t>DAMP method</a:t>
+            </a:r>
+            <a:r>
+              <a:rPr lang="ko-KR" altLang="en-US" sz="1400" dirty="0">
+                <a:latin typeface="나눔스퀘어 Bold" panose="020B0600000101010101" pitchFamily="50" charset="-127"/>
+                <a:ea typeface="나눔스퀘어 Bold" panose="020B0600000101010101" pitchFamily="50" charset="-127"/>
+              </a:rPr>
+              <a:t>는 </a:t>
+            </a:r>
+            <a:r>
+              <a:rPr lang="en-US" altLang="ko-KR" sz="1400" dirty="0">
+                <a:latin typeface="나눔스퀘어 Bold" panose="020B0600000101010101" pitchFamily="50" charset="-127"/>
+                <a:ea typeface="나눔스퀘어 Bold" panose="020B0600000101010101" pitchFamily="50" charset="-127"/>
+              </a:rPr>
+              <a:t>inference </a:t>
+            </a:r>
+            <a:r>
+              <a:rPr lang="ko-KR" altLang="en-US" sz="1400" dirty="0">
+                <a:latin typeface="나눔스퀘어 Bold" panose="020B0600000101010101" pitchFamily="50" charset="-127"/>
+                <a:ea typeface="나눔스퀘어 Bold" panose="020B0600000101010101" pitchFamily="50" charset="-127"/>
+              </a:rPr>
+              <a:t>때</a:t>
+            </a:r>
+            <a:r>
+              <a:rPr lang="en-US" altLang="ko-KR" sz="1400" dirty="0">
+                <a:latin typeface="나눔스퀘어 Bold" panose="020B0600000101010101" pitchFamily="50" charset="-127"/>
+                <a:ea typeface="나눔스퀘어 Bold" panose="020B0600000101010101" pitchFamily="50" charset="-127"/>
+              </a:rPr>
+              <a:t>, encoder</a:t>
+            </a:r>
+            <a:r>
+              <a:rPr lang="ko-KR" altLang="en-US" sz="1400" dirty="0">
+                <a:latin typeface="나눔스퀘어 Bold" panose="020B0600000101010101" pitchFamily="50" charset="-127"/>
+                <a:ea typeface="나눔스퀘어 Bold" panose="020B0600000101010101" pitchFamily="50" charset="-127"/>
+              </a:rPr>
+              <a:t>에서 출력된 </a:t>
+            </a:r>
+            <a:r>
+              <a:rPr lang="en-US" altLang="ko-KR" sz="1400" dirty="0">
+                <a:latin typeface="나눔스퀘어 Bold" panose="020B0600000101010101" pitchFamily="50" charset="-127"/>
+                <a:ea typeface="나눔스퀘어 Bold" panose="020B0600000101010101" pitchFamily="50" charset="-127"/>
+              </a:rPr>
+              <a:t>embedding</a:t>
+            </a:r>
+            <a:r>
+              <a:rPr lang="ko-KR" altLang="en-US" sz="1400" dirty="0">
+                <a:latin typeface="나눔스퀘어 Bold" panose="020B0600000101010101" pitchFamily="50" charset="-127"/>
+                <a:ea typeface="나눔스퀘어 Bold" panose="020B0600000101010101" pitchFamily="50" charset="-127"/>
+              </a:rPr>
+              <a:t>을 바로 사용하지 않고</a:t>
+            </a:r>
+            <a:r>
+              <a:rPr lang="en-US" altLang="ko-KR" sz="1400" dirty="0" smtClean="0">
+                <a:latin typeface="나눔스퀘어 Bold" panose="020B0600000101010101" pitchFamily="50" charset="-127"/>
+                <a:ea typeface="나눔스퀘어 Bold" panose="020B0600000101010101" pitchFamily="50" charset="-127"/>
+              </a:rPr>
+              <a:t>,</a:t>
+            </a:r>
+          </a:p>
+          <a:p>
+            <a:pPr marL="285750" indent="-285750">
+              <a:buFont typeface="Wingdings" panose="05000000000000000000" pitchFamily="2" charset="2"/>
+              <a:buChar char="§"/>
+            </a:pPr>
+            <a:endParaRPr lang="en-US" altLang="ko-KR" sz="1400" dirty="0">
+              <a:latin typeface="나눔스퀘어 Bold" panose="020B0600000101010101" pitchFamily="50" charset="-127"/>
+              <a:ea typeface="나눔스퀘어 Bold" panose="020B0600000101010101" pitchFamily="50" charset="-127"/>
+            </a:endParaRPr>
+          </a:p>
+          <a:p>
+            <a:pPr marL="285750" indent="-285750">
+              <a:buFont typeface="Wingdings" panose="05000000000000000000" pitchFamily="2" charset="2"/>
+              <a:buChar char="§"/>
+            </a:pPr>
+            <a:r>
+              <a:rPr lang="en-US" altLang="ko-KR" sz="1400" dirty="0" smtClean="0">
+                <a:latin typeface="나눔스퀘어 Bold" panose="020B0600000101010101" pitchFamily="50" charset="-127"/>
+                <a:ea typeface="나눔스퀘어 Bold" panose="020B0600000101010101" pitchFamily="50" charset="-127"/>
+              </a:rPr>
+              <a:t>Mutual prompting module G</a:t>
+            </a:r>
+            <a:r>
+              <a:rPr lang="ko-KR" altLang="en-US" sz="1400" dirty="0" smtClean="0">
+                <a:latin typeface="나눔스퀘어 Bold" panose="020B0600000101010101" pitchFamily="50" charset="-127"/>
+                <a:ea typeface="나눔스퀘어 Bold" panose="020B0600000101010101" pitchFamily="50" charset="-127"/>
+              </a:rPr>
+              <a:t>에서 </a:t>
+            </a:r>
+            <a:r>
+              <a:rPr lang="en-US" altLang="ko-KR" sz="1400" dirty="0" smtClean="0">
+                <a:latin typeface="나눔스퀘어 Bold" panose="020B0600000101010101" pitchFamily="50" charset="-127"/>
+                <a:ea typeface="나눔스퀘어 Bold" panose="020B0600000101010101" pitchFamily="50" charset="-127"/>
+              </a:rPr>
+              <a:t>text</a:t>
+            </a:r>
+            <a:r>
+              <a:rPr lang="en-US" altLang="ko-KR" sz="1400" dirty="0">
+                <a:latin typeface="나눔스퀘어 Bold" panose="020B0600000101010101" pitchFamily="50" charset="-127"/>
+                <a:ea typeface="나눔스퀘어 Bold" panose="020B0600000101010101" pitchFamily="50" charset="-127"/>
+              </a:rPr>
+              <a:t>, image embedding </a:t>
+            </a:r>
+            <a:r>
+              <a:rPr lang="ko-KR" altLang="en-US" sz="1400" dirty="0">
+                <a:latin typeface="나눔스퀘어 Bold" panose="020B0600000101010101" pitchFamily="50" charset="-127"/>
+                <a:ea typeface="나눔스퀘어 Bold" panose="020B0600000101010101" pitchFamily="50" charset="-127"/>
+              </a:rPr>
+              <a:t>간의 </a:t>
+            </a:r>
+            <a:r>
+              <a:rPr lang="en-US" altLang="ko-KR" sz="1400" dirty="0">
+                <a:latin typeface="나눔스퀘어 Bold" panose="020B0600000101010101" pitchFamily="50" charset="-127"/>
+                <a:ea typeface="나눔스퀘어 Bold" panose="020B0600000101010101" pitchFamily="50" charset="-127"/>
+              </a:rPr>
+              <a:t>cross-attention</a:t>
+            </a:r>
+            <a:r>
+              <a:rPr lang="ko-KR" altLang="en-US" sz="1400" dirty="0">
+                <a:latin typeface="나눔스퀘어 Bold" panose="020B0600000101010101" pitchFamily="50" charset="-127"/>
+                <a:ea typeface="나눔스퀘어 Bold" panose="020B0600000101010101" pitchFamily="50" charset="-127"/>
+              </a:rPr>
+              <a:t>을 </a:t>
+            </a:r>
+            <a:r>
+              <a:rPr lang="ko-KR" altLang="en-US" sz="1400" dirty="0" smtClean="0">
+                <a:latin typeface="나눔스퀘어 Bold" panose="020B0600000101010101" pitchFamily="50" charset="-127"/>
+                <a:ea typeface="나눔스퀘어 Bold" panose="020B0600000101010101" pitchFamily="50" charset="-127"/>
+              </a:rPr>
+              <a:t>수행한 </a:t>
+            </a:r>
+            <a:r>
+              <a:rPr lang="ko-KR" altLang="en-US" sz="1400" dirty="0">
+                <a:latin typeface="나눔스퀘어 Bold" panose="020B0600000101010101" pitchFamily="50" charset="-127"/>
+                <a:ea typeface="나눔스퀘어 Bold" panose="020B0600000101010101" pitchFamily="50" charset="-127"/>
+              </a:rPr>
+              <a:t>후 최종 </a:t>
+            </a:r>
+            <a:r>
+              <a:rPr lang="en-US" altLang="ko-KR" sz="1400" dirty="0">
+                <a:latin typeface="나눔스퀘어 Bold" panose="020B0600000101010101" pitchFamily="50" charset="-127"/>
+                <a:ea typeface="나눔스퀘어 Bold" panose="020B0600000101010101" pitchFamily="50" charset="-127"/>
+              </a:rPr>
+              <a:t>feature</a:t>
+            </a:r>
+            <a:r>
+              <a:rPr lang="ko-KR" altLang="en-US" sz="1400" dirty="0">
+                <a:latin typeface="나눔스퀘어 Bold" panose="020B0600000101010101" pitchFamily="50" charset="-127"/>
+                <a:ea typeface="나눔스퀘어 Bold" panose="020B0600000101010101" pitchFamily="50" charset="-127"/>
+              </a:rPr>
+              <a:t>를 </a:t>
+            </a:r>
+            <a:r>
+              <a:rPr lang="ko-KR" altLang="en-US" sz="1400" dirty="0" smtClean="0">
+                <a:latin typeface="나눔스퀘어 Bold" panose="020B0600000101010101" pitchFamily="50" charset="-127"/>
+                <a:ea typeface="나눔스퀘어 Bold" panose="020B0600000101010101" pitchFamily="50" charset="-127"/>
+              </a:rPr>
+              <a:t>얻음</a:t>
+            </a:r>
+            <a:endParaRPr lang="en-US" altLang="ko-KR" sz="1400" dirty="0" smtClean="0">
+              <a:latin typeface="나눔스퀘어 Bold" panose="020B0600000101010101" pitchFamily="50" charset="-127"/>
+              <a:ea typeface="나눔스퀘어 Bold" panose="020B0600000101010101" pitchFamily="50" charset="-127"/>
+            </a:endParaRPr>
+          </a:p>
+          <a:p>
+            <a:pPr marL="285750" indent="-285750">
+              <a:buFont typeface="Wingdings" panose="05000000000000000000" pitchFamily="2" charset="2"/>
+              <a:buChar char="§"/>
+            </a:pPr>
+            <a:endParaRPr lang="en-US" altLang="ko-KR" sz="1400" dirty="0">
+              <a:latin typeface="나눔스퀘어 Bold" panose="020B0600000101010101" pitchFamily="50" charset="-127"/>
+              <a:ea typeface="나눔스퀘어 Bold" panose="020B0600000101010101" pitchFamily="50" charset="-127"/>
+            </a:endParaRPr>
+          </a:p>
+          <a:p>
+            <a:pPr marL="285750" indent="-285750">
+              <a:buFont typeface="Wingdings" panose="05000000000000000000" pitchFamily="2" charset="2"/>
+              <a:buChar char="§"/>
+            </a:pPr>
+            <a:r>
+              <a:rPr lang="ko-KR" altLang="en-US" sz="1400" dirty="0">
+                <a:latin typeface="나눔스퀘어 Bold" panose="020B0600000101010101" pitchFamily="50" charset="-127"/>
+                <a:ea typeface="나눔스퀘어 Bold" panose="020B0600000101010101" pitchFamily="50" charset="-127"/>
+              </a:rPr>
+              <a:t>이에 따른 추가 소요 시간 확인을 위해 다른 </a:t>
+            </a:r>
+            <a:r>
+              <a:rPr lang="en-US" altLang="ko-KR" sz="1400" dirty="0">
+                <a:latin typeface="나눔스퀘어 Bold" panose="020B0600000101010101" pitchFamily="50" charset="-127"/>
+                <a:ea typeface="나눔스퀘어 Bold" panose="020B0600000101010101" pitchFamily="50" charset="-127"/>
+              </a:rPr>
+              <a:t>UDA method</a:t>
+            </a:r>
+            <a:r>
+              <a:rPr lang="ko-KR" altLang="en-US" sz="1400" dirty="0">
+                <a:latin typeface="나눔스퀘어 Bold" panose="020B0600000101010101" pitchFamily="50" charset="-127"/>
+                <a:ea typeface="나눔스퀘어 Bold" panose="020B0600000101010101" pitchFamily="50" charset="-127"/>
+              </a:rPr>
+              <a:t>인 </a:t>
+            </a:r>
+            <a:r>
+              <a:rPr lang="en-US" altLang="ko-KR" sz="1400" dirty="0">
+                <a:latin typeface="나눔스퀘어 Bold" panose="020B0600000101010101" pitchFamily="50" charset="-127"/>
+                <a:ea typeface="나눔스퀘어 Bold" panose="020B0600000101010101" pitchFamily="50" charset="-127"/>
+              </a:rPr>
+              <a:t>DAPL</a:t>
+            </a:r>
+            <a:r>
+              <a:rPr lang="ko-KR" altLang="en-US" sz="1400" dirty="0">
+                <a:latin typeface="나눔스퀘어 Bold" panose="020B0600000101010101" pitchFamily="50" charset="-127"/>
+                <a:ea typeface="나눔스퀘어 Bold" panose="020B0600000101010101" pitchFamily="50" charset="-127"/>
+              </a:rPr>
+              <a:t>과 </a:t>
+            </a:r>
+            <a:r>
+              <a:rPr lang="en-US" altLang="ko-KR" sz="1400" dirty="0">
+                <a:latin typeface="나눔스퀘어 Bold" panose="020B0600000101010101" pitchFamily="50" charset="-127"/>
+                <a:ea typeface="나눔스퀘어 Bold" panose="020B0600000101010101" pitchFamily="50" charset="-127"/>
+              </a:rPr>
+              <a:t>inference time</a:t>
+            </a:r>
+            <a:r>
+              <a:rPr lang="ko-KR" altLang="en-US" sz="1400" dirty="0">
+                <a:latin typeface="나눔스퀘어 Bold" panose="020B0600000101010101" pitchFamily="50" charset="-127"/>
+                <a:ea typeface="나눔스퀘어 Bold" panose="020B0600000101010101" pitchFamily="50" charset="-127"/>
+              </a:rPr>
+              <a:t>을 비교해 보았음</a:t>
+            </a:r>
+            <a:endParaRPr lang="en-US" altLang="ko-KR" sz="1400" dirty="0" smtClean="0">
+              <a:latin typeface="나눔스퀘어 Bold" panose="020B0600000101010101" pitchFamily="50" charset="-127"/>
+              <a:ea typeface="나눔스퀘어 Bold" panose="020B0600000101010101" pitchFamily="50" charset="-127"/>
+            </a:endParaRPr>
+          </a:p>
+        </p:txBody>
+      </p:sp>
+      <p:pic>
+        <p:nvPicPr>
+          <p:cNvPr id="3" name="그림 2"/>
+          <p:cNvPicPr>
+            <a:picLocks noChangeAspect="1"/>
+          </p:cNvPicPr>
+          <p:nvPr/>
+        </p:nvPicPr>
+        <p:blipFill>
+          <a:blip r:embed="rId2"/>
+          <a:stretch>
+            <a:fillRect/>
+          </a:stretch>
+        </p:blipFill>
+        <p:spPr>
+          <a:xfrm>
+            <a:off x="0" y="1112374"/>
+            <a:ext cx="5638800" cy="2095150"/>
+          </a:xfrm>
+          <a:prstGeom prst="rect">
+            <a:avLst/>
+          </a:prstGeom>
+        </p:spPr>
+      </p:pic>
+    </p:spTree>
+    <p:extLst>
+      <p:ext uri="{BB962C8B-B14F-4D97-AF65-F5344CB8AC3E}">
+        <p14:creationId xmlns:p14="http://schemas.microsoft.com/office/powerpoint/2010/main" val="253112425"/>
+      </p:ext>
+    </p:extLst>
+  </p:cSld>
+  <p:clrMapOvr>
+    <a:masterClrMapping/>
+  </p:clrMapOvr>
+  <p:timing>
+    <p:tnLst>
+      <p:par>
+        <p:cTn id="1" dur="indefinite" restart="never" nodeType="tmRoot"/>
+      </p:par>
+    </p:tnLst>
+  </p:timing>
+</p:sld>
+</file>
+
+<file path=ppt/slides/slide20.xml><?xml version="1.0" encoding="utf-8"?>
 <p:sld xmlns:a="http://schemas.openxmlformats.org/drawingml/2006/main" xmlns:r="http://schemas.openxmlformats.org/officeDocument/2006/relationships" xmlns:p="http://schemas.openxmlformats.org/presentationml/2006/main">
   <p:cSld>
     <p:spTree>
@@ -7635,7 +9424,7 @@
 </p:sld>
 </file>
 
-<file path=ppt/slides/slide19.xml><?xml version="1.0" encoding="utf-8"?>
+<file path=ppt/slides/slide21.xml><?xml version="1.0" encoding="utf-8"?>
 <p:sld xmlns:a="http://schemas.openxmlformats.org/drawingml/2006/main" xmlns:r="http://schemas.openxmlformats.org/officeDocument/2006/relationships" xmlns:p="http://schemas.openxmlformats.org/presentationml/2006/main">
   <p:cSld>
     <p:spTree>
@@ -8094,8 +9883,8 @@
           </p:sp>
         </mc:Fallback>
       </mc:AlternateContent>
-      <mc:AlternateContent xmlns:mc="http://schemas.openxmlformats.org/markup-compatibility/2006" xmlns:a14="http://schemas.microsoft.com/office/drawing/2010/main">
-        <mc:Choice Requires="a14">
+      <mc:AlternateContent xmlns:mc="http://schemas.openxmlformats.org/markup-compatibility/2006">
+        <mc:Choice xmlns:a14="http://schemas.microsoft.com/office/drawing/2010/main" Requires="a14">
           <p:sp>
             <p:nvSpPr>
               <p:cNvPr id="6" name="TextBox 5">
@@ -8133,14 +9922,35 @@
                     <a:latin typeface="나눔스퀘어 Bold" panose="020B0600000101010101" pitchFamily="50" charset="-127"/>
                     <a:ea typeface="나눔스퀘어 Bold" panose="020B0600000101010101" pitchFamily="50" charset="-127"/>
                   </a:rPr>
-                  <a:t>target sample</a:t>
+                  <a:t>target </a:t>
+                </a:r>
+                <a:r>
+                  <a:rPr lang="en-US" altLang="ko-KR" sz="1400" dirty="0" smtClean="0">
+                    <a:latin typeface="나눔스퀘어 Bold" panose="020B0600000101010101" pitchFamily="50" charset="-127"/>
+                    <a:ea typeface="나눔스퀘어 Bold" panose="020B0600000101010101" pitchFamily="50" charset="-127"/>
+                  </a:rPr>
+                  <a:t>sample</a:t>
                 </a:r>
                 <a:r>
                   <a:rPr lang="ko-KR" altLang="en-US" sz="1400" dirty="0" smtClean="0">
                     <a:latin typeface="나눔스퀘어 Bold" panose="020B0600000101010101" pitchFamily="50" charset="-127"/>
                     <a:ea typeface="나눔스퀘어 Bold" panose="020B0600000101010101" pitchFamily="50" charset="-127"/>
                   </a:rPr>
-                  <a:t>일 때는 우선 </a:t>
+                  <a:t>의 경우</a:t>
+                </a:r>
+                <a:r>
+                  <a:rPr lang="en-US" altLang="ko-KR" sz="1400" dirty="0" smtClean="0">
+                    <a:latin typeface="나눔스퀘어 Bold" panose="020B0600000101010101" pitchFamily="50" charset="-127"/>
+                    <a:ea typeface="나눔스퀘어 Bold" panose="020B0600000101010101" pitchFamily="50" charset="-127"/>
+                  </a:rPr>
+                  <a:t>, </a:t>
+                </a:r>
+                <a:r>
+                  <a:rPr lang="ko-KR" altLang="en-US" sz="1400" dirty="0" smtClean="0">
+                    <a:latin typeface="나눔스퀘어 Bold" panose="020B0600000101010101" pitchFamily="50" charset="-127"/>
+                    <a:ea typeface="나눔스퀘어 Bold" panose="020B0600000101010101" pitchFamily="50" charset="-127"/>
+                  </a:rPr>
+                  <a:t>우선 </a:t>
                 </a:r>
                 <a14:m>
                   <m:oMath xmlns:m="http://schemas.openxmlformats.org/officeDocument/2006/math">
@@ -8486,7 +10296,7 @@
             </p:txBody>
           </p:sp>
         </mc:Choice>
-        <mc:Fallback xmlns="">
+        <mc:Fallback>
           <p:sp>
             <p:nvSpPr>
               <p:cNvPr id="6" name="TextBox 5">
@@ -8512,7 +10322,7 @@
               <a:blipFill>
                 <a:blip r:embed="rId3"/>
                 <a:stretch>
-                  <a:fillRect l="-196" t="-881" r="-1179" b="-3524"/>
+                  <a:fillRect l="-196" t="-881" b="-3524"/>
                 </a:stretch>
               </a:blipFill>
             </p:spPr>
@@ -8636,898 +10446,7 @@
 </p:sld>
 </file>
 
-<file path=ppt/slides/slide2.xml><?xml version="1.0" encoding="utf-8"?>
-<p:sld xmlns:a="http://schemas.openxmlformats.org/drawingml/2006/main" xmlns:r="http://schemas.openxmlformats.org/officeDocument/2006/relationships" xmlns:p="http://schemas.openxmlformats.org/presentationml/2006/main">
-  <p:cSld>
-    <p:spTree>
-      <p:nvGrpSpPr>
-        <p:cNvPr id="1" name=""/>
-        <p:cNvGrpSpPr/>
-        <p:nvPr/>
-      </p:nvGrpSpPr>
-      <p:grpSpPr>
-        <a:xfrm>
-          <a:off x="0" y="0"/>
-          <a:ext cx="0" cy="0"/>
-          <a:chOff x="0" y="0"/>
-          <a:chExt cx="0" cy="0"/>
-        </a:xfrm>
-      </p:grpSpPr>
-      <p:sp>
-        <p:nvSpPr>
-          <p:cNvPr id="12" name="TextBox 11">
-            <a:extLst>
-              <a:ext uri="{FF2B5EF4-FFF2-40B4-BE49-F238E27FC236}">
-                <a16:creationId xmlns:a16="http://schemas.microsoft.com/office/drawing/2014/main" id="{C7D7709E-206F-4B6B-9ABA-DCEDF98FB299}"/>
-              </a:ext>
-            </a:extLst>
-          </p:cNvPr>
-          <p:cNvSpPr txBox="1"/>
-          <p:nvPr/>
-        </p:nvSpPr>
-        <p:spPr>
-          <a:xfrm>
-            <a:off x="1204240" y="0"/>
-            <a:ext cx="9783520" cy="584775"/>
-          </a:xfrm>
-          <a:prstGeom prst="rect">
-            <a:avLst/>
-          </a:prstGeom>
-          <a:noFill/>
-        </p:spPr>
-        <p:txBody>
-          <a:bodyPr wrap="square" rtlCol="0">
-            <a:spAutoFit/>
-          </a:bodyPr>
-          <a:lstStyle/>
-          <a:p>
-            <a:pPr algn="ctr"/>
-            <a:r>
-              <a:rPr lang="en-US" altLang="ko-KR" sz="3200" dirty="0" smtClean="0">
-                <a:solidFill>
-                  <a:srgbClr val="212529"/>
-                </a:solidFill>
-                <a:latin typeface="나눔스퀘어 Bold" panose="020B0600000101010101" pitchFamily="50" charset="-127"/>
-                <a:ea typeface="나눔스퀘어 Bold" panose="020B0600000101010101" pitchFamily="50" charset="-127"/>
-              </a:rPr>
-              <a:t>1. Introduction</a:t>
-            </a:r>
-          </a:p>
-        </p:txBody>
-      </p:sp>
-      <p:sp>
-        <p:nvSpPr>
-          <p:cNvPr id="19" name="TextBox 18">
-            <a:extLst>
-              <a:ext uri="{FF2B5EF4-FFF2-40B4-BE49-F238E27FC236}">
-                <a16:creationId xmlns:a16="http://schemas.microsoft.com/office/drawing/2014/main" id="{6AEAE2E7-4604-4C30-96BA-7EDCD9641507}"/>
-              </a:ext>
-            </a:extLst>
-          </p:cNvPr>
-          <p:cNvSpPr txBox="1"/>
-          <p:nvPr/>
-        </p:nvSpPr>
-        <p:spPr>
-          <a:xfrm>
-            <a:off x="5638800" y="2930525"/>
-            <a:ext cx="65" cy="276999"/>
-          </a:xfrm>
-          <a:prstGeom prst="rect">
-            <a:avLst/>
-          </a:prstGeom>
-          <a:noFill/>
-        </p:spPr>
-        <p:txBody>
-          <a:bodyPr wrap="none" lIns="0" tIns="0" rIns="0" bIns="0" rtlCol="0">
-            <a:spAutoFit/>
-          </a:bodyPr>
-          <a:lstStyle/>
-          <a:p>
-            <a:endParaRPr lang="ko-KR" altLang="en-US" dirty="0"/>
-          </a:p>
-        </p:txBody>
-      </p:sp>
-      <p:sp>
-        <p:nvSpPr>
-          <p:cNvPr id="14" name="TextBox 13">
-            <a:extLst>
-              <a:ext uri="{FF2B5EF4-FFF2-40B4-BE49-F238E27FC236}">
-                <a16:creationId xmlns:a16="http://schemas.microsoft.com/office/drawing/2014/main" id="{43AD0F1D-18AC-4DEA-AACB-5FB085B6C455}"/>
-              </a:ext>
-            </a:extLst>
-          </p:cNvPr>
-          <p:cNvSpPr txBox="1"/>
-          <p:nvPr/>
-        </p:nvSpPr>
-        <p:spPr>
-          <a:xfrm>
-            <a:off x="5886445" y="4121924"/>
-            <a:ext cx="6207127" cy="1600438"/>
-          </a:xfrm>
-          <a:prstGeom prst="rect">
-            <a:avLst/>
-          </a:prstGeom>
-          <a:noFill/>
-        </p:spPr>
-        <p:txBody>
-          <a:bodyPr wrap="square" rtlCol="0">
-            <a:spAutoFit/>
-          </a:bodyPr>
-          <a:lstStyle/>
-          <a:p>
-            <a:pPr marL="285750" indent="-285750">
-              <a:buFont typeface="Wingdings" panose="05000000000000000000" pitchFamily="2" charset="2"/>
-              <a:buChar char="§"/>
-            </a:pPr>
-            <a:r>
-              <a:rPr lang="en-US" altLang="ko-KR" sz="1400" dirty="0" smtClean="0">
-                <a:latin typeface="나눔스퀘어 Bold" panose="020B0600000101010101" pitchFamily="50" charset="-127"/>
-                <a:ea typeface="나눔스퀘어 Bold" panose="020B0600000101010101" pitchFamily="50" charset="-127"/>
-              </a:rPr>
-              <a:t>local representation</a:t>
-            </a:r>
-            <a:r>
-              <a:rPr lang="ko-KR" altLang="en-US" sz="1400" dirty="0" smtClean="0">
-                <a:latin typeface="나눔스퀘어 Bold" panose="020B0600000101010101" pitchFamily="50" charset="-127"/>
-                <a:ea typeface="나눔스퀘어 Bold" panose="020B0600000101010101" pitchFamily="50" charset="-127"/>
-              </a:rPr>
-              <a:t>을 이용한 </a:t>
-            </a:r>
-            <a:r>
-              <a:rPr lang="en-US" altLang="ko-KR" sz="1400" dirty="0" smtClean="0">
-                <a:latin typeface="나눔스퀘어 Bold" panose="020B0600000101010101" pitchFamily="50" charset="-127"/>
-                <a:ea typeface="나눔스퀘어 Bold" panose="020B0600000101010101" pitchFamily="50" charset="-127"/>
-              </a:rPr>
-              <a:t>method</a:t>
-            </a:r>
-            <a:r>
-              <a:rPr lang="ko-KR" altLang="en-US" sz="1400" dirty="0" smtClean="0">
-                <a:latin typeface="나눔스퀘어 Bold" panose="020B0600000101010101" pitchFamily="50" charset="-127"/>
-                <a:ea typeface="나눔스퀘어 Bold" panose="020B0600000101010101" pitchFamily="50" charset="-127"/>
-              </a:rPr>
-              <a:t>들도 제안되었지만</a:t>
-            </a:r>
-            <a:r>
-              <a:rPr lang="en-US" altLang="ko-KR" sz="1400" dirty="0" smtClean="0">
-                <a:latin typeface="나눔스퀘어 Bold" panose="020B0600000101010101" pitchFamily="50" charset="-127"/>
-                <a:ea typeface="나눔스퀘어 Bold" panose="020B0600000101010101" pitchFamily="50" charset="-127"/>
-              </a:rPr>
-              <a:t>,</a:t>
-            </a:r>
-          </a:p>
-          <a:p>
-            <a:pPr marL="285750" indent="-285750">
-              <a:buFont typeface="Wingdings" panose="05000000000000000000" pitchFamily="2" charset="2"/>
-              <a:buChar char="§"/>
-            </a:pPr>
-            <a:endParaRPr lang="en-US" altLang="ko-KR" sz="1400" dirty="0">
-              <a:latin typeface="나눔스퀘어 Bold" panose="020B0600000101010101" pitchFamily="50" charset="-127"/>
-              <a:ea typeface="나눔스퀘어 Bold" panose="020B0600000101010101" pitchFamily="50" charset="-127"/>
-            </a:endParaRPr>
-          </a:p>
-          <a:p>
-            <a:pPr marL="285750" indent="-285750">
-              <a:buFont typeface="Wingdings" panose="05000000000000000000" pitchFamily="2" charset="2"/>
-              <a:buChar char="§"/>
-            </a:pPr>
-            <a:r>
-              <a:rPr lang="ko-KR" altLang="en-US" sz="1400" dirty="0" smtClean="0">
-                <a:latin typeface="나눔스퀘어 Bold" panose="020B0600000101010101" pitchFamily="50" charset="-127"/>
-                <a:ea typeface="나눔스퀘어 Bold" panose="020B0600000101010101" pitchFamily="50" charset="-127"/>
-              </a:rPr>
-              <a:t>모든 </a:t>
-            </a:r>
-            <a:r>
-              <a:rPr lang="en-US" altLang="ko-KR" sz="1400" dirty="0" smtClean="0">
-                <a:latin typeface="나눔스퀘어 Bold" panose="020B0600000101010101" pitchFamily="50" charset="-127"/>
-                <a:ea typeface="나눔스퀘어 Bold" panose="020B0600000101010101" pitchFamily="50" charset="-127"/>
-              </a:rPr>
-              <a:t>local feature</a:t>
-            </a:r>
-            <a:r>
-              <a:rPr lang="ko-KR" altLang="en-US" sz="1400" dirty="0" smtClean="0">
-                <a:latin typeface="나눔스퀘어 Bold" panose="020B0600000101010101" pitchFamily="50" charset="-127"/>
-                <a:ea typeface="나눔스퀘어 Bold" panose="020B0600000101010101" pitchFamily="50" charset="-127"/>
-              </a:rPr>
-              <a:t>를 사용하기 때문에 </a:t>
-            </a:r>
-            <a:r>
-              <a:rPr lang="en-US" altLang="ko-KR" sz="1400" dirty="0" smtClean="0">
-                <a:latin typeface="나눔스퀘어 Bold" panose="020B0600000101010101" pitchFamily="50" charset="-127"/>
-                <a:ea typeface="나눔스퀘어 Bold" panose="020B0600000101010101" pitchFamily="50" charset="-127"/>
-              </a:rPr>
-              <a:t>irrelevant, noisy feature</a:t>
-            </a:r>
-            <a:r>
-              <a:rPr lang="ko-KR" altLang="en-US" sz="1400" dirty="0" smtClean="0">
-                <a:latin typeface="나눔스퀘어 Bold" panose="020B0600000101010101" pitchFamily="50" charset="-127"/>
-                <a:ea typeface="나눔스퀘어 Bold" panose="020B0600000101010101" pitchFamily="50" charset="-127"/>
-              </a:rPr>
-              <a:t>도 포함하게 되고</a:t>
-            </a:r>
-            <a:r>
-              <a:rPr lang="en-US" altLang="ko-KR" sz="1400" dirty="0" smtClean="0">
-                <a:latin typeface="나눔스퀘어 Bold" panose="020B0600000101010101" pitchFamily="50" charset="-127"/>
-                <a:ea typeface="나눔스퀘어 Bold" panose="020B0600000101010101" pitchFamily="50" charset="-127"/>
-              </a:rPr>
-              <a:t>,</a:t>
-            </a:r>
-          </a:p>
-          <a:p>
-            <a:pPr marL="285750" indent="-285750">
-              <a:buFont typeface="Wingdings" panose="05000000000000000000" pitchFamily="2" charset="2"/>
-              <a:buChar char="§"/>
-            </a:pPr>
-            <a:endParaRPr lang="en-US" altLang="ko-KR" sz="1400" dirty="0">
-              <a:latin typeface="나눔스퀘어 Bold" panose="020B0600000101010101" pitchFamily="50" charset="-127"/>
-              <a:ea typeface="나눔스퀘어 Bold" panose="020B0600000101010101" pitchFamily="50" charset="-127"/>
-            </a:endParaRPr>
-          </a:p>
-          <a:p>
-            <a:pPr marL="285750" indent="-285750">
-              <a:buFont typeface="Wingdings" panose="05000000000000000000" pitchFamily="2" charset="2"/>
-              <a:buChar char="§"/>
-            </a:pPr>
-            <a:r>
-              <a:rPr lang="en-US" altLang="ko-KR" sz="1400" dirty="0" smtClean="0">
-                <a:latin typeface="나눔스퀘어 Bold" panose="020B0600000101010101" pitchFamily="50" charset="-127"/>
-                <a:ea typeface="나눔스퀘어 Bold" panose="020B0600000101010101" pitchFamily="50" charset="-127"/>
-              </a:rPr>
-              <a:t>pre-trained CLIP</a:t>
-            </a:r>
-            <a:r>
-              <a:rPr lang="ko-KR" altLang="en-US" sz="1400" dirty="0" smtClean="0">
-                <a:latin typeface="나눔스퀘어 Bold" panose="020B0600000101010101" pitchFamily="50" charset="-127"/>
-                <a:ea typeface="나눔스퀘어 Bold" panose="020B0600000101010101" pitchFamily="50" charset="-127"/>
-              </a:rPr>
-              <a:t>의 </a:t>
-            </a:r>
-            <a:r>
-              <a:rPr lang="en-US" altLang="ko-KR" sz="1400" dirty="0" smtClean="0">
-                <a:latin typeface="나눔스퀘어 Bold" panose="020B0600000101010101" pitchFamily="50" charset="-127"/>
-                <a:ea typeface="나눔스퀘어 Bold" panose="020B0600000101010101" pitchFamily="50" charset="-127"/>
-              </a:rPr>
-              <a:t>global image-text alignment</a:t>
-            </a:r>
-            <a:r>
-              <a:rPr lang="ko-KR" altLang="en-US" sz="1400" dirty="0" smtClean="0">
-                <a:latin typeface="나눔스퀘어 Bold" panose="020B0600000101010101" pitchFamily="50" charset="-127"/>
-                <a:ea typeface="나눔스퀘어 Bold" panose="020B0600000101010101" pitchFamily="50" charset="-127"/>
-              </a:rPr>
-              <a:t>와도 맞지 않아</a:t>
-            </a:r>
-            <a:r>
-              <a:rPr lang="en-US" altLang="ko-KR" sz="1400" dirty="0" smtClean="0">
-                <a:latin typeface="나눔스퀘어 Bold" panose="020B0600000101010101" pitchFamily="50" charset="-127"/>
-                <a:ea typeface="나눔스퀘어 Bold" panose="020B0600000101010101" pitchFamily="50" charset="-127"/>
-              </a:rPr>
-              <a:t> </a:t>
-            </a:r>
-            <a:r>
-              <a:rPr lang="ko-KR" altLang="en-US" sz="1400" dirty="0" smtClean="0">
-                <a:latin typeface="나눔스퀘어 Bold" panose="020B0600000101010101" pitchFamily="50" charset="-127"/>
-                <a:ea typeface="나눔스퀘어 Bold" panose="020B0600000101010101" pitchFamily="50" charset="-127"/>
-              </a:rPr>
-              <a:t>높은 성능을 보이지 못함</a:t>
-            </a:r>
-            <a:endParaRPr lang="en-US" altLang="ko-KR" sz="1400" dirty="0" smtClean="0">
-              <a:latin typeface="나눔스퀘어 Bold" panose="020B0600000101010101" pitchFamily="50" charset="-127"/>
-              <a:ea typeface="나눔스퀘어 Bold" panose="020B0600000101010101" pitchFamily="50" charset="-127"/>
-            </a:endParaRPr>
-          </a:p>
-        </p:txBody>
-      </p:sp>
-      <mc:AlternateContent xmlns:mc="http://schemas.openxmlformats.org/markup-compatibility/2006">
-        <mc:Choice xmlns:a14="http://schemas.microsoft.com/office/drawing/2010/main" Requires="a14">
-          <p:sp>
-            <p:nvSpPr>
-              <p:cNvPr id="10" name="TextBox 9">
-                <a:extLst>
-                  <a:ext uri="{FF2B5EF4-FFF2-40B4-BE49-F238E27FC236}">
-                    <a16:creationId xmlns:a16="http://schemas.microsoft.com/office/drawing/2014/main" id="{9922EEF6-C41D-4EED-AAFA-E7D60D60CE65}"/>
-                  </a:ext>
-                </a:extLst>
-              </p:cNvPr>
-              <p:cNvSpPr txBox="1"/>
-              <p:nvPr/>
-            </p:nvSpPr>
-            <p:spPr>
-              <a:xfrm>
-                <a:off x="162052" y="1822529"/>
-                <a:ext cx="6207127" cy="726353"/>
-              </a:xfrm>
-              <a:prstGeom prst="rect">
-                <a:avLst/>
-              </a:prstGeom>
-              <a:noFill/>
-            </p:spPr>
-            <p:txBody>
-              <a:bodyPr wrap="square" rtlCol="0">
-                <a:spAutoFit/>
-              </a:bodyPr>
-              <a:lstStyle/>
-              <a:p>
-                <a:endParaRPr lang="en-US" altLang="ko-KR" sz="1400" dirty="0" smtClean="0">
-                  <a:latin typeface="나눔스퀘어 Bold" panose="020B0600000101010101" pitchFamily="50" charset="-127"/>
-                  <a:ea typeface="나눔스퀘어 Bold" panose="020B0600000101010101" pitchFamily="50" charset="-127"/>
-                </a:endParaRPr>
-              </a:p>
-              <a:p>
-                <a:pPr marL="285750" indent="-285750">
-                  <a:buFont typeface="Wingdings" panose="05000000000000000000" pitchFamily="2" charset="2"/>
-                  <a:buChar char="§"/>
-                </a:pPr>
-                <a14:m>
-                  <m:oMath xmlns:m="http://schemas.openxmlformats.org/officeDocument/2006/math">
-                    <m:sSub>
-                      <m:sSubPr>
-                        <m:ctrlPr>
-                          <a:rPr lang="en-US" altLang="ko-KR" sz="1400" i="1" smtClean="0">
-                            <a:latin typeface="Cambria Math" panose="02040503050406030204" pitchFamily="18" charset="0"/>
-                            <a:ea typeface="나눔스퀘어 Bold" panose="020B0600000101010101" pitchFamily="50" charset="-127"/>
-                          </a:rPr>
-                        </m:ctrlPr>
-                      </m:sSubPr>
-                      <m:e>
-                        <m:r>
-                          <a:rPr lang="en-US" altLang="ko-KR" sz="1400" b="0" i="1" smtClean="0">
-                            <a:latin typeface="Cambria Math" panose="02040503050406030204" pitchFamily="18" charset="0"/>
-                            <a:ea typeface="나눔스퀘어 Bold" panose="020B0600000101010101" pitchFamily="50" charset="-127"/>
-                          </a:rPr>
-                          <m:t>𝐿</m:t>
-                        </m:r>
-                      </m:e>
-                      <m:sub>
-                        <m:r>
-                          <a:rPr lang="en-US" altLang="ko-KR" sz="1400" b="0" i="1" smtClean="0">
-                            <a:latin typeface="Cambria Math" panose="02040503050406030204" pitchFamily="18" charset="0"/>
-                            <a:ea typeface="나눔스퀘어 Bold" panose="020B0600000101010101" pitchFamily="50" charset="-127"/>
-                          </a:rPr>
-                          <m:t>𝑛𝑒𝑤</m:t>
-                        </m:r>
-                      </m:sub>
-                    </m:sSub>
-                  </m:oMath>
-                </a14:m>
-                <a:r>
-                  <a:rPr lang="en-US" altLang="ko-KR" sz="1400" dirty="0" smtClean="0">
-                    <a:ea typeface="나눔스퀘어 Bold" panose="020B0600000101010101" pitchFamily="50" charset="-127"/>
-                  </a:rPr>
-                  <a:t> = </a:t>
-                </a:r>
-                <a14:m>
-                  <m:oMath xmlns:m="http://schemas.openxmlformats.org/officeDocument/2006/math">
-                    <m:f>
-                      <m:fPr>
-                        <m:ctrlPr>
-                          <a:rPr lang="en-US" altLang="ko-KR" sz="1400" i="1" smtClean="0">
-                            <a:latin typeface="Cambria Math" panose="02040503050406030204" pitchFamily="18" charset="0"/>
-                            <a:ea typeface="나눔스퀘어 Bold" panose="020B0600000101010101" pitchFamily="50" charset="-127"/>
-                          </a:rPr>
-                        </m:ctrlPr>
-                      </m:fPr>
-                      <m:num>
-                        <m:r>
-                          <m:rPr>
-                            <m:nor/>
-                          </m:rPr>
-                          <a:rPr lang="en-US" altLang="ko-KR" sz="1400" dirty="0">
-                            <a:latin typeface="나눔스퀘어 Bold" panose="020B0600000101010101" pitchFamily="50" charset="-127"/>
-                            <a:ea typeface="나눔스퀘어 Bold" panose="020B0600000101010101" pitchFamily="50" charset="-127"/>
-                          </a:rPr>
-                          <m:t>exp</m:t>
-                        </m:r>
-                        <m:r>
-                          <m:rPr>
-                            <m:nor/>
-                          </m:rPr>
-                          <a:rPr lang="en-US" altLang="ko-KR" sz="1400" dirty="0">
-                            <a:latin typeface="나눔스퀘어 Bold" panose="020B0600000101010101" pitchFamily="50" charset="-127"/>
-                            <a:ea typeface="나눔스퀘어 Bold" panose="020B0600000101010101" pitchFamily="50" charset="-127"/>
-                          </a:rPr>
-                          <m:t>(</m:t>
-                        </m:r>
-                        <m:r>
-                          <a:rPr lang="en-US" altLang="ko-KR" sz="1400" i="1">
-                            <a:latin typeface="Cambria Math" panose="02040503050406030204" pitchFamily="18" charset="0"/>
-                            <a:ea typeface="나눔스퀘어 Bold" panose="020B0600000101010101" pitchFamily="50" charset="-127"/>
-                          </a:rPr>
-                          <m:t>𝑐𝑜𝑠</m:t>
-                        </m:r>
-                        <m:r>
-                          <m:rPr>
-                            <m:nor/>
-                          </m:rPr>
-                          <a:rPr lang="en-US" altLang="ko-KR" sz="1400" dirty="0">
-                            <a:latin typeface="나눔스퀘어 Bold" panose="020B0600000101010101" pitchFamily="50" charset="-127"/>
-                            <a:ea typeface="나눔스퀘어 Bold" panose="020B0600000101010101" pitchFamily="50" charset="-127"/>
-                          </a:rPr>
-                          <m:t>(</m:t>
-                        </m:r>
-                        <m:sSub>
-                          <m:sSubPr>
-                            <m:ctrlPr>
-                              <a:rPr lang="en-US" altLang="ko-KR" sz="1400" i="1">
-                                <a:latin typeface="Cambria Math" panose="02040503050406030204" pitchFamily="18" charset="0"/>
-                                <a:ea typeface="나눔스퀘어 Bold" panose="020B0600000101010101" pitchFamily="50" charset="-127"/>
-                              </a:rPr>
-                            </m:ctrlPr>
-                          </m:sSubPr>
-                          <m:e>
-                            <m:sSup>
-                              <m:sSupPr>
-                                <m:ctrlPr>
-                                  <a:rPr lang="en-US" altLang="ko-KR" sz="1400" i="1" dirty="0">
-                                    <a:latin typeface="Cambria Math" panose="02040503050406030204" pitchFamily="18" charset="0"/>
-                                    <a:ea typeface="나눔스퀘어 Bold" panose="020B0600000101010101" pitchFamily="50" charset="-127"/>
-                                  </a:rPr>
-                                </m:ctrlPr>
-                              </m:sSupPr>
-                              <m:e>
-                                <m:r>
-                                  <a:rPr lang="en-US" altLang="ko-KR" sz="1400" i="1" dirty="0">
-                                    <a:latin typeface="Cambria Math" panose="02040503050406030204" pitchFamily="18" charset="0"/>
-                                    <a:ea typeface="나눔스퀘어 Bold" panose="020B0600000101010101" pitchFamily="50" charset="-127"/>
-                                  </a:rPr>
-                                  <m:t>𝑠</m:t>
-                                </m:r>
-                              </m:e>
-                              <m:sup>
-                                <m:r>
-                                  <a:rPr lang="en-US" altLang="ko-KR" sz="1400" i="1" dirty="0">
-                                    <a:latin typeface="Cambria Math" panose="02040503050406030204" pitchFamily="18" charset="0"/>
-                                    <a:ea typeface="나눔스퀘어 Bold" panose="020B0600000101010101" pitchFamily="50" charset="-127"/>
-                                  </a:rPr>
-                                  <m:t>′</m:t>
-                                </m:r>
-                              </m:sup>
-                            </m:sSup>
-                          </m:e>
-                          <m:sub>
-                            <m:r>
-                              <a:rPr lang="en-US" altLang="ko-KR" sz="1400" i="1">
-                                <a:latin typeface="Cambria Math" panose="02040503050406030204" pitchFamily="18" charset="0"/>
-                                <a:ea typeface="나눔스퀘어 Bold" panose="020B0600000101010101" pitchFamily="50" charset="-127"/>
-                              </a:rPr>
-                              <m:t>𝑠</m:t>
-                            </m:r>
-                            <m:r>
-                              <a:rPr lang="en-US" altLang="ko-KR" sz="1400" i="1">
-                                <a:latin typeface="Cambria Math" panose="02040503050406030204" pitchFamily="18" charset="0"/>
-                                <a:ea typeface="나눔스퀘어 Bold" panose="020B0600000101010101" pitchFamily="50" charset="-127"/>
-                              </a:rPr>
-                              <m:t>,   </m:t>
-                            </m:r>
-                            <m:r>
-                              <a:rPr lang="en-US" altLang="ko-KR" sz="1400" i="1">
-                                <a:latin typeface="Cambria Math" panose="02040503050406030204" pitchFamily="18" charset="0"/>
-                                <a:ea typeface="나눔스퀘어 Bold" panose="020B0600000101010101" pitchFamily="50" charset="-127"/>
-                              </a:rPr>
-                              <m:t>𝑘</m:t>
-                            </m:r>
-                          </m:sub>
-                        </m:sSub>
-                        <m:r>
-                          <m:rPr>
-                            <m:nor/>
-                          </m:rPr>
-                          <a:rPr lang="en-US" altLang="ko-KR" sz="1400" dirty="0" smtClean="0">
-                            <a:latin typeface="나눔스퀘어 Bold" panose="020B0600000101010101" pitchFamily="50" charset="-127"/>
-                            <a:ea typeface="나눔스퀘어 Bold" panose="020B0600000101010101" pitchFamily="50" charset="-127"/>
-                          </a:rPr>
-                          <m:t>, </m:t>
-                        </m:r>
-                        <m:sSub>
-                          <m:sSubPr>
-                            <m:ctrlPr>
-                              <a:rPr lang="en-US" altLang="ko-KR" sz="1400" i="1">
-                                <a:latin typeface="Cambria Math" panose="02040503050406030204" pitchFamily="18" charset="0"/>
-                                <a:ea typeface="나눔스퀘어 Bold" panose="020B0600000101010101" pitchFamily="50" charset="-127"/>
-                              </a:rPr>
-                            </m:ctrlPr>
-                          </m:sSubPr>
-                          <m:e>
-                            <m:sSup>
-                              <m:sSupPr>
-                                <m:ctrlPr>
-                                  <a:rPr lang="en-US" altLang="ko-KR" sz="1400" i="1" dirty="0">
-                                    <a:latin typeface="Cambria Math" panose="02040503050406030204" pitchFamily="18" charset="0"/>
-                                    <a:ea typeface="나눔스퀘어 Bold" panose="020B0600000101010101" pitchFamily="50" charset="-127"/>
-                                  </a:rPr>
-                                </m:ctrlPr>
-                              </m:sSupPr>
-                              <m:e>
-                                <m:r>
-                                  <a:rPr lang="en-US" altLang="ko-KR" sz="1400" i="1" dirty="0">
-                                    <a:latin typeface="Cambria Math" panose="02040503050406030204" pitchFamily="18" charset="0"/>
-                                    <a:ea typeface="나눔스퀘어 Bold" panose="020B0600000101010101" pitchFamily="50" charset="-127"/>
-                                  </a:rPr>
-                                  <m:t>𝑠</m:t>
-                                </m:r>
-                              </m:e>
-                              <m:sup>
-                                <m:r>
-                                  <a:rPr lang="en-US" altLang="ko-KR" sz="1400" i="1" dirty="0">
-                                    <a:latin typeface="Cambria Math" panose="02040503050406030204" pitchFamily="18" charset="0"/>
-                                    <a:ea typeface="나눔스퀘어 Bold" panose="020B0600000101010101" pitchFamily="50" charset="-127"/>
-                                  </a:rPr>
-                                  <m:t>′</m:t>
-                                </m:r>
-                              </m:sup>
-                            </m:sSup>
-                          </m:e>
-                          <m:sub>
-                            <m:r>
-                              <a:rPr lang="en-US" altLang="ko-KR" sz="1400" i="1">
-                                <a:latin typeface="Cambria Math" panose="02040503050406030204" pitchFamily="18" charset="0"/>
-                                <a:ea typeface="나눔스퀘어 Bold" panose="020B0600000101010101" pitchFamily="50" charset="-127"/>
-                              </a:rPr>
-                              <m:t>𝑡</m:t>
-                            </m:r>
-                            <m:r>
-                              <a:rPr lang="en-US" altLang="ko-KR" sz="1400" i="1">
-                                <a:latin typeface="Cambria Math" panose="02040503050406030204" pitchFamily="18" charset="0"/>
-                                <a:ea typeface="나눔스퀘어 Bold" panose="020B0600000101010101" pitchFamily="50" charset="-127"/>
-                              </a:rPr>
-                              <m:t>,   </m:t>
-                            </m:r>
-                            <m:r>
-                              <a:rPr lang="en-US" altLang="ko-KR" sz="1400" i="1">
-                                <a:latin typeface="Cambria Math" panose="02040503050406030204" pitchFamily="18" charset="0"/>
-                                <a:ea typeface="나눔스퀘어 Bold" panose="020B0600000101010101" pitchFamily="50" charset="-127"/>
-                              </a:rPr>
-                              <m:t>𝑘</m:t>
-                            </m:r>
-                          </m:sub>
-                        </m:sSub>
-                        <m:r>
-                          <m:rPr>
-                            <m:nor/>
-                          </m:rPr>
-                          <a:rPr lang="en-US" altLang="ko-KR" sz="1400" dirty="0">
-                            <a:latin typeface="나눔스퀘어 Bold" panose="020B0600000101010101" pitchFamily="50" charset="-127"/>
-                            <a:ea typeface="나눔스퀘어 Bold" panose="020B0600000101010101" pitchFamily="50" charset="-127"/>
-                          </a:rPr>
-                          <m:t>)/</m:t>
-                        </m:r>
-                        <m:r>
-                          <a:rPr lang="ko-KR" altLang="en-US" sz="1400" i="1">
-                            <a:latin typeface="Cambria Math" panose="02040503050406030204" pitchFamily="18" charset="0"/>
-                            <a:ea typeface="나눔스퀘어 Bold" panose="020B0600000101010101" pitchFamily="50" charset="-127"/>
-                          </a:rPr>
-                          <m:t>𝜏</m:t>
-                        </m:r>
-                        <m:r>
-                          <m:rPr>
-                            <m:nor/>
-                          </m:rPr>
-                          <a:rPr lang="en-US" altLang="ko-KR" sz="1400" dirty="0">
-                            <a:latin typeface="나눔스퀘어 Bold" panose="020B0600000101010101" pitchFamily="50" charset="-127"/>
-                            <a:ea typeface="나눔스퀘어 Bold" panose="020B0600000101010101" pitchFamily="50" charset="-127"/>
-                          </a:rPr>
-                          <m:t>) </m:t>
-                        </m:r>
-                      </m:num>
-                      <m:den>
-                        <m:nary>
-                          <m:naryPr>
-                            <m:chr m:val="∑"/>
-                            <m:ctrlPr>
-                              <a:rPr lang="en-US" altLang="ko-KR" sz="1400" i="1">
-                                <a:latin typeface="Cambria Math" panose="02040503050406030204" pitchFamily="18" charset="0"/>
-                                <a:ea typeface="나눔스퀘어 Bold" panose="020B0600000101010101" pitchFamily="50" charset="-127"/>
-                              </a:rPr>
-                            </m:ctrlPr>
-                          </m:naryPr>
-                          <m:sub>
-                            <m:r>
-                              <m:rPr>
-                                <m:brk m:alnAt="23"/>
-                              </m:rPr>
-                              <a:rPr lang="en-US" altLang="ko-KR" sz="1400" i="1">
-                                <a:latin typeface="Cambria Math" panose="02040503050406030204" pitchFamily="18" charset="0"/>
-                                <a:ea typeface="나눔스퀘어 Bold" panose="020B0600000101010101" pitchFamily="50" charset="-127"/>
-                              </a:rPr>
-                              <m:t>𝑘</m:t>
-                            </m:r>
-                            <m:r>
-                              <a:rPr lang="en-US" altLang="ko-KR" sz="1400" i="1">
-                                <a:latin typeface="Cambria Math" panose="02040503050406030204" pitchFamily="18" charset="0"/>
-                                <a:ea typeface="나눔스퀘어 Bold" panose="020B0600000101010101" pitchFamily="50" charset="-127"/>
-                              </a:rPr>
-                              <m:t>=1</m:t>
-                            </m:r>
-                          </m:sub>
-                          <m:sup>
-                            <m:r>
-                              <a:rPr lang="en-US" altLang="ko-KR" sz="1400" i="1">
-                                <a:latin typeface="Cambria Math" panose="02040503050406030204" pitchFamily="18" charset="0"/>
-                                <a:ea typeface="나눔스퀘어 Bold" panose="020B0600000101010101" pitchFamily="50" charset="-127"/>
-                              </a:rPr>
-                              <m:t>𝐾</m:t>
-                            </m:r>
-                          </m:sup>
-                          <m:e>
-                            <m:r>
-                              <m:rPr>
-                                <m:nor/>
-                              </m:rPr>
-                              <a:rPr lang="en-US" altLang="ko-KR" sz="1400" dirty="0">
-                                <a:latin typeface="나눔스퀘어 Bold" panose="020B0600000101010101" pitchFamily="50" charset="-127"/>
-                                <a:ea typeface="나눔스퀘어 Bold" panose="020B0600000101010101" pitchFamily="50" charset="-127"/>
-                              </a:rPr>
-                              <m:t>exp</m:t>
-                            </m:r>
-                            <m:r>
-                              <m:rPr>
-                                <m:nor/>
-                              </m:rPr>
-                              <a:rPr lang="en-US" altLang="ko-KR" sz="1400" dirty="0">
-                                <a:latin typeface="나눔스퀘어 Bold" panose="020B0600000101010101" pitchFamily="50" charset="-127"/>
-                                <a:ea typeface="나눔스퀘어 Bold" panose="020B0600000101010101" pitchFamily="50" charset="-127"/>
-                              </a:rPr>
-                              <m:t>(</m:t>
-                            </m:r>
-                            <m:r>
-                              <a:rPr lang="en-US" altLang="ko-KR" sz="1400" i="1">
-                                <a:latin typeface="Cambria Math" panose="02040503050406030204" pitchFamily="18" charset="0"/>
-                                <a:ea typeface="나눔스퀘어 Bold" panose="020B0600000101010101" pitchFamily="50" charset="-127"/>
-                              </a:rPr>
-                              <m:t>𝑐𝑜𝑠</m:t>
-                            </m:r>
-                            <m:r>
-                              <m:rPr>
-                                <m:nor/>
-                              </m:rPr>
-                              <a:rPr lang="en-US" altLang="ko-KR" sz="1400" dirty="0">
-                                <a:latin typeface="나눔스퀘어 Bold" panose="020B0600000101010101" pitchFamily="50" charset="-127"/>
-                                <a:ea typeface="나눔스퀘어 Bold" panose="020B0600000101010101" pitchFamily="50" charset="-127"/>
-                              </a:rPr>
-                              <m:t>(</m:t>
-                            </m:r>
-                            <m:sSub>
-                              <m:sSubPr>
-                                <m:ctrlPr>
-                                  <a:rPr lang="en-US" altLang="ko-KR" sz="1400" i="1">
-                                    <a:latin typeface="Cambria Math" panose="02040503050406030204" pitchFamily="18" charset="0"/>
-                                    <a:ea typeface="나눔스퀘어 Bold" panose="020B0600000101010101" pitchFamily="50" charset="-127"/>
-                                  </a:rPr>
-                                </m:ctrlPr>
-                              </m:sSubPr>
-                              <m:e>
-                                <m:sSup>
-                                  <m:sSupPr>
-                                    <m:ctrlPr>
-                                      <a:rPr lang="en-US" altLang="ko-KR" sz="1400" i="1" dirty="0">
-                                        <a:latin typeface="Cambria Math" panose="02040503050406030204" pitchFamily="18" charset="0"/>
-                                        <a:ea typeface="나눔스퀘어 Bold" panose="020B0600000101010101" pitchFamily="50" charset="-127"/>
-                                      </a:rPr>
-                                    </m:ctrlPr>
-                                  </m:sSupPr>
-                                  <m:e>
-                                    <m:r>
-                                      <a:rPr lang="en-US" altLang="ko-KR" sz="1400" i="1" dirty="0">
-                                        <a:latin typeface="Cambria Math" panose="02040503050406030204" pitchFamily="18" charset="0"/>
-                                        <a:ea typeface="나눔스퀘어 Bold" panose="020B0600000101010101" pitchFamily="50" charset="-127"/>
-                                      </a:rPr>
-                                      <m:t>𝑠</m:t>
-                                    </m:r>
-                                  </m:e>
-                                  <m:sup>
-                                    <m:r>
-                                      <a:rPr lang="en-US" altLang="ko-KR" sz="1400" i="1" dirty="0">
-                                        <a:latin typeface="Cambria Math" panose="02040503050406030204" pitchFamily="18" charset="0"/>
-                                        <a:ea typeface="나눔스퀘어 Bold" panose="020B0600000101010101" pitchFamily="50" charset="-127"/>
-                                      </a:rPr>
-                                      <m:t>′</m:t>
-                                    </m:r>
-                                  </m:sup>
-                                </m:sSup>
-                              </m:e>
-                              <m:sub>
-                                <m:r>
-                                  <a:rPr lang="en-US" altLang="ko-KR" sz="1400" i="1">
-                                    <a:latin typeface="Cambria Math" panose="02040503050406030204" pitchFamily="18" charset="0"/>
-                                    <a:ea typeface="나눔스퀘어 Bold" panose="020B0600000101010101" pitchFamily="50" charset="-127"/>
-                                  </a:rPr>
-                                  <m:t>𝑠</m:t>
-                                </m:r>
-                                <m:r>
-                                  <a:rPr lang="en-US" altLang="ko-KR" sz="1400" i="1">
-                                    <a:latin typeface="Cambria Math" panose="02040503050406030204" pitchFamily="18" charset="0"/>
-                                    <a:ea typeface="나눔스퀘어 Bold" panose="020B0600000101010101" pitchFamily="50" charset="-127"/>
-                                  </a:rPr>
-                                  <m:t>,   </m:t>
-                                </m:r>
-                                <m:r>
-                                  <a:rPr lang="en-US" altLang="ko-KR" sz="1400" i="1">
-                                    <a:latin typeface="Cambria Math" panose="02040503050406030204" pitchFamily="18" charset="0"/>
-                                    <a:ea typeface="나눔스퀘어 Bold" panose="020B0600000101010101" pitchFamily="50" charset="-127"/>
-                                  </a:rPr>
-                                  <m:t>𝑘</m:t>
-                                </m:r>
-                              </m:sub>
-                            </m:sSub>
-                            <m:r>
-                              <m:rPr>
-                                <m:nor/>
-                              </m:rPr>
-                              <a:rPr lang="en-US" altLang="ko-KR" sz="1400" dirty="0">
-                                <a:latin typeface="나눔스퀘어 Bold" panose="020B0600000101010101" pitchFamily="50" charset="-127"/>
-                                <a:ea typeface="나눔스퀘어 Bold" panose="020B0600000101010101" pitchFamily="50" charset="-127"/>
-                              </a:rPr>
-                              <m:t>, </m:t>
-                            </m:r>
-                            <m:sSub>
-                              <m:sSubPr>
-                                <m:ctrlPr>
-                                  <a:rPr lang="en-US" altLang="ko-KR" sz="1400" i="1">
-                                    <a:latin typeface="Cambria Math" panose="02040503050406030204" pitchFamily="18" charset="0"/>
-                                    <a:ea typeface="나눔스퀘어 Bold" panose="020B0600000101010101" pitchFamily="50" charset="-127"/>
-                                  </a:rPr>
-                                </m:ctrlPr>
-                              </m:sSubPr>
-                              <m:e>
-                                <m:sSup>
-                                  <m:sSupPr>
-                                    <m:ctrlPr>
-                                      <a:rPr lang="en-US" altLang="ko-KR" sz="1400" i="1" dirty="0">
-                                        <a:latin typeface="Cambria Math" panose="02040503050406030204" pitchFamily="18" charset="0"/>
-                                        <a:ea typeface="나눔스퀘어 Bold" panose="020B0600000101010101" pitchFamily="50" charset="-127"/>
-                                      </a:rPr>
-                                    </m:ctrlPr>
-                                  </m:sSupPr>
-                                  <m:e>
-                                    <m:r>
-                                      <a:rPr lang="en-US" altLang="ko-KR" sz="1400" i="1" dirty="0">
-                                        <a:latin typeface="Cambria Math" panose="02040503050406030204" pitchFamily="18" charset="0"/>
-                                        <a:ea typeface="나눔스퀘어 Bold" panose="020B0600000101010101" pitchFamily="50" charset="-127"/>
-                                      </a:rPr>
-                                      <m:t>𝑠</m:t>
-                                    </m:r>
-                                  </m:e>
-                                  <m:sup>
-                                    <m:r>
-                                      <a:rPr lang="en-US" altLang="ko-KR" sz="1400" i="1" dirty="0">
-                                        <a:latin typeface="Cambria Math" panose="02040503050406030204" pitchFamily="18" charset="0"/>
-                                        <a:ea typeface="나눔스퀘어 Bold" panose="020B0600000101010101" pitchFamily="50" charset="-127"/>
-                                      </a:rPr>
-                                      <m:t>′</m:t>
-                                    </m:r>
-                                  </m:sup>
-                                </m:sSup>
-                              </m:e>
-                              <m:sub>
-                                <m:r>
-                                  <a:rPr lang="en-US" altLang="ko-KR" sz="1400" i="1">
-                                    <a:latin typeface="Cambria Math" panose="02040503050406030204" pitchFamily="18" charset="0"/>
-                                    <a:ea typeface="나눔스퀘어 Bold" panose="020B0600000101010101" pitchFamily="50" charset="-127"/>
-                                  </a:rPr>
-                                  <m:t>𝑡</m:t>
-                                </m:r>
-                                <m:r>
-                                  <a:rPr lang="en-US" altLang="ko-KR" sz="1400" i="1">
-                                    <a:latin typeface="Cambria Math" panose="02040503050406030204" pitchFamily="18" charset="0"/>
-                                    <a:ea typeface="나눔스퀘어 Bold" panose="020B0600000101010101" pitchFamily="50" charset="-127"/>
-                                  </a:rPr>
-                                  <m:t>,   </m:t>
-                                </m:r>
-                                <m:r>
-                                  <a:rPr lang="en-US" altLang="ko-KR" sz="1400" i="1">
-                                    <a:latin typeface="Cambria Math" panose="02040503050406030204" pitchFamily="18" charset="0"/>
-                                    <a:ea typeface="나눔스퀘어 Bold" panose="020B0600000101010101" pitchFamily="50" charset="-127"/>
-                                  </a:rPr>
-                                  <m:t>𝑘</m:t>
-                                </m:r>
-                              </m:sub>
-                            </m:sSub>
-                            <m:r>
-                              <m:rPr>
-                                <m:nor/>
-                              </m:rPr>
-                              <a:rPr lang="en-US" altLang="ko-KR" sz="1400" dirty="0">
-                                <a:latin typeface="나눔스퀘어 Bold" panose="020B0600000101010101" pitchFamily="50" charset="-127"/>
-                                <a:ea typeface="나눔스퀘어 Bold" panose="020B0600000101010101" pitchFamily="50" charset="-127"/>
-                              </a:rPr>
-                              <m:t>)/</m:t>
-                            </m:r>
-                            <m:r>
-                              <a:rPr lang="ko-KR" altLang="en-US" sz="1400" i="1">
-                                <a:latin typeface="Cambria Math" panose="02040503050406030204" pitchFamily="18" charset="0"/>
-                                <a:ea typeface="나눔스퀘어 Bold" panose="020B0600000101010101" pitchFamily="50" charset="-127"/>
-                              </a:rPr>
-                              <m:t>𝜏</m:t>
-                            </m:r>
-                            <m:r>
-                              <m:rPr>
-                                <m:nor/>
-                              </m:rPr>
-                              <a:rPr lang="en-US" altLang="ko-KR" sz="1400" dirty="0">
-                                <a:latin typeface="나눔스퀘어 Bold" panose="020B0600000101010101" pitchFamily="50" charset="-127"/>
-                                <a:ea typeface="나눔스퀘어 Bold" panose="020B0600000101010101" pitchFamily="50" charset="-127"/>
-                              </a:rPr>
-                              <m:t>) </m:t>
-                            </m:r>
-                          </m:e>
-                        </m:nary>
-                      </m:den>
-                    </m:f>
-                  </m:oMath>
-                </a14:m>
-                <a:endParaRPr lang="en-US" altLang="ko-KR" sz="1400" dirty="0" smtClean="0">
-                  <a:latin typeface="나눔스퀘어 Bold" panose="020B0600000101010101" pitchFamily="50" charset="-127"/>
-                  <a:ea typeface="나눔스퀘어 Bold" panose="020B0600000101010101" pitchFamily="50" charset="-127"/>
-                </a:endParaRPr>
-              </a:p>
-            </p:txBody>
-          </p:sp>
-        </mc:Choice>
-        <mc:Fallback>
-          <p:sp>
-            <p:nvSpPr>
-              <p:cNvPr id="10" name="TextBox 9">
-                <a:extLst>
-                  <a:ext uri="{FF2B5EF4-FFF2-40B4-BE49-F238E27FC236}">
-                    <a16:creationId xmlns:a16="http://schemas.microsoft.com/office/drawing/2014/main" id="{9922EEF6-C41D-4EED-AAFA-E7D60D60CE65}"/>
-                  </a:ext>
-                </a:extLst>
-              </p:cNvPr>
-              <p:cNvSpPr txBox="1">
-                <a:spLocks noRot="1" noChangeAspect="1" noMove="1" noResize="1" noEditPoints="1" noAdjustHandles="1" noChangeArrowheads="1" noChangeShapeType="1" noTextEdit="1"/>
-              </p:cNvSpPr>
-              <p:nvPr/>
-            </p:nvSpPr>
-            <p:spPr>
-              <a:xfrm>
-                <a:off x="162052" y="1822529"/>
-                <a:ext cx="6207127" cy="726353"/>
-              </a:xfrm>
-              <a:prstGeom prst="rect">
-                <a:avLst/>
-              </a:prstGeom>
-              <a:blipFill>
-                <a:blip r:embed="rId2"/>
-                <a:stretch>
-                  <a:fillRect l="-196" b="-47059"/>
-                </a:stretch>
-              </a:blipFill>
-            </p:spPr>
-            <p:txBody>
-              <a:bodyPr/>
-              <a:lstStyle/>
-              <a:p>
-                <a:r>
-                  <a:rPr lang="ko-KR" altLang="en-US">
-                    <a:noFill/>
-                  </a:rPr>
-                  <a:t> </a:t>
-                </a:r>
-              </a:p>
-            </p:txBody>
-          </p:sp>
-        </mc:Fallback>
-      </mc:AlternateContent>
-    </p:spTree>
-    <p:extLst>
-      <p:ext uri="{BB962C8B-B14F-4D97-AF65-F5344CB8AC3E}">
-        <p14:creationId xmlns:p14="http://schemas.microsoft.com/office/powerpoint/2010/main" val="1211054555"/>
-      </p:ext>
-    </p:extLst>
-  </p:cSld>
-  <p:clrMapOvr>
-    <a:masterClrMapping/>
-  </p:clrMapOvr>
-  <p:timing>
-    <p:tnLst>
-      <p:par>
-        <p:cTn id="1" dur="indefinite" restart="never" nodeType="tmRoot"/>
-      </p:par>
-    </p:tnLst>
-  </p:timing>
-</p:sld>
-</file>
-
-<file path=ppt/slides/slide20.xml><?xml version="1.0" encoding="utf-8"?>
+<file path=ppt/slides/slide22.xml><?xml version="1.0" encoding="utf-8"?>
 <p:sld xmlns:a="http://schemas.openxmlformats.org/drawingml/2006/main" xmlns:r="http://schemas.openxmlformats.org/officeDocument/2006/relationships" xmlns:p="http://schemas.openxmlformats.org/presentationml/2006/main">
   <p:cSld>
     <p:spTree>
@@ -10729,7 +11648,7 @@
 </p:sld>
 </file>
 
-<file path=ppt/slides/slide21.xml><?xml version="1.0" encoding="utf-8"?>
+<file path=ppt/slides/slide23.xml><?xml version="1.0" encoding="utf-8"?>
 <p:sld xmlns:a="http://schemas.openxmlformats.org/drawingml/2006/main" xmlns:r="http://schemas.openxmlformats.org/officeDocument/2006/relationships" xmlns:p="http://schemas.openxmlformats.org/presentationml/2006/main">
   <p:cSld>
     <p:spTree>
@@ -11162,7 +12081,7 @@
 </p:sld>
 </file>
 
-<file path=ppt/slides/slide22.xml><?xml version="1.0" encoding="utf-8"?>
+<file path=ppt/slides/slide24.xml><?xml version="1.0" encoding="utf-8"?>
 <p:sld xmlns:a="http://schemas.openxmlformats.org/drawingml/2006/main" xmlns:r="http://schemas.openxmlformats.org/officeDocument/2006/relationships" xmlns:p="http://schemas.openxmlformats.org/presentationml/2006/main">
   <p:cSld>
     <p:spTree>
@@ -11781,67 +12700,758 @@
       </p:grpSpPr>
       <p:sp>
         <p:nvSpPr>
-          <p:cNvPr id="2" name="제목 1">
+          <p:cNvPr id="12" name="TextBox 11">
             <a:extLst>
               <a:ext uri="{FF2B5EF4-FFF2-40B4-BE49-F238E27FC236}">
-                <a16:creationId xmlns:a16="http://schemas.microsoft.com/office/drawing/2014/main" id="{2EE29E3B-60E4-46B8-B222-ACB10CB8AEEC}"/>
+                <a16:creationId xmlns:a16="http://schemas.microsoft.com/office/drawing/2014/main" id="{C7D7709E-206F-4B6B-9ABA-DCEDF98FB299}"/>
               </a:ext>
             </a:extLst>
           </p:cNvPr>
-          <p:cNvSpPr>
-            <a:spLocks noGrp="1"/>
-          </p:cNvSpPr>
-          <p:nvPr>
-            <p:ph type="ctrTitle"/>
-          </p:nvPr>
+          <p:cNvSpPr txBox="1"/>
+          <p:nvPr/>
         </p:nvSpPr>
         <p:spPr>
           <a:xfrm>
-            <a:off x="0" y="0"/>
-            <a:ext cx="12192000" cy="2387600"/>
+            <a:off x="1204240" y="0"/>
+            <a:ext cx="9783520" cy="584775"/>
           </a:xfrm>
+          <a:prstGeom prst="rect">
+            <a:avLst/>
+          </a:prstGeom>
+          <a:noFill/>
         </p:spPr>
         <p:txBody>
-          <a:bodyPr>
-            <a:normAutofit/>
+          <a:bodyPr wrap="square" rtlCol="0">
+            <a:spAutoFit/>
           </a:bodyPr>
           <a:lstStyle/>
           <a:p>
-            <a:r>
-              <a:rPr lang="en-US" altLang="ko-KR" sz="4000" dirty="0" err="1" smtClean="0">
-                <a:latin typeface="나눔스퀘어 Bold" panose="020B0600000101010101" pitchFamily="50" charset="-127"/>
-                <a:ea typeface="나눔스퀘어 Bold" panose="020B0600000101010101" pitchFamily="50" charset="-127"/>
-              </a:rPr>
-              <a:t>GalLoP</a:t>
-            </a:r>
-            <a:r>
-              <a:rPr lang="en-US" altLang="ko-KR" sz="4000" dirty="0" smtClean="0">
-                <a:latin typeface="나눔스퀘어 Bold" panose="020B0600000101010101" pitchFamily="50" charset="-127"/>
-                <a:ea typeface="나눔스퀘어 Bold" panose="020B0600000101010101" pitchFamily="50" charset="-127"/>
-              </a:rPr>
-              <a:t>: Learning Global and Local Prompts for Vision-Language Models</a:t>
-            </a:r>
-            <a:br>
-              <a:rPr lang="en-US" altLang="ko-KR" sz="4000" dirty="0" smtClean="0">
-                <a:latin typeface="나눔스퀘어 Bold" panose="020B0600000101010101" pitchFamily="50" charset="-127"/>
-                <a:ea typeface="나눔스퀘어 Bold" panose="020B0600000101010101" pitchFamily="50" charset="-127"/>
-              </a:rPr>
-            </a:br>
-            <a:r>
-              <a:rPr lang="en-US" altLang="ko-KR" sz="4000" dirty="0" smtClean="0">
-                <a:latin typeface="나눔스퀘어 Bold" panose="020B0600000101010101" pitchFamily="50" charset="-127"/>
-                <a:ea typeface="나눔스퀘어 Bold" panose="020B0600000101010101" pitchFamily="50" charset="-127"/>
-              </a:rPr>
-              <a:t>(ECCV 2024)</a:t>
-            </a:r>
-            <a:endParaRPr lang="ko-KR" altLang="en-US" sz="4000" dirty="0"/>
+            <a:pPr algn="ctr"/>
+            <a:r>
+              <a:rPr lang="en-US" altLang="ko-KR" sz="3200" dirty="0" smtClean="0">
+                <a:solidFill>
+                  <a:srgbClr val="212529"/>
+                </a:solidFill>
+                <a:latin typeface="나눔스퀘어 Bold" panose="020B0600000101010101" pitchFamily="50" charset="-127"/>
+                <a:ea typeface="나눔스퀘어 Bold" panose="020B0600000101010101" pitchFamily="50" charset="-127"/>
+              </a:rPr>
+              <a:t>Code</a:t>
+            </a:r>
+            <a:endParaRPr lang="en-US" altLang="ko-KR" sz="3200" dirty="0" smtClean="0">
+              <a:solidFill>
+                <a:srgbClr val="212529"/>
+              </a:solidFill>
+              <a:latin typeface="나눔스퀘어 Bold" panose="020B0600000101010101" pitchFamily="50" charset="-127"/>
+              <a:ea typeface="나눔스퀘어 Bold" panose="020B0600000101010101" pitchFamily="50" charset="-127"/>
+            </a:endParaRPr>
           </a:p>
         </p:txBody>
       </p:sp>
+      <p:sp>
+        <p:nvSpPr>
+          <p:cNvPr id="19" name="TextBox 18">
+            <a:extLst>
+              <a:ext uri="{FF2B5EF4-FFF2-40B4-BE49-F238E27FC236}">
+                <a16:creationId xmlns:a16="http://schemas.microsoft.com/office/drawing/2014/main" id="{6AEAE2E7-4604-4C30-96BA-7EDCD9641507}"/>
+              </a:ext>
+            </a:extLst>
+          </p:cNvPr>
+          <p:cNvSpPr txBox="1"/>
+          <p:nvPr/>
+        </p:nvSpPr>
+        <p:spPr>
+          <a:xfrm>
+            <a:off x="5638800" y="2930525"/>
+            <a:ext cx="65" cy="276999"/>
+          </a:xfrm>
+          <a:prstGeom prst="rect">
+            <a:avLst/>
+          </a:prstGeom>
+          <a:noFill/>
+        </p:spPr>
+        <p:txBody>
+          <a:bodyPr wrap="none" lIns="0" tIns="0" rIns="0" bIns="0" rtlCol="0">
+            <a:spAutoFit/>
+          </a:bodyPr>
+          <a:lstStyle/>
+          <a:p>
+            <a:endParaRPr lang="ko-KR" altLang="en-US" dirty="0"/>
+          </a:p>
+        </p:txBody>
+      </p:sp>
+      <p:sp>
+        <p:nvSpPr>
+          <p:cNvPr id="14" name="TextBox 13">
+            <a:extLst>
+              <a:ext uri="{FF2B5EF4-FFF2-40B4-BE49-F238E27FC236}">
+                <a16:creationId xmlns:a16="http://schemas.microsoft.com/office/drawing/2014/main" id="{43AD0F1D-18AC-4DEA-AACB-5FB085B6C455}"/>
+              </a:ext>
+            </a:extLst>
+          </p:cNvPr>
+          <p:cNvSpPr txBox="1"/>
+          <p:nvPr/>
+        </p:nvSpPr>
+        <p:spPr>
+          <a:xfrm>
+            <a:off x="5886445" y="4522757"/>
+            <a:ext cx="6207127" cy="1384995"/>
+          </a:xfrm>
+          <a:prstGeom prst="rect">
+            <a:avLst/>
+          </a:prstGeom>
+          <a:noFill/>
+        </p:spPr>
+        <p:txBody>
+          <a:bodyPr wrap="square" rtlCol="0">
+            <a:spAutoFit/>
+          </a:bodyPr>
+          <a:lstStyle/>
+          <a:p>
+            <a:pPr marL="285750" indent="-285750">
+              <a:buFont typeface="Wingdings" panose="05000000000000000000" pitchFamily="2" charset="2"/>
+              <a:buChar char="§"/>
+            </a:pPr>
+            <a:r>
+              <a:rPr lang="en-US" altLang="ko-KR" sz="1400" dirty="0">
+                <a:latin typeface="나눔스퀘어 Bold" panose="020B0600000101010101" pitchFamily="50" charset="-127"/>
+                <a:ea typeface="나눔스퀘어 Bold" panose="020B0600000101010101" pitchFamily="50" charset="-127"/>
+              </a:rPr>
+              <a:t>contrastive loss</a:t>
+            </a:r>
+            <a:r>
+              <a:rPr lang="ko-KR" altLang="en-US" sz="1400" dirty="0">
+                <a:latin typeface="나눔스퀘어 Bold" panose="020B0600000101010101" pitchFamily="50" charset="-127"/>
+                <a:ea typeface="나눔스퀘어 Bold" panose="020B0600000101010101" pitchFamily="50" charset="-127"/>
+              </a:rPr>
+              <a:t>에서 서로 다른 </a:t>
+            </a:r>
+            <a:r>
+              <a:rPr lang="en-US" altLang="ko-KR" sz="1400" dirty="0">
+                <a:latin typeface="나눔스퀘어 Bold" panose="020B0600000101010101" pitchFamily="50" charset="-127"/>
+                <a:ea typeface="나눔스퀘어 Bold" panose="020B0600000101010101" pitchFamily="50" charset="-127"/>
+              </a:rPr>
+              <a:t>domain sample</a:t>
+            </a:r>
+            <a:r>
+              <a:rPr lang="ko-KR" altLang="en-US" sz="1400" dirty="0">
+                <a:latin typeface="나눔스퀘어 Bold" panose="020B0600000101010101" pitchFamily="50" charset="-127"/>
+                <a:ea typeface="나눔스퀘어 Bold" panose="020B0600000101010101" pitchFamily="50" charset="-127"/>
+              </a:rPr>
+              <a:t>에 해당하는 </a:t>
+            </a:r>
+            <a:r>
+              <a:rPr lang="en-US" altLang="ko-KR" sz="1400" dirty="0">
+                <a:latin typeface="나눔스퀘어 Bold" panose="020B0600000101010101" pitchFamily="50" charset="-127"/>
+                <a:ea typeface="나눔스퀘어 Bold" panose="020B0600000101010101" pitchFamily="50" charset="-127"/>
+              </a:rPr>
+              <a:t>text feature</a:t>
+            </a:r>
+            <a:r>
+              <a:rPr lang="ko-KR" altLang="en-US" sz="1400" dirty="0">
+                <a:latin typeface="나눔스퀘어 Bold" panose="020B0600000101010101" pitchFamily="50" charset="-127"/>
+                <a:ea typeface="나눔스퀘어 Bold" panose="020B0600000101010101" pitchFamily="50" charset="-127"/>
+              </a:rPr>
+              <a:t>와 </a:t>
+            </a:r>
+            <a:r>
+              <a:rPr lang="en-US" altLang="ko-KR" sz="1400" dirty="0">
+                <a:latin typeface="나눔스퀘어 Bold" panose="020B0600000101010101" pitchFamily="50" charset="-127"/>
+                <a:ea typeface="나눔스퀘어 Bold" panose="020B0600000101010101" pitchFamily="50" charset="-127"/>
+              </a:rPr>
+              <a:t>image feature</a:t>
+            </a:r>
+            <a:r>
+              <a:rPr lang="ko-KR" altLang="en-US" sz="1400" dirty="0">
+                <a:latin typeface="나눔스퀘어 Bold" panose="020B0600000101010101" pitchFamily="50" charset="-127"/>
+                <a:ea typeface="나눔스퀘어 Bold" panose="020B0600000101010101" pitchFamily="50" charset="-127"/>
+              </a:rPr>
+              <a:t>를 비교하도록 변형한 </a:t>
+            </a:r>
+            <a:r>
+              <a:rPr lang="en-US" altLang="ko-KR" sz="1400" dirty="0">
+                <a:latin typeface="나눔스퀘어 Bold" panose="020B0600000101010101" pitchFamily="50" charset="-127"/>
+                <a:ea typeface="나눔스퀘어 Bold" panose="020B0600000101010101" pitchFamily="50" charset="-127"/>
+              </a:rPr>
+              <a:t>loss</a:t>
+            </a:r>
+            <a:r>
+              <a:rPr lang="ko-KR" altLang="en-US" sz="1400" dirty="0">
+                <a:latin typeface="나눔스퀘어 Bold" panose="020B0600000101010101" pitchFamily="50" charset="-127"/>
+                <a:ea typeface="나눔스퀘어 Bold" panose="020B0600000101010101" pitchFamily="50" charset="-127"/>
+              </a:rPr>
+              <a:t>도 실험해 </a:t>
+            </a:r>
+            <a:r>
+              <a:rPr lang="ko-KR" altLang="en-US" sz="1400" dirty="0" smtClean="0">
+                <a:latin typeface="나눔스퀘어 Bold" panose="020B0600000101010101" pitchFamily="50" charset="-127"/>
+                <a:ea typeface="나눔스퀘어 Bold" panose="020B0600000101010101" pitchFamily="50" charset="-127"/>
+              </a:rPr>
+              <a:t>보았음</a:t>
+            </a:r>
+            <a:endParaRPr lang="en-US" altLang="ko-KR" sz="1400" dirty="0" smtClean="0">
+              <a:latin typeface="나눔스퀘어 Bold" panose="020B0600000101010101" pitchFamily="50" charset="-127"/>
+              <a:ea typeface="나눔스퀘어 Bold" panose="020B0600000101010101" pitchFamily="50" charset="-127"/>
+            </a:endParaRPr>
+          </a:p>
+          <a:p>
+            <a:pPr marL="285750" indent="-285750">
+              <a:buFont typeface="Wingdings" panose="05000000000000000000" pitchFamily="2" charset="2"/>
+              <a:buChar char="§"/>
+            </a:pPr>
+            <a:endParaRPr lang="en-US" altLang="ko-KR" sz="1400" dirty="0">
+              <a:latin typeface="나눔스퀘어 Bold" panose="020B0600000101010101" pitchFamily="50" charset="-127"/>
+              <a:ea typeface="나눔스퀘어 Bold" panose="020B0600000101010101" pitchFamily="50" charset="-127"/>
+            </a:endParaRPr>
+          </a:p>
+          <a:p>
+            <a:pPr marL="285750" indent="-285750">
+              <a:buFont typeface="Wingdings" panose="05000000000000000000" pitchFamily="2" charset="2"/>
+              <a:buChar char="§"/>
+            </a:pPr>
+            <a:r>
+              <a:rPr lang="ko-KR" altLang="en-US" sz="1400" dirty="0">
+                <a:latin typeface="나눔스퀘어 Bold" panose="020B0600000101010101" pitchFamily="50" charset="-127"/>
+                <a:ea typeface="나눔스퀘어 Bold" panose="020B0600000101010101" pitchFamily="50" charset="-127"/>
+              </a:rPr>
+              <a:t>실행 결과 성능이 더 하락했는데</a:t>
+            </a:r>
+            <a:r>
+              <a:rPr lang="en-US" altLang="ko-KR" sz="1400" dirty="0">
+                <a:latin typeface="나눔스퀘어 Bold" panose="020B0600000101010101" pitchFamily="50" charset="-127"/>
+                <a:ea typeface="나눔스퀘어 Bold" panose="020B0600000101010101" pitchFamily="50" charset="-127"/>
+              </a:rPr>
+              <a:t>, </a:t>
+            </a:r>
+            <a:r>
+              <a:rPr lang="ko-KR" altLang="en-US" sz="1400" dirty="0">
+                <a:latin typeface="나눔스퀘어 Bold" panose="020B0600000101010101" pitchFamily="50" charset="-127"/>
+                <a:ea typeface="나눔스퀘어 Bold" panose="020B0600000101010101" pitchFamily="50" charset="-127"/>
+              </a:rPr>
+              <a:t>최종 </a:t>
+            </a:r>
+            <a:r>
+              <a:rPr lang="en-US" altLang="ko-KR" sz="1400" dirty="0">
+                <a:latin typeface="나눔스퀘어 Bold" panose="020B0600000101010101" pitchFamily="50" charset="-127"/>
+                <a:ea typeface="나눔스퀘어 Bold" panose="020B0600000101010101" pitchFamily="50" charset="-127"/>
+              </a:rPr>
+              <a:t>instance-specific</a:t>
+            </a:r>
+            <a:r>
+              <a:rPr lang="ko-KR" altLang="en-US" sz="1400" dirty="0">
+                <a:latin typeface="나눔스퀘어 Bold" panose="020B0600000101010101" pitchFamily="50" charset="-127"/>
+                <a:ea typeface="나눔스퀘어 Bold" panose="020B0600000101010101" pitchFamily="50" charset="-127"/>
+              </a:rPr>
+              <a:t>한 </a:t>
+            </a:r>
+            <a:r>
+              <a:rPr lang="en-US" altLang="ko-KR" sz="1400" dirty="0">
+                <a:latin typeface="나눔스퀘어 Bold" panose="020B0600000101010101" pitchFamily="50" charset="-127"/>
+                <a:ea typeface="나눔스퀘어 Bold" panose="020B0600000101010101" pitchFamily="50" charset="-127"/>
+              </a:rPr>
+              <a:t>text embedding</a:t>
+            </a:r>
+            <a:r>
+              <a:rPr lang="ko-KR" altLang="en-US" sz="1400" dirty="0">
+                <a:latin typeface="나눔스퀘어 Bold" panose="020B0600000101010101" pitchFamily="50" charset="-127"/>
+                <a:ea typeface="나눔스퀘어 Bold" panose="020B0600000101010101" pitchFamily="50" charset="-127"/>
+              </a:rPr>
+              <a:t>을 다른 </a:t>
+            </a:r>
+            <a:r>
+              <a:rPr lang="en-US" altLang="ko-KR" sz="1400" dirty="0">
+                <a:latin typeface="나눔스퀘어 Bold" panose="020B0600000101010101" pitchFamily="50" charset="-127"/>
+                <a:ea typeface="나눔스퀘어 Bold" panose="020B0600000101010101" pitchFamily="50" charset="-127"/>
+              </a:rPr>
+              <a:t>sample</a:t>
+            </a:r>
+            <a:r>
+              <a:rPr lang="ko-KR" altLang="en-US" sz="1400" dirty="0">
+                <a:latin typeface="나눔스퀘어 Bold" panose="020B0600000101010101" pitchFamily="50" charset="-127"/>
+                <a:ea typeface="나눔스퀘어 Bold" panose="020B0600000101010101" pitchFamily="50" charset="-127"/>
+              </a:rPr>
+              <a:t>의 </a:t>
+            </a:r>
+            <a:r>
+              <a:rPr lang="en-US" altLang="ko-KR" sz="1400" dirty="0">
+                <a:latin typeface="나눔스퀘어 Bold" panose="020B0600000101010101" pitchFamily="50" charset="-127"/>
+                <a:ea typeface="나눔스퀘어 Bold" panose="020B0600000101010101" pitchFamily="50" charset="-127"/>
+              </a:rPr>
+              <a:t>image embedding</a:t>
+            </a:r>
+            <a:r>
+              <a:rPr lang="ko-KR" altLang="en-US" sz="1400" dirty="0">
+                <a:latin typeface="나눔스퀘어 Bold" panose="020B0600000101010101" pitchFamily="50" charset="-127"/>
+                <a:ea typeface="나눔스퀘어 Bold" panose="020B0600000101010101" pitchFamily="50" charset="-127"/>
+              </a:rPr>
+              <a:t>과 </a:t>
+            </a:r>
+            <a:r>
+              <a:rPr lang="en-US" altLang="ko-KR" sz="1400" dirty="0">
+                <a:latin typeface="나눔스퀘어 Bold" panose="020B0600000101010101" pitchFamily="50" charset="-127"/>
+                <a:ea typeface="나눔스퀘어 Bold" panose="020B0600000101010101" pitchFamily="50" charset="-127"/>
+              </a:rPr>
+              <a:t>align</a:t>
+            </a:r>
+            <a:r>
+              <a:rPr lang="ko-KR" altLang="en-US" sz="1400" dirty="0">
+                <a:latin typeface="나눔스퀘어 Bold" panose="020B0600000101010101" pitchFamily="50" charset="-127"/>
+                <a:ea typeface="나눔스퀘어 Bold" panose="020B0600000101010101" pitchFamily="50" charset="-127"/>
+              </a:rPr>
+              <a:t>하기 때문인 것으로 보임</a:t>
+            </a:r>
+            <a:endParaRPr lang="en-US" altLang="ko-KR" sz="1400" dirty="0" smtClean="0">
+              <a:latin typeface="나눔스퀘어 Bold" panose="020B0600000101010101" pitchFamily="50" charset="-127"/>
+              <a:ea typeface="나눔스퀘어 Bold" panose="020B0600000101010101" pitchFamily="50" charset="-127"/>
+            </a:endParaRPr>
+          </a:p>
+        </p:txBody>
+      </p:sp>
+      <p:sp>
+        <p:nvSpPr>
+          <p:cNvPr id="6" name="TextBox 5">
+            <a:extLst>
+              <a:ext uri="{FF2B5EF4-FFF2-40B4-BE49-F238E27FC236}">
+                <a16:creationId xmlns:a16="http://schemas.microsoft.com/office/drawing/2014/main" id="{43AD0F1D-18AC-4DEA-AACB-5FB085B6C455}"/>
+              </a:ext>
+            </a:extLst>
+          </p:cNvPr>
+          <p:cNvSpPr txBox="1"/>
+          <p:nvPr/>
+        </p:nvSpPr>
+        <p:spPr>
+          <a:xfrm>
+            <a:off x="5886445" y="916728"/>
+            <a:ext cx="6207127" cy="2677656"/>
+          </a:xfrm>
+          <a:prstGeom prst="rect">
+            <a:avLst/>
+          </a:prstGeom>
+          <a:noFill/>
+        </p:spPr>
+        <p:txBody>
+          <a:bodyPr wrap="square" rtlCol="0">
+            <a:spAutoFit/>
+          </a:bodyPr>
+          <a:lstStyle/>
+          <a:p>
+            <a:pPr marL="285750" indent="-285750">
+              <a:buFont typeface="Wingdings" panose="05000000000000000000" pitchFamily="2" charset="2"/>
+              <a:buChar char="§"/>
+            </a:pPr>
+            <a:r>
+              <a:rPr lang="en-US" altLang="ko-KR" sz="1400" dirty="0">
+                <a:latin typeface="나눔스퀘어 Bold" panose="020B0600000101010101" pitchFamily="50" charset="-127"/>
+                <a:ea typeface="나눔스퀘어 Bold" panose="020B0600000101010101" pitchFamily="50" charset="-127"/>
+              </a:rPr>
+              <a:t>IDC Loss</a:t>
+            </a:r>
+            <a:r>
+              <a:rPr lang="ko-KR" altLang="en-US" sz="1400" dirty="0">
+                <a:latin typeface="나눔스퀘어 Bold" panose="020B0600000101010101" pitchFamily="50" charset="-127"/>
+                <a:ea typeface="나눔스퀘어 Bold" panose="020B0600000101010101" pitchFamily="50" charset="-127"/>
+              </a:rPr>
+              <a:t>는 같은 </a:t>
+            </a:r>
+            <a:r>
+              <a:rPr lang="en-US" altLang="ko-KR" sz="1400" dirty="0">
+                <a:latin typeface="나눔스퀘어 Bold" panose="020B0600000101010101" pitchFamily="50" charset="-127"/>
+                <a:ea typeface="나눔스퀘어 Bold" panose="020B0600000101010101" pitchFamily="50" charset="-127"/>
+              </a:rPr>
+              <a:t>domain </a:t>
+            </a:r>
+            <a:r>
+              <a:rPr lang="ko-KR" altLang="en-US" sz="1400" dirty="0">
+                <a:latin typeface="나눔스퀘어 Bold" panose="020B0600000101010101" pitchFamily="50" charset="-127"/>
+                <a:ea typeface="나눔스퀘어 Bold" panose="020B0600000101010101" pitchFamily="50" charset="-127"/>
+              </a:rPr>
+              <a:t>내의 </a:t>
+            </a:r>
+            <a:r>
+              <a:rPr lang="en-US" altLang="ko-KR" sz="1400" dirty="0">
+                <a:latin typeface="나눔스퀘어 Bold" panose="020B0600000101010101" pitchFamily="50" charset="-127"/>
+                <a:ea typeface="나눔스퀘어 Bold" panose="020B0600000101010101" pitchFamily="50" charset="-127"/>
+              </a:rPr>
+              <a:t>sample </a:t>
+            </a:r>
+            <a:r>
+              <a:rPr lang="ko-KR" altLang="en-US" sz="1400" dirty="0">
+                <a:latin typeface="나눔스퀘어 Bold" panose="020B0600000101010101" pitchFamily="50" charset="-127"/>
+                <a:ea typeface="나눔스퀘어 Bold" panose="020B0600000101010101" pitchFamily="50" charset="-127"/>
+              </a:rPr>
+              <a:t>간 </a:t>
+            </a:r>
+            <a:r>
+              <a:rPr lang="en-US" altLang="ko-KR" sz="1400" dirty="0">
+                <a:latin typeface="나눔스퀘어 Bold" panose="020B0600000101010101" pitchFamily="50" charset="-127"/>
+                <a:ea typeface="나눔스퀘어 Bold" panose="020B0600000101010101" pitchFamily="50" charset="-127"/>
+              </a:rPr>
+              <a:t>text embedding </a:t>
+            </a:r>
+            <a:r>
+              <a:rPr lang="ko-KR" altLang="en-US" sz="1400" dirty="0">
+                <a:latin typeface="나눔스퀘어 Bold" panose="020B0600000101010101" pitchFamily="50" charset="-127"/>
+                <a:ea typeface="나눔스퀘어 Bold" panose="020B0600000101010101" pitchFamily="50" charset="-127"/>
+              </a:rPr>
+              <a:t>차이를 높여 </a:t>
+            </a:r>
+            <a:r>
+              <a:rPr lang="en-US" altLang="ko-KR" sz="1400" dirty="0">
+                <a:latin typeface="나눔스퀘어 Bold" panose="020B0600000101010101" pitchFamily="50" charset="-127"/>
+                <a:ea typeface="나눔스퀘어 Bold" panose="020B0600000101010101" pitchFamily="50" charset="-127"/>
+              </a:rPr>
+              <a:t>domain-specific </a:t>
+            </a:r>
+            <a:r>
+              <a:rPr lang="ko-KR" altLang="en-US" sz="1400" dirty="0">
+                <a:latin typeface="나눔스퀘어 Bold" panose="020B0600000101010101" pitchFamily="50" charset="-127"/>
+                <a:ea typeface="나눔스퀘어 Bold" panose="020B0600000101010101" pitchFamily="50" charset="-127"/>
+              </a:rPr>
+              <a:t>정보를 </a:t>
+            </a:r>
+            <a:r>
+              <a:rPr lang="ko-KR" altLang="en-US" sz="1400" dirty="0" smtClean="0">
+                <a:latin typeface="나눔스퀘어 Bold" panose="020B0600000101010101" pitchFamily="50" charset="-127"/>
+                <a:ea typeface="나눔스퀘어 Bold" panose="020B0600000101010101" pitchFamily="50" charset="-127"/>
+              </a:rPr>
+              <a:t>제거했음</a:t>
+            </a:r>
+            <a:endParaRPr lang="en-US" altLang="ko-KR" sz="1400" dirty="0" smtClean="0">
+              <a:latin typeface="나눔스퀘어 Bold" panose="020B0600000101010101" pitchFamily="50" charset="-127"/>
+              <a:ea typeface="나눔스퀘어 Bold" panose="020B0600000101010101" pitchFamily="50" charset="-127"/>
+            </a:endParaRPr>
+          </a:p>
+          <a:p>
+            <a:pPr marL="285750" indent="-285750">
+              <a:buFont typeface="Wingdings" panose="05000000000000000000" pitchFamily="2" charset="2"/>
+              <a:buChar char="§"/>
+            </a:pPr>
+            <a:endParaRPr lang="en-US" altLang="ko-KR" sz="1400" dirty="0">
+              <a:latin typeface="나눔스퀘어 Bold" panose="020B0600000101010101" pitchFamily="50" charset="-127"/>
+              <a:ea typeface="나눔스퀘어 Bold" panose="020B0600000101010101" pitchFamily="50" charset="-127"/>
+            </a:endParaRPr>
+          </a:p>
+          <a:p>
+            <a:pPr marL="285750" indent="-285750">
+              <a:buFont typeface="Wingdings" panose="05000000000000000000" pitchFamily="2" charset="2"/>
+              <a:buChar char="§"/>
+            </a:pPr>
+            <a:r>
+              <a:rPr lang="ko-KR" altLang="en-US" sz="1400" dirty="0">
+                <a:latin typeface="나눔스퀘어 Bold" panose="020B0600000101010101" pitchFamily="50" charset="-127"/>
+                <a:ea typeface="나눔스퀘어 Bold" panose="020B0600000101010101" pitchFamily="50" charset="-127"/>
+              </a:rPr>
+              <a:t>여기에 </a:t>
+            </a:r>
+            <a:r>
+              <a:rPr lang="en-US" altLang="ko-KR" sz="1400" dirty="0">
+                <a:latin typeface="나눔스퀘어 Bold" panose="020B0600000101010101" pitchFamily="50" charset="-127"/>
+                <a:ea typeface="나눔스퀘어 Bold" panose="020B0600000101010101" pitchFamily="50" charset="-127"/>
+              </a:rPr>
+              <a:t>domain-alignment</a:t>
+            </a:r>
+            <a:r>
+              <a:rPr lang="ko-KR" altLang="en-US" sz="1400" dirty="0">
+                <a:latin typeface="나눔스퀘어 Bold" panose="020B0600000101010101" pitchFamily="50" charset="-127"/>
+                <a:ea typeface="나눔스퀘어 Bold" panose="020B0600000101010101" pitchFamily="50" charset="-127"/>
+              </a:rPr>
+              <a:t>를 주기 위해</a:t>
+            </a:r>
+            <a:r>
+              <a:rPr lang="en-US" altLang="ko-KR" sz="1400" dirty="0">
+                <a:latin typeface="나눔스퀘어 Bold" panose="020B0600000101010101" pitchFamily="50" charset="-127"/>
+                <a:ea typeface="나눔스퀘어 Bold" panose="020B0600000101010101" pitchFamily="50" charset="-127"/>
+              </a:rPr>
+              <a:t>, source, target sample</a:t>
+            </a:r>
+            <a:r>
+              <a:rPr lang="ko-KR" altLang="en-US" sz="1400" dirty="0">
+                <a:latin typeface="나눔스퀘어 Bold" panose="020B0600000101010101" pitchFamily="50" charset="-127"/>
+                <a:ea typeface="나눔스퀘어 Bold" panose="020B0600000101010101" pitchFamily="50" charset="-127"/>
+              </a:rPr>
+              <a:t>의 </a:t>
+            </a:r>
+            <a:r>
+              <a:rPr lang="en-US" altLang="ko-KR" sz="1400" dirty="0">
+                <a:latin typeface="나눔스퀘어 Bold" panose="020B0600000101010101" pitchFamily="50" charset="-127"/>
+                <a:ea typeface="나눔스퀘어 Bold" panose="020B0600000101010101" pitchFamily="50" charset="-127"/>
+              </a:rPr>
+              <a:t>class k</a:t>
+            </a:r>
+            <a:r>
+              <a:rPr lang="ko-KR" altLang="en-US" sz="1400" dirty="0">
+                <a:latin typeface="나눔스퀘어 Bold" panose="020B0600000101010101" pitchFamily="50" charset="-127"/>
+                <a:ea typeface="나눔스퀘어 Bold" panose="020B0600000101010101" pitchFamily="50" charset="-127"/>
+              </a:rPr>
+              <a:t>에 해당하는 </a:t>
+            </a:r>
+            <a:r>
+              <a:rPr lang="en-US" altLang="ko-KR" sz="1400" dirty="0">
+                <a:latin typeface="나눔스퀘어 Bold" panose="020B0600000101010101" pitchFamily="50" charset="-127"/>
+                <a:ea typeface="나눔스퀘어 Bold" panose="020B0600000101010101" pitchFamily="50" charset="-127"/>
+              </a:rPr>
+              <a:t>text embedding</a:t>
+            </a:r>
+            <a:r>
+              <a:rPr lang="ko-KR" altLang="en-US" sz="1400" dirty="0">
+                <a:latin typeface="나눔스퀘어 Bold" panose="020B0600000101010101" pitchFamily="50" charset="-127"/>
+                <a:ea typeface="나눔스퀘어 Bold" panose="020B0600000101010101" pitchFamily="50" charset="-127"/>
+              </a:rPr>
+              <a:t>을 서로 가까워지도록 학습하는 </a:t>
+            </a:r>
+            <a:r>
+              <a:rPr lang="en-US" altLang="ko-KR" sz="1400" dirty="0">
+                <a:latin typeface="나눔스퀘어 Bold" panose="020B0600000101010101" pitchFamily="50" charset="-127"/>
+                <a:ea typeface="나눔스퀘어 Bold" panose="020B0600000101010101" pitchFamily="50" charset="-127"/>
+              </a:rPr>
+              <a:t>new loss</a:t>
+            </a:r>
+            <a:r>
+              <a:rPr lang="ko-KR" altLang="en-US" sz="1400" dirty="0">
+                <a:latin typeface="나눔스퀘어 Bold" panose="020B0600000101010101" pitchFamily="50" charset="-127"/>
+                <a:ea typeface="나눔스퀘어 Bold" panose="020B0600000101010101" pitchFamily="50" charset="-127"/>
+              </a:rPr>
+              <a:t>를 </a:t>
+            </a:r>
+            <a:r>
+              <a:rPr lang="ko-KR" altLang="en-US" sz="1400" dirty="0" smtClean="0">
+                <a:latin typeface="나눔스퀘어 Bold" panose="020B0600000101010101" pitchFamily="50" charset="-127"/>
+                <a:ea typeface="나눔스퀘어 Bold" panose="020B0600000101010101" pitchFamily="50" charset="-127"/>
+              </a:rPr>
+              <a:t>추가했음</a:t>
+            </a:r>
+            <a:endParaRPr lang="en-US" altLang="ko-KR" sz="1400" dirty="0" smtClean="0">
+              <a:latin typeface="나눔스퀘어 Bold" panose="020B0600000101010101" pitchFamily="50" charset="-127"/>
+              <a:ea typeface="나눔스퀘어 Bold" panose="020B0600000101010101" pitchFamily="50" charset="-127"/>
+            </a:endParaRPr>
+          </a:p>
+          <a:p>
+            <a:pPr marL="285750" indent="-285750">
+              <a:buFont typeface="Wingdings" panose="05000000000000000000" pitchFamily="2" charset="2"/>
+              <a:buChar char="§"/>
+            </a:pPr>
+            <a:endParaRPr lang="en-US" altLang="ko-KR" sz="1400" dirty="0">
+              <a:latin typeface="나눔스퀘어 Bold" panose="020B0600000101010101" pitchFamily="50" charset="-127"/>
+              <a:ea typeface="나눔스퀘어 Bold" panose="020B0600000101010101" pitchFamily="50" charset="-127"/>
+            </a:endParaRPr>
+          </a:p>
+          <a:p>
+            <a:pPr marL="285750" indent="-285750">
+              <a:buFont typeface="Wingdings" panose="05000000000000000000" pitchFamily="2" charset="2"/>
+              <a:buChar char="§"/>
+            </a:pPr>
+            <a:r>
+              <a:rPr lang="ko-KR" altLang="en-US" sz="1400" dirty="0">
+                <a:latin typeface="나눔스퀘어 Bold" panose="020B0600000101010101" pitchFamily="50" charset="-127"/>
+                <a:ea typeface="나눔스퀘어 Bold" panose="020B0600000101010101" pitchFamily="50" charset="-127"/>
+              </a:rPr>
+              <a:t>실험 결과</a:t>
+            </a:r>
+            <a:r>
+              <a:rPr lang="en-US" altLang="ko-KR" sz="1400" dirty="0">
+                <a:latin typeface="나눔스퀘어 Bold" panose="020B0600000101010101" pitchFamily="50" charset="-127"/>
+                <a:ea typeface="나눔스퀘어 Bold" panose="020B0600000101010101" pitchFamily="50" charset="-127"/>
+              </a:rPr>
+              <a:t>, </a:t>
+            </a:r>
+            <a:r>
+              <a:rPr lang="ko-KR" altLang="en-US" sz="1400" dirty="0" smtClean="0">
+                <a:latin typeface="나눔스퀘어 Bold" panose="020B0600000101010101" pitchFamily="50" charset="-127"/>
+                <a:ea typeface="나눔스퀘어 Bold" panose="020B0600000101010101" pitchFamily="50" charset="-127"/>
+              </a:rPr>
+              <a:t>학습 초반부터 </a:t>
+            </a:r>
+            <a:r>
+              <a:rPr lang="en-US" altLang="ko-KR" sz="1400" dirty="0">
+                <a:latin typeface="나눔스퀘어 Bold" panose="020B0600000101010101" pitchFamily="50" charset="-127"/>
+                <a:ea typeface="나눔스퀘어 Bold" panose="020B0600000101010101" pitchFamily="50" charset="-127"/>
+              </a:rPr>
+              <a:t>new loss</a:t>
+            </a:r>
+            <a:r>
+              <a:rPr lang="ko-KR" altLang="en-US" sz="1400" dirty="0">
+                <a:latin typeface="나눔스퀘어 Bold" panose="020B0600000101010101" pitchFamily="50" charset="-127"/>
+                <a:ea typeface="나눔스퀘어 Bold" panose="020B0600000101010101" pitchFamily="50" charset="-127"/>
+              </a:rPr>
+              <a:t>가 </a:t>
+            </a:r>
+            <a:r>
+              <a:rPr lang="en-US" altLang="ko-KR" sz="1400" dirty="0" smtClean="0">
+                <a:latin typeface="나눔스퀘어 Bold" panose="020B0600000101010101" pitchFamily="50" charset="-127"/>
+                <a:ea typeface="나눔스퀘어 Bold" panose="020B0600000101010101" pitchFamily="50" charset="-127"/>
+              </a:rPr>
+              <a:t>0</a:t>
+            </a:r>
+            <a:r>
+              <a:rPr lang="ko-KR" altLang="en-US" sz="1400" dirty="0" smtClean="0">
+                <a:latin typeface="나눔스퀘어 Bold" panose="020B0600000101010101" pitchFamily="50" charset="-127"/>
+                <a:ea typeface="나눔스퀘어 Bold" panose="020B0600000101010101" pitchFamily="50" charset="-127"/>
+              </a:rPr>
+              <a:t>이 돼 학습에 </a:t>
+            </a:r>
+            <a:r>
+              <a:rPr lang="ko-KR" altLang="en-US" sz="1400" dirty="0">
+                <a:latin typeface="나눔스퀘어 Bold" panose="020B0600000101010101" pitchFamily="50" charset="-127"/>
+                <a:ea typeface="나눔스퀘어 Bold" panose="020B0600000101010101" pitchFamily="50" charset="-127"/>
+              </a:rPr>
+              <a:t>영향을 미치지 </a:t>
+            </a:r>
+            <a:r>
+              <a:rPr lang="ko-KR" altLang="en-US" sz="1400" dirty="0" smtClean="0">
+                <a:latin typeface="나눔스퀘어 Bold" panose="020B0600000101010101" pitchFamily="50" charset="-127"/>
+                <a:ea typeface="나눔스퀘어 Bold" panose="020B0600000101010101" pitchFamily="50" charset="-127"/>
+              </a:rPr>
+              <a:t>못함</a:t>
+            </a:r>
+            <a:endParaRPr lang="en-US" altLang="ko-KR" sz="1400" dirty="0" smtClean="0">
+              <a:latin typeface="나눔스퀘어 Bold" panose="020B0600000101010101" pitchFamily="50" charset="-127"/>
+              <a:ea typeface="나눔스퀘어 Bold" panose="020B0600000101010101" pitchFamily="50" charset="-127"/>
+            </a:endParaRPr>
+          </a:p>
+          <a:p>
+            <a:pPr marL="285750" indent="-285750">
+              <a:buFont typeface="Wingdings" panose="05000000000000000000" pitchFamily="2" charset="2"/>
+              <a:buChar char="§"/>
+            </a:pPr>
+            <a:endParaRPr lang="en-US" altLang="ko-KR" sz="1400" dirty="0">
+              <a:latin typeface="나눔스퀘어 Bold" panose="020B0600000101010101" pitchFamily="50" charset="-127"/>
+              <a:ea typeface="나눔스퀘어 Bold" panose="020B0600000101010101" pitchFamily="50" charset="-127"/>
+            </a:endParaRPr>
+          </a:p>
+          <a:p>
+            <a:pPr marL="285750" indent="-285750">
+              <a:buFont typeface="Wingdings" panose="05000000000000000000" pitchFamily="2" charset="2"/>
+              <a:buChar char="§"/>
+            </a:pPr>
+            <a:r>
+              <a:rPr lang="ko-KR" altLang="en-US" sz="1400" dirty="0">
+                <a:latin typeface="나눔스퀘어 Bold" panose="020B0600000101010101" pitchFamily="50" charset="-127"/>
+                <a:ea typeface="나눔스퀘어 Bold" panose="020B0600000101010101" pitchFamily="50" charset="-127"/>
+              </a:rPr>
+              <a:t>다른 </a:t>
+            </a:r>
+            <a:r>
+              <a:rPr lang="en-US" altLang="ko-KR" sz="1400" dirty="0">
+                <a:latin typeface="나눔스퀘어 Bold" panose="020B0600000101010101" pitchFamily="50" charset="-127"/>
+                <a:ea typeface="나눔스퀘어 Bold" panose="020B0600000101010101" pitchFamily="50" charset="-127"/>
+              </a:rPr>
+              <a:t>domain</a:t>
+            </a:r>
+            <a:r>
+              <a:rPr lang="ko-KR" altLang="en-US" sz="1400" dirty="0">
+                <a:latin typeface="나눔스퀘어 Bold" panose="020B0600000101010101" pitchFamily="50" charset="-127"/>
+                <a:ea typeface="나눔스퀘어 Bold" panose="020B0600000101010101" pitchFamily="50" charset="-127"/>
+              </a:rPr>
+              <a:t>이더라도</a:t>
+            </a:r>
+            <a:r>
+              <a:rPr lang="en-US" altLang="ko-KR" sz="1400" dirty="0">
+                <a:latin typeface="나눔스퀘어 Bold" panose="020B0600000101010101" pitchFamily="50" charset="-127"/>
+                <a:ea typeface="나눔스퀘어 Bold" panose="020B0600000101010101" pitchFamily="50" charset="-127"/>
+              </a:rPr>
+              <a:t>, text embedding</a:t>
+            </a:r>
+            <a:r>
+              <a:rPr lang="ko-KR" altLang="en-US" sz="1400" dirty="0">
+                <a:latin typeface="나눔스퀘어 Bold" panose="020B0600000101010101" pitchFamily="50" charset="-127"/>
+                <a:ea typeface="나눔스퀘어 Bold" panose="020B0600000101010101" pitchFamily="50" charset="-127"/>
+              </a:rPr>
+              <a:t>의 </a:t>
+            </a:r>
+            <a:r>
+              <a:rPr lang="en-US" altLang="ko-KR" sz="1400" dirty="0">
+                <a:latin typeface="나눔스퀘어 Bold" panose="020B0600000101010101" pitchFamily="50" charset="-127"/>
+                <a:ea typeface="나눔스퀘어 Bold" panose="020B0600000101010101" pitchFamily="50" charset="-127"/>
+              </a:rPr>
+              <a:t>inter-class distance</a:t>
+            </a:r>
+            <a:r>
+              <a:rPr lang="ko-KR" altLang="en-US" sz="1400" dirty="0">
+                <a:latin typeface="나눔스퀘어 Bold" panose="020B0600000101010101" pitchFamily="50" charset="-127"/>
+                <a:ea typeface="나눔스퀘어 Bold" panose="020B0600000101010101" pitchFamily="50" charset="-127"/>
+              </a:rPr>
+              <a:t>는 초반부터 뚜렷하게 학습되기 때문인 것으로 보임</a:t>
+            </a:r>
+            <a:endParaRPr lang="en-US" altLang="ko-KR" sz="1400" dirty="0" smtClean="0">
+              <a:latin typeface="나눔스퀘어 Bold" panose="020B0600000101010101" pitchFamily="50" charset="-127"/>
+              <a:ea typeface="나눔스퀘어 Bold" panose="020B0600000101010101" pitchFamily="50" charset="-127"/>
+            </a:endParaRPr>
+          </a:p>
+        </p:txBody>
+      </p:sp>
+      <p:pic>
+        <p:nvPicPr>
+          <p:cNvPr id="2" name="그림 1"/>
+          <p:cNvPicPr>
+            <a:picLocks noChangeAspect="1"/>
+          </p:cNvPicPr>
+          <p:nvPr/>
+        </p:nvPicPr>
+        <p:blipFill rotWithShape="1">
+          <a:blip r:embed="rId2"/>
+          <a:srcRect r="29152" b="21063"/>
+          <a:stretch/>
+        </p:blipFill>
+        <p:spPr>
+          <a:xfrm>
+            <a:off x="225693" y="1713348"/>
+            <a:ext cx="4334791" cy="1123943"/>
+          </a:xfrm>
+          <a:prstGeom prst="rect">
+            <a:avLst/>
+          </a:prstGeom>
+        </p:spPr>
+      </p:pic>
+      <p:pic>
+        <p:nvPicPr>
+          <p:cNvPr id="3" name="그림 2"/>
+          <p:cNvPicPr>
+            <a:picLocks noChangeAspect="1"/>
+          </p:cNvPicPr>
+          <p:nvPr/>
+        </p:nvPicPr>
+        <p:blipFill rotWithShape="1">
+          <a:blip r:embed="rId3"/>
+          <a:srcRect r="31441" b="23545"/>
+          <a:stretch/>
+        </p:blipFill>
+        <p:spPr>
+          <a:xfrm>
+            <a:off x="289337" y="4194459"/>
+            <a:ext cx="4207507" cy="1091916"/>
+          </a:xfrm>
+          <a:prstGeom prst="rect">
+            <a:avLst/>
+          </a:prstGeom>
+        </p:spPr>
+      </p:pic>
+      <p:pic>
+        <p:nvPicPr>
+          <p:cNvPr id="4" name="그림 3"/>
+          <p:cNvPicPr>
+            <a:picLocks noChangeAspect="1"/>
+          </p:cNvPicPr>
+          <p:nvPr/>
+        </p:nvPicPr>
+        <p:blipFill>
+          <a:blip r:embed="rId4"/>
+          <a:stretch>
+            <a:fillRect/>
+          </a:stretch>
+        </p:blipFill>
+        <p:spPr>
+          <a:xfrm>
+            <a:off x="997675" y="775162"/>
+            <a:ext cx="2790825" cy="895350"/>
+          </a:xfrm>
+          <a:prstGeom prst="rect">
+            <a:avLst/>
+          </a:prstGeom>
+        </p:spPr>
+      </p:pic>
     </p:spTree>
     <p:extLst>
       <p:ext uri="{BB962C8B-B14F-4D97-AF65-F5344CB8AC3E}">
-        <p14:creationId xmlns:p14="http://schemas.microsoft.com/office/powerpoint/2010/main" val="2667767600"/>
+        <p14:creationId xmlns:p14="http://schemas.microsoft.com/office/powerpoint/2010/main" val="1211054555"/>
       </p:ext>
     </p:extLst>
   </p:cSld>
@@ -11912,8 +13522,15 @@
                 <a:latin typeface="나눔스퀘어 Bold" panose="020B0600000101010101" pitchFamily="50" charset="-127"/>
                 <a:ea typeface="나눔스퀘어 Bold" panose="020B0600000101010101" pitchFamily="50" charset="-127"/>
               </a:rPr>
-              <a:t>1. Introduction</a:t>
-            </a:r>
+              <a:t>Code</a:t>
+            </a:r>
+            <a:endParaRPr lang="en-US" altLang="ko-KR" sz="3200" dirty="0" smtClean="0">
+              <a:solidFill>
+                <a:srgbClr val="212529"/>
+              </a:solidFill>
+              <a:latin typeface="나눔스퀘어 Bold" panose="020B0600000101010101" pitchFamily="50" charset="-127"/>
+              <a:ea typeface="나눔스퀘어 Bold" panose="020B0600000101010101" pitchFamily="50" charset="-127"/>
+            </a:endParaRPr>
           </a:p>
         </p:txBody>
       </p:sp>
@@ -11949,385 +13566,768 @@
           </a:p>
         </p:txBody>
       </p:sp>
-      <p:sp>
-        <p:nvSpPr>
-          <p:cNvPr id="14" name="TextBox 13">
-            <a:extLst>
-              <a:ext uri="{FF2B5EF4-FFF2-40B4-BE49-F238E27FC236}">
-                <a16:creationId xmlns:a16="http://schemas.microsoft.com/office/drawing/2014/main" id="{43AD0F1D-18AC-4DEA-AACB-5FB085B6C455}"/>
-              </a:ext>
-            </a:extLst>
-          </p:cNvPr>
-          <p:cNvSpPr txBox="1"/>
+      <mc:AlternateContent xmlns:mc="http://schemas.openxmlformats.org/markup-compatibility/2006">
+        <mc:Choice xmlns:a14="http://schemas.microsoft.com/office/drawing/2010/main" Requires="a14">
+          <p:sp>
+            <p:nvSpPr>
+              <p:cNvPr id="14" name="TextBox 13">
+                <a:extLst>
+                  <a:ext uri="{FF2B5EF4-FFF2-40B4-BE49-F238E27FC236}">
+                    <a16:creationId xmlns:a16="http://schemas.microsoft.com/office/drawing/2014/main" id="{43AD0F1D-18AC-4DEA-AACB-5FB085B6C455}"/>
+                  </a:ext>
+                </a:extLst>
+              </p:cNvPr>
+              <p:cNvSpPr txBox="1"/>
+              <p:nvPr/>
+            </p:nvSpPr>
+            <p:spPr>
+              <a:xfrm>
+                <a:off x="5886445" y="4522757"/>
+                <a:ext cx="6207127" cy="1384995"/>
+              </a:xfrm>
+              <a:prstGeom prst="rect">
+                <a:avLst/>
+              </a:prstGeom>
+              <a:noFill/>
+            </p:spPr>
+            <p:txBody>
+              <a:bodyPr wrap="square" rtlCol="0">
+                <a:spAutoFit/>
+              </a:bodyPr>
+              <a:lstStyle/>
+              <a:p>
+                <a:pPr marL="285750" indent="-285750">
+                  <a:buFont typeface="Wingdings" panose="05000000000000000000" pitchFamily="2" charset="2"/>
+                  <a:buChar char="§"/>
+                </a:pPr>
+                <a:r>
+                  <a:rPr lang="ko-KR" altLang="en-US" sz="1400" dirty="0" smtClean="0">
+                    <a:latin typeface="나눔스퀘어 Bold" panose="020B0600000101010101" pitchFamily="50" charset="-127"/>
+                    <a:ea typeface="나눔스퀘어 Bold" panose="020B0600000101010101" pitchFamily="50" charset="-127"/>
+                  </a:rPr>
+                  <a:t>또한 </a:t>
+                </a:r>
+                <a14:m>
+                  <m:oMath xmlns:m="http://schemas.openxmlformats.org/officeDocument/2006/math">
+                    <m:acc>
+                      <m:accPr>
+                        <m:chr m:val="̃"/>
+                        <m:ctrlPr>
+                          <a:rPr lang="en-US" altLang="ko-KR" sz="1400" i="1">
+                            <a:latin typeface="Cambria Math" panose="02040503050406030204" pitchFamily="18" charset="0"/>
+                            <a:ea typeface="나눔스퀘어 Bold" panose="020B0600000101010101" pitchFamily="50" charset="-127"/>
+                          </a:rPr>
+                        </m:ctrlPr>
+                      </m:accPr>
+                      <m:e>
+                        <m:r>
+                          <a:rPr lang="en-US" altLang="ko-KR" sz="1400" i="1">
+                            <a:latin typeface="Cambria Math" panose="02040503050406030204" pitchFamily="18" charset="0"/>
+                            <a:ea typeface="나눔스퀘어 Bold" panose="020B0600000101010101" pitchFamily="50" charset="-127"/>
+                          </a:rPr>
+                          <m:t>𝑣</m:t>
+                        </m:r>
+                      </m:e>
+                    </m:acc>
+                  </m:oMath>
+                </a14:m>
+                <a:r>
+                  <a:rPr lang="ko-KR" altLang="en-US" sz="1400" dirty="0" smtClean="0">
+                    <a:latin typeface="나눔스퀘어 Bold" panose="020B0600000101010101" pitchFamily="50" charset="-127"/>
+                    <a:ea typeface="나눔스퀘어 Bold" panose="020B0600000101010101" pitchFamily="50" charset="-127"/>
+                  </a:rPr>
+                  <a:t> 가 </a:t>
+                </a:r>
+                <a:r>
+                  <a:rPr lang="en-US" altLang="ko-KR" sz="1400" dirty="0">
+                    <a:latin typeface="나눔스퀘어 Bold" panose="020B0600000101010101" pitchFamily="50" charset="-127"/>
+                    <a:ea typeface="나눔스퀘어 Bold" panose="020B0600000101010101" pitchFamily="50" charset="-127"/>
+                  </a:rPr>
+                  <a:t>self-attention layer</a:t>
+                </a:r>
+                <a:r>
+                  <a:rPr lang="ko-KR" altLang="en-US" sz="1400" dirty="0">
+                    <a:latin typeface="나눔스퀘어 Bold" panose="020B0600000101010101" pitchFamily="50" charset="-127"/>
+                    <a:ea typeface="나눔스퀘어 Bold" panose="020B0600000101010101" pitchFamily="50" charset="-127"/>
+                  </a:rPr>
+                  <a:t>를 거친 </a:t>
+                </a:r>
+                <a:r>
+                  <a:rPr lang="en-US" altLang="ko-KR" sz="1400" dirty="0">
+                    <a:latin typeface="나눔스퀘어 Bold" panose="020B0600000101010101" pitchFamily="50" charset="-127"/>
+                    <a:ea typeface="나눔스퀘어 Bold" panose="020B0600000101010101" pitchFamily="50" charset="-127"/>
+                  </a:rPr>
+                  <a:t>output</a:t>
+                </a:r>
+                <a:r>
+                  <a:rPr lang="ko-KR" altLang="en-US" sz="1400" dirty="0">
+                    <a:latin typeface="나눔스퀘어 Bold" panose="020B0600000101010101" pitchFamily="50" charset="-127"/>
+                    <a:ea typeface="나눔스퀘어 Bold" panose="020B0600000101010101" pitchFamily="50" charset="-127"/>
+                  </a:rPr>
+                  <a:t>이 최종 </a:t>
+                </a:r>
+                <a:r>
+                  <a:rPr lang="en-US" altLang="ko-KR" sz="1400" dirty="0">
+                    <a:latin typeface="나눔스퀘어 Bold" panose="020B0600000101010101" pitchFamily="50" charset="-127"/>
+                    <a:ea typeface="나눔스퀘어 Bold" panose="020B0600000101010101" pitchFamily="50" charset="-127"/>
+                  </a:rPr>
+                  <a:t>domain-invariant image feature v’</a:t>
+                </a:r>
+                <a:r>
+                  <a:rPr lang="ko-KR" altLang="en-US" sz="1400" dirty="0">
+                    <a:latin typeface="나눔스퀘어 Bold" panose="020B0600000101010101" pitchFamily="50" charset="-127"/>
+                    <a:ea typeface="나눔스퀘어 Bold" panose="020B0600000101010101" pitchFamily="50" charset="-127"/>
+                  </a:rPr>
+                  <a:t>과 가까워지는 동시에</a:t>
+                </a:r>
+                <a:r>
+                  <a:rPr lang="en-US" altLang="ko-KR" sz="1400" dirty="0">
+                    <a:latin typeface="나눔스퀘어 Bold" panose="020B0600000101010101" pitchFamily="50" charset="-127"/>
+                    <a:ea typeface="나눔스퀘어 Bold" panose="020B0600000101010101" pitchFamily="50" charset="-127"/>
+                  </a:rPr>
+                  <a:t>, domain-biased global embedding v</a:t>
+                </a:r>
+                <a:r>
+                  <a:rPr lang="ko-KR" altLang="en-US" sz="1400" dirty="0">
+                    <a:latin typeface="나눔스퀘어 Bold" panose="020B0600000101010101" pitchFamily="50" charset="-127"/>
+                    <a:ea typeface="나눔스퀘어 Bold" panose="020B0600000101010101" pitchFamily="50" charset="-127"/>
+                  </a:rPr>
+                  <a:t>와는 멀어지도록 학습하는 </a:t>
+                </a:r>
+                <a:r>
+                  <a:rPr lang="en-US" altLang="ko-KR" sz="1400" dirty="0">
+                    <a:latin typeface="나눔스퀘어 Bold" panose="020B0600000101010101" pitchFamily="50" charset="-127"/>
+                    <a:ea typeface="나눔스퀘어 Bold" panose="020B0600000101010101" pitchFamily="50" charset="-127"/>
+                  </a:rPr>
+                  <a:t>loss</a:t>
+                </a:r>
+                <a:r>
+                  <a:rPr lang="ko-KR" altLang="en-US" sz="1400" dirty="0">
+                    <a:latin typeface="나눔스퀘어 Bold" panose="020B0600000101010101" pitchFamily="50" charset="-127"/>
+                    <a:ea typeface="나눔스퀘어 Bold" panose="020B0600000101010101" pitchFamily="50" charset="-127"/>
+                  </a:rPr>
+                  <a:t>를 추가하는 시도도 해 </a:t>
+                </a:r>
+                <a:r>
+                  <a:rPr lang="ko-KR" altLang="en-US" sz="1400" dirty="0" smtClean="0">
+                    <a:latin typeface="나눔스퀘어 Bold" panose="020B0600000101010101" pitchFamily="50" charset="-127"/>
+                    <a:ea typeface="나눔스퀘어 Bold" panose="020B0600000101010101" pitchFamily="50" charset="-127"/>
+                  </a:rPr>
+                  <a:t>보았음</a:t>
+                </a:r>
+                <a:endParaRPr lang="en-US" altLang="ko-KR" sz="1400" dirty="0" smtClean="0">
+                  <a:latin typeface="나눔스퀘어 Bold" panose="020B0600000101010101" pitchFamily="50" charset="-127"/>
+                  <a:ea typeface="나눔스퀘어 Bold" panose="020B0600000101010101" pitchFamily="50" charset="-127"/>
+                </a:endParaRPr>
+              </a:p>
+              <a:p>
+                <a:pPr marL="285750" indent="-285750">
+                  <a:buFont typeface="Wingdings" panose="05000000000000000000" pitchFamily="2" charset="2"/>
+                  <a:buChar char="§"/>
+                </a:pPr>
+                <a:endParaRPr lang="en-US" altLang="ko-KR" sz="1400" dirty="0">
+                  <a:latin typeface="나눔스퀘어 Bold" panose="020B0600000101010101" pitchFamily="50" charset="-127"/>
+                  <a:ea typeface="나눔스퀘어 Bold" panose="020B0600000101010101" pitchFamily="50" charset="-127"/>
+                </a:endParaRPr>
+              </a:p>
+              <a:p>
+                <a:pPr marL="285750" indent="-285750">
+                  <a:buFont typeface="Wingdings" panose="05000000000000000000" pitchFamily="2" charset="2"/>
+                  <a:buChar char="§"/>
+                </a:pPr>
+                <a:r>
+                  <a:rPr lang="ko-KR" altLang="en-US" sz="1400" dirty="0">
+                    <a:latin typeface="나눔스퀘어 Bold" panose="020B0600000101010101" pitchFamily="50" charset="-127"/>
+                    <a:ea typeface="나눔스퀘어 Bold" panose="020B0600000101010101" pitchFamily="50" charset="-127"/>
+                  </a:rPr>
+                  <a:t>두 </a:t>
+                </a:r>
+                <a:r>
+                  <a:rPr lang="ko-KR" altLang="en-US" sz="1400" dirty="0" smtClean="0">
+                    <a:latin typeface="나눔스퀘어 Bold" panose="020B0600000101010101" pitchFamily="50" charset="-127"/>
+                    <a:ea typeface="나눔스퀘어 Bold" panose="020B0600000101010101" pitchFamily="50" charset="-127"/>
+                  </a:rPr>
+                  <a:t>방법 </a:t>
+                </a:r>
+                <a:r>
+                  <a:rPr lang="ko-KR" altLang="en-US" sz="1400" dirty="0">
+                    <a:latin typeface="나눔스퀘어 Bold" panose="020B0600000101010101" pitchFamily="50" charset="-127"/>
+                    <a:ea typeface="나눔스퀘어 Bold" panose="020B0600000101010101" pitchFamily="50" charset="-127"/>
+                  </a:rPr>
+                  <a:t>모두 성능 향상에 도움을 주지는 못했음</a:t>
+                </a:r>
+                <a:endParaRPr lang="en-US" altLang="ko-KR" sz="1400" dirty="0" smtClean="0">
+                  <a:latin typeface="나눔스퀘어 Bold" panose="020B0600000101010101" pitchFamily="50" charset="-127"/>
+                  <a:ea typeface="나눔스퀘어 Bold" panose="020B0600000101010101" pitchFamily="50" charset="-127"/>
+                </a:endParaRPr>
+              </a:p>
+            </p:txBody>
+          </p:sp>
+        </mc:Choice>
+        <mc:Fallback>
+          <p:sp>
+            <p:nvSpPr>
+              <p:cNvPr id="14" name="TextBox 13">
+                <a:extLst>
+                  <a:ext uri="{FF2B5EF4-FFF2-40B4-BE49-F238E27FC236}">
+                    <a16:creationId xmlns:a16="http://schemas.microsoft.com/office/drawing/2014/main" id="{43AD0F1D-18AC-4DEA-AACB-5FB085B6C455}"/>
+                  </a:ext>
+                </a:extLst>
+              </p:cNvPr>
+              <p:cNvSpPr txBox="1">
+                <a:spLocks noRot="1" noChangeAspect="1" noMove="1" noResize="1" noEditPoints="1" noAdjustHandles="1" noChangeArrowheads="1" noChangeShapeType="1" noTextEdit="1"/>
+              </p:cNvSpPr>
+              <p:nvPr/>
+            </p:nvSpPr>
+            <p:spPr>
+              <a:xfrm>
+                <a:off x="5886445" y="4522757"/>
+                <a:ext cx="6207127" cy="1384995"/>
+              </a:xfrm>
+              <a:prstGeom prst="rect">
+                <a:avLst/>
+              </a:prstGeom>
+              <a:blipFill>
+                <a:blip r:embed="rId2"/>
+                <a:stretch>
+                  <a:fillRect l="-196" t="-881" b="-3524"/>
+                </a:stretch>
+              </a:blipFill>
+            </p:spPr>
+            <p:txBody>
+              <a:bodyPr/>
+              <a:lstStyle/>
+              <a:p>
+                <a:r>
+                  <a:rPr lang="ko-KR" altLang="en-US">
+                    <a:noFill/>
+                  </a:rPr>
+                  <a:t> </a:t>
+                </a:r>
+              </a:p>
+            </p:txBody>
+          </p:sp>
+        </mc:Fallback>
+      </mc:AlternateContent>
+      <mc:AlternateContent xmlns:mc="http://schemas.openxmlformats.org/markup-compatibility/2006">
+        <mc:Choice xmlns:a14="http://schemas.microsoft.com/office/drawing/2010/main" Requires="a14">
+          <p:sp>
+            <p:nvSpPr>
+              <p:cNvPr id="6" name="TextBox 5">
+                <a:extLst>
+                  <a:ext uri="{FF2B5EF4-FFF2-40B4-BE49-F238E27FC236}">
+                    <a16:creationId xmlns:a16="http://schemas.microsoft.com/office/drawing/2014/main" id="{43AD0F1D-18AC-4DEA-AACB-5FB085B6C455}"/>
+                  </a:ext>
+                </a:extLst>
+              </p:cNvPr>
+              <p:cNvSpPr txBox="1"/>
+              <p:nvPr/>
+            </p:nvSpPr>
+            <p:spPr>
+              <a:xfrm>
+                <a:off x="5886445" y="916728"/>
+                <a:ext cx="6207127" cy="2056717"/>
+              </a:xfrm>
+              <a:prstGeom prst="rect">
+                <a:avLst/>
+              </a:prstGeom>
+              <a:noFill/>
+            </p:spPr>
+            <p:txBody>
+              <a:bodyPr wrap="square" rtlCol="0">
+                <a:spAutoFit/>
+              </a:bodyPr>
+              <a:lstStyle/>
+              <a:p>
+                <a:pPr marL="285750" indent="-285750">
+                  <a:buFont typeface="Wingdings" panose="05000000000000000000" pitchFamily="2" charset="2"/>
+                  <a:buChar char="§"/>
+                </a:pPr>
+                <a:r>
+                  <a:rPr lang="en-US" altLang="ko-KR" sz="1400" dirty="0" smtClean="0">
+                    <a:latin typeface="나눔스퀘어 Bold" panose="020B0600000101010101" pitchFamily="50" charset="-127"/>
+                    <a:ea typeface="나눔스퀘어 Bold" panose="020B0600000101010101" pitchFamily="50" charset="-127"/>
+                  </a:rPr>
+                  <a:t>DAMP</a:t>
+                </a:r>
+                <a:r>
+                  <a:rPr lang="ko-KR" altLang="en-US" sz="1400" dirty="0">
+                    <a:latin typeface="나눔스퀘어 Bold" panose="020B0600000101010101" pitchFamily="50" charset="-127"/>
+                    <a:ea typeface="나눔스퀘어 Bold" panose="020B0600000101010101" pitchFamily="50" charset="-127"/>
+                  </a:rPr>
+                  <a:t>에서 </a:t>
+                </a:r>
+                <a:r>
+                  <a:rPr lang="en-US" altLang="ko-KR" sz="1400" dirty="0">
+                    <a:latin typeface="나눔스퀘어 Bold" panose="020B0600000101010101" pitchFamily="50" charset="-127"/>
+                    <a:ea typeface="나눔스퀘어 Bold" panose="020B0600000101010101" pitchFamily="50" charset="-127"/>
+                  </a:rPr>
+                  <a:t>instance-specific text feature s’</a:t>
+                </a:r>
+                <a:r>
+                  <a:rPr lang="ko-KR" altLang="en-US" sz="1400" dirty="0">
+                    <a:latin typeface="나눔스퀘어 Bold" panose="020B0600000101010101" pitchFamily="50" charset="-127"/>
+                    <a:ea typeface="나눔스퀘어 Bold" panose="020B0600000101010101" pitchFamily="50" charset="-127"/>
+                  </a:rPr>
+                  <a:t>을 생성하기 위해 </a:t>
+                </a:r>
+                <a:r>
+                  <a:rPr lang="en-US" altLang="ko-KR" sz="1400" dirty="0">
+                    <a:latin typeface="나눔스퀘어 Bold" panose="020B0600000101010101" pitchFamily="50" charset="-127"/>
+                    <a:ea typeface="나눔스퀘어 Bold" panose="020B0600000101010101" pitchFamily="50" charset="-127"/>
+                  </a:rPr>
+                  <a:t>image local </a:t>
+                </a:r>
+                <a:r>
+                  <a:rPr lang="en-US" altLang="ko-KR" sz="1400" dirty="0" smtClean="0">
+                    <a:latin typeface="나눔스퀘어 Bold" panose="020B0600000101010101" pitchFamily="50" charset="-127"/>
+                    <a:ea typeface="나눔스퀘어 Bold" panose="020B0600000101010101" pitchFamily="50" charset="-127"/>
+                  </a:rPr>
+                  <a:t>feature </a:t>
+                </a:r>
+                <a14:m>
+                  <m:oMath xmlns:m="http://schemas.openxmlformats.org/officeDocument/2006/math">
+                    <m:acc>
+                      <m:accPr>
+                        <m:chr m:val="̃"/>
+                        <m:ctrlPr>
+                          <a:rPr lang="en-US" altLang="ko-KR" sz="1400" i="1" smtClean="0">
+                            <a:latin typeface="Cambria Math" panose="02040503050406030204" pitchFamily="18" charset="0"/>
+                            <a:ea typeface="나눔스퀘어 Bold" panose="020B0600000101010101" pitchFamily="50" charset="-127"/>
+                          </a:rPr>
+                        </m:ctrlPr>
+                      </m:accPr>
+                      <m:e>
+                        <m:r>
+                          <a:rPr lang="en-US" altLang="ko-KR" sz="1400" b="0" i="1" smtClean="0">
+                            <a:latin typeface="Cambria Math" panose="02040503050406030204" pitchFamily="18" charset="0"/>
+                            <a:ea typeface="나눔스퀘어 Bold" panose="020B0600000101010101" pitchFamily="50" charset="-127"/>
+                          </a:rPr>
+                          <m:t>𝑣</m:t>
+                        </m:r>
+                      </m:e>
+                    </m:acc>
+                  </m:oMath>
+                </a14:m>
+                <a:r>
+                  <a:rPr lang="ko-KR" altLang="en-US" sz="1400" dirty="0" smtClean="0">
+                    <a:latin typeface="나눔스퀘어 Bold" panose="020B0600000101010101" pitchFamily="50" charset="-127"/>
+                    <a:ea typeface="나눔스퀘어 Bold" panose="020B0600000101010101" pitchFamily="50" charset="-127"/>
+                  </a:rPr>
+                  <a:t> 와 </a:t>
+                </a:r>
+                <a:r>
+                  <a:rPr lang="en-US" altLang="ko-KR" sz="1400" dirty="0">
+                    <a:latin typeface="나눔스퀘어 Bold" panose="020B0600000101010101" pitchFamily="50" charset="-127"/>
+                    <a:ea typeface="나눔스퀘어 Bold" panose="020B0600000101010101" pitchFamily="50" charset="-127"/>
+                  </a:rPr>
+                  <a:t>cross-attention</a:t>
+                </a:r>
+                <a:r>
+                  <a:rPr lang="ko-KR" altLang="en-US" sz="1400" dirty="0">
+                    <a:latin typeface="나눔스퀘어 Bold" panose="020B0600000101010101" pitchFamily="50" charset="-127"/>
+                    <a:ea typeface="나눔스퀘어 Bold" panose="020B0600000101010101" pitchFamily="50" charset="-127"/>
+                  </a:rPr>
+                  <a:t>을 하는데</a:t>
+                </a:r>
+                <a:r>
+                  <a:rPr lang="en-US" altLang="ko-KR" sz="1400" dirty="0">
+                    <a:latin typeface="나눔스퀘어 Bold" panose="020B0600000101010101" pitchFamily="50" charset="-127"/>
+                    <a:ea typeface="나눔스퀘어 Bold" panose="020B0600000101010101" pitchFamily="50" charset="-127"/>
+                  </a:rPr>
+                  <a:t>, </a:t>
+                </a:r>
+                <a14:m>
+                  <m:oMath xmlns:m="http://schemas.openxmlformats.org/officeDocument/2006/math">
+                    <m:acc>
+                      <m:accPr>
+                        <m:chr m:val="̃"/>
+                        <m:ctrlPr>
+                          <a:rPr lang="en-US" altLang="ko-KR" sz="1400" i="1">
+                            <a:latin typeface="Cambria Math" panose="02040503050406030204" pitchFamily="18" charset="0"/>
+                            <a:ea typeface="나눔스퀘어 Bold" panose="020B0600000101010101" pitchFamily="50" charset="-127"/>
+                          </a:rPr>
+                        </m:ctrlPr>
+                      </m:accPr>
+                      <m:e>
+                        <m:r>
+                          <a:rPr lang="en-US" altLang="ko-KR" sz="1400" i="1">
+                            <a:latin typeface="Cambria Math" panose="02040503050406030204" pitchFamily="18" charset="0"/>
+                            <a:ea typeface="나눔스퀘어 Bold" panose="020B0600000101010101" pitchFamily="50" charset="-127"/>
+                          </a:rPr>
+                          <m:t>𝑣</m:t>
+                        </m:r>
+                      </m:e>
+                    </m:acc>
+                  </m:oMath>
+                </a14:m>
+                <a:r>
+                  <a:rPr lang="ko-KR" altLang="en-US" sz="1400" dirty="0" smtClean="0">
+                    <a:latin typeface="나눔스퀘어 Bold" panose="020B0600000101010101" pitchFamily="50" charset="-127"/>
+                    <a:ea typeface="나눔스퀘어 Bold" panose="020B0600000101010101" pitchFamily="50" charset="-127"/>
+                  </a:rPr>
+                  <a:t> 가 </a:t>
+                </a:r>
+                <a:r>
+                  <a:rPr lang="en-US" altLang="ko-KR" sz="1400" dirty="0">
+                    <a:latin typeface="나눔스퀘어 Bold" panose="020B0600000101010101" pitchFamily="50" charset="-127"/>
+                    <a:ea typeface="나눔스퀘어 Bold" panose="020B0600000101010101" pitchFamily="50" charset="-127"/>
+                  </a:rPr>
+                  <a:t>domain-biased</a:t>
+                </a:r>
+                <a:r>
+                  <a:rPr lang="ko-KR" altLang="en-US" sz="1400" dirty="0">
+                    <a:latin typeface="나눔스퀘어 Bold" panose="020B0600000101010101" pitchFamily="50" charset="-127"/>
+                    <a:ea typeface="나눔스퀘어 Bold" panose="020B0600000101010101" pitchFamily="50" charset="-127"/>
+                  </a:rPr>
+                  <a:t>된 상태이기 때문에 </a:t>
+                </a:r>
+                <a:r>
+                  <a:rPr lang="en-US" altLang="ko-KR" sz="1400" dirty="0">
+                    <a:latin typeface="나눔스퀘어 Bold" panose="020B0600000101010101" pitchFamily="50" charset="-127"/>
+                    <a:ea typeface="나눔스퀘어 Bold" panose="020B0600000101010101" pitchFamily="50" charset="-127"/>
+                  </a:rPr>
+                  <a:t>s’</a:t>
+                </a:r>
+                <a:r>
+                  <a:rPr lang="ko-KR" altLang="en-US" sz="1400" dirty="0">
+                    <a:latin typeface="나눔스퀘어 Bold" panose="020B0600000101010101" pitchFamily="50" charset="-127"/>
+                    <a:ea typeface="나눔스퀘어 Bold" panose="020B0600000101010101" pitchFamily="50" charset="-127"/>
+                  </a:rPr>
+                  <a:t>을 </a:t>
+                </a:r>
+                <a:r>
+                  <a:rPr lang="en-US" altLang="ko-KR" sz="1400" dirty="0">
+                    <a:latin typeface="나눔스퀘어 Bold" panose="020B0600000101010101" pitchFamily="50" charset="-127"/>
+                    <a:ea typeface="나눔스퀘어 Bold" panose="020B0600000101010101" pitchFamily="50" charset="-127"/>
+                  </a:rPr>
+                  <a:t>domain-invariant</a:t>
+                </a:r>
+                <a:r>
+                  <a:rPr lang="ko-KR" altLang="en-US" sz="1400" dirty="0">
+                    <a:latin typeface="나눔스퀘어 Bold" panose="020B0600000101010101" pitchFamily="50" charset="-127"/>
+                    <a:ea typeface="나눔스퀘어 Bold" panose="020B0600000101010101" pitchFamily="50" charset="-127"/>
+                  </a:rPr>
+                  <a:t>하게 만드는 데 문제가 </a:t>
+                </a:r>
+                <a:r>
+                  <a:rPr lang="ko-KR" altLang="en-US" sz="1400" dirty="0" smtClean="0">
+                    <a:latin typeface="나눔스퀘어 Bold" panose="020B0600000101010101" pitchFamily="50" charset="-127"/>
+                    <a:ea typeface="나눔스퀘어 Bold" panose="020B0600000101010101" pitchFamily="50" charset="-127"/>
+                  </a:rPr>
+                  <a:t>됨</a:t>
+                </a:r>
+                <a:endParaRPr lang="en-US" altLang="ko-KR" sz="1400" dirty="0" smtClean="0">
+                  <a:latin typeface="나눔스퀘어 Bold" panose="020B0600000101010101" pitchFamily="50" charset="-127"/>
+                  <a:ea typeface="나눔스퀘어 Bold" panose="020B0600000101010101" pitchFamily="50" charset="-127"/>
+                </a:endParaRPr>
+              </a:p>
+              <a:p>
+                <a:pPr marL="285750" indent="-285750">
+                  <a:buFont typeface="Wingdings" panose="05000000000000000000" pitchFamily="2" charset="2"/>
+                  <a:buChar char="§"/>
+                </a:pPr>
+                <a:endParaRPr lang="en-US" altLang="ko-KR" sz="1400" dirty="0">
+                  <a:latin typeface="나눔스퀘어 Bold" panose="020B0600000101010101" pitchFamily="50" charset="-127"/>
+                  <a:ea typeface="나눔스퀘어 Bold" panose="020B0600000101010101" pitchFamily="50" charset="-127"/>
+                </a:endParaRPr>
+              </a:p>
+              <a:p>
+                <a:pPr marL="285750" indent="-285750">
+                  <a:buFont typeface="Wingdings" panose="05000000000000000000" pitchFamily="2" charset="2"/>
+                  <a:buChar char="§"/>
+                </a:pPr>
+                <a:r>
+                  <a:rPr lang="ko-KR" altLang="en-US" sz="1400" dirty="0">
+                    <a:latin typeface="나눔스퀘어 Bold" panose="020B0600000101010101" pitchFamily="50" charset="-127"/>
+                    <a:ea typeface="나눔스퀘어 Bold" panose="020B0600000101010101" pitchFamily="50" charset="-127"/>
+                  </a:rPr>
+                  <a:t>따라서 </a:t>
+                </a:r>
+                <a:r>
+                  <a:rPr lang="en-US" altLang="ko-KR" sz="1400" dirty="0">
+                    <a:latin typeface="나눔스퀘어 Bold" panose="020B0600000101010101" pitchFamily="50" charset="-127"/>
+                    <a:ea typeface="나눔스퀘어 Bold" panose="020B0600000101010101" pitchFamily="50" charset="-127"/>
+                  </a:rPr>
+                  <a:t>cross-attention </a:t>
+                </a:r>
+                <a:r>
+                  <a:rPr lang="ko-KR" altLang="en-US" sz="1400" dirty="0">
+                    <a:latin typeface="나눔스퀘어 Bold" panose="020B0600000101010101" pitchFamily="50" charset="-127"/>
+                    <a:ea typeface="나눔스퀘어 Bold" panose="020B0600000101010101" pitchFamily="50" charset="-127"/>
+                  </a:rPr>
+                  <a:t>이전에 </a:t>
+                </a:r>
+                <a14:m>
+                  <m:oMath xmlns:m="http://schemas.openxmlformats.org/officeDocument/2006/math">
+                    <m:acc>
+                      <m:accPr>
+                        <m:chr m:val="̃"/>
+                        <m:ctrlPr>
+                          <a:rPr lang="en-US" altLang="ko-KR" sz="1400" i="1">
+                            <a:latin typeface="Cambria Math" panose="02040503050406030204" pitchFamily="18" charset="0"/>
+                            <a:ea typeface="나눔스퀘어 Bold" panose="020B0600000101010101" pitchFamily="50" charset="-127"/>
+                          </a:rPr>
+                        </m:ctrlPr>
+                      </m:accPr>
+                      <m:e>
+                        <m:r>
+                          <a:rPr lang="en-US" altLang="ko-KR" sz="1400" i="1">
+                            <a:latin typeface="Cambria Math" panose="02040503050406030204" pitchFamily="18" charset="0"/>
+                            <a:ea typeface="나눔스퀘어 Bold" panose="020B0600000101010101" pitchFamily="50" charset="-127"/>
+                          </a:rPr>
+                          <m:t>𝑣</m:t>
+                        </m:r>
+                      </m:e>
+                    </m:acc>
+                  </m:oMath>
+                </a14:m>
+                <a:r>
+                  <a:rPr lang="ko-KR" altLang="en-US" sz="1400" dirty="0">
+                    <a:latin typeface="나눔스퀘어 Bold" panose="020B0600000101010101" pitchFamily="50" charset="-127"/>
+                    <a:ea typeface="나눔스퀘어 Bold" panose="020B0600000101010101" pitchFamily="50" charset="-127"/>
+                  </a:rPr>
+                  <a:t>를 </a:t>
+                </a:r>
+                <a:r>
+                  <a:rPr lang="en-US" altLang="ko-KR" sz="1400" dirty="0">
+                    <a:latin typeface="나눔스퀘어 Bold" panose="020B0600000101010101" pitchFamily="50" charset="-127"/>
+                    <a:ea typeface="나눔스퀘어 Bold" panose="020B0600000101010101" pitchFamily="50" charset="-127"/>
+                  </a:rPr>
+                  <a:t>domain-invariant</a:t>
+                </a:r>
+                <a:r>
+                  <a:rPr lang="ko-KR" altLang="en-US" sz="1400" dirty="0">
+                    <a:latin typeface="나눔스퀘어 Bold" panose="020B0600000101010101" pitchFamily="50" charset="-127"/>
+                    <a:ea typeface="나눔스퀘어 Bold" panose="020B0600000101010101" pitchFamily="50" charset="-127"/>
+                  </a:rPr>
+                  <a:t>하게 만드는 시도를 해 </a:t>
+                </a:r>
+                <a:r>
+                  <a:rPr lang="ko-KR" altLang="en-US" sz="1400" dirty="0" smtClean="0">
+                    <a:latin typeface="나눔스퀘어 Bold" panose="020B0600000101010101" pitchFamily="50" charset="-127"/>
+                    <a:ea typeface="나눔스퀘어 Bold" panose="020B0600000101010101" pitchFamily="50" charset="-127"/>
+                  </a:rPr>
+                  <a:t>보았음</a:t>
+                </a:r>
+                <a:endParaRPr lang="en-US" altLang="ko-KR" sz="1400" dirty="0" smtClean="0">
+                  <a:latin typeface="나눔스퀘어 Bold" panose="020B0600000101010101" pitchFamily="50" charset="-127"/>
+                  <a:ea typeface="나눔스퀘어 Bold" panose="020B0600000101010101" pitchFamily="50" charset="-127"/>
+                </a:endParaRPr>
+              </a:p>
+              <a:p>
+                <a:pPr marL="285750" indent="-285750">
+                  <a:buFont typeface="Wingdings" panose="05000000000000000000" pitchFamily="2" charset="2"/>
+                  <a:buChar char="§"/>
+                </a:pPr>
+                <a:endParaRPr lang="en-US" altLang="ko-KR" sz="1400" dirty="0">
+                  <a:latin typeface="나눔스퀘어 Bold" panose="020B0600000101010101" pitchFamily="50" charset="-127"/>
+                  <a:ea typeface="나눔스퀘어 Bold" panose="020B0600000101010101" pitchFamily="50" charset="-127"/>
+                </a:endParaRPr>
+              </a:p>
+              <a:p>
+                <a:pPr marL="285750" indent="-285750">
+                  <a:buFont typeface="Wingdings" panose="05000000000000000000" pitchFamily="2" charset="2"/>
+                  <a:buChar char="§"/>
+                </a:pPr>
+                <a:r>
+                  <a:rPr lang="ko-KR" altLang="en-US" sz="1400" dirty="0">
+                    <a:latin typeface="나눔스퀘어 Bold" panose="020B0600000101010101" pitchFamily="50" charset="-127"/>
+                    <a:ea typeface="나눔스퀘어 Bold" panose="020B0600000101010101" pitchFamily="50" charset="-127"/>
+                  </a:rPr>
+                  <a:t>구체적으로 </a:t>
+                </a:r>
+                <a:r>
+                  <a:rPr lang="en-US" altLang="ko-KR" sz="1400" dirty="0">
+                    <a:latin typeface="나눔스퀘어 Bold" panose="020B0600000101010101" pitchFamily="50" charset="-127"/>
+                    <a:ea typeface="나눔스퀘어 Bold" panose="020B0600000101010101" pitchFamily="50" charset="-127"/>
+                  </a:rPr>
+                  <a:t>domain-agnostic prompt</a:t>
+                </a:r>
+                <a:r>
+                  <a:rPr lang="ko-KR" altLang="en-US" sz="1400" dirty="0">
+                    <a:latin typeface="나눔스퀘어 Bold" panose="020B0600000101010101" pitchFamily="50" charset="-127"/>
+                    <a:ea typeface="나눔스퀘어 Bold" panose="020B0600000101010101" pitchFamily="50" charset="-127"/>
+                  </a:rPr>
+                  <a:t>인 </a:t>
+                </a:r>
+                <a14:m>
+                  <m:oMath xmlns:m="http://schemas.openxmlformats.org/officeDocument/2006/math">
+                    <m:acc>
+                      <m:accPr>
+                        <m:chr m:val="̃"/>
+                        <m:ctrlPr>
+                          <a:rPr lang="en-US" altLang="ko-KR" sz="1400" i="1">
+                            <a:latin typeface="Cambria Math" panose="02040503050406030204" pitchFamily="18" charset="0"/>
+                            <a:ea typeface="나눔스퀘어 Bold" panose="020B0600000101010101" pitchFamily="50" charset="-127"/>
+                          </a:rPr>
+                        </m:ctrlPr>
+                      </m:accPr>
+                      <m:e>
+                        <m:r>
+                          <a:rPr lang="en-US" altLang="ko-KR" sz="1400" b="0" i="1" smtClean="0">
+                            <a:latin typeface="Cambria Math" panose="02040503050406030204" pitchFamily="18" charset="0"/>
+                            <a:ea typeface="나눔스퀘어 Bold" panose="020B0600000101010101" pitchFamily="50" charset="-127"/>
+                          </a:rPr>
+                          <m:t>𝑠</m:t>
+                        </m:r>
+                      </m:e>
+                    </m:acc>
+                  </m:oMath>
+                </a14:m>
+                <a:r>
+                  <a:rPr lang="ko-KR" altLang="en-US" sz="1400" dirty="0" smtClean="0">
+                    <a:latin typeface="나눔스퀘어 Bold" panose="020B0600000101010101" pitchFamily="50" charset="-127"/>
+                    <a:ea typeface="나눔스퀘어 Bold" panose="020B0600000101010101" pitchFamily="50" charset="-127"/>
+                  </a:rPr>
+                  <a:t> 와 </a:t>
+                </a:r>
+                <a14:m>
+                  <m:oMath xmlns:m="http://schemas.openxmlformats.org/officeDocument/2006/math">
+                    <m:acc>
+                      <m:accPr>
+                        <m:chr m:val="̃"/>
+                        <m:ctrlPr>
+                          <a:rPr lang="en-US" altLang="ko-KR" sz="1400" i="1">
+                            <a:latin typeface="Cambria Math" panose="02040503050406030204" pitchFamily="18" charset="0"/>
+                            <a:ea typeface="나눔스퀘어 Bold" panose="020B0600000101010101" pitchFamily="50" charset="-127"/>
+                          </a:rPr>
+                        </m:ctrlPr>
+                      </m:accPr>
+                      <m:e>
+                        <m:r>
+                          <a:rPr lang="en-US" altLang="ko-KR" sz="1400" i="1">
+                            <a:latin typeface="Cambria Math" panose="02040503050406030204" pitchFamily="18" charset="0"/>
+                            <a:ea typeface="나눔스퀘어 Bold" panose="020B0600000101010101" pitchFamily="50" charset="-127"/>
+                          </a:rPr>
+                          <m:t>𝑣</m:t>
+                        </m:r>
+                      </m:e>
+                    </m:acc>
+                  </m:oMath>
+                </a14:m>
+                <a:r>
+                  <a:rPr lang="en-US" altLang="ko-KR" sz="1400" dirty="0">
+                    <a:latin typeface="나눔스퀘어 Bold" panose="020B0600000101010101" pitchFamily="50" charset="-127"/>
+                    <a:ea typeface="나눔스퀘어 Bold" panose="020B0600000101010101" pitchFamily="50" charset="-127"/>
+                  </a:rPr>
+                  <a:t> </a:t>
+                </a:r>
+                <a:r>
+                  <a:rPr lang="ko-KR" altLang="en-US" sz="1400" dirty="0">
+                    <a:latin typeface="나눔스퀘어 Bold" panose="020B0600000101010101" pitchFamily="50" charset="-127"/>
+                    <a:ea typeface="나눔스퀘어 Bold" panose="020B0600000101010101" pitchFamily="50" charset="-127"/>
+                  </a:rPr>
+                  <a:t>간 </a:t>
+                </a:r>
+                <a:r>
+                  <a:rPr lang="en-US" altLang="ko-KR" sz="1400" dirty="0">
+                    <a:latin typeface="나눔스퀘어 Bold" panose="020B0600000101010101" pitchFamily="50" charset="-127"/>
+                    <a:ea typeface="나눔스퀘어 Bold" panose="020B0600000101010101" pitchFamily="50" charset="-127"/>
+                  </a:rPr>
+                  <a:t>cross-attention </a:t>
+                </a:r>
+                <a:r>
+                  <a:rPr lang="ko-KR" altLang="en-US" sz="1400" dirty="0">
+                    <a:latin typeface="나눔스퀘어 Bold" panose="020B0600000101010101" pitchFamily="50" charset="-127"/>
+                    <a:ea typeface="나눔스퀘어 Bold" panose="020B0600000101010101" pitchFamily="50" charset="-127"/>
+                  </a:rPr>
+                  <a:t>연산을 추가했음</a:t>
+                </a:r>
+                <a:endParaRPr lang="en-US" altLang="ko-KR" sz="1400" dirty="0" smtClean="0">
+                  <a:latin typeface="나눔스퀘어 Bold" panose="020B0600000101010101" pitchFamily="50" charset="-127"/>
+                  <a:ea typeface="나눔스퀘어 Bold" panose="020B0600000101010101" pitchFamily="50" charset="-127"/>
+                </a:endParaRPr>
+              </a:p>
+            </p:txBody>
+          </p:sp>
+        </mc:Choice>
+        <mc:Fallback>
+          <p:sp>
+            <p:nvSpPr>
+              <p:cNvPr id="6" name="TextBox 5">
+                <a:extLst>
+                  <a:ext uri="{FF2B5EF4-FFF2-40B4-BE49-F238E27FC236}">
+                    <a16:creationId xmlns:a16="http://schemas.microsoft.com/office/drawing/2014/main" id="{43AD0F1D-18AC-4DEA-AACB-5FB085B6C455}"/>
+                  </a:ext>
+                </a:extLst>
+              </p:cNvPr>
+              <p:cNvSpPr txBox="1">
+                <a:spLocks noRot="1" noChangeAspect="1" noMove="1" noResize="1" noEditPoints="1" noAdjustHandles="1" noChangeArrowheads="1" noChangeShapeType="1" noTextEdit="1"/>
+              </p:cNvSpPr>
+              <p:nvPr/>
+            </p:nvSpPr>
+            <p:spPr>
+              <a:xfrm>
+                <a:off x="5886445" y="916728"/>
+                <a:ext cx="6207127" cy="2056717"/>
+              </a:xfrm>
+              <a:prstGeom prst="rect">
+                <a:avLst/>
+              </a:prstGeom>
+              <a:blipFill>
+                <a:blip r:embed="rId3"/>
+                <a:stretch>
+                  <a:fillRect l="-196" t="-296" r="-786" b="-888"/>
+                </a:stretch>
+              </a:blipFill>
+            </p:spPr>
+            <p:txBody>
+              <a:bodyPr/>
+              <a:lstStyle/>
+              <a:p>
+                <a:r>
+                  <a:rPr lang="ko-KR" altLang="en-US">
+                    <a:noFill/>
+                  </a:rPr>
+                  <a:t> </a:t>
+                </a:r>
+              </a:p>
+            </p:txBody>
+          </p:sp>
+        </mc:Fallback>
+      </mc:AlternateContent>
+      <p:pic>
+        <p:nvPicPr>
+          <p:cNvPr id="3" name="그림 2"/>
+          <p:cNvPicPr>
+            <a:picLocks noChangeAspect="1"/>
+          </p:cNvPicPr>
           <p:nvPr/>
-        </p:nvSpPr>
+        </p:nvPicPr>
+        <p:blipFill rotWithShape="1">
+          <a:blip r:embed="rId4"/>
+          <a:srcRect t="16178" r="41985"/>
+          <a:stretch/>
+        </p:blipFill>
         <p:spPr>
           <a:xfrm>
-            <a:off x="5886445" y="4121924"/>
-            <a:ext cx="6207127" cy="1600438"/>
+            <a:off x="471782" y="4635491"/>
+            <a:ext cx="4075166" cy="970891"/>
           </a:xfrm>
           <a:prstGeom prst="rect">
             <a:avLst/>
           </a:prstGeom>
-          <a:noFill/>
         </p:spPr>
-        <p:txBody>
-          <a:bodyPr wrap="square" rtlCol="0">
-            <a:spAutoFit/>
-          </a:bodyPr>
-          <a:lstStyle/>
-          <a:p>
-            <a:pPr marL="285750" indent="-285750">
-              <a:buFont typeface="Wingdings" panose="05000000000000000000" pitchFamily="2" charset="2"/>
-              <a:buChar char="§"/>
-            </a:pPr>
-            <a:r>
-              <a:rPr lang="en-US" altLang="ko-KR" sz="1400" dirty="0" smtClean="0">
-                <a:latin typeface="나눔스퀘어 Bold" panose="020B0600000101010101" pitchFamily="50" charset="-127"/>
-                <a:ea typeface="나눔스퀘어 Bold" panose="020B0600000101010101" pitchFamily="50" charset="-127"/>
-              </a:rPr>
-              <a:t>local representation</a:t>
-            </a:r>
-            <a:r>
-              <a:rPr lang="ko-KR" altLang="en-US" sz="1400" dirty="0" smtClean="0">
-                <a:latin typeface="나눔스퀘어 Bold" panose="020B0600000101010101" pitchFamily="50" charset="-127"/>
-                <a:ea typeface="나눔스퀘어 Bold" panose="020B0600000101010101" pitchFamily="50" charset="-127"/>
-              </a:rPr>
-              <a:t>을 이용한 </a:t>
-            </a:r>
-            <a:r>
-              <a:rPr lang="en-US" altLang="ko-KR" sz="1400" dirty="0" smtClean="0">
-                <a:latin typeface="나눔스퀘어 Bold" panose="020B0600000101010101" pitchFamily="50" charset="-127"/>
-                <a:ea typeface="나눔스퀘어 Bold" panose="020B0600000101010101" pitchFamily="50" charset="-127"/>
-              </a:rPr>
-              <a:t>method</a:t>
-            </a:r>
-            <a:r>
-              <a:rPr lang="ko-KR" altLang="en-US" sz="1400" dirty="0" smtClean="0">
-                <a:latin typeface="나눔스퀘어 Bold" panose="020B0600000101010101" pitchFamily="50" charset="-127"/>
-                <a:ea typeface="나눔스퀘어 Bold" panose="020B0600000101010101" pitchFamily="50" charset="-127"/>
-              </a:rPr>
-              <a:t>들도 제안되었지만</a:t>
-            </a:r>
-            <a:r>
-              <a:rPr lang="en-US" altLang="ko-KR" sz="1400" dirty="0" smtClean="0">
-                <a:latin typeface="나눔스퀘어 Bold" panose="020B0600000101010101" pitchFamily="50" charset="-127"/>
-                <a:ea typeface="나눔스퀘어 Bold" panose="020B0600000101010101" pitchFamily="50" charset="-127"/>
-              </a:rPr>
-              <a:t>,</a:t>
-            </a:r>
-          </a:p>
-          <a:p>
-            <a:pPr marL="285750" indent="-285750">
-              <a:buFont typeface="Wingdings" panose="05000000000000000000" pitchFamily="2" charset="2"/>
-              <a:buChar char="§"/>
-            </a:pPr>
-            <a:endParaRPr lang="en-US" altLang="ko-KR" sz="1400" dirty="0">
-              <a:latin typeface="나눔스퀘어 Bold" panose="020B0600000101010101" pitchFamily="50" charset="-127"/>
-              <a:ea typeface="나눔스퀘어 Bold" panose="020B0600000101010101" pitchFamily="50" charset="-127"/>
-            </a:endParaRPr>
-          </a:p>
-          <a:p>
-            <a:pPr marL="285750" indent="-285750">
-              <a:buFont typeface="Wingdings" panose="05000000000000000000" pitchFamily="2" charset="2"/>
-              <a:buChar char="§"/>
-            </a:pPr>
-            <a:r>
-              <a:rPr lang="ko-KR" altLang="en-US" sz="1400" dirty="0" smtClean="0">
-                <a:latin typeface="나눔스퀘어 Bold" panose="020B0600000101010101" pitchFamily="50" charset="-127"/>
-                <a:ea typeface="나눔스퀘어 Bold" panose="020B0600000101010101" pitchFamily="50" charset="-127"/>
-              </a:rPr>
-              <a:t>모든 </a:t>
-            </a:r>
-            <a:r>
-              <a:rPr lang="en-US" altLang="ko-KR" sz="1400" dirty="0" smtClean="0">
-                <a:latin typeface="나눔스퀘어 Bold" panose="020B0600000101010101" pitchFamily="50" charset="-127"/>
-                <a:ea typeface="나눔스퀘어 Bold" panose="020B0600000101010101" pitchFamily="50" charset="-127"/>
-              </a:rPr>
-              <a:t>local feature</a:t>
-            </a:r>
-            <a:r>
-              <a:rPr lang="ko-KR" altLang="en-US" sz="1400" dirty="0" smtClean="0">
-                <a:latin typeface="나눔스퀘어 Bold" panose="020B0600000101010101" pitchFamily="50" charset="-127"/>
-                <a:ea typeface="나눔스퀘어 Bold" panose="020B0600000101010101" pitchFamily="50" charset="-127"/>
-              </a:rPr>
-              <a:t>를 사용하기 때문에 </a:t>
-            </a:r>
-            <a:r>
-              <a:rPr lang="en-US" altLang="ko-KR" sz="1400" dirty="0" smtClean="0">
-                <a:latin typeface="나눔스퀘어 Bold" panose="020B0600000101010101" pitchFamily="50" charset="-127"/>
-                <a:ea typeface="나눔스퀘어 Bold" panose="020B0600000101010101" pitchFamily="50" charset="-127"/>
-              </a:rPr>
-              <a:t>irrelevant, noisy feature</a:t>
-            </a:r>
-            <a:r>
-              <a:rPr lang="ko-KR" altLang="en-US" sz="1400" dirty="0" smtClean="0">
-                <a:latin typeface="나눔스퀘어 Bold" panose="020B0600000101010101" pitchFamily="50" charset="-127"/>
-                <a:ea typeface="나눔스퀘어 Bold" panose="020B0600000101010101" pitchFamily="50" charset="-127"/>
-              </a:rPr>
-              <a:t>도 포함하게 되고</a:t>
-            </a:r>
-            <a:r>
-              <a:rPr lang="en-US" altLang="ko-KR" sz="1400" dirty="0" smtClean="0">
-                <a:latin typeface="나눔스퀘어 Bold" panose="020B0600000101010101" pitchFamily="50" charset="-127"/>
-                <a:ea typeface="나눔스퀘어 Bold" panose="020B0600000101010101" pitchFamily="50" charset="-127"/>
-              </a:rPr>
-              <a:t>,</a:t>
-            </a:r>
-          </a:p>
-          <a:p>
-            <a:pPr marL="285750" indent="-285750">
-              <a:buFont typeface="Wingdings" panose="05000000000000000000" pitchFamily="2" charset="2"/>
-              <a:buChar char="§"/>
-            </a:pPr>
-            <a:endParaRPr lang="en-US" altLang="ko-KR" sz="1400" dirty="0">
-              <a:latin typeface="나눔스퀘어 Bold" panose="020B0600000101010101" pitchFamily="50" charset="-127"/>
-              <a:ea typeface="나눔스퀘어 Bold" panose="020B0600000101010101" pitchFamily="50" charset="-127"/>
-            </a:endParaRPr>
-          </a:p>
-          <a:p>
-            <a:pPr marL="285750" indent="-285750">
-              <a:buFont typeface="Wingdings" panose="05000000000000000000" pitchFamily="2" charset="2"/>
-              <a:buChar char="§"/>
-            </a:pPr>
-            <a:r>
-              <a:rPr lang="en-US" altLang="ko-KR" sz="1400" dirty="0" smtClean="0">
-                <a:latin typeface="나눔스퀘어 Bold" panose="020B0600000101010101" pitchFamily="50" charset="-127"/>
-                <a:ea typeface="나눔스퀘어 Bold" panose="020B0600000101010101" pitchFamily="50" charset="-127"/>
-              </a:rPr>
-              <a:t>pre-trained CLIP</a:t>
-            </a:r>
-            <a:r>
-              <a:rPr lang="ko-KR" altLang="en-US" sz="1400" dirty="0" smtClean="0">
-                <a:latin typeface="나눔스퀘어 Bold" panose="020B0600000101010101" pitchFamily="50" charset="-127"/>
-                <a:ea typeface="나눔스퀘어 Bold" panose="020B0600000101010101" pitchFamily="50" charset="-127"/>
-              </a:rPr>
-              <a:t>의 </a:t>
-            </a:r>
-            <a:r>
-              <a:rPr lang="en-US" altLang="ko-KR" sz="1400" dirty="0" smtClean="0">
-                <a:latin typeface="나눔스퀘어 Bold" panose="020B0600000101010101" pitchFamily="50" charset="-127"/>
-                <a:ea typeface="나눔스퀘어 Bold" panose="020B0600000101010101" pitchFamily="50" charset="-127"/>
-              </a:rPr>
-              <a:t>global image-text alignment</a:t>
-            </a:r>
-            <a:r>
-              <a:rPr lang="ko-KR" altLang="en-US" sz="1400" dirty="0" smtClean="0">
-                <a:latin typeface="나눔스퀘어 Bold" panose="020B0600000101010101" pitchFamily="50" charset="-127"/>
-                <a:ea typeface="나눔스퀘어 Bold" panose="020B0600000101010101" pitchFamily="50" charset="-127"/>
-              </a:rPr>
-              <a:t>와도 맞지 않아</a:t>
-            </a:r>
-            <a:r>
-              <a:rPr lang="en-US" altLang="ko-KR" sz="1400" dirty="0" smtClean="0">
-                <a:latin typeface="나눔스퀘어 Bold" panose="020B0600000101010101" pitchFamily="50" charset="-127"/>
-                <a:ea typeface="나눔스퀘어 Bold" panose="020B0600000101010101" pitchFamily="50" charset="-127"/>
-              </a:rPr>
-              <a:t> </a:t>
-            </a:r>
-            <a:r>
-              <a:rPr lang="ko-KR" altLang="en-US" sz="1400" dirty="0" smtClean="0">
-                <a:latin typeface="나눔스퀘어 Bold" panose="020B0600000101010101" pitchFamily="50" charset="-127"/>
-                <a:ea typeface="나눔스퀘어 Bold" panose="020B0600000101010101" pitchFamily="50" charset="-127"/>
-              </a:rPr>
-              <a:t>높은 성능을 보이지 못함</a:t>
-            </a:r>
-            <a:endParaRPr lang="en-US" altLang="ko-KR" sz="1400" dirty="0" smtClean="0">
-              <a:latin typeface="나눔스퀘어 Bold" panose="020B0600000101010101" pitchFamily="50" charset="-127"/>
-              <a:ea typeface="나눔스퀘어 Bold" panose="020B0600000101010101" pitchFamily="50" charset="-127"/>
-            </a:endParaRPr>
-          </a:p>
-        </p:txBody>
-      </p:sp>
-      <p:sp>
-        <p:nvSpPr>
-          <p:cNvPr id="10" name="TextBox 9">
-            <a:extLst>
-              <a:ext uri="{FF2B5EF4-FFF2-40B4-BE49-F238E27FC236}">
-                <a16:creationId xmlns:a16="http://schemas.microsoft.com/office/drawing/2014/main" id="{9922EEF6-C41D-4EED-AAFA-E7D60D60CE65}"/>
-              </a:ext>
-            </a:extLst>
-          </p:cNvPr>
-          <p:cNvSpPr txBox="1"/>
-          <p:nvPr/>
-        </p:nvSpPr>
-        <p:spPr>
-          <a:xfrm>
-            <a:off x="5886446" y="1292557"/>
-            <a:ext cx="6207127" cy="1384995"/>
-          </a:xfrm>
-          <a:prstGeom prst="rect">
-            <a:avLst/>
-          </a:prstGeom>
-          <a:noFill/>
-        </p:spPr>
-        <p:txBody>
-          <a:bodyPr wrap="square" rtlCol="0">
-            <a:spAutoFit/>
-          </a:bodyPr>
-          <a:lstStyle/>
-          <a:p>
-            <a:pPr marL="285750" indent="-285750">
-              <a:buFont typeface="Wingdings" panose="05000000000000000000" pitchFamily="2" charset="2"/>
-              <a:buChar char="§"/>
-            </a:pPr>
-            <a:r>
-              <a:rPr lang="en-US" altLang="ko-KR" sz="1400" dirty="0" smtClean="0">
-                <a:latin typeface="나눔스퀘어 Bold" panose="020B0600000101010101" pitchFamily="50" charset="-127"/>
-                <a:ea typeface="나눔스퀘어 Bold" panose="020B0600000101010101" pitchFamily="50" charset="-127"/>
-              </a:rPr>
-              <a:t>multiple prompt</a:t>
-            </a:r>
-            <a:r>
-              <a:rPr lang="ko-KR" altLang="en-US" sz="1400" dirty="0" smtClean="0">
-                <a:latin typeface="나눔스퀘어 Bold" panose="020B0600000101010101" pitchFamily="50" charset="-127"/>
-                <a:ea typeface="나눔스퀘어 Bold" panose="020B0600000101010101" pitchFamily="50" charset="-127"/>
-              </a:rPr>
-              <a:t>를 사용한 </a:t>
-            </a:r>
-            <a:r>
-              <a:rPr lang="en-US" altLang="ko-KR" sz="1400" dirty="0" smtClean="0">
-                <a:latin typeface="나눔스퀘어 Bold" panose="020B0600000101010101" pitchFamily="50" charset="-127"/>
-                <a:ea typeface="나눔스퀘어 Bold" panose="020B0600000101010101" pitchFamily="50" charset="-127"/>
-              </a:rPr>
-              <a:t>prompt </a:t>
-            </a:r>
-            <a:r>
-              <a:rPr lang="en-US" altLang="ko-KR" sz="1400" dirty="0" err="1" smtClean="0">
-                <a:latin typeface="나눔스퀘어 Bold" panose="020B0600000101010101" pitchFamily="50" charset="-127"/>
-                <a:ea typeface="나눔스퀘어 Bold" panose="020B0600000101010101" pitchFamily="50" charset="-127"/>
-              </a:rPr>
-              <a:t>ensembling</a:t>
-            </a:r>
-            <a:r>
-              <a:rPr lang="ko-KR" altLang="en-US" sz="1400" dirty="0" smtClean="0">
-                <a:latin typeface="나눔스퀘어 Bold" panose="020B0600000101010101" pitchFamily="50" charset="-127"/>
-                <a:ea typeface="나눔스퀘어 Bold" panose="020B0600000101010101" pitchFamily="50" charset="-127"/>
-              </a:rPr>
-              <a:t>은 </a:t>
-            </a:r>
-            <a:r>
-              <a:rPr lang="en-US" altLang="ko-KR" sz="1400" dirty="0" smtClean="0">
-                <a:latin typeface="나눔스퀘어 Bold" panose="020B0600000101010101" pitchFamily="50" charset="-127"/>
-                <a:ea typeface="나눔스퀘어 Bold" panose="020B0600000101010101" pitchFamily="50" charset="-127"/>
-              </a:rPr>
-              <a:t>class specific, transformer-layer specific</a:t>
-            </a:r>
-            <a:r>
-              <a:rPr lang="ko-KR" altLang="en-US" sz="1400" dirty="0" smtClean="0">
-                <a:latin typeface="나눔스퀘어 Bold" panose="020B0600000101010101" pitchFamily="50" charset="-127"/>
-                <a:ea typeface="나눔스퀘어 Bold" panose="020B0600000101010101" pitchFamily="50" charset="-127"/>
-              </a:rPr>
-              <a:t>한 </a:t>
-            </a:r>
-            <a:r>
-              <a:rPr lang="en-US" altLang="ko-KR" sz="1400" dirty="0" smtClean="0">
-                <a:latin typeface="나눔스퀘어 Bold" panose="020B0600000101010101" pitchFamily="50" charset="-127"/>
-                <a:ea typeface="나눔스퀘어 Bold" panose="020B0600000101010101" pitchFamily="50" charset="-127"/>
-              </a:rPr>
-              <a:t>diverse prompt</a:t>
-            </a:r>
-            <a:r>
-              <a:rPr lang="ko-KR" altLang="en-US" sz="1400" dirty="0" smtClean="0">
-                <a:latin typeface="나눔스퀘어 Bold" panose="020B0600000101010101" pitchFamily="50" charset="-127"/>
-                <a:ea typeface="나눔스퀘어 Bold" panose="020B0600000101010101" pitchFamily="50" charset="-127"/>
-              </a:rPr>
-              <a:t>를 학습하는 것이 목적임</a:t>
-            </a:r>
-            <a:endParaRPr lang="en-US" altLang="ko-KR" sz="1400" dirty="0" smtClean="0">
-              <a:latin typeface="나눔스퀘어 Bold" panose="020B0600000101010101" pitchFamily="50" charset="-127"/>
-              <a:ea typeface="나눔스퀘어 Bold" panose="020B0600000101010101" pitchFamily="50" charset="-127"/>
-            </a:endParaRPr>
-          </a:p>
-          <a:p>
-            <a:pPr marL="285750" indent="-285750">
-              <a:buFont typeface="Wingdings" panose="05000000000000000000" pitchFamily="2" charset="2"/>
-              <a:buChar char="§"/>
-            </a:pPr>
-            <a:endParaRPr lang="en-US" altLang="ko-KR" sz="1400" dirty="0">
-              <a:latin typeface="나눔스퀘어 Bold" panose="020B0600000101010101" pitchFamily="50" charset="-127"/>
-              <a:ea typeface="나눔스퀘어 Bold" panose="020B0600000101010101" pitchFamily="50" charset="-127"/>
-            </a:endParaRPr>
-          </a:p>
-          <a:p>
-            <a:pPr marL="285750" indent="-285750">
-              <a:buFont typeface="Wingdings" panose="05000000000000000000" pitchFamily="2" charset="2"/>
-              <a:buChar char="§"/>
-            </a:pPr>
-            <a:r>
-              <a:rPr lang="ko-KR" altLang="en-US" sz="1400" dirty="0" smtClean="0">
-                <a:latin typeface="나눔스퀘어 Bold" panose="020B0600000101010101" pitchFamily="50" charset="-127"/>
-                <a:ea typeface="나눔스퀘어 Bold" panose="020B0600000101010101" pitchFamily="50" charset="-127"/>
-              </a:rPr>
-              <a:t>하지만 기존 </a:t>
-            </a:r>
-            <a:r>
-              <a:rPr lang="en-US" altLang="ko-KR" sz="1400" dirty="0" smtClean="0">
-                <a:latin typeface="나눔스퀘어 Bold" panose="020B0600000101010101" pitchFamily="50" charset="-127"/>
-                <a:ea typeface="나눔스퀘어 Bold" panose="020B0600000101010101" pitchFamily="50" charset="-127"/>
-              </a:rPr>
-              <a:t>method</a:t>
-            </a:r>
-            <a:r>
-              <a:rPr lang="ko-KR" altLang="en-US" sz="1400" dirty="0" smtClean="0">
-                <a:latin typeface="나눔스퀘어 Bold" panose="020B0600000101010101" pitchFamily="50" charset="-127"/>
-                <a:ea typeface="나눔스퀘어 Bold" panose="020B0600000101010101" pitchFamily="50" charset="-127"/>
-              </a:rPr>
-              <a:t>들은 </a:t>
-            </a:r>
-            <a:r>
-              <a:rPr lang="en-US" altLang="ko-KR" sz="1400" dirty="0" smtClean="0">
-                <a:latin typeface="나눔스퀘어 Bold" panose="020B0600000101010101" pitchFamily="50" charset="-127"/>
-                <a:ea typeface="나눔스퀘어 Bold" panose="020B0600000101010101" pitchFamily="50" charset="-127"/>
-              </a:rPr>
-              <a:t>global visual </a:t>
-            </a:r>
-            <a:r>
-              <a:rPr lang="ko-KR" altLang="en-US" sz="1400" dirty="0" smtClean="0">
-                <a:latin typeface="나눔스퀘어 Bold" panose="020B0600000101010101" pitchFamily="50" charset="-127"/>
-                <a:ea typeface="나눔스퀘어 Bold" panose="020B0600000101010101" pitchFamily="50" charset="-127"/>
-              </a:rPr>
-              <a:t>표현에만 집중해 </a:t>
-            </a:r>
-            <a:r>
-              <a:rPr lang="en-US" altLang="ko-KR" sz="1400" dirty="0" smtClean="0">
-                <a:latin typeface="나눔스퀘어 Bold" panose="020B0600000101010101" pitchFamily="50" charset="-127"/>
-                <a:ea typeface="나눔스퀘어 Bold" panose="020B0600000101010101" pitchFamily="50" charset="-127"/>
-              </a:rPr>
-              <a:t>specific region</a:t>
-            </a:r>
-            <a:r>
-              <a:rPr lang="ko-KR" altLang="en-US" sz="1400" dirty="0" smtClean="0">
-                <a:latin typeface="나눔스퀘어 Bold" panose="020B0600000101010101" pitchFamily="50" charset="-127"/>
-                <a:ea typeface="나눔스퀘어 Bold" panose="020B0600000101010101" pitchFamily="50" charset="-127"/>
-              </a:rPr>
-              <a:t>을 활용하지 못함</a:t>
-            </a:r>
-            <a:endParaRPr lang="en-US" altLang="ko-KR" sz="1400" dirty="0" smtClean="0">
-              <a:latin typeface="나눔스퀘어 Bold" panose="020B0600000101010101" pitchFamily="50" charset="-127"/>
-              <a:ea typeface="나눔스퀘어 Bold" panose="020B0600000101010101" pitchFamily="50" charset="-127"/>
-            </a:endParaRPr>
-          </a:p>
-        </p:txBody>
-      </p:sp>
+      </p:pic>
       <p:pic>
         <p:nvPicPr>
-          <p:cNvPr id="2" name="그림 1"/>
+          <p:cNvPr id="4" name="그림 3"/>
           <p:cNvPicPr>
             <a:picLocks noChangeAspect="1"/>
           </p:cNvPicPr>
           <p:nvPr/>
         </p:nvPicPr>
         <p:blipFill>
-          <a:blip r:embed="rId2"/>
+          <a:blip r:embed="rId5"/>
           <a:stretch>
             <a:fillRect/>
           </a:stretch>
         </p:blipFill>
         <p:spPr>
           <a:xfrm>
-            <a:off x="493712" y="3560424"/>
-            <a:ext cx="5145088" cy="2723437"/>
+            <a:off x="997876" y="520708"/>
+            <a:ext cx="3549072" cy="2548316"/>
           </a:xfrm>
           <a:prstGeom prst="rect">
             <a:avLst/>
@@ -12337,7 +14337,7 @@
     </p:spTree>
     <p:extLst>
       <p:ext uri="{BB962C8B-B14F-4D97-AF65-F5344CB8AC3E}">
-        <p14:creationId xmlns:p14="http://schemas.microsoft.com/office/powerpoint/2010/main" val="3800608617"/>
+        <p14:creationId xmlns:p14="http://schemas.microsoft.com/office/powerpoint/2010/main" val="3387648294"/>
       </p:ext>
     </p:extLst>
   </p:cSld>
@@ -12373,384 +14373,67 @@
       </p:grpSpPr>
       <p:sp>
         <p:nvSpPr>
-          <p:cNvPr id="12" name="TextBox 11">
+          <p:cNvPr id="2" name="제목 1">
             <a:extLst>
               <a:ext uri="{FF2B5EF4-FFF2-40B4-BE49-F238E27FC236}">
-                <a16:creationId xmlns:a16="http://schemas.microsoft.com/office/drawing/2014/main" id="{C7D7709E-206F-4B6B-9ABA-DCEDF98FB299}"/>
+                <a16:creationId xmlns:a16="http://schemas.microsoft.com/office/drawing/2014/main" id="{2EE29E3B-60E4-46B8-B222-ACB10CB8AEEC}"/>
               </a:ext>
             </a:extLst>
           </p:cNvPr>
-          <p:cNvSpPr txBox="1"/>
-          <p:nvPr/>
+          <p:cNvSpPr>
+            <a:spLocks noGrp="1"/>
+          </p:cNvSpPr>
+          <p:nvPr>
+            <p:ph type="ctrTitle"/>
+          </p:nvPr>
         </p:nvSpPr>
         <p:spPr>
           <a:xfrm>
-            <a:off x="1204240" y="0"/>
-            <a:ext cx="9783520" cy="584775"/>
+            <a:off x="0" y="0"/>
+            <a:ext cx="12192000" cy="2387600"/>
           </a:xfrm>
-          <a:prstGeom prst="rect">
-            <a:avLst/>
-          </a:prstGeom>
-          <a:noFill/>
         </p:spPr>
         <p:txBody>
-          <a:bodyPr wrap="square" rtlCol="0">
-            <a:spAutoFit/>
+          <a:bodyPr>
+            <a:normAutofit/>
           </a:bodyPr>
           <a:lstStyle/>
           <a:p>
-            <a:pPr algn="ctr"/>
-            <a:r>
-              <a:rPr lang="en-US" altLang="ko-KR" sz="3200" dirty="0" smtClean="0">
-                <a:solidFill>
-                  <a:srgbClr val="212529"/>
-                </a:solidFill>
-                <a:latin typeface="나눔스퀘어 Bold" panose="020B0600000101010101" pitchFamily="50" charset="-127"/>
-                <a:ea typeface="나눔스퀘어 Bold" panose="020B0600000101010101" pitchFamily="50" charset="-127"/>
-              </a:rPr>
-              <a:t>1. Introduction</a:t>
-            </a:r>
+            <a:r>
+              <a:rPr lang="en-US" altLang="ko-KR" sz="4000" dirty="0" err="1" smtClean="0">
+                <a:latin typeface="나눔스퀘어 Bold" panose="020B0600000101010101" pitchFamily="50" charset="-127"/>
+                <a:ea typeface="나눔스퀘어 Bold" panose="020B0600000101010101" pitchFamily="50" charset="-127"/>
+              </a:rPr>
+              <a:t>GalLoP</a:t>
+            </a:r>
+            <a:r>
+              <a:rPr lang="en-US" altLang="ko-KR" sz="4000" dirty="0" smtClean="0">
+                <a:latin typeface="나눔스퀘어 Bold" panose="020B0600000101010101" pitchFamily="50" charset="-127"/>
+                <a:ea typeface="나눔스퀘어 Bold" panose="020B0600000101010101" pitchFamily="50" charset="-127"/>
+              </a:rPr>
+              <a:t>: Learning Global and Local Prompts for Vision-Language Models</a:t>
+            </a:r>
+            <a:br>
+              <a:rPr lang="en-US" altLang="ko-KR" sz="4000" dirty="0" smtClean="0">
+                <a:latin typeface="나눔스퀘어 Bold" panose="020B0600000101010101" pitchFamily="50" charset="-127"/>
+                <a:ea typeface="나눔스퀘어 Bold" panose="020B0600000101010101" pitchFamily="50" charset="-127"/>
+              </a:rPr>
+            </a:br>
+            <a:r>
+              <a:rPr lang="en-US" altLang="ko-KR" sz="4000" dirty="0" smtClean="0">
+                <a:latin typeface="나눔스퀘어 Bold" panose="020B0600000101010101" pitchFamily="50" charset="-127"/>
+                <a:ea typeface="나눔스퀘어 Bold" panose="020B0600000101010101" pitchFamily="50" charset="-127"/>
+              </a:rPr>
+              <a:t>(ECCV 2024)</a:t>
+            </a:r>
+            <a:endParaRPr lang="ko-KR" altLang="en-US" sz="4000" dirty="0"/>
           </a:p>
         </p:txBody>
       </p:sp>
-      <p:sp>
-        <p:nvSpPr>
-          <p:cNvPr id="19" name="TextBox 18">
-            <a:extLst>
-              <a:ext uri="{FF2B5EF4-FFF2-40B4-BE49-F238E27FC236}">
-                <a16:creationId xmlns:a16="http://schemas.microsoft.com/office/drawing/2014/main" id="{6AEAE2E7-4604-4C30-96BA-7EDCD9641507}"/>
-              </a:ext>
-            </a:extLst>
-          </p:cNvPr>
-          <p:cNvSpPr txBox="1"/>
-          <p:nvPr/>
-        </p:nvSpPr>
-        <p:spPr>
-          <a:xfrm>
-            <a:off x="5638800" y="2930525"/>
-            <a:ext cx="65" cy="276999"/>
-          </a:xfrm>
-          <a:prstGeom prst="rect">
-            <a:avLst/>
-          </a:prstGeom>
-          <a:noFill/>
-        </p:spPr>
-        <p:txBody>
-          <a:bodyPr wrap="none" lIns="0" tIns="0" rIns="0" bIns="0" rtlCol="0">
-            <a:spAutoFit/>
-          </a:bodyPr>
-          <a:lstStyle/>
-          <a:p>
-            <a:endParaRPr lang="ko-KR" altLang="en-US" dirty="0"/>
-          </a:p>
-        </p:txBody>
-      </p:sp>
-      <p:sp>
-        <p:nvSpPr>
-          <p:cNvPr id="14" name="TextBox 13">
-            <a:extLst>
-              <a:ext uri="{FF2B5EF4-FFF2-40B4-BE49-F238E27FC236}">
-                <a16:creationId xmlns:a16="http://schemas.microsoft.com/office/drawing/2014/main" id="{43AD0F1D-18AC-4DEA-AACB-5FB085B6C455}"/>
-              </a:ext>
-            </a:extLst>
-          </p:cNvPr>
-          <p:cNvSpPr txBox="1"/>
-          <p:nvPr/>
-        </p:nvSpPr>
-        <p:spPr>
-          <a:xfrm>
-            <a:off x="5886446" y="4297288"/>
-            <a:ext cx="6207127" cy="1169551"/>
-          </a:xfrm>
-          <a:prstGeom prst="rect">
-            <a:avLst/>
-          </a:prstGeom>
-          <a:noFill/>
-        </p:spPr>
-        <p:txBody>
-          <a:bodyPr wrap="square" rtlCol="0">
-            <a:spAutoFit/>
-          </a:bodyPr>
-          <a:lstStyle/>
-          <a:p>
-            <a:pPr marL="285750" indent="-285750">
-              <a:buFont typeface="Wingdings" panose="05000000000000000000" pitchFamily="2" charset="2"/>
-              <a:buChar char="§"/>
-            </a:pPr>
-            <a:r>
-              <a:rPr lang="ko-KR" altLang="en-US" sz="1400" dirty="0" smtClean="0">
-                <a:latin typeface="나눔스퀘어 Bold" panose="020B0600000101010101" pitchFamily="50" charset="-127"/>
-                <a:ea typeface="나눔스퀘어 Bold" panose="020B0600000101010101" pitchFamily="50" charset="-127"/>
-              </a:rPr>
-              <a:t>또한 </a:t>
-            </a:r>
-            <a:r>
-              <a:rPr lang="en-US" altLang="ko-KR" sz="1400" dirty="0" smtClean="0">
-                <a:latin typeface="나눔스퀘어 Bold" panose="020B0600000101010101" pitchFamily="50" charset="-127"/>
-                <a:ea typeface="나눔스퀘어 Bold" panose="020B0600000101010101" pitchFamily="50" charset="-127"/>
-              </a:rPr>
-              <a:t>local prompt</a:t>
-            </a:r>
-            <a:r>
-              <a:rPr lang="ko-KR" altLang="en-US" sz="1400" dirty="0" smtClean="0">
-                <a:latin typeface="나눔스퀘어 Bold" panose="020B0600000101010101" pitchFamily="50" charset="-127"/>
-                <a:ea typeface="나눔스퀘어 Bold" panose="020B0600000101010101" pitchFamily="50" charset="-127"/>
-              </a:rPr>
-              <a:t>와 </a:t>
-            </a:r>
-            <a:r>
-              <a:rPr lang="en-US" altLang="ko-KR" sz="1400" dirty="0" smtClean="0">
-                <a:latin typeface="나눔스퀘어 Bold" panose="020B0600000101010101" pitchFamily="50" charset="-127"/>
-                <a:ea typeface="나눔스퀘어 Bold" panose="020B0600000101010101" pitchFamily="50" charset="-127"/>
-              </a:rPr>
-              <a:t>local region </a:t>
-            </a:r>
-            <a:r>
-              <a:rPr lang="ko-KR" altLang="en-US" sz="1400" dirty="0" smtClean="0">
-                <a:latin typeface="나눔스퀘어 Bold" panose="020B0600000101010101" pitchFamily="50" charset="-127"/>
-                <a:ea typeface="나눔스퀘어 Bold" panose="020B0600000101010101" pitchFamily="50" charset="-127"/>
-              </a:rPr>
-              <a:t>간의 </a:t>
-            </a:r>
-            <a:r>
-              <a:rPr lang="en-US" altLang="ko-KR" sz="1400" dirty="0" smtClean="0">
-                <a:latin typeface="나눔스퀘어 Bold" panose="020B0600000101010101" pitchFamily="50" charset="-127"/>
-                <a:ea typeface="나눔스퀘어 Bold" panose="020B0600000101010101" pitchFamily="50" charset="-127"/>
-              </a:rPr>
-              <a:t>sparse alignment</a:t>
-            </a:r>
-            <a:r>
-              <a:rPr lang="ko-KR" altLang="en-US" sz="1400" dirty="0" smtClean="0">
-                <a:latin typeface="나눔스퀘어 Bold" panose="020B0600000101010101" pitchFamily="50" charset="-127"/>
-                <a:ea typeface="나눔스퀘어 Bold" panose="020B0600000101010101" pitchFamily="50" charset="-127"/>
-              </a:rPr>
-              <a:t>와 </a:t>
-            </a:r>
-            <a:r>
-              <a:rPr lang="en-US" altLang="ko-KR" sz="1400" dirty="0" smtClean="0">
-                <a:latin typeface="나눔스퀘어 Bold" panose="020B0600000101010101" pitchFamily="50" charset="-127"/>
-                <a:ea typeface="나눔스퀘어 Bold" panose="020B0600000101010101" pitchFamily="50" charset="-127"/>
-              </a:rPr>
-              <a:t>linear projection</a:t>
-            </a:r>
-            <a:r>
-              <a:rPr lang="ko-KR" altLang="en-US" sz="1400" dirty="0" smtClean="0">
-                <a:latin typeface="나눔스퀘어 Bold" panose="020B0600000101010101" pitchFamily="50" charset="-127"/>
-                <a:ea typeface="나눔스퀘어 Bold" panose="020B0600000101010101" pitchFamily="50" charset="-127"/>
-              </a:rPr>
-              <a:t>을 제안해</a:t>
-            </a:r>
-            <a:r>
-              <a:rPr lang="en-US" altLang="ko-KR" sz="1400" dirty="0" smtClean="0">
-                <a:latin typeface="나눔스퀘어 Bold" panose="020B0600000101010101" pitchFamily="50" charset="-127"/>
-                <a:ea typeface="나눔스퀘어 Bold" panose="020B0600000101010101" pitchFamily="50" charset="-127"/>
-              </a:rPr>
-              <a:t>,</a:t>
-            </a:r>
-          </a:p>
-          <a:p>
-            <a:pPr marL="285750" indent="-285750">
-              <a:buFont typeface="Wingdings" panose="05000000000000000000" pitchFamily="2" charset="2"/>
-              <a:buChar char="§"/>
-            </a:pPr>
-            <a:endParaRPr lang="en-US" altLang="ko-KR" sz="1400" dirty="0">
-              <a:latin typeface="나눔스퀘어 Bold" panose="020B0600000101010101" pitchFamily="50" charset="-127"/>
-              <a:ea typeface="나눔스퀘어 Bold" panose="020B0600000101010101" pitchFamily="50" charset="-127"/>
-            </a:endParaRPr>
-          </a:p>
-          <a:p>
-            <a:pPr marL="285750" indent="-285750">
-              <a:buFont typeface="Wingdings" panose="05000000000000000000" pitchFamily="2" charset="2"/>
-              <a:buChar char="§"/>
-            </a:pPr>
-            <a:r>
-              <a:rPr lang="en-US" altLang="ko-KR" sz="1400" dirty="0" smtClean="0">
-                <a:latin typeface="나눔스퀘어 Bold" panose="020B0600000101010101" pitchFamily="50" charset="-127"/>
-                <a:ea typeface="나눔스퀘어 Bold" panose="020B0600000101010101" pitchFamily="50" charset="-127"/>
-              </a:rPr>
-              <a:t>fine-grained semantic</a:t>
-            </a:r>
-            <a:r>
-              <a:rPr lang="ko-KR" altLang="en-US" sz="1400" dirty="0" smtClean="0">
-                <a:latin typeface="나눔스퀘어 Bold" panose="020B0600000101010101" pitchFamily="50" charset="-127"/>
-                <a:ea typeface="나눔스퀘어 Bold" panose="020B0600000101010101" pitchFamily="50" charset="-127"/>
-              </a:rPr>
-              <a:t>을 학습하게 되고</a:t>
-            </a:r>
-            <a:r>
-              <a:rPr lang="en-US" altLang="ko-KR" sz="1400" dirty="0" smtClean="0">
-                <a:latin typeface="나눔스퀘어 Bold" panose="020B0600000101010101" pitchFamily="50" charset="-127"/>
-                <a:ea typeface="나눔스퀘어 Bold" panose="020B0600000101010101" pitchFamily="50" charset="-127"/>
-              </a:rPr>
-              <a:t>, text-to-image matching</a:t>
-            </a:r>
-            <a:r>
-              <a:rPr lang="ko-KR" altLang="en-US" sz="1400" dirty="0" smtClean="0">
-                <a:latin typeface="나눔스퀘어 Bold" panose="020B0600000101010101" pitchFamily="50" charset="-127"/>
-                <a:ea typeface="나눔스퀘어 Bold" panose="020B0600000101010101" pitchFamily="50" charset="-127"/>
-              </a:rPr>
-              <a:t>도 개선했음</a:t>
-            </a:r>
-            <a:endParaRPr lang="en-US" altLang="ko-KR" sz="1400" dirty="0" smtClean="0">
-              <a:latin typeface="나눔스퀘어 Bold" panose="020B0600000101010101" pitchFamily="50" charset="-127"/>
-              <a:ea typeface="나눔스퀘어 Bold" panose="020B0600000101010101" pitchFamily="50" charset="-127"/>
-            </a:endParaRPr>
-          </a:p>
-        </p:txBody>
-      </p:sp>
-      <p:sp>
-        <p:nvSpPr>
-          <p:cNvPr id="10" name="TextBox 9">
-            <a:extLst>
-              <a:ext uri="{FF2B5EF4-FFF2-40B4-BE49-F238E27FC236}">
-                <a16:creationId xmlns:a16="http://schemas.microsoft.com/office/drawing/2014/main" id="{9922EEF6-C41D-4EED-AAFA-E7D60D60CE65}"/>
-              </a:ext>
-            </a:extLst>
-          </p:cNvPr>
-          <p:cNvSpPr txBox="1"/>
-          <p:nvPr/>
-        </p:nvSpPr>
-        <p:spPr>
-          <a:xfrm>
-            <a:off x="5886445" y="1518026"/>
-            <a:ext cx="6207127" cy="1169551"/>
-          </a:xfrm>
-          <a:prstGeom prst="rect">
-            <a:avLst/>
-          </a:prstGeom>
-          <a:noFill/>
-        </p:spPr>
-        <p:txBody>
-          <a:bodyPr wrap="square" rtlCol="0">
-            <a:spAutoFit/>
-          </a:bodyPr>
-          <a:lstStyle/>
-          <a:p>
-            <a:pPr marL="285750" indent="-285750">
-              <a:buFont typeface="Wingdings" panose="05000000000000000000" pitchFamily="2" charset="2"/>
-              <a:buChar char="§"/>
-            </a:pPr>
-            <a:r>
-              <a:rPr lang="en-US" altLang="ko-KR" sz="1400" dirty="0" err="1" smtClean="0">
-                <a:latin typeface="나눔스퀘어 Bold" panose="020B0600000101010101" pitchFamily="50" charset="-127"/>
-                <a:ea typeface="나눔스퀘어 Bold" panose="020B0600000101010101" pitchFamily="50" charset="-127"/>
-              </a:rPr>
-              <a:t>GalLoP</a:t>
-            </a:r>
-            <a:r>
-              <a:rPr lang="en-US" altLang="ko-KR" sz="1400" dirty="0" smtClean="0">
-                <a:latin typeface="나눔스퀘어 Bold" panose="020B0600000101010101" pitchFamily="50" charset="-127"/>
-                <a:ea typeface="나눔스퀘어 Bold" panose="020B0600000101010101" pitchFamily="50" charset="-127"/>
-              </a:rPr>
-              <a:t> method</a:t>
-            </a:r>
-            <a:r>
-              <a:rPr lang="ko-KR" altLang="en-US" sz="1400" dirty="0" smtClean="0">
-                <a:latin typeface="나눔스퀘어 Bold" panose="020B0600000101010101" pitchFamily="50" charset="-127"/>
-                <a:ea typeface="나눔스퀘어 Bold" panose="020B0600000101010101" pitchFamily="50" charset="-127"/>
-              </a:rPr>
-              <a:t>는 </a:t>
-            </a:r>
-            <a:r>
-              <a:rPr lang="en-US" altLang="ko-KR" sz="1400" dirty="0" smtClean="0">
-                <a:latin typeface="나눔스퀘어 Bold" panose="020B0600000101010101" pitchFamily="50" charset="-127"/>
-                <a:ea typeface="나눔스퀘어 Bold" panose="020B0600000101010101" pitchFamily="50" charset="-127"/>
-              </a:rPr>
-              <a:t>global, local visual representation</a:t>
-            </a:r>
-            <a:r>
-              <a:rPr lang="ko-KR" altLang="en-US" sz="1400" dirty="0" smtClean="0">
-                <a:latin typeface="나눔스퀘어 Bold" panose="020B0600000101010101" pitchFamily="50" charset="-127"/>
-                <a:ea typeface="나눔스퀘어 Bold" panose="020B0600000101010101" pitchFamily="50" charset="-127"/>
-              </a:rPr>
-              <a:t>을 모두 활용하며</a:t>
-            </a:r>
-            <a:r>
-              <a:rPr lang="en-US" altLang="ko-KR" sz="1400" dirty="0" smtClean="0">
-                <a:latin typeface="나눔스퀘어 Bold" panose="020B0600000101010101" pitchFamily="50" charset="-127"/>
-                <a:ea typeface="나눔스퀘어 Bold" panose="020B0600000101010101" pitchFamily="50" charset="-127"/>
-              </a:rPr>
-              <a:t>,</a:t>
-            </a:r>
-          </a:p>
-          <a:p>
-            <a:pPr marL="285750" indent="-285750">
-              <a:buFont typeface="Wingdings" panose="05000000000000000000" pitchFamily="2" charset="2"/>
-              <a:buChar char="§"/>
-            </a:pPr>
-            <a:endParaRPr lang="en-US" altLang="ko-KR" sz="1400" dirty="0">
-              <a:latin typeface="나눔스퀘어 Bold" panose="020B0600000101010101" pitchFamily="50" charset="-127"/>
-              <a:ea typeface="나눔스퀘어 Bold" panose="020B0600000101010101" pitchFamily="50" charset="-127"/>
-            </a:endParaRPr>
-          </a:p>
-          <a:p>
-            <a:pPr marL="285750" indent="-285750">
-              <a:buFont typeface="Wingdings" panose="05000000000000000000" pitchFamily="2" charset="2"/>
-              <a:buChar char="§"/>
-            </a:pPr>
-            <a:r>
-              <a:rPr lang="en-US" altLang="ko-KR" sz="1400" dirty="0" smtClean="0">
-                <a:latin typeface="나눔스퀘어 Bold" panose="020B0600000101010101" pitchFamily="50" charset="-127"/>
-                <a:ea typeface="나눔스퀘어 Bold" panose="020B0600000101010101" pitchFamily="50" charset="-127"/>
-              </a:rPr>
-              <a:t>prompt dropout, multiscale strategy</a:t>
-            </a:r>
-            <a:r>
-              <a:rPr lang="ko-KR" altLang="en-US" sz="1400" dirty="0" smtClean="0">
-                <a:latin typeface="나눔스퀘어 Bold" panose="020B0600000101010101" pitchFamily="50" charset="-127"/>
-                <a:ea typeface="나눔스퀘어 Bold" panose="020B0600000101010101" pitchFamily="50" charset="-127"/>
-              </a:rPr>
-              <a:t>를 제안해 </a:t>
-            </a:r>
-            <a:r>
-              <a:rPr lang="en-US" altLang="ko-KR" sz="1400" dirty="0" smtClean="0">
-                <a:latin typeface="나눔스퀘어 Bold" panose="020B0600000101010101" pitchFamily="50" charset="-127"/>
-                <a:ea typeface="나눔스퀘어 Bold" panose="020B0600000101010101" pitchFamily="50" charset="-127"/>
-              </a:rPr>
-              <a:t>prompt diversity</a:t>
-            </a:r>
-            <a:r>
-              <a:rPr lang="ko-KR" altLang="en-US" sz="1400" dirty="0" smtClean="0">
-                <a:latin typeface="나눔스퀘어 Bold" panose="020B0600000101010101" pitchFamily="50" charset="-127"/>
-                <a:ea typeface="나눔스퀘어 Bold" panose="020B0600000101010101" pitchFamily="50" charset="-127"/>
-              </a:rPr>
-              <a:t>를 얻음</a:t>
-            </a:r>
-            <a:endParaRPr lang="en-US" altLang="ko-KR" sz="1400" dirty="0" smtClean="0">
-              <a:latin typeface="나눔스퀘어 Bold" panose="020B0600000101010101" pitchFamily="50" charset="-127"/>
-              <a:ea typeface="나눔스퀘어 Bold" panose="020B0600000101010101" pitchFamily="50" charset="-127"/>
-            </a:endParaRPr>
-          </a:p>
-        </p:txBody>
-      </p:sp>
-      <p:pic>
-        <p:nvPicPr>
-          <p:cNvPr id="3" name="그림 2"/>
-          <p:cNvPicPr>
-            <a:picLocks noChangeAspect="1"/>
-          </p:cNvPicPr>
-          <p:nvPr/>
-        </p:nvPicPr>
-        <p:blipFill>
-          <a:blip r:embed="rId2"/>
-          <a:stretch>
-            <a:fillRect/>
-          </a:stretch>
-        </p:blipFill>
-        <p:spPr>
-          <a:xfrm>
-            <a:off x="258762" y="1464051"/>
-            <a:ext cx="5627683" cy="4226208"/>
-          </a:xfrm>
-          <a:prstGeom prst="rect">
-            <a:avLst/>
-          </a:prstGeom>
-        </p:spPr>
-      </p:pic>
     </p:spTree>
     <p:extLst>
       <p:ext uri="{BB962C8B-B14F-4D97-AF65-F5344CB8AC3E}">
-        <p14:creationId xmlns:p14="http://schemas.microsoft.com/office/powerpoint/2010/main" val="2464666971"/>
+        <p14:creationId xmlns:p14="http://schemas.microsoft.com/office/powerpoint/2010/main" val="2667767600"/>
       </p:ext>
     </p:extLst>
   </p:cSld>
@@ -12798,8 +14481,8 @@
         </p:nvSpPr>
         <p:spPr>
           <a:xfrm>
-            <a:off x="0" y="0"/>
-            <a:ext cx="12192000" cy="584775"/>
+            <a:off x="1204240" y="0"/>
+            <a:ext cx="9783520" cy="584775"/>
           </a:xfrm>
           <a:prstGeom prst="rect">
             <a:avLst/>
@@ -12821,25 +14504,8 @@
                 <a:latin typeface="나눔스퀘어 Bold" panose="020B0600000101010101" pitchFamily="50" charset="-127"/>
                 <a:ea typeface="나눔스퀘어 Bold" panose="020B0600000101010101" pitchFamily="50" charset="-127"/>
               </a:rPr>
-              <a:t>3. Combining global and local prompts with </a:t>
-            </a:r>
-            <a:r>
-              <a:rPr lang="en-US" altLang="ko-KR" sz="3200" dirty="0" err="1" smtClean="0">
-                <a:solidFill>
-                  <a:srgbClr val="212529"/>
-                </a:solidFill>
-                <a:latin typeface="나눔스퀘어 Bold" panose="020B0600000101010101" pitchFamily="50" charset="-127"/>
-                <a:ea typeface="나눔스퀘어 Bold" panose="020B0600000101010101" pitchFamily="50" charset="-127"/>
-              </a:rPr>
-              <a:t>GalLoP</a:t>
-            </a:r>
-            <a:endParaRPr lang="en-US" altLang="ko-KR" sz="3200" dirty="0" smtClean="0">
-              <a:solidFill>
-                <a:srgbClr val="212529"/>
-              </a:solidFill>
-              <a:latin typeface="나눔스퀘어 Bold" panose="020B0600000101010101" pitchFamily="50" charset="-127"/>
-              <a:ea typeface="나눔스퀘어 Bold" panose="020B0600000101010101" pitchFamily="50" charset="-127"/>
-            </a:endParaRPr>
+              <a:t>1. Introduction</a:t>
+            </a:r>
           </a:p>
         </p:txBody>
       </p:sp>
@@ -12875,8 +14541,934 @@
           </a:p>
         </p:txBody>
       </p:sp>
-      <mc:AlternateContent xmlns:mc="http://schemas.openxmlformats.org/markup-compatibility/2006" xmlns:a14="http://schemas.microsoft.com/office/drawing/2010/main">
-        <mc:Choice Requires="a14">
+      <p:sp>
+        <p:nvSpPr>
+          <p:cNvPr id="14" name="TextBox 13">
+            <a:extLst>
+              <a:ext uri="{FF2B5EF4-FFF2-40B4-BE49-F238E27FC236}">
+                <a16:creationId xmlns:a16="http://schemas.microsoft.com/office/drawing/2014/main" id="{43AD0F1D-18AC-4DEA-AACB-5FB085B6C455}"/>
+              </a:ext>
+            </a:extLst>
+          </p:cNvPr>
+          <p:cNvSpPr txBox="1"/>
+          <p:nvPr/>
+        </p:nvSpPr>
+        <p:spPr>
+          <a:xfrm>
+            <a:off x="5886445" y="4121924"/>
+            <a:ext cx="6207127" cy="1600438"/>
+          </a:xfrm>
+          <a:prstGeom prst="rect">
+            <a:avLst/>
+          </a:prstGeom>
+          <a:noFill/>
+        </p:spPr>
+        <p:txBody>
+          <a:bodyPr wrap="square" rtlCol="0">
+            <a:spAutoFit/>
+          </a:bodyPr>
+          <a:lstStyle/>
+          <a:p>
+            <a:pPr marL="285750" indent="-285750">
+              <a:buFont typeface="Wingdings" panose="05000000000000000000" pitchFamily="2" charset="2"/>
+              <a:buChar char="§"/>
+            </a:pPr>
+            <a:r>
+              <a:rPr lang="en-US" altLang="ko-KR" sz="1400" dirty="0" smtClean="0">
+                <a:latin typeface="나눔스퀘어 Bold" panose="020B0600000101010101" pitchFamily="50" charset="-127"/>
+                <a:ea typeface="나눔스퀘어 Bold" panose="020B0600000101010101" pitchFamily="50" charset="-127"/>
+              </a:rPr>
+              <a:t>local representation</a:t>
+            </a:r>
+            <a:r>
+              <a:rPr lang="ko-KR" altLang="en-US" sz="1400" dirty="0" smtClean="0">
+                <a:latin typeface="나눔스퀘어 Bold" panose="020B0600000101010101" pitchFamily="50" charset="-127"/>
+                <a:ea typeface="나눔스퀘어 Bold" panose="020B0600000101010101" pitchFamily="50" charset="-127"/>
+              </a:rPr>
+              <a:t>을 이용한 </a:t>
+            </a:r>
+            <a:r>
+              <a:rPr lang="en-US" altLang="ko-KR" sz="1400" dirty="0" smtClean="0">
+                <a:latin typeface="나눔스퀘어 Bold" panose="020B0600000101010101" pitchFamily="50" charset="-127"/>
+                <a:ea typeface="나눔스퀘어 Bold" panose="020B0600000101010101" pitchFamily="50" charset="-127"/>
+              </a:rPr>
+              <a:t>method</a:t>
+            </a:r>
+            <a:r>
+              <a:rPr lang="ko-KR" altLang="en-US" sz="1400" dirty="0" smtClean="0">
+                <a:latin typeface="나눔스퀘어 Bold" panose="020B0600000101010101" pitchFamily="50" charset="-127"/>
+                <a:ea typeface="나눔스퀘어 Bold" panose="020B0600000101010101" pitchFamily="50" charset="-127"/>
+              </a:rPr>
+              <a:t>들도 제안되었지만</a:t>
+            </a:r>
+            <a:r>
+              <a:rPr lang="en-US" altLang="ko-KR" sz="1400" dirty="0" smtClean="0">
+                <a:latin typeface="나눔스퀘어 Bold" panose="020B0600000101010101" pitchFamily="50" charset="-127"/>
+                <a:ea typeface="나눔스퀘어 Bold" panose="020B0600000101010101" pitchFamily="50" charset="-127"/>
+              </a:rPr>
+              <a:t>,</a:t>
+            </a:r>
+          </a:p>
+          <a:p>
+            <a:pPr marL="285750" indent="-285750">
+              <a:buFont typeface="Wingdings" panose="05000000000000000000" pitchFamily="2" charset="2"/>
+              <a:buChar char="§"/>
+            </a:pPr>
+            <a:endParaRPr lang="en-US" altLang="ko-KR" sz="1400" dirty="0">
+              <a:latin typeface="나눔스퀘어 Bold" panose="020B0600000101010101" pitchFamily="50" charset="-127"/>
+              <a:ea typeface="나눔스퀘어 Bold" panose="020B0600000101010101" pitchFamily="50" charset="-127"/>
+            </a:endParaRPr>
+          </a:p>
+          <a:p>
+            <a:pPr marL="285750" indent="-285750">
+              <a:buFont typeface="Wingdings" panose="05000000000000000000" pitchFamily="2" charset="2"/>
+              <a:buChar char="§"/>
+            </a:pPr>
+            <a:r>
+              <a:rPr lang="ko-KR" altLang="en-US" sz="1400" dirty="0" smtClean="0">
+                <a:latin typeface="나눔스퀘어 Bold" panose="020B0600000101010101" pitchFamily="50" charset="-127"/>
+                <a:ea typeface="나눔스퀘어 Bold" panose="020B0600000101010101" pitchFamily="50" charset="-127"/>
+              </a:rPr>
+              <a:t>모든 </a:t>
+            </a:r>
+            <a:r>
+              <a:rPr lang="en-US" altLang="ko-KR" sz="1400" dirty="0" smtClean="0">
+                <a:latin typeface="나눔스퀘어 Bold" panose="020B0600000101010101" pitchFamily="50" charset="-127"/>
+                <a:ea typeface="나눔스퀘어 Bold" panose="020B0600000101010101" pitchFamily="50" charset="-127"/>
+              </a:rPr>
+              <a:t>local feature</a:t>
+            </a:r>
+            <a:r>
+              <a:rPr lang="ko-KR" altLang="en-US" sz="1400" dirty="0" smtClean="0">
+                <a:latin typeface="나눔스퀘어 Bold" panose="020B0600000101010101" pitchFamily="50" charset="-127"/>
+                <a:ea typeface="나눔스퀘어 Bold" panose="020B0600000101010101" pitchFamily="50" charset="-127"/>
+              </a:rPr>
+              <a:t>를 사용하기 때문에 </a:t>
+            </a:r>
+            <a:r>
+              <a:rPr lang="en-US" altLang="ko-KR" sz="1400" dirty="0" smtClean="0">
+                <a:latin typeface="나눔스퀘어 Bold" panose="020B0600000101010101" pitchFamily="50" charset="-127"/>
+                <a:ea typeface="나눔스퀘어 Bold" panose="020B0600000101010101" pitchFamily="50" charset="-127"/>
+              </a:rPr>
+              <a:t>irrelevant, noisy feature</a:t>
+            </a:r>
+            <a:r>
+              <a:rPr lang="ko-KR" altLang="en-US" sz="1400" dirty="0" smtClean="0">
+                <a:latin typeface="나눔스퀘어 Bold" panose="020B0600000101010101" pitchFamily="50" charset="-127"/>
+                <a:ea typeface="나눔스퀘어 Bold" panose="020B0600000101010101" pitchFamily="50" charset="-127"/>
+              </a:rPr>
+              <a:t>도 포함하게 되고</a:t>
+            </a:r>
+            <a:r>
+              <a:rPr lang="en-US" altLang="ko-KR" sz="1400" dirty="0" smtClean="0">
+                <a:latin typeface="나눔스퀘어 Bold" panose="020B0600000101010101" pitchFamily="50" charset="-127"/>
+                <a:ea typeface="나눔스퀘어 Bold" panose="020B0600000101010101" pitchFamily="50" charset="-127"/>
+              </a:rPr>
+              <a:t>,</a:t>
+            </a:r>
+          </a:p>
+          <a:p>
+            <a:pPr marL="285750" indent="-285750">
+              <a:buFont typeface="Wingdings" panose="05000000000000000000" pitchFamily="2" charset="2"/>
+              <a:buChar char="§"/>
+            </a:pPr>
+            <a:endParaRPr lang="en-US" altLang="ko-KR" sz="1400" dirty="0">
+              <a:latin typeface="나눔스퀘어 Bold" panose="020B0600000101010101" pitchFamily="50" charset="-127"/>
+              <a:ea typeface="나눔스퀘어 Bold" panose="020B0600000101010101" pitchFamily="50" charset="-127"/>
+            </a:endParaRPr>
+          </a:p>
+          <a:p>
+            <a:pPr marL="285750" indent="-285750">
+              <a:buFont typeface="Wingdings" panose="05000000000000000000" pitchFamily="2" charset="2"/>
+              <a:buChar char="§"/>
+            </a:pPr>
+            <a:r>
+              <a:rPr lang="en-US" altLang="ko-KR" sz="1400" dirty="0" smtClean="0">
+                <a:latin typeface="나눔스퀘어 Bold" panose="020B0600000101010101" pitchFamily="50" charset="-127"/>
+                <a:ea typeface="나눔스퀘어 Bold" panose="020B0600000101010101" pitchFamily="50" charset="-127"/>
+              </a:rPr>
+              <a:t>pre-trained CLIP</a:t>
+            </a:r>
+            <a:r>
+              <a:rPr lang="ko-KR" altLang="en-US" sz="1400" dirty="0" smtClean="0">
+                <a:latin typeface="나눔스퀘어 Bold" panose="020B0600000101010101" pitchFamily="50" charset="-127"/>
+                <a:ea typeface="나눔스퀘어 Bold" panose="020B0600000101010101" pitchFamily="50" charset="-127"/>
+              </a:rPr>
+              <a:t>의 </a:t>
+            </a:r>
+            <a:r>
+              <a:rPr lang="en-US" altLang="ko-KR" sz="1400" dirty="0" smtClean="0">
+                <a:latin typeface="나눔스퀘어 Bold" panose="020B0600000101010101" pitchFamily="50" charset="-127"/>
+                <a:ea typeface="나눔스퀘어 Bold" panose="020B0600000101010101" pitchFamily="50" charset="-127"/>
+              </a:rPr>
+              <a:t>global image-text alignment</a:t>
+            </a:r>
+            <a:r>
+              <a:rPr lang="ko-KR" altLang="en-US" sz="1400" dirty="0" smtClean="0">
+                <a:latin typeface="나눔스퀘어 Bold" panose="020B0600000101010101" pitchFamily="50" charset="-127"/>
+                <a:ea typeface="나눔스퀘어 Bold" panose="020B0600000101010101" pitchFamily="50" charset="-127"/>
+              </a:rPr>
+              <a:t>와도 맞지 않아</a:t>
+            </a:r>
+            <a:r>
+              <a:rPr lang="en-US" altLang="ko-KR" sz="1400" dirty="0" smtClean="0">
+                <a:latin typeface="나눔스퀘어 Bold" panose="020B0600000101010101" pitchFamily="50" charset="-127"/>
+                <a:ea typeface="나눔스퀘어 Bold" panose="020B0600000101010101" pitchFamily="50" charset="-127"/>
+              </a:rPr>
+              <a:t> </a:t>
+            </a:r>
+            <a:r>
+              <a:rPr lang="ko-KR" altLang="en-US" sz="1400" dirty="0" smtClean="0">
+                <a:latin typeface="나눔스퀘어 Bold" panose="020B0600000101010101" pitchFamily="50" charset="-127"/>
+                <a:ea typeface="나눔스퀘어 Bold" panose="020B0600000101010101" pitchFamily="50" charset="-127"/>
+              </a:rPr>
+              <a:t>높은 성능을 보이지 못함</a:t>
+            </a:r>
+            <a:endParaRPr lang="en-US" altLang="ko-KR" sz="1400" dirty="0" smtClean="0">
+              <a:latin typeface="나눔스퀘어 Bold" panose="020B0600000101010101" pitchFamily="50" charset="-127"/>
+              <a:ea typeface="나눔스퀘어 Bold" panose="020B0600000101010101" pitchFamily="50" charset="-127"/>
+            </a:endParaRPr>
+          </a:p>
+        </p:txBody>
+      </p:sp>
+      <p:sp>
+        <p:nvSpPr>
+          <p:cNvPr id="10" name="TextBox 9">
+            <a:extLst>
+              <a:ext uri="{FF2B5EF4-FFF2-40B4-BE49-F238E27FC236}">
+                <a16:creationId xmlns:a16="http://schemas.microsoft.com/office/drawing/2014/main" id="{9922EEF6-C41D-4EED-AAFA-E7D60D60CE65}"/>
+              </a:ext>
+            </a:extLst>
+          </p:cNvPr>
+          <p:cNvSpPr txBox="1"/>
+          <p:nvPr/>
+        </p:nvSpPr>
+        <p:spPr>
+          <a:xfrm>
+            <a:off x="5886446" y="1292557"/>
+            <a:ext cx="6207127" cy="1384995"/>
+          </a:xfrm>
+          <a:prstGeom prst="rect">
+            <a:avLst/>
+          </a:prstGeom>
+          <a:noFill/>
+        </p:spPr>
+        <p:txBody>
+          <a:bodyPr wrap="square" rtlCol="0">
+            <a:spAutoFit/>
+          </a:bodyPr>
+          <a:lstStyle/>
+          <a:p>
+            <a:pPr marL="285750" indent="-285750">
+              <a:buFont typeface="Wingdings" panose="05000000000000000000" pitchFamily="2" charset="2"/>
+              <a:buChar char="§"/>
+            </a:pPr>
+            <a:r>
+              <a:rPr lang="en-US" altLang="ko-KR" sz="1400" dirty="0" smtClean="0">
+                <a:latin typeface="나눔스퀘어 Bold" panose="020B0600000101010101" pitchFamily="50" charset="-127"/>
+                <a:ea typeface="나눔스퀘어 Bold" panose="020B0600000101010101" pitchFamily="50" charset="-127"/>
+              </a:rPr>
+              <a:t>multiple prompt</a:t>
+            </a:r>
+            <a:r>
+              <a:rPr lang="ko-KR" altLang="en-US" sz="1400" dirty="0" smtClean="0">
+                <a:latin typeface="나눔스퀘어 Bold" panose="020B0600000101010101" pitchFamily="50" charset="-127"/>
+                <a:ea typeface="나눔스퀘어 Bold" panose="020B0600000101010101" pitchFamily="50" charset="-127"/>
+              </a:rPr>
+              <a:t>를 사용한 </a:t>
+            </a:r>
+            <a:r>
+              <a:rPr lang="en-US" altLang="ko-KR" sz="1400" dirty="0" smtClean="0">
+                <a:latin typeface="나눔스퀘어 Bold" panose="020B0600000101010101" pitchFamily="50" charset="-127"/>
+                <a:ea typeface="나눔스퀘어 Bold" panose="020B0600000101010101" pitchFamily="50" charset="-127"/>
+              </a:rPr>
+              <a:t>prompt </a:t>
+            </a:r>
+            <a:r>
+              <a:rPr lang="en-US" altLang="ko-KR" sz="1400" dirty="0" err="1" smtClean="0">
+                <a:latin typeface="나눔스퀘어 Bold" panose="020B0600000101010101" pitchFamily="50" charset="-127"/>
+                <a:ea typeface="나눔스퀘어 Bold" panose="020B0600000101010101" pitchFamily="50" charset="-127"/>
+              </a:rPr>
+              <a:t>ensembling</a:t>
+            </a:r>
+            <a:r>
+              <a:rPr lang="ko-KR" altLang="en-US" sz="1400" dirty="0" smtClean="0">
+                <a:latin typeface="나눔스퀘어 Bold" panose="020B0600000101010101" pitchFamily="50" charset="-127"/>
+                <a:ea typeface="나눔스퀘어 Bold" panose="020B0600000101010101" pitchFamily="50" charset="-127"/>
+              </a:rPr>
+              <a:t>은 </a:t>
+            </a:r>
+            <a:r>
+              <a:rPr lang="en-US" altLang="ko-KR" sz="1400" dirty="0" smtClean="0">
+                <a:latin typeface="나눔스퀘어 Bold" panose="020B0600000101010101" pitchFamily="50" charset="-127"/>
+                <a:ea typeface="나눔스퀘어 Bold" panose="020B0600000101010101" pitchFamily="50" charset="-127"/>
+              </a:rPr>
+              <a:t>class specific, transformer-layer specific</a:t>
+            </a:r>
+            <a:r>
+              <a:rPr lang="ko-KR" altLang="en-US" sz="1400" dirty="0" smtClean="0">
+                <a:latin typeface="나눔스퀘어 Bold" panose="020B0600000101010101" pitchFamily="50" charset="-127"/>
+                <a:ea typeface="나눔스퀘어 Bold" panose="020B0600000101010101" pitchFamily="50" charset="-127"/>
+              </a:rPr>
+              <a:t>한 </a:t>
+            </a:r>
+            <a:r>
+              <a:rPr lang="en-US" altLang="ko-KR" sz="1400" dirty="0" smtClean="0">
+                <a:latin typeface="나눔스퀘어 Bold" panose="020B0600000101010101" pitchFamily="50" charset="-127"/>
+                <a:ea typeface="나눔스퀘어 Bold" panose="020B0600000101010101" pitchFamily="50" charset="-127"/>
+              </a:rPr>
+              <a:t>diverse prompt</a:t>
+            </a:r>
+            <a:r>
+              <a:rPr lang="ko-KR" altLang="en-US" sz="1400" dirty="0" smtClean="0">
+                <a:latin typeface="나눔스퀘어 Bold" panose="020B0600000101010101" pitchFamily="50" charset="-127"/>
+                <a:ea typeface="나눔스퀘어 Bold" panose="020B0600000101010101" pitchFamily="50" charset="-127"/>
+              </a:rPr>
+              <a:t>를 학습하는 것이 목적임</a:t>
+            </a:r>
+            <a:endParaRPr lang="en-US" altLang="ko-KR" sz="1400" dirty="0" smtClean="0">
+              <a:latin typeface="나눔스퀘어 Bold" panose="020B0600000101010101" pitchFamily="50" charset="-127"/>
+              <a:ea typeface="나눔스퀘어 Bold" panose="020B0600000101010101" pitchFamily="50" charset="-127"/>
+            </a:endParaRPr>
+          </a:p>
+          <a:p>
+            <a:pPr marL="285750" indent="-285750">
+              <a:buFont typeface="Wingdings" panose="05000000000000000000" pitchFamily="2" charset="2"/>
+              <a:buChar char="§"/>
+            </a:pPr>
+            <a:endParaRPr lang="en-US" altLang="ko-KR" sz="1400" dirty="0">
+              <a:latin typeface="나눔스퀘어 Bold" panose="020B0600000101010101" pitchFamily="50" charset="-127"/>
+              <a:ea typeface="나눔스퀘어 Bold" panose="020B0600000101010101" pitchFamily="50" charset="-127"/>
+            </a:endParaRPr>
+          </a:p>
+          <a:p>
+            <a:pPr marL="285750" indent="-285750">
+              <a:buFont typeface="Wingdings" panose="05000000000000000000" pitchFamily="2" charset="2"/>
+              <a:buChar char="§"/>
+            </a:pPr>
+            <a:r>
+              <a:rPr lang="ko-KR" altLang="en-US" sz="1400" dirty="0" smtClean="0">
+                <a:latin typeface="나눔스퀘어 Bold" panose="020B0600000101010101" pitchFamily="50" charset="-127"/>
+                <a:ea typeface="나눔스퀘어 Bold" panose="020B0600000101010101" pitchFamily="50" charset="-127"/>
+              </a:rPr>
+              <a:t>하지만 기존 </a:t>
+            </a:r>
+            <a:r>
+              <a:rPr lang="en-US" altLang="ko-KR" sz="1400" dirty="0" smtClean="0">
+                <a:latin typeface="나눔스퀘어 Bold" panose="020B0600000101010101" pitchFamily="50" charset="-127"/>
+                <a:ea typeface="나눔스퀘어 Bold" panose="020B0600000101010101" pitchFamily="50" charset="-127"/>
+              </a:rPr>
+              <a:t>method</a:t>
+            </a:r>
+            <a:r>
+              <a:rPr lang="ko-KR" altLang="en-US" sz="1400" dirty="0" smtClean="0">
+                <a:latin typeface="나눔스퀘어 Bold" panose="020B0600000101010101" pitchFamily="50" charset="-127"/>
+                <a:ea typeface="나눔스퀘어 Bold" panose="020B0600000101010101" pitchFamily="50" charset="-127"/>
+              </a:rPr>
+              <a:t>들은 </a:t>
+            </a:r>
+            <a:r>
+              <a:rPr lang="en-US" altLang="ko-KR" sz="1400" dirty="0" smtClean="0">
+                <a:latin typeface="나눔스퀘어 Bold" panose="020B0600000101010101" pitchFamily="50" charset="-127"/>
+                <a:ea typeface="나눔스퀘어 Bold" panose="020B0600000101010101" pitchFamily="50" charset="-127"/>
+              </a:rPr>
+              <a:t>global visual </a:t>
+            </a:r>
+            <a:r>
+              <a:rPr lang="ko-KR" altLang="en-US" sz="1400" dirty="0" smtClean="0">
+                <a:latin typeface="나눔스퀘어 Bold" panose="020B0600000101010101" pitchFamily="50" charset="-127"/>
+                <a:ea typeface="나눔스퀘어 Bold" panose="020B0600000101010101" pitchFamily="50" charset="-127"/>
+              </a:rPr>
+              <a:t>표현에만 집중해 </a:t>
+            </a:r>
+            <a:r>
+              <a:rPr lang="en-US" altLang="ko-KR" sz="1400" dirty="0" smtClean="0">
+                <a:latin typeface="나눔스퀘어 Bold" panose="020B0600000101010101" pitchFamily="50" charset="-127"/>
+                <a:ea typeface="나눔스퀘어 Bold" panose="020B0600000101010101" pitchFamily="50" charset="-127"/>
+              </a:rPr>
+              <a:t>specific region</a:t>
+            </a:r>
+            <a:r>
+              <a:rPr lang="ko-KR" altLang="en-US" sz="1400" dirty="0" smtClean="0">
+                <a:latin typeface="나눔스퀘어 Bold" panose="020B0600000101010101" pitchFamily="50" charset="-127"/>
+                <a:ea typeface="나눔스퀘어 Bold" panose="020B0600000101010101" pitchFamily="50" charset="-127"/>
+              </a:rPr>
+              <a:t>을 활용하지 못함</a:t>
+            </a:r>
+            <a:endParaRPr lang="en-US" altLang="ko-KR" sz="1400" dirty="0" smtClean="0">
+              <a:latin typeface="나눔스퀘어 Bold" panose="020B0600000101010101" pitchFamily="50" charset="-127"/>
+              <a:ea typeface="나눔스퀘어 Bold" panose="020B0600000101010101" pitchFamily="50" charset="-127"/>
+            </a:endParaRPr>
+          </a:p>
+        </p:txBody>
+      </p:sp>
+      <p:pic>
+        <p:nvPicPr>
+          <p:cNvPr id="2" name="그림 1"/>
+          <p:cNvPicPr>
+            <a:picLocks noChangeAspect="1"/>
+          </p:cNvPicPr>
+          <p:nvPr/>
+        </p:nvPicPr>
+        <p:blipFill>
+          <a:blip r:embed="rId2"/>
+          <a:stretch>
+            <a:fillRect/>
+          </a:stretch>
+        </p:blipFill>
+        <p:spPr>
+          <a:xfrm>
+            <a:off x="493712" y="3560424"/>
+            <a:ext cx="5145088" cy="2723437"/>
+          </a:xfrm>
+          <a:prstGeom prst="rect">
+            <a:avLst/>
+          </a:prstGeom>
+        </p:spPr>
+      </p:pic>
+    </p:spTree>
+    <p:extLst>
+      <p:ext uri="{BB962C8B-B14F-4D97-AF65-F5344CB8AC3E}">
+        <p14:creationId xmlns:p14="http://schemas.microsoft.com/office/powerpoint/2010/main" val="3800608617"/>
+      </p:ext>
+    </p:extLst>
+  </p:cSld>
+  <p:clrMapOvr>
+    <a:masterClrMapping/>
+  </p:clrMapOvr>
+  <p:timing>
+    <p:tnLst>
+      <p:par>
+        <p:cTn id="1" dur="indefinite" restart="never" nodeType="tmRoot"/>
+      </p:par>
+    </p:tnLst>
+  </p:timing>
+</p:sld>
+</file>
+
+<file path=ppt/slides/slide7.xml><?xml version="1.0" encoding="utf-8"?>
+<p:sld xmlns:a="http://schemas.openxmlformats.org/drawingml/2006/main" xmlns:r="http://schemas.openxmlformats.org/officeDocument/2006/relationships" xmlns:p="http://schemas.openxmlformats.org/presentationml/2006/main">
+  <p:cSld>
+    <p:spTree>
+      <p:nvGrpSpPr>
+        <p:cNvPr id="1" name=""/>
+        <p:cNvGrpSpPr/>
+        <p:nvPr/>
+      </p:nvGrpSpPr>
+      <p:grpSpPr>
+        <a:xfrm>
+          <a:off x="0" y="0"/>
+          <a:ext cx="0" cy="0"/>
+          <a:chOff x="0" y="0"/>
+          <a:chExt cx="0" cy="0"/>
+        </a:xfrm>
+      </p:grpSpPr>
+      <p:sp>
+        <p:nvSpPr>
+          <p:cNvPr id="12" name="TextBox 11">
+            <a:extLst>
+              <a:ext uri="{FF2B5EF4-FFF2-40B4-BE49-F238E27FC236}">
+                <a16:creationId xmlns:a16="http://schemas.microsoft.com/office/drawing/2014/main" id="{C7D7709E-206F-4B6B-9ABA-DCEDF98FB299}"/>
+              </a:ext>
+            </a:extLst>
+          </p:cNvPr>
+          <p:cNvSpPr txBox="1"/>
+          <p:nvPr/>
+        </p:nvSpPr>
+        <p:spPr>
+          <a:xfrm>
+            <a:off x="1204240" y="0"/>
+            <a:ext cx="9783520" cy="584775"/>
+          </a:xfrm>
+          <a:prstGeom prst="rect">
+            <a:avLst/>
+          </a:prstGeom>
+          <a:noFill/>
+        </p:spPr>
+        <p:txBody>
+          <a:bodyPr wrap="square" rtlCol="0">
+            <a:spAutoFit/>
+          </a:bodyPr>
+          <a:lstStyle/>
+          <a:p>
+            <a:pPr algn="ctr"/>
+            <a:r>
+              <a:rPr lang="en-US" altLang="ko-KR" sz="3200" dirty="0" smtClean="0">
+                <a:solidFill>
+                  <a:srgbClr val="212529"/>
+                </a:solidFill>
+                <a:latin typeface="나눔스퀘어 Bold" panose="020B0600000101010101" pitchFamily="50" charset="-127"/>
+                <a:ea typeface="나눔스퀘어 Bold" panose="020B0600000101010101" pitchFamily="50" charset="-127"/>
+              </a:rPr>
+              <a:t>1. Introduction</a:t>
+            </a:r>
+          </a:p>
+        </p:txBody>
+      </p:sp>
+      <p:sp>
+        <p:nvSpPr>
+          <p:cNvPr id="19" name="TextBox 18">
+            <a:extLst>
+              <a:ext uri="{FF2B5EF4-FFF2-40B4-BE49-F238E27FC236}">
+                <a16:creationId xmlns:a16="http://schemas.microsoft.com/office/drawing/2014/main" id="{6AEAE2E7-4604-4C30-96BA-7EDCD9641507}"/>
+              </a:ext>
+            </a:extLst>
+          </p:cNvPr>
+          <p:cNvSpPr txBox="1"/>
+          <p:nvPr/>
+        </p:nvSpPr>
+        <p:spPr>
+          <a:xfrm>
+            <a:off x="5638800" y="2930525"/>
+            <a:ext cx="65" cy="276999"/>
+          </a:xfrm>
+          <a:prstGeom prst="rect">
+            <a:avLst/>
+          </a:prstGeom>
+          <a:noFill/>
+        </p:spPr>
+        <p:txBody>
+          <a:bodyPr wrap="none" lIns="0" tIns="0" rIns="0" bIns="0" rtlCol="0">
+            <a:spAutoFit/>
+          </a:bodyPr>
+          <a:lstStyle/>
+          <a:p>
+            <a:endParaRPr lang="ko-KR" altLang="en-US" dirty="0"/>
+          </a:p>
+        </p:txBody>
+      </p:sp>
+      <p:sp>
+        <p:nvSpPr>
+          <p:cNvPr id="14" name="TextBox 13">
+            <a:extLst>
+              <a:ext uri="{FF2B5EF4-FFF2-40B4-BE49-F238E27FC236}">
+                <a16:creationId xmlns:a16="http://schemas.microsoft.com/office/drawing/2014/main" id="{43AD0F1D-18AC-4DEA-AACB-5FB085B6C455}"/>
+              </a:ext>
+            </a:extLst>
+          </p:cNvPr>
+          <p:cNvSpPr txBox="1"/>
+          <p:nvPr/>
+        </p:nvSpPr>
+        <p:spPr>
+          <a:xfrm>
+            <a:off x="5886446" y="4297288"/>
+            <a:ext cx="6207127" cy="1169551"/>
+          </a:xfrm>
+          <a:prstGeom prst="rect">
+            <a:avLst/>
+          </a:prstGeom>
+          <a:noFill/>
+        </p:spPr>
+        <p:txBody>
+          <a:bodyPr wrap="square" rtlCol="0">
+            <a:spAutoFit/>
+          </a:bodyPr>
+          <a:lstStyle/>
+          <a:p>
+            <a:pPr marL="285750" indent="-285750">
+              <a:buFont typeface="Wingdings" panose="05000000000000000000" pitchFamily="2" charset="2"/>
+              <a:buChar char="§"/>
+            </a:pPr>
+            <a:r>
+              <a:rPr lang="ko-KR" altLang="en-US" sz="1400" dirty="0" smtClean="0">
+                <a:latin typeface="나눔스퀘어 Bold" panose="020B0600000101010101" pitchFamily="50" charset="-127"/>
+                <a:ea typeface="나눔스퀘어 Bold" panose="020B0600000101010101" pitchFamily="50" charset="-127"/>
+              </a:rPr>
+              <a:t>또한 </a:t>
+            </a:r>
+            <a:r>
+              <a:rPr lang="en-US" altLang="ko-KR" sz="1400" dirty="0" smtClean="0">
+                <a:latin typeface="나눔스퀘어 Bold" panose="020B0600000101010101" pitchFamily="50" charset="-127"/>
+                <a:ea typeface="나눔스퀘어 Bold" panose="020B0600000101010101" pitchFamily="50" charset="-127"/>
+              </a:rPr>
+              <a:t>local prompt</a:t>
+            </a:r>
+            <a:r>
+              <a:rPr lang="ko-KR" altLang="en-US" sz="1400" dirty="0" smtClean="0">
+                <a:latin typeface="나눔스퀘어 Bold" panose="020B0600000101010101" pitchFamily="50" charset="-127"/>
+                <a:ea typeface="나눔스퀘어 Bold" panose="020B0600000101010101" pitchFamily="50" charset="-127"/>
+              </a:rPr>
+              <a:t>와 </a:t>
+            </a:r>
+            <a:r>
+              <a:rPr lang="en-US" altLang="ko-KR" sz="1400" dirty="0" smtClean="0">
+                <a:latin typeface="나눔스퀘어 Bold" panose="020B0600000101010101" pitchFamily="50" charset="-127"/>
+                <a:ea typeface="나눔스퀘어 Bold" panose="020B0600000101010101" pitchFamily="50" charset="-127"/>
+              </a:rPr>
+              <a:t>local region </a:t>
+            </a:r>
+            <a:r>
+              <a:rPr lang="ko-KR" altLang="en-US" sz="1400" dirty="0" smtClean="0">
+                <a:latin typeface="나눔스퀘어 Bold" panose="020B0600000101010101" pitchFamily="50" charset="-127"/>
+                <a:ea typeface="나눔스퀘어 Bold" panose="020B0600000101010101" pitchFamily="50" charset="-127"/>
+              </a:rPr>
+              <a:t>간의 </a:t>
+            </a:r>
+            <a:r>
+              <a:rPr lang="en-US" altLang="ko-KR" sz="1400" dirty="0" smtClean="0">
+                <a:latin typeface="나눔스퀘어 Bold" panose="020B0600000101010101" pitchFamily="50" charset="-127"/>
+                <a:ea typeface="나눔스퀘어 Bold" panose="020B0600000101010101" pitchFamily="50" charset="-127"/>
+              </a:rPr>
+              <a:t>sparse alignment</a:t>
+            </a:r>
+            <a:r>
+              <a:rPr lang="ko-KR" altLang="en-US" sz="1400" dirty="0" smtClean="0">
+                <a:latin typeface="나눔스퀘어 Bold" panose="020B0600000101010101" pitchFamily="50" charset="-127"/>
+                <a:ea typeface="나눔스퀘어 Bold" panose="020B0600000101010101" pitchFamily="50" charset="-127"/>
+              </a:rPr>
+              <a:t>와 </a:t>
+            </a:r>
+            <a:r>
+              <a:rPr lang="en-US" altLang="ko-KR" sz="1400" dirty="0" smtClean="0">
+                <a:latin typeface="나눔스퀘어 Bold" panose="020B0600000101010101" pitchFamily="50" charset="-127"/>
+                <a:ea typeface="나눔스퀘어 Bold" panose="020B0600000101010101" pitchFamily="50" charset="-127"/>
+              </a:rPr>
+              <a:t>linear projection</a:t>
+            </a:r>
+            <a:r>
+              <a:rPr lang="ko-KR" altLang="en-US" sz="1400" dirty="0" smtClean="0">
+                <a:latin typeface="나눔스퀘어 Bold" panose="020B0600000101010101" pitchFamily="50" charset="-127"/>
+                <a:ea typeface="나눔스퀘어 Bold" panose="020B0600000101010101" pitchFamily="50" charset="-127"/>
+              </a:rPr>
+              <a:t>을 제안해</a:t>
+            </a:r>
+            <a:r>
+              <a:rPr lang="en-US" altLang="ko-KR" sz="1400" dirty="0" smtClean="0">
+                <a:latin typeface="나눔스퀘어 Bold" panose="020B0600000101010101" pitchFamily="50" charset="-127"/>
+                <a:ea typeface="나눔스퀘어 Bold" panose="020B0600000101010101" pitchFamily="50" charset="-127"/>
+              </a:rPr>
+              <a:t>,</a:t>
+            </a:r>
+          </a:p>
+          <a:p>
+            <a:pPr marL="285750" indent="-285750">
+              <a:buFont typeface="Wingdings" panose="05000000000000000000" pitchFamily="2" charset="2"/>
+              <a:buChar char="§"/>
+            </a:pPr>
+            <a:endParaRPr lang="en-US" altLang="ko-KR" sz="1400" dirty="0">
+              <a:latin typeface="나눔스퀘어 Bold" panose="020B0600000101010101" pitchFamily="50" charset="-127"/>
+              <a:ea typeface="나눔스퀘어 Bold" panose="020B0600000101010101" pitchFamily="50" charset="-127"/>
+            </a:endParaRPr>
+          </a:p>
+          <a:p>
+            <a:pPr marL="285750" indent="-285750">
+              <a:buFont typeface="Wingdings" panose="05000000000000000000" pitchFamily="2" charset="2"/>
+              <a:buChar char="§"/>
+            </a:pPr>
+            <a:r>
+              <a:rPr lang="en-US" altLang="ko-KR" sz="1400" dirty="0" smtClean="0">
+                <a:latin typeface="나눔스퀘어 Bold" panose="020B0600000101010101" pitchFamily="50" charset="-127"/>
+                <a:ea typeface="나눔스퀘어 Bold" panose="020B0600000101010101" pitchFamily="50" charset="-127"/>
+              </a:rPr>
+              <a:t>fine-grained semantic</a:t>
+            </a:r>
+            <a:r>
+              <a:rPr lang="ko-KR" altLang="en-US" sz="1400" dirty="0" smtClean="0">
+                <a:latin typeface="나눔스퀘어 Bold" panose="020B0600000101010101" pitchFamily="50" charset="-127"/>
+                <a:ea typeface="나눔스퀘어 Bold" panose="020B0600000101010101" pitchFamily="50" charset="-127"/>
+              </a:rPr>
+              <a:t>을 학습하게 되고</a:t>
+            </a:r>
+            <a:r>
+              <a:rPr lang="en-US" altLang="ko-KR" sz="1400" dirty="0" smtClean="0">
+                <a:latin typeface="나눔스퀘어 Bold" panose="020B0600000101010101" pitchFamily="50" charset="-127"/>
+                <a:ea typeface="나눔스퀘어 Bold" panose="020B0600000101010101" pitchFamily="50" charset="-127"/>
+              </a:rPr>
+              <a:t>, text-to-image matching</a:t>
+            </a:r>
+            <a:r>
+              <a:rPr lang="ko-KR" altLang="en-US" sz="1400" dirty="0" smtClean="0">
+                <a:latin typeface="나눔스퀘어 Bold" panose="020B0600000101010101" pitchFamily="50" charset="-127"/>
+                <a:ea typeface="나눔스퀘어 Bold" panose="020B0600000101010101" pitchFamily="50" charset="-127"/>
+              </a:rPr>
+              <a:t>도 개선했음</a:t>
+            </a:r>
+            <a:endParaRPr lang="en-US" altLang="ko-KR" sz="1400" dirty="0" smtClean="0">
+              <a:latin typeface="나눔스퀘어 Bold" panose="020B0600000101010101" pitchFamily="50" charset="-127"/>
+              <a:ea typeface="나눔스퀘어 Bold" panose="020B0600000101010101" pitchFamily="50" charset="-127"/>
+            </a:endParaRPr>
+          </a:p>
+        </p:txBody>
+      </p:sp>
+      <p:sp>
+        <p:nvSpPr>
+          <p:cNvPr id="10" name="TextBox 9">
+            <a:extLst>
+              <a:ext uri="{FF2B5EF4-FFF2-40B4-BE49-F238E27FC236}">
+                <a16:creationId xmlns:a16="http://schemas.microsoft.com/office/drawing/2014/main" id="{9922EEF6-C41D-4EED-AAFA-E7D60D60CE65}"/>
+              </a:ext>
+            </a:extLst>
+          </p:cNvPr>
+          <p:cNvSpPr txBox="1"/>
+          <p:nvPr/>
+        </p:nvSpPr>
+        <p:spPr>
+          <a:xfrm>
+            <a:off x="5886445" y="1518026"/>
+            <a:ext cx="6207127" cy="1169551"/>
+          </a:xfrm>
+          <a:prstGeom prst="rect">
+            <a:avLst/>
+          </a:prstGeom>
+          <a:noFill/>
+        </p:spPr>
+        <p:txBody>
+          <a:bodyPr wrap="square" rtlCol="0">
+            <a:spAutoFit/>
+          </a:bodyPr>
+          <a:lstStyle/>
+          <a:p>
+            <a:pPr marL="285750" indent="-285750">
+              <a:buFont typeface="Wingdings" panose="05000000000000000000" pitchFamily="2" charset="2"/>
+              <a:buChar char="§"/>
+            </a:pPr>
+            <a:r>
+              <a:rPr lang="en-US" altLang="ko-KR" sz="1400" dirty="0" err="1" smtClean="0">
+                <a:latin typeface="나눔스퀘어 Bold" panose="020B0600000101010101" pitchFamily="50" charset="-127"/>
+                <a:ea typeface="나눔스퀘어 Bold" panose="020B0600000101010101" pitchFamily="50" charset="-127"/>
+              </a:rPr>
+              <a:t>GalLoP</a:t>
+            </a:r>
+            <a:r>
+              <a:rPr lang="en-US" altLang="ko-KR" sz="1400" dirty="0" smtClean="0">
+                <a:latin typeface="나눔스퀘어 Bold" panose="020B0600000101010101" pitchFamily="50" charset="-127"/>
+                <a:ea typeface="나눔스퀘어 Bold" panose="020B0600000101010101" pitchFamily="50" charset="-127"/>
+              </a:rPr>
+              <a:t> method</a:t>
+            </a:r>
+            <a:r>
+              <a:rPr lang="ko-KR" altLang="en-US" sz="1400" dirty="0" smtClean="0">
+                <a:latin typeface="나눔스퀘어 Bold" panose="020B0600000101010101" pitchFamily="50" charset="-127"/>
+                <a:ea typeface="나눔스퀘어 Bold" panose="020B0600000101010101" pitchFamily="50" charset="-127"/>
+              </a:rPr>
+              <a:t>는 </a:t>
+            </a:r>
+            <a:r>
+              <a:rPr lang="en-US" altLang="ko-KR" sz="1400" dirty="0" smtClean="0">
+                <a:latin typeface="나눔스퀘어 Bold" panose="020B0600000101010101" pitchFamily="50" charset="-127"/>
+                <a:ea typeface="나눔스퀘어 Bold" panose="020B0600000101010101" pitchFamily="50" charset="-127"/>
+              </a:rPr>
+              <a:t>global, local visual representation</a:t>
+            </a:r>
+            <a:r>
+              <a:rPr lang="ko-KR" altLang="en-US" sz="1400" dirty="0" smtClean="0">
+                <a:latin typeface="나눔스퀘어 Bold" panose="020B0600000101010101" pitchFamily="50" charset="-127"/>
+                <a:ea typeface="나눔스퀘어 Bold" panose="020B0600000101010101" pitchFamily="50" charset="-127"/>
+              </a:rPr>
+              <a:t>을 모두 활용하며</a:t>
+            </a:r>
+            <a:r>
+              <a:rPr lang="en-US" altLang="ko-KR" sz="1400" dirty="0" smtClean="0">
+                <a:latin typeface="나눔스퀘어 Bold" panose="020B0600000101010101" pitchFamily="50" charset="-127"/>
+                <a:ea typeface="나눔스퀘어 Bold" panose="020B0600000101010101" pitchFamily="50" charset="-127"/>
+              </a:rPr>
+              <a:t>,</a:t>
+            </a:r>
+          </a:p>
+          <a:p>
+            <a:pPr marL="285750" indent="-285750">
+              <a:buFont typeface="Wingdings" panose="05000000000000000000" pitchFamily="2" charset="2"/>
+              <a:buChar char="§"/>
+            </a:pPr>
+            <a:endParaRPr lang="en-US" altLang="ko-KR" sz="1400" dirty="0">
+              <a:latin typeface="나눔스퀘어 Bold" panose="020B0600000101010101" pitchFamily="50" charset="-127"/>
+              <a:ea typeface="나눔스퀘어 Bold" panose="020B0600000101010101" pitchFamily="50" charset="-127"/>
+            </a:endParaRPr>
+          </a:p>
+          <a:p>
+            <a:pPr marL="285750" indent="-285750">
+              <a:buFont typeface="Wingdings" panose="05000000000000000000" pitchFamily="2" charset="2"/>
+              <a:buChar char="§"/>
+            </a:pPr>
+            <a:r>
+              <a:rPr lang="en-US" altLang="ko-KR" sz="1400" dirty="0" smtClean="0">
+                <a:latin typeface="나눔스퀘어 Bold" panose="020B0600000101010101" pitchFamily="50" charset="-127"/>
+                <a:ea typeface="나눔스퀘어 Bold" panose="020B0600000101010101" pitchFamily="50" charset="-127"/>
+              </a:rPr>
+              <a:t>prompt dropout, multiscale strategy</a:t>
+            </a:r>
+            <a:r>
+              <a:rPr lang="ko-KR" altLang="en-US" sz="1400" dirty="0" smtClean="0">
+                <a:latin typeface="나눔스퀘어 Bold" panose="020B0600000101010101" pitchFamily="50" charset="-127"/>
+                <a:ea typeface="나눔스퀘어 Bold" panose="020B0600000101010101" pitchFamily="50" charset="-127"/>
+              </a:rPr>
+              <a:t>를 제안해 </a:t>
+            </a:r>
+            <a:r>
+              <a:rPr lang="en-US" altLang="ko-KR" sz="1400" dirty="0" smtClean="0">
+                <a:latin typeface="나눔스퀘어 Bold" panose="020B0600000101010101" pitchFamily="50" charset="-127"/>
+                <a:ea typeface="나눔스퀘어 Bold" panose="020B0600000101010101" pitchFamily="50" charset="-127"/>
+              </a:rPr>
+              <a:t>prompt diversity</a:t>
+            </a:r>
+            <a:r>
+              <a:rPr lang="ko-KR" altLang="en-US" sz="1400" dirty="0" smtClean="0">
+                <a:latin typeface="나눔스퀘어 Bold" panose="020B0600000101010101" pitchFamily="50" charset="-127"/>
+                <a:ea typeface="나눔스퀘어 Bold" panose="020B0600000101010101" pitchFamily="50" charset="-127"/>
+              </a:rPr>
+              <a:t>를 얻음</a:t>
+            </a:r>
+            <a:endParaRPr lang="en-US" altLang="ko-KR" sz="1400" dirty="0" smtClean="0">
+              <a:latin typeface="나눔스퀘어 Bold" panose="020B0600000101010101" pitchFamily="50" charset="-127"/>
+              <a:ea typeface="나눔스퀘어 Bold" panose="020B0600000101010101" pitchFamily="50" charset="-127"/>
+            </a:endParaRPr>
+          </a:p>
+        </p:txBody>
+      </p:sp>
+      <p:pic>
+        <p:nvPicPr>
+          <p:cNvPr id="3" name="그림 2"/>
+          <p:cNvPicPr>
+            <a:picLocks noChangeAspect="1"/>
+          </p:cNvPicPr>
+          <p:nvPr/>
+        </p:nvPicPr>
+        <p:blipFill>
+          <a:blip r:embed="rId2"/>
+          <a:stretch>
+            <a:fillRect/>
+          </a:stretch>
+        </p:blipFill>
+        <p:spPr>
+          <a:xfrm>
+            <a:off x="258762" y="1464051"/>
+            <a:ext cx="5627683" cy="4226208"/>
+          </a:xfrm>
+          <a:prstGeom prst="rect">
+            <a:avLst/>
+          </a:prstGeom>
+        </p:spPr>
+      </p:pic>
+    </p:spTree>
+    <p:extLst>
+      <p:ext uri="{BB962C8B-B14F-4D97-AF65-F5344CB8AC3E}">
+        <p14:creationId xmlns:p14="http://schemas.microsoft.com/office/powerpoint/2010/main" val="2464666971"/>
+      </p:ext>
+    </p:extLst>
+  </p:cSld>
+  <p:clrMapOvr>
+    <a:masterClrMapping/>
+  </p:clrMapOvr>
+  <p:timing>
+    <p:tnLst>
+      <p:par>
+        <p:cTn id="1" dur="indefinite" restart="never" nodeType="tmRoot"/>
+      </p:par>
+    </p:tnLst>
+  </p:timing>
+</p:sld>
+</file>
+
+<file path=ppt/slides/slide8.xml><?xml version="1.0" encoding="utf-8"?>
+<p:sld xmlns:a="http://schemas.openxmlformats.org/drawingml/2006/main" xmlns:r="http://schemas.openxmlformats.org/officeDocument/2006/relationships" xmlns:p="http://schemas.openxmlformats.org/presentationml/2006/main">
+  <p:cSld>
+    <p:spTree>
+      <p:nvGrpSpPr>
+        <p:cNvPr id="1" name=""/>
+        <p:cNvGrpSpPr/>
+        <p:nvPr/>
+      </p:nvGrpSpPr>
+      <p:grpSpPr>
+        <a:xfrm>
+          <a:off x="0" y="0"/>
+          <a:ext cx="0" cy="0"/>
+          <a:chOff x="0" y="0"/>
+          <a:chExt cx="0" cy="0"/>
+        </a:xfrm>
+      </p:grpSpPr>
+      <p:sp>
+        <p:nvSpPr>
+          <p:cNvPr id="12" name="TextBox 11">
+            <a:extLst>
+              <a:ext uri="{FF2B5EF4-FFF2-40B4-BE49-F238E27FC236}">
+                <a16:creationId xmlns:a16="http://schemas.microsoft.com/office/drawing/2014/main" id="{C7D7709E-206F-4B6B-9ABA-DCEDF98FB299}"/>
+              </a:ext>
+            </a:extLst>
+          </p:cNvPr>
+          <p:cNvSpPr txBox="1"/>
+          <p:nvPr/>
+        </p:nvSpPr>
+        <p:spPr>
+          <a:xfrm>
+            <a:off x="0" y="0"/>
+            <a:ext cx="12192000" cy="584775"/>
+          </a:xfrm>
+          <a:prstGeom prst="rect">
+            <a:avLst/>
+          </a:prstGeom>
+          <a:noFill/>
+        </p:spPr>
+        <p:txBody>
+          <a:bodyPr wrap="square" rtlCol="0">
+            <a:spAutoFit/>
+          </a:bodyPr>
+          <a:lstStyle/>
+          <a:p>
+            <a:pPr algn="ctr"/>
+            <a:r>
+              <a:rPr lang="en-US" altLang="ko-KR" sz="3200" dirty="0" smtClean="0">
+                <a:solidFill>
+                  <a:srgbClr val="212529"/>
+                </a:solidFill>
+                <a:latin typeface="나눔스퀘어 Bold" panose="020B0600000101010101" pitchFamily="50" charset="-127"/>
+                <a:ea typeface="나눔스퀘어 Bold" panose="020B0600000101010101" pitchFamily="50" charset="-127"/>
+              </a:rPr>
+              <a:t>3. Combining global and local prompts with </a:t>
+            </a:r>
+            <a:r>
+              <a:rPr lang="en-US" altLang="ko-KR" sz="3200" dirty="0" err="1" smtClean="0">
+                <a:solidFill>
+                  <a:srgbClr val="212529"/>
+                </a:solidFill>
+                <a:latin typeface="나눔스퀘어 Bold" panose="020B0600000101010101" pitchFamily="50" charset="-127"/>
+                <a:ea typeface="나눔스퀘어 Bold" panose="020B0600000101010101" pitchFamily="50" charset="-127"/>
+              </a:rPr>
+              <a:t>GalLoP</a:t>
+            </a:r>
+            <a:endParaRPr lang="en-US" altLang="ko-KR" sz="3200" dirty="0" smtClean="0">
+              <a:solidFill>
+                <a:srgbClr val="212529"/>
+              </a:solidFill>
+              <a:latin typeface="나눔스퀘어 Bold" panose="020B0600000101010101" pitchFamily="50" charset="-127"/>
+              <a:ea typeface="나눔스퀘어 Bold" panose="020B0600000101010101" pitchFamily="50" charset="-127"/>
+            </a:endParaRPr>
+          </a:p>
+        </p:txBody>
+      </p:sp>
+      <p:sp>
+        <p:nvSpPr>
+          <p:cNvPr id="19" name="TextBox 18">
+            <a:extLst>
+              <a:ext uri="{FF2B5EF4-FFF2-40B4-BE49-F238E27FC236}">
+                <a16:creationId xmlns:a16="http://schemas.microsoft.com/office/drawing/2014/main" id="{6AEAE2E7-4604-4C30-96BA-7EDCD9641507}"/>
+              </a:ext>
+            </a:extLst>
+          </p:cNvPr>
+          <p:cNvSpPr txBox="1"/>
+          <p:nvPr/>
+        </p:nvSpPr>
+        <p:spPr>
+          <a:xfrm>
+            <a:off x="5638800" y="2930525"/>
+            <a:ext cx="65" cy="276999"/>
+          </a:xfrm>
+          <a:prstGeom prst="rect">
+            <a:avLst/>
+          </a:prstGeom>
+          <a:noFill/>
+        </p:spPr>
+        <p:txBody>
+          <a:bodyPr wrap="none" lIns="0" tIns="0" rIns="0" bIns="0" rtlCol="0">
+            <a:spAutoFit/>
+          </a:bodyPr>
+          <a:lstStyle/>
+          <a:p>
+            <a:endParaRPr lang="ko-KR" altLang="en-US" dirty="0"/>
+          </a:p>
+        </p:txBody>
+      </p:sp>
+      <mc:AlternateContent xmlns:mc="http://schemas.openxmlformats.org/markup-compatibility/2006">
+        <mc:Choice xmlns:a14="http://schemas.microsoft.com/office/drawing/2010/main" Requires="a14">
           <p:sp>
             <p:nvSpPr>
               <p:cNvPr id="14" name="TextBox 13">
@@ -13150,7 +15742,14 @@
                     <a:latin typeface="나눔스퀘어 Bold" panose="020B0600000101010101" pitchFamily="50" charset="-127"/>
                     <a:ea typeface="나눔스퀘어 Bold" panose="020B0600000101010101" pitchFamily="50" charset="-127"/>
                   </a:rPr>
-                  <a:t>global image feature</a:t>
+                  <a:t>global </a:t>
+                </a:r>
+                <a:r>
+                  <a:rPr lang="en-US" altLang="ko-KR" sz="1400" dirty="0" smtClean="0">
+                    <a:latin typeface="나눔스퀘어 Bold" panose="020B0600000101010101" pitchFamily="50" charset="-127"/>
+                    <a:ea typeface="나눔스퀘어 Bold" panose="020B0600000101010101" pitchFamily="50" charset="-127"/>
+                  </a:rPr>
+                  <a:t>feature</a:t>
                 </a:r>
                 <a:r>
                   <a:rPr lang="ko-KR" altLang="en-US" sz="1400" dirty="0" smtClean="0">
@@ -13236,21 +15835,7 @@
                     <a:latin typeface="나눔스퀘어 Bold" panose="020B0600000101010101" pitchFamily="50" charset="-127"/>
                     <a:ea typeface="나눔스퀘어 Bold" panose="020B0600000101010101" pitchFamily="50" charset="-127"/>
                   </a:rPr>
-                  <a:t>와 </a:t>
-                </a:r>
-                <a:r>
-                  <a:rPr lang="en-US" altLang="ko-KR" sz="1400" dirty="0" smtClean="0">
-                    <a:latin typeface="나눔스퀘어 Bold" panose="020B0600000101010101" pitchFamily="50" charset="-127"/>
-                    <a:ea typeface="나눔스퀘어 Bold" panose="020B0600000101010101" pitchFamily="50" charset="-127"/>
-                  </a:rPr>
-                  <a:t>text</a:t>
-                </a:r>
-                <a:r>
-                  <a:rPr lang="ko-KR" altLang="en-US" sz="1400" dirty="0" smtClean="0">
-                    <a:latin typeface="나눔스퀘어 Bold" panose="020B0600000101010101" pitchFamily="50" charset="-127"/>
-                    <a:ea typeface="나눔스퀘어 Bold" panose="020B0600000101010101" pitchFamily="50" charset="-127"/>
-                  </a:rPr>
-                  <a:t>의 </a:t>
+                  <a:t>와의 </a:t>
                 </a:r>
                 <a:r>
                   <a:rPr lang="en-US" altLang="ko-KR" sz="1400" dirty="0" smtClean="0">
@@ -13316,7 +15901,7 @@
             </p:txBody>
           </p:sp>
         </mc:Choice>
-        <mc:Fallback xmlns="">
+        <mc:Fallback>
           <p:sp>
             <p:nvSpPr>
               <p:cNvPr id="14" name="TextBox 13">
@@ -13748,7 +16333,7 @@
 </p:sld>
 </file>
 
-<file path=ppt/slides/slide7.xml><?xml version="1.0" encoding="utf-8"?>
+<file path=ppt/slides/slide9.xml><?xml version="1.0" encoding="utf-8"?>
 <p:sld xmlns:a="http://schemas.openxmlformats.org/drawingml/2006/main" xmlns:r="http://schemas.openxmlformats.org/officeDocument/2006/relationships" xmlns:p="http://schemas.openxmlformats.org/presentationml/2006/main">
   <p:cSld>
     <p:spTree>
@@ -14261,11 +16846,25 @@
               <a:buChar char="§"/>
             </a:pPr>
             <a:r>
-              <a:rPr lang="en-US" altLang="ko-KR" sz="1400" dirty="0" smtClean="0">
-                <a:latin typeface="나눔스퀘어 Bold" panose="020B0600000101010101" pitchFamily="50" charset="-127"/>
-                <a:ea typeface="나눔스퀘어 Bold" panose="020B0600000101010101" pitchFamily="50" charset="-127"/>
-              </a:rPr>
-              <a:t>multiple prompts</a:t>
+              <a:rPr lang="ko-KR" altLang="en-US" sz="1400" dirty="0" smtClean="0">
+                <a:latin typeface="나눔스퀘어 Bold" panose="020B0600000101010101" pitchFamily="50" charset="-127"/>
+                <a:ea typeface="나눔스퀘어 Bold" panose="020B0600000101010101" pitchFamily="50" charset="-127"/>
+              </a:rPr>
+              <a:t>또한 </a:t>
+            </a:r>
+            <a:r>
+              <a:rPr lang="en-US" altLang="ko-KR" sz="1400" dirty="0" smtClean="0">
+                <a:latin typeface="나눔스퀘어 Bold" panose="020B0600000101010101" pitchFamily="50" charset="-127"/>
+                <a:ea typeface="나눔스퀘어 Bold" panose="020B0600000101010101" pitchFamily="50" charset="-127"/>
+              </a:rPr>
+              <a:t>multiple </a:t>
+            </a:r>
+            <a:r>
+              <a:rPr lang="en-US" altLang="ko-KR" sz="1400" dirty="0" smtClean="0">
+                <a:latin typeface="나눔스퀘어 Bold" panose="020B0600000101010101" pitchFamily="50" charset="-127"/>
+                <a:ea typeface="나눔스퀘어 Bold" panose="020B0600000101010101" pitchFamily="50" charset="-127"/>
+              </a:rPr>
+              <a:t>prompts</a:t>
             </a:r>
             <a:r>
               <a:rPr lang="ko-KR" altLang="en-US" sz="1400" dirty="0" smtClean="0">
@@ -14442,14 +17041,14 @@
               <a:t>prompt overfitting</a:t>
             </a:r>
             <a:r>
-              <a:rPr lang="ko-KR" altLang="en-US" sz="1400" smtClean="0">
+              <a:rPr lang="ko-KR" altLang="en-US" sz="1400" dirty="0" smtClean="0">
                 <a:latin typeface="나눔스퀘어 Bold" panose="020B0600000101010101" pitchFamily="50" charset="-127"/>
                 <a:ea typeface="나눔스퀘어 Bold" panose="020B0600000101010101" pitchFamily="50" charset="-127"/>
               </a:rPr>
               <a:t>을 방지하고 </a:t>
             </a:r>
             <a:r>
-              <a:rPr lang="en-US" altLang="ko-KR" sz="1400" smtClean="0">
+              <a:rPr lang="en-US" altLang="ko-KR" sz="1400" dirty="0" smtClean="0">
                 <a:latin typeface="나눔스퀘어 Bold" panose="020B0600000101010101" pitchFamily="50" charset="-127"/>
                 <a:ea typeface="나눔스퀘어 Bold" panose="020B0600000101010101" pitchFamily="50" charset="-127"/>
               </a:rPr>
@@ -14593,1035 +17192,6 @@
     <p:extLst>
       <p:ext uri="{BB962C8B-B14F-4D97-AF65-F5344CB8AC3E}">
         <p14:creationId xmlns:p14="http://schemas.microsoft.com/office/powerpoint/2010/main" val="2406972989"/>
-      </p:ext>
-    </p:extLst>
-  </p:cSld>
-  <p:clrMapOvr>
-    <a:masterClrMapping/>
-  </p:clrMapOvr>
-  <p:timing>
-    <p:tnLst>
-      <p:par>
-        <p:cTn id="1" dur="indefinite" restart="never" nodeType="tmRoot"/>
-      </p:par>
-    </p:tnLst>
-  </p:timing>
-</p:sld>
-</file>
-
-<file path=ppt/slides/slide8.xml><?xml version="1.0" encoding="utf-8"?>
-<p:sld xmlns:a="http://schemas.openxmlformats.org/drawingml/2006/main" xmlns:r="http://schemas.openxmlformats.org/officeDocument/2006/relationships" xmlns:p="http://schemas.openxmlformats.org/presentationml/2006/main">
-  <p:cSld>
-    <p:spTree>
-      <p:nvGrpSpPr>
-        <p:cNvPr id="1" name=""/>
-        <p:cNvGrpSpPr/>
-        <p:nvPr/>
-      </p:nvGrpSpPr>
-      <p:grpSpPr>
-        <a:xfrm>
-          <a:off x="0" y="0"/>
-          <a:ext cx="0" cy="0"/>
-          <a:chOff x="0" y="0"/>
-          <a:chExt cx="0" cy="0"/>
-        </a:xfrm>
-      </p:grpSpPr>
-      <p:sp>
-        <p:nvSpPr>
-          <p:cNvPr id="12" name="TextBox 11">
-            <a:extLst>
-              <a:ext uri="{FF2B5EF4-FFF2-40B4-BE49-F238E27FC236}">
-                <a16:creationId xmlns:a16="http://schemas.microsoft.com/office/drawing/2014/main" id="{C7D7709E-206F-4B6B-9ABA-DCEDF98FB299}"/>
-              </a:ext>
-            </a:extLst>
-          </p:cNvPr>
-          <p:cNvSpPr txBox="1"/>
-          <p:nvPr/>
-        </p:nvSpPr>
-        <p:spPr>
-          <a:xfrm>
-            <a:off x="0" y="0"/>
-            <a:ext cx="12192000" cy="584775"/>
-          </a:xfrm>
-          <a:prstGeom prst="rect">
-            <a:avLst/>
-          </a:prstGeom>
-          <a:noFill/>
-        </p:spPr>
-        <p:txBody>
-          <a:bodyPr wrap="square" rtlCol="0">
-            <a:spAutoFit/>
-          </a:bodyPr>
-          <a:lstStyle/>
-          <a:p>
-            <a:pPr algn="ctr"/>
-            <a:r>
-              <a:rPr lang="en-US" altLang="ko-KR" sz="3200" dirty="0" smtClean="0">
-                <a:solidFill>
-                  <a:srgbClr val="212529"/>
-                </a:solidFill>
-                <a:latin typeface="나눔스퀘어 Bold" panose="020B0600000101010101" pitchFamily="50" charset="-127"/>
-                <a:ea typeface="나눔스퀘어 Bold" panose="020B0600000101010101" pitchFamily="50" charset="-127"/>
-              </a:rPr>
-              <a:t>4 Experimental results</a:t>
-            </a:r>
-          </a:p>
-        </p:txBody>
-      </p:sp>
-      <p:sp>
-        <p:nvSpPr>
-          <p:cNvPr id="19" name="TextBox 18">
-            <a:extLst>
-              <a:ext uri="{FF2B5EF4-FFF2-40B4-BE49-F238E27FC236}">
-                <a16:creationId xmlns:a16="http://schemas.microsoft.com/office/drawing/2014/main" id="{6AEAE2E7-4604-4C30-96BA-7EDCD9641507}"/>
-              </a:ext>
-            </a:extLst>
-          </p:cNvPr>
-          <p:cNvSpPr txBox="1"/>
-          <p:nvPr/>
-        </p:nvSpPr>
-        <p:spPr>
-          <a:xfrm>
-            <a:off x="5638800" y="2930525"/>
-            <a:ext cx="65" cy="276999"/>
-          </a:xfrm>
-          <a:prstGeom prst="rect">
-            <a:avLst/>
-          </a:prstGeom>
-          <a:noFill/>
-        </p:spPr>
-        <p:txBody>
-          <a:bodyPr wrap="none" lIns="0" tIns="0" rIns="0" bIns="0" rtlCol="0">
-            <a:spAutoFit/>
-          </a:bodyPr>
-          <a:lstStyle/>
-          <a:p>
-            <a:endParaRPr lang="ko-KR" altLang="en-US" dirty="0"/>
-          </a:p>
-        </p:txBody>
-      </p:sp>
-      <p:sp>
-        <p:nvSpPr>
-          <p:cNvPr id="14" name="TextBox 13">
-            <a:extLst>
-              <a:ext uri="{FF2B5EF4-FFF2-40B4-BE49-F238E27FC236}">
-                <a16:creationId xmlns:a16="http://schemas.microsoft.com/office/drawing/2014/main" id="{43AD0F1D-18AC-4DEA-AACB-5FB085B6C455}"/>
-              </a:ext>
-            </a:extLst>
-          </p:cNvPr>
-          <p:cNvSpPr txBox="1"/>
-          <p:nvPr/>
-        </p:nvSpPr>
-        <p:spPr>
-          <a:xfrm>
-            <a:off x="5886445" y="4438380"/>
-            <a:ext cx="6207127" cy="1384995"/>
-          </a:xfrm>
-          <a:prstGeom prst="rect">
-            <a:avLst/>
-          </a:prstGeom>
-          <a:noFill/>
-        </p:spPr>
-        <p:txBody>
-          <a:bodyPr wrap="square" rtlCol="0">
-            <a:spAutoFit/>
-          </a:bodyPr>
-          <a:lstStyle/>
-          <a:p>
-            <a:pPr marL="285750" indent="-285750">
-              <a:buFont typeface="Wingdings" panose="05000000000000000000" pitchFamily="2" charset="2"/>
-              <a:buChar char="§"/>
-            </a:pPr>
-            <a:r>
-              <a:rPr lang="en-US" altLang="ko-KR" sz="1400" dirty="0" smtClean="0">
-                <a:latin typeface="나눔스퀘어 Bold" panose="020B0600000101010101" pitchFamily="50" charset="-127"/>
-                <a:ea typeface="나눔스퀘어 Bold" panose="020B0600000101010101"/>
-              </a:rPr>
-              <a:t>CLIP</a:t>
-            </a:r>
-            <a:r>
-              <a:rPr lang="en-US" altLang="ko-KR" sz="1400" dirty="0" smtClean="0">
-                <a:latin typeface="나눔스퀘어 Bold" panose="020B0600000101010101" pitchFamily="50" charset="-127"/>
-                <a:ea typeface="나눔스퀘어 Bold" panose="020B0600000101010101" pitchFamily="50" charset="-127"/>
-              </a:rPr>
-              <a:t> local feature</a:t>
-            </a:r>
-            <a:r>
-              <a:rPr lang="ko-KR" altLang="en-US" sz="1400" dirty="0" smtClean="0">
-                <a:latin typeface="나눔스퀘어 Bold" panose="020B0600000101010101" pitchFamily="50" charset="-127"/>
-                <a:ea typeface="나눔스퀘어 Bold" panose="020B0600000101010101" pitchFamily="50" charset="-127"/>
-              </a:rPr>
-              <a:t>의 부정확한 예측과 달리</a:t>
-            </a:r>
-            <a:endParaRPr lang="en-US" altLang="ko-KR" sz="1400" dirty="0" smtClean="0">
-              <a:latin typeface="나눔스퀘어 Bold" panose="020B0600000101010101" pitchFamily="50" charset="-127"/>
-              <a:ea typeface="나눔스퀘어 Bold" panose="020B0600000101010101" pitchFamily="50" charset="-127"/>
-            </a:endParaRPr>
-          </a:p>
-          <a:p>
-            <a:pPr marL="285750" indent="-285750">
-              <a:buFont typeface="Wingdings" panose="05000000000000000000" pitchFamily="2" charset="2"/>
-              <a:buChar char="§"/>
-            </a:pPr>
-            <a:endParaRPr lang="en-US" altLang="ko-KR" sz="1400" dirty="0">
-              <a:latin typeface="나눔스퀘어 Bold" panose="020B0600000101010101" pitchFamily="50" charset="-127"/>
-              <a:ea typeface="나눔스퀘어 Bold" panose="020B0600000101010101" pitchFamily="50" charset="-127"/>
-            </a:endParaRPr>
-          </a:p>
-          <a:p>
-            <a:pPr marL="285750" indent="-285750">
-              <a:buFont typeface="Wingdings" panose="05000000000000000000" pitchFamily="2" charset="2"/>
-              <a:buChar char="§"/>
-            </a:pPr>
-            <a:r>
-              <a:rPr lang="en-US" altLang="ko-KR" sz="1400" dirty="0" err="1" smtClean="0">
-                <a:latin typeface="나눔스퀘어 Bold" panose="020B0600000101010101" pitchFamily="50" charset="-127"/>
-                <a:ea typeface="나눔스퀘어 Bold" panose="020B0600000101010101" pitchFamily="50" charset="-127"/>
-              </a:rPr>
-              <a:t>GalLoP</a:t>
-            </a:r>
-            <a:r>
-              <a:rPr lang="ko-KR" altLang="en-US" sz="1400" dirty="0">
-                <a:latin typeface="나눔스퀘어 Bold" panose="020B0600000101010101" pitchFamily="50" charset="-127"/>
-                <a:ea typeface="나눔스퀘어 Bold" panose="020B0600000101010101" pitchFamily="50" charset="-127"/>
-              </a:rPr>
-              <a:t>의 </a:t>
-            </a:r>
-            <a:r>
-              <a:rPr lang="en-US" altLang="ko-KR" sz="1400" dirty="0">
-                <a:latin typeface="나눔스퀘어 Bold" panose="020B0600000101010101" pitchFamily="50" charset="-127"/>
-                <a:ea typeface="나눔스퀘어 Bold" panose="020B0600000101010101" pitchFamily="50" charset="-127"/>
-              </a:rPr>
-              <a:t>local feature</a:t>
-            </a:r>
-            <a:r>
-              <a:rPr lang="ko-KR" altLang="en-US" sz="1400" dirty="0">
-                <a:latin typeface="나눔스퀘어 Bold" panose="020B0600000101010101" pitchFamily="50" charset="-127"/>
-                <a:ea typeface="나눔스퀘어 Bold" panose="020B0600000101010101" pitchFamily="50" charset="-127"/>
-              </a:rPr>
-              <a:t>는 </a:t>
-            </a:r>
-            <a:r>
-              <a:rPr lang="en-US" altLang="ko-KR" sz="1400" dirty="0">
-                <a:latin typeface="나눔스퀘어 Bold" panose="020B0600000101010101" pitchFamily="50" charset="-127"/>
-                <a:ea typeface="나눔스퀘어 Bold" panose="020B0600000101010101" pitchFamily="50" charset="-127"/>
-              </a:rPr>
-              <a:t>one scale</a:t>
-            </a:r>
-            <a:r>
-              <a:rPr lang="ko-KR" altLang="en-US" sz="1400" dirty="0">
-                <a:latin typeface="나눔스퀘어 Bold" panose="020B0600000101010101" pitchFamily="50" charset="-127"/>
-                <a:ea typeface="나눔스퀘어 Bold" panose="020B0600000101010101" pitchFamily="50" charset="-127"/>
-              </a:rPr>
-              <a:t>만으로도 정확한 예측을 하며</a:t>
-            </a:r>
-            <a:r>
-              <a:rPr lang="en-US" altLang="ko-KR" sz="1400" dirty="0">
-                <a:latin typeface="나눔스퀘어 Bold" panose="020B0600000101010101" pitchFamily="50" charset="-127"/>
-                <a:ea typeface="나눔스퀘어 Bold" panose="020B0600000101010101" pitchFamily="50" charset="-127"/>
-              </a:rPr>
-              <a:t>,</a:t>
-            </a:r>
-          </a:p>
-          <a:p>
-            <a:pPr marL="285750" indent="-285750">
-              <a:buFont typeface="Wingdings" panose="05000000000000000000" pitchFamily="2" charset="2"/>
-              <a:buChar char="§"/>
-            </a:pPr>
-            <a:endParaRPr lang="en-US" altLang="ko-KR" sz="1400" dirty="0">
-              <a:latin typeface="나눔스퀘어 Bold" panose="020B0600000101010101" pitchFamily="50" charset="-127"/>
-              <a:ea typeface="나눔스퀘어 Bold" panose="020B0600000101010101" pitchFamily="50" charset="-127"/>
-            </a:endParaRPr>
-          </a:p>
-          <a:p>
-            <a:pPr marL="285750" indent="-285750">
-              <a:buFont typeface="Wingdings" panose="05000000000000000000" pitchFamily="2" charset="2"/>
-              <a:buChar char="§"/>
-            </a:pPr>
-            <a:r>
-              <a:rPr lang="en-US" altLang="ko-KR" sz="1400" dirty="0">
-                <a:latin typeface="나눔스퀘어 Bold" panose="020B0600000101010101" pitchFamily="50" charset="-127"/>
-                <a:ea typeface="나눔스퀘어 Bold" panose="020B0600000101010101" pitchFamily="50" charset="-127"/>
-              </a:rPr>
-              <a:t>multi scale</a:t>
-            </a:r>
-            <a:r>
-              <a:rPr lang="ko-KR" altLang="en-US" sz="1400" dirty="0">
-                <a:latin typeface="나눔스퀘어 Bold" panose="020B0600000101010101" pitchFamily="50" charset="-127"/>
-                <a:ea typeface="나눔스퀘어 Bold" panose="020B0600000101010101" pitchFamily="50" charset="-127"/>
-              </a:rPr>
-              <a:t>의 경우 </a:t>
-            </a:r>
-            <a:r>
-              <a:rPr lang="en-US" altLang="ko-KR" sz="1400" dirty="0">
-                <a:latin typeface="나눔스퀘어 Bold" panose="020B0600000101010101" pitchFamily="50" charset="-127"/>
-                <a:ea typeface="나눔스퀘어 Bold" panose="020B0600000101010101" pitchFamily="50" charset="-127"/>
-              </a:rPr>
-              <a:t>scale</a:t>
-            </a:r>
-            <a:r>
-              <a:rPr lang="ko-KR" altLang="en-US" sz="1400" dirty="0">
-                <a:latin typeface="나눔스퀘어 Bold" panose="020B0600000101010101" pitchFamily="50" charset="-127"/>
-                <a:ea typeface="나눔스퀘어 Bold" panose="020B0600000101010101" pitchFamily="50" charset="-127"/>
-              </a:rPr>
-              <a:t>이 커지면서 크기가 큰 </a:t>
-            </a:r>
-            <a:r>
-              <a:rPr lang="en-US" altLang="ko-KR" sz="1400" dirty="0">
-                <a:latin typeface="나눔스퀘어 Bold" panose="020B0600000101010101" pitchFamily="50" charset="-127"/>
-                <a:ea typeface="나눔스퀘어 Bold" panose="020B0600000101010101" pitchFamily="50" charset="-127"/>
-              </a:rPr>
-              <a:t>concept</a:t>
-            </a:r>
-            <a:r>
-              <a:rPr lang="ko-KR" altLang="en-US" sz="1400" dirty="0">
-                <a:latin typeface="나눔스퀘어 Bold" panose="020B0600000101010101" pitchFamily="50" charset="-127"/>
-                <a:ea typeface="나눔스퀘어 Bold" panose="020B0600000101010101" pitchFamily="50" charset="-127"/>
-              </a:rPr>
-              <a:t>을 가리키게 </a:t>
-            </a:r>
-            <a:r>
-              <a:rPr lang="ko-KR" altLang="en-US" sz="1400" dirty="0" smtClean="0">
-                <a:latin typeface="나눔스퀘어 Bold" panose="020B0600000101010101" pitchFamily="50" charset="-127"/>
-                <a:ea typeface="나눔스퀘어 Bold" panose="020B0600000101010101" pitchFamily="50" charset="-127"/>
-              </a:rPr>
-              <a:t>됨</a:t>
-            </a:r>
-            <a:endParaRPr lang="en-US" altLang="ko-KR" sz="1400" dirty="0" smtClean="0">
-              <a:latin typeface="나눔스퀘어 Bold" panose="020B0600000101010101" pitchFamily="50" charset="-127"/>
-              <a:ea typeface="나눔스퀘어 Bold" panose="020B0600000101010101" pitchFamily="50" charset="-127"/>
-            </a:endParaRPr>
-          </a:p>
-        </p:txBody>
-      </p:sp>
-      <p:sp>
-        <p:nvSpPr>
-          <p:cNvPr id="10" name="TextBox 9">
-            <a:extLst>
-              <a:ext uri="{FF2B5EF4-FFF2-40B4-BE49-F238E27FC236}">
-                <a16:creationId xmlns:a16="http://schemas.microsoft.com/office/drawing/2014/main" id="{9922EEF6-C41D-4EED-AAFA-E7D60D60CE65}"/>
-              </a:ext>
-            </a:extLst>
-          </p:cNvPr>
-          <p:cNvSpPr txBox="1"/>
-          <p:nvPr/>
-        </p:nvSpPr>
-        <p:spPr>
-          <a:xfrm>
-            <a:off x="5886445" y="1518026"/>
-            <a:ext cx="6207127" cy="1169551"/>
-          </a:xfrm>
-          <a:prstGeom prst="rect">
-            <a:avLst/>
-          </a:prstGeom>
-          <a:noFill/>
-        </p:spPr>
-        <p:txBody>
-          <a:bodyPr wrap="square" rtlCol="0">
-            <a:spAutoFit/>
-          </a:bodyPr>
-          <a:lstStyle/>
-          <a:p>
-            <a:pPr marL="285750" indent="-285750">
-              <a:buFont typeface="Wingdings" panose="05000000000000000000" pitchFamily="2" charset="2"/>
-              <a:buChar char="§"/>
-            </a:pPr>
-            <a:r>
-              <a:rPr lang="ko-KR" altLang="en-US" sz="1400" dirty="0" smtClean="0">
-                <a:latin typeface="나눔스퀘어 Bold" panose="020B0600000101010101" pitchFamily="50" charset="-127"/>
-                <a:ea typeface="나눔스퀘어 Bold" panose="020B0600000101010101" pitchFamily="50" charset="-127"/>
-              </a:rPr>
-              <a:t>다른 </a:t>
-            </a:r>
-            <a:r>
-              <a:rPr lang="en-US" altLang="ko-KR" sz="1400" dirty="0" smtClean="0">
-                <a:latin typeface="나눔스퀘어 Bold" panose="020B0600000101010101" pitchFamily="50" charset="-127"/>
-                <a:ea typeface="나눔스퀘어 Bold" panose="020B0600000101010101" pitchFamily="50" charset="-127"/>
-              </a:rPr>
-              <a:t>prompt learning method</a:t>
-            </a:r>
-            <a:r>
-              <a:rPr lang="ko-KR" altLang="en-US" sz="1400" dirty="0" smtClean="0">
-                <a:latin typeface="나눔스퀘어 Bold" panose="020B0600000101010101" pitchFamily="50" charset="-127"/>
-                <a:ea typeface="나눔스퀘어 Bold" panose="020B0600000101010101" pitchFamily="50" charset="-127"/>
-              </a:rPr>
-              <a:t>들과 비교했을 때</a:t>
-            </a:r>
-            <a:r>
-              <a:rPr lang="en-US" altLang="ko-KR" sz="1400" dirty="0" smtClean="0">
-                <a:latin typeface="나눔스퀘어 Bold" panose="020B0600000101010101" pitchFamily="50" charset="-127"/>
-                <a:ea typeface="나눔스퀘어 Bold" panose="020B0600000101010101" pitchFamily="50" charset="-127"/>
-              </a:rPr>
-              <a:t>, </a:t>
-            </a:r>
-            <a:r>
-              <a:rPr lang="en-US" altLang="ko-KR" sz="1400" dirty="0" err="1" smtClean="0">
-                <a:latin typeface="나눔스퀘어 Bold" panose="020B0600000101010101" pitchFamily="50" charset="-127"/>
-                <a:ea typeface="나눔스퀘어 Bold" panose="020B0600000101010101" pitchFamily="50" charset="-127"/>
-              </a:rPr>
-              <a:t>GalLoP</a:t>
-            </a:r>
-            <a:r>
-              <a:rPr lang="ko-KR" altLang="en-US" sz="1400" dirty="0" smtClean="0">
-                <a:latin typeface="나눔스퀘어 Bold" panose="020B0600000101010101" pitchFamily="50" charset="-127"/>
-                <a:ea typeface="나눔스퀘어 Bold" panose="020B0600000101010101" pitchFamily="50" charset="-127"/>
-              </a:rPr>
-              <a:t>은 가장 높은 </a:t>
-            </a:r>
-            <a:r>
-              <a:rPr lang="en-US" altLang="ko-KR" sz="1400" dirty="0" smtClean="0">
-                <a:latin typeface="나눔스퀘어 Bold" panose="020B0600000101010101" pitchFamily="50" charset="-127"/>
-                <a:ea typeface="나눔스퀘어 Bold" panose="020B0600000101010101" pitchFamily="50" charset="-127"/>
-              </a:rPr>
-              <a:t>ID classification </a:t>
-            </a:r>
-            <a:r>
-              <a:rPr lang="ko-KR" altLang="en-US" sz="1400" dirty="0" smtClean="0">
-                <a:latin typeface="나눔스퀘어 Bold" panose="020B0600000101010101" pitchFamily="50" charset="-127"/>
-                <a:ea typeface="나눔스퀘어 Bold" panose="020B0600000101010101" pitchFamily="50" charset="-127"/>
-              </a:rPr>
-              <a:t>성능을 보이는 동시에</a:t>
-            </a:r>
-            <a:r>
-              <a:rPr lang="en-US" altLang="ko-KR" sz="1400" dirty="0" smtClean="0">
-                <a:latin typeface="나눔스퀘어 Bold" panose="020B0600000101010101" pitchFamily="50" charset="-127"/>
-                <a:ea typeface="나눔스퀘어 Bold" panose="020B0600000101010101" pitchFamily="50" charset="-127"/>
-              </a:rPr>
-              <a:t>,</a:t>
-            </a:r>
-          </a:p>
-          <a:p>
-            <a:pPr marL="285750" indent="-285750">
-              <a:buFont typeface="Wingdings" panose="05000000000000000000" pitchFamily="2" charset="2"/>
-              <a:buChar char="§"/>
-            </a:pPr>
-            <a:endParaRPr lang="en-US" altLang="ko-KR" sz="1400" dirty="0">
-              <a:latin typeface="나눔스퀘어 Bold" panose="020B0600000101010101" pitchFamily="50" charset="-127"/>
-              <a:ea typeface="나눔스퀘어 Bold" panose="020B0600000101010101" pitchFamily="50" charset="-127"/>
-            </a:endParaRPr>
-          </a:p>
-          <a:p>
-            <a:pPr marL="285750" indent="-285750">
-              <a:buFont typeface="Wingdings" panose="05000000000000000000" pitchFamily="2" charset="2"/>
-              <a:buChar char="§"/>
-            </a:pPr>
-            <a:r>
-              <a:rPr lang="en-US" altLang="ko-KR" sz="1400" dirty="0" smtClean="0">
-                <a:latin typeface="나눔스퀘어 Bold" panose="020B0600000101010101" pitchFamily="50" charset="-127"/>
-                <a:ea typeface="나눔스퀘어 Bold" panose="020B0600000101010101" pitchFamily="50" charset="-127"/>
-              </a:rPr>
-              <a:t>Few-shot learning</a:t>
-            </a:r>
-            <a:r>
-              <a:rPr lang="ko-KR" altLang="en-US" sz="1400" dirty="0" smtClean="0">
-                <a:latin typeface="나눔스퀘어 Bold" panose="020B0600000101010101" pitchFamily="50" charset="-127"/>
-                <a:ea typeface="나눔스퀘어 Bold" panose="020B0600000101010101" pitchFamily="50" charset="-127"/>
-              </a:rPr>
-              <a:t>에 대한 </a:t>
-            </a:r>
-            <a:r>
-              <a:rPr lang="en-US" altLang="ko-KR" sz="1400" dirty="0" smtClean="0">
-                <a:latin typeface="나눔스퀘어 Bold" panose="020B0600000101010101" pitchFamily="50" charset="-127"/>
-                <a:ea typeface="나눔스퀘어 Bold" panose="020B0600000101010101" pitchFamily="50" charset="-127"/>
-              </a:rPr>
-              <a:t>domain generalization</a:t>
-            </a:r>
-            <a:r>
-              <a:rPr lang="ko-KR" altLang="en-US" sz="1400" dirty="0" smtClean="0">
-                <a:latin typeface="나눔스퀘어 Bold" panose="020B0600000101010101" pitchFamily="50" charset="-127"/>
-                <a:ea typeface="나눔스퀘어 Bold" panose="020B0600000101010101" pitchFamily="50" charset="-127"/>
-              </a:rPr>
-              <a:t>과 </a:t>
-            </a:r>
-            <a:r>
-              <a:rPr lang="en-US" altLang="ko-KR" sz="1400" dirty="0" smtClean="0">
-                <a:latin typeface="나눔스퀘어 Bold" panose="020B0600000101010101" pitchFamily="50" charset="-127"/>
-                <a:ea typeface="나눔스퀘어 Bold" panose="020B0600000101010101" pitchFamily="50" charset="-127"/>
-              </a:rPr>
-              <a:t>OOD detection</a:t>
-            </a:r>
-            <a:r>
-              <a:rPr lang="ko-KR" altLang="en-US" sz="1400" dirty="0" smtClean="0">
-                <a:latin typeface="나눔스퀘어 Bold" panose="020B0600000101010101" pitchFamily="50" charset="-127"/>
-                <a:ea typeface="나눔스퀘어 Bold" panose="020B0600000101010101" pitchFamily="50" charset="-127"/>
-              </a:rPr>
-              <a:t>에서도 가장 높은 성능을 나타냈음</a:t>
-            </a:r>
-            <a:endParaRPr lang="en-US" altLang="ko-KR" sz="1400" dirty="0" smtClean="0">
-              <a:latin typeface="나눔스퀘어 Bold" panose="020B0600000101010101" pitchFamily="50" charset="-127"/>
-              <a:ea typeface="나눔스퀘어 Bold" panose="020B0600000101010101" pitchFamily="50" charset="-127"/>
-            </a:endParaRPr>
-          </a:p>
-        </p:txBody>
-      </p:sp>
-      <p:pic>
-        <p:nvPicPr>
-          <p:cNvPr id="2" name="그림 1"/>
-          <p:cNvPicPr>
-            <a:picLocks noChangeAspect="1"/>
-          </p:cNvPicPr>
-          <p:nvPr/>
-        </p:nvPicPr>
-        <p:blipFill>
-          <a:blip r:embed="rId2"/>
-          <a:stretch>
-            <a:fillRect/>
-          </a:stretch>
-        </p:blipFill>
-        <p:spPr>
-          <a:xfrm>
-            <a:off x="327025" y="993928"/>
-            <a:ext cx="4384675" cy="2241056"/>
-          </a:xfrm>
-          <a:prstGeom prst="rect">
-            <a:avLst/>
-          </a:prstGeom>
-        </p:spPr>
-      </p:pic>
-      <p:pic>
-        <p:nvPicPr>
-          <p:cNvPr id="3" name="그림 2"/>
-          <p:cNvPicPr>
-            <a:picLocks noChangeAspect="1"/>
-          </p:cNvPicPr>
-          <p:nvPr/>
-        </p:nvPicPr>
-        <p:blipFill>
-          <a:blip r:embed="rId3"/>
-          <a:stretch>
-            <a:fillRect/>
-          </a:stretch>
-        </p:blipFill>
-        <p:spPr>
-          <a:xfrm>
-            <a:off x="327025" y="3644137"/>
-            <a:ext cx="4791075" cy="1249207"/>
-          </a:xfrm>
-          <a:prstGeom prst="rect">
-            <a:avLst/>
-          </a:prstGeom>
-        </p:spPr>
-      </p:pic>
-      <p:pic>
-        <p:nvPicPr>
-          <p:cNvPr id="4" name="그림 3"/>
-          <p:cNvPicPr>
-            <a:picLocks noChangeAspect="1"/>
-          </p:cNvPicPr>
-          <p:nvPr/>
-        </p:nvPicPr>
-        <p:blipFill>
-          <a:blip r:embed="rId4"/>
-          <a:stretch>
-            <a:fillRect/>
-          </a:stretch>
-        </p:blipFill>
-        <p:spPr>
-          <a:xfrm>
-            <a:off x="415925" y="5087321"/>
-            <a:ext cx="4791075" cy="1207025"/>
-          </a:xfrm>
-          <a:prstGeom prst="rect">
-            <a:avLst/>
-          </a:prstGeom>
-        </p:spPr>
-      </p:pic>
-    </p:spTree>
-    <p:extLst>
-      <p:ext uri="{BB962C8B-B14F-4D97-AF65-F5344CB8AC3E}">
-        <p14:creationId xmlns:p14="http://schemas.microsoft.com/office/powerpoint/2010/main" val="844798029"/>
-      </p:ext>
-    </p:extLst>
-  </p:cSld>
-  <p:clrMapOvr>
-    <a:masterClrMapping/>
-  </p:clrMapOvr>
-  <p:timing>
-    <p:tnLst>
-      <p:par>
-        <p:cTn id="1" dur="indefinite" restart="never" nodeType="tmRoot"/>
-      </p:par>
-    </p:tnLst>
-  </p:timing>
-</p:sld>
-</file>
-
-<file path=ppt/slides/slide9.xml><?xml version="1.0" encoding="utf-8"?>
-<p:sld xmlns:a="http://schemas.openxmlformats.org/drawingml/2006/main" xmlns:r="http://schemas.openxmlformats.org/officeDocument/2006/relationships" xmlns:p="http://schemas.openxmlformats.org/presentationml/2006/main">
-  <p:cSld>
-    <p:spTree>
-      <p:nvGrpSpPr>
-        <p:cNvPr id="1" name=""/>
-        <p:cNvGrpSpPr/>
-        <p:nvPr/>
-      </p:nvGrpSpPr>
-      <p:grpSpPr>
-        <a:xfrm>
-          <a:off x="0" y="0"/>
-          <a:ext cx="0" cy="0"/>
-          <a:chOff x="0" y="0"/>
-          <a:chExt cx="0" cy="0"/>
-        </a:xfrm>
-      </p:grpSpPr>
-      <p:sp>
-        <p:nvSpPr>
-          <p:cNvPr id="12" name="TextBox 11">
-            <a:extLst>
-              <a:ext uri="{FF2B5EF4-FFF2-40B4-BE49-F238E27FC236}">
-                <a16:creationId xmlns:a16="http://schemas.microsoft.com/office/drawing/2014/main" id="{C7D7709E-206F-4B6B-9ABA-DCEDF98FB299}"/>
-              </a:ext>
-            </a:extLst>
-          </p:cNvPr>
-          <p:cNvSpPr txBox="1"/>
-          <p:nvPr/>
-        </p:nvSpPr>
-        <p:spPr>
-          <a:xfrm>
-            <a:off x="0" y="0"/>
-            <a:ext cx="12192000" cy="584775"/>
-          </a:xfrm>
-          <a:prstGeom prst="rect">
-            <a:avLst/>
-          </a:prstGeom>
-          <a:noFill/>
-        </p:spPr>
-        <p:txBody>
-          <a:bodyPr wrap="square" rtlCol="0">
-            <a:spAutoFit/>
-          </a:bodyPr>
-          <a:lstStyle/>
-          <a:p>
-            <a:pPr algn="ctr"/>
-            <a:r>
-              <a:rPr lang="en-US" altLang="ko-KR" sz="3200" dirty="0">
-                <a:solidFill>
-                  <a:srgbClr val="212529"/>
-                </a:solidFill>
-                <a:latin typeface="나눔스퀘어 Bold" panose="020B0600000101010101" pitchFamily="50" charset="-127"/>
-                <a:ea typeface="나눔스퀘어 Bold" panose="020B0600000101010101" pitchFamily="50" charset="-127"/>
-              </a:rPr>
-              <a:t>Pros &amp; Cons</a:t>
-            </a:r>
-            <a:endParaRPr lang="en-US" altLang="ko-KR" sz="3200" dirty="0" smtClean="0">
-              <a:solidFill>
-                <a:srgbClr val="212529"/>
-              </a:solidFill>
-              <a:latin typeface="나눔스퀘어 Bold" panose="020B0600000101010101" pitchFamily="50" charset="-127"/>
-              <a:ea typeface="나눔스퀘어 Bold" panose="020B0600000101010101" pitchFamily="50" charset="-127"/>
-            </a:endParaRPr>
-          </a:p>
-        </p:txBody>
-      </p:sp>
-      <p:sp>
-        <p:nvSpPr>
-          <p:cNvPr id="19" name="TextBox 18">
-            <a:extLst>
-              <a:ext uri="{FF2B5EF4-FFF2-40B4-BE49-F238E27FC236}">
-                <a16:creationId xmlns:a16="http://schemas.microsoft.com/office/drawing/2014/main" id="{6AEAE2E7-4604-4C30-96BA-7EDCD9641507}"/>
-              </a:ext>
-            </a:extLst>
-          </p:cNvPr>
-          <p:cNvSpPr txBox="1"/>
-          <p:nvPr/>
-        </p:nvSpPr>
-        <p:spPr>
-          <a:xfrm>
-            <a:off x="5638800" y="2930525"/>
-            <a:ext cx="65" cy="276999"/>
-          </a:xfrm>
-          <a:prstGeom prst="rect">
-            <a:avLst/>
-          </a:prstGeom>
-          <a:noFill/>
-        </p:spPr>
-        <p:txBody>
-          <a:bodyPr wrap="none" lIns="0" tIns="0" rIns="0" bIns="0" rtlCol="0">
-            <a:spAutoFit/>
-          </a:bodyPr>
-          <a:lstStyle/>
-          <a:p>
-            <a:endParaRPr lang="ko-KR" altLang="en-US" dirty="0"/>
-          </a:p>
-        </p:txBody>
-      </p:sp>
-      <p:sp>
-        <p:nvSpPr>
-          <p:cNvPr id="10" name="TextBox 9">
-            <a:extLst>
-              <a:ext uri="{FF2B5EF4-FFF2-40B4-BE49-F238E27FC236}">
-                <a16:creationId xmlns:a16="http://schemas.microsoft.com/office/drawing/2014/main" id="{9922EEF6-C41D-4EED-AAFA-E7D60D60CE65}"/>
-              </a:ext>
-            </a:extLst>
-          </p:cNvPr>
-          <p:cNvSpPr txBox="1"/>
-          <p:nvPr/>
-        </p:nvSpPr>
-        <p:spPr>
-          <a:xfrm>
-            <a:off x="5886444" y="1087961"/>
-            <a:ext cx="6207127" cy="1600438"/>
-          </a:xfrm>
-          <a:prstGeom prst="rect">
-            <a:avLst/>
-          </a:prstGeom>
-          <a:noFill/>
-        </p:spPr>
-        <p:txBody>
-          <a:bodyPr wrap="square" rtlCol="0">
-            <a:spAutoFit/>
-          </a:bodyPr>
-          <a:lstStyle/>
-          <a:p>
-            <a:r>
-              <a:rPr lang="en-US" altLang="ko-KR" sz="1400" dirty="0" smtClean="0">
-                <a:latin typeface="나눔스퀘어 Bold" panose="020B0600000101010101" pitchFamily="50" charset="-127"/>
-                <a:ea typeface="나눔스퀘어 Bold" panose="020B0600000101010101" pitchFamily="50" charset="-127"/>
-              </a:rPr>
-              <a:t>Pros</a:t>
-            </a:r>
-          </a:p>
-          <a:p>
-            <a:endParaRPr lang="en-US" altLang="ko-KR" sz="1400" dirty="0" smtClean="0">
-              <a:latin typeface="나눔스퀘어 Bold" panose="020B0600000101010101" pitchFamily="50" charset="-127"/>
-              <a:ea typeface="나눔스퀘어 Bold" panose="020B0600000101010101" pitchFamily="50" charset="-127"/>
-            </a:endParaRPr>
-          </a:p>
-          <a:p>
-            <a:pPr marL="285750" indent="-285750">
-              <a:buFont typeface="Wingdings" panose="05000000000000000000" pitchFamily="2" charset="2"/>
-              <a:buChar char="§"/>
-            </a:pPr>
-            <a:r>
-              <a:rPr lang="en-US" altLang="ko-KR" sz="1400" dirty="0" smtClean="0">
-                <a:latin typeface="나눔스퀘어 Bold" panose="020B0600000101010101" pitchFamily="50" charset="-127"/>
-                <a:ea typeface="나눔스퀘어 Bold" panose="020B0600000101010101" pitchFamily="50" charset="-127"/>
-              </a:rPr>
-              <a:t>DG-specific module, loss</a:t>
-            </a:r>
-            <a:r>
-              <a:rPr lang="ko-KR" altLang="en-US" sz="1400" dirty="0" smtClean="0">
-                <a:latin typeface="나눔스퀘어 Bold" panose="020B0600000101010101" pitchFamily="50" charset="-127"/>
-                <a:ea typeface="나눔스퀘어 Bold" panose="020B0600000101010101" pitchFamily="50" charset="-127"/>
-              </a:rPr>
-              <a:t>를 사용하지 </a:t>
-            </a:r>
-            <a:r>
-              <a:rPr lang="ko-KR" altLang="en-US" sz="1400" dirty="0">
-                <a:latin typeface="나눔스퀘어 Bold" panose="020B0600000101010101" pitchFamily="50" charset="-127"/>
-                <a:ea typeface="나눔스퀘어 Bold" panose="020B0600000101010101" pitchFamily="50" charset="-127"/>
-              </a:rPr>
-              <a:t>않으면서도 </a:t>
-            </a:r>
-            <a:r>
-              <a:rPr lang="en-US" altLang="ko-KR" sz="1400" dirty="0">
-                <a:latin typeface="나눔스퀘어 Bold" panose="020B0600000101010101" pitchFamily="50" charset="-127"/>
-                <a:ea typeface="나눔스퀘어 Bold" panose="020B0600000101010101" pitchFamily="50" charset="-127"/>
-              </a:rPr>
-              <a:t>prompt </a:t>
-            </a:r>
-            <a:r>
-              <a:rPr lang="en-US" altLang="ko-KR" sz="1400" dirty="0" smtClean="0">
-                <a:latin typeface="나눔스퀘어 Bold" panose="020B0600000101010101" pitchFamily="50" charset="-127"/>
-                <a:ea typeface="나눔스퀘어 Bold" panose="020B0600000101010101" pitchFamily="50" charset="-127"/>
-              </a:rPr>
-              <a:t>diversity</a:t>
-            </a:r>
-            <a:r>
-              <a:rPr lang="ko-KR" altLang="en-US" sz="1400" dirty="0" smtClean="0">
-                <a:latin typeface="나눔스퀘어 Bold" panose="020B0600000101010101" pitchFamily="50" charset="-127"/>
-                <a:ea typeface="나눔스퀘어 Bold" panose="020B0600000101010101" pitchFamily="50" charset="-127"/>
-              </a:rPr>
-              <a:t>를 얻어</a:t>
-            </a:r>
-            <a:r>
-              <a:rPr lang="en-US" altLang="ko-KR" sz="1400" dirty="0" smtClean="0">
-                <a:latin typeface="나눔스퀘어 Bold" panose="020B0600000101010101" pitchFamily="50" charset="-127"/>
-                <a:ea typeface="나눔스퀘어 Bold" panose="020B0600000101010101" pitchFamily="50" charset="-127"/>
-              </a:rPr>
-              <a:t>,</a:t>
-            </a:r>
-          </a:p>
-          <a:p>
-            <a:pPr marL="285750" indent="-285750">
-              <a:buFont typeface="Wingdings" panose="05000000000000000000" pitchFamily="2" charset="2"/>
-              <a:buChar char="§"/>
-            </a:pPr>
-            <a:endParaRPr lang="en-US" altLang="ko-KR" sz="1400" dirty="0">
-              <a:latin typeface="나눔스퀘어 Bold" panose="020B0600000101010101" pitchFamily="50" charset="-127"/>
-              <a:ea typeface="나눔스퀘어 Bold" panose="020B0600000101010101" pitchFamily="50" charset="-127"/>
-            </a:endParaRPr>
-          </a:p>
-          <a:p>
-            <a:pPr marL="285750" indent="-285750">
-              <a:buFont typeface="Wingdings" panose="05000000000000000000" pitchFamily="2" charset="2"/>
-              <a:buChar char="§"/>
-            </a:pPr>
-            <a:r>
-              <a:rPr lang="en-US" altLang="ko-KR" sz="1400" dirty="0" smtClean="0">
-                <a:latin typeface="나눔스퀘어 Bold" panose="020B0600000101010101" pitchFamily="50" charset="-127"/>
-                <a:ea typeface="나눔스퀘어 Bold" panose="020B0600000101010101" pitchFamily="50" charset="-127"/>
-              </a:rPr>
-              <a:t>classification</a:t>
-            </a:r>
-            <a:r>
-              <a:rPr lang="ko-KR" altLang="en-US" sz="1400" dirty="0">
-                <a:latin typeface="나눔스퀘어 Bold" panose="020B0600000101010101" pitchFamily="50" charset="-127"/>
-                <a:ea typeface="나눔스퀘어 Bold" panose="020B0600000101010101" pitchFamily="50" charset="-127"/>
-              </a:rPr>
-              <a:t>과 </a:t>
-            </a:r>
-            <a:r>
-              <a:rPr lang="en-US" altLang="ko-KR" sz="1400" dirty="0">
-                <a:latin typeface="나눔스퀘어 Bold" panose="020B0600000101010101" pitchFamily="50" charset="-127"/>
-                <a:ea typeface="나눔스퀘어 Bold" panose="020B0600000101010101" pitchFamily="50" charset="-127"/>
-              </a:rPr>
-              <a:t>generalization </a:t>
-            </a:r>
-            <a:r>
-              <a:rPr lang="ko-KR" altLang="en-US" sz="1400" dirty="0">
-                <a:latin typeface="나눔스퀘어 Bold" panose="020B0600000101010101" pitchFamily="50" charset="-127"/>
-                <a:ea typeface="나눔스퀘어 Bold" panose="020B0600000101010101" pitchFamily="50" charset="-127"/>
-              </a:rPr>
-              <a:t>간 </a:t>
-            </a:r>
-            <a:r>
-              <a:rPr lang="en-US" altLang="ko-KR" sz="1400" dirty="0">
-                <a:latin typeface="나눔스퀘어 Bold" panose="020B0600000101010101" pitchFamily="50" charset="-127"/>
-                <a:ea typeface="나눔스퀘어 Bold" panose="020B0600000101010101" pitchFamily="50" charset="-127"/>
-              </a:rPr>
-              <a:t>trade-off</a:t>
-            </a:r>
-            <a:r>
-              <a:rPr lang="ko-KR" altLang="en-US" sz="1400" dirty="0">
-                <a:latin typeface="나눔스퀘어 Bold" panose="020B0600000101010101" pitchFamily="50" charset="-127"/>
-                <a:ea typeface="나눔스퀘어 Bold" panose="020B0600000101010101" pitchFamily="50" charset="-127"/>
-              </a:rPr>
-              <a:t>를 개선시키므로 범용적인 </a:t>
-            </a:r>
-            <a:r>
-              <a:rPr lang="en-US" altLang="ko-KR" sz="1400" dirty="0">
-                <a:latin typeface="나눔스퀘어 Bold" panose="020B0600000101010101" pitchFamily="50" charset="-127"/>
-                <a:ea typeface="나눔스퀘어 Bold" panose="020B0600000101010101" pitchFamily="50" charset="-127"/>
-              </a:rPr>
-              <a:t>method</a:t>
-            </a:r>
-            <a:r>
-              <a:rPr lang="ko-KR" altLang="en-US" sz="1400" dirty="0">
-                <a:latin typeface="나눔스퀘어 Bold" panose="020B0600000101010101" pitchFamily="50" charset="-127"/>
-                <a:ea typeface="나눔스퀘어 Bold" panose="020B0600000101010101" pitchFamily="50" charset="-127"/>
-              </a:rPr>
-              <a:t>로 보임</a:t>
-            </a:r>
-            <a:endParaRPr lang="en-US" altLang="ko-KR" sz="1400" dirty="0" smtClean="0">
-              <a:latin typeface="나눔스퀘어 Bold" panose="020B0600000101010101" pitchFamily="50" charset="-127"/>
-              <a:ea typeface="나눔스퀘어 Bold" panose="020B0600000101010101" pitchFamily="50" charset="-127"/>
-            </a:endParaRPr>
-          </a:p>
-        </p:txBody>
-      </p:sp>
-      <p:sp>
-        <p:nvSpPr>
-          <p:cNvPr id="9" name="TextBox 8">
-            <a:extLst>
-              <a:ext uri="{FF2B5EF4-FFF2-40B4-BE49-F238E27FC236}">
-                <a16:creationId xmlns:a16="http://schemas.microsoft.com/office/drawing/2014/main" id="{9922EEF6-C41D-4EED-AAFA-E7D60D60CE65}"/>
-              </a:ext>
-            </a:extLst>
-          </p:cNvPr>
-          <p:cNvSpPr txBox="1"/>
-          <p:nvPr/>
-        </p:nvSpPr>
-        <p:spPr>
-          <a:xfrm>
-            <a:off x="5886444" y="4325944"/>
-            <a:ext cx="6207127" cy="1600438"/>
-          </a:xfrm>
-          <a:prstGeom prst="rect">
-            <a:avLst/>
-          </a:prstGeom>
-          <a:noFill/>
-        </p:spPr>
-        <p:txBody>
-          <a:bodyPr wrap="square" rtlCol="0">
-            <a:spAutoFit/>
-          </a:bodyPr>
-          <a:lstStyle/>
-          <a:p>
-            <a:r>
-              <a:rPr lang="en-US" altLang="ko-KR" sz="1400" dirty="0" smtClean="0">
-                <a:latin typeface="나눔스퀘어 Bold" panose="020B0600000101010101" pitchFamily="50" charset="-127"/>
-                <a:ea typeface="나눔스퀘어 Bold" panose="020B0600000101010101" pitchFamily="50" charset="-127"/>
-              </a:rPr>
-              <a:t>Cons</a:t>
-            </a:r>
-          </a:p>
-          <a:p>
-            <a:pPr marL="285750" indent="-285750">
-              <a:buFont typeface="Wingdings" panose="05000000000000000000" pitchFamily="2" charset="2"/>
-              <a:buChar char="§"/>
-            </a:pPr>
-            <a:endParaRPr lang="en-US" altLang="ko-KR" sz="1400" dirty="0">
-              <a:latin typeface="나눔스퀘어 Bold" panose="020B0600000101010101" pitchFamily="50" charset="-127"/>
-              <a:ea typeface="나눔스퀘어 Bold" panose="020B0600000101010101" pitchFamily="50" charset="-127"/>
-            </a:endParaRPr>
-          </a:p>
-          <a:p>
-            <a:pPr marL="285750" indent="-285750">
-              <a:buFont typeface="Wingdings" panose="05000000000000000000" pitchFamily="2" charset="2"/>
-              <a:buChar char="§"/>
-            </a:pPr>
-            <a:r>
-              <a:rPr lang="en-US" altLang="ko-KR" sz="1400" dirty="0" smtClean="0">
-                <a:latin typeface="나눔스퀘어 Bold" panose="020B0600000101010101" pitchFamily="50" charset="-127"/>
-                <a:ea typeface="나눔스퀘어 Bold" panose="020B0600000101010101" pitchFamily="50" charset="-127"/>
-              </a:rPr>
-              <a:t>Pre-trained CLIP</a:t>
-            </a:r>
-            <a:r>
-              <a:rPr lang="ko-KR" altLang="en-US" sz="1400" dirty="0" smtClean="0">
-                <a:latin typeface="나눔스퀘어 Bold" panose="020B0600000101010101" pitchFamily="50" charset="-127"/>
-                <a:ea typeface="나눔스퀘어 Bold" panose="020B0600000101010101" pitchFamily="50" charset="-127"/>
-              </a:rPr>
-              <a:t>의 </a:t>
-            </a:r>
-            <a:r>
-              <a:rPr lang="en-US" altLang="ko-KR" sz="1400" dirty="0" smtClean="0">
-                <a:latin typeface="나눔스퀘어 Bold" panose="020B0600000101010101" pitchFamily="50" charset="-127"/>
-                <a:ea typeface="나눔스퀘어 Bold" panose="020B0600000101010101" pitchFamily="50" charset="-127"/>
-              </a:rPr>
-              <a:t>local feature</a:t>
-            </a:r>
-            <a:r>
-              <a:rPr lang="ko-KR" altLang="en-US" sz="1400" dirty="0" smtClean="0">
-                <a:latin typeface="나눔스퀘어 Bold" panose="020B0600000101010101" pitchFamily="50" charset="-127"/>
-                <a:ea typeface="나눔스퀘어 Bold" panose="020B0600000101010101" pitchFamily="50" charset="-127"/>
-              </a:rPr>
-              <a:t>는 매우 낮은 </a:t>
-            </a:r>
-            <a:r>
-              <a:rPr lang="en-US" altLang="ko-KR" sz="1400" dirty="0" smtClean="0">
-                <a:latin typeface="나눔스퀘어 Bold" panose="020B0600000101010101" pitchFamily="50" charset="-127"/>
-                <a:ea typeface="나눔스퀘어 Bold" panose="020B0600000101010101" pitchFamily="50" charset="-127"/>
-              </a:rPr>
-              <a:t>zero-shot classification </a:t>
-            </a:r>
-            <a:r>
-              <a:rPr lang="ko-KR" altLang="en-US" sz="1400" dirty="0" smtClean="0">
-                <a:latin typeface="나눔스퀘어 Bold" panose="020B0600000101010101" pitchFamily="50" charset="-127"/>
-                <a:ea typeface="나눔스퀘어 Bold" panose="020B0600000101010101" pitchFamily="50" charset="-127"/>
-              </a:rPr>
-              <a:t>결과를 보이는데</a:t>
-            </a:r>
-            <a:r>
-              <a:rPr lang="en-US" altLang="ko-KR" sz="1400" dirty="0" smtClean="0">
-                <a:latin typeface="나눔스퀘어 Bold" panose="020B0600000101010101" pitchFamily="50" charset="-127"/>
-                <a:ea typeface="나눔스퀘어 Bold" panose="020B0600000101010101" pitchFamily="50" charset="-127"/>
-              </a:rPr>
-              <a:t>,</a:t>
-            </a:r>
-          </a:p>
-          <a:p>
-            <a:pPr marL="285750" indent="-285750">
-              <a:buFont typeface="Wingdings" panose="05000000000000000000" pitchFamily="2" charset="2"/>
-              <a:buChar char="§"/>
-            </a:pPr>
-            <a:endParaRPr lang="en-US" altLang="ko-KR" sz="1400" dirty="0">
-              <a:latin typeface="나눔스퀘어 Bold" panose="020B0600000101010101" pitchFamily="50" charset="-127"/>
-              <a:ea typeface="나눔스퀘어 Bold" panose="020B0600000101010101" pitchFamily="50" charset="-127"/>
-            </a:endParaRPr>
-          </a:p>
-          <a:p>
-            <a:pPr marL="285750" indent="-285750">
-              <a:buFont typeface="Wingdings" panose="05000000000000000000" pitchFamily="2" charset="2"/>
-              <a:buChar char="§"/>
-            </a:pPr>
-            <a:r>
-              <a:rPr lang="en-US" altLang="ko-KR" sz="1400" dirty="0" smtClean="0">
-                <a:latin typeface="나눔스퀘어 Bold" panose="020B0600000101010101" pitchFamily="50" charset="-127"/>
-                <a:ea typeface="나눔스퀘어 Bold" panose="020B0600000101010101" pitchFamily="50" charset="-127"/>
-              </a:rPr>
-              <a:t>linear projection</a:t>
-            </a:r>
-            <a:r>
-              <a:rPr lang="ko-KR" altLang="en-US" sz="1400" dirty="0" smtClean="0">
-                <a:latin typeface="나눔스퀘어 Bold" panose="020B0600000101010101" pitchFamily="50" charset="-127"/>
-                <a:ea typeface="나눔스퀘어 Bold" panose="020B0600000101010101" pitchFamily="50" charset="-127"/>
-              </a:rPr>
-              <a:t>을 추가하는 것만으로 </a:t>
-            </a:r>
-            <a:r>
-              <a:rPr lang="en-US" altLang="ko-KR" sz="1400" dirty="0" smtClean="0">
-                <a:latin typeface="나눔스퀘어 Bold" panose="020B0600000101010101" pitchFamily="50" charset="-127"/>
-                <a:ea typeface="나눔스퀘어 Bold" panose="020B0600000101010101" pitchFamily="50" charset="-127"/>
-              </a:rPr>
-              <a:t>discriminating power</a:t>
-            </a:r>
-            <a:r>
-              <a:rPr lang="ko-KR" altLang="en-US" sz="1400" dirty="0" smtClean="0">
-                <a:latin typeface="나눔스퀘어 Bold" panose="020B0600000101010101" pitchFamily="50" charset="-127"/>
-                <a:ea typeface="나눔스퀘어 Bold" panose="020B0600000101010101" pitchFamily="50" charset="-127"/>
-              </a:rPr>
-              <a:t>를 향상시키기엔 부족해 보임</a:t>
-            </a:r>
-            <a:endParaRPr lang="en-US" altLang="ko-KR" sz="1400" dirty="0" smtClean="0">
-              <a:latin typeface="나눔스퀘어 Bold" panose="020B0600000101010101" pitchFamily="50" charset="-127"/>
-              <a:ea typeface="나눔스퀘어 Bold" panose="020B0600000101010101" pitchFamily="50" charset="-127"/>
-            </a:endParaRPr>
-          </a:p>
-        </p:txBody>
-      </p:sp>
-      <p:pic>
-        <p:nvPicPr>
-          <p:cNvPr id="5" name="그림 4"/>
-          <p:cNvPicPr>
-            <a:picLocks noChangeAspect="1"/>
-          </p:cNvPicPr>
-          <p:nvPr/>
-        </p:nvPicPr>
-        <p:blipFill>
-          <a:blip r:embed="rId2"/>
-          <a:stretch>
-            <a:fillRect/>
-          </a:stretch>
-        </p:blipFill>
-        <p:spPr>
-          <a:xfrm>
-            <a:off x="458831" y="905331"/>
-            <a:ext cx="4410075" cy="2466975"/>
-          </a:xfrm>
-          <a:prstGeom prst="rect">
-            <a:avLst/>
-          </a:prstGeom>
-        </p:spPr>
-      </p:pic>
-      <p:pic>
-        <p:nvPicPr>
-          <p:cNvPr id="6" name="그림 5"/>
-          <p:cNvPicPr>
-            <a:picLocks noChangeAspect="1"/>
-          </p:cNvPicPr>
-          <p:nvPr/>
-        </p:nvPicPr>
-        <p:blipFill>
-          <a:blip r:embed="rId3"/>
-          <a:stretch>
-            <a:fillRect/>
-          </a:stretch>
-        </p:blipFill>
-        <p:spPr>
-          <a:xfrm>
-            <a:off x="1227223" y="3530725"/>
-            <a:ext cx="3324225" cy="3190875"/>
-          </a:xfrm>
-          <a:prstGeom prst="rect">
-            <a:avLst/>
-          </a:prstGeom>
-        </p:spPr>
-      </p:pic>
-    </p:spTree>
-    <p:extLst>
-      <p:ext uri="{BB962C8B-B14F-4D97-AF65-F5344CB8AC3E}">
-        <p14:creationId xmlns:p14="http://schemas.microsoft.com/office/powerpoint/2010/main" val="1651669562"/>
       </p:ext>
     </p:extLst>
   </p:cSld>

--- a/CVPR/논문/DA(ECCV) PPT.pptx
+++ b/CVPR/논문/DA(ECCV) PPT.pptx
@@ -266,7 +266,7 @@
           <a:p>
             <a:fld id="{49C8E204-AF0E-4441-855E-76DACF705B48}" type="datetimeFigureOut">
               <a:rPr lang="ko-KR" altLang="en-US" smtClean="0"/>
-              <a:t>2024-09-02</a:t>
+              <a:t>2024-09-03</a:t>
             </a:fld>
             <a:endParaRPr lang="ko-KR" altLang="en-US"/>
           </a:p>
@@ -436,7 +436,7 @@
           <a:p>
             <a:fld id="{49C8E204-AF0E-4441-855E-76DACF705B48}" type="datetimeFigureOut">
               <a:rPr lang="ko-KR" altLang="en-US" smtClean="0"/>
-              <a:t>2024-09-02</a:t>
+              <a:t>2024-09-03</a:t>
             </a:fld>
             <a:endParaRPr lang="ko-KR" altLang="en-US"/>
           </a:p>
@@ -616,7 +616,7 @@
           <a:p>
             <a:fld id="{49C8E204-AF0E-4441-855E-76DACF705B48}" type="datetimeFigureOut">
               <a:rPr lang="ko-KR" altLang="en-US" smtClean="0"/>
-              <a:t>2024-09-02</a:t>
+              <a:t>2024-09-03</a:t>
             </a:fld>
             <a:endParaRPr lang="ko-KR" altLang="en-US"/>
           </a:p>
@@ -786,7 +786,7 @@
           <a:p>
             <a:fld id="{49C8E204-AF0E-4441-855E-76DACF705B48}" type="datetimeFigureOut">
               <a:rPr lang="ko-KR" altLang="en-US" smtClean="0"/>
-              <a:t>2024-09-02</a:t>
+              <a:t>2024-09-03</a:t>
             </a:fld>
             <a:endParaRPr lang="ko-KR" altLang="en-US"/>
           </a:p>
@@ -1032,7 +1032,7 @@
           <a:p>
             <a:fld id="{49C8E204-AF0E-4441-855E-76DACF705B48}" type="datetimeFigureOut">
               <a:rPr lang="ko-KR" altLang="en-US" smtClean="0"/>
-              <a:t>2024-09-02</a:t>
+              <a:t>2024-09-03</a:t>
             </a:fld>
             <a:endParaRPr lang="ko-KR" altLang="en-US"/>
           </a:p>
@@ -1264,7 +1264,7 @@
           <a:p>
             <a:fld id="{49C8E204-AF0E-4441-855E-76DACF705B48}" type="datetimeFigureOut">
               <a:rPr lang="ko-KR" altLang="en-US" smtClean="0"/>
-              <a:t>2024-09-02</a:t>
+              <a:t>2024-09-03</a:t>
             </a:fld>
             <a:endParaRPr lang="ko-KR" altLang="en-US"/>
           </a:p>
@@ -1631,7 +1631,7 @@
           <a:p>
             <a:fld id="{49C8E204-AF0E-4441-855E-76DACF705B48}" type="datetimeFigureOut">
               <a:rPr lang="ko-KR" altLang="en-US" smtClean="0"/>
-              <a:t>2024-09-02</a:t>
+              <a:t>2024-09-03</a:t>
             </a:fld>
             <a:endParaRPr lang="ko-KR" altLang="en-US"/>
           </a:p>
@@ -1749,7 +1749,7 @@
           <a:p>
             <a:fld id="{49C8E204-AF0E-4441-855E-76DACF705B48}" type="datetimeFigureOut">
               <a:rPr lang="ko-KR" altLang="en-US" smtClean="0"/>
-              <a:t>2024-09-02</a:t>
+              <a:t>2024-09-03</a:t>
             </a:fld>
             <a:endParaRPr lang="ko-KR" altLang="en-US"/>
           </a:p>
@@ -1844,7 +1844,7 @@
           <a:p>
             <a:fld id="{49C8E204-AF0E-4441-855E-76DACF705B48}" type="datetimeFigureOut">
               <a:rPr lang="ko-KR" altLang="en-US" smtClean="0"/>
-              <a:t>2024-09-02</a:t>
+              <a:t>2024-09-03</a:t>
             </a:fld>
             <a:endParaRPr lang="ko-KR" altLang="en-US"/>
           </a:p>
@@ -2121,7 +2121,7 @@
           <a:p>
             <a:fld id="{49C8E204-AF0E-4441-855E-76DACF705B48}" type="datetimeFigureOut">
               <a:rPr lang="ko-KR" altLang="en-US" smtClean="0"/>
-              <a:t>2024-09-02</a:t>
+              <a:t>2024-09-03</a:t>
             </a:fld>
             <a:endParaRPr lang="ko-KR" altLang="en-US"/>
           </a:p>
@@ -2374,7 +2374,7 @@
           <a:p>
             <a:fld id="{49C8E204-AF0E-4441-855E-76DACF705B48}" type="datetimeFigureOut">
               <a:rPr lang="ko-KR" altLang="en-US" smtClean="0"/>
-              <a:t>2024-09-02</a:t>
+              <a:t>2024-09-03</a:t>
             </a:fld>
             <a:endParaRPr lang="ko-KR" altLang="en-US"/>
           </a:p>
@@ -2587,7 +2587,7 @@
           <a:p>
             <a:fld id="{49C8E204-AF0E-4441-855E-76DACF705B48}" type="datetimeFigureOut">
               <a:rPr lang="ko-KR" altLang="en-US" smtClean="0"/>
-              <a:t>2024-09-02</a:t>
+              <a:t>2024-09-03</a:t>
             </a:fld>
             <a:endParaRPr lang="ko-KR" altLang="en-US"/>
           </a:p>
@@ -3745,7 +3745,35 @@
                 <a:latin typeface="나눔스퀘어 Bold" panose="020B0600000101010101" pitchFamily="50" charset="-127"/>
                 <a:ea typeface="나눔스퀘어 Bold" panose="020B0600000101010101" pitchFamily="50" charset="-127"/>
               </a:rPr>
-              <a:t>DG-specific module, loss</a:t>
+              <a:t>Domain generalization</a:t>
+            </a:r>
+            <a:r>
+              <a:rPr lang="en-US" altLang="ko-KR" sz="1400" dirty="0" smtClean="0">
+                <a:latin typeface="나눔스퀘어 Bold" panose="020B0600000101010101" pitchFamily="50" charset="-127"/>
+                <a:ea typeface="나눔스퀘어 Bold" panose="020B0600000101010101" pitchFamily="50" charset="-127"/>
+              </a:rPr>
+              <a:t>-specific module</a:t>
+            </a:r>
+            <a:r>
+              <a:rPr lang="ko-KR" altLang="en-US" sz="1400" dirty="0" smtClean="0">
+                <a:latin typeface="나눔스퀘어 Bold" panose="020B0600000101010101" pitchFamily="50" charset="-127"/>
+                <a:ea typeface="나눔스퀘어 Bold" panose="020B0600000101010101" pitchFamily="50" charset="-127"/>
+              </a:rPr>
+              <a:t>이나</a:t>
+            </a:r>
+            <a:r>
+              <a:rPr lang="en-US" altLang="ko-KR" sz="1400" dirty="0" smtClean="0">
+                <a:latin typeface="나눔스퀘어 Bold" panose="020B0600000101010101" pitchFamily="50" charset="-127"/>
+                <a:ea typeface="나눔스퀘어 Bold" panose="020B0600000101010101" pitchFamily="50" charset="-127"/>
+              </a:rPr>
+              <a:t> </a:t>
+            </a:r>
+            <a:r>
+              <a:rPr lang="en-US" altLang="ko-KR" sz="1400" dirty="0" smtClean="0">
+                <a:latin typeface="나눔스퀘어 Bold" panose="020B0600000101010101" pitchFamily="50" charset="-127"/>
+                <a:ea typeface="나눔스퀘어 Bold" panose="020B0600000101010101" pitchFamily="50" charset="-127"/>
+              </a:rPr>
+              <a:t>loss</a:t>
             </a:r>
             <a:r>
               <a:rPr lang="ko-KR" altLang="en-US" sz="1400" dirty="0" smtClean="0">
@@ -3924,7 +3952,14 @@
                 <a:latin typeface="나눔스퀘어 Bold" panose="020B0600000101010101" pitchFamily="50" charset="-127"/>
                 <a:ea typeface="나눔스퀘어 Bold" panose="020B0600000101010101" pitchFamily="50" charset="-127"/>
               </a:rPr>
-              <a:t>Pre-trained CLIP</a:t>
+              <a:t>Pre-trained </a:t>
+            </a:r>
+            <a:r>
+              <a:rPr lang="en-US" altLang="ko-KR" sz="1400" dirty="0" smtClean="0">
+                <a:latin typeface="나눔스퀘어 Bold" panose="020B0600000101010101" pitchFamily="50" charset="-127"/>
+                <a:ea typeface="나눔스퀘어 Bold" panose="020B0600000101010101" pitchFamily="50" charset="-127"/>
+              </a:rPr>
+              <a:t>CLIP</a:t>
             </a:r>
             <a:r>
               <a:rPr lang="ko-KR" altLang="en-US" sz="1400" dirty="0" smtClean="0">
@@ -3959,7 +3994,14 @@
                 <a:latin typeface="나눔스퀘어 Bold" panose="020B0600000101010101" pitchFamily="50" charset="-127"/>
                 <a:ea typeface="나눔스퀘어 Bold" panose="020B0600000101010101" pitchFamily="50" charset="-127"/>
               </a:rPr>
-              <a:t>결과를 보이는데</a:t>
+              <a:t>결과를 </a:t>
+            </a:r>
+            <a:r>
+              <a:rPr lang="ko-KR" altLang="en-US" sz="1400" dirty="0" smtClean="0">
+                <a:latin typeface="나눔스퀘어 Bold" panose="020B0600000101010101" pitchFamily="50" charset="-127"/>
+                <a:ea typeface="나눔스퀘어 Bold" panose="020B0600000101010101" pitchFamily="50" charset="-127"/>
+              </a:rPr>
+              <a:t>보이기 때문에</a:t>
             </a:r>
             <a:r>
               <a:rPr lang="en-US" altLang="ko-KR" sz="1400" dirty="0" smtClean="0">
@@ -3989,28 +4031,42 @@
                 <a:latin typeface="나눔스퀘어 Bold" panose="020B0600000101010101" pitchFamily="50" charset="-127"/>
                 <a:ea typeface="나눔스퀘어 Bold" panose="020B0600000101010101" pitchFamily="50" charset="-127"/>
               </a:rPr>
-              <a:t>linear projection</a:t>
-            </a:r>
-            <a:r>
-              <a:rPr lang="ko-KR" altLang="en-US" sz="1400" dirty="0" smtClean="0">
-                <a:latin typeface="나눔스퀘어 Bold" panose="020B0600000101010101" pitchFamily="50" charset="-127"/>
-                <a:ea typeface="나눔스퀘어 Bold" panose="020B0600000101010101" pitchFamily="50" charset="-127"/>
-              </a:rPr>
-              <a:t>을 추가하는 것만으로 </a:t>
-            </a:r>
-            <a:r>
-              <a:rPr lang="en-US" altLang="ko-KR" sz="1400" dirty="0" smtClean="0">
-                <a:latin typeface="나눔스퀘어 Bold" panose="020B0600000101010101" pitchFamily="50" charset="-127"/>
-                <a:ea typeface="나눔스퀘어 Bold" panose="020B0600000101010101" pitchFamily="50" charset="-127"/>
-              </a:rPr>
-              <a:t>discriminating power</a:t>
-            </a:r>
-            <a:r>
-              <a:rPr lang="ko-KR" altLang="en-US" sz="1400" dirty="0" smtClean="0">
-                <a:latin typeface="나눔스퀘어 Bold" panose="020B0600000101010101" pitchFamily="50" charset="-127"/>
-                <a:ea typeface="나눔스퀘어 Bold" panose="020B0600000101010101" pitchFamily="50" charset="-127"/>
-              </a:rPr>
-              <a:t>를 향상시키기엔 부족해 보임</a:t>
+              <a:t>Local feature</a:t>
+            </a:r>
+            <a:r>
+              <a:rPr lang="ko-KR" altLang="en-US" sz="1400" dirty="0" smtClean="0">
+                <a:latin typeface="나눔스퀘어 Bold" panose="020B0600000101010101" pitchFamily="50" charset="-127"/>
+                <a:ea typeface="나눔스퀘어 Bold" panose="020B0600000101010101" pitchFamily="50" charset="-127"/>
+              </a:rPr>
+              <a:t>에 </a:t>
+            </a:r>
+            <a:r>
+              <a:rPr lang="en-US" altLang="ko-KR" sz="1400" dirty="0" smtClean="0">
+                <a:latin typeface="나눔스퀘어 Bold" panose="020B0600000101010101" pitchFamily="50" charset="-127"/>
+                <a:ea typeface="나눔스퀘어 Bold" panose="020B0600000101010101" pitchFamily="50" charset="-127"/>
+              </a:rPr>
+              <a:t>MLP</a:t>
+            </a:r>
+            <a:r>
+              <a:rPr lang="ko-KR" altLang="en-US" sz="1400" dirty="0" smtClean="0">
+                <a:latin typeface="나눔스퀘어 Bold" panose="020B0600000101010101" pitchFamily="50" charset="-127"/>
+                <a:ea typeface="나눔스퀘어 Bold" panose="020B0600000101010101" pitchFamily="50" charset="-127"/>
+              </a:rPr>
+              <a:t>를 추가하는 방식은 </a:t>
+            </a:r>
+            <a:r>
+              <a:rPr lang="en-US" altLang="ko-KR" sz="1400" dirty="0" smtClean="0">
+                <a:latin typeface="나눔스퀘어 Bold" panose="020B0600000101010101" pitchFamily="50" charset="-127"/>
+                <a:ea typeface="나눔스퀘어 Bold" panose="020B0600000101010101" pitchFamily="50" charset="-127"/>
+              </a:rPr>
+              <a:t>pre-trained knowledge</a:t>
+            </a:r>
+            <a:r>
+              <a:rPr lang="ko-KR" altLang="en-US" sz="1400" dirty="0" smtClean="0">
+                <a:latin typeface="나눔스퀘어 Bold" panose="020B0600000101010101" pitchFamily="50" charset="-127"/>
+                <a:ea typeface="나눔스퀘어 Bold" panose="020B0600000101010101" pitchFamily="50" charset="-127"/>
+              </a:rPr>
+              <a:t>를 활용하지 않고 오히려 잊게 만드는 것으로 보임</a:t>
             </a:r>
             <a:endParaRPr lang="en-US" altLang="ko-KR" sz="1400" dirty="0" smtClean="0">
               <a:latin typeface="나눔스퀘어 Bold" panose="020B0600000101010101" pitchFamily="50" charset="-127"/>
@@ -4281,7 +4337,7 @@
         </p:nvSpPr>
         <p:spPr>
           <a:xfrm>
-            <a:off x="5886445" y="4810856"/>
+            <a:off x="5886443" y="4322168"/>
             <a:ext cx="6207127" cy="523220"/>
           </a:xfrm>
           <a:prstGeom prst="rect">
@@ -4325,21 +4381,35 @@
                 <a:latin typeface="나눔스퀘어 Bold" panose="020B0600000101010101" pitchFamily="50" charset="-127"/>
                 <a:ea typeface="나눔스퀘어 Bold" panose="020B0600000101010101" pitchFamily="50" charset="-127"/>
               </a:rPr>
-              <a:t>generative model</a:t>
-            </a:r>
-            <a:r>
-              <a:rPr lang="ko-KR" altLang="en-US" sz="1400" dirty="0" smtClean="0">
-                <a:latin typeface="나눔스퀘어 Bold" panose="020B0600000101010101" pitchFamily="50" charset="-127"/>
-                <a:ea typeface="나눔스퀘어 Bold" panose="020B0600000101010101" pitchFamily="50" charset="-127"/>
-              </a:rPr>
-              <a:t>을 활용해 </a:t>
-            </a:r>
-            <a:r>
-              <a:rPr lang="en-US" altLang="ko-KR" sz="1400" dirty="0" smtClean="0">
-                <a:latin typeface="나눔스퀘어 Bold" panose="020B0600000101010101" pitchFamily="50" charset="-127"/>
-                <a:ea typeface="나눔스퀘어 Bold" panose="020B0600000101010101" pitchFamily="50" charset="-127"/>
-              </a:rPr>
-              <a:t>domain-specific prompt</a:t>
+              <a:t>generative </a:t>
+            </a:r>
+            <a:r>
+              <a:rPr lang="en-US" altLang="ko-KR" sz="1400" dirty="0" smtClean="0">
+                <a:latin typeface="나눔스퀘어 Bold" panose="020B0600000101010101" pitchFamily="50" charset="-127"/>
+                <a:ea typeface="나눔스퀘어 Bold" panose="020B0600000101010101" pitchFamily="50" charset="-127"/>
+              </a:rPr>
+              <a:t>model</a:t>
+            </a:r>
+            <a:r>
+              <a:rPr lang="ko-KR" altLang="en-US" sz="1400" dirty="0" smtClean="0">
+                <a:latin typeface="나눔스퀘어 Bold" panose="020B0600000101010101" pitchFamily="50" charset="-127"/>
+                <a:ea typeface="나눔스퀘어 Bold" panose="020B0600000101010101" pitchFamily="50" charset="-127"/>
+              </a:rPr>
+              <a:t>이 </a:t>
+            </a:r>
+            <a:r>
+              <a:rPr lang="en-US" altLang="ko-KR" sz="1400" dirty="0" smtClean="0">
+                <a:latin typeface="나눔스퀘어 Bold" panose="020B0600000101010101" pitchFamily="50" charset="-127"/>
+                <a:ea typeface="나눔스퀘어 Bold" panose="020B0600000101010101" pitchFamily="50" charset="-127"/>
+              </a:rPr>
+              <a:t>domain-specific </a:t>
+            </a:r>
+            <a:r>
+              <a:rPr lang="en-US" altLang="ko-KR" sz="1400" dirty="0" smtClean="0">
+                <a:latin typeface="나눔스퀘어 Bold" panose="020B0600000101010101" pitchFamily="50" charset="-127"/>
+                <a:ea typeface="나눔스퀘어 Bold" panose="020B0600000101010101" pitchFamily="50" charset="-127"/>
+              </a:rPr>
+              <a:t>prompt</a:t>
             </a:r>
             <a:r>
               <a:rPr lang="ko-KR" altLang="en-US" sz="1400" dirty="0" smtClean="0">
@@ -4486,21 +4556,14 @@
                 <a:latin typeface="나눔스퀘어 Bold" panose="020B0600000101010101" pitchFamily="50" charset="-127"/>
                 <a:ea typeface="나눔스퀘어 Bold" panose="020B0600000101010101" pitchFamily="50" charset="-127"/>
               </a:rPr>
-              <a:t>unseen domain</a:t>
-            </a:r>
-            <a:r>
-              <a:rPr lang="ko-KR" altLang="en-US" sz="1400" dirty="0" smtClean="0">
-                <a:latin typeface="나눔스퀘어 Bold" panose="020B0600000101010101" pitchFamily="50" charset="-127"/>
-                <a:ea typeface="나눔스퀘어 Bold" panose="020B0600000101010101" pitchFamily="50" charset="-127"/>
-              </a:rPr>
-              <a:t>으로의 </a:t>
-            </a:r>
-            <a:r>
-              <a:rPr lang="en-US" altLang="ko-KR" sz="1400" dirty="0" smtClean="0">
-                <a:latin typeface="나눔스퀘어 Bold" panose="020B0600000101010101" pitchFamily="50" charset="-127"/>
-                <a:ea typeface="나눔스퀘어 Bold" panose="020B0600000101010101" pitchFamily="50" charset="-127"/>
-              </a:rPr>
-              <a:t>transferability</a:t>
+              <a:t>unseen </a:t>
+            </a:r>
+            <a:r>
+              <a:rPr lang="en-US" altLang="ko-KR" sz="1400" dirty="0" smtClean="0">
+                <a:latin typeface="나눔스퀘어 Bold" panose="020B0600000101010101" pitchFamily="50" charset="-127"/>
+                <a:ea typeface="나눔스퀘어 Bold" panose="020B0600000101010101" pitchFamily="50" charset="-127"/>
+              </a:rPr>
+              <a:t>domain transferability</a:t>
             </a:r>
             <a:r>
               <a:rPr lang="ko-KR" altLang="en-US" sz="1400" dirty="0" smtClean="0">
@@ -4785,14 +4848,28 @@
                 <a:latin typeface="나눔스퀘어 Bold" panose="020B0600000101010101" pitchFamily="50" charset="-127"/>
                 <a:ea typeface="나눔스퀘어 Bold" panose="020B0600000101010101" pitchFamily="50" charset="-127"/>
               </a:rPr>
-              <a:t>을 입력해</a:t>
-            </a:r>
-            <a:r>
-              <a:rPr lang="en-US" altLang="ko-KR" sz="1400" dirty="0" smtClean="0">
-                <a:latin typeface="나눔스퀘어 Bold" panose="020B0600000101010101" pitchFamily="50" charset="-127"/>
-                <a:ea typeface="나눔스퀘어 Bold" panose="020B0600000101010101" pitchFamily="50" charset="-127"/>
-              </a:rPr>
-              <a:t>, generated prompt</a:t>
+              <a:t>을 </a:t>
+            </a:r>
+            <a:r>
+              <a:rPr lang="ko-KR" altLang="en-US" sz="1400" dirty="0" smtClean="0">
+                <a:latin typeface="나눔스퀘어 Bold" panose="020B0600000101010101" pitchFamily="50" charset="-127"/>
+                <a:ea typeface="나눔스퀘어 Bold" panose="020B0600000101010101" pitchFamily="50" charset="-127"/>
+              </a:rPr>
+              <a:t>입력해</a:t>
+            </a:r>
+            <a:r>
+              <a:rPr lang="en-US" altLang="ko-KR" sz="1400" dirty="0" smtClean="0">
+                <a:latin typeface="나눔스퀘어 Bold" panose="020B0600000101010101" pitchFamily="50" charset="-127"/>
+                <a:ea typeface="나눔스퀘어 Bold" panose="020B0600000101010101" pitchFamily="50" charset="-127"/>
+              </a:rPr>
+              <a:t> </a:t>
+            </a:r>
+            <a:r>
+              <a:rPr lang="en-US" altLang="ko-KR" sz="1400" dirty="0" smtClean="0">
+                <a:latin typeface="나눔스퀘어 Bold" panose="020B0600000101010101" pitchFamily="50" charset="-127"/>
+                <a:ea typeface="나눔스퀘어 Bold" panose="020B0600000101010101" pitchFamily="50" charset="-127"/>
+              </a:rPr>
+              <a:t>generated prompt</a:t>
             </a:r>
             <a:r>
               <a:rPr lang="ko-KR" altLang="en-US" sz="1400" dirty="0" smtClean="0">
@@ -4880,8 +4957,8 @@
           </a:p>
         </p:txBody>
       </p:sp>
-      <mc:AlternateContent xmlns:mc="http://schemas.openxmlformats.org/markup-compatibility/2006" xmlns:a14="http://schemas.microsoft.com/office/drawing/2010/main">
-        <mc:Choice Requires="a14">
+      <mc:AlternateContent xmlns:mc="http://schemas.openxmlformats.org/markup-compatibility/2006">
+        <mc:Choice xmlns:a14="http://schemas.microsoft.com/office/drawing/2010/main" Requires="a14">
           <p:sp>
             <p:nvSpPr>
               <p:cNvPr id="10" name="TextBox 9">
@@ -5062,7 +5139,28 @@
                     <a:latin typeface="나눔스퀘어 Bold" panose="020B0600000101010101" pitchFamily="50" charset="-127"/>
                     <a:ea typeface="나눔스퀘어 Bold" panose="020B0600000101010101" pitchFamily="50" charset="-127"/>
                   </a:rPr>
-                  <a:t> 방식으로 학습함</a:t>
+                  <a:t> </a:t>
+                </a:r>
+                <a:r>
+                  <a:rPr lang="ko-KR" altLang="en-US" sz="1400" dirty="0" smtClean="0">
+                    <a:latin typeface="나눔스퀘어 Bold" panose="020B0600000101010101" pitchFamily="50" charset="-127"/>
+                    <a:ea typeface="나눔스퀘어 Bold" panose="020B0600000101010101" pitchFamily="50" charset="-127"/>
+                  </a:rPr>
+                  <a:t>과정</a:t>
+                </a:r>
+                <a:r>
+                  <a:rPr lang="ko-KR" altLang="en-US" sz="1400" dirty="0" smtClean="0">
+                    <a:latin typeface="나눔스퀘어 Bold" panose="020B0600000101010101" pitchFamily="50" charset="-127"/>
+                    <a:ea typeface="나눔스퀘어 Bold" panose="020B0600000101010101" pitchFamily="50" charset="-127"/>
+                  </a:rPr>
+                  <a:t>으로 </a:t>
+                </a:r>
+                <a:r>
+                  <a:rPr lang="ko-KR" altLang="en-US" sz="1400" dirty="0" smtClean="0">
+                    <a:latin typeface="나눔스퀘어 Bold" panose="020B0600000101010101" pitchFamily="50" charset="-127"/>
+                    <a:ea typeface="나눔스퀘어 Bold" panose="020B0600000101010101" pitchFamily="50" charset="-127"/>
+                  </a:rPr>
+                  <a:t>학습함</a:t>
                 </a:r>
                 <a:endParaRPr lang="en-US" altLang="ko-KR" sz="1400" dirty="0" smtClean="0">
                   <a:latin typeface="나눔스퀘어 Bold" panose="020B0600000101010101" pitchFamily="50" charset="-127"/>
@@ -5072,7 +5170,7 @@
             </p:txBody>
           </p:sp>
         </mc:Choice>
-        <mc:Fallback xmlns="">
+        <mc:Fallback>
           <p:sp>
             <p:nvSpPr>
               <p:cNvPr id="10" name="TextBox 9">
@@ -5351,7 +5449,28 @@
                 <a:latin typeface="나눔스퀘어 Bold" panose="020B0600000101010101" pitchFamily="50" charset="-127"/>
                 <a:ea typeface="나눔스퀘어 Bold" panose="020B0600000101010101" pitchFamily="50" charset="-127"/>
               </a:rPr>
-              <a:t>generated domain, instance-specific prompt</a:t>
+              <a:t>CGAN</a:t>
+            </a:r>
+            <a:r>
+              <a:rPr lang="ko-KR" altLang="en-US" sz="1400" dirty="0" smtClean="0">
+                <a:latin typeface="나눔스퀘어 Bold" panose="020B0600000101010101" pitchFamily="50" charset="-127"/>
+                <a:ea typeface="나눔스퀘어 Bold" panose="020B0600000101010101" pitchFamily="50" charset="-127"/>
+              </a:rPr>
+              <a:t>이 생성한</a:t>
+            </a:r>
+            <a:r>
+              <a:rPr lang="en-US" altLang="ko-KR" sz="1400" dirty="0" smtClean="0">
+                <a:latin typeface="나눔스퀘어 Bold" panose="020B0600000101010101" pitchFamily="50" charset="-127"/>
+                <a:ea typeface="나눔스퀘어 Bold" panose="020B0600000101010101" pitchFamily="50" charset="-127"/>
+              </a:rPr>
+              <a:t> </a:t>
+            </a:r>
+            <a:r>
+              <a:rPr lang="en-US" altLang="ko-KR" sz="1400" dirty="0" smtClean="0">
+                <a:latin typeface="나눔스퀘어 Bold" panose="020B0600000101010101" pitchFamily="50" charset="-127"/>
+                <a:ea typeface="나눔스퀘어 Bold" panose="020B0600000101010101" pitchFamily="50" charset="-127"/>
+              </a:rPr>
+              <a:t>domain, instance-specific prompt</a:t>
             </a:r>
             <a:r>
               <a:rPr lang="ko-KR" altLang="en-US" sz="1400" dirty="0" smtClean="0">
@@ -5736,7 +5855,14 @@
                 <a:latin typeface="나눔스퀘어 Bold" panose="020B0600000101010101" pitchFamily="50" charset="-127"/>
                 <a:ea typeface="나눔스퀘어 Bold" panose="020B0600000101010101" pitchFamily="50" charset="-127"/>
               </a:rPr>
-              <a:t>간의 명확한 </a:t>
+              <a:t>간 </a:t>
+            </a:r>
+            <a:r>
+              <a:rPr lang="ko-KR" altLang="en-US" sz="1400" dirty="0" smtClean="0">
+                <a:latin typeface="나눔스퀘어 Bold" panose="020B0600000101010101" pitchFamily="50" charset="-127"/>
+                <a:ea typeface="나눔스퀘어 Bold" panose="020B0600000101010101" pitchFamily="50" charset="-127"/>
+              </a:rPr>
+              <a:t>명확한 </a:t>
             </a:r>
             <a:r>
               <a:rPr lang="en-US" altLang="ko-KR" sz="1400" dirty="0" smtClean="0">
@@ -6279,7 +6405,7 @@
         <p:spPr>
           <a:xfrm>
             <a:off x="5886441" y="2558506"/>
-            <a:ext cx="6207127" cy="2462213"/>
+            <a:ext cx="6207127" cy="1384995"/>
           </a:xfrm>
           <a:prstGeom prst="rect">
             <a:avLst/>
@@ -6316,317 +6442,103 @@
                 <a:latin typeface="나눔스퀘어 Bold" panose="020B0600000101010101" pitchFamily="50" charset="-127"/>
                 <a:ea typeface="나눔스퀘어 Bold" panose="020B0600000101010101" pitchFamily="50" charset="-127"/>
               </a:rPr>
-              <a:t>stage </a:t>
-            </a:r>
-            <a:r>
-              <a:rPr lang="en-US" altLang="ko-KR" sz="1400" dirty="0">
-                <a:latin typeface="나눔스퀘어 Bold" panose="020B0600000101010101" pitchFamily="50" charset="-127"/>
-                <a:ea typeface="나눔스퀘어 Bold" panose="020B0600000101010101" pitchFamily="50" charset="-127"/>
-              </a:rPr>
-              <a:t>1</a:t>
-            </a:r>
-            <a:r>
-              <a:rPr lang="ko-KR" altLang="en-US" sz="1400" dirty="0">
-                <a:latin typeface="나눔스퀘어 Bold" panose="020B0600000101010101" pitchFamily="50" charset="-127"/>
-                <a:ea typeface="나눔스퀘어 Bold" panose="020B0600000101010101" pitchFamily="50" charset="-127"/>
-              </a:rPr>
-              <a:t>에서는 </a:t>
-            </a:r>
-            <a:r>
-              <a:rPr lang="en-US" altLang="ko-KR" sz="1400" dirty="0">
+              <a:t>Target domain</a:t>
+            </a:r>
+            <a:r>
+              <a:rPr lang="ko-KR" altLang="en-US" sz="1400" dirty="0" smtClean="0">
+                <a:latin typeface="나눔스퀘어 Bold" panose="020B0600000101010101" pitchFamily="50" charset="-127"/>
+                <a:ea typeface="나눔스퀘어 Bold" panose="020B0600000101010101" pitchFamily="50" charset="-127"/>
+              </a:rPr>
+              <a:t>에 대해 </a:t>
+            </a:r>
+            <a:r>
+              <a:rPr lang="en-US" altLang="ko-KR" sz="1400" dirty="0" smtClean="0">
+                <a:latin typeface="나눔스퀘어 Bold" panose="020B0600000101010101" pitchFamily="50" charset="-127"/>
+                <a:ea typeface="나눔스퀘어 Bold" panose="020B0600000101010101" pitchFamily="50" charset="-127"/>
+              </a:rPr>
+              <a:t>text-image alignment</a:t>
+            </a:r>
+            <a:r>
+              <a:rPr lang="ko-KR" altLang="en-US" sz="1400" dirty="0" smtClean="0">
+                <a:latin typeface="나눔스퀘어 Bold" panose="020B0600000101010101" pitchFamily="50" charset="-127"/>
+                <a:ea typeface="나눔스퀘어 Bold" panose="020B0600000101010101" pitchFamily="50" charset="-127"/>
+              </a:rPr>
+              <a:t>를 수행하지 않고</a:t>
+            </a:r>
+            <a:r>
+              <a:rPr lang="en-US" altLang="ko-KR" sz="1400" dirty="0" smtClean="0">
+                <a:latin typeface="나눔스퀘어 Bold" panose="020B0600000101010101" pitchFamily="50" charset="-127"/>
+                <a:ea typeface="나눔스퀘어 Bold" panose="020B0600000101010101" pitchFamily="50" charset="-127"/>
+              </a:rPr>
+              <a:t>, source domain prompt</a:t>
+            </a:r>
+            <a:r>
+              <a:rPr lang="ko-KR" altLang="en-US" sz="1400" dirty="0" smtClean="0">
+                <a:latin typeface="나눔스퀘어 Bold" panose="020B0600000101010101" pitchFamily="50" charset="-127"/>
+                <a:ea typeface="나눔스퀘어 Bold" panose="020B0600000101010101" pitchFamily="50" charset="-127"/>
+              </a:rPr>
+              <a:t>와 유사한 </a:t>
+            </a:r>
+            <a:r>
+              <a:rPr lang="en-US" altLang="ko-KR" sz="1400" dirty="0" smtClean="0">
                 <a:latin typeface="나눔스퀘어 Bold" panose="020B0600000101010101" pitchFamily="50" charset="-127"/>
                 <a:ea typeface="나눔스퀘어 Bold" panose="020B0600000101010101" pitchFamily="50" charset="-127"/>
               </a:rPr>
               <a:t>prompt</a:t>
             </a:r>
             <a:r>
-              <a:rPr lang="ko-KR" altLang="en-US" sz="1400" dirty="0">
-                <a:latin typeface="나눔스퀘어 Bold" panose="020B0600000101010101" pitchFamily="50" charset="-127"/>
-                <a:ea typeface="나눔스퀘어 Bold" panose="020B0600000101010101" pitchFamily="50" charset="-127"/>
-              </a:rPr>
-              <a:t>에 </a:t>
-            </a:r>
-            <a:r>
-              <a:rPr lang="en-US" altLang="ko-KR" sz="1400" dirty="0">
-                <a:latin typeface="나눔스퀘어 Bold" panose="020B0600000101010101" pitchFamily="50" charset="-127"/>
-                <a:ea typeface="나눔스퀘어 Bold" panose="020B0600000101010101" pitchFamily="50" charset="-127"/>
-              </a:rPr>
-              <a:t>class token</a:t>
-            </a:r>
-            <a:r>
-              <a:rPr lang="ko-KR" altLang="en-US" sz="1400" dirty="0">
-                <a:latin typeface="나눔스퀘어 Bold" panose="020B0600000101010101" pitchFamily="50" charset="-127"/>
-                <a:ea typeface="나눔스퀘어 Bold" panose="020B0600000101010101" pitchFamily="50" charset="-127"/>
-              </a:rPr>
-              <a:t>을 추가한 후 </a:t>
-            </a:r>
-            <a:r>
-              <a:rPr lang="en-US" altLang="ko-KR" sz="1400" dirty="0" smtClean="0">
-                <a:latin typeface="나눔스퀘어 Bold" panose="020B0600000101010101" pitchFamily="50" charset="-127"/>
-                <a:ea typeface="나눔스퀘어 Bold" panose="020B0600000101010101" pitchFamily="50" charset="-127"/>
-              </a:rPr>
-              <a:t>contrastive loss</a:t>
-            </a:r>
-            <a:r>
-              <a:rPr lang="ko-KR" altLang="en-US" sz="1400" dirty="0" smtClean="0">
-                <a:latin typeface="나눔스퀘어 Bold" panose="020B0600000101010101" pitchFamily="50" charset="-127"/>
-                <a:ea typeface="나눔스퀘어 Bold" panose="020B0600000101010101" pitchFamily="50" charset="-127"/>
-              </a:rPr>
-              <a:t>로 </a:t>
-            </a:r>
-            <a:r>
-              <a:rPr lang="en-US" altLang="ko-KR" sz="1400" dirty="0" smtClean="0">
-                <a:latin typeface="나눔스퀘어 Bold" panose="020B0600000101010101" pitchFamily="50" charset="-127"/>
-                <a:ea typeface="나눔스퀘어 Bold" panose="020B0600000101010101" pitchFamily="50" charset="-127"/>
-              </a:rPr>
-              <a:t>domain </a:t>
-            </a:r>
-            <a:r>
-              <a:rPr lang="en-US" altLang="ko-KR" sz="1400" dirty="0">
-                <a:latin typeface="나눔스퀘어 Bold" panose="020B0600000101010101" pitchFamily="50" charset="-127"/>
-                <a:ea typeface="나눔스퀘어 Bold" panose="020B0600000101010101" pitchFamily="50" charset="-127"/>
-              </a:rPr>
-              <a:t>prompt label</a:t>
-            </a:r>
-            <a:r>
-              <a:rPr lang="ko-KR" altLang="en-US" sz="1400" dirty="0">
-                <a:latin typeface="나눔스퀘어 Bold" panose="020B0600000101010101" pitchFamily="50" charset="-127"/>
-                <a:ea typeface="나눔스퀘어 Bold" panose="020B0600000101010101" pitchFamily="50" charset="-127"/>
-              </a:rPr>
-              <a:t>을 학습한 반면</a:t>
-            </a:r>
-            <a:r>
-              <a:rPr lang="en-US" altLang="ko-KR" sz="1400" dirty="0" smtClean="0">
-                <a:latin typeface="나눔스퀘어 Bold" panose="020B0600000101010101" pitchFamily="50" charset="-127"/>
-                <a:ea typeface="나눔스퀘어 Bold" panose="020B0600000101010101" pitchFamily="50" charset="-127"/>
-              </a:rPr>
-              <a:t>,</a:t>
-            </a:r>
-          </a:p>
-          <a:p>
-            <a:pPr marL="285750" indent="-285750">
-              <a:buFont typeface="Wingdings" panose="05000000000000000000" pitchFamily="2" charset="2"/>
-              <a:buChar char="§"/>
-            </a:pPr>
-            <a:endParaRPr lang="en-US" altLang="ko-KR" sz="1400" dirty="0">
+              <a:rPr lang="ko-KR" altLang="en-US" sz="1400" dirty="0" smtClean="0">
+                <a:latin typeface="나눔스퀘어 Bold" panose="020B0600000101010101" pitchFamily="50" charset="-127"/>
+                <a:ea typeface="나눔스퀘어 Bold" panose="020B0600000101010101" pitchFamily="50" charset="-127"/>
+              </a:rPr>
+              <a:t>를 생성하도록 </a:t>
+            </a:r>
+            <a:r>
+              <a:rPr lang="en-US" altLang="ko-KR" sz="1400" dirty="0" smtClean="0">
+                <a:latin typeface="나눔스퀘어 Bold" panose="020B0600000101010101" pitchFamily="50" charset="-127"/>
+                <a:ea typeface="나눔스퀘어 Bold" panose="020B0600000101010101" pitchFamily="50" charset="-127"/>
+              </a:rPr>
+              <a:t>CGAN</a:t>
+            </a:r>
+            <a:r>
+              <a:rPr lang="ko-KR" altLang="en-US" sz="1400" dirty="0" smtClean="0">
+                <a:latin typeface="나눔스퀘어 Bold" panose="020B0600000101010101" pitchFamily="50" charset="-127"/>
+                <a:ea typeface="나눔스퀘어 Bold" panose="020B0600000101010101" pitchFamily="50" charset="-127"/>
+              </a:rPr>
+              <a:t>을 학습하는 것만으로 적절한 </a:t>
+            </a:r>
+            <a:r>
+              <a:rPr lang="en-US" altLang="ko-KR" sz="1400" dirty="0" smtClean="0">
+                <a:latin typeface="나눔스퀘어 Bold" panose="020B0600000101010101" pitchFamily="50" charset="-127"/>
+                <a:ea typeface="나눔스퀘어 Bold" panose="020B0600000101010101" pitchFamily="50" charset="-127"/>
+              </a:rPr>
+              <a:t>domain-specific prompt</a:t>
+            </a:r>
+            <a:r>
+              <a:rPr lang="ko-KR" altLang="en-US" sz="1400" dirty="0" smtClean="0">
+                <a:latin typeface="나눔스퀘어 Bold" panose="020B0600000101010101" pitchFamily="50" charset="-127"/>
+                <a:ea typeface="나눔스퀘어 Bold" panose="020B0600000101010101" pitchFamily="50" charset="-127"/>
+              </a:rPr>
+              <a:t>를 생성하긴 어려워</a:t>
+            </a:r>
+            <a:r>
+              <a:rPr lang="en-US" altLang="ko-KR" sz="1400" dirty="0" smtClean="0">
+                <a:latin typeface="나눔스퀘어 Bold" panose="020B0600000101010101" pitchFamily="50" charset="-127"/>
+                <a:ea typeface="나눔스퀘어 Bold" panose="020B0600000101010101" pitchFamily="50" charset="-127"/>
+              </a:rPr>
+              <a:t> </a:t>
+            </a:r>
+            <a:r>
+              <a:rPr lang="ko-KR" altLang="en-US" sz="1400" dirty="0" smtClean="0">
+                <a:latin typeface="나눔스퀘어 Bold" panose="020B0600000101010101" pitchFamily="50" charset="-127"/>
+                <a:ea typeface="나눔스퀘어 Bold" panose="020B0600000101010101" pitchFamily="50" charset="-127"/>
+              </a:rPr>
+              <a:t>보임</a:t>
+            </a:r>
+            <a:endParaRPr lang="ko-KR" altLang="en-US" sz="1400" dirty="0" smtClean="0">
               <a:latin typeface="나눔스퀘어 Bold" panose="020B0600000101010101" pitchFamily="50" charset="-127"/>
               <a:ea typeface="나눔스퀘어 Bold" panose="020B0600000101010101" pitchFamily="50" charset="-127"/>
             </a:endParaRPr>
-          </a:p>
-          <a:p>
-            <a:pPr marL="285750" indent="-285750">
-              <a:buFont typeface="Wingdings" panose="05000000000000000000" pitchFamily="2" charset="2"/>
-              <a:buChar char="§"/>
-            </a:pPr>
-            <a:r>
-              <a:rPr lang="en-US" altLang="ko-KR" sz="1400" dirty="0" smtClean="0">
-                <a:latin typeface="나눔스퀘어 Bold" panose="020B0600000101010101" pitchFamily="50" charset="-127"/>
-                <a:ea typeface="나눔스퀘어 Bold" panose="020B0600000101010101" pitchFamily="50" charset="-127"/>
-              </a:rPr>
-              <a:t>stage </a:t>
-            </a:r>
-            <a:r>
-              <a:rPr lang="en-US" altLang="ko-KR" sz="1400" dirty="0">
-                <a:latin typeface="나눔스퀘어 Bold" panose="020B0600000101010101" pitchFamily="50" charset="-127"/>
-                <a:ea typeface="나눔스퀘어 Bold" panose="020B0600000101010101" pitchFamily="50" charset="-127"/>
-              </a:rPr>
-              <a:t>2</a:t>
-            </a:r>
-            <a:r>
-              <a:rPr lang="ko-KR" altLang="en-US" sz="1400" dirty="0">
-                <a:latin typeface="나눔스퀘어 Bold" panose="020B0600000101010101" pitchFamily="50" charset="-127"/>
-                <a:ea typeface="나눔스퀘어 Bold" panose="020B0600000101010101" pitchFamily="50" charset="-127"/>
-              </a:rPr>
-              <a:t>에서는 </a:t>
-            </a:r>
-            <a:r>
-              <a:rPr lang="en-US" altLang="ko-KR" sz="1400" dirty="0" smtClean="0">
-                <a:latin typeface="나눔스퀘어 Bold" panose="020B0600000101010101" pitchFamily="50" charset="-127"/>
-                <a:ea typeface="나눔스퀘어 Bold" panose="020B0600000101010101" pitchFamily="50" charset="-127"/>
-              </a:rPr>
-              <a:t>unlabeled single </a:t>
-            </a:r>
-            <a:r>
-              <a:rPr lang="en-US" altLang="ko-KR" sz="1400" dirty="0">
-                <a:latin typeface="나눔스퀘어 Bold" panose="020B0600000101010101" pitchFamily="50" charset="-127"/>
-                <a:ea typeface="나눔스퀘어 Bold" panose="020B0600000101010101" pitchFamily="50" charset="-127"/>
-              </a:rPr>
-              <a:t>image</a:t>
-            </a:r>
-            <a:r>
-              <a:rPr lang="ko-KR" altLang="en-US" sz="1400" dirty="0">
-                <a:latin typeface="나눔스퀘어 Bold" panose="020B0600000101010101" pitchFamily="50" charset="-127"/>
-                <a:ea typeface="나눔스퀘어 Bold" panose="020B0600000101010101" pitchFamily="50" charset="-127"/>
-              </a:rPr>
-              <a:t>로부터 </a:t>
-            </a:r>
-            <a:r>
-              <a:rPr lang="en-US" altLang="ko-KR" sz="1400" dirty="0">
-                <a:latin typeface="나눔스퀘어 Bold" panose="020B0600000101010101" pitchFamily="50" charset="-127"/>
-                <a:ea typeface="나눔스퀘어 Bold" panose="020B0600000101010101" pitchFamily="50" charset="-127"/>
-              </a:rPr>
-              <a:t>class token</a:t>
-            </a:r>
-            <a:r>
-              <a:rPr lang="ko-KR" altLang="en-US" sz="1400" dirty="0">
-                <a:latin typeface="나눔스퀘어 Bold" panose="020B0600000101010101" pitchFamily="50" charset="-127"/>
-                <a:ea typeface="나눔스퀘어 Bold" panose="020B0600000101010101" pitchFamily="50" charset="-127"/>
-              </a:rPr>
-              <a:t>을 제외한 </a:t>
-            </a:r>
-            <a:r>
-              <a:rPr lang="en-US" altLang="ko-KR" sz="1400" dirty="0">
-                <a:latin typeface="나눔스퀘어 Bold" panose="020B0600000101010101" pitchFamily="50" charset="-127"/>
-                <a:ea typeface="나눔스퀘어 Bold" panose="020B0600000101010101" pitchFamily="50" charset="-127"/>
-              </a:rPr>
-              <a:t>domain prompt</a:t>
-            </a:r>
-            <a:r>
-              <a:rPr lang="ko-KR" altLang="en-US" sz="1400" dirty="0">
-                <a:latin typeface="나눔스퀘어 Bold" panose="020B0600000101010101" pitchFamily="50" charset="-127"/>
-                <a:ea typeface="나눔스퀘어 Bold" panose="020B0600000101010101" pitchFamily="50" charset="-127"/>
-              </a:rPr>
-              <a:t>만을 </a:t>
-            </a:r>
-            <a:r>
-              <a:rPr lang="ko-KR" altLang="en-US" sz="1400" dirty="0" smtClean="0">
-                <a:latin typeface="나눔스퀘어 Bold" panose="020B0600000101010101" pitchFamily="50" charset="-127"/>
-                <a:ea typeface="나눔스퀘어 Bold" panose="020B0600000101010101" pitchFamily="50" charset="-127"/>
-              </a:rPr>
-              <a:t>생성함</a:t>
-            </a:r>
-            <a:endParaRPr lang="en-US" altLang="ko-KR" sz="1400" dirty="0" smtClean="0">
-              <a:latin typeface="나눔스퀘어 Bold" panose="020B0600000101010101" pitchFamily="50" charset="-127"/>
-              <a:ea typeface="나눔스퀘어 Bold" panose="020B0600000101010101" pitchFamily="50" charset="-127"/>
-            </a:endParaRPr>
-          </a:p>
-          <a:p>
-            <a:pPr marL="285750" indent="-285750">
-              <a:buFont typeface="Wingdings" panose="05000000000000000000" pitchFamily="2" charset="2"/>
-              <a:buChar char="§"/>
-            </a:pPr>
-            <a:endParaRPr lang="en-US" altLang="ko-KR" sz="1400" dirty="0">
-              <a:latin typeface="나눔스퀘어 Bold" panose="020B0600000101010101" pitchFamily="50" charset="-127"/>
-              <a:ea typeface="나눔스퀘어 Bold" panose="020B0600000101010101" pitchFamily="50" charset="-127"/>
-            </a:endParaRPr>
-          </a:p>
-          <a:p>
-            <a:pPr marL="285750" indent="-285750">
-              <a:buFont typeface="Wingdings" panose="05000000000000000000" pitchFamily="2" charset="2"/>
-              <a:buChar char="§"/>
-            </a:pPr>
-            <a:r>
-              <a:rPr lang="ko-KR" altLang="en-US" sz="1400" dirty="0" smtClean="0">
-                <a:latin typeface="나눔스퀘어 Bold" panose="020B0600000101010101" pitchFamily="50" charset="-127"/>
-                <a:ea typeface="나눔스퀘어 Bold" panose="020B0600000101010101" pitchFamily="50" charset="-127"/>
-              </a:rPr>
-              <a:t>따라서 </a:t>
-            </a:r>
-            <a:r>
-              <a:rPr lang="en-US" altLang="ko-KR" sz="1400" dirty="0">
-                <a:latin typeface="나눔스퀘어 Bold" panose="020B0600000101010101" pitchFamily="50" charset="-127"/>
-                <a:ea typeface="나눔스퀘어 Bold" panose="020B0600000101010101" pitchFamily="50" charset="-127"/>
-              </a:rPr>
-              <a:t>generated prompt</a:t>
-            </a:r>
-            <a:r>
-              <a:rPr lang="ko-KR" altLang="en-US" sz="1400" dirty="0">
-                <a:latin typeface="나눔스퀘어 Bold" panose="020B0600000101010101" pitchFamily="50" charset="-127"/>
-                <a:ea typeface="나눔스퀘어 Bold" panose="020B0600000101010101" pitchFamily="50" charset="-127"/>
-              </a:rPr>
-              <a:t>는 </a:t>
-            </a:r>
-            <a:r>
-              <a:rPr lang="en-US" altLang="ko-KR" sz="1400" dirty="0">
-                <a:latin typeface="나눔스퀘어 Bold" panose="020B0600000101010101" pitchFamily="50" charset="-127"/>
-                <a:ea typeface="나눔스퀘어 Bold" panose="020B0600000101010101" pitchFamily="50" charset="-127"/>
-              </a:rPr>
-              <a:t>class </a:t>
-            </a:r>
-            <a:r>
-              <a:rPr lang="ko-KR" altLang="en-US" sz="1400" dirty="0">
-                <a:latin typeface="나눔스퀘어 Bold" panose="020B0600000101010101" pitchFamily="50" charset="-127"/>
-                <a:ea typeface="나눔스퀘어 Bold" panose="020B0600000101010101" pitchFamily="50" charset="-127"/>
-              </a:rPr>
-              <a:t>정보까지 </a:t>
-            </a:r>
-            <a:r>
-              <a:rPr lang="ko-KR" altLang="en-US" sz="1400" dirty="0" smtClean="0">
-                <a:latin typeface="나눔스퀘어 Bold" panose="020B0600000101010101" pitchFamily="50" charset="-127"/>
-                <a:ea typeface="나눔스퀘어 Bold" panose="020B0600000101010101" pitchFamily="50" charset="-127"/>
-              </a:rPr>
-              <a:t>포함하기 때문에</a:t>
-            </a:r>
-            <a:r>
-              <a:rPr lang="en-US" altLang="ko-KR" sz="1400" dirty="0" smtClean="0">
-                <a:latin typeface="나눔스퀘어 Bold" panose="020B0600000101010101" pitchFamily="50" charset="-127"/>
-                <a:ea typeface="나눔스퀘어 Bold" panose="020B0600000101010101" pitchFamily="50" charset="-127"/>
-              </a:rPr>
-              <a:t>, discriminator</a:t>
-            </a:r>
-            <a:r>
-              <a:rPr lang="ko-KR" altLang="en-US" sz="1400" dirty="0" smtClean="0">
-                <a:latin typeface="나눔스퀘어 Bold" panose="020B0600000101010101" pitchFamily="50" charset="-127"/>
-                <a:ea typeface="나눔스퀘어 Bold" panose="020B0600000101010101" pitchFamily="50" charset="-127"/>
-              </a:rPr>
-              <a:t>에 입력되는 </a:t>
-            </a:r>
-            <a:r>
-              <a:rPr lang="en-US" altLang="ko-KR" sz="1400" dirty="0" smtClean="0">
-                <a:latin typeface="나눔스퀘어 Bold" panose="020B0600000101010101" pitchFamily="50" charset="-127"/>
-                <a:ea typeface="나눔스퀘어 Bold" panose="020B0600000101010101" pitchFamily="50" charset="-127"/>
-              </a:rPr>
-              <a:t>real prompt</a:t>
-            </a:r>
-            <a:r>
-              <a:rPr lang="ko-KR" altLang="en-US" sz="1400" dirty="0" smtClean="0">
-                <a:latin typeface="나눔스퀘어 Bold" panose="020B0600000101010101" pitchFamily="50" charset="-127"/>
-                <a:ea typeface="나눔스퀘어 Bold" panose="020B0600000101010101" pitchFamily="50" charset="-127"/>
-              </a:rPr>
-              <a:t>와 </a:t>
-            </a:r>
-            <a:r>
-              <a:rPr lang="en-US" altLang="ko-KR" sz="1400" dirty="0" smtClean="0">
-                <a:latin typeface="나눔스퀘어 Bold" panose="020B0600000101010101" pitchFamily="50" charset="-127"/>
-                <a:ea typeface="나눔스퀘어 Bold" panose="020B0600000101010101" pitchFamily="50" charset="-127"/>
-              </a:rPr>
-              <a:t>generated prompt</a:t>
-            </a:r>
-            <a:r>
-              <a:rPr lang="ko-KR" altLang="en-US" sz="1400" dirty="0" smtClean="0">
-                <a:latin typeface="나눔스퀘어 Bold" panose="020B0600000101010101" pitchFamily="50" charset="-127"/>
-                <a:ea typeface="나눔스퀘어 Bold" panose="020B0600000101010101" pitchFamily="50" charset="-127"/>
-              </a:rPr>
-              <a:t>를 동등한 </a:t>
-            </a:r>
-            <a:r>
-              <a:rPr lang="ko-KR" altLang="en-US" sz="1400" dirty="0" smtClean="0">
-                <a:latin typeface="나눔스퀘어 Bold" panose="020B0600000101010101" pitchFamily="50" charset="-127"/>
-                <a:ea typeface="나눔스퀘어 Bold" panose="020B0600000101010101" pitchFamily="50" charset="-127"/>
-              </a:rPr>
-              <a:t>기준</a:t>
-            </a:r>
-            <a:r>
-              <a:rPr lang="ko-KR" altLang="en-US" sz="1400" dirty="0" smtClean="0">
-                <a:latin typeface="나눔스퀘어 Bold" panose="020B0600000101010101" pitchFamily="50" charset="-127"/>
-                <a:ea typeface="나눔스퀘어 Bold" panose="020B0600000101010101" pitchFamily="50" charset="-127"/>
-              </a:rPr>
-              <a:t>으로</a:t>
-            </a:r>
-            <a:r>
-              <a:rPr lang="ko-KR" altLang="en-US" sz="1400" dirty="0" smtClean="0">
-                <a:latin typeface="나눔스퀘어 Bold" panose="020B0600000101010101" pitchFamily="50" charset="-127"/>
-                <a:ea typeface="나눔스퀘어 Bold" panose="020B0600000101010101" pitchFamily="50" charset="-127"/>
-              </a:rPr>
-              <a:t> </a:t>
-            </a:r>
-            <a:r>
-              <a:rPr lang="ko-KR" altLang="en-US" sz="1400" dirty="0" smtClean="0">
-                <a:latin typeface="나눔스퀘어 Bold" panose="020B0600000101010101" pitchFamily="50" charset="-127"/>
-                <a:ea typeface="나눔스퀘어 Bold" panose="020B0600000101010101" pitchFamily="50" charset="-127"/>
-              </a:rPr>
-              <a:t>볼 수 없음</a:t>
-            </a:r>
           </a:p>
         </p:txBody>
       </p:sp>
@@ -6807,7 +6719,7 @@
         </p:nvSpPr>
         <p:spPr>
           <a:xfrm>
-            <a:off x="5886441" y="5695501"/>
+            <a:off x="5886441" y="5114148"/>
             <a:ext cx="6207127" cy="523220"/>
           </a:xfrm>
           <a:prstGeom prst="rect">
@@ -6854,60 +6766,88 @@
               <a:t>에서 </a:t>
             </a:r>
             <a:r>
+              <a:rPr lang="en-US" altLang="ko-KR" sz="1400" dirty="0" smtClean="0">
+                <a:latin typeface="나눔스퀘어 Bold" panose="020B0600000101010101" pitchFamily="50" charset="-127"/>
+                <a:ea typeface="나눔스퀘어 Bold" panose="020B0600000101010101" pitchFamily="50" charset="-127"/>
+              </a:rPr>
+              <a:t>input</a:t>
+            </a:r>
+            <a:r>
+              <a:rPr lang="ko-KR" altLang="en-US" sz="1400" dirty="0" smtClean="0">
+                <a:latin typeface="나눔스퀘어 Bold" panose="020B0600000101010101" pitchFamily="50" charset="-127"/>
+                <a:ea typeface="나눔스퀘어 Bold" panose="020B0600000101010101" pitchFamily="50" charset="-127"/>
+              </a:rPr>
+              <a:t>마다 </a:t>
+            </a:r>
+            <a:r>
               <a:rPr lang="en-US" altLang="ko-KR" sz="1400" dirty="0">
                 <a:latin typeface="나눔스퀘어 Bold" panose="020B0600000101010101" pitchFamily="50" charset="-127"/>
                 <a:ea typeface="나눔스퀘어 Bold" panose="020B0600000101010101" pitchFamily="50" charset="-127"/>
               </a:rPr>
-              <a:t>domain, instance-specific prompt</a:t>
+              <a:t>generator</a:t>
             </a:r>
             <a:r>
               <a:rPr lang="ko-KR" altLang="en-US" sz="1400" dirty="0">
                 <a:latin typeface="나눔스퀘어 Bold" panose="020B0600000101010101" pitchFamily="50" charset="-127"/>
                 <a:ea typeface="나눔스퀘어 Bold" panose="020B0600000101010101" pitchFamily="50" charset="-127"/>
               </a:rPr>
-              <a:t>를 생성하기 위해</a:t>
-            </a:r>
-            <a:r>
-              <a:rPr lang="en-US" altLang="ko-KR" sz="1400" dirty="0">
+              <a:t>를 </a:t>
+            </a:r>
+            <a:r>
+              <a:rPr lang="ko-KR" altLang="en-US" sz="1400" dirty="0" smtClean="0">
+                <a:latin typeface="나눔스퀘어 Bold" panose="020B0600000101010101" pitchFamily="50" charset="-127"/>
+                <a:ea typeface="나눔스퀘어 Bold" panose="020B0600000101010101" pitchFamily="50" charset="-127"/>
+              </a:rPr>
+              <a:t>거쳐 </a:t>
+            </a:r>
+            <a:r>
+              <a:rPr lang="en-US" altLang="ko-KR" sz="1400" dirty="0" smtClean="0">
+                <a:latin typeface="나눔스퀘어 Bold" panose="020B0600000101010101" pitchFamily="50" charset="-127"/>
+                <a:ea typeface="나눔스퀘어 Bold" panose="020B0600000101010101" pitchFamily="50" charset="-127"/>
+              </a:rPr>
+              <a:t>prompt</a:t>
+            </a:r>
+            <a:r>
+              <a:rPr lang="ko-KR" altLang="en-US" sz="1400" dirty="0" smtClean="0">
+                <a:latin typeface="나눔스퀘어 Bold" panose="020B0600000101010101" pitchFamily="50" charset="-127"/>
+                <a:ea typeface="나눔스퀘어 Bold" panose="020B0600000101010101" pitchFamily="50" charset="-127"/>
+              </a:rPr>
+              <a:t>를 생성해야 하므로</a:t>
+            </a:r>
+            <a:r>
+              <a:rPr lang="en-US" altLang="ko-KR" sz="1400" dirty="0" smtClean="0">
                 <a:latin typeface="나눔스퀘어 Bold" panose="020B0600000101010101" pitchFamily="50" charset="-127"/>
                 <a:ea typeface="나눔스퀘어 Bold" panose="020B0600000101010101" pitchFamily="50" charset="-127"/>
               </a:rPr>
               <a:t>, </a:t>
             </a:r>
             <a:r>
-              <a:rPr lang="en-US" altLang="ko-KR" sz="1400" dirty="0" smtClean="0">
-                <a:latin typeface="나눔스퀘어 Bold" panose="020B0600000101010101" pitchFamily="50" charset="-127"/>
-                <a:ea typeface="나눔스퀘어 Bold" panose="020B0600000101010101" pitchFamily="50" charset="-127"/>
-              </a:rPr>
-              <a:t>input image</a:t>
-            </a:r>
-            <a:r>
-              <a:rPr lang="ko-KR" altLang="en-US" sz="1400" dirty="0">
-                <a:latin typeface="나눔스퀘어 Bold" panose="020B0600000101010101" pitchFamily="50" charset="-127"/>
-                <a:ea typeface="나눔스퀘어 Bold" panose="020B0600000101010101" pitchFamily="50" charset="-127"/>
-              </a:rPr>
-              <a:t>마다 </a:t>
-            </a:r>
-            <a:r>
-              <a:rPr lang="en-US" altLang="ko-KR" sz="1400" dirty="0">
-                <a:latin typeface="나눔스퀘어 Bold" panose="020B0600000101010101" pitchFamily="50" charset="-127"/>
-                <a:ea typeface="나눔스퀘어 Bold" panose="020B0600000101010101" pitchFamily="50" charset="-127"/>
-              </a:rPr>
-              <a:t>generator</a:t>
-            </a:r>
-            <a:r>
-              <a:rPr lang="ko-KR" altLang="en-US" sz="1400" dirty="0">
-                <a:latin typeface="나눔스퀘어 Bold" panose="020B0600000101010101" pitchFamily="50" charset="-127"/>
-                <a:ea typeface="나눔스퀘어 Bold" panose="020B0600000101010101" pitchFamily="50" charset="-127"/>
-              </a:rPr>
-              <a:t>를 거쳐야 </a:t>
-            </a:r>
-            <a:r>
-              <a:rPr lang="ko-KR" altLang="en-US" sz="1400" dirty="0" smtClean="0">
-                <a:latin typeface="나눔스퀘어 Bold" panose="020B0600000101010101" pitchFamily="50" charset="-127"/>
-                <a:ea typeface="나눔스퀘어 Bold" panose="020B0600000101010101" pitchFamily="50" charset="-127"/>
-              </a:rPr>
-              <a:t>하는 단점이 있음</a:t>
+              <a:rPr lang="en-US" altLang="ko-KR" sz="1400" dirty="0" err="1" smtClean="0">
+                <a:latin typeface="나눔스퀘어 Bold" panose="020B0600000101010101" pitchFamily="50" charset="-127"/>
+                <a:ea typeface="나눔스퀘어 Bold" panose="020B0600000101010101" pitchFamily="50" charset="-127"/>
+              </a:rPr>
+              <a:t>CoCoOp</a:t>
+            </a:r>
+            <a:r>
+              <a:rPr lang="ko-KR" altLang="en-US" sz="1400" dirty="0" smtClean="0">
+                <a:latin typeface="나눔스퀘어 Bold" panose="020B0600000101010101" pitchFamily="50" charset="-127"/>
+                <a:ea typeface="나눔스퀘어 Bold" panose="020B0600000101010101" pitchFamily="50" charset="-127"/>
+              </a:rPr>
+              <a:t>처럼 </a:t>
+            </a:r>
+            <a:r>
+              <a:rPr lang="en-US" altLang="ko-KR" sz="1400" dirty="0" smtClean="0">
+                <a:latin typeface="나눔스퀘어 Bold" panose="020B0600000101010101" pitchFamily="50" charset="-127"/>
+                <a:ea typeface="나눔스퀘어 Bold" panose="020B0600000101010101" pitchFamily="50" charset="-127"/>
+              </a:rPr>
+              <a:t>inference time</a:t>
+            </a:r>
+            <a:r>
+              <a:rPr lang="ko-KR" altLang="en-US" sz="1400" dirty="0" smtClean="0">
+                <a:latin typeface="나눔스퀘어 Bold" panose="020B0600000101010101" pitchFamily="50" charset="-127"/>
+                <a:ea typeface="나눔스퀘어 Bold" panose="020B0600000101010101" pitchFamily="50" charset="-127"/>
+              </a:rPr>
+              <a:t>이 오래 걸릴 것으로 보임</a:t>
             </a:r>
             <a:endParaRPr lang="en-US" altLang="ko-KR" sz="1400" dirty="0" smtClean="0">
               <a:latin typeface="나눔스퀘어 Bold" panose="020B0600000101010101" pitchFamily="50" charset="-127"/>
@@ -7047,7 +6987,14 @@
                 <a:latin typeface="나눔스퀘어 Bold" panose="020B0600000101010101" pitchFamily="50" charset="-127"/>
                 <a:ea typeface="나눔스퀘어 Bold" panose="020B0600000101010101" pitchFamily="50" charset="-127"/>
               </a:rPr>
-              <a:t>(ECCV 2024)</a:t>
+              <a:t>(CVPR </a:t>
+            </a:r>
+            <a:r>
+              <a:rPr lang="en-US" altLang="ko-KR" sz="4000" dirty="0" smtClean="0">
+                <a:latin typeface="나눔스퀘어 Bold" panose="020B0600000101010101" pitchFamily="50" charset="-127"/>
+                <a:ea typeface="나눔스퀘어 Bold" panose="020B0600000101010101" pitchFamily="50" charset="-127"/>
+              </a:rPr>
+              <a:t>2024)</a:t>
             </a:r>
             <a:endParaRPr lang="ko-KR" altLang="en-US" sz="4000" dirty="0"/>
           </a:p>
@@ -7385,14 +7332,21 @@
                 <a:latin typeface="나눔스퀘어 Bold" panose="020B0600000101010101" pitchFamily="50" charset="-127"/>
                 <a:ea typeface="나눔스퀘어 Bold" panose="020B0600000101010101" pitchFamily="50" charset="-127"/>
               </a:rPr>
-              <a:t>간에 존재하는 </a:t>
-            </a:r>
-            <a:r>
-              <a:rPr lang="en-US" altLang="ko-KR" sz="1400" dirty="0" smtClean="0">
-                <a:latin typeface="나눔스퀘어 Bold" panose="020B0600000101010101" pitchFamily="50" charset="-127"/>
-                <a:ea typeface="나눔스퀘어 Bold" panose="020B0600000101010101" pitchFamily="50" charset="-127"/>
-              </a:rPr>
-              <a:t>modality gap</a:t>
+              <a:t>간의 </a:t>
+            </a:r>
+            <a:r>
+              <a:rPr lang="en-US" altLang="ko-KR" sz="1400" dirty="0" smtClean="0">
+                <a:latin typeface="나눔스퀘어 Bold" panose="020B0600000101010101" pitchFamily="50" charset="-127"/>
+                <a:ea typeface="나눔스퀘어 Bold" panose="020B0600000101010101" pitchFamily="50" charset="-127"/>
+              </a:rPr>
+              <a:t>modality </a:t>
+            </a:r>
+            <a:r>
+              <a:rPr lang="en-US" altLang="ko-KR" sz="1400" dirty="0" smtClean="0">
+                <a:latin typeface="나눔스퀘어 Bold" panose="020B0600000101010101" pitchFamily="50" charset="-127"/>
+                <a:ea typeface="나눔스퀘어 Bold" panose="020B0600000101010101" pitchFamily="50" charset="-127"/>
+              </a:rPr>
+              <a:t>gap</a:t>
             </a:r>
             <a:r>
               <a:rPr lang="ko-KR" altLang="en-US" sz="1400" dirty="0" smtClean="0">
@@ -7537,28 +7491,21 @@
                 <a:latin typeface="나눔스퀘어 Bold" panose="020B0600000101010101" pitchFamily="50" charset="-127"/>
                 <a:ea typeface="나눔스퀘어 Bold" panose="020B0600000101010101" pitchFamily="50" charset="-127"/>
               </a:rPr>
-              <a:t>multimodal adaptation framework</a:t>
-            </a:r>
-            <a:r>
-              <a:rPr lang="ko-KR" altLang="en-US" sz="1400" dirty="0" smtClean="0">
-                <a:latin typeface="나눔스퀘어 Bold" panose="020B0600000101010101" pitchFamily="50" charset="-127"/>
-                <a:ea typeface="나눔스퀘어 Bold" panose="020B0600000101010101" pitchFamily="50" charset="-127"/>
-              </a:rPr>
-              <a:t>가 </a:t>
-            </a:r>
-            <a:r>
-              <a:rPr lang="en-US" altLang="ko-KR" sz="1400" dirty="0" smtClean="0">
-                <a:latin typeface="나눔스퀘어 Bold" panose="020B0600000101010101" pitchFamily="50" charset="-127"/>
-                <a:ea typeface="나눔스퀘어 Bold" panose="020B0600000101010101" pitchFamily="50" charset="-127"/>
-              </a:rPr>
-              <a:t>UDA</a:t>
-            </a:r>
-            <a:r>
-              <a:rPr lang="ko-KR" altLang="en-US" sz="1400" dirty="0" smtClean="0">
-                <a:latin typeface="나눔스퀘어 Bold" panose="020B0600000101010101" pitchFamily="50" charset="-127"/>
-                <a:ea typeface="나눔스퀘어 Bold" panose="020B0600000101010101" pitchFamily="50" charset="-127"/>
-              </a:rPr>
-              <a:t>에 더 적합함</a:t>
+              <a:t>multimodal adaptation </a:t>
+            </a:r>
+            <a:r>
+              <a:rPr lang="en-US" altLang="ko-KR" sz="1400" dirty="0" smtClean="0">
+                <a:latin typeface="나눔스퀘어 Bold" panose="020B0600000101010101" pitchFamily="50" charset="-127"/>
+                <a:ea typeface="나눔스퀘어 Bold" panose="020B0600000101010101" pitchFamily="50" charset="-127"/>
+              </a:rPr>
+              <a:t>method</a:t>
+            </a:r>
+            <a:r>
+              <a:rPr lang="ko-KR" altLang="en-US" sz="1400" dirty="0" smtClean="0">
+                <a:latin typeface="나눔스퀘어 Bold" panose="020B0600000101010101" pitchFamily="50" charset="-127"/>
+                <a:ea typeface="나눔스퀘어 Bold" panose="020B0600000101010101" pitchFamily="50" charset="-127"/>
+              </a:rPr>
+              <a:t>가 필요함</a:t>
             </a:r>
             <a:endParaRPr lang="en-US" altLang="ko-KR" sz="1400" dirty="0" smtClean="0">
               <a:latin typeface="나눔스퀘어 Bold" panose="020B0600000101010101" pitchFamily="50" charset="-127"/>
@@ -7691,13 +7638,6 @@
               </a:rPr>
               <a:t>Code</a:t>
             </a:r>
-            <a:endParaRPr lang="en-US" altLang="ko-KR" sz="3200" dirty="0" smtClean="0">
-              <a:solidFill>
-                <a:srgbClr val="212529"/>
-              </a:solidFill>
-              <a:latin typeface="나눔스퀘어 Bold" panose="020B0600000101010101" pitchFamily="50" charset="-127"/>
-              <a:ea typeface="나눔스퀘어 Bold" panose="020B0600000101010101" pitchFamily="50" charset="-127"/>
-            </a:endParaRPr>
           </a:p>
         </p:txBody>
       </p:sp>
@@ -7766,18 +7706,11 @@
               <a:buChar char="§"/>
             </a:pPr>
             <a:r>
-              <a:rPr lang="ko-KR" altLang="en-US" sz="1400" dirty="0">
-                <a:latin typeface="나눔스퀘어 Bold" panose="020B0600000101010101" pitchFamily="50" charset="-127"/>
-                <a:ea typeface="나눔스퀘어 Bold" panose="020B0600000101010101" pitchFamily="50" charset="-127"/>
-              </a:rPr>
-              <a:t>우선</a:t>
-            </a:r>
-            <a:r>
-              <a:rPr lang="en-US" altLang="ko-KR" sz="1400" dirty="0">
-                <a:latin typeface="나눔스퀘어 Bold" panose="020B0600000101010101" pitchFamily="50" charset="-127"/>
-                <a:ea typeface="나눔스퀘어 Bold" panose="020B0600000101010101" pitchFamily="50" charset="-127"/>
-              </a:rPr>
-              <a:t>, DAMP</a:t>
+              <a:rPr lang="en-US" altLang="ko-KR" sz="1400" dirty="0" smtClean="0">
+                <a:latin typeface="나눔스퀘어 Bold" panose="020B0600000101010101" pitchFamily="50" charset="-127"/>
+                <a:ea typeface="나눔스퀘어 Bold" panose="020B0600000101010101" pitchFamily="50" charset="-127"/>
+              </a:rPr>
+              <a:t>DAMP</a:t>
             </a:r>
             <a:r>
               <a:rPr lang="ko-KR" altLang="en-US" sz="1400" dirty="0">
@@ -7933,32 +7866,18 @@
               <a:t>비슷한 </a:t>
             </a:r>
             <a:r>
-              <a:rPr lang="en-US" altLang="ko-KR" sz="1400" dirty="0">
+              <a:rPr lang="en-US" altLang="ko-KR" sz="1400" dirty="0" smtClean="0">
                 <a:latin typeface="나눔스퀘어 Bold" panose="020B0600000101010101" pitchFamily="50" charset="-127"/>
                 <a:ea typeface="나눔스퀘어 Bold" panose="020B0600000101010101" pitchFamily="50" charset="-127"/>
               </a:rPr>
               <a:t>0.093</a:t>
             </a:r>
             <a:r>
-              <a:rPr lang="ko-KR" altLang="en-US" sz="1400" dirty="0">
-                <a:latin typeface="나눔스퀘어 Bold" panose="020B0600000101010101" pitchFamily="50" charset="-127"/>
-                <a:ea typeface="나눔스퀘어 Bold" panose="020B0600000101010101" pitchFamily="50" charset="-127"/>
-              </a:rPr>
-              <a:t>초의 </a:t>
-            </a:r>
-            <a:r>
-              <a:rPr lang="en-US" altLang="ko-KR" sz="1400" dirty="0">
-                <a:latin typeface="나눔스퀘어 Bold" panose="020B0600000101010101" pitchFamily="50" charset="-127"/>
-                <a:ea typeface="나눔스퀘어 Bold" panose="020B0600000101010101" pitchFamily="50" charset="-127"/>
-              </a:rPr>
-              <a:t>inference time</a:t>
-            </a:r>
-            <a:r>
-              <a:rPr lang="ko-KR" altLang="en-US" sz="1400" dirty="0">
-                <a:latin typeface="나눔스퀘어 Bold" panose="020B0600000101010101" pitchFamily="50" charset="-127"/>
-                <a:ea typeface="나눔스퀘어 Bold" panose="020B0600000101010101" pitchFamily="50" charset="-127"/>
-              </a:rPr>
-              <a:t>이 </a:t>
+              <a:rPr lang="ko-KR" altLang="en-US" sz="1400" dirty="0" smtClean="0">
+                <a:latin typeface="나눔스퀘어 Bold" panose="020B0600000101010101" pitchFamily="50" charset="-127"/>
+                <a:ea typeface="나눔스퀘어 Bold" panose="020B0600000101010101" pitchFamily="50" charset="-127"/>
+              </a:rPr>
+              <a:t>초가 </a:t>
             </a:r>
             <a:r>
               <a:rPr lang="ko-KR" altLang="en-US" sz="1400" dirty="0" smtClean="0">
@@ -8111,11 +8030,18 @@
               <a:t>때</a:t>
             </a:r>
             <a:r>
+              <a:rPr lang="en-US" altLang="ko-KR" sz="1400" dirty="0" smtClean="0">
+                <a:latin typeface="나눔스퀘어 Bold" panose="020B0600000101010101" pitchFamily="50" charset="-127"/>
+                <a:ea typeface="나눔스퀘어 Bold" panose="020B0600000101010101" pitchFamily="50" charset="-127"/>
+              </a:rPr>
+              <a:t> </a:t>
+            </a:r>
+            <a:r>
               <a:rPr lang="en-US" altLang="ko-KR" sz="1400" dirty="0">
                 <a:latin typeface="나눔스퀘어 Bold" panose="020B0600000101010101" pitchFamily="50" charset="-127"/>
                 <a:ea typeface="나눔스퀘어 Bold" panose="020B0600000101010101" pitchFamily="50" charset="-127"/>
               </a:rPr>
-              <a:t>, encoder</a:t>
+              <a:t>encoder</a:t>
             </a:r>
             <a:r>
               <a:rPr lang="ko-KR" altLang="en-US" sz="1400" dirty="0">
@@ -9922,14 +9848,7 @@
                     <a:latin typeface="나눔스퀘어 Bold" panose="020B0600000101010101" pitchFamily="50" charset="-127"/>
                     <a:ea typeface="나눔스퀘어 Bold" panose="020B0600000101010101" pitchFamily="50" charset="-127"/>
                   </a:rPr>
-                  <a:t>target </a:t>
-                </a:r>
-                <a:r>
-                  <a:rPr lang="en-US" altLang="ko-KR" sz="1400" dirty="0" smtClean="0">
-                    <a:latin typeface="나눔스퀘어 Bold" panose="020B0600000101010101" pitchFamily="50" charset="-127"/>
-                    <a:ea typeface="나눔스퀘어 Bold" panose="020B0600000101010101" pitchFamily="50" charset="-127"/>
-                  </a:rPr>
-                  <a:t>sample</a:t>
+                  <a:t>target sample</a:t>
                 </a:r>
                 <a:r>
                   <a:rPr lang="ko-KR" altLang="en-US" sz="1400" dirty="0" smtClean="0">
@@ -10162,14 +10081,36 @@
                   <a:t>weight generator</a:t>
                 </a:r>
                 <a:r>
+                  <a:rPr lang="ko-KR" altLang="en-US" sz="1400" dirty="0">
+                    <a:latin typeface="나눔스퀘어 Bold" panose="020B0600000101010101" pitchFamily="50" charset="-127"/>
+                    <a:ea typeface="나눔스퀘어 Bold" panose="020B0600000101010101" pitchFamily="50" charset="-127"/>
+                  </a:rPr>
+                  <a:t>에</a:t>
+                </a:r>
+                <a:r>
                   <a:rPr lang="ko-KR" altLang="en-US" sz="1400" dirty="0" smtClean="0">
                     <a:latin typeface="나눔스퀘어 Bold" panose="020B0600000101010101" pitchFamily="50" charset="-127"/>
                     <a:ea typeface="나눔스퀘어 Bold" panose="020B0600000101010101" pitchFamily="50" charset="-127"/>
                   </a:rPr>
-                  <a:t>가 </a:t>
+                  <a:t>서</a:t>
+                </a:r>
+                <a:r>
+                  <a:rPr lang="ko-KR" altLang="en-US" sz="1400" dirty="0" smtClean="0">
+                    <a:latin typeface="나눔스퀘어 Bold" panose="020B0600000101010101" pitchFamily="50" charset="-127"/>
+                    <a:ea typeface="나눔스퀘어 Bold" panose="020B0600000101010101" pitchFamily="50" charset="-127"/>
+                  </a:rPr>
+                  <a:t> </a:t>
                 </a:r>
                 <a14:m>
                   <m:oMath xmlns:m="http://schemas.openxmlformats.org/officeDocument/2006/math">
+                    <m:r>
+                      <a:rPr lang="en-US" altLang="ko-KR" sz="1400" b="0" i="0" smtClean="0">
+                        <a:effectLst/>
+                        <a:latin typeface="Cambria Math" panose="02040503050406030204" pitchFamily="18" charset="0"/>
+                        <a:ea typeface="Cambria Math" panose="02040503050406030204" pitchFamily="18" charset="0"/>
+                      </a:rPr>
+                      <m:t> </m:t>
+                    </m:r>
                     <m:sSub>
                       <m:sSubPr>
                         <m:ctrlPr>
@@ -10199,6 +10140,13 @@
                         </m:r>
                       </m:sub>
                     </m:sSub>
+                    <m:r>
+                      <a:rPr lang="ko-KR" altLang="en-US" sz="1400" i="1">
+                        <a:latin typeface="Cambria Math" panose="02040503050406030204" pitchFamily="18" charset="0"/>
+                        <a:cs typeface="Times New Roman" panose="02020603050405020304" pitchFamily="18" charset="0"/>
+                      </a:rPr>
+                      <m:t>를</m:t>
+                    </m:r>
                   </m:oMath>
                 </a14:m>
                 <a:r>
@@ -10206,7 +10154,7 @@
                     <a:latin typeface="나눔스퀘어 Bold" panose="020B0600000101010101" pitchFamily="50" charset="-127"/>
                     <a:ea typeface="나눔스퀘어 Bold" panose="020B0600000101010101" pitchFamily="50" charset="-127"/>
                   </a:rPr>
-                  <a:t>를 입력 받아 출력한 </a:t>
+                  <a:t> 입력 받아 생성한 </a:t>
                 </a:r>
                 <a:r>
                   <a:rPr lang="en-US" altLang="ko-KR" sz="1400" dirty="0" smtClean="0">
@@ -10262,7 +10210,28 @@
                     <a:latin typeface="나눔스퀘어 Bold" panose="020B0600000101010101" pitchFamily="50" charset="-127"/>
                     <a:ea typeface="나눔스퀘어 Bold" panose="020B0600000101010101" pitchFamily="50" charset="-127"/>
                   </a:rPr>
-                  <a:t>변화에 맞춰 유연하게 </a:t>
+                  <a:t>변화에 </a:t>
+                </a:r>
+                <a:r>
+                  <a:rPr lang="ko-KR" altLang="en-US" sz="1400" dirty="0" smtClean="0">
+                    <a:latin typeface="나눔스퀘어 Bold" panose="020B0600000101010101" pitchFamily="50" charset="-127"/>
+                    <a:ea typeface="나눔스퀘어 Bold" panose="020B0600000101010101" pitchFamily="50" charset="-127"/>
+                  </a:rPr>
+                  <a:t>따라</a:t>
+                </a:r>
+                <a:r>
+                  <a:rPr lang="ko-KR" altLang="en-US" sz="1400" dirty="0" smtClean="0">
+                    <a:latin typeface="나눔스퀘어 Bold" panose="020B0600000101010101" pitchFamily="50" charset="-127"/>
+                    <a:ea typeface="나눔스퀘어 Bold" panose="020B0600000101010101" pitchFamily="50" charset="-127"/>
+                  </a:rPr>
+                  <a:t> </a:t>
+                </a:r>
+                <a:r>
+                  <a:rPr lang="ko-KR" altLang="en-US" sz="1400" dirty="0" smtClean="0">
+                    <a:latin typeface="나눔스퀘어 Bold" panose="020B0600000101010101" pitchFamily="50" charset="-127"/>
+                    <a:ea typeface="나눔스퀘어 Bold" panose="020B0600000101010101" pitchFamily="50" charset="-127"/>
+                  </a:rPr>
+                  <a:t>유연하게 </a:t>
                 </a:r>
                 <a:r>
                   <a:rPr lang="en-US" altLang="ko-KR" sz="1400" dirty="0" smtClean="0">
@@ -10505,8 +10474,8 @@
           </a:p>
         </p:txBody>
       </p:sp>
-      <mc:AlternateContent xmlns:mc="http://schemas.openxmlformats.org/markup-compatibility/2006" xmlns:a14="http://schemas.microsoft.com/office/drawing/2010/main">
-        <mc:Choice Requires="a14">
+      <mc:AlternateContent xmlns:mc="http://schemas.openxmlformats.org/markup-compatibility/2006">
+        <mc:Choice xmlns:a14="http://schemas.microsoft.com/office/drawing/2010/main" Requires="a14">
           <p:sp>
             <p:nvSpPr>
               <p:cNvPr id="10" name="TextBox 9">
@@ -10631,25 +10600,11 @@
                   <a:t>을 유지하도록 </a:t>
                 </a:r>
                 <a:r>
-                  <a:rPr lang="en-US" altLang="ko-KR" sz="1400" dirty="0" err="1" smtClean="0">
-                    <a:latin typeface="나눔스퀘어 Bold" panose="020B0600000101010101" pitchFamily="50" charset="-127"/>
-                    <a:ea typeface="나눔스퀘어 Bold" panose="020B0600000101010101" pitchFamily="50" charset="-127"/>
-                  </a:rPr>
-                  <a:t>bce</a:t>
-                </a:r>
-                <a:r>
-                  <a:rPr lang="en-US" altLang="ko-KR" sz="1400" dirty="0" smtClean="0">
-                    <a:latin typeface="나눔스퀘어 Bold" panose="020B0600000101010101" pitchFamily="50" charset="-127"/>
-                    <a:ea typeface="나눔스퀘어 Bold" panose="020B0600000101010101" pitchFamily="50" charset="-127"/>
-                  </a:rPr>
-                  <a:t> loss</a:t>
-                </a:r>
-                <a:r>
                   <a:rPr lang="ko-KR" altLang="en-US" sz="1400" dirty="0" smtClean="0">
                     <a:latin typeface="나눔스퀘어 Bold" panose="020B0600000101010101" pitchFamily="50" charset="-127"/>
                     <a:ea typeface="나눔스퀘어 Bold" panose="020B0600000101010101" pitchFamily="50" charset="-127"/>
                   </a:rPr>
-                  <a:t>를 추가해 줌</a:t>
+                  <a:t>함</a:t>
                 </a:r>
                 <a:endParaRPr lang="en-US" altLang="ko-KR" sz="1400" dirty="0" smtClean="0">
                   <a:latin typeface="나눔스퀘어 Bold" panose="020B0600000101010101" pitchFamily="50" charset="-127"/>
@@ -10751,6 +10706,13 @@
                         </m:r>
                       </m:sub>
                     </m:sSub>
+                    <m:r>
+                      <a:rPr lang="ko-KR" altLang="en-US" sz="1400" i="1">
+                        <a:latin typeface="Cambria Math" panose="02040503050406030204" pitchFamily="18" charset="0"/>
+                        <a:cs typeface="Times New Roman" panose="02020603050405020304" pitchFamily="18" charset="0"/>
+                      </a:rPr>
+                      <m:t>가</m:t>
+                    </m:r>
                   </m:oMath>
                 </a14:m>
                 <a:r>
@@ -10758,21 +10720,21 @@
                     <a:latin typeface="나눔스퀘어 Bold" panose="020B0600000101010101" pitchFamily="50" charset="-127"/>
                     <a:ea typeface="나눔스퀘어 Bold" panose="020B0600000101010101" pitchFamily="50" charset="-127"/>
                   </a:rPr>
-                  <a:t>이 최종 </a:t>
-                </a:r>
-                <a:r>
-                  <a:rPr lang="ko-KR" altLang="en-US" sz="1400" dirty="0" err="1" smtClean="0">
-                    <a:latin typeface="나눔스퀘어 Bold" panose="020B0600000101010101" pitchFamily="50" charset="-127"/>
-                    <a:ea typeface="나눔스퀘어 Bold" panose="020B0600000101010101" pitchFamily="50" charset="-127"/>
-                  </a:rPr>
-                  <a:t>예측값이</a:t>
+                  <a:t> 최종 </a:t>
                 </a:r>
                 <a:r>
                   <a:rPr lang="ko-KR" altLang="en-US" sz="1400" dirty="0" smtClean="0">
                     <a:latin typeface="나눔스퀘어 Bold" panose="020B0600000101010101" pitchFamily="50" charset="-127"/>
                     <a:ea typeface="나눔스퀘어 Bold" panose="020B0600000101010101" pitchFamily="50" charset="-127"/>
                   </a:rPr>
-                  <a:t> 됨</a:t>
+                  <a:t>예측이 </a:t>
+                </a:r>
+                <a:r>
+                  <a:rPr lang="ko-KR" altLang="en-US" sz="1400" dirty="0" smtClean="0">
+                    <a:latin typeface="나눔스퀘어 Bold" panose="020B0600000101010101" pitchFamily="50" charset="-127"/>
+                    <a:ea typeface="나눔스퀘어 Bold" panose="020B0600000101010101" pitchFamily="50" charset="-127"/>
+                  </a:rPr>
+                  <a:t>됨</a:t>
                 </a:r>
                 <a:endParaRPr lang="en-US" altLang="ko-KR" sz="1400" dirty="0" smtClean="0">
                   <a:latin typeface="나눔스퀘어 Bold" panose="020B0600000101010101" pitchFamily="50" charset="-127"/>
@@ -10782,7 +10744,7 @@
             </p:txBody>
           </p:sp>
         </mc:Choice>
-        <mc:Fallback xmlns="">
+        <mc:Fallback>
           <p:sp>
             <p:nvSpPr>
               <p:cNvPr id="10" name="TextBox 9">
@@ -11772,7 +11734,14 @@
                 <a:latin typeface="나눔스퀘어 Bold" panose="020B0600000101010101" pitchFamily="50" charset="-127"/>
                 <a:ea typeface="나눔스퀘어 Bold" panose="020B0600000101010101" pitchFamily="50" charset="-127"/>
               </a:rPr>
-              <a:t>가 분리되었고</a:t>
+              <a:t>가 </a:t>
+            </a:r>
+            <a:r>
+              <a:rPr lang="ko-KR" altLang="en-US" sz="1400" dirty="0" smtClean="0">
+                <a:latin typeface="나눔스퀘어 Bold" panose="020B0600000101010101" pitchFamily="50" charset="-127"/>
+                <a:ea typeface="나눔스퀘어 Bold" panose="020B0600000101010101" pitchFamily="50" charset="-127"/>
+              </a:rPr>
+              <a:t>분리되고</a:t>
             </a:r>
             <a:r>
               <a:rPr lang="en-US" altLang="ko-KR" sz="1400" dirty="0" smtClean="0">
@@ -12353,11 +12322,25 @@
               <a:t>modality-specific </a:t>
             </a:r>
             <a:r>
-              <a:rPr lang="ko-KR" altLang="en-US" sz="1400" dirty="0">
-                <a:latin typeface="나눔스퀘어 Bold" panose="020B0600000101010101" pitchFamily="50" charset="-127"/>
-                <a:ea typeface="나눔스퀘어 Bold" panose="020B0600000101010101" pitchFamily="50" charset="-127"/>
-              </a:rPr>
-              <a:t>정보를 </a:t>
+              <a:rPr lang="en-US" altLang="ko-KR" sz="1400" dirty="0" smtClean="0">
+                <a:latin typeface="나눔스퀘어 Bold" panose="020B0600000101010101" pitchFamily="50" charset="-127"/>
+                <a:ea typeface="나눔스퀘어 Bold" panose="020B0600000101010101" pitchFamily="50" charset="-127"/>
+              </a:rPr>
+              <a:t>information</a:t>
+            </a:r>
+            <a:r>
+              <a:rPr lang="ko-KR" altLang="en-US" sz="1400" dirty="0" smtClean="0">
+                <a:latin typeface="나눔스퀘어 Bold" panose="020B0600000101010101" pitchFamily="50" charset="-127"/>
+                <a:ea typeface="나눔스퀘어 Bold" panose="020B0600000101010101" pitchFamily="50" charset="-127"/>
+              </a:rPr>
+              <a:t>을</a:t>
+            </a:r>
+            <a:r>
+              <a:rPr lang="ko-KR" altLang="en-US" sz="1400" dirty="0" smtClean="0">
+                <a:latin typeface="나눔스퀘어 Bold" panose="020B0600000101010101" pitchFamily="50" charset="-127"/>
+                <a:ea typeface="나눔스퀘어 Bold" panose="020B0600000101010101" pitchFamily="50" charset="-127"/>
+              </a:rPr>
+              <a:t> </a:t>
             </a:r>
             <a:r>
               <a:rPr lang="ko-KR" altLang="en-US" sz="1400" dirty="0" smtClean="0">
@@ -12737,13 +12720,6 @@
               </a:rPr>
               <a:t>Code</a:t>
             </a:r>
-            <a:endParaRPr lang="en-US" altLang="ko-KR" sz="3200" dirty="0" smtClean="0">
-              <a:solidFill>
-                <a:srgbClr val="212529"/>
-              </a:solidFill>
-              <a:latin typeface="나눔스퀘어 Bold" panose="020B0600000101010101" pitchFamily="50" charset="-127"/>
-              <a:ea typeface="나눔스퀘어 Bold" panose="020B0600000101010101" pitchFamily="50" charset="-127"/>
-            </a:endParaRPr>
           </a:p>
         </p:txBody>
       </p:sp>
@@ -12812,18 +12788,39 @@
               <a:buChar char="§"/>
             </a:pPr>
             <a:r>
-              <a:rPr lang="en-US" altLang="ko-KR" sz="1400" dirty="0">
+              <a:rPr lang="ko-KR" altLang="en-US" sz="1400" dirty="0" smtClean="0">
+                <a:latin typeface="나눔스퀘어 Bold" panose="020B0600000101010101" pitchFamily="50" charset="-127"/>
+                <a:ea typeface="나눔스퀘어 Bold" panose="020B0600000101010101" pitchFamily="50" charset="-127"/>
+              </a:rPr>
+              <a:t>또한 </a:t>
+            </a:r>
+            <a:r>
+              <a:rPr lang="en-US" altLang="ko-KR" sz="1400" dirty="0" smtClean="0">
                 <a:latin typeface="나눔스퀘어 Bold" panose="020B0600000101010101" pitchFamily="50" charset="-127"/>
                 <a:ea typeface="나눔스퀘어 Bold" panose="020B0600000101010101" pitchFamily="50" charset="-127"/>
               </a:rPr>
               <a:t>contrastive loss</a:t>
             </a:r>
             <a:r>
+              <a:rPr lang="ko-KR" altLang="en-US" sz="1400" dirty="0" smtClean="0">
+                <a:latin typeface="나눔스퀘어 Bold" panose="020B0600000101010101" pitchFamily="50" charset="-127"/>
+                <a:ea typeface="나눔스퀘어 Bold" panose="020B0600000101010101" pitchFamily="50" charset="-127"/>
+              </a:rPr>
+              <a:t>가</a:t>
+            </a:r>
+            <a:r>
+              <a:rPr lang="ko-KR" altLang="en-US" sz="1400" dirty="0" smtClean="0">
+                <a:latin typeface="나눔스퀘어 Bold" panose="020B0600000101010101" pitchFamily="50" charset="-127"/>
+                <a:ea typeface="나눔스퀘어 Bold" panose="020B0600000101010101" pitchFamily="50" charset="-127"/>
+              </a:rPr>
+              <a:t> </a:t>
+            </a:r>
+            <a:r>
               <a:rPr lang="ko-KR" altLang="en-US" sz="1400" dirty="0">
                 <a:latin typeface="나눔스퀘어 Bold" panose="020B0600000101010101" pitchFamily="50" charset="-127"/>
                 <a:ea typeface="나눔스퀘어 Bold" panose="020B0600000101010101" pitchFamily="50" charset="-127"/>
               </a:rPr>
-              <a:t>에서 서로 다른 </a:t>
+              <a:t>다른 </a:t>
             </a:r>
             <a:r>
               <a:rPr lang="en-US" altLang="ko-KR" sz="1400" dirty="0">
@@ -12930,18 +12927,18 @@
               <a:t>최종 </a:t>
             </a:r>
             <a:r>
-              <a:rPr lang="en-US" altLang="ko-KR" sz="1400" dirty="0">
+              <a:rPr lang="en-US" altLang="ko-KR" sz="1400" dirty="0" smtClean="0">
                 <a:latin typeface="나눔스퀘어 Bold" panose="020B0600000101010101" pitchFamily="50" charset="-127"/>
                 <a:ea typeface="나눔스퀘어 Bold" panose="020B0600000101010101" pitchFamily="50" charset="-127"/>
               </a:rPr>
               <a:t>instance-specific</a:t>
             </a:r>
             <a:r>
-              <a:rPr lang="ko-KR" altLang="en-US" sz="1400" dirty="0">
-                <a:latin typeface="나눔스퀘어 Bold" panose="020B0600000101010101" pitchFamily="50" charset="-127"/>
-                <a:ea typeface="나눔스퀘어 Bold" panose="020B0600000101010101" pitchFamily="50" charset="-127"/>
-              </a:rPr>
-              <a:t>한 </a:t>
+              <a:rPr lang="ko-KR" altLang="en-US" sz="1400" dirty="0" smtClean="0">
+                <a:latin typeface="나눔스퀘어 Bold" panose="020B0600000101010101" pitchFamily="50" charset="-127"/>
+                <a:ea typeface="나눔스퀘어 Bold" panose="020B0600000101010101" pitchFamily="50" charset="-127"/>
+              </a:rPr>
+              <a:t> </a:t>
             </a:r>
             <a:r>
               <a:rPr lang="en-US" altLang="ko-KR" sz="1400" dirty="0">
@@ -13053,18 +13050,18 @@
               <a:t>는 같은 </a:t>
             </a:r>
             <a:r>
-              <a:rPr lang="en-US" altLang="ko-KR" sz="1400" dirty="0">
-                <a:latin typeface="나눔스퀘어 Bold" panose="020B0600000101010101" pitchFamily="50" charset="-127"/>
-                <a:ea typeface="나눔스퀘어 Bold" panose="020B0600000101010101" pitchFamily="50" charset="-127"/>
-              </a:rPr>
-              <a:t>domain </a:t>
-            </a:r>
-            <a:r>
-              <a:rPr lang="ko-KR" altLang="en-US" sz="1400" dirty="0">
-                <a:latin typeface="나눔스퀘어 Bold" panose="020B0600000101010101" pitchFamily="50" charset="-127"/>
-                <a:ea typeface="나눔스퀘어 Bold" panose="020B0600000101010101" pitchFamily="50" charset="-127"/>
-              </a:rPr>
-              <a:t>내의 </a:t>
+              <a:rPr lang="en-US" altLang="ko-KR" sz="1400" dirty="0" smtClean="0">
+                <a:latin typeface="나눔스퀘어 Bold" panose="020B0600000101010101" pitchFamily="50" charset="-127"/>
+                <a:ea typeface="나눔스퀘어 Bold" panose="020B0600000101010101" pitchFamily="50" charset="-127"/>
+              </a:rPr>
+              <a:t>domain</a:t>
+            </a:r>
+            <a:r>
+              <a:rPr lang="ko-KR" altLang="en-US" sz="1400" dirty="0" smtClean="0">
+                <a:latin typeface="나눔스퀘어 Bold" panose="020B0600000101010101" pitchFamily="50" charset="-127"/>
+                <a:ea typeface="나눔스퀘어 Bold" panose="020B0600000101010101" pitchFamily="50" charset="-127"/>
+              </a:rPr>
+              <a:t> </a:t>
             </a:r>
             <a:r>
               <a:rPr lang="en-US" altLang="ko-KR" sz="1400" dirty="0">
@@ -13171,32 +13168,46 @@
               <a:t>의 </a:t>
             </a:r>
             <a:r>
+              <a:rPr lang="ko-KR" altLang="en-US" sz="1400" dirty="0" smtClean="0">
+                <a:latin typeface="나눔스퀘어 Bold" panose="020B0600000101010101" pitchFamily="50" charset="-127"/>
+                <a:ea typeface="나눔스퀘어 Bold" panose="020B0600000101010101" pitchFamily="50" charset="-127"/>
+              </a:rPr>
+              <a:t>같은 </a:t>
+            </a:r>
+            <a:r>
+              <a:rPr lang="en-US" altLang="ko-KR" sz="1400" dirty="0" smtClean="0">
+                <a:latin typeface="나눔스퀘어 Bold" panose="020B0600000101010101" pitchFamily="50" charset="-127"/>
+                <a:ea typeface="나눔스퀘어 Bold" panose="020B0600000101010101" pitchFamily="50" charset="-127"/>
+              </a:rPr>
+              <a:t>class</a:t>
+            </a:r>
+            <a:r>
+              <a:rPr lang="ko-KR" altLang="en-US" sz="1400" dirty="0" smtClean="0">
+                <a:latin typeface="나눔스퀘어 Bold" panose="020B0600000101010101" pitchFamily="50" charset="-127"/>
+                <a:ea typeface="나눔스퀘어 Bold" panose="020B0600000101010101" pitchFamily="50" charset="-127"/>
+              </a:rPr>
+              <a:t> </a:t>
+            </a:r>
+            <a:r>
               <a:rPr lang="en-US" altLang="ko-KR" sz="1400" dirty="0">
                 <a:latin typeface="나눔스퀘어 Bold" panose="020B0600000101010101" pitchFamily="50" charset="-127"/>
                 <a:ea typeface="나눔스퀘어 Bold" panose="020B0600000101010101" pitchFamily="50" charset="-127"/>
               </a:rPr>
-              <a:t>class k</a:t>
+              <a:t>text embedding</a:t>
+            </a:r>
+            <a:r>
+              <a:rPr lang="ko-KR" altLang="en-US" sz="1400" dirty="0" smtClean="0">
+                <a:latin typeface="나눔스퀘어 Bold" panose="020B0600000101010101" pitchFamily="50" charset="-127"/>
+                <a:ea typeface="나눔스퀘어 Bold" panose="020B0600000101010101" pitchFamily="50" charset="-127"/>
+              </a:rPr>
+              <a:t>을 </a:t>
             </a:r>
             <a:r>
               <a:rPr lang="ko-KR" altLang="en-US" sz="1400" dirty="0">
                 <a:latin typeface="나눔스퀘어 Bold" panose="020B0600000101010101" pitchFamily="50" charset="-127"/>
                 <a:ea typeface="나눔스퀘어 Bold" panose="020B0600000101010101" pitchFamily="50" charset="-127"/>
               </a:rPr>
-              <a:t>에 해당하는 </a:t>
-            </a:r>
-            <a:r>
-              <a:rPr lang="en-US" altLang="ko-KR" sz="1400" dirty="0">
-                <a:latin typeface="나눔스퀘어 Bold" panose="020B0600000101010101" pitchFamily="50" charset="-127"/>
-                <a:ea typeface="나눔스퀘어 Bold" panose="020B0600000101010101" pitchFamily="50" charset="-127"/>
-              </a:rPr>
-              <a:t>text embedding</a:t>
-            </a:r>
-            <a:r>
-              <a:rPr lang="ko-KR" altLang="en-US" sz="1400" dirty="0">
-                <a:latin typeface="나눔스퀘어 Bold" panose="020B0600000101010101" pitchFamily="50" charset="-127"/>
-                <a:ea typeface="나눔스퀘어 Bold" panose="020B0600000101010101" pitchFamily="50" charset="-127"/>
-              </a:rPr>
-              <a:t>을 서로 가까워지도록 학습하는 </a:t>
+              <a:t>가까워지도록 학습하는 </a:t>
             </a:r>
             <a:r>
               <a:rPr lang="en-US" altLang="ko-KR" sz="1400" dirty="0">
@@ -13300,7 +13311,7 @@
                 <a:latin typeface="나눔스퀘어 Bold" panose="020B0600000101010101" pitchFamily="50" charset="-127"/>
                 <a:ea typeface="나눔스퀘어 Bold" panose="020B0600000101010101" pitchFamily="50" charset="-127"/>
               </a:rPr>
-              <a:t>못함</a:t>
+              <a:t>못했음</a:t>
             </a:r>
             <a:endParaRPr lang="en-US" altLang="ko-KR" sz="1400" dirty="0" smtClean="0">
               <a:latin typeface="나눔스퀘어 Bold" panose="020B0600000101010101" pitchFamily="50" charset="-127"/>
@@ -13524,13 +13535,6 @@
               </a:rPr>
               <a:t>Code</a:t>
             </a:r>
-            <a:endParaRPr lang="en-US" altLang="ko-KR" sz="3200" dirty="0" smtClean="0">
-              <a:solidFill>
-                <a:srgbClr val="212529"/>
-              </a:solidFill>
-              <a:latin typeface="나눔스퀘어 Bold" panose="020B0600000101010101" pitchFamily="50" charset="-127"/>
-              <a:ea typeface="나눔스퀘어 Bold" panose="020B0600000101010101" pitchFamily="50" charset="-127"/>
-            </a:endParaRPr>
           </a:p>
         </p:txBody>
       </p:sp>
@@ -13583,7 +13587,7 @@
             <p:spPr>
               <a:xfrm>
                 <a:off x="5886445" y="4522757"/>
-                <a:ext cx="6207127" cy="1384995"/>
+                <a:ext cx="6207127" cy="1169551"/>
               </a:xfrm>
               <a:prstGeom prst="rect">
                 <a:avLst/>
@@ -13695,25 +13699,18 @@
                   <a:t>와는 멀어지도록 학습하는 </a:t>
                 </a:r>
                 <a:r>
-                  <a:rPr lang="en-US" altLang="ko-KR" sz="1400" dirty="0">
+                  <a:rPr lang="en-US" altLang="ko-KR" sz="1400" dirty="0" smtClean="0">
                     <a:latin typeface="나눔스퀘어 Bold" panose="020B0600000101010101" pitchFamily="50" charset="-127"/>
                     <a:ea typeface="나눔스퀘어 Bold" panose="020B0600000101010101" pitchFamily="50" charset="-127"/>
                   </a:rPr>
                   <a:t>loss</a:t>
                 </a:r>
                 <a:r>
-                  <a:rPr lang="ko-KR" altLang="en-US" sz="1400" dirty="0">
-                    <a:latin typeface="나눔스퀘어 Bold" panose="020B0600000101010101" pitchFamily="50" charset="-127"/>
-                    <a:ea typeface="나눔스퀘어 Bold" panose="020B0600000101010101" pitchFamily="50" charset="-127"/>
-                  </a:rPr>
-                  <a:t>를 추가하는 시도도 해 </a:t>
-                </a:r>
-                <a:r>
                   <a:rPr lang="ko-KR" altLang="en-US" sz="1400" dirty="0" smtClean="0">
                     <a:latin typeface="나눔스퀘어 Bold" panose="020B0600000101010101" pitchFamily="50" charset="-127"/>
                     <a:ea typeface="나눔스퀘어 Bold" panose="020B0600000101010101" pitchFamily="50" charset="-127"/>
                   </a:rPr>
-                  <a:t>보았음</a:t>
+                  <a:t>도 추가해 보았음</a:t>
                 </a:r>
                 <a:endParaRPr lang="en-US" altLang="ko-KR" sz="1400" dirty="0" smtClean="0">
                   <a:latin typeface="나눔스퀘어 Bold" panose="020B0600000101010101" pitchFamily="50" charset="-127"/>
@@ -13736,25 +13733,46 @@
                   <a:buChar char="§"/>
                 </a:pPr>
                 <a:r>
+                  <a:rPr lang="ko-KR" altLang="en-US" sz="1400" dirty="0" smtClean="0">
+                    <a:latin typeface="나눔스퀘어 Bold" panose="020B0600000101010101" pitchFamily="50" charset="-127"/>
+                    <a:ea typeface="나눔스퀘어 Bold" panose="020B0600000101010101" pitchFamily="50" charset="-127"/>
+                  </a:rPr>
+                  <a:t>하지만 </a:t>
+                </a:r>
+                <a:r>
+                  <a:rPr lang="ko-KR" altLang="en-US" sz="1400" dirty="0" smtClean="0">
+                    <a:latin typeface="나눔스퀘어 Bold" panose="020B0600000101010101" pitchFamily="50" charset="-127"/>
+                    <a:ea typeface="나눔스퀘어 Bold" panose="020B0600000101010101" pitchFamily="50" charset="-127"/>
+                  </a:rPr>
+                  <a:t>두 </a:t>
+                </a:r>
+                <a:r>
+                  <a:rPr lang="ko-KR" altLang="en-US" sz="1400" dirty="0" smtClean="0">
+                    <a:latin typeface="나눔스퀘어 Bold" panose="020B0600000101010101" pitchFamily="50" charset="-127"/>
+                    <a:ea typeface="나눔스퀘어 Bold" panose="020B0600000101010101" pitchFamily="50" charset="-127"/>
+                  </a:rPr>
+                  <a:t>방법 </a:t>
+                </a:r>
+                <a:r>
                   <a:rPr lang="ko-KR" altLang="en-US" sz="1400" dirty="0">
                     <a:latin typeface="나눔스퀘어 Bold" panose="020B0600000101010101" pitchFamily="50" charset="-127"/>
                     <a:ea typeface="나눔스퀘어 Bold" panose="020B0600000101010101" pitchFamily="50" charset="-127"/>
                   </a:rPr>
-                  <a:t>두 </a:t>
+                  <a:t>모두 성능 향상에 도움을 </a:t>
                 </a:r>
                 <a:r>
                   <a:rPr lang="ko-KR" altLang="en-US" sz="1400" dirty="0" smtClean="0">
                     <a:latin typeface="나눔스퀘어 Bold" panose="020B0600000101010101" pitchFamily="50" charset="-127"/>
                     <a:ea typeface="나눔스퀘어 Bold" panose="020B0600000101010101" pitchFamily="50" charset="-127"/>
                   </a:rPr>
-                  <a:t>방법 </a:t>
+                  <a:t>주지 </a:t>
                 </a:r>
                 <a:r>
                   <a:rPr lang="ko-KR" altLang="en-US" sz="1400" dirty="0">
                     <a:latin typeface="나눔스퀘어 Bold" panose="020B0600000101010101" pitchFamily="50" charset="-127"/>
                     <a:ea typeface="나눔스퀘어 Bold" panose="020B0600000101010101" pitchFamily="50" charset="-127"/>
                   </a:rPr>
-                  <a:t>모두 성능 향상에 도움을 주지는 못했음</a:t>
+                  <a:t>못했음</a:t>
                 </a:r>
                 <a:endParaRPr lang="en-US" altLang="ko-KR" sz="1400" dirty="0" smtClean="0">
                   <a:latin typeface="나눔스퀘어 Bold" panose="020B0600000101010101" pitchFamily="50" charset="-127"/>
@@ -13782,7 +13800,7 @@
             <p:spPr>
               <a:xfrm>
                 <a:off x="5886445" y="4522757"/>
-                <a:ext cx="6207127" cy="1384995"/>
+                <a:ext cx="6207127" cy="1169551"/>
               </a:xfrm>
               <a:prstGeom prst="rect">
                 <a:avLst/>
@@ -13790,7 +13808,7 @@
               <a:blipFill>
                 <a:blip r:embed="rId2"/>
                 <a:stretch>
-                  <a:fillRect l="-196" t="-881" b="-3524"/>
+                  <a:fillRect l="-196" t="-1042" b="-4167"/>
                 </a:stretch>
               </a:blipFill>
             </p:spPr>
@@ -13858,32 +13876,39 @@
                   <a:t>에서 </a:t>
                 </a:r>
                 <a:r>
+                  <a:rPr lang="en-US" altLang="ko-KR" sz="1400" dirty="0" smtClean="0">
+                    <a:latin typeface="나눔스퀘어 Bold" panose="020B0600000101010101" pitchFamily="50" charset="-127"/>
+                    <a:ea typeface="나눔스퀘어 Bold" panose="020B0600000101010101" pitchFamily="50" charset="-127"/>
+                  </a:rPr>
+                  <a:t>text </a:t>
+                </a:r>
+                <a:r>
                   <a:rPr lang="en-US" altLang="ko-KR" sz="1400" dirty="0">
                     <a:latin typeface="나눔스퀘어 Bold" panose="020B0600000101010101" pitchFamily="50" charset="-127"/>
                     <a:ea typeface="나눔스퀘어 Bold" panose="020B0600000101010101" pitchFamily="50" charset="-127"/>
                   </a:rPr>
-                  <a:t>instance-specific text feature s’</a:t>
+                  <a:t>feature s’</a:t>
                 </a:r>
                 <a:r>
                   <a:rPr lang="ko-KR" altLang="en-US" sz="1400" dirty="0">
                     <a:latin typeface="나눔스퀘어 Bold" panose="020B0600000101010101" pitchFamily="50" charset="-127"/>
                     <a:ea typeface="나눔스퀘어 Bold" panose="020B0600000101010101" pitchFamily="50" charset="-127"/>
                   </a:rPr>
-                  <a:t>을 생성하기 위해 </a:t>
-                </a:r>
-                <a:r>
-                  <a:rPr lang="en-US" altLang="ko-KR" sz="1400" dirty="0">
-                    <a:latin typeface="나눔스퀘어 Bold" panose="020B0600000101010101" pitchFamily="50" charset="-127"/>
-                    <a:ea typeface="나눔스퀘어 Bold" panose="020B0600000101010101" pitchFamily="50" charset="-127"/>
-                  </a:rPr>
-                  <a:t>image local </a:t>
+                  <a:t>을 생성하기 </a:t>
+                </a:r>
+                <a:r>
+                  <a:rPr lang="ko-KR" altLang="en-US" sz="1400" dirty="0" smtClean="0">
+                    <a:latin typeface="나눔스퀘어 Bold" panose="020B0600000101010101" pitchFamily="50" charset="-127"/>
+                    <a:ea typeface="나눔스퀘어 Bold" panose="020B0600000101010101" pitchFamily="50" charset="-127"/>
+                  </a:rPr>
+                  <a:t>위해 </a:t>
                 </a:r>
                 <a:r>
                   <a:rPr lang="en-US" altLang="ko-KR" sz="1400" dirty="0" smtClean="0">
                     <a:latin typeface="나눔스퀘어 Bold" panose="020B0600000101010101" pitchFamily="50" charset="-127"/>
                     <a:ea typeface="나눔스퀘어 Bold" panose="020B0600000101010101" pitchFamily="50" charset="-127"/>
                   </a:rPr>
-                  <a:t>feature </a:t>
+                  <a:t>local image feature </a:t>
                 </a:r>
                 <a14:m>
                   <m:oMath xmlns:m="http://schemas.openxmlformats.org/officeDocument/2006/math">
@@ -14268,7 +14293,7 @@
               <a:blipFill>
                 <a:blip r:embed="rId3"/>
                 <a:stretch>
-                  <a:fillRect l="-196" t="-296" r="-786" b="-888"/>
+                  <a:fillRect l="-196" t="-296" r="-295" b="-888"/>
                 </a:stretch>
               </a:blipFill>
             </p:spPr>
@@ -14875,11 +14900,25 @@
               <a:t>global visual </a:t>
             </a:r>
             <a:r>
-              <a:rPr lang="ko-KR" altLang="en-US" sz="1400" dirty="0" smtClean="0">
-                <a:latin typeface="나눔스퀘어 Bold" panose="020B0600000101010101" pitchFamily="50" charset="-127"/>
-                <a:ea typeface="나눔스퀘어 Bold" panose="020B0600000101010101" pitchFamily="50" charset="-127"/>
-              </a:rPr>
-              <a:t>표현에만 집중해 </a:t>
+              <a:rPr lang="en-US" altLang="ko-KR" sz="1400" dirty="0" smtClean="0">
+                <a:latin typeface="나눔스퀘어 Bold" panose="020B0600000101010101" pitchFamily="50" charset="-127"/>
+                <a:ea typeface="나눔스퀘어 Bold" panose="020B0600000101010101" pitchFamily="50" charset="-127"/>
+              </a:rPr>
+              <a:t>feature</a:t>
+            </a:r>
+            <a:r>
+              <a:rPr lang="ko-KR" altLang="en-US" sz="1400" dirty="0" smtClean="0">
+                <a:latin typeface="나눔스퀘어 Bold" panose="020B0600000101010101" pitchFamily="50" charset="-127"/>
+                <a:ea typeface="나눔스퀘어 Bold" panose="020B0600000101010101" pitchFamily="50" charset="-127"/>
+              </a:rPr>
+              <a:t>에만 </a:t>
+            </a:r>
+            <a:r>
+              <a:rPr lang="ko-KR" altLang="en-US" sz="1400" dirty="0" smtClean="0">
+                <a:latin typeface="나눔스퀘어 Bold" panose="020B0600000101010101" pitchFamily="50" charset="-127"/>
+                <a:ea typeface="나눔스퀘어 Bold" panose="020B0600000101010101" pitchFamily="50" charset="-127"/>
+              </a:rPr>
+              <a:t>집중해 </a:t>
             </a:r>
             <a:r>
               <a:rPr lang="en-US" altLang="ko-KR" sz="1400" dirty="0" smtClean="0">
@@ -15467,8 +15506,8 @@
           </a:p>
         </p:txBody>
       </p:sp>
-      <mc:AlternateContent xmlns:mc="http://schemas.openxmlformats.org/markup-compatibility/2006">
-        <mc:Choice xmlns:a14="http://schemas.microsoft.com/office/drawing/2010/main" Requires="a14">
+      <mc:AlternateContent xmlns:mc="http://schemas.openxmlformats.org/markup-compatibility/2006" xmlns:a14="http://schemas.microsoft.com/office/drawing/2010/main">
+        <mc:Choice Requires="a14">
           <p:sp>
             <p:nvSpPr>
               <p:cNvPr id="14" name="TextBox 13">
@@ -15742,14 +15781,7 @@
                     <a:latin typeface="나눔스퀘어 Bold" panose="020B0600000101010101" pitchFamily="50" charset="-127"/>
                     <a:ea typeface="나눔스퀘어 Bold" panose="020B0600000101010101" pitchFamily="50" charset="-127"/>
                   </a:rPr>
-                  <a:t>global </a:t>
-                </a:r>
-                <a:r>
-                  <a:rPr lang="en-US" altLang="ko-KR" sz="1400" dirty="0" smtClean="0">
-                    <a:latin typeface="나눔스퀘어 Bold" panose="020B0600000101010101" pitchFamily="50" charset="-127"/>
-                    <a:ea typeface="나눔스퀘어 Bold" panose="020B0600000101010101" pitchFamily="50" charset="-127"/>
-                  </a:rPr>
-                  <a:t>feature</a:t>
+                  <a:t>global feature</a:t>
                 </a:r>
                 <a:r>
                   <a:rPr lang="ko-KR" altLang="en-US" sz="1400" dirty="0" smtClean="0">
@@ -15901,7 +15933,7 @@
             </p:txBody>
           </p:sp>
         </mc:Choice>
-        <mc:Fallback>
+        <mc:Fallback xmlns="">
           <p:sp>
             <p:nvSpPr>
               <p:cNvPr id="14" name="TextBox 13">
@@ -16456,7 +16488,7 @@
         <p:spPr>
           <a:xfrm>
             <a:off x="5886445" y="3696039"/>
-            <a:ext cx="6207127" cy="2462213"/>
+            <a:ext cx="6207127" cy="2031325"/>
           </a:xfrm>
           <a:prstGeom prst="rect">
             <a:avLst/>
@@ -16555,7 +16587,28 @@
                 <a:latin typeface="나눔스퀘어 Bold" panose="020B0600000101010101" pitchFamily="50" charset="-127"/>
                 <a:ea typeface="나눔스퀘어 Bold" panose="020B0600000101010101" pitchFamily="50" charset="-127"/>
               </a:rPr>
-              <a:t>로 서로 다른 값을 사용함</a:t>
+              <a:t>로 </a:t>
+            </a:r>
+            <a:r>
+              <a:rPr lang="ko-KR" altLang="en-US" sz="1400" dirty="0" smtClean="0">
+                <a:latin typeface="나눔스퀘어 Bold" panose="020B0600000101010101" pitchFamily="50" charset="-127"/>
+                <a:ea typeface="나눔스퀘어 Bold" panose="020B0600000101010101" pitchFamily="50" charset="-127"/>
+              </a:rPr>
+              <a:t>각자</a:t>
+            </a:r>
+            <a:r>
+              <a:rPr lang="ko-KR" altLang="en-US" sz="1400" dirty="0" smtClean="0">
+                <a:latin typeface="나눔스퀘어 Bold" panose="020B0600000101010101" pitchFamily="50" charset="-127"/>
+                <a:ea typeface="나눔스퀘어 Bold" panose="020B0600000101010101" pitchFamily="50" charset="-127"/>
+              </a:rPr>
+              <a:t> </a:t>
+            </a:r>
+            <a:r>
+              <a:rPr lang="ko-KR" altLang="en-US" sz="1400" dirty="0" smtClean="0">
+                <a:latin typeface="나눔스퀘어 Bold" panose="020B0600000101010101" pitchFamily="50" charset="-127"/>
+                <a:ea typeface="나눔스퀘어 Bold" panose="020B0600000101010101" pitchFamily="50" charset="-127"/>
+              </a:rPr>
+              <a:t>다른 값을 사용함</a:t>
             </a:r>
             <a:endParaRPr lang="en-US" altLang="ko-KR" sz="1400" dirty="0" smtClean="0">
               <a:latin typeface="나눔스퀘어 Bold" panose="020B0600000101010101" pitchFamily="50" charset="-127"/>
@@ -16679,28 +16732,49 @@
                 <a:latin typeface="나눔스퀘어 Bold" panose="020B0600000101010101" pitchFamily="50" charset="-127"/>
                 <a:ea typeface="나눔스퀘어 Bold" panose="020B0600000101010101" pitchFamily="50" charset="-127"/>
               </a:rPr>
-              <a:t>, global image feature</a:t>
-            </a:r>
-            <a:r>
-              <a:rPr lang="ko-KR" altLang="en-US" sz="1400" dirty="0" smtClean="0">
-                <a:latin typeface="나눔스퀘어 Bold" panose="020B0600000101010101" pitchFamily="50" charset="-127"/>
-                <a:ea typeface="나눔스퀘어 Bold" panose="020B0600000101010101" pitchFamily="50" charset="-127"/>
-              </a:rPr>
-              <a:t>와 모든 </a:t>
-            </a:r>
-            <a:r>
-              <a:rPr lang="en-US" altLang="ko-KR" sz="1400" dirty="0" smtClean="0">
-                <a:latin typeface="나눔스퀘어 Bold" panose="020B0600000101010101" pitchFamily="50" charset="-127"/>
-                <a:ea typeface="나눔스퀘어 Bold" panose="020B0600000101010101" pitchFamily="50" charset="-127"/>
-              </a:rPr>
-              <a:t>global prompt </a:t>
-            </a:r>
-            <a:r>
-              <a:rPr lang="ko-KR" altLang="en-US" sz="1400" dirty="0" smtClean="0">
-                <a:latin typeface="나눔스퀘어 Bold" panose="020B0600000101010101" pitchFamily="50" charset="-127"/>
-                <a:ea typeface="나눔스퀘어 Bold" panose="020B0600000101010101" pitchFamily="50" charset="-127"/>
-              </a:rPr>
-              <a:t>간 </a:t>
+              <a:t>, </a:t>
+            </a:r>
+            <a:r>
+              <a:rPr lang="ko-KR" altLang="en-US" sz="1400" dirty="0" smtClean="0">
+                <a:latin typeface="나눔스퀘어 Bold" panose="020B0600000101010101" pitchFamily="50" charset="-127"/>
+                <a:ea typeface="나눔스퀘어 Bold" panose="020B0600000101010101" pitchFamily="50" charset="-127"/>
+              </a:rPr>
+              <a:t>모든 </a:t>
+            </a:r>
+            <a:r>
+              <a:rPr lang="en-US" altLang="ko-KR" sz="1400" dirty="0" smtClean="0">
+                <a:latin typeface="나눔스퀘어 Bold" panose="020B0600000101010101" pitchFamily="50" charset="-127"/>
+                <a:ea typeface="나눔스퀘어 Bold" panose="020B0600000101010101" pitchFamily="50" charset="-127"/>
+              </a:rPr>
+              <a:t>global </a:t>
+            </a:r>
+            <a:r>
+              <a:rPr lang="en-US" altLang="ko-KR" sz="1400" dirty="0" smtClean="0">
+                <a:latin typeface="나눔스퀘어 Bold" panose="020B0600000101010101" pitchFamily="50" charset="-127"/>
+                <a:ea typeface="나눔스퀘어 Bold" panose="020B0600000101010101" pitchFamily="50" charset="-127"/>
+              </a:rPr>
+              <a:t>prompt</a:t>
+            </a:r>
+            <a:r>
+              <a:rPr lang="ko-KR" altLang="en-US" sz="1400" dirty="0" smtClean="0">
+                <a:latin typeface="나눔스퀘어 Bold" panose="020B0600000101010101" pitchFamily="50" charset="-127"/>
+                <a:ea typeface="나눔스퀘어 Bold" panose="020B0600000101010101" pitchFamily="50" charset="-127"/>
+              </a:rPr>
+              <a:t>와 </a:t>
+            </a:r>
+            <a:r>
+              <a:rPr lang="en-US" altLang="ko-KR" sz="1400" dirty="0" smtClean="0">
+                <a:latin typeface="나눔스퀘어 Bold" panose="020B0600000101010101" pitchFamily="50" charset="-127"/>
+                <a:ea typeface="나눔스퀘어 Bold" panose="020B0600000101010101" pitchFamily="50" charset="-127"/>
+              </a:rPr>
+              <a:t>local prompt</a:t>
+            </a:r>
+            <a:r>
+              <a:rPr lang="ko-KR" altLang="en-US" sz="1400" dirty="0" smtClean="0">
+                <a:latin typeface="나눔스퀘어 Bold" panose="020B0600000101010101" pitchFamily="50" charset="-127"/>
+                <a:ea typeface="나눔스퀘어 Bold" panose="020B0600000101010101" pitchFamily="50" charset="-127"/>
+              </a:rPr>
+              <a:t>로 계산한 </a:t>
             </a:r>
             <a:r>
               <a:rPr lang="en-US" altLang="ko-KR" sz="1400" dirty="0" smtClean="0">
@@ -16714,69 +16788,21 @@
                 <a:latin typeface="나눔스퀘어 Bold" panose="020B0600000101010101" pitchFamily="50" charset="-127"/>
                 <a:ea typeface="나눔스퀘어 Bold" panose="020B0600000101010101" pitchFamily="50" charset="-127"/>
               </a:rPr>
-              <a:t>와</a:t>
-            </a:r>
-            <a:endParaRPr lang="en-US" altLang="ko-KR" sz="1400" dirty="0">
-              <a:latin typeface="나눔스퀘어 Bold" panose="020B0600000101010101" pitchFamily="50" charset="-127"/>
-              <a:ea typeface="나눔스퀘어 Bold" panose="020B0600000101010101" pitchFamily="50" charset="-127"/>
-            </a:endParaRPr>
-          </a:p>
-          <a:p>
-            <a:pPr marL="285750" indent="-285750">
-              <a:buFont typeface="Wingdings" panose="05000000000000000000" pitchFamily="2" charset="2"/>
-              <a:buChar char="§"/>
-            </a:pPr>
-            <a:endParaRPr lang="en-US" altLang="ko-KR" sz="1400" dirty="0" smtClean="0">
-              <a:latin typeface="나눔스퀘어 Bold" panose="020B0600000101010101" pitchFamily="50" charset="-127"/>
-              <a:ea typeface="나눔스퀘어 Bold" panose="020B0600000101010101" pitchFamily="50" charset="-127"/>
-            </a:endParaRPr>
-          </a:p>
-          <a:p>
-            <a:pPr marL="285750" indent="-285750">
-              <a:buFont typeface="Wingdings" panose="05000000000000000000" pitchFamily="2" charset="2"/>
-              <a:buChar char="§"/>
-            </a:pPr>
-            <a:r>
-              <a:rPr lang="en-US" altLang="ko-KR" sz="1400" dirty="0" smtClean="0">
-                <a:latin typeface="나눔스퀘어 Bold" panose="020B0600000101010101" pitchFamily="50" charset="-127"/>
-                <a:ea typeface="나눔스퀘어 Bold" panose="020B0600000101010101" pitchFamily="50" charset="-127"/>
-              </a:rPr>
-              <a:t>Local image feature</a:t>
-            </a:r>
-            <a:r>
-              <a:rPr lang="ko-KR" altLang="en-US" sz="1400" dirty="0" smtClean="0">
-                <a:latin typeface="나눔스퀘어 Bold" panose="020B0600000101010101" pitchFamily="50" charset="-127"/>
-                <a:ea typeface="나눔스퀘어 Bold" panose="020B0600000101010101" pitchFamily="50" charset="-127"/>
-              </a:rPr>
-              <a:t>와 모든 </a:t>
-            </a:r>
-            <a:r>
-              <a:rPr lang="en-US" altLang="ko-KR" sz="1400" dirty="0" smtClean="0">
-                <a:latin typeface="나눔스퀘어 Bold" panose="020B0600000101010101" pitchFamily="50" charset="-127"/>
-                <a:ea typeface="나눔스퀘어 Bold" panose="020B0600000101010101" pitchFamily="50" charset="-127"/>
-              </a:rPr>
-              <a:t>local prompt </a:t>
-            </a:r>
-            <a:r>
-              <a:rPr lang="ko-KR" altLang="en-US" sz="1400" dirty="0" smtClean="0">
-                <a:latin typeface="나눔스퀘어 Bold" panose="020B0600000101010101" pitchFamily="50" charset="-127"/>
-                <a:ea typeface="나눔스퀘어 Bold" panose="020B0600000101010101" pitchFamily="50" charset="-127"/>
-              </a:rPr>
-              <a:t>간 </a:t>
-            </a:r>
-            <a:r>
-              <a:rPr lang="en-US" altLang="ko-KR" sz="1400" dirty="0" smtClean="0">
-                <a:latin typeface="나눔스퀘어 Bold" panose="020B0600000101010101" pitchFamily="50" charset="-127"/>
-                <a:ea typeface="나눔스퀘어 Bold" panose="020B0600000101010101" pitchFamily="50" charset="-127"/>
-              </a:rPr>
-              <a:t>similarity</a:t>
-            </a:r>
-            <a:r>
-              <a:rPr lang="ko-KR" altLang="en-US" sz="1400" dirty="0" smtClean="0">
-                <a:latin typeface="나눔스퀘어 Bold" panose="020B0600000101010101" pitchFamily="50" charset="-127"/>
-                <a:ea typeface="나눔스퀘어 Bold" panose="020B0600000101010101" pitchFamily="50" charset="-127"/>
-              </a:rPr>
-              <a:t>의 평균값을 최종 </a:t>
+              <a:t>의 </a:t>
+            </a:r>
+            <a:r>
+              <a:rPr lang="ko-KR" altLang="en-US" sz="1400" dirty="0" smtClean="0">
+                <a:latin typeface="나눔스퀘어 Bold" panose="020B0600000101010101" pitchFamily="50" charset="-127"/>
+                <a:ea typeface="나눔스퀘어 Bold" panose="020B0600000101010101" pitchFamily="50" charset="-127"/>
+              </a:rPr>
+              <a:t>평균을 </a:t>
+            </a:r>
+            <a:r>
+              <a:rPr lang="ko-KR" altLang="en-US" sz="1400" dirty="0" smtClean="0">
+                <a:latin typeface="나눔스퀘어 Bold" panose="020B0600000101010101" pitchFamily="50" charset="-127"/>
+                <a:ea typeface="나눔스퀘어 Bold" panose="020B0600000101010101" pitchFamily="50" charset="-127"/>
+              </a:rPr>
+              <a:t>최종 </a:t>
             </a:r>
             <a:r>
               <a:rPr lang="en-US" altLang="ko-KR" sz="1400" dirty="0" smtClean="0">
@@ -16864,7 +16890,7 @@
                 <a:latin typeface="나눔스퀘어 Bold" panose="020B0600000101010101" pitchFamily="50" charset="-127"/>
                 <a:ea typeface="나눔스퀘어 Bold" panose="020B0600000101010101" pitchFamily="50" charset="-127"/>
               </a:rPr>
-              <a:t>prompts</a:t>
+              <a:t>prompt</a:t>
             </a:r>
             <a:r>
               <a:rPr lang="ko-KR" altLang="en-US" sz="1400" dirty="0" smtClean="0">
@@ -17010,28 +17036,70 @@
                 <a:latin typeface="나눔스퀘어 Bold" panose="020B0600000101010101" pitchFamily="50" charset="-127"/>
                 <a:ea typeface="나눔스퀘어 Bold" panose="020B0600000101010101" pitchFamily="50" charset="-127"/>
               </a:rPr>
-              <a:t>, prompt</a:t>
-            </a:r>
-            <a:r>
-              <a:rPr lang="ko-KR" altLang="en-US" sz="1400" dirty="0" smtClean="0">
-                <a:latin typeface="나눔스퀘어 Bold" panose="020B0600000101010101" pitchFamily="50" charset="-127"/>
-                <a:ea typeface="나눔스퀘어 Bold" panose="020B0600000101010101" pitchFamily="50" charset="-127"/>
-              </a:rPr>
-              <a:t>별로 서로 다른 </a:t>
-            </a:r>
-            <a:r>
-              <a:rPr lang="en-US" altLang="ko-KR" sz="1400" dirty="0" smtClean="0">
-                <a:latin typeface="나눔스퀘어 Bold" panose="020B0600000101010101" pitchFamily="50" charset="-127"/>
-                <a:ea typeface="나눔스퀘어 Bold" panose="020B0600000101010101" pitchFamily="50" charset="-127"/>
-              </a:rPr>
-              <a:t>image subset</a:t>
-            </a:r>
-            <a:r>
-              <a:rPr lang="ko-KR" altLang="en-US" sz="1400" dirty="0" smtClean="0">
-                <a:latin typeface="나눔스퀘어 Bold" panose="020B0600000101010101" pitchFamily="50" charset="-127"/>
-                <a:ea typeface="나눔스퀘어 Bold" panose="020B0600000101010101" pitchFamily="50" charset="-127"/>
-              </a:rPr>
-              <a:t>을 학습해 </a:t>
+              <a:t>, </a:t>
+            </a:r>
+            <a:r>
+              <a:rPr lang="ko-KR" altLang="en-US" sz="1400" dirty="0" smtClean="0">
+                <a:latin typeface="나눔스퀘어 Bold" panose="020B0600000101010101" pitchFamily="50" charset="-127"/>
+                <a:ea typeface="나눔스퀘어 Bold" panose="020B0600000101010101" pitchFamily="50" charset="-127"/>
+              </a:rPr>
+              <a:t>각 </a:t>
+            </a:r>
+            <a:r>
+              <a:rPr lang="en-US" altLang="ko-KR" sz="1400" dirty="0" smtClean="0">
+                <a:latin typeface="나눔스퀘어 Bold" panose="020B0600000101010101" pitchFamily="50" charset="-127"/>
+                <a:ea typeface="나눔스퀘어 Bold" panose="020B0600000101010101" pitchFamily="50" charset="-127"/>
+              </a:rPr>
+              <a:t>promp</a:t>
+            </a:r>
+            <a:r>
+              <a:rPr lang="en-US" altLang="ko-KR" sz="1400" dirty="0">
+                <a:latin typeface="나눔스퀘어 Bold" panose="020B0600000101010101" pitchFamily="50" charset="-127"/>
+                <a:ea typeface="나눔스퀘어 Bold" panose="020B0600000101010101" pitchFamily="50" charset="-127"/>
+              </a:rPr>
+              <a:t>t</a:t>
+            </a:r>
+            <a:r>
+              <a:rPr lang="ko-KR" altLang="en-US" sz="1400" dirty="0" smtClean="0">
+                <a:latin typeface="나눔스퀘어 Bold" panose="020B0600000101010101" pitchFamily="50" charset="-127"/>
+                <a:ea typeface="나눔스퀘어 Bold" panose="020B0600000101010101" pitchFamily="50" charset="-127"/>
+              </a:rPr>
+              <a:t>가</a:t>
+            </a:r>
+            <a:r>
+              <a:rPr lang="ko-KR" altLang="en-US" sz="1400" dirty="0" smtClean="0">
+                <a:latin typeface="나눔스퀘어 Bold" panose="020B0600000101010101" pitchFamily="50" charset="-127"/>
+                <a:ea typeface="나눔스퀘어 Bold" panose="020B0600000101010101" pitchFamily="50" charset="-127"/>
+              </a:rPr>
+              <a:t> </a:t>
+            </a:r>
+            <a:r>
+              <a:rPr lang="ko-KR" altLang="en-US" sz="1400" dirty="0" smtClean="0">
+                <a:latin typeface="나눔스퀘어 Bold" panose="020B0600000101010101" pitchFamily="50" charset="-127"/>
+                <a:ea typeface="나눔스퀘어 Bold" panose="020B0600000101010101" pitchFamily="50" charset="-127"/>
+              </a:rPr>
+              <a:t>서로 다른 </a:t>
+            </a:r>
+            <a:r>
+              <a:rPr lang="en-US" altLang="ko-KR" sz="1400" dirty="0" smtClean="0">
+                <a:latin typeface="나눔스퀘어 Bold" panose="020B0600000101010101" pitchFamily="50" charset="-127"/>
+                <a:ea typeface="나눔스퀘어 Bold" panose="020B0600000101010101" pitchFamily="50" charset="-127"/>
+              </a:rPr>
+              <a:t>image </a:t>
+            </a:r>
+            <a:r>
+              <a:rPr lang="en-US" altLang="ko-KR" sz="1400" dirty="0" smtClean="0">
+                <a:latin typeface="나눔스퀘어 Bold" panose="020B0600000101010101" pitchFamily="50" charset="-127"/>
+                <a:ea typeface="나눔스퀘어 Bold" panose="020B0600000101010101" pitchFamily="50" charset="-127"/>
+              </a:rPr>
+              <a:t>subset</a:t>
+            </a:r>
+            <a:r>
+              <a:rPr lang="ko-KR" altLang="en-US" sz="1400" dirty="0" smtClean="0">
+                <a:latin typeface="나눔스퀘어 Bold" panose="020B0600000101010101" pitchFamily="50" charset="-127"/>
+                <a:ea typeface="나눔스퀘어 Bold" panose="020B0600000101010101" pitchFamily="50" charset="-127"/>
+              </a:rPr>
+              <a:t>을 학습하므로 </a:t>
             </a:r>
             <a:r>
               <a:rPr lang="en-US" altLang="ko-KR" sz="1400" dirty="0" smtClean="0">
